--- a/presentations/Introduction to Test-Driven Development.pptx
+++ b/presentations/Introduction to Test-Driven Development.pptx
@@ -6,19 +6,34 @@
   </p:sldMasterIdLst>
   <p:sldIdLst>
     <p:sldId id="256" r:id="rId2"/>
-    <p:sldId id="257" r:id="rId3"/>
-    <p:sldId id="260" r:id="rId4"/>
-    <p:sldId id="258" r:id="rId5"/>
-    <p:sldId id="267" r:id="rId6"/>
-    <p:sldId id="259" r:id="rId7"/>
-    <p:sldId id="261" r:id="rId8"/>
-    <p:sldId id="262" r:id="rId9"/>
-    <p:sldId id="269" r:id="rId10"/>
-    <p:sldId id="263" r:id="rId11"/>
-    <p:sldId id="264" r:id="rId12"/>
-    <p:sldId id="265" r:id="rId13"/>
-    <p:sldId id="266" r:id="rId14"/>
-    <p:sldId id="268" r:id="rId15"/>
+    <p:sldId id="282" r:id="rId3"/>
+    <p:sldId id="257" r:id="rId4"/>
+    <p:sldId id="260" r:id="rId5"/>
+    <p:sldId id="281" r:id="rId6"/>
+    <p:sldId id="275" r:id="rId7"/>
+    <p:sldId id="284" r:id="rId8"/>
+    <p:sldId id="277" r:id="rId9"/>
+    <p:sldId id="273" r:id="rId10"/>
+    <p:sldId id="276" r:id="rId11"/>
+    <p:sldId id="274" r:id="rId12"/>
+    <p:sldId id="271" r:id="rId13"/>
+    <p:sldId id="272" r:id="rId14"/>
+    <p:sldId id="267" r:id="rId15"/>
+    <p:sldId id="258" r:id="rId16"/>
+    <p:sldId id="259" r:id="rId17"/>
+    <p:sldId id="270" r:id="rId18"/>
+    <p:sldId id="261" r:id="rId19"/>
+    <p:sldId id="262" r:id="rId20"/>
+    <p:sldId id="278" r:id="rId21"/>
+    <p:sldId id="279" r:id="rId22"/>
+    <p:sldId id="280" r:id="rId23"/>
+    <p:sldId id="269" r:id="rId24"/>
+    <p:sldId id="263" r:id="rId25"/>
+    <p:sldId id="264" r:id="rId26"/>
+    <p:sldId id="265" r:id="rId27"/>
+    <p:sldId id="266" r:id="rId28"/>
+    <p:sldId id="283" r:id="rId29"/>
+    <p:sldId id="268" r:id="rId30"/>
   </p:sldIdLst>
   <p:sldSz cx="12192000" cy="6858000"/>
   <p:notesSz cx="6858000" cy="9144000"/>
@@ -3442,7 +3457,7 @@
           <p:cNvPr id="2" name="Title 1">
             <a:extLst>
               <a:ext uri="{FF2B5EF4-FFF2-40B4-BE49-F238E27FC236}">
-                <a16:creationId xmlns:a16="http://schemas.microsoft.com/office/drawing/2014/main" id="{977B8AF1-3C5A-5B40-A022-7A684DB3C5B7}"/>
+                <a16:creationId xmlns:a16="http://schemas.microsoft.com/office/drawing/2014/main" id="{B557B37C-020B-E749-B234-CB1BC31B0CD1}"/>
               </a:ext>
             </a:extLst>
           </p:cNvPr>
@@ -3459,10 +3474,9 @@
           <a:lstStyle/>
           <a:p>
             <a:r>
-              <a:rPr lang="en-US" b="1" dirty="0"/>
-              <a:t>Code smell examples: Class level</a:t>
-            </a:r>
-            <a:endParaRPr lang="en-US" dirty="0"/>
+              <a:rPr lang="en-US" dirty="0"/>
+              <a:t>Accidental vs. essential complexity</a:t>
+            </a:r>
           </a:p>
         </p:txBody>
       </p:sp>
@@ -3471,7 +3485,7 @@
           <p:cNvPr id="3" name="Content Placeholder 2">
             <a:extLst>
               <a:ext uri="{FF2B5EF4-FFF2-40B4-BE49-F238E27FC236}">
-                <a16:creationId xmlns:a16="http://schemas.microsoft.com/office/drawing/2014/main" id="{62151239-2C8C-5C47-B029-8E279A296E76}"/>
+                <a16:creationId xmlns:a16="http://schemas.microsoft.com/office/drawing/2014/main" id="{CB381E5E-0FAF-D144-B905-6A8F86A608AE}"/>
               </a:ext>
             </a:extLst>
           </p:cNvPr>
@@ -3484,42 +3498,40 @@
         </p:nvSpPr>
         <p:spPr/>
         <p:txBody>
-          <a:bodyPr/>
-          <a:lstStyle/>
-          <a:p>
-            <a:r>
-              <a:rPr lang="en-US" dirty="0"/>
-              <a:t>Excessive use of literals: Literals should be coded as named constants, to improve readability and to avoid programming errors </a:t>
-            </a:r>
-          </a:p>
-          <a:p>
-            <a:r>
-              <a:rPr lang="en-US" dirty="0"/>
-              <a:t>Cyclomatic complexity: Too many branches or loops, indicating that a function needs to be broken up into smaller functions, or that it has potential for simplification/refactoring</a:t>
-            </a:r>
-          </a:p>
-          <a:p>
-            <a:r>
-              <a:rPr lang="en-US" dirty="0" err="1"/>
-              <a:t>Downcasting</a:t>
-            </a:r>
-            <a:r>
-              <a:rPr lang="en-US" dirty="0"/>
-              <a:t>: Typecasting to a specific derived type which breaks the abstraction model; the abstraction may have to be refactored or eliminated</a:t>
-            </a:r>
-          </a:p>
-          <a:p>
-            <a:pPr marL="0" indent="0">
-              <a:buNone/>
-            </a:pPr>
-            <a:endParaRPr lang="en-US" dirty="0"/>
+          <a:bodyPr>
+            <a:normAutofit/>
+          </a:bodyPr>
+          <a:lstStyle/>
+          <a:p>
+            <a:r>
+              <a:rPr lang="en-US" dirty="0"/>
+              <a:t>Software should behave predictably and accomplish its goals without too many surprises (that is, outages in production). </a:t>
+            </a:r>
+          </a:p>
+          <a:p>
+            <a:r>
+              <a:rPr lang="en-US" dirty="0"/>
+              <a:t>The number of surprises directly correlates with the amount of unnecessary complexity found in a project.</a:t>
+            </a:r>
+          </a:p>
+          <a:p>
+            <a:r>
+              <a:rPr lang="en-US" i="1" dirty="0"/>
+              <a:t>Accidental complexity relates to problems which engineers create and can fix, [whereas] essential complexity is caused by the problem to be solved, and nothing can remove it – Fred Brooks in his seminal “No Silver Bullet” essay</a:t>
+            </a:r>
+          </a:p>
+          <a:p>
+            <a:r>
+              <a:rPr lang="en-US" dirty="0"/>
+              <a:t>Push back when accidental complexity is introduced. </a:t>
+            </a:r>
           </a:p>
         </p:txBody>
       </p:sp>
     </p:spTree>
     <p:extLst>
       <p:ext uri="{BB962C8B-B14F-4D97-AF65-F5344CB8AC3E}">
-        <p14:creationId xmlns:p14="http://schemas.microsoft.com/office/powerpoint/2010/main" val="3280828989"/>
+        <p14:creationId xmlns:p14="http://schemas.microsoft.com/office/powerpoint/2010/main" val="210959948"/>
       </p:ext>
     </p:extLst>
   </p:cSld>
@@ -3551,7 +3563,7 @@
           <p:cNvPr id="2" name="Title 1">
             <a:extLst>
               <a:ext uri="{FF2B5EF4-FFF2-40B4-BE49-F238E27FC236}">
-                <a16:creationId xmlns:a16="http://schemas.microsoft.com/office/drawing/2014/main" id="{977B8AF1-3C5A-5B40-A022-7A684DB3C5B7}"/>
+                <a16:creationId xmlns:a16="http://schemas.microsoft.com/office/drawing/2014/main" id="{2218179F-6441-5945-BF98-562B2926F784}"/>
               </a:ext>
             </a:extLst>
           </p:cNvPr>
@@ -3569,9 +3581,8 @@
           <a:p>
             <a:r>
               <a:rPr lang="en-US" b="1" dirty="0"/>
-              <a:t>Code smell examples: Class level</a:t>
-            </a:r>
-            <a:endParaRPr lang="en-US" dirty="0"/>
+              <a:t>Don’t Repeat Yourself (DRY)</a:t>
+            </a:r>
           </a:p>
         </p:txBody>
       </p:sp>
@@ -3580,7 +3591,7 @@
           <p:cNvPr id="3" name="Content Placeholder 2">
             <a:extLst>
               <a:ext uri="{FF2B5EF4-FFF2-40B4-BE49-F238E27FC236}">
-                <a16:creationId xmlns:a16="http://schemas.microsoft.com/office/drawing/2014/main" id="{62151239-2C8C-5C47-B029-8E279A296E76}"/>
+                <a16:creationId xmlns:a16="http://schemas.microsoft.com/office/drawing/2014/main" id="{AE48A8DD-DF6C-1246-97B7-04913A9B2E4F}"/>
               </a:ext>
             </a:extLst>
           </p:cNvPr>
@@ -3593,24 +3604,41 @@
         </p:nvSpPr>
         <p:spPr/>
         <p:txBody>
-          <a:bodyPr/>
-          <a:lstStyle/>
-          <a:p>
-            <a:r>
-              <a:rPr lang="en-US" dirty="0"/>
-              <a:t>Orphan variable or constant class: a class that typically has a collection of constants which belong elsewhere where those constants should be owned by one of the other member classes</a:t>
-            </a:r>
-          </a:p>
-          <a:p>
-            <a:r>
-              <a:rPr lang="en-US" dirty="0"/>
-              <a:t>Data clump: Occurs when a group of variables are passed around together in various parts of the program. In general, this suggests that it would be more appropriate to formally group the different variables together into a single object, and pass around only the new object instead</a:t>
-            </a:r>
-          </a:p>
-          <a:p>
-            <a:pPr marL="0" indent="0">
-              <a:buNone/>
-            </a:pPr>
+          <a:bodyPr>
+            <a:normAutofit/>
+          </a:bodyPr>
+          <a:lstStyle/>
+          <a:p>
+            <a:r>
+              <a:rPr lang="en-US" dirty="0"/>
+              <a:t>Copy-pasta coding, doing the same or almost the same things.</a:t>
+            </a:r>
+          </a:p>
+          <a:p>
+            <a:r>
+              <a:rPr lang="en-US" dirty="0"/>
+              <a:t>DRY things up! Refactor to reusable behavior.</a:t>
+            </a:r>
+          </a:p>
+          <a:p>
+            <a:r>
+              <a:rPr lang="en-US" dirty="0"/>
+              <a:t>Less code is easier to maintain and debug.</a:t>
+            </a:r>
+          </a:p>
+          <a:p>
+            <a:r>
+              <a:rPr lang="en-US" dirty="0"/>
+              <a:t>Small functions are easy to test.</a:t>
+            </a:r>
+          </a:p>
+          <a:p>
+            <a:r>
+              <a:rPr lang="en-US" dirty="0"/>
+              <a:t>Some IDEs detect duplicate code and warn you about it, and some even help you extract methods or functions from the duplications.</a:t>
+            </a:r>
+          </a:p>
+          <a:p>
             <a:endParaRPr lang="en-US" dirty="0"/>
           </a:p>
         </p:txBody>
@@ -3618,7 +3646,7 @@
     </p:spTree>
     <p:extLst>
       <p:ext uri="{BB962C8B-B14F-4D97-AF65-F5344CB8AC3E}">
-        <p14:creationId xmlns:p14="http://schemas.microsoft.com/office/powerpoint/2010/main" val="158394321"/>
+        <p14:creationId xmlns:p14="http://schemas.microsoft.com/office/powerpoint/2010/main" val="3470758437"/>
       </p:ext>
     </p:extLst>
   </p:cSld>
@@ -3650,7 +3678,7 @@
           <p:cNvPr id="2" name="Title 1">
             <a:extLst>
               <a:ext uri="{FF2B5EF4-FFF2-40B4-BE49-F238E27FC236}">
-                <a16:creationId xmlns:a16="http://schemas.microsoft.com/office/drawing/2014/main" id="{977B8AF1-3C5A-5B40-A022-7A684DB3C5B7}"/>
+                <a16:creationId xmlns:a16="http://schemas.microsoft.com/office/drawing/2014/main" id="{01CB43B7-0D7C-2749-8138-678A249EC015}"/>
               </a:ext>
             </a:extLst>
           </p:cNvPr>
@@ -3668,9 +3696,8 @@
           <a:p>
             <a:r>
               <a:rPr lang="en-US" b="1" dirty="0"/>
-              <a:t>Code smell examples: Method level</a:t>
-            </a:r>
-            <a:endParaRPr lang="en-US" dirty="0"/>
+              <a:t>YAGNI</a:t>
+            </a:r>
           </a:p>
         </p:txBody>
       </p:sp>
@@ -3679,7 +3706,7 @@
           <p:cNvPr id="3" name="Content Placeholder 2">
             <a:extLst>
               <a:ext uri="{FF2B5EF4-FFF2-40B4-BE49-F238E27FC236}">
-                <a16:creationId xmlns:a16="http://schemas.microsoft.com/office/drawing/2014/main" id="{62151239-2C8C-5C47-B029-8E279A296E76}"/>
+                <a16:creationId xmlns:a16="http://schemas.microsoft.com/office/drawing/2014/main" id="{61F5417B-BAE5-324F-925C-103B45A75EB9}"/>
               </a:ext>
             </a:extLst>
           </p:cNvPr>
@@ -3697,30 +3724,48 @@
           <a:p>
             <a:r>
               <a:rPr lang="en-US" dirty="0"/>
-              <a:t>Too many parameters: a long list of parameters is hard to read, and makes calling and testing the function complicated. It may indicate that the purpose of the function is ill-conceived and that the code should be refactored so responsibility is assigned in a more clean-cut way</a:t>
-            </a:r>
-          </a:p>
-          <a:p>
-            <a:r>
-              <a:rPr lang="en-US" dirty="0"/>
-              <a:t>Long method: a method, function, or procedure that has grown too large</a:t>
-            </a:r>
-          </a:p>
-          <a:p>
-            <a:r>
-              <a:rPr lang="en-US" dirty="0"/>
-              <a:t>Excessively long identifiers: in particular, the use of naming conventions to provide disambiguation that should be implicit in the software architecture</a:t>
-            </a:r>
-          </a:p>
-          <a:p>
-            <a:endParaRPr lang="en-US" dirty="0"/>
+              <a:t>You are going to need it!</a:t>
+            </a:r>
+          </a:p>
+          <a:p>
+            <a:r>
+              <a:rPr lang="en-US" dirty="0"/>
+              <a:t>It’s tempting to write some extra code because you think you will need it later on. </a:t>
+            </a:r>
+          </a:p>
+          <a:p>
+            <a:pPr lvl="1"/>
+            <a:r>
+              <a:rPr lang="en-US" dirty="0"/>
+              <a:t>Nobody dares to remove it because who knows what will break if they do.</a:t>
+            </a:r>
+          </a:p>
+          <a:p>
+            <a:pPr lvl="1"/>
+            <a:r>
+              <a:rPr lang="en-US" dirty="0"/>
+              <a:t>Unused code does not get updated. It can introduce bugs and security vulnerabilities that didn’t have to be there in the first place.</a:t>
+            </a:r>
+          </a:p>
+          <a:p>
+            <a:r>
+              <a:rPr lang="en-US" dirty="0"/>
+              <a:t>Don’t write code that you don’t need right now.</a:t>
+            </a:r>
+          </a:p>
+          <a:p>
+            <a:pPr lvl="1"/>
+            <a:r>
+              <a:rPr lang="en-US" dirty="0"/>
+              <a:t>Unit testing ensures that you are solving the problem at hand.</a:t>
+            </a:r>
           </a:p>
         </p:txBody>
       </p:sp>
     </p:spTree>
     <p:extLst>
       <p:ext uri="{BB962C8B-B14F-4D97-AF65-F5344CB8AC3E}">
-        <p14:creationId xmlns:p14="http://schemas.microsoft.com/office/powerpoint/2010/main" val="518857876"/>
+        <p14:creationId xmlns:p14="http://schemas.microsoft.com/office/powerpoint/2010/main" val="613632959"/>
       </p:ext>
     </p:extLst>
   </p:cSld>
@@ -3752,7 +3797,7 @@
           <p:cNvPr id="2" name="Title 1">
             <a:extLst>
               <a:ext uri="{FF2B5EF4-FFF2-40B4-BE49-F238E27FC236}">
-                <a16:creationId xmlns:a16="http://schemas.microsoft.com/office/drawing/2014/main" id="{977B8AF1-3C5A-5B40-A022-7A684DB3C5B7}"/>
+                <a16:creationId xmlns:a16="http://schemas.microsoft.com/office/drawing/2014/main" id="{AD685F9F-4AE2-7E48-974F-8806684BD5CC}"/>
               </a:ext>
             </a:extLst>
           </p:cNvPr>
@@ -3770,9 +3815,8 @@
           <a:p>
             <a:r>
               <a:rPr lang="en-US" b="1" dirty="0"/>
-              <a:t>Code smell examples: Method level</a:t>
-            </a:r>
-            <a:endParaRPr lang="en-US" dirty="0"/>
+              <a:t>Premature optimization</a:t>
+            </a:r>
           </a:p>
         </p:txBody>
       </p:sp>
@@ -3781,7 +3825,7 @@
           <p:cNvPr id="3" name="Content Placeholder 2">
             <a:extLst>
               <a:ext uri="{FF2B5EF4-FFF2-40B4-BE49-F238E27FC236}">
-                <a16:creationId xmlns:a16="http://schemas.microsoft.com/office/drawing/2014/main" id="{62151239-2C8C-5C47-B029-8E279A296E76}"/>
+                <a16:creationId xmlns:a16="http://schemas.microsoft.com/office/drawing/2014/main" id="{076E829A-FF86-0449-8764-7413A5A29074}"/>
               </a:ext>
             </a:extLst>
           </p:cNvPr>
@@ -3794,30 +3838,62 @@
         </p:nvSpPr>
         <p:spPr/>
         <p:txBody>
-          <a:bodyPr/>
-          <a:lstStyle/>
-          <a:p>
-            <a:r>
-              <a:rPr lang="en-US" dirty="0"/>
-              <a:t>Excessively short identifiers: the name of a variable should reflect its function unless the function is obvious</a:t>
-            </a:r>
-          </a:p>
-          <a:p>
-            <a:r>
-              <a:rPr lang="en-US" dirty="0"/>
-              <a:t>Excessive return of data: a function or method that returns more than what each of its callers needs</a:t>
-            </a:r>
-          </a:p>
-          <a:p>
-            <a:r>
-              <a:rPr lang="en-US" dirty="0"/>
-              <a:t>Excessively long line of code (or God Line): A line of code which is too long, making the code difficult to read, understand, debug, refactor, or even identify possibilities of software reuse</a:t>
-            </a:r>
-          </a:p>
-          <a:p>
-            <a:pPr marL="0" indent="0">
-              <a:buNone/>
-            </a:pPr>
+          <a:bodyPr>
+            <a:normAutofit/>
+          </a:bodyPr>
+          <a:lstStyle/>
+          <a:p>
+            <a:r>
+              <a:rPr lang="en-US" dirty="0"/>
+              <a:t>It is tempting to optimize your code prematurely. </a:t>
+            </a:r>
+          </a:p>
+          <a:p>
+            <a:pPr lvl="1"/>
+            <a:r>
+              <a:rPr lang="en-US" dirty="0"/>
+              <a:t>Your code will be less clear to others.</a:t>
+            </a:r>
+          </a:p>
+          <a:p>
+            <a:pPr lvl="1"/>
+            <a:r>
+              <a:rPr lang="en-US" dirty="0"/>
+              <a:t>You will spend time on a problem that likely doesn’t exist.</a:t>
+            </a:r>
+          </a:p>
+          <a:p>
+            <a:r>
+              <a:rPr lang="en-US" dirty="0"/>
+              <a:t>Premature optimization adds complexity and in many cases is unjustified.</a:t>
+            </a:r>
+          </a:p>
+          <a:p>
+            <a:r>
+              <a:rPr lang="en-US" dirty="0"/>
+              <a:t>Make complexity earn its way into the source code.</a:t>
+            </a:r>
+          </a:p>
+          <a:p>
+            <a:r>
+              <a:rPr lang="en-US" dirty="0"/>
+              <a:t>You cannot quantify how your code will perform until you run it. </a:t>
+            </a:r>
+          </a:p>
+          <a:p>
+            <a:pPr lvl="1"/>
+            <a:r>
+              <a:rPr lang="en-US" dirty="0"/>
+              <a:t>Do not spend time optimizing it until there is an actual problem.</a:t>
+            </a:r>
+          </a:p>
+          <a:p>
+            <a:r>
+              <a:rPr lang="en-US" dirty="0"/>
+              <a:t>Keep it stupid simple (the new KISS)		</a:t>
+            </a:r>
+          </a:p>
+          <a:p>
             <a:endParaRPr lang="en-US" dirty="0"/>
           </a:p>
         </p:txBody>
@@ -3825,7 +3901,7 @@
     </p:spTree>
     <p:extLst>
       <p:ext uri="{BB962C8B-B14F-4D97-AF65-F5344CB8AC3E}">
-        <p14:creationId xmlns:p14="http://schemas.microsoft.com/office/powerpoint/2010/main" val="3302964344"/>
+        <p14:creationId xmlns:p14="http://schemas.microsoft.com/office/powerpoint/2010/main" val="485614147"/>
       </p:ext>
     </p:extLst>
   </p:cSld>
@@ -3875,9 +3951,8 @@
           <a:p>
             <a:r>
               <a:rPr lang="en-US" b="1" dirty="0"/>
-              <a:t>Further reading</a:t>
-            </a:r>
-            <a:endParaRPr lang="en-US" dirty="0"/>
+              <a:t>Managing fear during programming</a:t>
+            </a:r>
           </a:p>
         </p:txBody>
       </p:sp>
@@ -3903,32 +3978,56 @@
           <a:lstStyle/>
           <a:p>
             <a:r>
-              <a:rPr lang="en-US" u="sng" dirty="0"/>
-              <a:t>Test-Driven Development: By Example</a:t>
-            </a:r>
-            <a:r>
-              <a:rPr lang="en-US" dirty="0"/>
-              <a:t> by Kent Beck</a:t>
-            </a:r>
-          </a:p>
-          <a:p>
-            <a:r>
-              <a:rPr lang="en-US" u="sng" dirty="0"/>
-              <a:t>Working Effectively with Legacy Code</a:t>
-            </a:r>
-            <a:r>
-              <a:rPr lang="en-US" dirty="0"/>
-              <a:t> by Michael C. Feathers</a:t>
-            </a:r>
-          </a:p>
-          <a:p>
-            <a:r>
-              <a:rPr lang="en-US" u="sng" dirty="0"/>
-              <a:t>Growing Object-Oriented Software, Guided by Tests</a:t>
-            </a:r>
-            <a:r>
-              <a:rPr lang="en-US" dirty="0"/>
-              <a:t> by Steve Freeman and Nat Pryce</a:t>
+              <a:rPr lang="en-US" dirty="0"/>
+              <a:t>Fear makes you…</a:t>
+            </a:r>
+          </a:p>
+          <a:p>
+            <a:pPr lvl="1"/>
+            <a:r>
+              <a:rPr lang="en-US" dirty="0"/>
+              <a:t>Tentative</a:t>
+            </a:r>
+          </a:p>
+          <a:p>
+            <a:pPr lvl="1"/>
+            <a:r>
+              <a:rPr lang="en-US" dirty="0"/>
+              <a:t>Communicate less</a:t>
+            </a:r>
+          </a:p>
+          <a:p>
+            <a:pPr lvl="1"/>
+            <a:r>
+              <a:rPr lang="en-US" dirty="0"/>
+              <a:t>Avoid feedback</a:t>
+            </a:r>
+          </a:p>
+          <a:p>
+            <a:r>
+              <a:rPr lang="en-US" dirty="0"/>
+              <a:t>Test-driven development provides us with courage to</a:t>
+            </a:r>
+          </a:p>
+          <a:p>
+            <a:pPr lvl="1"/>
+            <a:r>
+              <a:rPr lang="en-US" dirty="0"/>
+              <a:t>Begin learning as quickly as possible</a:t>
+            </a:r>
+          </a:p>
+          <a:p>
+            <a:pPr lvl="1"/>
+            <a:r>
+              <a:rPr lang="en-US" dirty="0"/>
+              <a:t>Communicate clearly</a:t>
+            </a:r>
+          </a:p>
+          <a:p>
+            <a:pPr lvl="1"/>
+            <a:r>
+              <a:rPr lang="en-US" dirty="0"/>
+              <a:t>Search out helpful, concrete feedback</a:t>
             </a:r>
           </a:p>
         </p:txBody>
@@ -3936,7 +4035,574 @@
     </p:spTree>
     <p:extLst>
       <p:ext uri="{BB962C8B-B14F-4D97-AF65-F5344CB8AC3E}">
-        <p14:creationId xmlns:p14="http://schemas.microsoft.com/office/powerpoint/2010/main" val="2698004406"/>
+        <p14:creationId xmlns:p14="http://schemas.microsoft.com/office/powerpoint/2010/main" val="347741536"/>
+      </p:ext>
+    </p:extLst>
+  </p:cSld>
+  <p:clrMapOvr>
+    <a:masterClrMapping/>
+  </p:clrMapOvr>
+</p:sld>
+</file>
+
+<file path=ppt/slides/slide15.xml><?xml version="1.0" encoding="utf-8"?>
+<p:sld xmlns:a="http://schemas.openxmlformats.org/drawingml/2006/main" xmlns:r="http://schemas.openxmlformats.org/officeDocument/2006/relationships" xmlns:p="http://schemas.openxmlformats.org/presentationml/2006/main">
+  <p:cSld>
+    <p:spTree>
+      <p:nvGrpSpPr>
+        <p:cNvPr id="1" name=""/>
+        <p:cNvGrpSpPr/>
+        <p:nvPr/>
+      </p:nvGrpSpPr>
+      <p:grpSpPr>
+        <a:xfrm>
+          <a:off x="0" y="0"/>
+          <a:ext cx="0" cy="0"/>
+          <a:chOff x="0" y="0"/>
+          <a:chExt cx="0" cy="0"/>
+        </a:xfrm>
+      </p:grpSpPr>
+      <p:sp>
+        <p:nvSpPr>
+          <p:cNvPr id="2" name="Title 1">
+            <a:extLst>
+              <a:ext uri="{FF2B5EF4-FFF2-40B4-BE49-F238E27FC236}">
+                <a16:creationId xmlns:a16="http://schemas.microsoft.com/office/drawing/2014/main" id="{977B8AF1-3C5A-5B40-A022-7A684DB3C5B7}"/>
+              </a:ext>
+            </a:extLst>
+          </p:cNvPr>
+          <p:cNvSpPr>
+            <a:spLocks noGrp="1"/>
+          </p:cNvSpPr>
+          <p:nvPr>
+            <p:ph type="title"/>
+          </p:nvPr>
+        </p:nvSpPr>
+        <p:spPr/>
+        <p:txBody>
+          <a:bodyPr/>
+          <a:lstStyle/>
+          <a:p>
+            <a:r>
+              <a:rPr lang="en-US" b="1" dirty="0"/>
+              <a:t>Unit tests as a feedback loop</a:t>
+            </a:r>
+          </a:p>
+        </p:txBody>
+      </p:sp>
+      <p:sp>
+        <p:nvSpPr>
+          <p:cNvPr id="3" name="Content Placeholder 2">
+            <a:extLst>
+              <a:ext uri="{FF2B5EF4-FFF2-40B4-BE49-F238E27FC236}">
+                <a16:creationId xmlns:a16="http://schemas.microsoft.com/office/drawing/2014/main" id="{62151239-2C8C-5C47-B029-8E279A296E76}"/>
+              </a:ext>
+            </a:extLst>
+          </p:cNvPr>
+          <p:cNvSpPr>
+            <a:spLocks noGrp="1"/>
+          </p:cNvSpPr>
+          <p:nvPr>
+            <p:ph idx="1"/>
+          </p:nvPr>
+        </p:nvSpPr>
+        <p:spPr/>
+        <p:txBody>
+          <a:bodyPr/>
+          <a:lstStyle/>
+          <a:p>
+            <a:r>
+              <a:rPr lang="en-US" dirty="0"/>
+              <a:t>We apply feedback loops to every level of our development. </a:t>
+            </a:r>
+          </a:p>
+          <a:p>
+            <a:r>
+              <a:rPr lang="en-US" dirty="0"/>
+              <a:t>- Unit testing is a feedback loop that occurs within seconds. </a:t>
+            </a:r>
+          </a:p>
+          <a:p>
+            <a:r>
+              <a:rPr lang="en-US" dirty="0"/>
+              <a:t>- Quick execution of a unit test provides us with information.</a:t>
+            </a:r>
+          </a:p>
+          <a:p>
+            <a:r>
+              <a:rPr lang="en-US" dirty="0"/>
+              <a:t>- Constant testing will catch regression errors.</a:t>
+            </a:r>
+          </a:p>
+          <a:p>
+            <a:r>
+              <a:rPr lang="en-US" dirty="0"/>
+              <a:t>- Test-driven development gives us feedback on...</a:t>
+            </a:r>
+          </a:p>
+          <a:p>
+            <a:r>
+              <a:rPr lang="en-US" dirty="0"/>
+              <a:t>- Quality of the implementation (does it work)</a:t>
+            </a:r>
+          </a:p>
+          <a:p>
+            <a:r>
+              <a:rPr lang="en-US" dirty="0"/>
+              <a:t>- Quality of the code design (is it well structured)</a:t>
+            </a:r>
+          </a:p>
+          <a:p>
+            <a:endParaRPr lang="en-US" dirty="0"/>
+          </a:p>
+        </p:txBody>
+      </p:sp>
+    </p:spTree>
+    <p:extLst>
+      <p:ext uri="{BB962C8B-B14F-4D97-AF65-F5344CB8AC3E}">
+        <p14:creationId xmlns:p14="http://schemas.microsoft.com/office/powerpoint/2010/main" val="387847106"/>
+      </p:ext>
+    </p:extLst>
+  </p:cSld>
+  <p:clrMapOvr>
+    <a:masterClrMapping/>
+  </p:clrMapOvr>
+</p:sld>
+</file>
+
+<file path=ppt/slides/slide16.xml><?xml version="1.0" encoding="utf-8"?>
+<p:sld xmlns:a="http://schemas.openxmlformats.org/drawingml/2006/main" xmlns:r="http://schemas.openxmlformats.org/officeDocument/2006/relationships" xmlns:p="http://schemas.openxmlformats.org/presentationml/2006/main">
+  <p:cSld>
+    <p:spTree>
+      <p:nvGrpSpPr>
+        <p:cNvPr id="1" name=""/>
+        <p:cNvGrpSpPr/>
+        <p:nvPr/>
+      </p:nvGrpSpPr>
+      <p:grpSpPr>
+        <a:xfrm>
+          <a:off x="0" y="0"/>
+          <a:ext cx="0" cy="0"/>
+          <a:chOff x="0" y="0"/>
+          <a:chExt cx="0" cy="0"/>
+        </a:xfrm>
+      </p:grpSpPr>
+      <p:sp>
+        <p:nvSpPr>
+          <p:cNvPr id="2" name="Title 1">
+            <a:extLst>
+              <a:ext uri="{FF2B5EF4-FFF2-40B4-BE49-F238E27FC236}">
+                <a16:creationId xmlns:a16="http://schemas.microsoft.com/office/drawing/2014/main" id="{977B8AF1-3C5A-5B40-A022-7A684DB3C5B7}"/>
+              </a:ext>
+            </a:extLst>
+          </p:cNvPr>
+          <p:cNvSpPr>
+            <a:spLocks noGrp="1"/>
+          </p:cNvSpPr>
+          <p:nvPr>
+            <p:ph type="title"/>
+          </p:nvPr>
+        </p:nvSpPr>
+        <p:spPr/>
+        <p:txBody>
+          <a:bodyPr/>
+          <a:lstStyle/>
+          <a:p>
+            <a:r>
+              <a:rPr lang="en-US" b="1" dirty="0"/>
+              <a:t>Test-driven development mantra</a:t>
+            </a:r>
+            <a:endParaRPr lang="en-US" dirty="0"/>
+          </a:p>
+        </p:txBody>
+      </p:sp>
+      <p:sp>
+        <p:nvSpPr>
+          <p:cNvPr id="3" name="Content Placeholder 2">
+            <a:extLst>
+              <a:ext uri="{FF2B5EF4-FFF2-40B4-BE49-F238E27FC236}">
+                <a16:creationId xmlns:a16="http://schemas.microsoft.com/office/drawing/2014/main" id="{62151239-2C8C-5C47-B029-8E279A296E76}"/>
+              </a:ext>
+            </a:extLst>
+          </p:cNvPr>
+          <p:cNvSpPr>
+            <a:spLocks noGrp="1"/>
+          </p:cNvSpPr>
+          <p:nvPr>
+            <p:ph idx="1"/>
+          </p:nvPr>
+        </p:nvSpPr>
+        <p:spPr/>
+        <p:txBody>
+          <a:bodyPr/>
+          <a:lstStyle/>
+          <a:p>
+            <a:r>
+              <a:rPr lang="en-US" dirty="0"/>
+              <a:t>Red: Write a test that doesn't work or perhaps doesn't even compile.</a:t>
+            </a:r>
+          </a:p>
+          <a:p>
+            <a:r>
+              <a:rPr lang="en-US" dirty="0"/>
+              <a:t>Green: Make the test pass!</a:t>
+            </a:r>
+          </a:p>
+          <a:p>
+            <a:pPr lvl="1"/>
+            <a:r>
+              <a:rPr lang="en-US" dirty="0"/>
+              <a:t>Don't worry about code duplication or other code smells at this point.</a:t>
+            </a:r>
+          </a:p>
+          <a:p>
+            <a:r>
+              <a:rPr lang="en-US" dirty="0"/>
+              <a:t>Refactor: Eliminate code smells and make source code more communicative. </a:t>
+            </a:r>
+          </a:p>
+          <a:p>
+            <a:pPr lvl="1"/>
+            <a:r>
+              <a:rPr lang="en-US" dirty="0"/>
+              <a:t>All tests in the test suite must continue to pass successfully.</a:t>
+            </a:r>
+          </a:p>
+          <a:p>
+            <a:endParaRPr lang="en-US" dirty="0"/>
+          </a:p>
+        </p:txBody>
+      </p:sp>
+    </p:spTree>
+    <p:extLst>
+      <p:ext uri="{BB962C8B-B14F-4D97-AF65-F5344CB8AC3E}">
+        <p14:creationId xmlns:p14="http://schemas.microsoft.com/office/powerpoint/2010/main" val="375913966"/>
+      </p:ext>
+    </p:extLst>
+  </p:cSld>
+  <p:clrMapOvr>
+    <a:masterClrMapping/>
+  </p:clrMapOvr>
+</p:sld>
+</file>
+
+<file path=ppt/slides/slide17.xml><?xml version="1.0" encoding="utf-8"?>
+<p:sld xmlns:a="http://schemas.openxmlformats.org/drawingml/2006/main" xmlns:r="http://schemas.openxmlformats.org/officeDocument/2006/relationships" xmlns:p="http://schemas.openxmlformats.org/presentationml/2006/main">
+  <p:cSld>
+    <p:spTree>
+      <p:nvGrpSpPr>
+        <p:cNvPr id="1" name=""/>
+        <p:cNvGrpSpPr/>
+        <p:nvPr/>
+      </p:nvGrpSpPr>
+      <p:grpSpPr>
+        <a:xfrm>
+          <a:off x="0" y="0"/>
+          <a:ext cx="0" cy="0"/>
+          <a:chOff x="0" y="0"/>
+          <a:chExt cx="0" cy="0"/>
+        </a:xfrm>
+      </p:grpSpPr>
+      <p:sp>
+        <p:nvSpPr>
+          <p:cNvPr id="2" name="Title 1">
+            <a:extLst>
+              <a:ext uri="{FF2B5EF4-FFF2-40B4-BE49-F238E27FC236}">
+                <a16:creationId xmlns:a16="http://schemas.microsoft.com/office/drawing/2014/main" id="{85EFD48E-B811-E74E-91DD-BD6CF4E0020B}"/>
+              </a:ext>
+            </a:extLst>
+          </p:cNvPr>
+          <p:cNvSpPr>
+            <a:spLocks noGrp="1"/>
+          </p:cNvSpPr>
+          <p:nvPr>
+            <p:ph type="title"/>
+          </p:nvPr>
+        </p:nvSpPr>
+        <p:spPr/>
+        <p:txBody>
+          <a:bodyPr/>
+          <a:lstStyle/>
+          <a:p>
+            <a:r>
+              <a:rPr lang="en-US" b="1" dirty="0"/>
+              <a:t>Well-designed code</a:t>
+            </a:r>
+          </a:p>
+        </p:txBody>
+      </p:sp>
+      <p:sp>
+        <p:nvSpPr>
+          <p:cNvPr id="3" name="Content Placeholder 2">
+            <a:extLst>
+              <a:ext uri="{FF2B5EF4-FFF2-40B4-BE49-F238E27FC236}">
+                <a16:creationId xmlns:a16="http://schemas.microsoft.com/office/drawing/2014/main" id="{4AA53651-88F9-1A4F-BA24-A1E8413869B4}"/>
+              </a:ext>
+            </a:extLst>
+          </p:cNvPr>
+          <p:cNvSpPr>
+            <a:spLocks noGrp="1"/>
+          </p:cNvSpPr>
+          <p:nvPr>
+            <p:ph idx="1"/>
+          </p:nvPr>
+        </p:nvSpPr>
+        <p:spPr/>
+        <p:txBody>
+          <a:bodyPr/>
+          <a:lstStyle/>
+          <a:p>
+            <a:r>
+              <a:rPr lang="en-US" dirty="0"/>
+              <a:t>Loosely coupled</a:t>
+            </a:r>
+          </a:p>
+          <a:p>
+            <a:pPr lvl="1"/>
+            <a:r>
+              <a:rPr lang="en-US" dirty="0"/>
+              <a:t>Definition</a:t>
+            </a:r>
+          </a:p>
+          <a:p>
+            <a:r>
+              <a:rPr lang="en-US" dirty="0"/>
+              <a:t>Highly cohesive</a:t>
+            </a:r>
+          </a:p>
+          <a:p>
+            <a:pPr lvl="1"/>
+            <a:r>
+              <a:rPr lang="en-US" dirty="0"/>
+              <a:t>Definition</a:t>
+            </a:r>
+          </a:p>
+        </p:txBody>
+      </p:sp>
+    </p:spTree>
+    <p:extLst>
+      <p:ext uri="{BB962C8B-B14F-4D97-AF65-F5344CB8AC3E}">
+        <p14:creationId xmlns:p14="http://schemas.microsoft.com/office/powerpoint/2010/main" val="2909616299"/>
+      </p:ext>
+    </p:extLst>
+  </p:cSld>
+  <p:clrMapOvr>
+    <a:masterClrMapping/>
+  </p:clrMapOvr>
+</p:sld>
+</file>
+
+<file path=ppt/slides/slide18.xml><?xml version="1.0" encoding="utf-8"?>
+<p:sld xmlns:a="http://schemas.openxmlformats.org/drawingml/2006/main" xmlns:r="http://schemas.openxmlformats.org/officeDocument/2006/relationships" xmlns:p="http://schemas.openxmlformats.org/presentationml/2006/main">
+  <p:cSld>
+    <p:spTree>
+      <p:nvGrpSpPr>
+        <p:cNvPr id="1" name=""/>
+        <p:cNvGrpSpPr/>
+        <p:nvPr/>
+      </p:nvGrpSpPr>
+      <p:grpSpPr>
+        <a:xfrm>
+          <a:off x="0" y="0"/>
+          <a:ext cx="0" cy="0"/>
+          <a:chOff x="0" y="0"/>
+          <a:chExt cx="0" cy="0"/>
+        </a:xfrm>
+      </p:grpSpPr>
+      <p:sp>
+        <p:nvSpPr>
+          <p:cNvPr id="2" name="Title 1">
+            <a:extLst>
+              <a:ext uri="{FF2B5EF4-FFF2-40B4-BE49-F238E27FC236}">
+                <a16:creationId xmlns:a16="http://schemas.microsoft.com/office/drawing/2014/main" id="{977B8AF1-3C5A-5B40-A022-7A684DB3C5B7}"/>
+              </a:ext>
+            </a:extLst>
+          </p:cNvPr>
+          <p:cNvSpPr>
+            <a:spLocks noGrp="1"/>
+          </p:cNvSpPr>
+          <p:nvPr>
+            <p:ph type="title"/>
+          </p:nvPr>
+        </p:nvSpPr>
+        <p:spPr/>
+        <p:txBody>
+          <a:bodyPr/>
+          <a:lstStyle/>
+          <a:p>
+            <a:r>
+              <a:rPr lang="en-US" b="1" dirty="0"/>
+              <a:t>Code smells</a:t>
+            </a:r>
+            <a:endParaRPr lang="en-US" dirty="0"/>
+          </a:p>
+        </p:txBody>
+      </p:sp>
+      <p:sp>
+        <p:nvSpPr>
+          <p:cNvPr id="3" name="Content Placeholder 2">
+            <a:extLst>
+              <a:ext uri="{FF2B5EF4-FFF2-40B4-BE49-F238E27FC236}">
+                <a16:creationId xmlns:a16="http://schemas.microsoft.com/office/drawing/2014/main" id="{62151239-2C8C-5C47-B029-8E279A296E76}"/>
+              </a:ext>
+            </a:extLst>
+          </p:cNvPr>
+          <p:cNvSpPr>
+            <a:spLocks noGrp="1"/>
+          </p:cNvSpPr>
+          <p:nvPr>
+            <p:ph idx="1"/>
+          </p:nvPr>
+        </p:nvSpPr>
+        <p:spPr/>
+        <p:txBody>
+          <a:bodyPr/>
+          <a:lstStyle/>
+          <a:p>
+            <a:r>
+              <a:rPr lang="en-US" dirty="0"/>
+              <a:t>Any characteristic in the source code that possibly indicates a deeper problem</a:t>
+            </a:r>
+          </a:p>
+          <a:p>
+            <a:r>
+              <a:rPr lang="en-US" dirty="0"/>
+              <a:t>Structures in the code that indicate violation of fundamental design principles and negatively impact design quality</a:t>
+            </a:r>
+          </a:p>
+          <a:p>
+            <a:r>
+              <a:rPr lang="en-US" i="1" dirty="0"/>
+              <a:t>Anti-patterns</a:t>
+            </a:r>
+          </a:p>
+          <a:p>
+            <a:endParaRPr lang="en-US" dirty="0"/>
+          </a:p>
+        </p:txBody>
+      </p:sp>
+    </p:spTree>
+    <p:extLst>
+      <p:ext uri="{BB962C8B-B14F-4D97-AF65-F5344CB8AC3E}">
+        <p14:creationId xmlns:p14="http://schemas.microsoft.com/office/powerpoint/2010/main" val="1364267279"/>
+      </p:ext>
+    </p:extLst>
+  </p:cSld>
+  <p:clrMapOvr>
+    <a:masterClrMapping/>
+  </p:clrMapOvr>
+</p:sld>
+</file>
+
+<file path=ppt/slides/slide19.xml><?xml version="1.0" encoding="utf-8"?>
+<p:sld xmlns:a="http://schemas.openxmlformats.org/drawingml/2006/main" xmlns:r="http://schemas.openxmlformats.org/officeDocument/2006/relationships" xmlns:p="http://schemas.openxmlformats.org/presentationml/2006/main">
+  <p:cSld>
+    <p:spTree>
+      <p:nvGrpSpPr>
+        <p:cNvPr id="1" name=""/>
+        <p:cNvGrpSpPr/>
+        <p:nvPr/>
+      </p:nvGrpSpPr>
+      <p:grpSpPr>
+        <a:xfrm>
+          <a:off x="0" y="0"/>
+          <a:ext cx="0" cy="0"/>
+          <a:chOff x="0" y="0"/>
+          <a:chExt cx="0" cy="0"/>
+        </a:xfrm>
+      </p:grpSpPr>
+      <p:sp>
+        <p:nvSpPr>
+          <p:cNvPr id="2" name="Title 1">
+            <a:extLst>
+              <a:ext uri="{FF2B5EF4-FFF2-40B4-BE49-F238E27FC236}">
+                <a16:creationId xmlns:a16="http://schemas.microsoft.com/office/drawing/2014/main" id="{977B8AF1-3C5A-5B40-A022-7A684DB3C5B7}"/>
+              </a:ext>
+            </a:extLst>
+          </p:cNvPr>
+          <p:cNvSpPr>
+            <a:spLocks noGrp="1"/>
+          </p:cNvSpPr>
+          <p:nvPr>
+            <p:ph type="title"/>
+          </p:nvPr>
+        </p:nvSpPr>
+        <p:spPr/>
+        <p:txBody>
+          <a:bodyPr/>
+          <a:lstStyle/>
+          <a:p>
+            <a:r>
+              <a:rPr lang="en-US" b="1" dirty="0"/>
+              <a:t>Code smell examples: Application level</a:t>
+            </a:r>
+            <a:endParaRPr lang="en-US" dirty="0"/>
+          </a:p>
+        </p:txBody>
+      </p:sp>
+      <p:sp>
+        <p:nvSpPr>
+          <p:cNvPr id="3" name="Content Placeholder 2">
+            <a:extLst>
+              <a:ext uri="{FF2B5EF4-FFF2-40B4-BE49-F238E27FC236}">
+                <a16:creationId xmlns:a16="http://schemas.microsoft.com/office/drawing/2014/main" id="{62151239-2C8C-5C47-B029-8E279A296E76}"/>
+              </a:ext>
+            </a:extLst>
+          </p:cNvPr>
+          <p:cNvSpPr>
+            <a:spLocks noGrp="1"/>
+          </p:cNvSpPr>
+          <p:nvPr>
+            <p:ph idx="1"/>
+          </p:nvPr>
+        </p:nvSpPr>
+        <p:spPr/>
+        <p:txBody>
+          <a:bodyPr>
+            <a:normAutofit/>
+          </a:bodyPr>
+          <a:lstStyle/>
+          <a:p>
+            <a:r>
+              <a:rPr lang="en-US" dirty="0"/>
+              <a:t>Mysterious Name: Naming of functions, modules, variables or classes that does not communicate their intent</a:t>
+            </a:r>
+          </a:p>
+          <a:p>
+            <a:r>
+              <a:rPr lang="en-US" dirty="0"/>
+              <a:t>Duplicated code: identical or very similar code that exists in more than one location (</a:t>
+            </a:r>
+            <a:r>
+              <a:rPr lang="en-US" i="1" dirty="0"/>
+              <a:t>aka</a:t>
+            </a:r>
+            <a:r>
+              <a:rPr lang="en-US" dirty="0"/>
+              <a:t> copy pasta)</a:t>
+            </a:r>
+          </a:p>
+          <a:p>
+            <a:r>
+              <a:rPr lang="en-US" dirty="0"/>
+              <a:t>Contrived complexity: forced usage of overcomplicated design patterns where simpler design patterns would suffice</a:t>
+            </a:r>
+          </a:p>
+          <a:p>
+            <a:r>
+              <a:rPr lang="en-US" dirty="0"/>
+              <a:t>Uncontrolled side effects: side effects of coding that commonly cause runtime exceptions, with unit tests unable to capture the exact cause of the problem</a:t>
+            </a:r>
+          </a:p>
+          <a:p>
+            <a:endParaRPr lang="en-US" dirty="0"/>
+          </a:p>
+        </p:txBody>
+      </p:sp>
+    </p:spTree>
+    <p:extLst>
+      <p:ext uri="{BB962C8B-B14F-4D97-AF65-F5344CB8AC3E}">
+        <p14:creationId xmlns:p14="http://schemas.microsoft.com/office/powerpoint/2010/main" val="533320099"/>
       </p:ext>
     </p:extLst>
   </p:cSld>
@@ -3968,7 +4634,7 @@
           <p:cNvPr id="2" name="Title 1">
             <a:extLst>
               <a:ext uri="{FF2B5EF4-FFF2-40B4-BE49-F238E27FC236}">
-                <a16:creationId xmlns:a16="http://schemas.microsoft.com/office/drawing/2014/main" id="{977B8AF1-3C5A-5B40-A022-7A684DB3C5B7}"/>
+                <a16:creationId xmlns:a16="http://schemas.microsoft.com/office/drawing/2014/main" id="{088D20AF-C8D6-8F4A-8259-3387A92CD5AF}"/>
               </a:ext>
             </a:extLst>
           </p:cNvPr>
@@ -3981,37 +4647,50 @@
         </p:nvSpPr>
         <p:spPr/>
         <p:txBody>
-          <a:bodyPr/>
-          <a:lstStyle/>
-          <a:p>
-            <a:endParaRPr lang="en-US" dirty="0"/>
-          </a:p>
-        </p:txBody>
-      </p:sp>
-      <p:sp>
-        <p:nvSpPr>
-          <p:cNvPr id="3" name="Content Placeholder 2">
-            <a:extLst>
-              <a:ext uri="{FF2B5EF4-FFF2-40B4-BE49-F238E27FC236}">
-                <a16:creationId xmlns:a16="http://schemas.microsoft.com/office/drawing/2014/main" id="{62151239-2C8C-5C47-B029-8E279A296E76}"/>
-              </a:ext>
-            </a:extLst>
-          </p:cNvPr>
-          <p:cNvSpPr>
-            <a:spLocks noGrp="1"/>
-          </p:cNvSpPr>
-          <p:nvPr>
-            <p:ph idx="1"/>
-          </p:nvPr>
-        </p:nvSpPr>
-        <p:spPr/>
-        <p:txBody>
-          <a:bodyPr/>
-          <a:lstStyle/>
-          <a:p>
-            <a:r>
-              <a:rPr lang="en-US" dirty="0"/>
-              <a:t>Clean code that works – Ron Jefferies</a:t>
+          <a:bodyPr>
+            <a:normAutofit/>
+          </a:bodyPr>
+          <a:lstStyle/>
+          <a:p>
+            <a:r>
+              <a:rPr lang="en-US" dirty="0"/>
+              <a:t>Programming is the art of telling </a:t>
+            </a:r>
+            <a:r>
+              <a:rPr lang="en-US" i="1" dirty="0"/>
+              <a:t>another human </a:t>
+            </a:r>
+            <a:r>
+              <a:rPr lang="en-US" dirty="0"/>
+              <a:t>what one wants the computer to do.</a:t>
+            </a:r>
+          </a:p>
+        </p:txBody>
+      </p:sp>
+      <p:sp>
+        <p:nvSpPr>
+          <p:cNvPr id="3" name="Text Placeholder 2">
+            <a:extLst>
+              <a:ext uri="{FF2B5EF4-FFF2-40B4-BE49-F238E27FC236}">
+                <a16:creationId xmlns:a16="http://schemas.microsoft.com/office/drawing/2014/main" id="{498F9B64-D584-0342-A129-54D3DEE160C1}"/>
+              </a:ext>
+            </a:extLst>
+          </p:cNvPr>
+          <p:cNvSpPr>
+            <a:spLocks noGrp="1"/>
+          </p:cNvSpPr>
+          <p:nvPr>
+            <p:ph type="body" idx="1"/>
+          </p:nvPr>
+        </p:nvSpPr>
+        <p:spPr/>
+        <p:txBody>
+          <a:bodyPr/>
+          <a:lstStyle/>
+          <a:p>
+            <a:r>
+              <a:rPr lang="en-US" dirty="0"/>
+              <a:t>Donald Knuth, Stanford University Professor Emeritus </a:t>
             </a:r>
           </a:p>
         </p:txBody>
@@ -4019,7 +4698,1121 @@
     </p:spTree>
     <p:extLst>
       <p:ext uri="{BB962C8B-B14F-4D97-AF65-F5344CB8AC3E}">
-        <p14:creationId xmlns:p14="http://schemas.microsoft.com/office/powerpoint/2010/main" val="1391289329"/>
+        <p14:creationId xmlns:p14="http://schemas.microsoft.com/office/powerpoint/2010/main" val="1512781397"/>
+      </p:ext>
+    </p:extLst>
+  </p:cSld>
+  <p:clrMapOvr>
+    <a:masterClrMapping/>
+  </p:clrMapOvr>
+</p:sld>
+</file>
+
+<file path=ppt/slides/slide20.xml><?xml version="1.0" encoding="utf-8"?>
+<p:sld xmlns:a="http://schemas.openxmlformats.org/drawingml/2006/main" xmlns:r="http://schemas.openxmlformats.org/officeDocument/2006/relationships" xmlns:p="http://schemas.openxmlformats.org/presentationml/2006/main">
+  <p:cSld>
+    <p:spTree>
+      <p:nvGrpSpPr>
+        <p:cNvPr id="1" name=""/>
+        <p:cNvGrpSpPr/>
+        <p:nvPr/>
+      </p:nvGrpSpPr>
+      <p:grpSpPr>
+        <a:xfrm>
+          <a:off x="0" y="0"/>
+          <a:ext cx="0" cy="0"/>
+          <a:chOff x="0" y="0"/>
+          <a:chExt cx="0" cy="0"/>
+        </a:xfrm>
+      </p:grpSpPr>
+      <p:sp>
+        <p:nvSpPr>
+          <p:cNvPr id="2" name="Title 1">
+            <a:extLst>
+              <a:ext uri="{FF2B5EF4-FFF2-40B4-BE49-F238E27FC236}">
+                <a16:creationId xmlns:a16="http://schemas.microsoft.com/office/drawing/2014/main" id="{5B02F4E4-65F2-9646-807D-615D3E02E381}"/>
+              </a:ext>
+            </a:extLst>
+          </p:cNvPr>
+          <p:cNvSpPr>
+            <a:spLocks noGrp="1"/>
+          </p:cNvSpPr>
+          <p:nvPr>
+            <p:ph type="title"/>
+          </p:nvPr>
+        </p:nvSpPr>
+        <p:spPr/>
+        <p:txBody>
+          <a:bodyPr/>
+          <a:lstStyle/>
+          <a:p>
+            <a:r>
+              <a:rPr lang="en-US" dirty="0"/>
+              <a:t>Minimal APIs</a:t>
+            </a:r>
+          </a:p>
+        </p:txBody>
+      </p:sp>
+      <p:sp>
+        <p:nvSpPr>
+          <p:cNvPr id="3" name="Content Placeholder 2">
+            <a:extLst>
+              <a:ext uri="{FF2B5EF4-FFF2-40B4-BE49-F238E27FC236}">
+                <a16:creationId xmlns:a16="http://schemas.microsoft.com/office/drawing/2014/main" id="{301B8801-4054-EA4D-B3F1-2E9391D62DD3}"/>
+              </a:ext>
+            </a:extLst>
+          </p:cNvPr>
+          <p:cNvSpPr>
+            <a:spLocks noGrp="1"/>
+          </p:cNvSpPr>
+          <p:nvPr>
+            <p:ph idx="1"/>
+          </p:nvPr>
+        </p:nvSpPr>
+        <p:spPr/>
+        <p:txBody>
+          <a:bodyPr/>
+          <a:lstStyle/>
+          <a:p>
+            <a:r>
+              <a:rPr lang="en-US" dirty="0"/>
+              <a:t>Writing clear, minimal APIs is key to managing simplicity in software systems. </a:t>
+            </a:r>
+          </a:p>
+          <a:p>
+            <a:r>
+              <a:rPr lang="en-US" dirty="0"/>
+              <a:t>Smaller APIs with fewer methods and arguments are easier to understand and test.</a:t>
+            </a:r>
+          </a:p>
+          <a:p>
+            <a:pPr lvl="1"/>
+            <a:r>
+              <a:rPr lang="en-US" dirty="0"/>
+              <a:t>Allow us to put more effort into comprehending the actual problem we set out to solve.</a:t>
+            </a:r>
+          </a:p>
+          <a:p>
+            <a:r>
+              <a:rPr lang="en-US" dirty="0"/>
+              <a:t>Less is more.</a:t>
+            </a:r>
+          </a:p>
+          <a:p>
+            <a:endParaRPr lang="en-US" dirty="0"/>
+          </a:p>
+        </p:txBody>
+      </p:sp>
+    </p:spTree>
+    <p:extLst>
+      <p:ext uri="{BB962C8B-B14F-4D97-AF65-F5344CB8AC3E}">
+        <p14:creationId xmlns:p14="http://schemas.microsoft.com/office/powerpoint/2010/main" val="4236232261"/>
+      </p:ext>
+    </p:extLst>
+  </p:cSld>
+  <p:clrMapOvr>
+    <a:masterClrMapping/>
+  </p:clrMapOvr>
+</p:sld>
+</file>
+
+<file path=ppt/slides/slide21.xml><?xml version="1.0" encoding="utf-8"?>
+<p:sld xmlns:a="http://schemas.openxmlformats.org/drawingml/2006/main" xmlns:r="http://schemas.openxmlformats.org/officeDocument/2006/relationships" xmlns:p="http://schemas.openxmlformats.org/presentationml/2006/main">
+  <p:cSld>
+    <p:spTree>
+      <p:nvGrpSpPr>
+        <p:cNvPr id="1" name=""/>
+        <p:cNvGrpSpPr/>
+        <p:nvPr/>
+      </p:nvGrpSpPr>
+      <p:grpSpPr>
+        <a:xfrm>
+          <a:off x="0" y="0"/>
+          <a:ext cx="0" cy="0"/>
+          <a:chOff x="0" y="0"/>
+          <a:chExt cx="0" cy="0"/>
+        </a:xfrm>
+      </p:grpSpPr>
+      <p:sp>
+        <p:nvSpPr>
+          <p:cNvPr id="2" name="Title 1">
+            <a:extLst>
+              <a:ext uri="{FF2B5EF4-FFF2-40B4-BE49-F238E27FC236}">
+                <a16:creationId xmlns:a16="http://schemas.microsoft.com/office/drawing/2014/main" id="{4DF4B569-43D6-9B49-99FC-7E9C883B400D}"/>
+              </a:ext>
+            </a:extLst>
+          </p:cNvPr>
+          <p:cNvSpPr>
+            <a:spLocks noGrp="1"/>
+          </p:cNvSpPr>
+          <p:nvPr>
+            <p:ph type="title"/>
+          </p:nvPr>
+        </p:nvSpPr>
+        <p:spPr/>
+        <p:txBody>
+          <a:bodyPr/>
+          <a:lstStyle/>
+          <a:p>
+            <a:r>
+              <a:rPr lang="en-US" dirty="0"/>
+              <a:t>Modularity and decoupling</a:t>
+            </a:r>
+          </a:p>
+        </p:txBody>
+      </p:sp>
+      <p:sp>
+        <p:nvSpPr>
+          <p:cNvPr id="3" name="Content Placeholder 2">
+            <a:extLst>
+              <a:ext uri="{FF2B5EF4-FFF2-40B4-BE49-F238E27FC236}">
+                <a16:creationId xmlns:a16="http://schemas.microsoft.com/office/drawing/2014/main" id="{84345E35-78A2-834A-8238-8E82AC85C864}"/>
+              </a:ext>
+            </a:extLst>
+          </p:cNvPr>
+          <p:cNvSpPr>
+            <a:spLocks noGrp="1"/>
+          </p:cNvSpPr>
+          <p:nvPr>
+            <p:ph idx="1"/>
+          </p:nvPr>
+        </p:nvSpPr>
+        <p:spPr/>
+        <p:txBody>
+          <a:bodyPr>
+            <a:normAutofit/>
+          </a:bodyPr>
+          <a:lstStyle/>
+          <a:p>
+            <a:r>
+              <a:rPr lang="en-US" dirty="0"/>
+              <a:t>Breaking problems up into small, manageable components. </a:t>
+            </a:r>
+          </a:p>
+          <a:p>
+            <a:r>
+              <a:rPr lang="en-US" dirty="0"/>
+              <a:t>Loose coupling – the ability to update parts of a system in isolation – is an effective method for increasing developer agility and system stability. </a:t>
+            </a:r>
+          </a:p>
+        </p:txBody>
+      </p:sp>
+    </p:spTree>
+    <p:extLst>
+      <p:ext uri="{BB962C8B-B14F-4D97-AF65-F5344CB8AC3E}">
+        <p14:creationId xmlns:p14="http://schemas.microsoft.com/office/powerpoint/2010/main" val="1759203889"/>
+      </p:ext>
+    </p:extLst>
+  </p:cSld>
+  <p:clrMapOvr>
+    <a:masterClrMapping/>
+  </p:clrMapOvr>
+</p:sld>
+</file>
+
+<file path=ppt/slides/slide22.xml><?xml version="1.0" encoding="utf-8"?>
+<p:sld xmlns:a="http://schemas.openxmlformats.org/drawingml/2006/main" xmlns:r="http://schemas.openxmlformats.org/officeDocument/2006/relationships" xmlns:p="http://schemas.openxmlformats.org/presentationml/2006/main">
+  <p:cSld>
+    <p:spTree>
+      <p:nvGrpSpPr>
+        <p:cNvPr id="1" name=""/>
+        <p:cNvGrpSpPr/>
+        <p:nvPr/>
+      </p:nvGrpSpPr>
+      <p:grpSpPr>
+        <a:xfrm>
+          <a:off x="0" y="0"/>
+          <a:ext cx="0" cy="0"/>
+          <a:chOff x="0" y="0"/>
+          <a:chExt cx="0" cy="0"/>
+        </a:xfrm>
+      </p:grpSpPr>
+      <p:sp>
+        <p:nvSpPr>
+          <p:cNvPr id="2" name="Title 1">
+            <a:extLst>
+              <a:ext uri="{FF2B5EF4-FFF2-40B4-BE49-F238E27FC236}">
+                <a16:creationId xmlns:a16="http://schemas.microsoft.com/office/drawing/2014/main" id="{2CA0AC75-A734-7545-A109-5967E3B6F91B}"/>
+              </a:ext>
+            </a:extLst>
+          </p:cNvPr>
+          <p:cNvSpPr>
+            <a:spLocks noGrp="1"/>
+          </p:cNvSpPr>
+          <p:nvPr>
+            <p:ph type="title"/>
+          </p:nvPr>
+        </p:nvSpPr>
+        <p:spPr/>
+        <p:txBody>
+          <a:bodyPr/>
+          <a:lstStyle/>
+          <a:p>
+            <a:r>
+              <a:rPr lang="en-US" b="1" dirty="0"/>
+              <a:t>Refactoring</a:t>
+            </a:r>
+          </a:p>
+        </p:txBody>
+      </p:sp>
+      <p:sp>
+        <p:nvSpPr>
+          <p:cNvPr id="3" name="Content Placeholder 2">
+            <a:extLst>
+              <a:ext uri="{FF2B5EF4-FFF2-40B4-BE49-F238E27FC236}">
+                <a16:creationId xmlns:a16="http://schemas.microsoft.com/office/drawing/2014/main" id="{2B6CB17B-265B-6441-A2EA-415E9DE0C420}"/>
+              </a:ext>
+            </a:extLst>
+          </p:cNvPr>
+          <p:cNvSpPr>
+            <a:spLocks noGrp="1"/>
+          </p:cNvSpPr>
+          <p:nvPr>
+            <p:ph idx="1"/>
+          </p:nvPr>
+        </p:nvSpPr>
+        <p:spPr/>
+        <p:txBody>
+          <a:bodyPr/>
+          <a:lstStyle/>
+          <a:p>
+            <a:r>
+              <a:rPr lang="en-US" dirty="0"/>
+              <a:t>Restructuring your code </a:t>
+            </a:r>
+            <a:r>
+              <a:rPr lang="en-US" i="1" dirty="0"/>
+              <a:t>without</a:t>
+            </a:r>
+            <a:r>
+              <a:rPr lang="en-US" dirty="0"/>
+              <a:t> changing its behavior.</a:t>
+            </a:r>
+          </a:p>
+          <a:p>
+            <a:r>
+              <a:rPr lang="en-US" dirty="0"/>
+              <a:t>Software is rarely perfect on the first attempt. </a:t>
+            </a:r>
+          </a:p>
+          <a:p>
+            <a:pPr lvl="1"/>
+            <a:r>
+              <a:rPr lang="en-US" dirty="0"/>
+              <a:t>It may work, but it will be messy, and there will be code smells.</a:t>
+            </a:r>
+          </a:p>
+          <a:p>
+            <a:r>
+              <a:rPr lang="en-US" dirty="0"/>
+              <a:t>Software is continuously evolving--work continuously to improve it. </a:t>
+            </a:r>
+          </a:p>
+          <a:p>
+            <a:pPr lvl="1"/>
+            <a:r>
+              <a:rPr lang="en-US" dirty="0"/>
+              <a:t>Even if you start with a perfect code base, it can get messy very quickly.</a:t>
+            </a:r>
+          </a:p>
+          <a:p>
+            <a:r>
+              <a:rPr lang="en-US" dirty="0"/>
+              <a:t>Leave a piece of code better than you found it, every time.</a:t>
+            </a:r>
+          </a:p>
+          <a:p>
+            <a:r>
+              <a:rPr lang="en-US" dirty="0"/>
+              <a:t>Small improvements over time add up to a codebase that is easy to read and maintain.</a:t>
+            </a:r>
+          </a:p>
+        </p:txBody>
+      </p:sp>
+    </p:spTree>
+    <p:extLst>
+      <p:ext uri="{BB962C8B-B14F-4D97-AF65-F5344CB8AC3E}">
+        <p14:creationId xmlns:p14="http://schemas.microsoft.com/office/powerpoint/2010/main" val="22228032"/>
+      </p:ext>
+    </p:extLst>
+  </p:cSld>
+  <p:clrMapOvr>
+    <a:masterClrMapping/>
+  </p:clrMapOvr>
+</p:sld>
+</file>
+
+<file path=ppt/slides/slide23.xml><?xml version="1.0" encoding="utf-8"?>
+<p:sld xmlns:a="http://schemas.openxmlformats.org/drawingml/2006/main" xmlns:r="http://schemas.openxmlformats.org/officeDocument/2006/relationships" xmlns:p="http://schemas.openxmlformats.org/presentationml/2006/main">
+  <p:cSld>
+    <p:spTree>
+      <p:nvGrpSpPr>
+        <p:cNvPr id="1" name=""/>
+        <p:cNvGrpSpPr/>
+        <p:nvPr/>
+      </p:nvGrpSpPr>
+      <p:grpSpPr>
+        <a:xfrm>
+          <a:off x="0" y="0"/>
+          <a:ext cx="0" cy="0"/>
+          <a:chOff x="0" y="0"/>
+          <a:chExt cx="0" cy="0"/>
+        </a:xfrm>
+      </p:grpSpPr>
+      <p:sp>
+        <p:nvSpPr>
+          <p:cNvPr id="2" name="Title 1">
+            <a:extLst>
+              <a:ext uri="{FF2B5EF4-FFF2-40B4-BE49-F238E27FC236}">
+                <a16:creationId xmlns:a16="http://schemas.microsoft.com/office/drawing/2014/main" id="{977B8AF1-3C5A-5B40-A022-7A684DB3C5B7}"/>
+              </a:ext>
+            </a:extLst>
+          </p:cNvPr>
+          <p:cNvSpPr>
+            <a:spLocks noGrp="1"/>
+          </p:cNvSpPr>
+          <p:nvPr>
+            <p:ph type="title"/>
+          </p:nvPr>
+        </p:nvSpPr>
+        <p:spPr/>
+        <p:txBody>
+          <a:bodyPr/>
+          <a:lstStyle/>
+          <a:p>
+            <a:r>
+              <a:rPr lang="en-US" b="1" dirty="0"/>
+              <a:t>Code smell examples: Class level</a:t>
+            </a:r>
+            <a:endParaRPr lang="en-US" dirty="0"/>
+          </a:p>
+        </p:txBody>
+      </p:sp>
+      <p:sp>
+        <p:nvSpPr>
+          <p:cNvPr id="3" name="Content Placeholder 2">
+            <a:extLst>
+              <a:ext uri="{FF2B5EF4-FFF2-40B4-BE49-F238E27FC236}">
+                <a16:creationId xmlns:a16="http://schemas.microsoft.com/office/drawing/2014/main" id="{62151239-2C8C-5C47-B029-8E279A296E76}"/>
+              </a:ext>
+            </a:extLst>
+          </p:cNvPr>
+          <p:cNvSpPr>
+            <a:spLocks noGrp="1"/>
+          </p:cNvSpPr>
+          <p:nvPr>
+            <p:ph idx="1"/>
+          </p:nvPr>
+        </p:nvSpPr>
+        <p:spPr/>
+        <p:txBody>
+          <a:bodyPr>
+            <a:normAutofit fontScale="92500"/>
+          </a:bodyPr>
+          <a:lstStyle/>
+          <a:p>
+            <a:r>
+              <a:rPr lang="en-US" dirty="0"/>
+              <a:t>Large class: Class has grown too large and has too many responsibilities (</a:t>
+            </a:r>
+            <a:r>
+              <a:rPr lang="en-US" i="1" dirty="0"/>
+              <a:t>aka</a:t>
+            </a:r>
+            <a:r>
+              <a:rPr lang="en-US" dirty="0"/>
+              <a:t> God object)</a:t>
+            </a:r>
+          </a:p>
+          <a:p>
+            <a:r>
+              <a:rPr lang="en-US" dirty="0"/>
+              <a:t>God objects: a class that has lots of responsibilities and is low cohesive.</a:t>
+            </a:r>
+          </a:p>
+          <a:p>
+            <a:r>
+              <a:rPr lang="en-US" dirty="0"/>
+              <a:t>Feature envy: a class that uses methods of another class excessively and has no responsibility of its own</a:t>
+            </a:r>
+          </a:p>
+          <a:p>
+            <a:r>
+              <a:rPr lang="en-US" dirty="0"/>
+              <a:t>Inappropriate intimacy: a class that has dependencies on implementation details of another class</a:t>
+            </a:r>
+          </a:p>
+          <a:p>
+            <a:r>
+              <a:rPr lang="en-US" dirty="0"/>
+              <a:t>Refused bequest: a class that overrides a method of a base class in such a way that the contract of the base class is not honored by the derived class </a:t>
+            </a:r>
+          </a:p>
+        </p:txBody>
+      </p:sp>
+    </p:spTree>
+    <p:extLst>
+      <p:ext uri="{BB962C8B-B14F-4D97-AF65-F5344CB8AC3E}">
+        <p14:creationId xmlns:p14="http://schemas.microsoft.com/office/powerpoint/2010/main" val="2301747231"/>
+      </p:ext>
+    </p:extLst>
+  </p:cSld>
+  <p:clrMapOvr>
+    <a:masterClrMapping/>
+  </p:clrMapOvr>
+</p:sld>
+</file>
+
+<file path=ppt/slides/slide24.xml><?xml version="1.0" encoding="utf-8"?>
+<p:sld xmlns:a="http://schemas.openxmlformats.org/drawingml/2006/main" xmlns:r="http://schemas.openxmlformats.org/officeDocument/2006/relationships" xmlns:p="http://schemas.openxmlformats.org/presentationml/2006/main">
+  <p:cSld>
+    <p:spTree>
+      <p:nvGrpSpPr>
+        <p:cNvPr id="1" name=""/>
+        <p:cNvGrpSpPr/>
+        <p:nvPr/>
+      </p:nvGrpSpPr>
+      <p:grpSpPr>
+        <a:xfrm>
+          <a:off x="0" y="0"/>
+          <a:ext cx="0" cy="0"/>
+          <a:chOff x="0" y="0"/>
+          <a:chExt cx="0" cy="0"/>
+        </a:xfrm>
+      </p:grpSpPr>
+      <p:sp>
+        <p:nvSpPr>
+          <p:cNvPr id="2" name="Title 1">
+            <a:extLst>
+              <a:ext uri="{FF2B5EF4-FFF2-40B4-BE49-F238E27FC236}">
+                <a16:creationId xmlns:a16="http://schemas.microsoft.com/office/drawing/2014/main" id="{977B8AF1-3C5A-5B40-A022-7A684DB3C5B7}"/>
+              </a:ext>
+            </a:extLst>
+          </p:cNvPr>
+          <p:cNvSpPr>
+            <a:spLocks noGrp="1"/>
+          </p:cNvSpPr>
+          <p:nvPr>
+            <p:ph type="title"/>
+          </p:nvPr>
+        </p:nvSpPr>
+        <p:spPr/>
+        <p:txBody>
+          <a:bodyPr/>
+          <a:lstStyle/>
+          <a:p>
+            <a:r>
+              <a:rPr lang="en-US" b="1" dirty="0"/>
+              <a:t>Code smell examples: Class level</a:t>
+            </a:r>
+            <a:endParaRPr lang="en-US" dirty="0"/>
+          </a:p>
+        </p:txBody>
+      </p:sp>
+      <p:sp>
+        <p:nvSpPr>
+          <p:cNvPr id="3" name="Content Placeholder 2">
+            <a:extLst>
+              <a:ext uri="{FF2B5EF4-FFF2-40B4-BE49-F238E27FC236}">
+                <a16:creationId xmlns:a16="http://schemas.microsoft.com/office/drawing/2014/main" id="{62151239-2C8C-5C47-B029-8E279A296E76}"/>
+              </a:ext>
+            </a:extLst>
+          </p:cNvPr>
+          <p:cNvSpPr>
+            <a:spLocks noGrp="1"/>
+          </p:cNvSpPr>
+          <p:nvPr>
+            <p:ph idx="1"/>
+          </p:nvPr>
+        </p:nvSpPr>
+        <p:spPr/>
+        <p:txBody>
+          <a:bodyPr/>
+          <a:lstStyle/>
+          <a:p>
+            <a:r>
+              <a:rPr lang="en-US" dirty="0"/>
+              <a:t>Excessive use of literals: Literals should be coded as named constants, to improve readability and to avoid programming errors </a:t>
+            </a:r>
+          </a:p>
+          <a:p>
+            <a:r>
+              <a:rPr lang="en-US" dirty="0"/>
+              <a:t>Cyclomatic complexity: Too many branches or loops, indicating that a function needs to be broken up into smaller functions, or that it has potential for simplification/refactoring</a:t>
+            </a:r>
+          </a:p>
+          <a:p>
+            <a:r>
+              <a:rPr lang="en-US" dirty="0" err="1"/>
+              <a:t>Downcasting</a:t>
+            </a:r>
+            <a:r>
+              <a:rPr lang="en-US" dirty="0"/>
+              <a:t>: Typecasting to a specific derived type which breaks the abstraction model; the abstraction may have to be refactored or eliminated</a:t>
+            </a:r>
+          </a:p>
+          <a:p>
+            <a:pPr marL="0" indent="0">
+              <a:buNone/>
+            </a:pPr>
+            <a:endParaRPr lang="en-US" dirty="0"/>
+          </a:p>
+        </p:txBody>
+      </p:sp>
+    </p:spTree>
+    <p:extLst>
+      <p:ext uri="{BB962C8B-B14F-4D97-AF65-F5344CB8AC3E}">
+        <p14:creationId xmlns:p14="http://schemas.microsoft.com/office/powerpoint/2010/main" val="3280828989"/>
+      </p:ext>
+    </p:extLst>
+  </p:cSld>
+  <p:clrMapOvr>
+    <a:masterClrMapping/>
+  </p:clrMapOvr>
+</p:sld>
+</file>
+
+<file path=ppt/slides/slide25.xml><?xml version="1.0" encoding="utf-8"?>
+<p:sld xmlns:a="http://schemas.openxmlformats.org/drawingml/2006/main" xmlns:r="http://schemas.openxmlformats.org/officeDocument/2006/relationships" xmlns:p="http://schemas.openxmlformats.org/presentationml/2006/main">
+  <p:cSld>
+    <p:spTree>
+      <p:nvGrpSpPr>
+        <p:cNvPr id="1" name=""/>
+        <p:cNvGrpSpPr/>
+        <p:nvPr/>
+      </p:nvGrpSpPr>
+      <p:grpSpPr>
+        <a:xfrm>
+          <a:off x="0" y="0"/>
+          <a:ext cx="0" cy="0"/>
+          <a:chOff x="0" y="0"/>
+          <a:chExt cx="0" cy="0"/>
+        </a:xfrm>
+      </p:grpSpPr>
+      <p:sp>
+        <p:nvSpPr>
+          <p:cNvPr id="2" name="Title 1">
+            <a:extLst>
+              <a:ext uri="{FF2B5EF4-FFF2-40B4-BE49-F238E27FC236}">
+                <a16:creationId xmlns:a16="http://schemas.microsoft.com/office/drawing/2014/main" id="{977B8AF1-3C5A-5B40-A022-7A684DB3C5B7}"/>
+              </a:ext>
+            </a:extLst>
+          </p:cNvPr>
+          <p:cNvSpPr>
+            <a:spLocks noGrp="1"/>
+          </p:cNvSpPr>
+          <p:nvPr>
+            <p:ph type="title"/>
+          </p:nvPr>
+        </p:nvSpPr>
+        <p:spPr/>
+        <p:txBody>
+          <a:bodyPr/>
+          <a:lstStyle/>
+          <a:p>
+            <a:r>
+              <a:rPr lang="en-US" b="1" dirty="0"/>
+              <a:t>Code smell examples: Class level</a:t>
+            </a:r>
+            <a:endParaRPr lang="en-US" dirty="0"/>
+          </a:p>
+        </p:txBody>
+      </p:sp>
+      <p:sp>
+        <p:nvSpPr>
+          <p:cNvPr id="3" name="Content Placeholder 2">
+            <a:extLst>
+              <a:ext uri="{FF2B5EF4-FFF2-40B4-BE49-F238E27FC236}">
+                <a16:creationId xmlns:a16="http://schemas.microsoft.com/office/drawing/2014/main" id="{62151239-2C8C-5C47-B029-8E279A296E76}"/>
+              </a:ext>
+            </a:extLst>
+          </p:cNvPr>
+          <p:cNvSpPr>
+            <a:spLocks noGrp="1"/>
+          </p:cNvSpPr>
+          <p:nvPr>
+            <p:ph idx="1"/>
+          </p:nvPr>
+        </p:nvSpPr>
+        <p:spPr/>
+        <p:txBody>
+          <a:bodyPr/>
+          <a:lstStyle/>
+          <a:p>
+            <a:r>
+              <a:rPr lang="en-US" dirty="0"/>
+              <a:t>Orphan variable or constant class: a class that typically has a collection of constants which belong elsewhere where those constants should be owned by one of the other member classes</a:t>
+            </a:r>
+          </a:p>
+          <a:p>
+            <a:r>
+              <a:rPr lang="en-US" dirty="0"/>
+              <a:t>Data clump: Occurs when a group of variables are passed around together in various parts of the program. In general, this suggests that it would be more appropriate to formally group the different variables together into a single object, and pass around only the new object instead</a:t>
+            </a:r>
+          </a:p>
+          <a:p>
+            <a:pPr marL="0" indent="0">
+              <a:buNone/>
+            </a:pPr>
+            <a:endParaRPr lang="en-US" dirty="0"/>
+          </a:p>
+        </p:txBody>
+      </p:sp>
+    </p:spTree>
+    <p:extLst>
+      <p:ext uri="{BB962C8B-B14F-4D97-AF65-F5344CB8AC3E}">
+        <p14:creationId xmlns:p14="http://schemas.microsoft.com/office/powerpoint/2010/main" val="158394321"/>
+      </p:ext>
+    </p:extLst>
+  </p:cSld>
+  <p:clrMapOvr>
+    <a:masterClrMapping/>
+  </p:clrMapOvr>
+</p:sld>
+</file>
+
+<file path=ppt/slides/slide26.xml><?xml version="1.0" encoding="utf-8"?>
+<p:sld xmlns:a="http://schemas.openxmlformats.org/drawingml/2006/main" xmlns:r="http://schemas.openxmlformats.org/officeDocument/2006/relationships" xmlns:p="http://schemas.openxmlformats.org/presentationml/2006/main">
+  <p:cSld>
+    <p:spTree>
+      <p:nvGrpSpPr>
+        <p:cNvPr id="1" name=""/>
+        <p:cNvGrpSpPr/>
+        <p:nvPr/>
+      </p:nvGrpSpPr>
+      <p:grpSpPr>
+        <a:xfrm>
+          <a:off x="0" y="0"/>
+          <a:ext cx="0" cy="0"/>
+          <a:chOff x="0" y="0"/>
+          <a:chExt cx="0" cy="0"/>
+        </a:xfrm>
+      </p:grpSpPr>
+      <p:sp>
+        <p:nvSpPr>
+          <p:cNvPr id="2" name="Title 1">
+            <a:extLst>
+              <a:ext uri="{FF2B5EF4-FFF2-40B4-BE49-F238E27FC236}">
+                <a16:creationId xmlns:a16="http://schemas.microsoft.com/office/drawing/2014/main" id="{977B8AF1-3C5A-5B40-A022-7A684DB3C5B7}"/>
+              </a:ext>
+            </a:extLst>
+          </p:cNvPr>
+          <p:cNvSpPr>
+            <a:spLocks noGrp="1"/>
+          </p:cNvSpPr>
+          <p:nvPr>
+            <p:ph type="title"/>
+          </p:nvPr>
+        </p:nvSpPr>
+        <p:spPr/>
+        <p:txBody>
+          <a:bodyPr/>
+          <a:lstStyle/>
+          <a:p>
+            <a:r>
+              <a:rPr lang="en-US" b="1" dirty="0"/>
+              <a:t>Code smell examples: Method level</a:t>
+            </a:r>
+            <a:endParaRPr lang="en-US" dirty="0"/>
+          </a:p>
+        </p:txBody>
+      </p:sp>
+      <p:sp>
+        <p:nvSpPr>
+          <p:cNvPr id="3" name="Content Placeholder 2">
+            <a:extLst>
+              <a:ext uri="{FF2B5EF4-FFF2-40B4-BE49-F238E27FC236}">
+                <a16:creationId xmlns:a16="http://schemas.microsoft.com/office/drawing/2014/main" id="{62151239-2C8C-5C47-B029-8E279A296E76}"/>
+              </a:ext>
+            </a:extLst>
+          </p:cNvPr>
+          <p:cNvSpPr>
+            <a:spLocks noGrp="1"/>
+          </p:cNvSpPr>
+          <p:nvPr>
+            <p:ph idx="1"/>
+          </p:nvPr>
+        </p:nvSpPr>
+        <p:spPr/>
+        <p:txBody>
+          <a:bodyPr/>
+          <a:lstStyle/>
+          <a:p>
+            <a:r>
+              <a:rPr lang="en-US" dirty="0"/>
+              <a:t>Too many parameters: a long list of parameters is hard to read, and makes calling and testing the function complicated. It may indicate that the purpose of the function is ill-conceived and that the code should be refactored so responsibility is assigned in a more clean-cut way</a:t>
+            </a:r>
+          </a:p>
+          <a:p>
+            <a:r>
+              <a:rPr lang="en-US" dirty="0"/>
+              <a:t>Long method: a method, function, or procedure that has grown too large</a:t>
+            </a:r>
+          </a:p>
+          <a:p>
+            <a:r>
+              <a:rPr lang="en-US" dirty="0"/>
+              <a:t>Excessively long identifiers: in particular, the use of naming conventions to provide disambiguation that should be implicit in the software architecture</a:t>
+            </a:r>
+          </a:p>
+          <a:p>
+            <a:endParaRPr lang="en-US" dirty="0"/>
+          </a:p>
+        </p:txBody>
+      </p:sp>
+    </p:spTree>
+    <p:extLst>
+      <p:ext uri="{BB962C8B-B14F-4D97-AF65-F5344CB8AC3E}">
+        <p14:creationId xmlns:p14="http://schemas.microsoft.com/office/powerpoint/2010/main" val="518857876"/>
+      </p:ext>
+    </p:extLst>
+  </p:cSld>
+  <p:clrMapOvr>
+    <a:masterClrMapping/>
+  </p:clrMapOvr>
+</p:sld>
+</file>
+
+<file path=ppt/slides/slide27.xml><?xml version="1.0" encoding="utf-8"?>
+<p:sld xmlns:a="http://schemas.openxmlformats.org/drawingml/2006/main" xmlns:r="http://schemas.openxmlformats.org/officeDocument/2006/relationships" xmlns:p="http://schemas.openxmlformats.org/presentationml/2006/main">
+  <p:cSld>
+    <p:spTree>
+      <p:nvGrpSpPr>
+        <p:cNvPr id="1" name=""/>
+        <p:cNvGrpSpPr/>
+        <p:nvPr/>
+      </p:nvGrpSpPr>
+      <p:grpSpPr>
+        <a:xfrm>
+          <a:off x="0" y="0"/>
+          <a:ext cx="0" cy="0"/>
+          <a:chOff x="0" y="0"/>
+          <a:chExt cx="0" cy="0"/>
+        </a:xfrm>
+      </p:grpSpPr>
+      <p:sp>
+        <p:nvSpPr>
+          <p:cNvPr id="2" name="Title 1">
+            <a:extLst>
+              <a:ext uri="{FF2B5EF4-FFF2-40B4-BE49-F238E27FC236}">
+                <a16:creationId xmlns:a16="http://schemas.microsoft.com/office/drawing/2014/main" id="{977B8AF1-3C5A-5B40-A022-7A684DB3C5B7}"/>
+              </a:ext>
+            </a:extLst>
+          </p:cNvPr>
+          <p:cNvSpPr>
+            <a:spLocks noGrp="1"/>
+          </p:cNvSpPr>
+          <p:nvPr>
+            <p:ph type="title"/>
+          </p:nvPr>
+        </p:nvSpPr>
+        <p:spPr/>
+        <p:txBody>
+          <a:bodyPr/>
+          <a:lstStyle/>
+          <a:p>
+            <a:r>
+              <a:rPr lang="en-US" b="1" dirty="0"/>
+              <a:t>Code smell examples: Method level</a:t>
+            </a:r>
+            <a:endParaRPr lang="en-US" dirty="0"/>
+          </a:p>
+        </p:txBody>
+      </p:sp>
+      <p:sp>
+        <p:nvSpPr>
+          <p:cNvPr id="3" name="Content Placeholder 2">
+            <a:extLst>
+              <a:ext uri="{FF2B5EF4-FFF2-40B4-BE49-F238E27FC236}">
+                <a16:creationId xmlns:a16="http://schemas.microsoft.com/office/drawing/2014/main" id="{62151239-2C8C-5C47-B029-8E279A296E76}"/>
+              </a:ext>
+            </a:extLst>
+          </p:cNvPr>
+          <p:cNvSpPr>
+            <a:spLocks noGrp="1"/>
+          </p:cNvSpPr>
+          <p:nvPr>
+            <p:ph idx="1"/>
+          </p:nvPr>
+        </p:nvSpPr>
+        <p:spPr/>
+        <p:txBody>
+          <a:bodyPr/>
+          <a:lstStyle/>
+          <a:p>
+            <a:r>
+              <a:rPr lang="en-US" dirty="0"/>
+              <a:t>Excessively short identifiers: the name of a variable should reflect its function unless the function is obvious</a:t>
+            </a:r>
+          </a:p>
+          <a:p>
+            <a:r>
+              <a:rPr lang="en-US" dirty="0"/>
+              <a:t>Excessive return of data: a function or method that returns more than what each of its callers needs</a:t>
+            </a:r>
+          </a:p>
+          <a:p>
+            <a:r>
+              <a:rPr lang="en-US" dirty="0"/>
+              <a:t>Excessively long line of code (or God Line): A line of code which is too long, making the code difficult to read, understand, debug, refactor, or even identify possibilities of software reuse</a:t>
+            </a:r>
+          </a:p>
+          <a:p>
+            <a:pPr marL="0" indent="0">
+              <a:buNone/>
+            </a:pPr>
+            <a:endParaRPr lang="en-US" dirty="0"/>
+          </a:p>
+        </p:txBody>
+      </p:sp>
+    </p:spTree>
+    <p:extLst>
+      <p:ext uri="{BB962C8B-B14F-4D97-AF65-F5344CB8AC3E}">
+        <p14:creationId xmlns:p14="http://schemas.microsoft.com/office/powerpoint/2010/main" val="3302964344"/>
+      </p:ext>
+    </p:extLst>
+  </p:cSld>
+  <p:clrMapOvr>
+    <a:masterClrMapping/>
+  </p:clrMapOvr>
+</p:sld>
+</file>
+
+<file path=ppt/slides/slide28.xml><?xml version="1.0" encoding="utf-8"?>
+<p:sld xmlns:a="http://schemas.openxmlformats.org/drawingml/2006/main" xmlns:r="http://schemas.openxmlformats.org/officeDocument/2006/relationships" xmlns:p="http://schemas.openxmlformats.org/presentationml/2006/main">
+  <p:cSld>
+    <p:spTree>
+      <p:nvGrpSpPr>
+        <p:cNvPr id="1" name=""/>
+        <p:cNvGrpSpPr/>
+        <p:nvPr/>
+      </p:nvGrpSpPr>
+      <p:grpSpPr>
+        <a:xfrm>
+          <a:off x="0" y="0"/>
+          <a:ext cx="0" cy="0"/>
+          <a:chOff x="0" y="0"/>
+          <a:chExt cx="0" cy="0"/>
+        </a:xfrm>
+      </p:grpSpPr>
+      <p:sp>
+        <p:nvSpPr>
+          <p:cNvPr id="2" name="Title 1">
+            <a:extLst>
+              <a:ext uri="{FF2B5EF4-FFF2-40B4-BE49-F238E27FC236}">
+                <a16:creationId xmlns:a16="http://schemas.microsoft.com/office/drawing/2014/main" id="{DFAB8C42-BCE0-7749-A6D1-0BBED806DCD3}"/>
+              </a:ext>
+            </a:extLst>
+          </p:cNvPr>
+          <p:cNvSpPr>
+            <a:spLocks noGrp="1"/>
+          </p:cNvSpPr>
+          <p:nvPr>
+            <p:ph type="title"/>
+          </p:nvPr>
+        </p:nvSpPr>
+        <p:spPr/>
+        <p:txBody>
+          <a:bodyPr/>
+          <a:lstStyle/>
+          <a:p>
+            <a:r>
+              <a:rPr lang="en-US" dirty="0"/>
+              <a:t>Specify behaviors with tests</a:t>
+            </a:r>
+          </a:p>
+        </p:txBody>
+      </p:sp>
+      <p:sp>
+        <p:nvSpPr>
+          <p:cNvPr id="3" name="Content Placeholder 2">
+            <a:extLst>
+              <a:ext uri="{FF2B5EF4-FFF2-40B4-BE49-F238E27FC236}">
+                <a16:creationId xmlns:a16="http://schemas.microsoft.com/office/drawing/2014/main" id="{028A6067-3857-E24E-ACFD-73EB7FDE7676}"/>
+              </a:ext>
+            </a:extLst>
+          </p:cNvPr>
+          <p:cNvSpPr>
+            <a:spLocks noGrp="1"/>
+          </p:cNvSpPr>
+          <p:nvPr>
+            <p:ph idx="1"/>
+          </p:nvPr>
+        </p:nvSpPr>
+        <p:spPr/>
+        <p:txBody>
+          <a:bodyPr>
+            <a:normAutofit/>
+          </a:bodyPr>
+          <a:lstStyle/>
+          <a:p>
+            <a:r>
+              <a:rPr lang="en-US" dirty="0"/>
+              <a:t>Watch out for over-specifying behavior in your tests.</a:t>
+            </a:r>
+          </a:p>
+          <a:p>
+            <a:pPr lvl="1"/>
+            <a:r>
+              <a:rPr lang="en-US" dirty="0"/>
+              <a:t>Over-specifying behavior leads to lots of low value tests.</a:t>
+            </a:r>
+          </a:p>
+          <a:p>
+            <a:r>
+              <a:rPr lang="en-US" dirty="0"/>
+              <a:t>Strive to write the fewest tests needed to assert the behavior that you are creating. </a:t>
+            </a:r>
+          </a:p>
+          <a:p>
+            <a:r>
+              <a:rPr lang="en-US" dirty="0"/>
+              <a:t>The goal is to make each test unique and that we test only the main scenarios. </a:t>
+            </a:r>
+          </a:p>
+          <a:p>
+            <a:pPr lvl="1"/>
+            <a:r>
+              <a:rPr lang="en-US" dirty="0"/>
+              <a:t>Additional tests will be created as part of our quality engineering effort.</a:t>
+            </a:r>
+          </a:p>
+        </p:txBody>
+      </p:sp>
+    </p:spTree>
+    <p:extLst>
+      <p:ext uri="{BB962C8B-B14F-4D97-AF65-F5344CB8AC3E}">
+        <p14:creationId xmlns:p14="http://schemas.microsoft.com/office/powerpoint/2010/main" val="529994784"/>
+      </p:ext>
+    </p:extLst>
+  </p:cSld>
+  <p:clrMapOvr>
+    <a:masterClrMapping/>
+  </p:clrMapOvr>
+</p:sld>
+</file>
+
+<file path=ppt/slides/slide29.xml><?xml version="1.0" encoding="utf-8"?>
+<p:sld xmlns:a="http://schemas.openxmlformats.org/drawingml/2006/main" xmlns:r="http://schemas.openxmlformats.org/officeDocument/2006/relationships" xmlns:p="http://schemas.openxmlformats.org/presentationml/2006/main">
+  <p:cSld>
+    <p:spTree>
+      <p:nvGrpSpPr>
+        <p:cNvPr id="1" name=""/>
+        <p:cNvGrpSpPr/>
+        <p:nvPr/>
+      </p:nvGrpSpPr>
+      <p:grpSpPr>
+        <a:xfrm>
+          <a:off x="0" y="0"/>
+          <a:ext cx="0" cy="0"/>
+          <a:chOff x="0" y="0"/>
+          <a:chExt cx="0" cy="0"/>
+        </a:xfrm>
+      </p:grpSpPr>
+      <p:sp>
+        <p:nvSpPr>
+          <p:cNvPr id="2" name="Title 1">
+            <a:extLst>
+              <a:ext uri="{FF2B5EF4-FFF2-40B4-BE49-F238E27FC236}">
+                <a16:creationId xmlns:a16="http://schemas.microsoft.com/office/drawing/2014/main" id="{977B8AF1-3C5A-5B40-A022-7A684DB3C5B7}"/>
+              </a:ext>
+            </a:extLst>
+          </p:cNvPr>
+          <p:cNvSpPr>
+            <a:spLocks noGrp="1"/>
+          </p:cNvSpPr>
+          <p:nvPr>
+            <p:ph type="title"/>
+          </p:nvPr>
+        </p:nvSpPr>
+        <p:spPr/>
+        <p:txBody>
+          <a:bodyPr/>
+          <a:lstStyle/>
+          <a:p>
+            <a:r>
+              <a:rPr lang="en-US" b="1" dirty="0"/>
+              <a:t>Further reading</a:t>
+            </a:r>
+            <a:endParaRPr lang="en-US" dirty="0"/>
+          </a:p>
+        </p:txBody>
+      </p:sp>
+      <p:sp>
+        <p:nvSpPr>
+          <p:cNvPr id="3" name="Content Placeholder 2">
+            <a:extLst>
+              <a:ext uri="{FF2B5EF4-FFF2-40B4-BE49-F238E27FC236}">
+                <a16:creationId xmlns:a16="http://schemas.microsoft.com/office/drawing/2014/main" id="{62151239-2C8C-5C47-B029-8E279A296E76}"/>
+              </a:ext>
+            </a:extLst>
+          </p:cNvPr>
+          <p:cNvSpPr>
+            <a:spLocks noGrp="1"/>
+          </p:cNvSpPr>
+          <p:nvPr>
+            <p:ph idx="1"/>
+          </p:nvPr>
+        </p:nvSpPr>
+        <p:spPr/>
+        <p:txBody>
+          <a:bodyPr/>
+          <a:lstStyle/>
+          <a:p>
+            <a:r>
+              <a:rPr lang="en-US" u="sng" dirty="0"/>
+              <a:t>Test-Driven Development: By Example</a:t>
+            </a:r>
+            <a:r>
+              <a:rPr lang="en-US" dirty="0"/>
+              <a:t> by Kent Beck</a:t>
+            </a:r>
+          </a:p>
+          <a:p>
+            <a:r>
+              <a:rPr lang="en-US" u="sng" dirty="0"/>
+              <a:t>Working Effectively with Legacy Code</a:t>
+            </a:r>
+            <a:r>
+              <a:rPr lang="en-US" dirty="0"/>
+              <a:t> by Michael C. Feathers</a:t>
+            </a:r>
+          </a:p>
+          <a:p>
+            <a:r>
+              <a:rPr lang="en-US" u="sng" dirty="0"/>
+              <a:t>Growing Object-Oriented Software, Guided by Tests</a:t>
+            </a:r>
+            <a:r>
+              <a:rPr lang="en-US" dirty="0"/>
+              <a:t> by Steve Freeman and Nat Pryce</a:t>
+            </a:r>
+          </a:p>
+          <a:p>
+            <a:r>
+              <a:rPr lang="en-US" u="sng" dirty="0"/>
+              <a:t>Beyond Legacy Code</a:t>
+            </a:r>
+            <a:r>
+              <a:rPr lang="en-US" dirty="0"/>
+              <a:t> by David Scott Bernstein</a:t>
+            </a:r>
+          </a:p>
+          <a:p>
+            <a:r>
+              <a:rPr lang="en-US" dirty="0">
+                <a:hlinkClick r:id="rId2"/>
+              </a:rPr>
+              <a:t>Python programming language creator retires, saying: 'It's been an amazing ride'</a:t>
+            </a:r>
+            <a:endParaRPr lang="en-US" dirty="0"/>
+          </a:p>
+        </p:txBody>
+      </p:sp>
+    </p:spTree>
+    <p:extLst>
+      <p:ext uri="{BB962C8B-B14F-4D97-AF65-F5344CB8AC3E}">
+        <p14:creationId xmlns:p14="http://schemas.microsoft.com/office/powerpoint/2010/main" val="2698004406"/>
       </p:ext>
     </p:extLst>
   </p:cSld>
@@ -4067,10 +5860,7 @@
           <a:bodyPr/>
           <a:lstStyle/>
           <a:p>
-            <a:r>
-              <a:rPr lang="en-US" b="1" dirty="0"/>
-              <a:t>Why Test-Driven Development?</a:t>
-            </a:r>
+            <a:endParaRPr lang="en-US" dirty="0"/>
           </a:p>
         </p:txBody>
       </p:sp>
@@ -4092,40 +5882,12 @@
         </p:nvSpPr>
         <p:spPr/>
         <p:txBody>
-          <a:bodyPr>
-            <a:normAutofit/>
-          </a:bodyPr>
-          <a:lstStyle/>
-          <a:p>
-            <a:r>
-              <a:rPr lang="en-US" dirty="0"/>
-              <a:t>Unit testing is a design activity.</a:t>
-            </a:r>
-          </a:p>
-          <a:p>
-            <a:pPr lvl="1"/>
-            <a:r>
-              <a:rPr lang="en-US" dirty="0"/>
-              <a:t>Clarifies our ideas on code intent.</a:t>
-            </a:r>
-          </a:p>
-          <a:p>
-            <a:r>
-              <a:rPr lang="en-US" dirty="0"/>
-              <a:t>Unit tests communicate the soundness of design decisions.</a:t>
-            </a:r>
-          </a:p>
-          <a:p>
-            <a:r>
-              <a:rPr lang="en-US" dirty="0"/>
-              <a:t>Unit tests act as executable documentation.</a:t>
-            </a:r>
-          </a:p>
-          <a:p>
-            <a:pPr lvl="1"/>
-            <a:r>
-              <a:rPr lang="en-US" dirty="0"/>
-              <a:t>Communicates our intent.</a:t>
+          <a:bodyPr/>
+          <a:lstStyle/>
+          <a:p>
+            <a:r>
+              <a:rPr lang="en-US" dirty="0"/>
+              <a:t>Clean code that works – Ron Jefferies</a:t>
             </a:r>
           </a:p>
         </p:txBody>
@@ -4133,7 +5895,7 @@
     </p:spTree>
     <p:extLst>
       <p:ext uri="{BB962C8B-B14F-4D97-AF65-F5344CB8AC3E}">
-        <p14:creationId xmlns:p14="http://schemas.microsoft.com/office/powerpoint/2010/main" val="4057073478"/>
+        <p14:creationId xmlns:p14="http://schemas.microsoft.com/office/powerpoint/2010/main" val="1391289329"/>
       </p:ext>
     </p:extLst>
   </p:cSld>
@@ -4183,7 +5945,7 @@
           <a:p>
             <a:r>
               <a:rPr lang="en-US" b="1" dirty="0"/>
-              <a:t>Unit tests as a feedback loop</a:t>
+              <a:t>Why Test-Driven Development?</a:t>
             </a:r>
           </a:p>
         </p:txBody>
@@ -4206,59 +5968,61 @@
         </p:nvSpPr>
         <p:spPr/>
         <p:txBody>
-          <a:bodyPr/>
-          <a:lstStyle/>
-          <a:p>
-            <a:r>
-              <a:rPr lang="en-US" dirty="0"/>
-              <a:t>We apply feedback loops to every level of our development. </a:t>
-            </a:r>
-          </a:p>
-          <a:p>
-            <a:r>
-              <a:rPr lang="en-US" dirty="0"/>
-              <a:t>- Unit testing is a feedback loop that occurs within seconds. </a:t>
-            </a:r>
-          </a:p>
-          <a:p>
-            <a:r>
-              <a:rPr lang="en-US" dirty="0"/>
-              <a:t>- Quick execution of a unit test provides us with information.</a:t>
-            </a:r>
-          </a:p>
-          <a:p>
-            <a:r>
-              <a:rPr lang="en-US" dirty="0"/>
-              <a:t>- Constant testing will catch regression errors.</a:t>
-            </a:r>
-          </a:p>
-          <a:p>
-            <a:r>
-              <a:rPr lang="en-US" dirty="0"/>
-              <a:t>- Test-driven development gives us feedback on...</a:t>
-            </a:r>
-          </a:p>
-          <a:p>
-            <a:r>
-              <a:rPr lang="en-US" dirty="0"/>
-              <a:t>- Quality of the implementation (does it work)</a:t>
-            </a:r>
-          </a:p>
-          <a:p>
-            <a:r>
-              <a:rPr lang="en-US" dirty="0"/>
-              <a:t>- Quality of the code design (is it well structured)</a:t>
-            </a:r>
-          </a:p>
-          <a:p>
-            <a:endParaRPr lang="en-US" dirty="0"/>
+          <a:bodyPr>
+            <a:normAutofit/>
+          </a:bodyPr>
+          <a:lstStyle/>
+          <a:p>
+            <a:r>
+              <a:rPr lang="en-US" dirty="0"/>
+              <a:t>Unit testing is a design activity.</a:t>
+            </a:r>
+          </a:p>
+          <a:p>
+            <a:pPr lvl="1"/>
+            <a:r>
+              <a:rPr lang="en-US" dirty="0"/>
+              <a:t>Clarifies our ideas on code intent.</a:t>
+            </a:r>
+          </a:p>
+          <a:p>
+            <a:r>
+              <a:rPr lang="en-US" dirty="0"/>
+              <a:t>Forces you to think carefully about what behavior is needed for a unit to satisfy the acceptance criteria.</a:t>
+            </a:r>
+          </a:p>
+          <a:p>
+            <a:pPr lvl="1"/>
+            <a:r>
+              <a:rPr lang="en-US" dirty="0"/>
+              <a:t>Unit being method or function</a:t>
+            </a:r>
+          </a:p>
+          <a:p>
+            <a:r>
+              <a:rPr lang="en-US" dirty="0"/>
+              <a:t>Unit tests communicate the soundness of design decisions.</a:t>
+            </a:r>
+          </a:p>
+          <a:p>
+            <a:r>
+              <a:rPr lang="en-US" dirty="0"/>
+              <a:t>Unit tests act as executable documentation.</a:t>
+            </a:r>
+          </a:p>
+          <a:p>
+            <a:pPr lvl="1"/>
+            <a:r>
+              <a:rPr lang="en-US" dirty="0"/>
+              <a:t>Communicates our intent.</a:t>
+            </a:r>
           </a:p>
         </p:txBody>
       </p:sp>
     </p:spTree>
     <p:extLst>
       <p:ext uri="{BB962C8B-B14F-4D97-AF65-F5344CB8AC3E}">
-        <p14:creationId xmlns:p14="http://schemas.microsoft.com/office/powerpoint/2010/main" val="387847106"/>
+        <p14:creationId xmlns:p14="http://schemas.microsoft.com/office/powerpoint/2010/main" val="4057073478"/>
       </p:ext>
     </p:extLst>
   </p:cSld>
@@ -4290,7 +6054,7 @@
           <p:cNvPr id="2" name="Title 1">
             <a:extLst>
               <a:ext uri="{FF2B5EF4-FFF2-40B4-BE49-F238E27FC236}">
-                <a16:creationId xmlns:a16="http://schemas.microsoft.com/office/drawing/2014/main" id="{977B8AF1-3C5A-5B40-A022-7A684DB3C5B7}"/>
+                <a16:creationId xmlns:a16="http://schemas.microsoft.com/office/drawing/2014/main" id="{0DF7F7CD-F13E-1641-9302-0C62C3CAEF31}"/>
               </a:ext>
             </a:extLst>
           </p:cNvPr>
@@ -4307,8 +6071,8 @@
           <a:lstStyle/>
           <a:p>
             <a:r>
-              <a:rPr lang="en-US" b="1" dirty="0"/>
-              <a:t>Managing fear during programming</a:t>
+              <a:rPr lang="en-US" dirty="0"/>
+              <a:t>Why test-driven development?</a:t>
             </a:r>
           </a:p>
         </p:txBody>
@@ -4318,7 +6082,7 @@
           <p:cNvPr id="3" name="Content Placeholder 2">
             <a:extLst>
               <a:ext uri="{FF2B5EF4-FFF2-40B4-BE49-F238E27FC236}">
-                <a16:creationId xmlns:a16="http://schemas.microsoft.com/office/drawing/2014/main" id="{62151239-2C8C-5C47-B029-8E279A296E76}"/>
+                <a16:creationId xmlns:a16="http://schemas.microsoft.com/office/drawing/2014/main" id="{E1A710DC-FC48-5D4D-A82F-FE5F1A489677}"/>
               </a:ext>
             </a:extLst>
           </p:cNvPr>
@@ -4336,63 +6100,30 @@
           <a:p>
             <a:r>
               <a:rPr lang="en-US" dirty="0"/>
-              <a:t>Fear makes you…</a:t>
-            </a:r>
-          </a:p>
-          <a:p>
-            <a:pPr lvl="1"/>
-            <a:r>
-              <a:rPr lang="en-US" dirty="0"/>
-              <a:t>Tentative</a:t>
-            </a:r>
-          </a:p>
-          <a:p>
-            <a:pPr lvl="1"/>
-            <a:r>
-              <a:rPr lang="en-US" dirty="0"/>
-              <a:t>Communicate less</a:t>
-            </a:r>
-          </a:p>
-          <a:p>
-            <a:pPr lvl="1"/>
-            <a:r>
-              <a:rPr lang="en-US" dirty="0"/>
-              <a:t>Avoid feedback</a:t>
-            </a:r>
-          </a:p>
-          <a:p>
-            <a:r>
-              <a:rPr lang="en-US" dirty="0"/>
-              <a:t>Test-driven development provides us with courage to</a:t>
-            </a:r>
-          </a:p>
-          <a:p>
-            <a:pPr lvl="1"/>
-            <a:r>
-              <a:rPr lang="en-US" dirty="0"/>
-              <a:t>Begin learning as quickly as possible</a:t>
-            </a:r>
-          </a:p>
-          <a:p>
-            <a:pPr lvl="1"/>
-            <a:r>
-              <a:rPr lang="en-US" dirty="0"/>
-              <a:t>Communicate clearly</a:t>
-            </a:r>
-          </a:p>
-          <a:p>
-            <a:pPr lvl="1"/>
-            <a:r>
-              <a:rPr lang="en-US" dirty="0"/>
-              <a:t>Search out helpful, concrete feedback</a:t>
-            </a:r>
+              <a:t>Writing tests forces you to think through all use cases.</a:t>
+            </a:r>
+          </a:p>
+          <a:p>
+            <a:r>
+              <a:rPr lang="en-US" dirty="0"/>
+              <a:t>Clarify what you are building.</a:t>
+            </a:r>
+          </a:p>
+          <a:p>
+            <a:r>
+              <a:rPr lang="en-US" dirty="0"/>
+              <a:t>Protect against regressions.</a:t>
+            </a:r>
+          </a:p>
+          <a:p>
+            <a:endParaRPr lang="en-US" dirty="0"/>
           </a:p>
         </p:txBody>
       </p:sp>
     </p:spTree>
     <p:extLst>
       <p:ext uri="{BB962C8B-B14F-4D97-AF65-F5344CB8AC3E}">
-        <p14:creationId xmlns:p14="http://schemas.microsoft.com/office/powerpoint/2010/main" val="347741536"/>
+        <p14:creationId xmlns:p14="http://schemas.microsoft.com/office/powerpoint/2010/main" val="3653872365"/>
       </p:ext>
     </p:extLst>
   </p:cSld>
@@ -4424,7 +6155,7 @@
           <p:cNvPr id="2" name="Title 1">
             <a:extLst>
               <a:ext uri="{FF2B5EF4-FFF2-40B4-BE49-F238E27FC236}">
-                <a16:creationId xmlns:a16="http://schemas.microsoft.com/office/drawing/2014/main" id="{977B8AF1-3C5A-5B40-A022-7A684DB3C5B7}"/>
+                <a16:creationId xmlns:a16="http://schemas.microsoft.com/office/drawing/2014/main" id="{8ECA5A27-3BB2-E549-AD6F-8C304B698918}"/>
               </a:ext>
             </a:extLst>
           </p:cNvPr>
@@ -4442,9 +6173,8 @@
           <a:p>
             <a:r>
               <a:rPr lang="en-US" b="1" dirty="0"/>
-              <a:t>Test-driven development mantra</a:t>
-            </a:r>
-            <a:endParaRPr lang="en-US" dirty="0"/>
+              <a:t>Benefits of test-driven development</a:t>
+            </a:r>
           </a:p>
         </p:txBody>
       </p:sp>
@@ -4453,7 +6183,7 @@
           <p:cNvPr id="3" name="Content Placeholder 2">
             <a:extLst>
               <a:ext uri="{FF2B5EF4-FFF2-40B4-BE49-F238E27FC236}">
-                <a16:creationId xmlns:a16="http://schemas.microsoft.com/office/drawing/2014/main" id="{62151239-2C8C-5C47-B029-8E279A296E76}"/>
+                <a16:creationId xmlns:a16="http://schemas.microsoft.com/office/drawing/2014/main" id="{76692C72-73F8-5040-909F-7CFA079DF5CA}"/>
               </a:ext>
             </a:extLst>
           </p:cNvPr>
@@ -4466,49 +6196,64 @@
         </p:nvSpPr>
         <p:spPr/>
         <p:txBody>
-          <a:bodyPr/>
-          <a:lstStyle/>
-          <a:p>
-            <a:r>
-              <a:rPr lang="en-US" dirty="0"/>
-              <a:t>Red: Write a test that doesn't work or perhaps doesn't even compile.</a:t>
-            </a:r>
-          </a:p>
-          <a:p>
-            <a:r>
-              <a:rPr lang="en-US" dirty="0"/>
-              <a:t>Green: Make the test pass!</a:t>
-            </a:r>
-          </a:p>
-          <a:p>
-            <a:pPr lvl="1"/>
-            <a:r>
-              <a:rPr lang="en-US" dirty="0"/>
-              <a:t>Don't worry about code duplication or other code smells at this point.</a:t>
-            </a:r>
-          </a:p>
-          <a:p>
-            <a:r>
-              <a:rPr lang="en-US" dirty="0"/>
-              <a:t>Refactor: Eliminate code smells and make source code more communicative. </a:t>
-            </a:r>
-          </a:p>
-          <a:p>
-            <a:pPr lvl="1"/>
-            <a:r>
-              <a:rPr lang="en-US" dirty="0"/>
-              <a:t>All tests in the test suite must continue to pass successfully.</a:t>
-            </a:r>
-          </a:p>
-          <a:p>
-            <a:endParaRPr lang="en-US" dirty="0"/>
+          <a:bodyPr>
+            <a:normAutofit/>
+          </a:bodyPr>
+          <a:lstStyle/>
+          <a:p>
+            <a:r>
+              <a:rPr lang="en-US" dirty="0"/>
+              <a:t>Constantly asking yourself what it is you want to accomplish</a:t>
+            </a:r>
+          </a:p>
+          <a:p>
+            <a:r>
+              <a:rPr lang="en-US" dirty="0"/>
+              <a:t>Thinking deeply about the problem domain</a:t>
+            </a:r>
+          </a:p>
+          <a:p>
+            <a:r>
+              <a:rPr lang="en-US" dirty="0"/>
+              <a:t>Make code changes with confidence. </a:t>
+            </a:r>
+          </a:p>
+          <a:p>
+            <a:r>
+              <a:rPr lang="en-US" dirty="0"/>
+              <a:t>Write better code with fewer bugs.</a:t>
+            </a:r>
+          </a:p>
+          <a:p>
+            <a:r>
+              <a:rPr lang="en-US" dirty="0"/>
+              <a:t>Flexible code that is adaptive to change.</a:t>
+            </a:r>
+          </a:p>
+          <a:p>
+            <a:r>
+              <a:rPr lang="en-US" dirty="0"/>
+              <a:t>Force you to create smaller functions that do one thing.</a:t>
+            </a:r>
+          </a:p>
+          <a:p>
+            <a:r>
+              <a:rPr lang="en-US" dirty="0"/>
+              <a:t>Document your code by giving usage examples.</a:t>
+            </a:r>
+          </a:p>
+          <a:p>
+            <a:r>
+              <a:rPr lang="en-US" dirty="0"/>
+              <a:t>Think twice before adding new features. </a:t>
+            </a:r>
           </a:p>
         </p:txBody>
       </p:sp>
     </p:spTree>
     <p:extLst>
       <p:ext uri="{BB962C8B-B14F-4D97-AF65-F5344CB8AC3E}">
-        <p14:creationId xmlns:p14="http://schemas.microsoft.com/office/powerpoint/2010/main" val="375913966"/>
+        <p14:creationId xmlns:p14="http://schemas.microsoft.com/office/powerpoint/2010/main" val="4194142895"/>
       </p:ext>
     </p:extLst>
   </p:cSld>
@@ -4540,7 +6285,7 @@
           <p:cNvPr id="2" name="Title 1">
             <a:extLst>
               <a:ext uri="{FF2B5EF4-FFF2-40B4-BE49-F238E27FC236}">
-                <a16:creationId xmlns:a16="http://schemas.microsoft.com/office/drawing/2014/main" id="{977B8AF1-3C5A-5B40-A022-7A684DB3C5B7}"/>
+                <a16:creationId xmlns:a16="http://schemas.microsoft.com/office/drawing/2014/main" id="{151C1DBB-24A4-CC42-B6F9-77BFFCE2EAF7}"/>
               </a:ext>
             </a:extLst>
           </p:cNvPr>
@@ -4558,9 +6303,8 @@
           <a:p>
             <a:r>
               <a:rPr lang="en-US" b="1" dirty="0"/>
-              <a:t>Code smells</a:t>
-            </a:r>
-            <a:endParaRPr lang="en-US" dirty="0"/>
+              <a:t>What makes a good unit test</a:t>
+            </a:r>
           </a:p>
         </p:txBody>
       </p:sp>
@@ -4569,7 +6313,7 @@
           <p:cNvPr id="3" name="Content Placeholder 2">
             <a:extLst>
               <a:ext uri="{FF2B5EF4-FFF2-40B4-BE49-F238E27FC236}">
-                <a16:creationId xmlns:a16="http://schemas.microsoft.com/office/drawing/2014/main" id="{62151239-2C8C-5C47-B029-8E279A296E76}"/>
+                <a16:creationId xmlns:a16="http://schemas.microsoft.com/office/drawing/2014/main" id="{113C95AF-BD19-484B-B3AA-AB4A57ACFFE1}"/>
               </a:ext>
             </a:extLst>
           </p:cNvPr>
@@ -4587,30 +6331,56 @@
           <a:p>
             <a:r>
               <a:rPr lang="en-US" dirty="0"/>
-              <a:t>Any characteristic in the source code that possibly indicates a deeper problem</a:t>
-            </a:r>
-          </a:p>
-          <a:p>
-            <a:r>
-              <a:rPr lang="en-US" dirty="0"/>
-              <a:t>Structures in the code that indicate violation of fundamental design principles and negatively impact design quality</a:t>
-            </a:r>
-          </a:p>
-          <a:p>
-            <a:r>
-              <a:rPr lang="en-US" i="1" dirty="0"/>
-              <a:t>Anti-patterns</a:t>
-            </a:r>
-          </a:p>
-          <a:p>
-            <a:endParaRPr lang="en-US" dirty="0"/>
+              <a:t>Tests should be…</a:t>
+            </a:r>
+          </a:p>
+          <a:p>
+            <a:pPr lvl="1"/>
+            <a:r>
+              <a:rPr lang="en-US" dirty="0"/>
+              <a:t>Unique</a:t>
+            </a:r>
+          </a:p>
+          <a:p>
+            <a:pPr lvl="1"/>
+            <a:r>
+              <a:rPr lang="en-US" dirty="0"/>
+              <a:t>Written at the right level of abstraction</a:t>
+            </a:r>
+          </a:p>
+          <a:p>
+            <a:pPr lvl="1"/>
+            <a:r>
+              <a:rPr lang="en-US" dirty="0"/>
+              <a:t>Expressive</a:t>
+            </a:r>
+          </a:p>
+          <a:p>
+            <a:pPr lvl="1"/>
+            <a:r>
+              <a:rPr lang="en-US" dirty="0"/>
+              <a:t>Based on acceptance criteria</a:t>
+            </a:r>
+          </a:p>
+          <a:p>
+            <a:pPr lvl="1"/>
+            <a:r>
+              <a:rPr lang="en-US" dirty="0"/>
+              <a:t>Implementation independent</a:t>
+            </a:r>
+          </a:p>
+          <a:p>
+            <a:r>
+              <a:rPr lang="en-US" dirty="0"/>
+              <a:t>Knowing how to write a good test is paramount to being successful with TDD. </a:t>
+            </a:r>
           </a:p>
         </p:txBody>
       </p:sp>
     </p:spTree>
     <p:extLst>
       <p:ext uri="{BB962C8B-B14F-4D97-AF65-F5344CB8AC3E}">
-        <p14:creationId xmlns:p14="http://schemas.microsoft.com/office/powerpoint/2010/main" val="1364267279"/>
+        <p14:creationId xmlns:p14="http://schemas.microsoft.com/office/powerpoint/2010/main" val="3808820023"/>
       </p:ext>
     </p:extLst>
   </p:cSld>
@@ -4642,7 +6412,7 @@
           <p:cNvPr id="2" name="Title 1">
             <a:extLst>
               <a:ext uri="{FF2B5EF4-FFF2-40B4-BE49-F238E27FC236}">
-                <a16:creationId xmlns:a16="http://schemas.microsoft.com/office/drawing/2014/main" id="{977B8AF1-3C5A-5B40-A022-7A684DB3C5B7}"/>
+                <a16:creationId xmlns:a16="http://schemas.microsoft.com/office/drawing/2014/main" id="{7C685DC6-B14F-6342-A1B6-538A18C913D2}"/>
               </a:ext>
             </a:extLst>
           </p:cNvPr>
@@ -4660,9 +6430,8 @@
           <a:p>
             <a:r>
               <a:rPr lang="en-US" b="1" dirty="0"/>
-              <a:t>Code smell examples: Application level</a:t>
-            </a:r>
-            <a:endParaRPr lang="en-US" dirty="0"/>
+              <a:t>Code is a liability</a:t>
+            </a:r>
           </a:p>
         </p:txBody>
       </p:sp>
@@ -4671,7 +6440,7 @@
           <p:cNvPr id="3" name="Content Placeholder 2">
             <a:extLst>
               <a:ext uri="{FF2B5EF4-FFF2-40B4-BE49-F238E27FC236}">
-                <a16:creationId xmlns:a16="http://schemas.microsoft.com/office/drawing/2014/main" id="{62151239-2C8C-5C47-B029-8E279A296E76}"/>
+                <a16:creationId xmlns:a16="http://schemas.microsoft.com/office/drawing/2014/main" id="{115D65EE-DECF-C04B-9355-B7DA30D32DF4}"/>
               </a:ext>
             </a:extLst>
           </p:cNvPr>
@@ -4684,51 +6453,38 @@
         </p:nvSpPr>
         <p:spPr/>
         <p:txBody>
-          <a:bodyPr>
-            <a:normAutofit/>
-          </a:bodyPr>
-          <a:lstStyle/>
-          <a:p>
-            <a:r>
-              <a:rPr lang="en-US" dirty="0"/>
-              <a:t>Mysterious Name: Naming of functions, modules, variables or classes that does not communicate their intent</a:t>
-            </a:r>
-          </a:p>
-          <a:p>
-            <a:r>
-              <a:rPr lang="en-US" dirty="0"/>
-              <a:t>Duplicated code: identical or very similar code that exists in more than one location (</a:t>
-            </a:r>
-            <a:r>
-              <a:rPr lang="en-US" i="1" dirty="0"/>
-              <a:t>aka</a:t>
-            </a:r>
-            <a:r>
-              <a:rPr lang="en-US" dirty="0"/>
-              <a:t> copy pasta)</a:t>
-            </a:r>
-          </a:p>
-          <a:p>
-            <a:r>
-              <a:rPr lang="en-US" dirty="0"/>
-              <a:t>Contrived complexity: forced usage of overcomplicated design patterns where simpler design patterns would suffice</a:t>
-            </a:r>
-          </a:p>
-          <a:p>
-            <a:r>
-              <a:rPr lang="en-US" dirty="0"/>
-              <a:t>Uncontrolled side effects: side effects of coding that commonly cause runtime exceptions, with unit tests unable to capture the exact cause of the problem</a:t>
-            </a:r>
-          </a:p>
-          <a:p>
-            <a:endParaRPr lang="en-US" dirty="0"/>
+          <a:bodyPr/>
+          <a:lstStyle/>
+          <a:p>
+            <a:r>
+              <a:rPr lang="en-US" dirty="0"/>
+              <a:t>Poor practice to comment out unused code.</a:t>
+            </a:r>
+          </a:p>
+          <a:p>
+            <a:r>
+              <a:rPr lang="en-US" dirty="0"/>
+              <a:t>Code that has no purpose is a major source of distraction and confusion. </a:t>
+            </a:r>
+          </a:p>
+          <a:p>
+            <a:r>
+              <a:rPr lang="en-US" dirty="0"/>
+              <a:t>No reason not to remove dead code and other bloat. </a:t>
+            </a:r>
+          </a:p>
+          <a:p>
+            <a:r>
+              <a:rPr lang="en-US" dirty="0"/>
+              <a:t>Less code means less complexity, which means less bugs, which means less unexpected outcomes in production. </a:t>
+            </a:r>
           </a:p>
         </p:txBody>
       </p:sp>
     </p:spTree>
     <p:extLst>
       <p:ext uri="{BB962C8B-B14F-4D97-AF65-F5344CB8AC3E}">
-        <p14:creationId xmlns:p14="http://schemas.microsoft.com/office/powerpoint/2010/main" val="533320099"/>
+        <p14:creationId xmlns:p14="http://schemas.microsoft.com/office/powerpoint/2010/main" val="1810090094"/>
       </p:ext>
     </p:extLst>
   </p:cSld>
@@ -4760,7 +6516,7 @@
           <p:cNvPr id="2" name="Title 1">
             <a:extLst>
               <a:ext uri="{FF2B5EF4-FFF2-40B4-BE49-F238E27FC236}">
-                <a16:creationId xmlns:a16="http://schemas.microsoft.com/office/drawing/2014/main" id="{977B8AF1-3C5A-5B40-A022-7A684DB3C5B7}"/>
+                <a16:creationId xmlns:a16="http://schemas.microsoft.com/office/drawing/2014/main" id="{338E4367-1A80-F749-9BE9-4F7E1DF506B7}"/>
               </a:ext>
             </a:extLst>
           </p:cNvPr>
@@ -4778,9 +6534,8 @@
           <a:p>
             <a:r>
               <a:rPr lang="en-US" b="1" dirty="0"/>
-              <a:t>Code smell examples: Class level</a:t>
-            </a:r>
-            <a:endParaRPr lang="en-US" dirty="0"/>
+              <a:t>Don’t be clever!</a:t>
+            </a:r>
           </a:p>
         </p:txBody>
       </p:sp>
@@ -4789,7 +6544,7 @@
           <p:cNvPr id="3" name="Content Placeholder 2">
             <a:extLst>
               <a:ext uri="{FF2B5EF4-FFF2-40B4-BE49-F238E27FC236}">
-                <a16:creationId xmlns:a16="http://schemas.microsoft.com/office/drawing/2014/main" id="{62151239-2C8C-5C47-B029-8E279A296E76}"/>
+                <a16:creationId xmlns:a16="http://schemas.microsoft.com/office/drawing/2014/main" id="{900ACE45-F8A1-4742-BD1A-81A4DE26EE46}"/>
               </a:ext>
             </a:extLst>
           </p:cNvPr>
@@ -4802,46 +6557,57 @@
         </p:nvSpPr>
         <p:spPr/>
         <p:txBody>
-          <a:bodyPr>
-            <a:normAutofit fontScale="92500"/>
-          </a:bodyPr>
-          <a:lstStyle/>
-          <a:p>
-            <a:r>
-              <a:rPr lang="en-US" dirty="0"/>
-              <a:t>Large class: Class has grown too large and has too many responsibilities (</a:t>
-            </a:r>
-            <a:r>
-              <a:rPr lang="en-US" i="1" dirty="0"/>
-              <a:t>aka</a:t>
-            </a:r>
-            <a:r>
-              <a:rPr lang="en-US" dirty="0"/>
-              <a:t> God object)</a:t>
-            </a:r>
-          </a:p>
-          <a:p>
-            <a:r>
-              <a:rPr lang="en-US" dirty="0"/>
-              <a:t>God objects: a class that has lots of responsibilities and is low cohesive.</a:t>
-            </a:r>
-          </a:p>
-          <a:p>
-            <a:r>
-              <a:rPr lang="en-US" dirty="0"/>
-              <a:t>Feature envy: a class that uses methods of another class excessively and has no responsibility of its own</a:t>
-            </a:r>
-          </a:p>
-          <a:p>
-            <a:r>
-              <a:rPr lang="en-US" dirty="0"/>
-              <a:t>Inappropriate intimacy: a class that has dependencies on implementation details of another class</a:t>
-            </a:r>
-          </a:p>
-          <a:p>
-            <a:r>
-              <a:rPr lang="en-US" dirty="0"/>
-              <a:t>Refused bequest: a class that overrides a method of a base class in such a way that the contract of the base class is not honored by the derived class </a:t>
+          <a:bodyPr/>
+          <a:lstStyle/>
+          <a:p>
+            <a:r>
+              <a:rPr lang="en-US" dirty="0"/>
+              <a:t>Prefer clarity over cleverness.</a:t>
+            </a:r>
+          </a:p>
+          <a:p>
+            <a:r>
+              <a:rPr lang="en-US" dirty="0"/>
+              <a:t>Developers spend much more time reading code than writing code. </a:t>
+            </a:r>
+          </a:p>
+          <a:p>
+            <a:pPr lvl="1"/>
+            <a:r>
+              <a:rPr lang="en-US" dirty="0"/>
+              <a:t>Optimize your source code for reading.</a:t>
+            </a:r>
+          </a:p>
+          <a:p>
+            <a:r>
+              <a:rPr lang="en-US" dirty="0"/>
+              <a:t>Make your code as easy to understand as you possibly can. </a:t>
+            </a:r>
+          </a:p>
+          <a:p>
+            <a:r>
+              <a:rPr lang="en-US" dirty="0"/>
+              <a:t>If you encounter code that is not easy to understand, take a little time to refactor it.</a:t>
+            </a:r>
+          </a:p>
+          <a:p>
+            <a:r>
+              <a:rPr lang="en-US" dirty="0"/>
+              <a:t>“Maintainable code is more important than clever code.” – Guido van Rossum, inventor of the Python language</a:t>
+            </a:r>
+          </a:p>
+          <a:p>
+            <a:r>
+              <a:rPr lang="en-US" dirty="0"/>
+              <a:t>“Simplicity is a prerequisite for reliability.”- </a:t>
+            </a:r>
+            <a:r>
+              <a:rPr lang="en-US" dirty="0" err="1"/>
+              <a:t>Edsger</a:t>
+            </a:r>
+            <a:r>
+              <a:rPr lang="en-US" dirty="0"/>
+              <a:t> W. Dijkstra</a:t>
             </a:r>
           </a:p>
         </p:txBody>
@@ -4849,7 +6615,7 @@
     </p:spTree>
     <p:extLst>
       <p:ext uri="{BB962C8B-B14F-4D97-AF65-F5344CB8AC3E}">
-        <p14:creationId xmlns:p14="http://schemas.microsoft.com/office/powerpoint/2010/main" val="2301747231"/>
+        <p14:creationId xmlns:p14="http://schemas.microsoft.com/office/powerpoint/2010/main" val="1259715462"/>
       </p:ext>
     </p:extLst>
   </p:cSld>

--- a/presentations/Introduction to Test-Driven Development.pptx
+++ b/presentations/Introduction to Test-Driven Development.pptx
@@ -7,33 +7,24 @@
   <p:sldIdLst>
     <p:sldId id="256" r:id="rId2"/>
     <p:sldId id="282" r:id="rId3"/>
-    <p:sldId id="257" r:id="rId4"/>
-    <p:sldId id="260" r:id="rId5"/>
-    <p:sldId id="281" r:id="rId6"/>
+    <p:sldId id="260" r:id="rId4"/>
+    <p:sldId id="281" r:id="rId5"/>
+    <p:sldId id="267" r:id="rId6"/>
     <p:sldId id="275" r:id="rId7"/>
     <p:sldId id="284" r:id="rId8"/>
-    <p:sldId id="277" r:id="rId9"/>
-    <p:sldId id="273" r:id="rId10"/>
-    <p:sldId id="276" r:id="rId11"/>
-    <p:sldId id="274" r:id="rId12"/>
-    <p:sldId id="271" r:id="rId13"/>
-    <p:sldId id="272" r:id="rId14"/>
-    <p:sldId id="267" r:id="rId15"/>
-    <p:sldId id="258" r:id="rId16"/>
-    <p:sldId id="259" r:id="rId17"/>
-    <p:sldId id="270" r:id="rId18"/>
-    <p:sldId id="261" r:id="rId19"/>
-    <p:sldId id="262" r:id="rId20"/>
-    <p:sldId id="278" r:id="rId21"/>
-    <p:sldId id="279" r:id="rId22"/>
-    <p:sldId id="280" r:id="rId23"/>
-    <p:sldId id="269" r:id="rId24"/>
-    <p:sldId id="263" r:id="rId25"/>
-    <p:sldId id="264" r:id="rId26"/>
-    <p:sldId id="265" r:id="rId27"/>
-    <p:sldId id="266" r:id="rId28"/>
-    <p:sldId id="283" r:id="rId29"/>
-    <p:sldId id="268" r:id="rId30"/>
+    <p:sldId id="273" r:id="rId9"/>
+    <p:sldId id="276" r:id="rId10"/>
+    <p:sldId id="274" r:id="rId11"/>
+    <p:sldId id="271" r:id="rId12"/>
+    <p:sldId id="272" r:id="rId13"/>
+    <p:sldId id="258" r:id="rId14"/>
+    <p:sldId id="259" r:id="rId15"/>
+    <p:sldId id="278" r:id="rId16"/>
+    <p:sldId id="279" r:id="rId17"/>
+    <p:sldId id="280" r:id="rId18"/>
+    <p:sldId id="283" r:id="rId19"/>
+    <p:sldId id="285" r:id="rId20"/>
+    <p:sldId id="268" r:id="rId21"/>
   </p:sldIdLst>
   <p:sldSz cx="12192000" cy="6858000"/>
   <p:notesSz cx="6858000" cy="9144000"/>
@@ -132,6 +123,11 @@
       </a:defRPr>
     </a:lvl9pPr>
   </p:defaultTextStyle>
+  <p:extLst>
+    <p:ext uri="{EFAFB233-063F-42B5-8137-9DF3F51BA10A}">
+      <p15:sldGuideLst xmlns:p15="http://schemas.microsoft.com/office/powerpoint/2012/main"/>
+    </p:ext>
+  </p:extLst>
 </p:presentation>
 </file>
 
@@ -282,7 +278,7 @@
           <a:p>
             <a:fld id="{BCD77189-38F1-1B47-A134-7F70D5119BAA}" type="datetimeFigureOut">
               <a:rPr lang="en-US" smtClean="0"/>
-              <a:t>7/24/21</a:t>
+              <a:t>7/26/21</a:t>
             </a:fld>
             <a:endParaRPr lang="en-US"/>
           </a:p>
@@ -480,7 +476,7 @@
           <a:p>
             <a:fld id="{BCD77189-38F1-1B47-A134-7F70D5119BAA}" type="datetimeFigureOut">
               <a:rPr lang="en-US" smtClean="0"/>
-              <a:t>7/24/21</a:t>
+              <a:t>7/26/21</a:t>
             </a:fld>
             <a:endParaRPr lang="en-US"/>
           </a:p>
@@ -688,7 +684,7 @@
           <a:p>
             <a:fld id="{BCD77189-38F1-1B47-A134-7F70D5119BAA}" type="datetimeFigureOut">
               <a:rPr lang="en-US" smtClean="0"/>
-              <a:t>7/24/21</a:t>
+              <a:t>7/26/21</a:t>
             </a:fld>
             <a:endParaRPr lang="en-US"/>
           </a:p>
@@ -886,7 +882,7 @@
           <a:p>
             <a:fld id="{BCD77189-38F1-1B47-A134-7F70D5119BAA}" type="datetimeFigureOut">
               <a:rPr lang="en-US" smtClean="0"/>
-              <a:t>7/24/21</a:t>
+              <a:t>7/26/21</a:t>
             </a:fld>
             <a:endParaRPr lang="en-US"/>
           </a:p>
@@ -1161,7 +1157,7 @@
           <a:p>
             <a:fld id="{BCD77189-38F1-1B47-A134-7F70D5119BAA}" type="datetimeFigureOut">
               <a:rPr lang="en-US" smtClean="0"/>
-              <a:t>7/24/21</a:t>
+              <a:t>7/26/21</a:t>
             </a:fld>
             <a:endParaRPr lang="en-US"/>
           </a:p>
@@ -1426,7 +1422,7 @@
           <a:p>
             <a:fld id="{BCD77189-38F1-1B47-A134-7F70D5119BAA}" type="datetimeFigureOut">
               <a:rPr lang="en-US" smtClean="0"/>
-              <a:t>7/24/21</a:t>
+              <a:t>7/26/21</a:t>
             </a:fld>
             <a:endParaRPr lang="en-US"/>
           </a:p>
@@ -1838,7 +1834,7 @@
           <a:p>
             <a:fld id="{BCD77189-38F1-1B47-A134-7F70D5119BAA}" type="datetimeFigureOut">
               <a:rPr lang="en-US" smtClean="0"/>
-              <a:t>7/24/21</a:t>
+              <a:t>7/26/21</a:t>
             </a:fld>
             <a:endParaRPr lang="en-US"/>
           </a:p>
@@ -1979,7 +1975,7 @@
           <a:p>
             <a:fld id="{BCD77189-38F1-1B47-A134-7F70D5119BAA}" type="datetimeFigureOut">
               <a:rPr lang="en-US" smtClean="0"/>
-              <a:t>7/24/21</a:t>
+              <a:t>7/26/21</a:t>
             </a:fld>
             <a:endParaRPr lang="en-US"/>
           </a:p>
@@ -2092,7 +2088,7 @@
           <a:p>
             <a:fld id="{BCD77189-38F1-1B47-A134-7F70D5119BAA}" type="datetimeFigureOut">
               <a:rPr lang="en-US" smtClean="0"/>
-              <a:t>7/24/21</a:t>
+              <a:t>7/26/21</a:t>
             </a:fld>
             <a:endParaRPr lang="en-US"/>
           </a:p>
@@ -2403,7 +2399,7 @@
           <a:p>
             <a:fld id="{BCD77189-38F1-1B47-A134-7F70D5119BAA}" type="datetimeFigureOut">
               <a:rPr lang="en-US" smtClean="0"/>
-              <a:t>7/24/21</a:t>
+              <a:t>7/26/21</a:t>
             </a:fld>
             <a:endParaRPr lang="en-US"/>
           </a:p>
@@ -2691,7 +2687,7 @@
           <a:p>
             <a:fld id="{BCD77189-38F1-1B47-A134-7F70D5119BAA}" type="datetimeFigureOut">
               <a:rPr lang="en-US" smtClean="0"/>
-              <a:t>7/24/21</a:t>
+              <a:t>7/26/21</a:t>
             </a:fld>
             <a:endParaRPr lang="en-US"/>
           </a:p>
@@ -2932,7 +2928,7 @@
           <a:p>
             <a:fld id="{BCD77189-38F1-1B47-A134-7F70D5119BAA}" type="datetimeFigureOut">
               <a:rPr lang="en-US" smtClean="0"/>
-              <a:t>7/24/21</a:t>
+              <a:t>7/26/21</a:t>
             </a:fld>
             <a:endParaRPr lang="en-US"/>
           </a:p>
@@ -3457,7 +3453,7 @@
           <p:cNvPr id="2" name="Title 1">
             <a:extLst>
               <a:ext uri="{FF2B5EF4-FFF2-40B4-BE49-F238E27FC236}">
-                <a16:creationId xmlns:a16="http://schemas.microsoft.com/office/drawing/2014/main" id="{B557B37C-020B-E749-B234-CB1BC31B0CD1}"/>
+                <a16:creationId xmlns:a16="http://schemas.microsoft.com/office/drawing/2014/main" id="{2218179F-6441-5945-BF98-562B2926F784}"/>
               </a:ext>
             </a:extLst>
           </p:cNvPr>
@@ -3474,8 +3470,8 @@
           <a:lstStyle/>
           <a:p>
             <a:r>
-              <a:rPr lang="en-US" dirty="0"/>
-              <a:t>Accidental vs. essential complexity</a:t>
+              <a:rPr lang="en-US" b="1" dirty="0"/>
+              <a:t>Don’t Repeat Yourself (DRY)</a:t>
             </a:r>
           </a:p>
         </p:txBody>
@@ -3485,7 +3481,7 @@
           <p:cNvPr id="3" name="Content Placeholder 2">
             <a:extLst>
               <a:ext uri="{FF2B5EF4-FFF2-40B4-BE49-F238E27FC236}">
-                <a16:creationId xmlns:a16="http://schemas.microsoft.com/office/drawing/2014/main" id="{CB381E5E-0FAF-D144-B905-6A8F86A608AE}"/>
+                <a16:creationId xmlns:a16="http://schemas.microsoft.com/office/drawing/2014/main" id="{AE48A8DD-DF6C-1246-97B7-04913A9B2E4F}"/>
               </a:ext>
             </a:extLst>
           </p:cNvPr>
@@ -3505,33 +3501,42 @@
           <a:p>
             <a:r>
               <a:rPr lang="en-US" dirty="0"/>
-              <a:t>Software should behave predictably and accomplish its goals without too many surprises (that is, outages in production). </a:t>
-            </a:r>
-          </a:p>
-          <a:p>
-            <a:r>
-              <a:rPr lang="en-US" dirty="0"/>
-              <a:t>The number of surprises directly correlates with the amount of unnecessary complexity found in a project.</a:t>
-            </a:r>
-          </a:p>
-          <a:p>
-            <a:r>
-              <a:rPr lang="en-US" i="1" dirty="0"/>
-              <a:t>Accidental complexity relates to problems which engineers create and can fix, [whereas] essential complexity is caused by the problem to be solved, and nothing can remove it – Fred Brooks in his seminal “No Silver Bullet” essay</a:t>
-            </a:r>
-          </a:p>
-          <a:p>
-            <a:r>
-              <a:rPr lang="en-US" dirty="0"/>
-              <a:t>Push back when accidental complexity is introduced. </a:t>
-            </a:r>
+              <a:t>Copy-pasta coding, doing the same or almost the same things.</a:t>
+            </a:r>
+          </a:p>
+          <a:p>
+            <a:r>
+              <a:rPr lang="en-US" dirty="0"/>
+              <a:t>DRY things up! Refactor to reusable behavior.</a:t>
+            </a:r>
+          </a:p>
+          <a:p>
+            <a:r>
+              <a:rPr lang="en-US" dirty="0"/>
+              <a:t>Less code is easier to maintain and debug.</a:t>
+            </a:r>
+          </a:p>
+          <a:p>
+            <a:r>
+              <a:rPr lang="en-US" dirty="0"/>
+              <a:t>Small functions are easy to test.</a:t>
+            </a:r>
+          </a:p>
+          <a:p>
+            <a:r>
+              <a:rPr lang="en-US" dirty="0"/>
+              <a:t>Some IDEs detect duplicate code and warn you about it, and some even help you extract methods or functions from the duplications.</a:t>
+            </a:r>
+          </a:p>
+          <a:p>
+            <a:endParaRPr lang="en-US" dirty="0"/>
           </a:p>
         </p:txBody>
       </p:sp>
     </p:spTree>
     <p:extLst>
       <p:ext uri="{BB962C8B-B14F-4D97-AF65-F5344CB8AC3E}">
-        <p14:creationId xmlns:p14="http://schemas.microsoft.com/office/powerpoint/2010/main" val="210959948"/>
+        <p14:creationId xmlns:p14="http://schemas.microsoft.com/office/powerpoint/2010/main" val="3470758437"/>
       </p:ext>
     </p:extLst>
   </p:cSld>
@@ -3563,7 +3568,7 @@
           <p:cNvPr id="2" name="Title 1">
             <a:extLst>
               <a:ext uri="{FF2B5EF4-FFF2-40B4-BE49-F238E27FC236}">
-                <a16:creationId xmlns:a16="http://schemas.microsoft.com/office/drawing/2014/main" id="{2218179F-6441-5945-BF98-562B2926F784}"/>
+                <a16:creationId xmlns:a16="http://schemas.microsoft.com/office/drawing/2014/main" id="{01CB43B7-0D7C-2749-8138-678A249EC015}"/>
               </a:ext>
             </a:extLst>
           </p:cNvPr>
@@ -3581,7 +3586,7 @@
           <a:p>
             <a:r>
               <a:rPr lang="en-US" b="1" dirty="0"/>
-              <a:t>Don’t Repeat Yourself (DRY)</a:t>
+              <a:t>YAGNI</a:t>
             </a:r>
           </a:p>
         </p:txBody>
@@ -3591,7 +3596,7 @@
           <p:cNvPr id="3" name="Content Placeholder 2">
             <a:extLst>
               <a:ext uri="{FF2B5EF4-FFF2-40B4-BE49-F238E27FC236}">
-                <a16:creationId xmlns:a16="http://schemas.microsoft.com/office/drawing/2014/main" id="{AE48A8DD-DF6C-1246-97B7-04913A9B2E4F}"/>
+                <a16:creationId xmlns:a16="http://schemas.microsoft.com/office/drawing/2014/main" id="{61F5417B-BAE5-324F-925C-103B45A75EB9}"/>
               </a:ext>
             </a:extLst>
           </p:cNvPr>
@@ -3604,49 +3609,53 @@
         </p:nvSpPr>
         <p:spPr/>
         <p:txBody>
-          <a:bodyPr>
-            <a:normAutofit/>
-          </a:bodyPr>
-          <a:lstStyle/>
-          <a:p>
-            <a:r>
-              <a:rPr lang="en-US" dirty="0"/>
-              <a:t>Copy-pasta coding, doing the same or almost the same things.</a:t>
-            </a:r>
-          </a:p>
-          <a:p>
-            <a:r>
-              <a:rPr lang="en-US" dirty="0"/>
-              <a:t>DRY things up! Refactor to reusable behavior.</a:t>
-            </a:r>
-          </a:p>
-          <a:p>
-            <a:r>
-              <a:rPr lang="en-US" dirty="0"/>
-              <a:t>Less code is easier to maintain and debug.</a:t>
-            </a:r>
-          </a:p>
-          <a:p>
-            <a:r>
-              <a:rPr lang="en-US" dirty="0"/>
-              <a:t>Small functions are easy to test.</a:t>
-            </a:r>
-          </a:p>
-          <a:p>
-            <a:r>
-              <a:rPr lang="en-US" dirty="0"/>
-              <a:t>Some IDEs detect duplicate code and warn you about it, and some even help you extract methods or functions from the duplications.</a:t>
-            </a:r>
-          </a:p>
-          <a:p>
-            <a:endParaRPr lang="en-US" dirty="0"/>
+          <a:bodyPr/>
+          <a:lstStyle/>
+          <a:p>
+            <a:r>
+              <a:rPr lang="en-US" dirty="0"/>
+              <a:t>You are going to need it!</a:t>
+            </a:r>
+          </a:p>
+          <a:p>
+            <a:r>
+              <a:rPr lang="en-US" dirty="0"/>
+              <a:t>It’s tempting to write some extra code because you think you will need it later on. </a:t>
+            </a:r>
+          </a:p>
+          <a:p>
+            <a:pPr lvl="1"/>
+            <a:r>
+              <a:rPr lang="en-US" dirty="0"/>
+              <a:t>Nobody dares to remove it because who knows what will break if they do.</a:t>
+            </a:r>
+          </a:p>
+          <a:p>
+            <a:pPr lvl="1"/>
+            <a:r>
+              <a:rPr lang="en-US" dirty="0"/>
+              <a:t>Unused code does not get updated. It can introduce bugs and security vulnerabilities that didn’t have to be there in the first place.</a:t>
+            </a:r>
+          </a:p>
+          <a:p>
+            <a:r>
+              <a:rPr lang="en-US" dirty="0"/>
+              <a:t>Don’t write code that you don’t need right now.</a:t>
+            </a:r>
+          </a:p>
+          <a:p>
+            <a:pPr lvl="1"/>
+            <a:r>
+              <a:rPr lang="en-US" dirty="0"/>
+              <a:t>Unit testing ensures that you are solving the problem at hand.</a:t>
+            </a:r>
           </a:p>
         </p:txBody>
       </p:sp>
     </p:spTree>
     <p:extLst>
       <p:ext uri="{BB962C8B-B14F-4D97-AF65-F5344CB8AC3E}">
-        <p14:creationId xmlns:p14="http://schemas.microsoft.com/office/powerpoint/2010/main" val="3470758437"/>
+        <p14:creationId xmlns:p14="http://schemas.microsoft.com/office/powerpoint/2010/main" val="613632959"/>
       </p:ext>
     </p:extLst>
   </p:cSld>
@@ -3678,7 +3687,7 @@
           <p:cNvPr id="2" name="Title 1">
             <a:extLst>
               <a:ext uri="{FF2B5EF4-FFF2-40B4-BE49-F238E27FC236}">
-                <a16:creationId xmlns:a16="http://schemas.microsoft.com/office/drawing/2014/main" id="{01CB43B7-0D7C-2749-8138-678A249EC015}"/>
+                <a16:creationId xmlns:a16="http://schemas.microsoft.com/office/drawing/2014/main" id="{AD685F9F-4AE2-7E48-974F-8806684BD5CC}"/>
               </a:ext>
             </a:extLst>
           </p:cNvPr>
@@ -3696,7 +3705,7 @@
           <a:p>
             <a:r>
               <a:rPr lang="en-US" b="1" dirty="0"/>
-              <a:t>YAGNI</a:t>
+              <a:t>Premature optimization</a:t>
             </a:r>
           </a:p>
         </p:txBody>
@@ -3706,7 +3715,7 @@
           <p:cNvPr id="3" name="Content Placeholder 2">
             <a:extLst>
               <a:ext uri="{FF2B5EF4-FFF2-40B4-BE49-F238E27FC236}">
-                <a16:creationId xmlns:a16="http://schemas.microsoft.com/office/drawing/2014/main" id="{61F5417B-BAE5-324F-925C-103B45A75EB9}"/>
+                <a16:creationId xmlns:a16="http://schemas.microsoft.com/office/drawing/2014/main" id="{076E829A-FF86-0449-8764-7413A5A29074}"/>
               </a:ext>
             </a:extLst>
           </p:cNvPr>
@@ -3719,53 +3728,70 @@
         </p:nvSpPr>
         <p:spPr/>
         <p:txBody>
-          <a:bodyPr/>
-          <a:lstStyle/>
-          <a:p>
-            <a:r>
-              <a:rPr lang="en-US" dirty="0"/>
-              <a:t>You are going to need it!</a:t>
-            </a:r>
-          </a:p>
-          <a:p>
-            <a:r>
-              <a:rPr lang="en-US" dirty="0"/>
-              <a:t>It’s tempting to write some extra code because you think you will need it later on. </a:t>
+          <a:bodyPr>
+            <a:normAutofit/>
+          </a:bodyPr>
+          <a:lstStyle/>
+          <a:p>
+            <a:r>
+              <a:rPr lang="en-US" dirty="0"/>
+              <a:t>It is tempting to optimize your code prematurely. </a:t>
             </a:r>
           </a:p>
           <a:p>
             <a:pPr lvl="1"/>
             <a:r>
               <a:rPr lang="en-US" dirty="0"/>
-              <a:t>Nobody dares to remove it because who knows what will break if they do.</a:t>
+              <a:t>Your code will be less clear to others.</a:t>
             </a:r>
           </a:p>
           <a:p>
             <a:pPr lvl="1"/>
             <a:r>
               <a:rPr lang="en-US" dirty="0"/>
-              <a:t>Unused code does not get updated. It can introduce bugs and security vulnerabilities that didn’t have to be there in the first place.</a:t>
-            </a:r>
-          </a:p>
-          <a:p>
-            <a:r>
-              <a:rPr lang="en-US" dirty="0"/>
-              <a:t>Don’t write code that you don’t need right now.</a:t>
+              <a:t>You will spend time on a problem that likely doesn’t exist.</a:t>
+            </a:r>
+          </a:p>
+          <a:p>
+            <a:r>
+              <a:rPr lang="en-US" dirty="0"/>
+              <a:t>Premature optimization adds complexity and in many cases is unjustified.</a:t>
+            </a:r>
+          </a:p>
+          <a:p>
+            <a:r>
+              <a:rPr lang="en-US" dirty="0"/>
+              <a:t>Make complexity earn its way into the source code.</a:t>
+            </a:r>
+          </a:p>
+          <a:p>
+            <a:r>
+              <a:rPr lang="en-US" dirty="0"/>
+              <a:t>You cannot quantify how your code will perform until you run it. </a:t>
             </a:r>
           </a:p>
           <a:p>
             <a:pPr lvl="1"/>
             <a:r>
               <a:rPr lang="en-US" dirty="0"/>
-              <a:t>Unit testing ensures that you are solving the problem at hand.</a:t>
-            </a:r>
+              <a:t>Do not spend time optimizing it until there is an actual problem.</a:t>
+            </a:r>
+          </a:p>
+          <a:p>
+            <a:r>
+              <a:rPr lang="en-US" dirty="0"/>
+              <a:t>Keep it stupid simple (the new KISS)		</a:t>
+            </a:r>
+          </a:p>
+          <a:p>
+            <a:endParaRPr lang="en-US" dirty="0"/>
           </a:p>
         </p:txBody>
       </p:sp>
     </p:spTree>
     <p:extLst>
       <p:ext uri="{BB962C8B-B14F-4D97-AF65-F5344CB8AC3E}">
-        <p14:creationId xmlns:p14="http://schemas.microsoft.com/office/powerpoint/2010/main" val="613632959"/>
+        <p14:creationId xmlns:p14="http://schemas.microsoft.com/office/powerpoint/2010/main" val="485614147"/>
       </p:ext>
     </p:extLst>
   </p:cSld>
@@ -3797,7 +3823,7 @@
           <p:cNvPr id="2" name="Title 1">
             <a:extLst>
               <a:ext uri="{FF2B5EF4-FFF2-40B4-BE49-F238E27FC236}">
-                <a16:creationId xmlns:a16="http://schemas.microsoft.com/office/drawing/2014/main" id="{AD685F9F-4AE2-7E48-974F-8806684BD5CC}"/>
+                <a16:creationId xmlns:a16="http://schemas.microsoft.com/office/drawing/2014/main" id="{977B8AF1-3C5A-5B40-A022-7A684DB3C5B7}"/>
               </a:ext>
             </a:extLst>
           </p:cNvPr>
@@ -3815,7 +3841,7 @@
           <a:p>
             <a:r>
               <a:rPr lang="en-US" b="1" dirty="0"/>
-              <a:t>Premature optimization</a:t>
+              <a:t>Unit tests as a feedback loop</a:t>
             </a:r>
           </a:p>
         </p:txBody>
@@ -3825,7 +3851,7 @@
           <p:cNvPr id="3" name="Content Placeholder 2">
             <a:extLst>
               <a:ext uri="{FF2B5EF4-FFF2-40B4-BE49-F238E27FC236}">
-                <a16:creationId xmlns:a16="http://schemas.microsoft.com/office/drawing/2014/main" id="{076E829A-FF86-0449-8764-7413A5A29074}"/>
+                <a16:creationId xmlns:a16="http://schemas.microsoft.com/office/drawing/2014/main" id="{62151239-2C8C-5C47-B029-8E279A296E76}"/>
               </a:ext>
             </a:extLst>
           </p:cNvPr>
@@ -3838,59 +3864,48 @@
         </p:nvSpPr>
         <p:spPr/>
         <p:txBody>
-          <a:bodyPr>
-            <a:normAutofit/>
-          </a:bodyPr>
-          <a:lstStyle/>
-          <a:p>
-            <a:r>
-              <a:rPr lang="en-US" dirty="0"/>
-              <a:t>It is tempting to optimize your code prematurely. </a:t>
-            </a:r>
-          </a:p>
-          <a:p>
-            <a:pPr lvl="1"/>
-            <a:r>
-              <a:rPr lang="en-US" dirty="0"/>
-              <a:t>Your code will be less clear to others.</a:t>
-            </a:r>
-          </a:p>
-          <a:p>
-            <a:pPr lvl="1"/>
-            <a:r>
-              <a:rPr lang="en-US" dirty="0"/>
-              <a:t>You will spend time on a problem that likely doesn’t exist.</a:t>
-            </a:r>
-          </a:p>
-          <a:p>
-            <a:r>
-              <a:rPr lang="en-US" dirty="0"/>
-              <a:t>Premature optimization adds complexity and in many cases is unjustified.</a:t>
-            </a:r>
-          </a:p>
-          <a:p>
-            <a:r>
-              <a:rPr lang="en-US" dirty="0"/>
-              <a:t>Make complexity earn its way into the source code.</a:t>
-            </a:r>
-          </a:p>
-          <a:p>
-            <a:r>
-              <a:rPr lang="en-US" dirty="0"/>
-              <a:t>You cannot quantify how your code will perform until you run it. </a:t>
-            </a:r>
-          </a:p>
-          <a:p>
-            <a:pPr lvl="1"/>
-            <a:r>
-              <a:rPr lang="en-US" dirty="0"/>
-              <a:t>Do not spend time optimizing it until there is an actual problem.</a:t>
-            </a:r>
-          </a:p>
-          <a:p>
-            <a:r>
-              <a:rPr lang="en-US" dirty="0"/>
-              <a:t>Keep it stupid simple (the new KISS)		</a:t>
+          <a:bodyPr/>
+          <a:lstStyle/>
+          <a:p>
+            <a:r>
+              <a:rPr lang="en-US" dirty="0"/>
+              <a:t>We apply feedback loops to every level of our development. </a:t>
+            </a:r>
+          </a:p>
+          <a:p>
+            <a:r>
+              <a:rPr lang="en-US" dirty="0"/>
+              <a:t>- Unit testing is a feedback loop that occurs within seconds. </a:t>
+            </a:r>
+          </a:p>
+          <a:p>
+            <a:r>
+              <a:rPr lang="en-US" dirty="0"/>
+              <a:t>- Quick execution of a unit test provides us with information.</a:t>
+            </a:r>
+          </a:p>
+          <a:p>
+            <a:r>
+              <a:rPr lang="en-US" dirty="0"/>
+              <a:t>- Constant testing will catch regression errors.</a:t>
+            </a:r>
+          </a:p>
+          <a:p>
+            <a:r>
+              <a:rPr lang="en-US" dirty="0"/>
+              <a:t>- Test-driven development gives us feedback on...</a:t>
+            </a:r>
+          </a:p>
+          <a:p>
+            <a:r>
+              <a:rPr lang="en-US" dirty="0"/>
+              <a:t>- Quality of the implementation (does it work)</a:t>
+            </a:r>
+          </a:p>
+          <a:p>
+            <a:r>
+              <a:rPr lang="en-US" dirty="0"/>
+              <a:t>- Quality of the code design (is it well structured)</a:t>
             </a:r>
           </a:p>
           <a:p>
@@ -3901,7 +3916,7 @@
     </p:spTree>
     <p:extLst>
       <p:ext uri="{BB962C8B-B14F-4D97-AF65-F5344CB8AC3E}">
-        <p14:creationId xmlns:p14="http://schemas.microsoft.com/office/powerpoint/2010/main" val="485614147"/>
+        <p14:creationId xmlns:p14="http://schemas.microsoft.com/office/powerpoint/2010/main" val="387847106"/>
       </p:ext>
     </p:extLst>
   </p:cSld>
@@ -3951,8 +3966,9 @@
           <a:p>
             <a:r>
               <a:rPr lang="en-US" b="1" dirty="0"/>
-              <a:t>Managing fear during programming</a:t>
-            </a:r>
+              <a:t>Test-driven development mantra</a:t>
+            </a:r>
+            <a:endParaRPr lang="en-US" dirty="0"/>
           </a:p>
         </p:txBody>
       </p:sp>
@@ -3979,63 +3995,44 @@
           <a:p>
             <a:r>
               <a:rPr lang="en-US" dirty="0"/>
-              <a:t>Fear makes you…</a:t>
+              <a:t>Red: Write a test that doesn't work or perhaps doesn't even compile.</a:t>
+            </a:r>
+          </a:p>
+          <a:p>
+            <a:r>
+              <a:rPr lang="en-US" dirty="0"/>
+              <a:t>Green: Make the test pass!</a:t>
             </a:r>
           </a:p>
           <a:p>
             <a:pPr lvl="1"/>
             <a:r>
               <a:rPr lang="en-US" dirty="0"/>
-              <a:t>Tentative</a:t>
+              <a:t>Don't worry about code duplication or other code smells at this point.</a:t>
+            </a:r>
+          </a:p>
+          <a:p>
+            <a:r>
+              <a:rPr lang="en-US" dirty="0"/>
+              <a:t>Refactor: Eliminate code smells and make source code more communicative. </a:t>
             </a:r>
           </a:p>
           <a:p>
             <a:pPr lvl="1"/>
             <a:r>
               <a:rPr lang="en-US" dirty="0"/>
-              <a:t>Communicate less</a:t>
-            </a:r>
-          </a:p>
-          <a:p>
-            <a:pPr lvl="1"/>
-            <a:r>
-              <a:rPr lang="en-US" dirty="0"/>
-              <a:t>Avoid feedback</a:t>
-            </a:r>
-          </a:p>
-          <a:p>
-            <a:r>
-              <a:rPr lang="en-US" dirty="0"/>
-              <a:t>Test-driven development provides us with courage to</a:t>
-            </a:r>
-          </a:p>
-          <a:p>
-            <a:pPr lvl="1"/>
-            <a:r>
-              <a:rPr lang="en-US" dirty="0"/>
-              <a:t>Begin learning as quickly as possible</a:t>
-            </a:r>
-          </a:p>
-          <a:p>
-            <a:pPr lvl="1"/>
-            <a:r>
-              <a:rPr lang="en-US" dirty="0"/>
-              <a:t>Communicate clearly</a:t>
-            </a:r>
-          </a:p>
-          <a:p>
-            <a:pPr lvl="1"/>
-            <a:r>
-              <a:rPr lang="en-US" dirty="0"/>
-              <a:t>Search out helpful, concrete feedback</a:t>
-            </a:r>
+              <a:t>All tests in the test suite must continue to pass successfully.</a:t>
+            </a:r>
+          </a:p>
+          <a:p>
+            <a:endParaRPr lang="en-US" dirty="0"/>
           </a:p>
         </p:txBody>
       </p:sp>
     </p:spTree>
     <p:extLst>
       <p:ext uri="{BB962C8B-B14F-4D97-AF65-F5344CB8AC3E}">
-        <p14:creationId xmlns:p14="http://schemas.microsoft.com/office/powerpoint/2010/main" val="347741536"/>
+        <p14:creationId xmlns:p14="http://schemas.microsoft.com/office/powerpoint/2010/main" val="375913966"/>
       </p:ext>
     </p:extLst>
   </p:cSld>
@@ -4067,7 +4064,7 @@
           <p:cNvPr id="2" name="Title 1">
             <a:extLst>
               <a:ext uri="{FF2B5EF4-FFF2-40B4-BE49-F238E27FC236}">
-                <a16:creationId xmlns:a16="http://schemas.microsoft.com/office/drawing/2014/main" id="{977B8AF1-3C5A-5B40-A022-7A684DB3C5B7}"/>
+                <a16:creationId xmlns:a16="http://schemas.microsoft.com/office/drawing/2014/main" id="{5B02F4E4-65F2-9646-807D-615D3E02E381}"/>
               </a:ext>
             </a:extLst>
           </p:cNvPr>
@@ -4085,7 +4082,7 @@
           <a:p>
             <a:r>
               <a:rPr lang="en-US" b="1" dirty="0"/>
-              <a:t>Unit tests as a feedback loop</a:t>
+              <a:t>Minimal APIs</a:t>
             </a:r>
           </a:p>
         </p:txBody>
@@ -4095,7 +4092,7 @@
           <p:cNvPr id="3" name="Content Placeholder 2">
             <a:extLst>
               <a:ext uri="{FF2B5EF4-FFF2-40B4-BE49-F238E27FC236}">
-                <a16:creationId xmlns:a16="http://schemas.microsoft.com/office/drawing/2014/main" id="{62151239-2C8C-5C47-B029-8E279A296E76}"/>
+                <a16:creationId xmlns:a16="http://schemas.microsoft.com/office/drawing/2014/main" id="{301B8801-4054-EA4D-B3F1-2E9391D62DD3}"/>
               </a:ext>
             </a:extLst>
           </p:cNvPr>
@@ -4113,43 +4110,26 @@
           <a:p>
             <a:r>
               <a:rPr lang="en-US" dirty="0"/>
-              <a:t>We apply feedback loops to every level of our development. </a:t>
-            </a:r>
-          </a:p>
-          <a:p>
-            <a:r>
-              <a:rPr lang="en-US" dirty="0"/>
-              <a:t>- Unit testing is a feedback loop that occurs within seconds. </a:t>
-            </a:r>
-          </a:p>
-          <a:p>
-            <a:r>
-              <a:rPr lang="en-US" dirty="0"/>
-              <a:t>- Quick execution of a unit test provides us with information.</a:t>
-            </a:r>
-          </a:p>
-          <a:p>
-            <a:r>
-              <a:rPr lang="en-US" dirty="0"/>
-              <a:t>- Constant testing will catch regression errors.</a:t>
-            </a:r>
-          </a:p>
-          <a:p>
-            <a:r>
-              <a:rPr lang="en-US" dirty="0"/>
-              <a:t>- Test-driven development gives us feedback on...</a:t>
-            </a:r>
-          </a:p>
-          <a:p>
-            <a:r>
-              <a:rPr lang="en-US" dirty="0"/>
-              <a:t>- Quality of the implementation (does it work)</a:t>
-            </a:r>
-          </a:p>
-          <a:p>
-            <a:r>
-              <a:rPr lang="en-US" dirty="0"/>
-              <a:t>- Quality of the code design (is it well structured)</a:t>
+              <a:t>Writing clear, minimal APIs is key to managing simplicity in software systems. </a:t>
+            </a:r>
+          </a:p>
+          <a:p>
+            <a:r>
+              <a:rPr lang="en-US" dirty="0"/>
+              <a:t>Smaller APIs with fewer methods and arguments are easier to understand and test.</a:t>
+            </a:r>
+          </a:p>
+          <a:p>
+            <a:pPr lvl="1"/>
+            <a:r>
+              <a:rPr lang="en-US" dirty="0"/>
+              <a:t>Allow us to put more effort into comprehending the actual problem we set out to solve.</a:t>
+            </a:r>
+          </a:p>
+          <a:p>
+            <a:r>
+              <a:rPr lang="en-US" dirty="0"/>
+              <a:t>Less is more.</a:t>
             </a:r>
           </a:p>
           <a:p>
@@ -4160,7 +4140,7 @@
     </p:spTree>
     <p:extLst>
       <p:ext uri="{BB962C8B-B14F-4D97-AF65-F5344CB8AC3E}">
-        <p14:creationId xmlns:p14="http://schemas.microsoft.com/office/powerpoint/2010/main" val="387847106"/>
+        <p14:creationId xmlns:p14="http://schemas.microsoft.com/office/powerpoint/2010/main" val="4236232261"/>
       </p:ext>
     </p:extLst>
   </p:cSld>
@@ -4192,7 +4172,7 @@
           <p:cNvPr id="2" name="Title 1">
             <a:extLst>
               <a:ext uri="{FF2B5EF4-FFF2-40B4-BE49-F238E27FC236}">
-                <a16:creationId xmlns:a16="http://schemas.microsoft.com/office/drawing/2014/main" id="{977B8AF1-3C5A-5B40-A022-7A684DB3C5B7}"/>
+                <a16:creationId xmlns:a16="http://schemas.microsoft.com/office/drawing/2014/main" id="{4DF4B569-43D6-9B49-99FC-7E9C883B400D}"/>
               </a:ext>
             </a:extLst>
           </p:cNvPr>
@@ -4210,9 +4190,8 @@
           <a:p>
             <a:r>
               <a:rPr lang="en-US" b="1" dirty="0"/>
-              <a:t>Test-driven development mantra</a:t>
-            </a:r>
-            <a:endParaRPr lang="en-US" dirty="0"/>
+              <a:t>Modularity and decoupling</a:t>
+            </a:r>
           </a:p>
         </p:txBody>
       </p:sp>
@@ -4221,7 +4200,7 @@
           <p:cNvPr id="3" name="Content Placeholder 2">
             <a:extLst>
               <a:ext uri="{FF2B5EF4-FFF2-40B4-BE49-F238E27FC236}">
-                <a16:creationId xmlns:a16="http://schemas.microsoft.com/office/drawing/2014/main" id="{62151239-2C8C-5C47-B029-8E279A296E76}"/>
+                <a16:creationId xmlns:a16="http://schemas.microsoft.com/office/drawing/2014/main" id="{84345E35-78A2-834A-8238-8E82AC85C864}"/>
               </a:ext>
             </a:extLst>
           </p:cNvPr>
@@ -4234,49 +4213,28 @@
         </p:nvSpPr>
         <p:spPr/>
         <p:txBody>
-          <a:bodyPr/>
-          <a:lstStyle/>
-          <a:p>
-            <a:r>
-              <a:rPr lang="en-US" dirty="0"/>
-              <a:t>Red: Write a test that doesn't work or perhaps doesn't even compile.</a:t>
-            </a:r>
-          </a:p>
-          <a:p>
-            <a:r>
-              <a:rPr lang="en-US" dirty="0"/>
-              <a:t>Green: Make the test pass!</a:t>
-            </a:r>
-          </a:p>
-          <a:p>
-            <a:pPr lvl="1"/>
-            <a:r>
-              <a:rPr lang="en-US" dirty="0"/>
-              <a:t>Don't worry about code duplication or other code smells at this point.</a:t>
-            </a:r>
-          </a:p>
-          <a:p>
-            <a:r>
-              <a:rPr lang="en-US" dirty="0"/>
-              <a:t>Refactor: Eliminate code smells and make source code more communicative. </a:t>
-            </a:r>
-          </a:p>
-          <a:p>
-            <a:pPr lvl="1"/>
-            <a:r>
-              <a:rPr lang="en-US" dirty="0"/>
-              <a:t>All tests in the test suite must continue to pass successfully.</a:t>
-            </a:r>
-          </a:p>
-          <a:p>
-            <a:endParaRPr lang="en-US" dirty="0"/>
+          <a:bodyPr>
+            <a:normAutofit/>
+          </a:bodyPr>
+          <a:lstStyle/>
+          <a:p>
+            <a:r>
+              <a:rPr lang="en-US" dirty="0"/>
+              <a:t>Breaking problems up into small, manageable components. </a:t>
+            </a:r>
+          </a:p>
+          <a:p>
+            <a:r>
+              <a:rPr lang="en-US" dirty="0"/>
+              <a:t>Loose coupling – the ability to update parts of a system in isolation – is an effective method for increasing developer agility and system stability. </a:t>
+            </a:r>
           </a:p>
         </p:txBody>
       </p:sp>
     </p:spTree>
     <p:extLst>
       <p:ext uri="{BB962C8B-B14F-4D97-AF65-F5344CB8AC3E}">
-        <p14:creationId xmlns:p14="http://schemas.microsoft.com/office/powerpoint/2010/main" val="375913966"/>
+        <p14:creationId xmlns:p14="http://schemas.microsoft.com/office/powerpoint/2010/main" val="1759203889"/>
       </p:ext>
     </p:extLst>
   </p:cSld>
@@ -4308,7 +4266,7 @@
           <p:cNvPr id="2" name="Title 1">
             <a:extLst>
               <a:ext uri="{FF2B5EF4-FFF2-40B4-BE49-F238E27FC236}">
-                <a16:creationId xmlns:a16="http://schemas.microsoft.com/office/drawing/2014/main" id="{85EFD48E-B811-E74E-91DD-BD6CF4E0020B}"/>
+                <a16:creationId xmlns:a16="http://schemas.microsoft.com/office/drawing/2014/main" id="{2CA0AC75-A734-7545-A109-5967E3B6F91B}"/>
               </a:ext>
             </a:extLst>
           </p:cNvPr>
@@ -4326,7 +4284,7 @@
           <a:p>
             <a:r>
               <a:rPr lang="en-US" b="1" dirty="0"/>
-              <a:t>Well-designed code</a:t>
+              <a:t>Refactoring</a:t>
             </a:r>
           </a:p>
         </p:txBody>
@@ -4336,7 +4294,7 @@
           <p:cNvPr id="3" name="Content Placeholder 2">
             <a:extLst>
               <a:ext uri="{FF2B5EF4-FFF2-40B4-BE49-F238E27FC236}">
-                <a16:creationId xmlns:a16="http://schemas.microsoft.com/office/drawing/2014/main" id="{4AA53651-88F9-1A4F-BA24-A1E8413869B4}"/>
+                <a16:creationId xmlns:a16="http://schemas.microsoft.com/office/drawing/2014/main" id="{2B6CB17B-265B-6441-A2EA-415E9DE0C420}"/>
               </a:ext>
             </a:extLst>
           </p:cNvPr>
@@ -4354,27 +4312,53 @@
           <a:p>
             <a:r>
               <a:rPr lang="en-US" dirty="0"/>
-              <a:t>Loosely coupled</a:t>
+              <a:t>Restructuring your code </a:t>
+            </a:r>
+            <a:r>
+              <a:rPr lang="en-US" i="1" dirty="0"/>
+              <a:t>without</a:t>
+            </a:r>
+            <a:r>
+              <a:rPr lang="en-US" dirty="0"/>
+              <a:t> changing its behavior.</a:t>
+            </a:r>
+          </a:p>
+          <a:p>
+            <a:r>
+              <a:rPr lang="en-US" dirty="0"/>
+              <a:t>Software is rarely perfect on the first attempt. </a:t>
             </a:r>
           </a:p>
           <a:p>
             <a:pPr lvl="1"/>
             <a:r>
               <a:rPr lang="en-US" dirty="0"/>
-              <a:t>Definition</a:t>
-            </a:r>
-          </a:p>
-          <a:p>
-            <a:r>
-              <a:rPr lang="en-US" dirty="0"/>
-              <a:t>Highly cohesive</a:t>
+              <a:t>It may work, but it will be messy, and there will be code smells.</a:t>
+            </a:r>
+          </a:p>
+          <a:p>
+            <a:r>
+              <a:rPr lang="en-US" dirty="0"/>
+              <a:t>Software is continuously evolving--work continuously to improve it. </a:t>
             </a:r>
           </a:p>
           <a:p>
             <a:pPr lvl="1"/>
             <a:r>
               <a:rPr lang="en-US" dirty="0"/>
-              <a:t>Definition</a:t>
+              <a:t>Even if you start with a perfect code base, it can get messy very quickly.</a:t>
+            </a:r>
+          </a:p>
+          <a:p>
+            <a:r>
+              <a:rPr lang="en-US" dirty="0"/>
+              <a:t>Leave a piece of code better than you found it, every time.</a:t>
+            </a:r>
+          </a:p>
+          <a:p>
+            <a:r>
+              <a:rPr lang="en-US" dirty="0"/>
+              <a:t>Small improvements over time add up to a codebase that is easy to read and maintain.</a:t>
             </a:r>
           </a:p>
         </p:txBody>
@@ -4382,7 +4366,7 @@
     </p:spTree>
     <p:extLst>
       <p:ext uri="{BB962C8B-B14F-4D97-AF65-F5344CB8AC3E}">
-        <p14:creationId xmlns:p14="http://schemas.microsoft.com/office/powerpoint/2010/main" val="2909616299"/>
+        <p14:creationId xmlns:p14="http://schemas.microsoft.com/office/powerpoint/2010/main" val="22228032"/>
       </p:ext>
     </p:extLst>
   </p:cSld>
@@ -4414,7 +4398,7 @@
           <p:cNvPr id="2" name="Title 1">
             <a:extLst>
               <a:ext uri="{FF2B5EF4-FFF2-40B4-BE49-F238E27FC236}">
-                <a16:creationId xmlns:a16="http://schemas.microsoft.com/office/drawing/2014/main" id="{977B8AF1-3C5A-5B40-A022-7A684DB3C5B7}"/>
+                <a16:creationId xmlns:a16="http://schemas.microsoft.com/office/drawing/2014/main" id="{DFAB8C42-BCE0-7749-A6D1-0BBED806DCD3}"/>
               </a:ext>
             </a:extLst>
           </p:cNvPr>
@@ -4432,9 +4416,8 @@
           <a:p>
             <a:r>
               <a:rPr lang="en-US" b="1" dirty="0"/>
-              <a:t>Code smells</a:t>
-            </a:r>
-            <a:endParaRPr lang="en-US" dirty="0"/>
+              <a:t>Specify behaviors with tests</a:t>
+            </a:r>
           </a:p>
         </p:txBody>
       </p:sp>
@@ -4443,7 +4426,7 @@
           <p:cNvPr id="3" name="Content Placeholder 2">
             <a:extLst>
               <a:ext uri="{FF2B5EF4-FFF2-40B4-BE49-F238E27FC236}">
-                <a16:creationId xmlns:a16="http://schemas.microsoft.com/office/drawing/2014/main" id="{62151239-2C8C-5C47-B029-8E279A296E76}"/>
+                <a16:creationId xmlns:a16="http://schemas.microsoft.com/office/drawing/2014/main" id="{028A6067-3857-E24E-ACFD-73EB7FDE7676}"/>
               </a:ext>
             </a:extLst>
           </p:cNvPr>
@@ -4456,35 +4439,48 @@
         </p:nvSpPr>
         <p:spPr/>
         <p:txBody>
-          <a:bodyPr/>
-          <a:lstStyle/>
-          <a:p>
-            <a:r>
-              <a:rPr lang="en-US" dirty="0"/>
-              <a:t>Any characteristic in the source code that possibly indicates a deeper problem</a:t>
-            </a:r>
-          </a:p>
-          <a:p>
-            <a:r>
-              <a:rPr lang="en-US" dirty="0"/>
-              <a:t>Structures in the code that indicate violation of fundamental design principles and negatively impact design quality</a:t>
-            </a:r>
-          </a:p>
-          <a:p>
-            <a:r>
-              <a:rPr lang="en-US" i="1" dirty="0"/>
-              <a:t>Anti-patterns</a:t>
-            </a:r>
-          </a:p>
-          <a:p>
-            <a:endParaRPr lang="en-US" dirty="0"/>
+          <a:bodyPr>
+            <a:normAutofit/>
+          </a:bodyPr>
+          <a:lstStyle/>
+          <a:p>
+            <a:r>
+              <a:rPr lang="en-US" dirty="0"/>
+              <a:t>Watch out for over-specifying behavior in your tests.</a:t>
+            </a:r>
+          </a:p>
+          <a:p>
+            <a:pPr lvl="1"/>
+            <a:r>
+              <a:rPr lang="en-US" dirty="0"/>
+              <a:t>Over-specifying behavior leads to lots of low value tests.</a:t>
+            </a:r>
+          </a:p>
+          <a:p>
+            <a:r>
+              <a:rPr lang="en-US" dirty="0"/>
+              <a:t>Strive to write the fewest tests needed to assert the behavior that you are creating. </a:t>
+            </a:r>
+          </a:p>
+          <a:p>
+            <a:r>
+              <a:rPr lang="en-US" dirty="0"/>
+              <a:t>The goal is to make each test unique and that we test only the main scenarios. </a:t>
+            </a:r>
+          </a:p>
+          <a:p>
+            <a:pPr lvl="1"/>
+            <a:r>
+              <a:rPr lang="en-US" dirty="0"/>
+              <a:t>Additional tests will be created as part of our quality engineering effort.</a:t>
+            </a:r>
           </a:p>
         </p:txBody>
       </p:sp>
     </p:spTree>
     <p:extLst>
       <p:ext uri="{BB962C8B-B14F-4D97-AF65-F5344CB8AC3E}">
-        <p14:creationId xmlns:p14="http://schemas.microsoft.com/office/powerpoint/2010/main" val="1364267279"/>
+        <p14:creationId xmlns:p14="http://schemas.microsoft.com/office/powerpoint/2010/main" val="529994784"/>
       </p:ext>
     </p:extLst>
   </p:cSld>
@@ -4516,7 +4512,7 @@
           <p:cNvPr id="2" name="Title 1">
             <a:extLst>
               <a:ext uri="{FF2B5EF4-FFF2-40B4-BE49-F238E27FC236}">
-                <a16:creationId xmlns:a16="http://schemas.microsoft.com/office/drawing/2014/main" id="{977B8AF1-3C5A-5B40-A022-7A684DB3C5B7}"/>
+                <a16:creationId xmlns:a16="http://schemas.microsoft.com/office/drawing/2014/main" id="{0B09A6EC-DC28-B84C-BAD9-0BA9EF88C657}"/>
               </a:ext>
             </a:extLst>
           </p:cNvPr>
@@ -4534,75 +4530,179 @@
           <a:p>
             <a:r>
               <a:rPr lang="en-US" b="1" dirty="0"/>
-              <a:t>Code smell examples: Application level</a:t>
-            </a:r>
-            <a:endParaRPr lang="en-US" dirty="0"/>
-          </a:p>
-        </p:txBody>
-      </p:sp>
-      <p:sp>
-        <p:nvSpPr>
-          <p:cNvPr id="3" name="Content Placeholder 2">
-            <a:extLst>
-              <a:ext uri="{FF2B5EF4-FFF2-40B4-BE49-F238E27FC236}">
-                <a16:creationId xmlns:a16="http://schemas.microsoft.com/office/drawing/2014/main" id="{62151239-2C8C-5C47-B029-8E279A296E76}"/>
-              </a:ext>
-            </a:extLst>
-          </p:cNvPr>
-          <p:cNvSpPr>
-            <a:spLocks noGrp="1"/>
-          </p:cNvSpPr>
-          <p:nvPr>
-            <p:ph idx="1"/>
+              <a:t>TDD vs ATDD</a:t>
+            </a:r>
+          </a:p>
+        </p:txBody>
+      </p:sp>
+      <p:sp>
+        <p:nvSpPr>
+          <p:cNvPr id="4" name="Text Placeholder 3">
+            <a:extLst>
+              <a:ext uri="{FF2B5EF4-FFF2-40B4-BE49-F238E27FC236}">
+                <a16:creationId xmlns:a16="http://schemas.microsoft.com/office/drawing/2014/main" id="{C9DADF17-AC72-6346-AA0D-72A00C4F083F}"/>
+              </a:ext>
+            </a:extLst>
+          </p:cNvPr>
+          <p:cNvSpPr>
+            <a:spLocks noGrp="1"/>
+          </p:cNvSpPr>
+          <p:nvPr>
+            <p:ph type="body" idx="1"/>
+          </p:nvPr>
+        </p:nvSpPr>
+        <p:spPr/>
+        <p:txBody>
+          <a:bodyPr/>
+          <a:lstStyle/>
+          <a:p>
+            <a:r>
+              <a:rPr lang="en-US" dirty="0"/>
+              <a:t>TDD</a:t>
+            </a:r>
+          </a:p>
+        </p:txBody>
+      </p:sp>
+      <p:sp>
+        <p:nvSpPr>
+          <p:cNvPr id="5" name="Content Placeholder 4">
+            <a:extLst>
+              <a:ext uri="{FF2B5EF4-FFF2-40B4-BE49-F238E27FC236}">
+                <a16:creationId xmlns:a16="http://schemas.microsoft.com/office/drawing/2014/main" id="{FBA6791A-D6E9-0D4E-8E5B-D56FC0B41914}"/>
+              </a:ext>
+            </a:extLst>
+          </p:cNvPr>
+          <p:cNvSpPr>
+            <a:spLocks noGrp="1"/>
+          </p:cNvSpPr>
+          <p:nvPr>
+            <p:ph sz="half" idx="2"/>
           </p:nvPr>
         </p:nvSpPr>
         <p:spPr/>
         <p:txBody>
           <a:bodyPr>
-            <a:normAutofit/>
+            <a:normAutofit lnSpcReduction="10000"/>
           </a:bodyPr>
           <a:lstStyle/>
           <a:p>
             <a:r>
               <a:rPr lang="en-US" dirty="0"/>
-              <a:t>Mysterious Name: Naming of functions, modules, variables or classes that does not communicate their intent</a:t>
-            </a:r>
-          </a:p>
-          <a:p>
-            <a:r>
-              <a:rPr lang="en-US" dirty="0"/>
-              <a:t>Duplicated code: identical or very similar code that exists in more than one location (</a:t>
-            </a:r>
-            <a:r>
-              <a:rPr lang="en-US" i="1" dirty="0"/>
-              <a:t>aka</a:t>
-            </a:r>
-            <a:r>
-              <a:rPr lang="en-US" dirty="0"/>
-              <a:t> copy pasta)</a:t>
-            </a:r>
-          </a:p>
-          <a:p>
-            <a:r>
-              <a:rPr lang="en-US" dirty="0"/>
-              <a:t>Contrived complexity: forced usage of overcomplicated design patterns where simpler design patterns would suffice</a:t>
-            </a:r>
-          </a:p>
-          <a:p>
-            <a:r>
-              <a:rPr lang="en-US" dirty="0"/>
-              <a:t>Uncontrolled side effects: side effects of coding that commonly cause runtime exceptions, with unit tests unable to capture the exact cause of the problem</a:t>
-            </a:r>
-          </a:p>
-          <a:p>
-            <a:endParaRPr lang="en-US" dirty="0"/>
+              <a:t>Focus on individual methods and functions</a:t>
+            </a:r>
+          </a:p>
+          <a:p>
+            <a:r>
+              <a:rPr lang="en-US" dirty="0"/>
+              <a:t>Written by developers</a:t>
+            </a:r>
+          </a:p>
+          <a:p>
+            <a:r>
+              <a:rPr lang="en-US" dirty="0"/>
+              <a:t>Tests are isolated and use test doubles for dependencies</a:t>
+            </a:r>
+          </a:p>
+          <a:p>
+            <a:r>
+              <a:rPr lang="en-US" dirty="0"/>
+              <a:t>Tests execute quickly</a:t>
+            </a:r>
+          </a:p>
+          <a:p>
+            <a:r>
+              <a:rPr lang="en-US" dirty="0"/>
+              <a:t>Easy to test alternative pathways</a:t>
+            </a:r>
+          </a:p>
+        </p:txBody>
+      </p:sp>
+      <p:sp>
+        <p:nvSpPr>
+          <p:cNvPr id="6" name="Text Placeholder 5">
+            <a:extLst>
+              <a:ext uri="{FF2B5EF4-FFF2-40B4-BE49-F238E27FC236}">
+                <a16:creationId xmlns:a16="http://schemas.microsoft.com/office/drawing/2014/main" id="{00AF6699-AB89-B84F-9EA3-6A672E67EB14}"/>
+              </a:ext>
+            </a:extLst>
+          </p:cNvPr>
+          <p:cNvSpPr>
+            <a:spLocks noGrp="1"/>
+          </p:cNvSpPr>
+          <p:nvPr>
+            <p:ph type="body" sz="quarter" idx="3"/>
+          </p:nvPr>
+        </p:nvSpPr>
+        <p:spPr/>
+        <p:txBody>
+          <a:bodyPr/>
+          <a:lstStyle/>
+          <a:p>
+            <a:r>
+              <a:rPr lang="en-US" dirty="0"/>
+              <a:t>ATDD</a:t>
+            </a:r>
+          </a:p>
+        </p:txBody>
+      </p:sp>
+      <p:sp>
+        <p:nvSpPr>
+          <p:cNvPr id="7" name="Content Placeholder 6">
+            <a:extLst>
+              <a:ext uri="{FF2B5EF4-FFF2-40B4-BE49-F238E27FC236}">
+                <a16:creationId xmlns:a16="http://schemas.microsoft.com/office/drawing/2014/main" id="{E4F82218-035A-E44D-A680-706A9D785C5D}"/>
+              </a:ext>
+            </a:extLst>
+          </p:cNvPr>
+          <p:cNvSpPr>
+            <a:spLocks noGrp="1"/>
+          </p:cNvSpPr>
+          <p:nvPr>
+            <p:ph sz="quarter" idx="4"/>
+          </p:nvPr>
+        </p:nvSpPr>
+        <p:spPr/>
+        <p:txBody>
+          <a:bodyPr>
+            <a:normAutofit lnSpcReduction="10000"/>
+          </a:bodyPr>
+          <a:lstStyle/>
+          <a:p>
+            <a:r>
+              <a:rPr lang="en-US" dirty="0"/>
+              <a:t>Focus on scenarios</a:t>
+            </a:r>
+          </a:p>
+          <a:p>
+            <a:r>
+              <a:rPr lang="en-US" dirty="0"/>
+              <a:t>Written by quality assurance and potentially developers</a:t>
+            </a:r>
+          </a:p>
+          <a:p>
+            <a:r>
+              <a:rPr lang="en-US" dirty="0"/>
+              <a:t>Tests integrate the entire stack of components together</a:t>
+            </a:r>
+          </a:p>
+          <a:p>
+            <a:r>
+              <a:rPr lang="en-US" dirty="0"/>
+              <a:t>Tests require setup and can be slower to execute</a:t>
+            </a:r>
+          </a:p>
+          <a:p>
+            <a:r>
+              <a:rPr lang="en-US" dirty="0"/>
+              <a:t>Difficult to test alternative pathways</a:t>
+            </a:r>
           </a:p>
         </p:txBody>
       </p:sp>
     </p:spTree>
     <p:extLst>
       <p:ext uri="{BB962C8B-B14F-4D97-AF65-F5344CB8AC3E}">
-        <p14:creationId xmlns:p14="http://schemas.microsoft.com/office/powerpoint/2010/main" val="533320099"/>
+        <p14:creationId xmlns:p14="http://schemas.microsoft.com/office/powerpoint/2010/main" val="2171304315"/>
       </p:ext>
     </p:extLst>
   </p:cSld>
@@ -4730,990 +4830,6 @@
           <p:cNvPr id="2" name="Title 1">
             <a:extLst>
               <a:ext uri="{FF2B5EF4-FFF2-40B4-BE49-F238E27FC236}">
-                <a16:creationId xmlns:a16="http://schemas.microsoft.com/office/drawing/2014/main" id="{5B02F4E4-65F2-9646-807D-615D3E02E381}"/>
-              </a:ext>
-            </a:extLst>
-          </p:cNvPr>
-          <p:cNvSpPr>
-            <a:spLocks noGrp="1"/>
-          </p:cNvSpPr>
-          <p:nvPr>
-            <p:ph type="title"/>
-          </p:nvPr>
-        </p:nvSpPr>
-        <p:spPr/>
-        <p:txBody>
-          <a:bodyPr/>
-          <a:lstStyle/>
-          <a:p>
-            <a:r>
-              <a:rPr lang="en-US" dirty="0"/>
-              <a:t>Minimal APIs</a:t>
-            </a:r>
-          </a:p>
-        </p:txBody>
-      </p:sp>
-      <p:sp>
-        <p:nvSpPr>
-          <p:cNvPr id="3" name="Content Placeholder 2">
-            <a:extLst>
-              <a:ext uri="{FF2B5EF4-FFF2-40B4-BE49-F238E27FC236}">
-                <a16:creationId xmlns:a16="http://schemas.microsoft.com/office/drawing/2014/main" id="{301B8801-4054-EA4D-B3F1-2E9391D62DD3}"/>
-              </a:ext>
-            </a:extLst>
-          </p:cNvPr>
-          <p:cNvSpPr>
-            <a:spLocks noGrp="1"/>
-          </p:cNvSpPr>
-          <p:nvPr>
-            <p:ph idx="1"/>
-          </p:nvPr>
-        </p:nvSpPr>
-        <p:spPr/>
-        <p:txBody>
-          <a:bodyPr/>
-          <a:lstStyle/>
-          <a:p>
-            <a:r>
-              <a:rPr lang="en-US" dirty="0"/>
-              <a:t>Writing clear, minimal APIs is key to managing simplicity in software systems. </a:t>
-            </a:r>
-          </a:p>
-          <a:p>
-            <a:r>
-              <a:rPr lang="en-US" dirty="0"/>
-              <a:t>Smaller APIs with fewer methods and arguments are easier to understand and test.</a:t>
-            </a:r>
-          </a:p>
-          <a:p>
-            <a:pPr lvl="1"/>
-            <a:r>
-              <a:rPr lang="en-US" dirty="0"/>
-              <a:t>Allow us to put more effort into comprehending the actual problem we set out to solve.</a:t>
-            </a:r>
-          </a:p>
-          <a:p>
-            <a:r>
-              <a:rPr lang="en-US" dirty="0"/>
-              <a:t>Less is more.</a:t>
-            </a:r>
-          </a:p>
-          <a:p>
-            <a:endParaRPr lang="en-US" dirty="0"/>
-          </a:p>
-        </p:txBody>
-      </p:sp>
-    </p:spTree>
-    <p:extLst>
-      <p:ext uri="{BB962C8B-B14F-4D97-AF65-F5344CB8AC3E}">
-        <p14:creationId xmlns:p14="http://schemas.microsoft.com/office/powerpoint/2010/main" val="4236232261"/>
-      </p:ext>
-    </p:extLst>
-  </p:cSld>
-  <p:clrMapOvr>
-    <a:masterClrMapping/>
-  </p:clrMapOvr>
-</p:sld>
-</file>
-
-<file path=ppt/slides/slide21.xml><?xml version="1.0" encoding="utf-8"?>
-<p:sld xmlns:a="http://schemas.openxmlformats.org/drawingml/2006/main" xmlns:r="http://schemas.openxmlformats.org/officeDocument/2006/relationships" xmlns:p="http://schemas.openxmlformats.org/presentationml/2006/main">
-  <p:cSld>
-    <p:spTree>
-      <p:nvGrpSpPr>
-        <p:cNvPr id="1" name=""/>
-        <p:cNvGrpSpPr/>
-        <p:nvPr/>
-      </p:nvGrpSpPr>
-      <p:grpSpPr>
-        <a:xfrm>
-          <a:off x="0" y="0"/>
-          <a:ext cx="0" cy="0"/>
-          <a:chOff x="0" y="0"/>
-          <a:chExt cx="0" cy="0"/>
-        </a:xfrm>
-      </p:grpSpPr>
-      <p:sp>
-        <p:nvSpPr>
-          <p:cNvPr id="2" name="Title 1">
-            <a:extLst>
-              <a:ext uri="{FF2B5EF4-FFF2-40B4-BE49-F238E27FC236}">
-                <a16:creationId xmlns:a16="http://schemas.microsoft.com/office/drawing/2014/main" id="{4DF4B569-43D6-9B49-99FC-7E9C883B400D}"/>
-              </a:ext>
-            </a:extLst>
-          </p:cNvPr>
-          <p:cNvSpPr>
-            <a:spLocks noGrp="1"/>
-          </p:cNvSpPr>
-          <p:nvPr>
-            <p:ph type="title"/>
-          </p:nvPr>
-        </p:nvSpPr>
-        <p:spPr/>
-        <p:txBody>
-          <a:bodyPr/>
-          <a:lstStyle/>
-          <a:p>
-            <a:r>
-              <a:rPr lang="en-US" dirty="0"/>
-              <a:t>Modularity and decoupling</a:t>
-            </a:r>
-          </a:p>
-        </p:txBody>
-      </p:sp>
-      <p:sp>
-        <p:nvSpPr>
-          <p:cNvPr id="3" name="Content Placeholder 2">
-            <a:extLst>
-              <a:ext uri="{FF2B5EF4-FFF2-40B4-BE49-F238E27FC236}">
-                <a16:creationId xmlns:a16="http://schemas.microsoft.com/office/drawing/2014/main" id="{84345E35-78A2-834A-8238-8E82AC85C864}"/>
-              </a:ext>
-            </a:extLst>
-          </p:cNvPr>
-          <p:cNvSpPr>
-            <a:spLocks noGrp="1"/>
-          </p:cNvSpPr>
-          <p:nvPr>
-            <p:ph idx="1"/>
-          </p:nvPr>
-        </p:nvSpPr>
-        <p:spPr/>
-        <p:txBody>
-          <a:bodyPr>
-            <a:normAutofit/>
-          </a:bodyPr>
-          <a:lstStyle/>
-          <a:p>
-            <a:r>
-              <a:rPr lang="en-US" dirty="0"/>
-              <a:t>Breaking problems up into small, manageable components. </a:t>
-            </a:r>
-          </a:p>
-          <a:p>
-            <a:r>
-              <a:rPr lang="en-US" dirty="0"/>
-              <a:t>Loose coupling – the ability to update parts of a system in isolation – is an effective method for increasing developer agility and system stability. </a:t>
-            </a:r>
-          </a:p>
-        </p:txBody>
-      </p:sp>
-    </p:spTree>
-    <p:extLst>
-      <p:ext uri="{BB962C8B-B14F-4D97-AF65-F5344CB8AC3E}">
-        <p14:creationId xmlns:p14="http://schemas.microsoft.com/office/powerpoint/2010/main" val="1759203889"/>
-      </p:ext>
-    </p:extLst>
-  </p:cSld>
-  <p:clrMapOvr>
-    <a:masterClrMapping/>
-  </p:clrMapOvr>
-</p:sld>
-</file>
-
-<file path=ppt/slides/slide22.xml><?xml version="1.0" encoding="utf-8"?>
-<p:sld xmlns:a="http://schemas.openxmlformats.org/drawingml/2006/main" xmlns:r="http://schemas.openxmlformats.org/officeDocument/2006/relationships" xmlns:p="http://schemas.openxmlformats.org/presentationml/2006/main">
-  <p:cSld>
-    <p:spTree>
-      <p:nvGrpSpPr>
-        <p:cNvPr id="1" name=""/>
-        <p:cNvGrpSpPr/>
-        <p:nvPr/>
-      </p:nvGrpSpPr>
-      <p:grpSpPr>
-        <a:xfrm>
-          <a:off x="0" y="0"/>
-          <a:ext cx="0" cy="0"/>
-          <a:chOff x="0" y="0"/>
-          <a:chExt cx="0" cy="0"/>
-        </a:xfrm>
-      </p:grpSpPr>
-      <p:sp>
-        <p:nvSpPr>
-          <p:cNvPr id="2" name="Title 1">
-            <a:extLst>
-              <a:ext uri="{FF2B5EF4-FFF2-40B4-BE49-F238E27FC236}">
-                <a16:creationId xmlns:a16="http://schemas.microsoft.com/office/drawing/2014/main" id="{2CA0AC75-A734-7545-A109-5967E3B6F91B}"/>
-              </a:ext>
-            </a:extLst>
-          </p:cNvPr>
-          <p:cNvSpPr>
-            <a:spLocks noGrp="1"/>
-          </p:cNvSpPr>
-          <p:nvPr>
-            <p:ph type="title"/>
-          </p:nvPr>
-        </p:nvSpPr>
-        <p:spPr/>
-        <p:txBody>
-          <a:bodyPr/>
-          <a:lstStyle/>
-          <a:p>
-            <a:r>
-              <a:rPr lang="en-US" b="1" dirty="0"/>
-              <a:t>Refactoring</a:t>
-            </a:r>
-          </a:p>
-        </p:txBody>
-      </p:sp>
-      <p:sp>
-        <p:nvSpPr>
-          <p:cNvPr id="3" name="Content Placeholder 2">
-            <a:extLst>
-              <a:ext uri="{FF2B5EF4-FFF2-40B4-BE49-F238E27FC236}">
-                <a16:creationId xmlns:a16="http://schemas.microsoft.com/office/drawing/2014/main" id="{2B6CB17B-265B-6441-A2EA-415E9DE0C420}"/>
-              </a:ext>
-            </a:extLst>
-          </p:cNvPr>
-          <p:cNvSpPr>
-            <a:spLocks noGrp="1"/>
-          </p:cNvSpPr>
-          <p:nvPr>
-            <p:ph idx="1"/>
-          </p:nvPr>
-        </p:nvSpPr>
-        <p:spPr/>
-        <p:txBody>
-          <a:bodyPr/>
-          <a:lstStyle/>
-          <a:p>
-            <a:r>
-              <a:rPr lang="en-US" dirty="0"/>
-              <a:t>Restructuring your code </a:t>
-            </a:r>
-            <a:r>
-              <a:rPr lang="en-US" i="1" dirty="0"/>
-              <a:t>without</a:t>
-            </a:r>
-            <a:r>
-              <a:rPr lang="en-US" dirty="0"/>
-              <a:t> changing its behavior.</a:t>
-            </a:r>
-          </a:p>
-          <a:p>
-            <a:r>
-              <a:rPr lang="en-US" dirty="0"/>
-              <a:t>Software is rarely perfect on the first attempt. </a:t>
-            </a:r>
-          </a:p>
-          <a:p>
-            <a:pPr lvl="1"/>
-            <a:r>
-              <a:rPr lang="en-US" dirty="0"/>
-              <a:t>It may work, but it will be messy, and there will be code smells.</a:t>
-            </a:r>
-          </a:p>
-          <a:p>
-            <a:r>
-              <a:rPr lang="en-US" dirty="0"/>
-              <a:t>Software is continuously evolving--work continuously to improve it. </a:t>
-            </a:r>
-          </a:p>
-          <a:p>
-            <a:pPr lvl="1"/>
-            <a:r>
-              <a:rPr lang="en-US" dirty="0"/>
-              <a:t>Even if you start with a perfect code base, it can get messy very quickly.</a:t>
-            </a:r>
-          </a:p>
-          <a:p>
-            <a:r>
-              <a:rPr lang="en-US" dirty="0"/>
-              <a:t>Leave a piece of code better than you found it, every time.</a:t>
-            </a:r>
-          </a:p>
-          <a:p>
-            <a:r>
-              <a:rPr lang="en-US" dirty="0"/>
-              <a:t>Small improvements over time add up to a codebase that is easy to read and maintain.</a:t>
-            </a:r>
-          </a:p>
-        </p:txBody>
-      </p:sp>
-    </p:spTree>
-    <p:extLst>
-      <p:ext uri="{BB962C8B-B14F-4D97-AF65-F5344CB8AC3E}">
-        <p14:creationId xmlns:p14="http://schemas.microsoft.com/office/powerpoint/2010/main" val="22228032"/>
-      </p:ext>
-    </p:extLst>
-  </p:cSld>
-  <p:clrMapOvr>
-    <a:masterClrMapping/>
-  </p:clrMapOvr>
-</p:sld>
-</file>
-
-<file path=ppt/slides/slide23.xml><?xml version="1.0" encoding="utf-8"?>
-<p:sld xmlns:a="http://schemas.openxmlformats.org/drawingml/2006/main" xmlns:r="http://schemas.openxmlformats.org/officeDocument/2006/relationships" xmlns:p="http://schemas.openxmlformats.org/presentationml/2006/main">
-  <p:cSld>
-    <p:spTree>
-      <p:nvGrpSpPr>
-        <p:cNvPr id="1" name=""/>
-        <p:cNvGrpSpPr/>
-        <p:nvPr/>
-      </p:nvGrpSpPr>
-      <p:grpSpPr>
-        <a:xfrm>
-          <a:off x="0" y="0"/>
-          <a:ext cx="0" cy="0"/>
-          <a:chOff x="0" y="0"/>
-          <a:chExt cx="0" cy="0"/>
-        </a:xfrm>
-      </p:grpSpPr>
-      <p:sp>
-        <p:nvSpPr>
-          <p:cNvPr id="2" name="Title 1">
-            <a:extLst>
-              <a:ext uri="{FF2B5EF4-FFF2-40B4-BE49-F238E27FC236}">
-                <a16:creationId xmlns:a16="http://schemas.microsoft.com/office/drawing/2014/main" id="{977B8AF1-3C5A-5B40-A022-7A684DB3C5B7}"/>
-              </a:ext>
-            </a:extLst>
-          </p:cNvPr>
-          <p:cNvSpPr>
-            <a:spLocks noGrp="1"/>
-          </p:cNvSpPr>
-          <p:nvPr>
-            <p:ph type="title"/>
-          </p:nvPr>
-        </p:nvSpPr>
-        <p:spPr/>
-        <p:txBody>
-          <a:bodyPr/>
-          <a:lstStyle/>
-          <a:p>
-            <a:r>
-              <a:rPr lang="en-US" b="1" dirty="0"/>
-              <a:t>Code smell examples: Class level</a:t>
-            </a:r>
-            <a:endParaRPr lang="en-US" dirty="0"/>
-          </a:p>
-        </p:txBody>
-      </p:sp>
-      <p:sp>
-        <p:nvSpPr>
-          <p:cNvPr id="3" name="Content Placeholder 2">
-            <a:extLst>
-              <a:ext uri="{FF2B5EF4-FFF2-40B4-BE49-F238E27FC236}">
-                <a16:creationId xmlns:a16="http://schemas.microsoft.com/office/drawing/2014/main" id="{62151239-2C8C-5C47-B029-8E279A296E76}"/>
-              </a:ext>
-            </a:extLst>
-          </p:cNvPr>
-          <p:cNvSpPr>
-            <a:spLocks noGrp="1"/>
-          </p:cNvSpPr>
-          <p:nvPr>
-            <p:ph idx="1"/>
-          </p:nvPr>
-        </p:nvSpPr>
-        <p:spPr/>
-        <p:txBody>
-          <a:bodyPr>
-            <a:normAutofit fontScale="92500"/>
-          </a:bodyPr>
-          <a:lstStyle/>
-          <a:p>
-            <a:r>
-              <a:rPr lang="en-US" dirty="0"/>
-              <a:t>Large class: Class has grown too large and has too many responsibilities (</a:t>
-            </a:r>
-            <a:r>
-              <a:rPr lang="en-US" i="1" dirty="0"/>
-              <a:t>aka</a:t>
-            </a:r>
-            <a:r>
-              <a:rPr lang="en-US" dirty="0"/>
-              <a:t> God object)</a:t>
-            </a:r>
-          </a:p>
-          <a:p>
-            <a:r>
-              <a:rPr lang="en-US" dirty="0"/>
-              <a:t>God objects: a class that has lots of responsibilities and is low cohesive.</a:t>
-            </a:r>
-          </a:p>
-          <a:p>
-            <a:r>
-              <a:rPr lang="en-US" dirty="0"/>
-              <a:t>Feature envy: a class that uses methods of another class excessively and has no responsibility of its own</a:t>
-            </a:r>
-          </a:p>
-          <a:p>
-            <a:r>
-              <a:rPr lang="en-US" dirty="0"/>
-              <a:t>Inappropriate intimacy: a class that has dependencies on implementation details of another class</a:t>
-            </a:r>
-          </a:p>
-          <a:p>
-            <a:r>
-              <a:rPr lang="en-US" dirty="0"/>
-              <a:t>Refused bequest: a class that overrides a method of a base class in such a way that the contract of the base class is not honored by the derived class </a:t>
-            </a:r>
-          </a:p>
-        </p:txBody>
-      </p:sp>
-    </p:spTree>
-    <p:extLst>
-      <p:ext uri="{BB962C8B-B14F-4D97-AF65-F5344CB8AC3E}">
-        <p14:creationId xmlns:p14="http://schemas.microsoft.com/office/powerpoint/2010/main" val="2301747231"/>
-      </p:ext>
-    </p:extLst>
-  </p:cSld>
-  <p:clrMapOvr>
-    <a:masterClrMapping/>
-  </p:clrMapOvr>
-</p:sld>
-</file>
-
-<file path=ppt/slides/slide24.xml><?xml version="1.0" encoding="utf-8"?>
-<p:sld xmlns:a="http://schemas.openxmlformats.org/drawingml/2006/main" xmlns:r="http://schemas.openxmlformats.org/officeDocument/2006/relationships" xmlns:p="http://schemas.openxmlformats.org/presentationml/2006/main">
-  <p:cSld>
-    <p:spTree>
-      <p:nvGrpSpPr>
-        <p:cNvPr id="1" name=""/>
-        <p:cNvGrpSpPr/>
-        <p:nvPr/>
-      </p:nvGrpSpPr>
-      <p:grpSpPr>
-        <a:xfrm>
-          <a:off x="0" y="0"/>
-          <a:ext cx="0" cy="0"/>
-          <a:chOff x="0" y="0"/>
-          <a:chExt cx="0" cy="0"/>
-        </a:xfrm>
-      </p:grpSpPr>
-      <p:sp>
-        <p:nvSpPr>
-          <p:cNvPr id="2" name="Title 1">
-            <a:extLst>
-              <a:ext uri="{FF2B5EF4-FFF2-40B4-BE49-F238E27FC236}">
-                <a16:creationId xmlns:a16="http://schemas.microsoft.com/office/drawing/2014/main" id="{977B8AF1-3C5A-5B40-A022-7A684DB3C5B7}"/>
-              </a:ext>
-            </a:extLst>
-          </p:cNvPr>
-          <p:cNvSpPr>
-            <a:spLocks noGrp="1"/>
-          </p:cNvSpPr>
-          <p:nvPr>
-            <p:ph type="title"/>
-          </p:nvPr>
-        </p:nvSpPr>
-        <p:spPr/>
-        <p:txBody>
-          <a:bodyPr/>
-          <a:lstStyle/>
-          <a:p>
-            <a:r>
-              <a:rPr lang="en-US" b="1" dirty="0"/>
-              <a:t>Code smell examples: Class level</a:t>
-            </a:r>
-            <a:endParaRPr lang="en-US" dirty="0"/>
-          </a:p>
-        </p:txBody>
-      </p:sp>
-      <p:sp>
-        <p:nvSpPr>
-          <p:cNvPr id="3" name="Content Placeholder 2">
-            <a:extLst>
-              <a:ext uri="{FF2B5EF4-FFF2-40B4-BE49-F238E27FC236}">
-                <a16:creationId xmlns:a16="http://schemas.microsoft.com/office/drawing/2014/main" id="{62151239-2C8C-5C47-B029-8E279A296E76}"/>
-              </a:ext>
-            </a:extLst>
-          </p:cNvPr>
-          <p:cNvSpPr>
-            <a:spLocks noGrp="1"/>
-          </p:cNvSpPr>
-          <p:nvPr>
-            <p:ph idx="1"/>
-          </p:nvPr>
-        </p:nvSpPr>
-        <p:spPr/>
-        <p:txBody>
-          <a:bodyPr/>
-          <a:lstStyle/>
-          <a:p>
-            <a:r>
-              <a:rPr lang="en-US" dirty="0"/>
-              <a:t>Excessive use of literals: Literals should be coded as named constants, to improve readability and to avoid programming errors </a:t>
-            </a:r>
-          </a:p>
-          <a:p>
-            <a:r>
-              <a:rPr lang="en-US" dirty="0"/>
-              <a:t>Cyclomatic complexity: Too many branches or loops, indicating that a function needs to be broken up into smaller functions, or that it has potential for simplification/refactoring</a:t>
-            </a:r>
-          </a:p>
-          <a:p>
-            <a:r>
-              <a:rPr lang="en-US" dirty="0" err="1"/>
-              <a:t>Downcasting</a:t>
-            </a:r>
-            <a:r>
-              <a:rPr lang="en-US" dirty="0"/>
-              <a:t>: Typecasting to a specific derived type which breaks the abstraction model; the abstraction may have to be refactored or eliminated</a:t>
-            </a:r>
-          </a:p>
-          <a:p>
-            <a:pPr marL="0" indent="0">
-              <a:buNone/>
-            </a:pPr>
-            <a:endParaRPr lang="en-US" dirty="0"/>
-          </a:p>
-        </p:txBody>
-      </p:sp>
-    </p:spTree>
-    <p:extLst>
-      <p:ext uri="{BB962C8B-B14F-4D97-AF65-F5344CB8AC3E}">
-        <p14:creationId xmlns:p14="http://schemas.microsoft.com/office/powerpoint/2010/main" val="3280828989"/>
-      </p:ext>
-    </p:extLst>
-  </p:cSld>
-  <p:clrMapOvr>
-    <a:masterClrMapping/>
-  </p:clrMapOvr>
-</p:sld>
-</file>
-
-<file path=ppt/slides/slide25.xml><?xml version="1.0" encoding="utf-8"?>
-<p:sld xmlns:a="http://schemas.openxmlformats.org/drawingml/2006/main" xmlns:r="http://schemas.openxmlformats.org/officeDocument/2006/relationships" xmlns:p="http://schemas.openxmlformats.org/presentationml/2006/main">
-  <p:cSld>
-    <p:spTree>
-      <p:nvGrpSpPr>
-        <p:cNvPr id="1" name=""/>
-        <p:cNvGrpSpPr/>
-        <p:nvPr/>
-      </p:nvGrpSpPr>
-      <p:grpSpPr>
-        <a:xfrm>
-          <a:off x="0" y="0"/>
-          <a:ext cx="0" cy="0"/>
-          <a:chOff x="0" y="0"/>
-          <a:chExt cx="0" cy="0"/>
-        </a:xfrm>
-      </p:grpSpPr>
-      <p:sp>
-        <p:nvSpPr>
-          <p:cNvPr id="2" name="Title 1">
-            <a:extLst>
-              <a:ext uri="{FF2B5EF4-FFF2-40B4-BE49-F238E27FC236}">
-                <a16:creationId xmlns:a16="http://schemas.microsoft.com/office/drawing/2014/main" id="{977B8AF1-3C5A-5B40-A022-7A684DB3C5B7}"/>
-              </a:ext>
-            </a:extLst>
-          </p:cNvPr>
-          <p:cNvSpPr>
-            <a:spLocks noGrp="1"/>
-          </p:cNvSpPr>
-          <p:nvPr>
-            <p:ph type="title"/>
-          </p:nvPr>
-        </p:nvSpPr>
-        <p:spPr/>
-        <p:txBody>
-          <a:bodyPr/>
-          <a:lstStyle/>
-          <a:p>
-            <a:r>
-              <a:rPr lang="en-US" b="1" dirty="0"/>
-              <a:t>Code smell examples: Class level</a:t>
-            </a:r>
-            <a:endParaRPr lang="en-US" dirty="0"/>
-          </a:p>
-        </p:txBody>
-      </p:sp>
-      <p:sp>
-        <p:nvSpPr>
-          <p:cNvPr id="3" name="Content Placeholder 2">
-            <a:extLst>
-              <a:ext uri="{FF2B5EF4-FFF2-40B4-BE49-F238E27FC236}">
-                <a16:creationId xmlns:a16="http://schemas.microsoft.com/office/drawing/2014/main" id="{62151239-2C8C-5C47-B029-8E279A296E76}"/>
-              </a:ext>
-            </a:extLst>
-          </p:cNvPr>
-          <p:cNvSpPr>
-            <a:spLocks noGrp="1"/>
-          </p:cNvSpPr>
-          <p:nvPr>
-            <p:ph idx="1"/>
-          </p:nvPr>
-        </p:nvSpPr>
-        <p:spPr/>
-        <p:txBody>
-          <a:bodyPr/>
-          <a:lstStyle/>
-          <a:p>
-            <a:r>
-              <a:rPr lang="en-US" dirty="0"/>
-              <a:t>Orphan variable or constant class: a class that typically has a collection of constants which belong elsewhere where those constants should be owned by one of the other member classes</a:t>
-            </a:r>
-          </a:p>
-          <a:p>
-            <a:r>
-              <a:rPr lang="en-US" dirty="0"/>
-              <a:t>Data clump: Occurs when a group of variables are passed around together in various parts of the program. In general, this suggests that it would be more appropriate to formally group the different variables together into a single object, and pass around only the new object instead</a:t>
-            </a:r>
-          </a:p>
-          <a:p>
-            <a:pPr marL="0" indent="0">
-              <a:buNone/>
-            </a:pPr>
-            <a:endParaRPr lang="en-US" dirty="0"/>
-          </a:p>
-        </p:txBody>
-      </p:sp>
-    </p:spTree>
-    <p:extLst>
-      <p:ext uri="{BB962C8B-B14F-4D97-AF65-F5344CB8AC3E}">
-        <p14:creationId xmlns:p14="http://schemas.microsoft.com/office/powerpoint/2010/main" val="158394321"/>
-      </p:ext>
-    </p:extLst>
-  </p:cSld>
-  <p:clrMapOvr>
-    <a:masterClrMapping/>
-  </p:clrMapOvr>
-</p:sld>
-</file>
-
-<file path=ppt/slides/slide26.xml><?xml version="1.0" encoding="utf-8"?>
-<p:sld xmlns:a="http://schemas.openxmlformats.org/drawingml/2006/main" xmlns:r="http://schemas.openxmlformats.org/officeDocument/2006/relationships" xmlns:p="http://schemas.openxmlformats.org/presentationml/2006/main">
-  <p:cSld>
-    <p:spTree>
-      <p:nvGrpSpPr>
-        <p:cNvPr id="1" name=""/>
-        <p:cNvGrpSpPr/>
-        <p:nvPr/>
-      </p:nvGrpSpPr>
-      <p:grpSpPr>
-        <a:xfrm>
-          <a:off x="0" y="0"/>
-          <a:ext cx="0" cy="0"/>
-          <a:chOff x="0" y="0"/>
-          <a:chExt cx="0" cy="0"/>
-        </a:xfrm>
-      </p:grpSpPr>
-      <p:sp>
-        <p:nvSpPr>
-          <p:cNvPr id="2" name="Title 1">
-            <a:extLst>
-              <a:ext uri="{FF2B5EF4-FFF2-40B4-BE49-F238E27FC236}">
-                <a16:creationId xmlns:a16="http://schemas.microsoft.com/office/drawing/2014/main" id="{977B8AF1-3C5A-5B40-A022-7A684DB3C5B7}"/>
-              </a:ext>
-            </a:extLst>
-          </p:cNvPr>
-          <p:cNvSpPr>
-            <a:spLocks noGrp="1"/>
-          </p:cNvSpPr>
-          <p:nvPr>
-            <p:ph type="title"/>
-          </p:nvPr>
-        </p:nvSpPr>
-        <p:spPr/>
-        <p:txBody>
-          <a:bodyPr/>
-          <a:lstStyle/>
-          <a:p>
-            <a:r>
-              <a:rPr lang="en-US" b="1" dirty="0"/>
-              <a:t>Code smell examples: Method level</a:t>
-            </a:r>
-            <a:endParaRPr lang="en-US" dirty="0"/>
-          </a:p>
-        </p:txBody>
-      </p:sp>
-      <p:sp>
-        <p:nvSpPr>
-          <p:cNvPr id="3" name="Content Placeholder 2">
-            <a:extLst>
-              <a:ext uri="{FF2B5EF4-FFF2-40B4-BE49-F238E27FC236}">
-                <a16:creationId xmlns:a16="http://schemas.microsoft.com/office/drawing/2014/main" id="{62151239-2C8C-5C47-B029-8E279A296E76}"/>
-              </a:ext>
-            </a:extLst>
-          </p:cNvPr>
-          <p:cNvSpPr>
-            <a:spLocks noGrp="1"/>
-          </p:cNvSpPr>
-          <p:nvPr>
-            <p:ph idx="1"/>
-          </p:nvPr>
-        </p:nvSpPr>
-        <p:spPr/>
-        <p:txBody>
-          <a:bodyPr/>
-          <a:lstStyle/>
-          <a:p>
-            <a:r>
-              <a:rPr lang="en-US" dirty="0"/>
-              <a:t>Too many parameters: a long list of parameters is hard to read, and makes calling and testing the function complicated. It may indicate that the purpose of the function is ill-conceived and that the code should be refactored so responsibility is assigned in a more clean-cut way</a:t>
-            </a:r>
-          </a:p>
-          <a:p>
-            <a:r>
-              <a:rPr lang="en-US" dirty="0"/>
-              <a:t>Long method: a method, function, or procedure that has grown too large</a:t>
-            </a:r>
-          </a:p>
-          <a:p>
-            <a:r>
-              <a:rPr lang="en-US" dirty="0"/>
-              <a:t>Excessively long identifiers: in particular, the use of naming conventions to provide disambiguation that should be implicit in the software architecture</a:t>
-            </a:r>
-          </a:p>
-          <a:p>
-            <a:endParaRPr lang="en-US" dirty="0"/>
-          </a:p>
-        </p:txBody>
-      </p:sp>
-    </p:spTree>
-    <p:extLst>
-      <p:ext uri="{BB962C8B-B14F-4D97-AF65-F5344CB8AC3E}">
-        <p14:creationId xmlns:p14="http://schemas.microsoft.com/office/powerpoint/2010/main" val="518857876"/>
-      </p:ext>
-    </p:extLst>
-  </p:cSld>
-  <p:clrMapOvr>
-    <a:masterClrMapping/>
-  </p:clrMapOvr>
-</p:sld>
-</file>
-
-<file path=ppt/slides/slide27.xml><?xml version="1.0" encoding="utf-8"?>
-<p:sld xmlns:a="http://schemas.openxmlformats.org/drawingml/2006/main" xmlns:r="http://schemas.openxmlformats.org/officeDocument/2006/relationships" xmlns:p="http://schemas.openxmlformats.org/presentationml/2006/main">
-  <p:cSld>
-    <p:spTree>
-      <p:nvGrpSpPr>
-        <p:cNvPr id="1" name=""/>
-        <p:cNvGrpSpPr/>
-        <p:nvPr/>
-      </p:nvGrpSpPr>
-      <p:grpSpPr>
-        <a:xfrm>
-          <a:off x="0" y="0"/>
-          <a:ext cx="0" cy="0"/>
-          <a:chOff x="0" y="0"/>
-          <a:chExt cx="0" cy="0"/>
-        </a:xfrm>
-      </p:grpSpPr>
-      <p:sp>
-        <p:nvSpPr>
-          <p:cNvPr id="2" name="Title 1">
-            <a:extLst>
-              <a:ext uri="{FF2B5EF4-FFF2-40B4-BE49-F238E27FC236}">
-                <a16:creationId xmlns:a16="http://schemas.microsoft.com/office/drawing/2014/main" id="{977B8AF1-3C5A-5B40-A022-7A684DB3C5B7}"/>
-              </a:ext>
-            </a:extLst>
-          </p:cNvPr>
-          <p:cNvSpPr>
-            <a:spLocks noGrp="1"/>
-          </p:cNvSpPr>
-          <p:nvPr>
-            <p:ph type="title"/>
-          </p:nvPr>
-        </p:nvSpPr>
-        <p:spPr/>
-        <p:txBody>
-          <a:bodyPr/>
-          <a:lstStyle/>
-          <a:p>
-            <a:r>
-              <a:rPr lang="en-US" b="1" dirty="0"/>
-              <a:t>Code smell examples: Method level</a:t>
-            </a:r>
-            <a:endParaRPr lang="en-US" dirty="0"/>
-          </a:p>
-        </p:txBody>
-      </p:sp>
-      <p:sp>
-        <p:nvSpPr>
-          <p:cNvPr id="3" name="Content Placeholder 2">
-            <a:extLst>
-              <a:ext uri="{FF2B5EF4-FFF2-40B4-BE49-F238E27FC236}">
-                <a16:creationId xmlns:a16="http://schemas.microsoft.com/office/drawing/2014/main" id="{62151239-2C8C-5C47-B029-8E279A296E76}"/>
-              </a:ext>
-            </a:extLst>
-          </p:cNvPr>
-          <p:cNvSpPr>
-            <a:spLocks noGrp="1"/>
-          </p:cNvSpPr>
-          <p:nvPr>
-            <p:ph idx="1"/>
-          </p:nvPr>
-        </p:nvSpPr>
-        <p:spPr/>
-        <p:txBody>
-          <a:bodyPr/>
-          <a:lstStyle/>
-          <a:p>
-            <a:r>
-              <a:rPr lang="en-US" dirty="0"/>
-              <a:t>Excessively short identifiers: the name of a variable should reflect its function unless the function is obvious</a:t>
-            </a:r>
-          </a:p>
-          <a:p>
-            <a:r>
-              <a:rPr lang="en-US" dirty="0"/>
-              <a:t>Excessive return of data: a function or method that returns more than what each of its callers needs</a:t>
-            </a:r>
-          </a:p>
-          <a:p>
-            <a:r>
-              <a:rPr lang="en-US" dirty="0"/>
-              <a:t>Excessively long line of code (or God Line): A line of code which is too long, making the code difficult to read, understand, debug, refactor, or even identify possibilities of software reuse</a:t>
-            </a:r>
-          </a:p>
-          <a:p>
-            <a:pPr marL="0" indent="0">
-              <a:buNone/>
-            </a:pPr>
-            <a:endParaRPr lang="en-US" dirty="0"/>
-          </a:p>
-        </p:txBody>
-      </p:sp>
-    </p:spTree>
-    <p:extLst>
-      <p:ext uri="{BB962C8B-B14F-4D97-AF65-F5344CB8AC3E}">
-        <p14:creationId xmlns:p14="http://schemas.microsoft.com/office/powerpoint/2010/main" val="3302964344"/>
-      </p:ext>
-    </p:extLst>
-  </p:cSld>
-  <p:clrMapOvr>
-    <a:masterClrMapping/>
-  </p:clrMapOvr>
-</p:sld>
-</file>
-
-<file path=ppt/slides/slide28.xml><?xml version="1.0" encoding="utf-8"?>
-<p:sld xmlns:a="http://schemas.openxmlformats.org/drawingml/2006/main" xmlns:r="http://schemas.openxmlformats.org/officeDocument/2006/relationships" xmlns:p="http://schemas.openxmlformats.org/presentationml/2006/main">
-  <p:cSld>
-    <p:spTree>
-      <p:nvGrpSpPr>
-        <p:cNvPr id="1" name=""/>
-        <p:cNvGrpSpPr/>
-        <p:nvPr/>
-      </p:nvGrpSpPr>
-      <p:grpSpPr>
-        <a:xfrm>
-          <a:off x="0" y="0"/>
-          <a:ext cx="0" cy="0"/>
-          <a:chOff x="0" y="0"/>
-          <a:chExt cx="0" cy="0"/>
-        </a:xfrm>
-      </p:grpSpPr>
-      <p:sp>
-        <p:nvSpPr>
-          <p:cNvPr id="2" name="Title 1">
-            <a:extLst>
-              <a:ext uri="{FF2B5EF4-FFF2-40B4-BE49-F238E27FC236}">
-                <a16:creationId xmlns:a16="http://schemas.microsoft.com/office/drawing/2014/main" id="{DFAB8C42-BCE0-7749-A6D1-0BBED806DCD3}"/>
-              </a:ext>
-            </a:extLst>
-          </p:cNvPr>
-          <p:cNvSpPr>
-            <a:spLocks noGrp="1"/>
-          </p:cNvSpPr>
-          <p:nvPr>
-            <p:ph type="title"/>
-          </p:nvPr>
-        </p:nvSpPr>
-        <p:spPr/>
-        <p:txBody>
-          <a:bodyPr/>
-          <a:lstStyle/>
-          <a:p>
-            <a:r>
-              <a:rPr lang="en-US" dirty="0"/>
-              <a:t>Specify behaviors with tests</a:t>
-            </a:r>
-          </a:p>
-        </p:txBody>
-      </p:sp>
-      <p:sp>
-        <p:nvSpPr>
-          <p:cNvPr id="3" name="Content Placeholder 2">
-            <a:extLst>
-              <a:ext uri="{FF2B5EF4-FFF2-40B4-BE49-F238E27FC236}">
-                <a16:creationId xmlns:a16="http://schemas.microsoft.com/office/drawing/2014/main" id="{028A6067-3857-E24E-ACFD-73EB7FDE7676}"/>
-              </a:ext>
-            </a:extLst>
-          </p:cNvPr>
-          <p:cNvSpPr>
-            <a:spLocks noGrp="1"/>
-          </p:cNvSpPr>
-          <p:nvPr>
-            <p:ph idx="1"/>
-          </p:nvPr>
-        </p:nvSpPr>
-        <p:spPr/>
-        <p:txBody>
-          <a:bodyPr>
-            <a:normAutofit/>
-          </a:bodyPr>
-          <a:lstStyle/>
-          <a:p>
-            <a:r>
-              <a:rPr lang="en-US" dirty="0"/>
-              <a:t>Watch out for over-specifying behavior in your tests.</a:t>
-            </a:r>
-          </a:p>
-          <a:p>
-            <a:pPr lvl="1"/>
-            <a:r>
-              <a:rPr lang="en-US" dirty="0"/>
-              <a:t>Over-specifying behavior leads to lots of low value tests.</a:t>
-            </a:r>
-          </a:p>
-          <a:p>
-            <a:r>
-              <a:rPr lang="en-US" dirty="0"/>
-              <a:t>Strive to write the fewest tests needed to assert the behavior that you are creating. </a:t>
-            </a:r>
-          </a:p>
-          <a:p>
-            <a:r>
-              <a:rPr lang="en-US" dirty="0"/>
-              <a:t>The goal is to make each test unique and that we test only the main scenarios. </a:t>
-            </a:r>
-          </a:p>
-          <a:p>
-            <a:pPr lvl="1"/>
-            <a:r>
-              <a:rPr lang="en-US" dirty="0"/>
-              <a:t>Additional tests will be created as part of our quality engineering effort.</a:t>
-            </a:r>
-          </a:p>
-        </p:txBody>
-      </p:sp>
-    </p:spTree>
-    <p:extLst>
-      <p:ext uri="{BB962C8B-B14F-4D97-AF65-F5344CB8AC3E}">
-        <p14:creationId xmlns:p14="http://schemas.microsoft.com/office/powerpoint/2010/main" val="529994784"/>
-      </p:ext>
-    </p:extLst>
-  </p:cSld>
-  <p:clrMapOvr>
-    <a:masterClrMapping/>
-  </p:clrMapOvr>
-</p:sld>
-</file>
-
-<file path=ppt/slides/slide29.xml><?xml version="1.0" encoding="utf-8"?>
-<p:sld xmlns:a="http://schemas.openxmlformats.org/drawingml/2006/main" xmlns:r="http://schemas.openxmlformats.org/officeDocument/2006/relationships" xmlns:p="http://schemas.openxmlformats.org/presentationml/2006/main">
-  <p:cSld>
-    <p:spTree>
-      <p:nvGrpSpPr>
-        <p:cNvPr id="1" name=""/>
-        <p:cNvGrpSpPr/>
-        <p:nvPr/>
-      </p:nvGrpSpPr>
-      <p:grpSpPr>
-        <a:xfrm>
-          <a:off x="0" y="0"/>
-          <a:ext cx="0" cy="0"/>
-          <a:chOff x="0" y="0"/>
-          <a:chExt cx="0" cy="0"/>
-        </a:xfrm>
-      </p:grpSpPr>
-      <p:sp>
-        <p:nvSpPr>
-          <p:cNvPr id="2" name="Title 1">
-            <a:extLst>
-              <a:ext uri="{FF2B5EF4-FFF2-40B4-BE49-F238E27FC236}">
                 <a16:creationId xmlns:a16="http://schemas.microsoft.com/office/drawing/2014/main" id="{977B8AF1-3C5A-5B40-A022-7A684DB3C5B7}"/>
               </a:ext>
             </a:extLst>
@@ -5860,7 +4976,10 @@
           <a:bodyPr/>
           <a:lstStyle/>
           <a:p>
-            <a:endParaRPr lang="en-US" dirty="0"/>
+            <a:r>
+              <a:rPr lang="en-US" b="1" dirty="0"/>
+              <a:t>Why Test-Driven Development?</a:t>
+            </a:r>
           </a:p>
         </p:txBody>
       </p:sp>
@@ -5882,12 +5001,53 @@
         </p:nvSpPr>
         <p:spPr/>
         <p:txBody>
-          <a:bodyPr/>
-          <a:lstStyle/>
-          <a:p>
-            <a:r>
-              <a:rPr lang="en-US" dirty="0"/>
-              <a:t>Clean code that works – Ron Jefferies</a:t>
+          <a:bodyPr>
+            <a:normAutofit/>
+          </a:bodyPr>
+          <a:lstStyle/>
+          <a:p>
+            <a:r>
+              <a:rPr lang="en-US" dirty="0"/>
+              <a:t>Unit testing is a design activity.</a:t>
+            </a:r>
+          </a:p>
+          <a:p>
+            <a:pPr lvl="1"/>
+            <a:r>
+              <a:rPr lang="en-US" dirty="0"/>
+              <a:t>Clarifies our ideas on code intent.</a:t>
+            </a:r>
+          </a:p>
+          <a:p>
+            <a:r>
+              <a:rPr lang="en-US" dirty="0"/>
+              <a:t>Forces you to think carefully about what behavior is needed for a unit to satisfy the acceptance criteria.</a:t>
+            </a:r>
+          </a:p>
+          <a:p>
+            <a:pPr lvl="1"/>
+            <a:r>
+              <a:rPr lang="en-US" dirty="0"/>
+              <a:t>Unit being method or function</a:t>
+            </a:r>
+          </a:p>
+          <a:p>
+            <a:r>
+              <a:rPr lang="en-US" dirty="0"/>
+              <a:t>Unit tests communicate the soundness of design decisions.</a:t>
+            </a:r>
+          </a:p>
+          <a:p>
+            <a:r>
+              <a:rPr lang="en-US" dirty="0"/>
+              <a:t>Unit tests act as executable documentation.</a:t>
+            </a:r>
+          </a:p>
+          <a:p>
+            <a:pPr lvl="1"/>
+            <a:r>
+              <a:rPr lang="en-US" dirty="0"/>
+              <a:t>Communicates our intent.</a:t>
             </a:r>
           </a:p>
         </p:txBody>
@@ -5895,7 +5055,7 @@
     </p:spTree>
     <p:extLst>
       <p:ext uri="{BB962C8B-B14F-4D97-AF65-F5344CB8AC3E}">
-        <p14:creationId xmlns:p14="http://schemas.microsoft.com/office/powerpoint/2010/main" val="1391289329"/>
+        <p14:creationId xmlns:p14="http://schemas.microsoft.com/office/powerpoint/2010/main" val="4057073478"/>
       </p:ext>
     </p:extLst>
   </p:cSld>
@@ -5927,7 +5087,7 @@
           <p:cNvPr id="2" name="Title 1">
             <a:extLst>
               <a:ext uri="{FF2B5EF4-FFF2-40B4-BE49-F238E27FC236}">
-                <a16:creationId xmlns:a16="http://schemas.microsoft.com/office/drawing/2014/main" id="{977B8AF1-3C5A-5B40-A022-7A684DB3C5B7}"/>
+                <a16:creationId xmlns:a16="http://schemas.microsoft.com/office/drawing/2014/main" id="{0DF7F7CD-F13E-1641-9302-0C62C3CAEF31}"/>
               </a:ext>
             </a:extLst>
           </p:cNvPr>
@@ -5945,7 +5105,7 @@
           <a:p>
             <a:r>
               <a:rPr lang="en-US" b="1" dirty="0"/>
-              <a:t>Why Test-Driven Development?</a:t>
+              <a:t>Why test-driven development?</a:t>
             </a:r>
           </a:p>
         </p:txBody>
@@ -5955,7 +5115,7 @@
           <p:cNvPr id="3" name="Content Placeholder 2">
             <a:extLst>
               <a:ext uri="{FF2B5EF4-FFF2-40B4-BE49-F238E27FC236}">
-                <a16:creationId xmlns:a16="http://schemas.microsoft.com/office/drawing/2014/main" id="{62151239-2C8C-5C47-B029-8E279A296E76}"/>
+                <a16:creationId xmlns:a16="http://schemas.microsoft.com/office/drawing/2014/main" id="{E1A710DC-FC48-5D4D-A82F-FE5F1A489677}"/>
               </a:ext>
             </a:extLst>
           </p:cNvPr>
@@ -5968,61 +5128,44 @@
         </p:nvSpPr>
         <p:spPr/>
         <p:txBody>
-          <a:bodyPr>
-            <a:normAutofit/>
-          </a:bodyPr>
-          <a:lstStyle/>
-          <a:p>
-            <a:r>
-              <a:rPr lang="en-US" dirty="0"/>
-              <a:t>Unit testing is a design activity.</a:t>
-            </a:r>
-          </a:p>
-          <a:p>
-            <a:pPr lvl="1"/>
-            <a:r>
-              <a:rPr lang="en-US" dirty="0"/>
-              <a:t>Clarifies our ideas on code intent.</a:t>
-            </a:r>
-          </a:p>
-          <a:p>
-            <a:r>
-              <a:rPr lang="en-US" dirty="0"/>
-              <a:t>Forces you to think carefully about what behavior is needed for a unit to satisfy the acceptance criteria.</a:t>
-            </a:r>
-          </a:p>
-          <a:p>
-            <a:pPr lvl="1"/>
-            <a:r>
-              <a:rPr lang="en-US" dirty="0"/>
-              <a:t>Unit being method or function</a:t>
-            </a:r>
-          </a:p>
-          <a:p>
-            <a:r>
-              <a:rPr lang="en-US" dirty="0"/>
-              <a:t>Unit tests communicate the soundness of design decisions.</a:t>
-            </a:r>
-          </a:p>
-          <a:p>
-            <a:r>
-              <a:rPr lang="en-US" dirty="0"/>
-              <a:t>Unit tests act as executable documentation.</a:t>
-            </a:r>
-          </a:p>
-          <a:p>
-            <a:pPr lvl="1"/>
-            <a:r>
-              <a:rPr lang="en-US" dirty="0"/>
-              <a:t>Communicates our intent.</a:t>
-            </a:r>
+          <a:bodyPr/>
+          <a:lstStyle/>
+          <a:p>
+            <a:r>
+              <a:rPr lang="en-US" dirty="0"/>
+              <a:t>Writing tests forces you to think through all use cases.</a:t>
+            </a:r>
+          </a:p>
+          <a:p>
+            <a:r>
+              <a:rPr lang="en-US" dirty="0"/>
+              <a:t>Clarify what you are building.</a:t>
+            </a:r>
+          </a:p>
+          <a:p>
+            <a:r>
+              <a:rPr lang="en-US" dirty="0"/>
+              <a:t>Protect against regressions.</a:t>
+            </a:r>
+          </a:p>
+          <a:p>
+            <a:r>
+              <a:rPr lang="en-US" dirty="0"/>
+              <a:t>Clean code that works – Ron Jefferies</a:t>
+            </a:r>
+          </a:p>
+          <a:p>
+            <a:endParaRPr lang="en-US" dirty="0"/>
+          </a:p>
+          <a:p>
+            <a:endParaRPr lang="en-US" dirty="0"/>
           </a:p>
         </p:txBody>
       </p:sp>
     </p:spTree>
     <p:extLst>
       <p:ext uri="{BB962C8B-B14F-4D97-AF65-F5344CB8AC3E}">
-        <p14:creationId xmlns:p14="http://schemas.microsoft.com/office/powerpoint/2010/main" val="4057073478"/>
+        <p14:creationId xmlns:p14="http://schemas.microsoft.com/office/powerpoint/2010/main" val="3653872365"/>
       </p:ext>
     </p:extLst>
   </p:cSld>
@@ -6054,7 +5197,7 @@
           <p:cNvPr id="2" name="Title 1">
             <a:extLst>
               <a:ext uri="{FF2B5EF4-FFF2-40B4-BE49-F238E27FC236}">
-                <a16:creationId xmlns:a16="http://schemas.microsoft.com/office/drawing/2014/main" id="{0DF7F7CD-F13E-1641-9302-0C62C3CAEF31}"/>
+                <a16:creationId xmlns:a16="http://schemas.microsoft.com/office/drawing/2014/main" id="{977B8AF1-3C5A-5B40-A022-7A684DB3C5B7}"/>
               </a:ext>
             </a:extLst>
           </p:cNvPr>
@@ -6071,8 +5214,8 @@
           <a:lstStyle/>
           <a:p>
             <a:r>
-              <a:rPr lang="en-US" dirty="0"/>
-              <a:t>Why test-driven development?</a:t>
+              <a:rPr lang="en-US" b="1" dirty="0"/>
+              <a:t>Managing fear during programming</a:t>
             </a:r>
           </a:p>
         </p:txBody>
@@ -6082,7 +5225,7 @@
           <p:cNvPr id="3" name="Content Placeholder 2">
             <a:extLst>
               <a:ext uri="{FF2B5EF4-FFF2-40B4-BE49-F238E27FC236}">
-                <a16:creationId xmlns:a16="http://schemas.microsoft.com/office/drawing/2014/main" id="{E1A710DC-FC48-5D4D-A82F-FE5F1A489677}"/>
+                <a16:creationId xmlns:a16="http://schemas.microsoft.com/office/drawing/2014/main" id="{62151239-2C8C-5C47-B029-8E279A296E76}"/>
               </a:ext>
             </a:extLst>
           </p:cNvPr>
@@ -6100,30 +5243,63 @@
           <a:p>
             <a:r>
               <a:rPr lang="en-US" dirty="0"/>
-              <a:t>Writing tests forces you to think through all use cases.</a:t>
-            </a:r>
-          </a:p>
-          <a:p>
-            <a:r>
-              <a:rPr lang="en-US" dirty="0"/>
-              <a:t>Clarify what you are building.</a:t>
-            </a:r>
-          </a:p>
-          <a:p>
-            <a:r>
-              <a:rPr lang="en-US" dirty="0"/>
-              <a:t>Protect against regressions.</a:t>
-            </a:r>
-          </a:p>
-          <a:p>
-            <a:endParaRPr lang="en-US" dirty="0"/>
+              <a:t>Fear makes you…</a:t>
+            </a:r>
+          </a:p>
+          <a:p>
+            <a:pPr lvl="1"/>
+            <a:r>
+              <a:rPr lang="en-US" dirty="0"/>
+              <a:t>Tentative</a:t>
+            </a:r>
+          </a:p>
+          <a:p>
+            <a:pPr lvl="1"/>
+            <a:r>
+              <a:rPr lang="en-US" dirty="0"/>
+              <a:t>Communicate less</a:t>
+            </a:r>
+          </a:p>
+          <a:p>
+            <a:pPr lvl="1"/>
+            <a:r>
+              <a:rPr lang="en-US" dirty="0"/>
+              <a:t>Avoid feedback</a:t>
+            </a:r>
+          </a:p>
+          <a:p>
+            <a:r>
+              <a:rPr lang="en-US" dirty="0"/>
+              <a:t>Test-driven development provides us with courage to</a:t>
+            </a:r>
+          </a:p>
+          <a:p>
+            <a:pPr lvl="1"/>
+            <a:r>
+              <a:rPr lang="en-US" dirty="0"/>
+              <a:t>Begin learning as quickly as possible</a:t>
+            </a:r>
+          </a:p>
+          <a:p>
+            <a:pPr lvl="1"/>
+            <a:r>
+              <a:rPr lang="en-US" dirty="0"/>
+              <a:t>Communicate clearly</a:t>
+            </a:r>
+          </a:p>
+          <a:p>
+            <a:pPr lvl="1"/>
+            <a:r>
+              <a:rPr lang="en-US" dirty="0"/>
+              <a:t>Search out helpful, concrete feedback</a:t>
+            </a:r>
           </a:p>
         </p:txBody>
       </p:sp>
     </p:spTree>
     <p:extLst>
       <p:ext uri="{BB962C8B-B14F-4D97-AF65-F5344CB8AC3E}">
-        <p14:creationId xmlns:p14="http://schemas.microsoft.com/office/powerpoint/2010/main" val="3653872365"/>
+        <p14:creationId xmlns:p14="http://schemas.microsoft.com/office/powerpoint/2010/main" val="347741536"/>
       </p:ext>
     </p:extLst>
   </p:cSld>
@@ -6203,13 +5379,13 @@
           <a:p>
             <a:r>
               <a:rPr lang="en-US" dirty="0"/>
-              <a:t>Constantly asking yourself what it is you want to accomplish</a:t>
-            </a:r>
-          </a:p>
-          <a:p>
-            <a:r>
-              <a:rPr lang="en-US" dirty="0"/>
-              <a:t>Thinking deeply about the problem domain</a:t>
+              <a:t>Constantly asking yourself what it is you want to accomplish.</a:t>
+            </a:r>
+          </a:p>
+          <a:p>
+            <a:r>
+              <a:rPr lang="en-US" dirty="0"/>
+              <a:t>Forces you to deeply contemplate the problem domain.</a:t>
             </a:r>
           </a:p>
           <a:p>
@@ -6412,7 +5588,7 @@
           <p:cNvPr id="2" name="Title 1">
             <a:extLst>
               <a:ext uri="{FF2B5EF4-FFF2-40B4-BE49-F238E27FC236}">
-                <a16:creationId xmlns:a16="http://schemas.microsoft.com/office/drawing/2014/main" id="{7C685DC6-B14F-6342-A1B6-538A18C913D2}"/>
+                <a16:creationId xmlns:a16="http://schemas.microsoft.com/office/drawing/2014/main" id="{338E4367-1A80-F749-9BE9-4F7E1DF506B7}"/>
               </a:ext>
             </a:extLst>
           </p:cNvPr>
@@ -6430,7 +5606,7 @@
           <a:p>
             <a:r>
               <a:rPr lang="en-US" b="1" dirty="0"/>
-              <a:t>Code is a liability</a:t>
+              <a:t>Don’t be clever!</a:t>
             </a:r>
           </a:p>
         </p:txBody>
@@ -6440,7 +5616,7 @@
           <p:cNvPr id="3" name="Content Placeholder 2">
             <a:extLst>
               <a:ext uri="{FF2B5EF4-FFF2-40B4-BE49-F238E27FC236}">
-                <a16:creationId xmlns:a16="http://schemas.microsoft.com/office/drawing/2014/main" id="{115D65EE-DECF-C04B-9355-B7DA30D32DF4}"/>
+                <a16:creationId xmlns:a16="http://schemas.microsoft.com/office/drawing/2014/main" id="{900ACE45-F8A1-4742-BD1A-81A4DE26EE46}"/>
               </a:ext>
             </a:extLst>
           </p:cNvPr>
@@ -6458,25 +5634,52 @@
           <a:p>
             <a:r>
               <a:rPr lang="en-US" dirty="0"/>
-              <a:t>Poor practice to comment out unused code.</a:t>
-            </a:r>
-          </a:p>
-          <a:p>
-            <a:r>
-              <a:rPr lang="en-US" dirty="0"/>
-              <a:t>Code that has no purpose is a major source of distraction and confusion. </a:t>
-            </a:r>
-          </a:p>
-          <a:p>
-            <a:r>
-              <a:rPr lang="en-US" dirty="0"/>
-              <a:t>No reason not to remove dead code and other bloat. </a:t>
-            </a:r>
-          </a:p>
-          <a:p>
-            <a:r>
-              <a:rPr lang="en-US" dirty="0"/>
-              <a:t>Less code means less complexity, which means less bugs, which means less unexpected outcomes in production. </a:t>
+              <a:t>Prefer clarity over cleverness.</a:t>
+            </a:r>
+          </a:p>
+          <a:p>
+            <a:r>
+              <a:rPr lang="en-US" dirty="0"/>
+              <a:t>Developers spend much more time reading code than writing code. </a:t>
+            </a:r>
+          </a:p>
+          <a:p>
+            <a:pPr lvl="1"/>
+            <a:r>
+              <a:rPr lang="en-US" dirty="0"/>
+              <a:t>Optimize your source code for reading.</a:t>
+            </a:r>
+          </a:p>
+          <a:p>
+            <a:r>
+              <a:rPr lang="en-US" dirty="0"/>
+              <a:t>Make your code as easy to understand as you possibly can. </a:t>
+            </a:r>
+          </a:p>
+          <a:p>
+            <a:r>
+              <a:rPr lang="en-US" dirty="0"/>
+              <a:t>If you encounter code that is not easy to understand, take a little time to refactor it.</a:t>
+            </a:r>
+          </a:p>
+          <a:p>
+            <a:r>
+              <a:rPr lang="en-US" dirty="0"/>
+              <a:t>“Maintainable code is more important than clever code.” – Guido van Rossum, inventor of the Python language</a:t>
+            </a:r>
+          </a:p>
+          <a:p>
+            <a:r>
+              <a:rPr lang="en-US" dirty="0"/>
+              <a:t>“Simplicity is a prerequisite for reliability.”- </a:t>
+            </a:r>
+            <a:r>
+              <a:rPr lang="en-US" dirty="0" err="1"/>
+              <a:t>Edsger</a:t>
+            </a:r>
+            <a:r>
+              <a:rPr lang="en-US" dirty="0"/>
+              <a:t> W. Dijkstra</a:t>
             </a:r>
           </a:p>
         </p:txBody>
@@ -6484,7 +5687,7 @@
     </p:spTree>
     <p:extLst>
       <p:ext uri="{BB962C8B-B14F-4D97-AF65-F5344CB8AC3E}">
-        <p14:creationId xmlns:p14="http://schemas.microsoft.com/office/powerpoint/2010/main" val="1810090094"/>
+        <p14:creationId xmlns:p14="http://schemas.microsoft.com/office/powerpoint/2010/main" val="1259715462"/>
       </p:ext>
     </p:extLst>
   </p:cSld>
@@ -6516,7 +5719,7 @@
           <p:cNvPr id="2" name="Title 1">
             <a:extLst>
               <a:ext uri="{FF2B5EF4-FFF2-40B4-BE49-F238E27FC236}">
-                <a16:creationId xmlns:a16="http://schemas.microsoft.com/office/drawing/2014/main" id="{338E4367-1A80-F749-9BE9-4F7E1DF506B7}"/>
+                <a16:creationId xmlns:a16="http://schemas.microsoft.com/office/drawing/2014/main" id="{B557B37C-020B-E749-B234-CB1BC31B0CD1}"/>
               </a:ext>
             </a:extLst>
           </p:cNvPr>
@@ -6534,7 +5737,7 @@
           <a:p>
             <a:r>
               <a:rPr lang="en-US" b="1" dirty="0"/>
-              <a:t>Don’t be clever!</a:t>
+              <a:t>Accidental vs. essential complexity</a:t>
             </a:r>
           </a:p>
         </p:txBody>
@@ -6544,7 +5747,7 @@
           <p:cNvPr id="3" name="Content Placeholder 2">
             <a:extLst>
               <a:ext uri="{FF2B5EF4-FFF2-40B4-BE49-F238E27FC236}">
-                <a16:creationId xmlns:a16="http://schemas.microsoft.com/office/drawing/2014/main" id="{900ACE45-F8A1-4742-BD1A-81A4DE26EE46}"/>
+                <a16:creationId xmlns:a16="http://schemas.microsoft.com/office/drawing/2014/main" id="{CB381E5E-0FAF-D144-B905-6A8F86A608AE}"/>
               </a:ext>
             </a:extLst>
           </p:cNvPr>
@@ -6557,57 +5760,32 @@
         </p:nvSpPr>
         <p:spPr/>
         <p:txBody>
-          <a:bodyPr/>
-          <a:lstStyle/>
-          <a:p>
-            <a:r>
-              <a:rPr lang="en-US" dirty="0"/>
-              <a:t>Prefer clarity over cleverness.</a:t>
-            </a:r>
-          </a:p>
-          <a:p>
-            <a:r>
-              <a:rPr lang="en-US" dirty="0"/>
-              <a:t>Developers spend much more time reading code than writing code. </a:t>
-            </a:r>
-          </a:p>
-          <a:p>
-            <a:pPr lvl="1"/>
-            <a:r>
-              <a:rPr lang="en-US" dirty="0"/>
-              <a:t>Optimize your source code for reading.</a:t>
-            </a:r>
-          </a:p>
-          <a:p>
-            <a:r>
-              <a:rPr lang="en-US" dirty="0"/>
-              <a:t>Make your code as easy to understand as you possibly can. </a:t>
-            </a:r>
-          </a:p>
-          <a:p>
-            <a:r>
-              <a:rPr lang="en-US" dirty="0"/>
-              <a:t>If you encounter code that is not easy to understand, take a little time to refactor it.</a:t>
-            </a:r>
-          </a:p>
-          <a:p>
-            <a:r>
-              <a:rPr lang="en-US" dirty="0"/>
-              <a:t>“Maintainable code is more important than clever code.” – Guido van Rossum, inventor of the Python language</a:t>
-            </a:r>
-          </a:p>
-          <a:p>
-            <a:r>
-              <a:rPr lang="en-US" dirty="0"/>
-              <a:t>“Simplicity is a prerequisite for reliability.”- </a:t>
-            </a:r>
-            <a:r>
-              <a:rPr lang="en-US" dirty="0" err="1"/>
-              <a:t>Edsger</a:t>
-            </a:r>
-            <a:r>
-              <a:rPr lang="en-US" dirty="0"/>
-              <a:t> W. Dijkstra</a:t>
+          <a:bodyPr>
+            <a:normAutofit/>
+          </a:bodyPr>
+          <a:lstStyle/>
+          <a:p>
+            <a:r>
+              <a:rPr lang="en-US" dirty="0"/>
+              <a:t>Software should behave predictably and accomplish its goals without too many surprises (that is, outages in production). </a:t>
+            </a:r>
+          </a:p>
+          <a:p>
+            <a:r>
+              <a:rPr lang="en-US" dirty="0"/>
+              <a:t>The number of surprises directly correlates with the amount of unnecessary complexity found in a project.</a:t>
+            </a:r>
+          </a:p>
+          <a:p>
+            <a:r>
+              <a:rPr lang="en-US" i="1" dirty="0"/>
+              <a:t>Accidental complexity relates to problems which engineers create and can fix, [whereas] essential complexity is caused by the problem to be solved, and nothing can remove it – Fred Brooks in his seminal “No Silver Bullet” essay</a:t>
+            </a:r>
+          </a:p>
+          <a:p>
+            <a:r>
+              <a:rPr lang="en-US" dirty="0"/>
+              <a:t>Push back when accidental complexity is introduced. </a:t>
             </a:r>
           </a:p>
         </p:txBody>
@@ -6615,7 +5793,7 @@
     </p:spTree>
     <p:extLst>
       <p:ext uri="{BB962C8B-B14F-4D97-AF65-F5344CB8AC3E}">
-        <p14:creationId xmlns:p14="http://schemas.microsoft.com/office/powerpoint/2010/main" val="1259715462"/>
+        <p14:creationId xmlns:p14="http://schemas.microsoft.com/office/powerpoint/2010/main" val="210959948"/>
       </p:ext>
     </p:extLst>
   </p:cSld>

--- a/presentations/Introduction to Test-Driven Development.pptx
+++ b/presentations/Introduction to Test-Driven Development.pptx
@@ -4,13 +4,16 @@
   <p:sldMasterIdLst>
     <p:sldMasterId id="2147483648" r:id="rId1"/>
   </p:sldMasterIdLst>
+  <p:notesMasterIdLst>
+    <p:notesMasterId r:id="rId21"/>
+  </p:notesMasterIdLst>
   <p:sldIdLst>
     <p:sldId id="256" r:id="rId2"/>
     <p:sldId id="282" r:id="rId3"/>
     <p:sldId id="260" r:id="rId4"/>
-    <p:sldId id="281" r:id="rId5"/>
-    <p:sldId id="267" r:id="rId6"/>
-    <p:sldId id="275" r:id="rId7"/>
+    <p:sldId id="267" r:id="rId5"/>
+    <p:sldId id="275" r:id="rId6"/>
+    <p:sldId id="286" r:id="rId7"/>
     <p:sldId id="284" r:id="rId8"/>
     <p:sldId id="273" r:id="rId9"/>
     <p:sldId id="276" r:id="rId10"/>
@@ -22,9 +25,8 @@
     <p:sldId id="278" r:id="rId16"/>
     <p:sldId id="279" r:id="rId17"/>
     <p:sldId id="280" r:id="rId18"/>
-    <p:sldId id="283" r:id="rId19"/>
-    <p:sldId id="285" r:id="rId20"/>
-    <p:sldId id="268" r:id="rId21"/>
+    <p:sldId id="285" r:id="rId19"/>
+    <p:sldId id="268" r:id="rId20"/>
   </p:sldIdLst>
   <p:sldSz cx="12192000" cy="6858000"/>
   <p:notesSz cx="6858000" cy="9144000"/>
@@ -129,6 +131,439 @@
     </p:ext>
   </p:extLst>
 </p:presentation>
+</file>
+
+<file path=ppt/notesMasters/notesMaster1.xml><?xml version="1.0" encoding="utf-8"?>
+<p:notesMaster xmlns:a="http://schemas.openxmlformats.org/drawingml/2006/main" xmlns:r="http://schemas.openxmlformats.org/officeDocument/2006/relationships" xmlns:p="http://schemas.openxmlformats.org/presentationml/2006/main">
+  <p:cSld>
+    <p:bg>
+      <p:bgRef idx="1001">
+        <a:schemeClr val="bg1"/>
+      </p:bgRef>
+    </p:bg>
+    <p:spTree>
+      <p:nvGrpSpPr>
+        <p:cNvPr id="1" name=""/>
+        <p:cNvGrpSpPr/>
+        <p:nvPr/>
+      </p:nvGrpSpPr>
+      <p:grpSpPr>
+        <a:xfrm>
+          <a:off x="0" y="0"/>
+          <a:ext cx="0" cy="0"/>
+          <a:chOff x="0" y="0"/>
+          <a:chExt cx="0" cy="0"/>
+        </a:xfrm>
+      </p:grpSpPr>
+      <p:sp>
+        <p:nvSpPr>
+          <p:cNvPr id="2" name="Header Placeholder 1"/>
+          <p:cNvSpPr>
+            <a:spLocks noGrp="1"/>
+          </p:cNvSpPr>
+          <p:nvPr>
+            <p:ph type="hdr" sz="quarter"/>
+          </p:nvPr>
+        </p:nvSpPr>
+        <p:spPr>
+          <a:xfrm>
+            <a:off x="0" y="0"/>
+            <a:ext cx="2971800" cy="458788"/>
+          </a:xfrm>
+          <a:prstGeom prst="rect">
+            <a:avLst/>
+          </a:prstGeom>
+        </p:spPr>
+        <p:txBody>
+          <a:bodyPr vert="horz" lIns="91440" tIns="45720" rIns="91440" bIns="45720" rtlCol="0"/>
+          <a:lstStyle>
+            <a:lvl1pPr algn="l">
+              <a:defRPr sz="1200"/>
+            </a:lvl1pPr>
+          </a:lstStyle>
+          <a:p>
+            <a:endParaRPr lang="en-US"/>
+          </a:p>
+        </p:txBody>
+      </p:sp>
+      <p:sp>
+        <p:nvSpPr>
+          <p:cNvPr id="3" name="Date Placeholder 2"/>
+          <p:cNvSpPr>
+            <a:spLocks noGrp="1"/>
+          </p:cNvSpPr>
+          <p:nvPr>
+            <p:ph type="dt" idx="1"/>
+          </p:nvPr>
+        </p:nvSpPr>
+        <p:spPr>
+          <a:xfrm>
+            <a:off x="3884613" y="0"/>
+            <a:ext cx="2971800" cy="458788"/>
+          </a:xfrm>
+          <a:prstGeom prst="rect">
+            <a:avLst/>
+          </a:prstGeom>
+        </p:spPr>
+        <p:txBody>
+          <a:bodyPr vert="horz" lIns="91440" tIns="45720" rIns="91440" bIns="45720" rtlCol="0"/>
+          <a:lstStyle>
+            <a:lvl1pPr algn="r">
+              <a:defRPr sz="1200"/>
+            </a:lvl1pPr>
+          </a:lstStyle>
+          <a:p>
+            <a:fld id="{F26B28AA-01EF-FC4E-9902-F717EB4A0D20}" type="datetimeFigureOut">
+              <a:rPr lang="en-US" smtClean="0"/>
+              <a:t>7/27/21</a:t>
+            </a:fld>
+            <a:endParaRPr lang="en-US"/>
+          </a:p>
+        </p:txBody>
+      </p:sp>
+      <p:sp>
+        <p:nvSpPr>
+          <p:cNvPr id="4" name="Slide Image Placeholder 3"/>
+          <p:cNvSpPr>
+            <a:spLocks noGrp="1" noRot="1" noChangeAspect="1"/>
+          </p:cNvSpPr>
+          <p:nvPr>
+            <p:ph type="sldImg" idx="2"/>
+          </p:nvPr>
+        </p:nvSpPr>
+        <p:spPr>
+          <a:xfrm>
+            <a:off x="685800" y="1143000"/>
+            <a:ext cx="5486400" cy="3086100"/>
+          </a:xfrm>
+          <a:prstGeom prst="rect">
+            <a:avLst/>
+          </a:prstGeom>
+          <a:noFill/>
+          <a:ln w="12700">
+            <a:solidFill>
+              <a:prstClr val="black"/>
+            </a:solidFill>
+          </a:ln>
+        </p:spPr>
+        <p:txBody>
+          <a:bodyPr vert="horz" lIns="91440" tIns="45720" rIns="91440" bIns="45720" rtlCol="0" anchor="ctr"/>
+          <a:lstStyle/>
+          <a:p>
+            <a:endParaRPr lang="en-US"/>
+          </a:p>
+        </p:txBody>
+      </p:sp>
+      <p:sp>
+        <p:nvSpPr>
+          <p:cNvPr id="5" name="Notes Placeholder 4"/>
+          <p:cNvSpPr>
+            <a:spLocks noGrp="1"/>
+          </p:cNvSpPr>
+          <p:nvPr>
+            <p:ph type="body" sz="quarter" idx="3"/>
+          </p:nvPr>
+        </p:nvSpPr>
+        <p:spPr>
+          <a:xfrm>
+            <a:off x="685800" y="4400550"/>
+            <a:ext cx="5486400" cy="3600450"/>
+          </a:xfrm>
+          <a:prstGeom prst="rect">
+            <a:avLst/>
+          </a:prstGeom>
+        </p:spPr>
+        <p:txBody>
+          <a:bodyPr vert="horz" lIns="91440" tIns="45720" rIns="91440" bIns="45720" rtlCol="0"/>
+          <a:lstStyle/>
+          <a:p>
+            <a:pPr lvl="0"/>
+            <a:r>
+              <a:rPr lang="en-US"/>
+              <a:t>Click to edit Master text styles</a:t>
+            </a:r>
+          </a:p>
+          <a:p>
+            <a:pPr lvl="1"/>
+            <a:r>
+              <a:rPr lang="en-US"/>
+              <a:t>Second level</a:t>
+            </a:r>
+          </a:p>
+          <a:p>
+            <a:pPr lvl="2"/>
+            <a:r>
+              <a:rPr lang="en-US"/>
+              <a:t>Third level</a:t>
+            </a:r>
+          </a:p>
+          <a:p>
+            <a:pPr lvl="3"/>
+            <a:r>
+              <a:rPr lang="en-US"/>
+              <a:t>Fourth level</a:t>
+            </a:r>
+          </a:p>
+          <a:p>
+            <a:pPr lvl="4"/>
+            <a:r>
+              <a:rPr lang="en-US"/>
+              <a:t>Fifth level</a:t>
+            </a:r>
+          </a:p>
+        </p:txBody>
+      </p:sp>
+      <p:sp>
+        <p:nvSpPr>
+          <p:cNvPr id="6" name="Footer Placeholder 5"/>
+          <p:cNvSpPr>
+            <a:spLocks noGrp="1"/>
+          </p:cNvSpPr>
+          <p:nvPr>
+            <p:ph type="ftr" sz="quarter" idx="4"/>
+          </p:nvPr>
+        </p:nvSpPr>
+        <p:spPr>
+          <a:xfrm>
+            <a:off x="0" y="8685213"/>
+            <a:ext cx="2971800" cy="458787"/>
+          </a:xfrm>
+          <a:prstGeom prst="rect">
+            <a:avLst/>
+          </a:prstGeom>
+        </p:spPr>
+        <p:txBody>
+          <a:bodyPr vert="horz" lIns="91440" tIns="45720" rIns="91440" bIns="45720" rtlCol="0" anchor="b"/>
+          <a:lstStyle>
+            <a:lvl1pPr algn="l">
+              <a:defRPr sz="1200"/>
+            </a:lvl1pPr>
+          </a:lstStyle>
+          <a:p>
+            <a:endParaRPr lang="en-US"/>
+          </a:p>
+        </p:txBody>
+      </p:sp>
+      <p:sp>
+        <p:nvSpPr>
+          <p:cNvPr id="7" name="Slide Number Placeholder 6"/>
+          <p:cNvSpPr>
+            <a:spLocks noGrp="1"/>
+          </p:cNvSpPr>
+          <p:nvPr>
+            <p:ph type="sldNum" sz="quarter" idx="5"/>
+          </p:nvPr>
+        </p:nvSpPr>
+        <p:spPr>
+          <a:xfrm>
+            <a:off x="3884613" y="8685213"/>
+            <a:ext cx="2971800" cy="458787"/>
+          </a:xfrm>
+          <a:prstGeom prst="rect">
+            <a:avLst/>
+          </a:prstGeom>
+        </p:spPr>
+        <p:txBody>
+          <a:bodyPr vert="horz" lIns="91440" tIns="45720" rIns="91440" bIns="45720" rtlCol="0" anchor="b"/>
+          <a:lstStyle>
+            <a:lvl1pPr algn="r">
+              <a:defRPr sz="1200"/>
+            </a:lvl1pPr>
+          </a:lstStyle>
+          <a:p>
+            <a:fld id="{B77EE3D5-8E41-E549-B83C-41040DF7A7E3}" type="slidenum">
+              <a:rPr lang="en-US" smtClean="0"/>
+              <a:t>‹#›</a:t>
+            </a:fld>
+            <a:endParaRPr lang="en-US"/>
+          </a:p>
+        </p:txBody>
+      </p:sp>
+    </p:spTree>
+    <p:extLst>
+      <p:ext uri="{BB962C8B-B14F-4D97-AF65-F5344CB8AC3E}">
+        <p14:creationId xmlns:p14="http://schemas.microsoft.com/office/powerpoint/2010/main" val="2530718697"/>
+      </p:ext>
+    </p:extLst>
+  </p:cSld>
+  <p:clrMap bg1="lt1" tx1="dk1" bg2="lt2" tx2="dk2" accent1="accent1" accent2="accent2" accent3="accent3" accent4="accent4" accent5="accent5" accent6="accent6" hlink="hlink" folHlink="folHlink"/>
+  <p:notesStyle>
+    <a:lvl1pPr marL="0" algn="l" defTabSz="914400" rtl="0" eaLnBrk="1" latinLnBrk="0" hangingPunct="1">
+      <a:defRPr sz="1200" kern="1200">
+        <a:solidFill>
+          <a:schemeClr val="tx1"/>
+        </a:solidFill>
+        <a:latin typeface="+mn-lt"/>
+        <a:ea typeface="+mn-ea"/>
+        <a:cs typeface="+mn-cs"/>
+      </a:defRPr>
+    </a:lvl1pPr>
+    <a:lvl2pPr marL="457200" algn="l" defTabSz="914400" rtl="0" eaLnBrk="1" latinLnBrk="0" hangingPunct="1">
+      <a:defRPr sz="1200" kern="1200">
+        <a:solidFill>
+          <a:schemeClr val="tx1"/>
+        </a:solidFill>
+        <a:latin typeface="+mn-lt"/>
+        <a:ea typeface="+mn-ea"/>
+        <a:cs typeface="+mn-cs"/>
+      </a:defRPr>
+    </a:lvl2pPr>
+    <a:lvl3pPr marL="914400" algn="l" defTabSz="914400" rtl="0" eaLnBrk="1" latinLnBrk="0" hangingPunct="1">
+      <a:defRPr sz="1200" kern="1200">
+        <a:solidFill>
+          <a:schemeClr val="tx1"/>
+        </a:solidFill>
+        <a:latin typeface="+mn-lt"/>
+        <a:ea typeface="+mn-ea"/>
+        <a:cs typeface="+mn-cs"/>
+      </a:defRPr>
+    </a:lvl3pPr>
+    <a:lvl4pPr marL="1371600" algn="l" defTabSz="914400" rtl="0" eaLnBrk="1" latinLnBrk="0" hangingPunct="1">
+      <a:defRPr sz="1200" kern="1200">
+        <a:solidFill>
+          <a:schemeClr val="tx1"/>
+        </a:solidFill>
+        <a:latin typeface="+mn-lt"/>
+        <a:ea typeface="+mn-ea"/>
+        <a:cs typeface="+mn-cs"/>
+      </a:defRPr>
+    </a:lvl4pPr>
+    <a:lvl5pPr marL="1828800" algn="l" defTabSz="914400" rtl="0" eaLnBrk="1" latinLnBrk="0" hangingPunct="1">
+      <a:defRPr sz="1200" kern="1200">
+        <a:solidFill>
+          <a:schemeClr val="tx1"/>
+        </a:solidFill>
+        <a:latin typeface="+mn-lt"/>
+        <a:ea typeface="+mn-ea"/>
+        <a:cs typeface="+mn-cs"/>
+      </a:defRPr>
+    </a:lvl5pPr>
+    <a:lvl6pPr marL="2286000" algn="l" defTabSz="914400" rtl="0" eaLnBrk="1" latinLnBrk="0" hangingPunct="1">
+      <a:defRPr sz="1200" kern="1200">
+        <a:solidFill>
+          <a:schemeClr val="tx1"/>
+        </a:solidFill>
+        <a:latin typeface="+mn-lt"/>
+        <a:ea typeface="+mn-ea"/>
+        <a:cs typeface="+mn-cs"/>
+      </a:defRPr>
+    </a:lvl6pPr>
+    <a:lvl7pPr marL="2743200" algn="l" defTabSz="914400" rtl="0" eaLnBrk="1" latinLnBrk="0" hangingPunct="1">
+      <a:defRPr sz="1200" kern="1200">
+        <a:solidFill>
+          <a:schemeClr val="tx1"/>
+        </a:solidFill>
+        <a:latin typeface="+mn-lt"/>
+        <a:ea typeface="+mn-ea"/>
+        <a:cs typeface="+mn-cs"/>
+      </a:defRPr>
+    </a:lvl7pPr>
+    <a:lvl8pPr marL="3200400" algn="l" defTabSz="914400" rtl="0" eaLnBrk="1" latinLnBrk="0" hangingPunct="1">
+      <a:defRPr sz="1200" kern="1200">
+        <a:solidFill>
+          <a:schemeClr val="tx1"/>
+        </a:solidFill>
+        <a:latin typeface="+mn-lt"/>
+        <a:ea typeface="+mn-ea"/>
+        <a:cs typeface="+mn-cs"/>
+      </a:defRPr>
+    </a:lvl8pPr>
+    <a:lvl9pPr marL="3657600" algn="l" defTabSz="914400" rtl="0" eaLnBrk="1" latinLnBrk="0" hangingPunct="1">
+      <a:defRPr sz="1200" kern="1200">
+        <a:solidFill>
+          <a:schemeClr val="tx1"/>
+        </a:solidFill>
+        <a:latin typeface="+mn-lt"/>
+        <a:ea typeface="+mn-ea"/>
+        <a:cs typeface="+mn-cs"/>
+      </a:defRPr>
+    </a:lvl9pPr>
+  </p:notesStyle>
+</p:notesMaster>
+</file>
+
+<file path=ppt/notesSlides/notesSlide1.xml><?xml version="1.0" encoding="utf-8"?>
+<p:notes xmlns:a="http://schemas.openxmlformats.org/drawingml/2006/main" xmlns:r="http://schemas.openxmlformats.org/officeDocument/2006/relationships" xmlns:p="http://schemas.openxmlformats.org/presentationml/2006/main">
+  <p:cSld>
+    <p:spTree>
+      <p:nvGrpSpPr>
+        <p:cNvPr id="1" name=""/>
+        <p:cNvGrpSpPr/>
+        <p:nvPr/>
+      </p:nvGrpSpPr>
+      <p:grpSpPr>
+        <a:xfrm>
+          <a:off x="0" y="0"/>
+          <a:ext cx="0" cy="0"/>
+          <a:chOff x="0" y="0"/>
+          <a:chExt cx="0" cy="0"/>
+        </a:xfrm>
+      </p:grpSpPr>
+      <p:sp>
+        <p:nvSpPr>
+          <p:cNvPr id="2" name="Slide Image Placeholder 1"/>
+          <p:cNvSpPr>
+            <a:spLocks noGrp="1" noRot="1" noChangeAspect="1"/>
+          </p:cNvSpPr>
+          <p:nvPr>
+            <p:ph type="sldImg"/>
+          </p:nvPr>
+        </p:nvSpPr>
+        <p:spPr/>
+      </p:sp>
+      <p:sp>
+        <p:nvSpPr>
+          <p:cNvPr id="3" name="Notes Placeholder 2"/>
+          <p:cNvSpPr>
+            <a:spLocks noGrp="1"/>
+          </p:cNvSpPr>
+          <p:nvPr>
+            <p:ph type="body" idx="1"/>
+          </p:nvPr>
+        </p:nvSpPr>
+        <p:spPr/>
+        <p:txBody>
+          <a:bodyPr/>
+          <a:lstStyle/>
+          <a:p>
+            <a:endParaRPr lang="en-US" dirty="0"/>
+          </a:p>
+        </p:txBody>
+      </p:sp>
+      <p:sp>
+        <p:nvSpPr>
+          <p:cNvPr id="4" name="Slide Number Placeholder 3"/>
+          <p:cNvSpPr>
+            <a:spLocks noGrp="1"/>
+          </p:cNvSpPr>
+          <p:nvPr>
+            <p:ph type="sldNum" sz="quarter" idx="5"/>
+          </p:nvPr>
+        </p:nvSpPr>
+        <p:spPr/>
+        <p:txBody>
+          <a:bodyPr/>
+          <a:lstStyle/>
+          <a:p>
+            <a:fld id="{B77EE3D5-8E41-E549-B83C-41040DF7A7E3}" type="slidenum">
+              <a:rPr lang="en-US" smtClean="0"/>
+              <a:t>18</a:t>
+            </a:fld>
+            <a:endParaRPr lang="en-US"/>
+          </a:p>
+        </p:txBody>
+      </p:sp>
+    </p:spTree>
+    <p:extLst>
+      <p:ext uri="{BB962C8B-B14F-4D97-AF65-F5344CB8AC3E}">
+        <p14:creationId xmlns:p14="http://schemas.microsoft.com/office/powerpoint/2010/main" val="4192581706"/>
+      </p:ext>
+    </p:extLst>
+  </p:cSld>
+  <p:clrMapOvr>
+    <a:masterClrMapping/>
+  </p:clrMapOvr>
+</p:notes>
 </file>
 
 <file path=ppt/slideLayouts/slideLayout1.xml><?xml version="1.0" encoding="utf-8"?>
@@ -3428,6 +3863,18 @@
   <p:clrMapOvr>
     <a:masterClrMapping/>
   </p:clrMapOvr>
+  <mc:AlternateContent xmlns:mc="http://schemas.openxmlformats.org/markup-compatibility/2006">
+    <mc:Choice xmlns:p14="http://schemas.microsoft.com/office/powerpoint/2010/main" Requires="p14">
+      <p:transition spd="med" p14:dur="700">
+        <p:fade/>
+      </p:transition>
+    </mc:Choice>
+    <mc:Fallback>
+      <p:transition spd="med">
+        <p:fade/>
+      </p:transition>
+    </mc:Fallback>
+  </mc:AlternateContent>
 </p:sld>
 </file>
 
@@ -3501,7 +3948,14 @@
           <a:p>
             <a:r>
               <a:rPr lang="en-US" dirty="0"/>
-              <a:t>Copy-pasta coding, doing the same or almost the same things.</a:t>
+              <a:t>Copy-pasta coding</a:t>
+            </a:r>
+          </a:p>
+          <a:p>
+            <a:pPr lvl="1"/>
+            <a:r>
+              <a:rPr lang="en-US" dirty="0"/>
+              <a:t>Doing the same or almost the same things in multiple places in the code.</a:t>
             </a:r>
           </a:p>
           <a:p>
@@ -3525,7 +3979,7 @@
           <a:p>
             <a:r>
               <a:rPr lang="en-US" dirty="0"/>
-              <a:t>Some IDEs detect duplicate code and warn you about it, and some even help you extract methods or functions from the duplications.</a:t>
+              <a:t>Some development tools detect duplicate code and warn you about it, and some even help you extract methods or functions from the duplications.</a:t>
             </a:r>
           </a:p>
           <a:p>
@@ -3543,6 +3997,327 @@
   <p:clrMapOvr>
     <a:masterClrMapping/>
   </p:clrMapOvr>
+  <mc:AlternateContent xmlns:mc="http://schemas.openxmlformats.org/markup-compatibility/2006">
+    <mc:Choice xmlns:p14="http://schemas.microsoft.com/office/powerpoint/2010/main" Requires="p14">
+      <p:transition spd="med" p14:dur="700">
+        <p:fade/>
+      </p:transition>
+    </mc:Choice>
+    <mc:Fallback>
+      <p:transition spd="med">
+        <p:fade/>
+      </p:transition>
+    </mc:Fallback>
+  </mc:AlternateContent>
+  <p:timing>
+    <p:tnLst>
+      <p:par>
+        <p:cTn id="1" dur="indefinite" restart="never" nodeType="tmRoot">
+          <p:childTnLst>
+            <p:seq concurrent="1" nextAc="seek">
+              <p:cTn id="2" dur="indefinite" nodeType="mainSeq">
+                <p:childTnLst>
+                  <p:par>
+                    <p:cTn id="3" fill="hold">
+                      <p:stCondLst>
+                        <p:cond delay="indefinite"/>
+                      </p:stCondLst>
+                      <p:childTnLst>
+                        <p:par>
+                          <p:cTn id="4" fill="hold">
+                            <p:stCondLst>
+                              <p:cond delay="0"/>
+                            </p:stCondLst>
+                            <p:childTnLst>
+                              <p:par>
+                                <p:cTn id="5" presetID="1" presetClass="entr" presetSubtype="0" fill="hold" grpId="0" nodeType="clickEffect">
+                                  <p:stCondLst>
+                                    <p:cond delay="0"/>
+                                  </p:stCondLst>
+                                  <p:childTnLst>
+                                    <p:set>
+                                      <p:cBhvr>
+                                        <p:cTn id="6" dur="1" fill="hold">
+                                          <p:stCondLst>
+                                            <p:cond delay="0"/>
+                                          </p:stCondLst>
+                                        </p:cTn>
+                                        <p:tgtEl>
+                                          <p:spTgt spid="3">
+                                            <p:txEl>
+                                              <p:pRg st="0" end="0"/>
+                                            </p:txEl>
+                                          </p:spTgt>
+                                        </p:tgtEl>
+                                        <p:attrNameLst>
+                                          <p:attrName>style.visibility</p:attrName>
+                                        </p:attrNameLst>
+                                      </p:cBhvr>
+                                      <p:to>
+                                        <p:strVal val="visible"/>
+                                      </p:to>
+                                    </p:set>
+                                  </p:childTnLst>
+                                </p:cTn>
+                              </p:par>
+                              <p:par>
+                                <p:cTn id="7" presetID="1" presetClass="entr" presetSubtype="0" fill="hold" grpId="0" nodeType="withEffect">
+                                  <p:stCondLst>
+                                    <p:cond delay="0"/>
+                                  </p:stCondLst>
+                                  <p:childTnLst>
+                                    <p:set>
+                                      <p:cBhvr>
+                                        <p:cTn id="8" dur="1" fill="hold">
+                                          <p:stCondLst>
+                                            <p:cond delay="0"/>
+                                          </p:stCondLst>
+                                        </p:cTn>
+                                        <p:tgtEl>
+                                          <p:spTgt spid="3">
+                                            <p:txEl>
+                                              <p:pRg st="1" end="1"/>
+                                            </p:txEl>
+                                          </p:spTgt>
+                                        </p:tgtEl>
+                                        <p:attrNameLst>
+                                          <p:attrName>style.visibility</p:attrName>
+                                        </p:attrNameLst>
+                                      </p:cBhvr>
+                                      <p:to>
+                                        <p:strVal val="visible"/>
+                                      </p:to>
+                                    </p:set>
+                                  </p:childTnLst>
+                                </p:cTn>
+                              </p:par>
+                            </p:childTnLst>
+                          </p:cTn>
+                        </p:par>
+                      </p:childTnLst>
+                    </p:cTn>
+                  </p:par>
+                  <p:par>
+                    <p:cTn id="9" fill="hold">
+                      <p:stCondLst>
+                        <p:cond delay="indefinite"/>
+                      </p:stCondLst>
+                      <p:childTnLst>
+                        <p:par>
+                          <p:cTn id="10" fill="hold">
+                            <p:stCondLst>
+                              <p:cond delay="0"/>
+                            </p:stCondLst>
+                            <p:childTnLst>
+                              <p:par>
+                                <p:cTn id="11" presetID="1" presetClass="entr" presetSubtype="0" fill="hold" grpId="0" nodeType="clickEffect">
+                                  <p:stCondLst>
+                                    <p:cond delay="0"/>
+                                  </p:stCondLst>
+                                  <p:childTnLst>
+                                    <p:set>
+                                      <p:cBhvr>
+                                        <p:cTn id="12" dur="1" fill="hold">
+                                          <p:stCondLst>
+                                            <p:cond delay="0"/>
+                                          </p:stCondLst>
+                                        </p:cTn>
+                                        <p:tgtEl>
+                                          <p:spTgt spid="3">
+                                            <p:txEl>
+                                              <p:pRg st="2" end="2"/>
+                                            </p:txEl>
+                                          </p:spTgt>
+                                        </p:tgtEl>
+                                        <p:attrNameLst>
+                                          <p:attrName>style.visibility</p:attrName>
+                                        </p:attrNameLst>
+                                      </p:cBhvr>
+                                      <p:to>
+                                        <p:strVal val="visible"/>
+                                      </p:to>
+                                    </p:set>
+                                  </p:childTnLst>
+                                </p:cTn>
+                              </p:par>
+                            </p:childTnLst>
+                          </p:cTn>
+                        </p:par>
+                      </p:childTnLst>
+                    </p:cTn>
+                  </p:par>
+                  <p:par>
+                    <p:cTn id="13" fill="hold">
+                      <p:stCondLst>
+                        <p:cond delay="indefinite"/>
+                      </p:stCondLst>
+                      <p:childTnLst>
+                        <p:par>
+                          <p:cTn id="14" fill="hold">
+                            <p:stCondLst>
+                              <p:cond delay="0"/>
+                            </p:stCondLst>
+                            <p:childTnLst>
+                              <p:par>
+                                <p:cTn id="15" presetID="1" presetClass="entr" presetSubtype="0" fill="hold" grpId="0" nodeType="clickEffect">
+                                  <p:stCondLst>
+                                    <p:cond delay="0"/>
+                                  </p:stCondLst>
+                                  <p:childTnLst>
+                                    <p:set>
+                                      <p:cBhvr>
+                                        <p:cTn id="16" dur="1" fill="hold">
+                                          <p:stCondLst>
+                                            <p:cond delay="0"/>
+                                          </p:stCondLst>
+                                        </p:cTn>
+                                        <p:tgtEl>
+                                          <p:spTgt spid="3">
+                                            <p:txEl>
+                                              <p:pRg st="3" end="3"/>
+                                            </p:txEl>
+                                          </p:spTgt>
+                                        </p:tgtEl>
+                                        <p:attrNameLst>
+                                          <p:attrName>style.visibility</p:attrName>
+                                        </p:attrNameLst>
+                                      </p:cBhvr>
+                                      <p:to>
+                                        <p:strVal val="visible"/>
+                                      </p:to>
+                                    </p:set>
+                                  </p:childTnLst>
+                                </p:cTn>
+                              </p:par>
+                            </p:childTnLst>
+                          </p:cTn>
+                        </p:par>
+                      </p:childTnLst>
+                    </p:cTn>
+                  </p:par>
+                  <p:par>
+                    <p:cTn id="17" fill="hold">
+                      <p:stCondLst>
+                        <p:cond delay="indefinite"/>
+                      </p:stCondLst>
+                      <p:childTnLst>
+                        <p:par>
+                          <p:cTn id="18" fill="hold">
+                            <p:stCondLst>
+                              <p:cond delay="0"/>
+                            </p:stCondLst>
+                            <p:childTnLst>
+                              <p:par>
+                                <p:cTn id="19" presetID="1" presetClass="entr" presetSubtype="0" fill="hold" grpId="0" nodeType="clickEffect">
+                                  <p:stCondLst>
+                                    <p:cond delay="0"/>
+                                  </p:stCondLst>
+                                  <p:childTnLst>
+                                    <p:set>
+                                      <p:cBhvr>
+                                        <p:cTn id="20" dur="1" fill="hold">
+                                          <p:stCondLst>
+                                            <p:cond delay="0"/>
+                                          </p:stCondLst>
+                                        </p:cTn>
+                                        <p:tgtEl>
+                                          <p:spTgt spid="3">
+                                            <p:txEl>
+                                              <p:pRg st="4" end="4"/>
+                                            </p:txEl>
+                                          </p:spTgt>
+                                        </p:tgtEl>
+                                        <p:attrNameLst>
+                                          <p:attrName>style.visibility</p:attrName>
+                                        </p:attrNameLst>
+                                      </p:cBhvr>
+                                      <p:to>
+                                        <p:strVal val="visible"/>
+                                      </p:to>
+                                    </p:set>
+                                  </p:childTnLst>
+                                </p:cTn>
+                              </p:par>
+                            </p:childTnLst>
+                          </p:cTn>
+                        </p:par>
+                      </p:childTnLst>
+                    </p:cTn>
+                  </p:par>
+                  <p:par>
+                    <p:cTn id="21" fill="hold">
+                      <p:stCondLst>
+                        <p:cond delay="indefinite"/>
+                      </p:stCondLst>
+                      <p:childTnLst>
+                        <p:par>
+                          <p:cTn id="22" fill="hold">
+                            <p:stCondLst>
+                              <p:cond delay="0"/>
+                            </p:stCondLst>
+                            <p:childTnLst>
+                              <p:par>
+                                <p:cTn id="23" presetID="1" presetClass="entr" presetSubtype="0" fill="hold" grpId="0" nodeType="clickEffect">
+                                  <p:stCondLst>
+                                    <p:cond delay="0"/>
+                                  </p:stCondLst>
+                                  <p:childTnLst>
+                                    <p:set>
+                                      <p:cBhvr>
+                                        <p:cTn id="24" dur="1" fill="hold">
+                                          <p:stCondLst>
+                                            <p:cond delay="0"/>
+                                          </p:stCondLst>
+                                        </p:cTn>
+                                        <p:tgtEl>
+                                          <p:spTgt spid="3">
+                                            <p:txEl>
+                                              <p:pRg st="5" end="5"/>
+                                            </p:txEl>
+                                          </p:spTgt>
+                                        </p:tgtEl>
+                                        <p:attrNameLst>
+                                          <p:attrName>style.visibility</p:attrName>
+                                        </p:attrNameLst>
+                                      </p:cBhvr>
+                                      <p:to>
+                                        <p:strVal val="visible"/>
+                                      </p:to>
+                                    </p:set>
+                                  </p:childTnLst>
+                                </p:cTn>
+                              </p:par>
+                            </p:childTnLst>
+                          </p:cTn>
+                        </p:par>
+                      </p:childTnLst>
+                    </p:cTn>
+                  </p:par>
+                </p:childTnLst>
+              </p:cTn>
+              <p:prevCondLst>
+                <p:cond evt="onPrev" delay="0">
+                  <p:tgtEl>
+                    <p:sldTgt/>
+                  </p:tgtEl>
+                </p:cond>
+              </p:prevCondLst>
+              <p:nextCondLst>
+                <p:cond evt="onNext" delay="0">
+                  <p:tgtEl>
+                    <p:sldTgt/>
+                  </p:tgtEl>
+                </p:cond>
+              </p:nextCondLst>
+            </p:seq>
+          </p:childTnLst>
+        </p:cTn>
+      </p:par>
+    </p:tnLst>
+    <p:bldLst>
+      <p:bldP spid="3" grpId="0" build="p"/>
+    </p:bldLst>
+  </p:timing>
 </p:sld>
 </file>
 
@@ -3614,13 +4389,14 @@
           <a:p>
             <a:r>
               <a:rPr lang="en-US" dirty="0"/>
-              <a:t>You are going to need it!</a:t>
-            </a:r>
-          </a:p>
-          <a:p>
+              <a:t>Tempting to write some extra code because you think you will need it later on. </a:t>
+            </a:r>
+          </a:p>
+          <a:p>
+            <a:pPr lvl="1"/>
             <a:r>
               <a:rPr lang="en-US" dirty="0"/>
-              <a:t>It’s tempting to write some extra code because you think you will need it later on. </a:t>
+              <a:t>This can happen when design simplicity is not followed.</a:t>
             </a:r>
           </a:p>
           <a:p>
@@ -3634,7 +4410,14 @@
             <a:pPr lvl="1"/>
             <a:r>
               <a:rPr lang="en-US" dirty="0"/>
-              <a:t>Unused code does not get updated. It can introduce bugs and security vulnerabilities that didn’t have to be there in the first place.</a:t>
+              <a:t>Unused code does not get updated. </a:t>
+            </a:r>
+          </a:p>
+          <a:p>
+            <a:pPr lvl="1"/>
+            <a:r>
+              <a:rPr lang="en-US" dirty="0"/>
+              <a:t>It can introduce bugs and security vulnerabilities that didn’t have to be there in the first place.</a:t>
             </a:r>
           </a:p>
           <a:p>
@@ -3662,6 +4445,304 @@
   <p:clrMapOvr>
     <a:masterClrMapping/>
   </p:clrMapOvr>
+  <mc:AlternateContent xmlns:mc="http://schemas.openxmlformats.org/markup-compatibility/2006">
+    <mc:Choice xmlns:p14="http://schemas.microsoft.com/office/powerpoint/2010/main" Requires="p14">
+      <p:transition spd="med" p14:dur="700">
+        <p:fade/>
+      </p:transition>
+    </mc:Choice>
+    <mc:Fallback>
+      <p:transition spd="med">
+        <p:fade/>
+      </p:transition>
+    </mc:Fallback>
+  </mc:AlternateContent>
+  <p:timing>
+    <p:tnLst>
+      <p:par>
+        <p:cTn id="1" dur="indefinite" restart="never" nodeType="tmRoot">
+          <p:childTnLst>
+            <p:seq concurrent="1" nextAc="seek">
+              <p:cTn id="2" dur="indefinite" nodeType="mainSeq">
+                <p:childTnLst>
+                  <p:par>
+                    <p:cTn id="3" fill="hold">
+                      <p:stCondLst>
+                        <p:cond delay="indefinite"/>
+                      </p:stCondLst>
+                      <p:childTnLst>
+                        <p:par>
+                          <p:cTn id="4" fill="hold">
+                            <p:stCondLst>
+                              <p:cond delay="0"/>
+                            </p:stCondLst>
+                            <p:childTnLst>
+                              <p:par>
+                                <p:cTn id="5" presetID="1" presetClass="entr" presetSubtype="0" fill="hold" grpId="0" nodeType="clickEffect">
+                                  <p:stCondLst>
+                                    <p:cond delay="0"/>
+                                  </p:stCondLst>
+                                  <p:childTnLst>
+                                    <p:set>
+                                      <p:cBhvr>
+                                        <p:cTn id="6" dur="1" fill="hold">
+                                          <p:stCondLst>
+                                            <p:cond delay="0"/>
+                                          </p:stCondLst>
+                                        </p:cTn>
+                                        <p:tgtEl>
+                                          <p:spTgt spid="3">
+                                            <p:txEl>
+                                              <p:pRg st="0" end="0"/>
+                                            </p:txEl>
+                                          </p:spTgt>
+                                        </p:tgtEl>
+                                        <p:attrNameLst>
+                                          <p:attrName>style.visibility</p:attrName>
+                                        </p:attrNameLst>
+                                      </p:cBhvr>
+                                      <p:to>
+                                        <p:strVal val="visible"/>
+                                      </p:to>
+                                    </p:set>
+                                  </p:childTnLst>
+                                </p:cTn>
+                              </p:par>
+                              <p:par>
+                                <p:cTn id="7" presetID="1" presetClass="entr" presetSubtype="0" fill="hold" grpId="0" nodeType="withEffect">
+                                  <p:stCondLst>
+                                    <p:cond delay="0"/>
+                                  </p:stCondLst>
+                                  <p:childTnLst>
+                                    <p:set>
+                                      <p:cBhvr>
+                                        <p:cTn id="8" dur="1" fill="hold">
+                                          <p:stCondLst>
+                                            <p:cond delay="0"/>
+                                          </p:stCondLst>
+                                        </p:cTn>
+                                        <p:tgtEl>
+                                          <p:spTgt spid="3">
+                                            <p:txEl>
+                                              <p:pRg st="1" end="1"/>
+                                            </p:txEl>
+                                          </p:spTgt>
+                                        </p:tgtEl>
+                                        <p:attrNameLst>
+                                          <p:attrName>style.visibility</p:attrName>
+                                        </p:attrNameLst>
+                                      </p:cBhvr>
+                                      <p:to>
+                                        <p:strVal val="visible"/>
+                                      </p:to>
+                                    </p:set>
+                                  </p:childTnLst>
+                                </p:cTn>
+                              </p:par>
+                              <p:par>
+                                <p:cTn id="9" presetID="1" presetClass="entr" presetSubtype="0" fill="hold" grpId="0" nodeType="withEffect">
+                                  <p:stCondLst>
+                                    <p:cond delay="0"/>
+                                  </p:stCondLst>
+                                  <p:childTnLst>
+                                    <p:set>
+                                      <p:cBhvr>
+                                        <p:cTn id="10" dur="1" fill="hold">
+                                          <p:stCondLst>
+                                            <p:cond delay="0"/>
+                                          </p:stCondLst>
+                                        </p:cTn>
+                                        <p:tgtEl>
+                                          <p:spTgt spid="3">
+                                            <p:txEl>
+                                              <p:pRg st="2" end="2"/>
+                                            </p:txEl>
+                                          </p:spTgt>
+                                        </p:tgtEl>
+                                        <p:attrNameLst>
+                                          <p:attrName>style.visibility</p:attrName>
+                                        </p:attrNameLst>
+                                      </p:cBhvr>
+                                      <p:to>
+                                        <p:strVal val="visible"/>
+                                      </p:to>
+                                    </p:set>
+                                  </p:childTnLst>
+                                </p:cTn>
+                              </p:par>
+                              <p:par>
+                                <p:cTn id="11" presetID="1" presetClass="entr" presetSubtype="0" fill="hold" grpId="0" nodeType="withEffect">
+                                  <p:stCondLst>
+                                    <p:cond delay="0"/>
+                                  </p:stCondLst>
+                                  <p:childTnLst>
+                                    <p:set>
+                                      <p:cBhvr>
+                                        <p:cTn id="12" dur="1" fill="hold">
+                                          <p:stCondLst>
+                                            <p:cond delay="0"/>
+                                          </p:stCondLst>
+                                        </p:cTn>
+                                        <p:tgtEl>
+                                          <p:spTgt spid="3">
+                                            <p:txEl>
+                                              <p:pRg st="3" end="3"/>
+                                            </p:txEl>
+                                          </p:spTgt>
+                                        </p:tgtEl>
+                                        <p:attrNameLst>
+                                          <p:attrName>style.visibility</p:attrName>
+                                        </p:attrNameLst>
+                                      </p:cBhvr>
+                                      <p:to>
+                                        <p:strVal val="visible"/>
+                                      </p:to>
+                                    </p:set>
+                                  </p:childTnLst>
+                                </p:cTn>
+                              </p:par>
+                              <p:par>
+                                <p:cTn id="13" presetID="1" presetClass="entr" presetSubtype="0" fill="hold" grpId="0" nodeType="withEffect">
+                                  <p:stCondLst>
+                                    <p:cond delay="0"/>
+                                  </p:stCondLst>
+                                  <p:childTnLst>
+                                    <p:set>
+                                      <p:cBhvr>
+                                        <p:cTn id="14" dur="1" fill="hold">
+                                          <p:stCondLst>
+                                            <p:cond delay="0"/>
+                                          </p:stCondLst>
+                                        </p:cTn>
+                                        <p:tgtEl>
+                                          <p:spTgt spid="3">
+                                            <p:txEl>
+                                              <p:pRg st="4" end="4"/>
+                                            </p:txEl>
+                                          </p:spTgt>
+                                        </p:tgtEl>
+                                        <p:attrNameLst>
+                                          <p:attrName>style.visibility</p:attrName>
+                                        </p:attrNameLst>
+                                      </p:cBhvr>
+                                      <p:to>
+                                        <p:strVal val="visible"/>
+                                      </p:to>
+                                    </p:set>
+                                  </p:childTnLst>
+                                </p:cTn>
+                              </p:par>
+                            </p:childTnLst>
+                          </p:cTn>
+                        </p:par>
+                      </p:childTnLst>
+                    </p:cTn>
+                  </p:par>
+                  <p:par>
+                    <p:cTn id="15" fill="hold">
+                      <p:stCondLst>
+                        <p:cond delay="indefinite"/>
+                      </p:stCondLst>
+                      <p:childTnLst>
+                        <p:par>
+                          <p:cTn id="16" fill="hold">
+                            <p:stCondLst>
+                              <p:cond delay="0"/>
+                            </p:stCondLst>
+                            <p:childTnLst>
+                              <p:par>
+                                <p:cTn id="17" presetID="1" presetClass="entr" presetSubtype="0" fill="hold" grpId="0" nodeType="clickEffect">
+                                  <p:stCondLst>
+                                    <p:cond delay="0"/>
+                                  </p:stCondLst>
+                                  <p:childTnLst>
+                                    <p:set>
+                                      <p:cBhvr>
+                                        <p:cTn id="18" dur="1" fill="hold">
+                                          <p:stCondLst>
+                                            <p:cond delay="0"/>
+                                          </p:stCondLst>
+                                        </p:cTn>
+                                        <p:tgtEl>
+                                          <p:spTgt spid="3">
+                                            <p:txEl>
+                                              <p:pRg st="5" end="5"/>
+                                            </p:txEl>
+                                          </p:spTgt>
+                                        </p:tgtEl>
+                                        <p:attrNameLst>
+                                          <p:attrName>style.visibility</p:attrName>
+                                        </p:attrNameLst>
+                                      </p:cBhvr>
+                                      <p:to>
+                                        <p:strVal val="visible"/>
+                                      </p:to>
+                                    </p:set>
+                                  </p:childTnLst>
+                                </p:cTn>
+                              </p:par>
+                              <p:par>
+                                <p:cTn id="19" presetID="1" presetClass="entr" presetSubtype="0" fill="hold" grpId="0" nodeType="withEffect">
+                                  <p:stCondLst>
+                                    <p:cond delay="0"/>
+                                  </p:stCondLst>
+                                  <p:childTnLst>
+                                    <p:set>
+                                      <p:cBhvr>
+                                        <p:cTn id="20" dur="1" fill="hold">
+                                          <p:stCondLst>
+                                            <p:cond delay="0"/>
+                                          </p:stCondLst>
+                                        </p:cTn>
+                                        <p:tgtEl>
+                                          <p:spTgt spid="3">
+                                            <p:txEl>
+                                              <p:pRg st="6" end="6"/>
+                                            </p:txEl>
+                                          </p:spTgt>
+                                        </p:tgtEl>
+                                        <p:attrNameLst>
+                                          <p:attrName>style.visibility</p:attrName>
+                                        </p:attrNameLst>
+                                      </p:cBhvr>
+                                      <p:to>
+                                        <p:strVal val="visible"/>
+                                      </p:to>
+                                    </p:set>
+                                  </p:childTnLst>
+                                </p:cTn>
+                              </p:par>
+                            </p:childTnLst>
+                          </p:cTn>
+                        </p:par>
+                      </p:childTnLst>
+                    </p:cTn>
+                  </p:par>
+                </p:childTnLst>
+              </p:cTn>
+              <p:prevCondLst>
+                <p:cond evt="onPrev" delay="0">
+                  <p:tgtEl>
+                    <p:sldTgt/>
+                  </p:tgtEl>
+                </p:cond>
+              </p:prevCondLst>
+              <p:nextCondLst>
+                <p:cond evt="onNext" delay="0">
+                  <p:tgtEl>
+                    <p:sldTgt/>
+                  </p:tgtEl>
+                </p:cond>
+              </p:nextCondLst>
+            </p:seq>
+          </p:childTnLst>
+        </p:cTn>
+      </p:par>
+    </p:tnLst>
+    <p:bldLst>
+      <p:bldP spid="3" grpId="0" build="p"/>
+    </p:bldLst>
+  </p:timing>
 </p:sld>
 </file>
 
@@ -3779,8 +4860,12 @@
           </a:p>
           <a:p>
             <a:r>
+              <a:rPr lang="en-US" i="1" dirty="0"/>
+              <a:t>Keep it stupid simple</a:t>
+            </a:r>
+            <a:r>
               <a:rPr lang="en-US" dirty="0"/>
-              <a:t>Keep it stupid simple (the new KISS)		</a:t>
+              <a:t> (the new KISS)		</a:t>
             </a:r>
           </a:p>
           <a:p>
@@ -3798,6 +4883,389 @@
   <p:clrMapOvr>
     <a:masterClrMapping/>
   </p:clrMapOvr>
+  <mc:AlternateContent xmlns:mc="http://schemas.openxmlformats.org/markup-compatibility/2006">
+    <mc:Choice xmlns:p14="http://schemas.microsoft.com/office/powerpoint/2010/main" Requires="p14">
+      <p:transition spd="med" p14:dur="700">
+        <p:fade/>
+      </p:transition>
+    </mc:Choice>
+    <mc:Fallback>
+      <p:transition spd="med">
+        <p:fade/>
+      </p:transition>
+    </mc:Fallback>
+  </mc:AlternateContent>
+  <p:timing>
+    <p:tnLst>
+      <p:par>
+        <p:cTn id="1" dur="indefinite" restart="never" nodeType="tmRoot">
+          <p:childTnLst>
+            <p:seq concurrent="1" nextAc="seek">
+              <p:cTn id="2" dur="indefinite" nodeType="mainSeq">
+                <p:childTnLst>
+                  <p:par>
+                    <p:cTn id="3" fill="hold">
+                      <p:stCondLst>
+                        <p:cond delay="indefinite"/>
+                      </p:stCondLst>
+                      <p:childTnLst>
+                        <p:par>
+                          <p:cTn id="4" fill="hold">
+                            <p:stCondLst>
+                              <p:cond delay="0"/>
+                            </p:stCondLst>
+                            <p:childTnLst>
+                              <p:par>
+                                <p:cTn id="5" presetID="1" presetClass="entr" presetSubtype="0" fill="hold" grpId="0" nodeType="clickEffect">
+                                  <p:stCondLst>
+                                    <p:cond delay="0"/>
+                                  </p:stCondLst>
+                                  <p:childTnLst>
+                                    <p:set>
+                                      <p:cBhvr>
+                                        <p:cTn id="6" dur="1" fill="hold">
+                                          <p:stCondLst>
+                                            <p:cond delay="0"/>
+                                          </p:stCondLst>
+                                        </p:cTn>
+                                        <p:tgtEl>
+                                          <p:spTgt spid="3">
+                                            <p:txEl>
+                                              <p:pRg st="0" end="0"/>
+                                            </p:txEl>
+                                          </p:spTgt>
+                                        </p:tgtEl>
+                                        <p:attrNameLst>
+                                          <p:attrName>style.visibility</p:attrName>
+                                        </p:attrNameLst>
+                                      </p:cBhvr>
+                                      <p:to>
+                                        <p:strVal val="visible"/>
+                                      </p:to>
+                                    </p:set>
+                                  </p:childTnLst>
+                                </p:cTn>
+                              </p:par>
+                              <p:par>
+                                <p:cTn id="7" presetID="1" presetClass="entr" presetSubtype="0" fill="hold" grpId="0" nodeType="withEffect">
+                                  <p:stCondLst>
+                                    <p:cond delay="0"/>
+                                  </p:stCondLst>
+                                  <p:childTnLst>
+                                    <p:set>
+                                      <p:cBhvr>
+                                        <p:cTn id="8" dur="1" fill="hold">
+                                          <p:stCondLst>
+                                            <p:cond delay="0"/>
+                                          </p:stCondLst>
+                                        </p:cTn>
+                                        <p:tgtEl>
+                                          <p:spTgt spid="3">
+                                            <p:txEl>
+                                              <p:pRg st="1" end="1"/>
+                                            </p:txEl>
+                                          </p:spTgt>
+                                        </p:tgtEl>
+                                        <p:attrNameLst>
+                                          <p:attrName>style.visibility</p:attrName>
+                                        </p:attrNameLst>
+                                      </p:cBhvr>
+                                      <p:to>
+                                        <p:strVal val="visible"/>
+                                      </p:to>
+                                    </p:set>
+                                  </p:childTnLst>
+                                </p:cTn>
+                              </p:par>
+                              <p:par>
+                                <p:cTn id="9" presetID="1" presetClass="entr" presetSubtype="0" fill="hold" grpId="0" nodeType="withEffect">
+                                  <p:stCondLst>
+                                    <p:cond delay="0"/>
+                                  </p:stCondLst>
+                                  <p:childTnLst>
+                                    <p:set>
+                                      <p:cBhvr>
+                                        <p:cTn id="10" dur="1" fill="hold">
+                                          <p:stCondLst>
+                                            <p:cond delay="0"/>
+                                          </p:stCondLst>
+                                        </p:cTn>
+                                        <p:tgtEl>
+                                          <p:spTgt spid="3">
+                                            <p:txEl>
+                                              <p:pRg st="2" end="2"/>
+                                            </p:txEl>
+                                          </p:spTgt>
+                                        </p:tgtEl>
+                                        <p:attrNameLst>
+                                          <p:attrName>style.visibility</p:attrName>
+                                        </p:attrNameLst>
+                                      </p:cBhvr>
+                                      <p:to>
+                                        <p:strVal val="visible"/>
+                                      </p:to>
+                                    </p:set>
+                                  </p:childTnLst>
+                                </p:cTn>
+                              </p:par>
+                            </p:childTnLst>
+                          </p:cTn>
+                        </p:par>
+                      </p:childTnLst>
+                    </p:cTn>
+                  </p:par>
+                  <p:par>
+                    <p:cTn id="11" fill="hold">
+                      <p:stCondLst>
+                        <p:cond delay="indefinite"/>
+                      </p:stCondLst>
+                      <p:childTnLst>
+                        <p:par>
+                          <p:cTn id="12" fill="hold">
+                            <p:stCondLst>
+                              <p:cond delay="0"/>
+                            </p:stCondLst>
+                            <p:childTnLst>
+                              <p:par>
+                                <p:cTn id="13" presetID="1" presetClass="entr" presetSubtype="0" fill="hold" grpId="0" nodeType="clickEffect">
+                                  <p:stCondLst>
+                                    <p:cond delay="0"/>
+                                  </p:stCondLst>
+                                  <p:childTnLst>
+                                    <p:set>
+                                      <p:cBhvr>
+                                        <p:cTn id="14" dur="1" fill="hold">
+                                          <p:stCondLst>
+                                            <p:cond delay="0"/>
+                                          </p:stCondLst>
+                                        </p:cTn>
+                                        <p:tgtEl>
+                                          <p:spTgt spid="3">
+                                            <p:txEl>
+                                              <p:pRg st="3" end="3"/>
+                                            </p:txEl>
+                                          </p:spTgt>
+                                        </p:tgtEl>
+                                        <p:attrNameLst>
+                                          <p:attrName>style.visibility</p:attrName>
+                                        </p:attrNameLst>
+                                      </p:cBhvr>
+                                      <p:to>
+                                        <p:strVal val="visible"/>
+                                      </p:to>
+                                    </p:set>
+                                  </p:childTnLst>
+                                </p:cTn>
+                              </p:par>
+                            </p:childTnLst>
+                          </p:cTn>
+                        </p:par>
+                      </p:childTnLst>
+                    </p:cTn>
+                  </p:par>
+                  <p:par>
+                    <p:cTn id="15" fill="hold">
+                      <p:stCondLst>
+                        <p:cond delay="indefinite"/>
+                      </p:stCondLst>
+                      <p:childTnLst>
+                        <p:par>
+                          <p:cTn id="16" fill="hold">
+                            <p:stCondLst>
+                              <p:cond delay="0"/>
+                            </p:stCondLst>
+                            <p:childTnLst>
+                              <p:par>
+                                <p:cTn id="17" presetID="1" presetClass="entr" presetSubtype="0" fill="hold" grpId="0" nodeType="clickEffect">
+                                  <p:stCondLst>
+                                    <p:cond delay="0"/>
+                                  </p:stCondLst>
+                                  <p:childTnLst>
+                                    <p:set>
+                                      <p:cBhvr>
+                                        <p:cTn id="18" dur="1" fill="hold">
+                                          <p:stCondLst>
+                                            <p:cond delay="0"/>
+                                          </p:stCondLst>
+                                        </p:cTn>
+                                        <p:tgtEl>
+                                          <p:spTgt spid="3">
+                                            <p:txEl>
+                                              <p:pRg st="4" end="4"/>
+                                            </p:txEl>
+                                          </p:spTgt>
+                                        </p:tgtEl>
+                                        <p:attrNameLst>
+                                          <p:attrName>style.visibility</p:attrName>
+                                        </p:attrNameLst>
+                                      </p:cBhvr>
+                                      <p:to>
+                                        <p:strVal val="visible"/>
+                                      </p:to>
+                                    </p:set>
+                                  </p:childTnLst>
+                                </p:cTn>
+                              </p:par>
+                            </p:childTnLst>
+                          </p:cTn>
+                        </p:par>
+                      </p:childTnLst>
+                    </p:cTn>
+                  </p:par>
+                  <p:par>
+                    <p:cTn id="19" fill="hold">
+                      <p:stCondLst>
+                        <p:cond delay="indefinite"/>
+                      </p:stCondLst>
+                      <p:childTnLst>
+                        <p:par>
+                          <p:cTn id="20" fill="hold">
+                            <p:stCondLst>
+                              <p:cond delay="0"/>
+                            </p:stCondLst>
+                            <p:childTnLst>
+                              <p:par>
+                                <p:cTn id="21" presetID="1" presetClass="entr" presetSubtype="0" fill="hold" grpId="0" nodeType="clickEffect">
+                                  <p:stCondLst>
+                                    <p:cond delay="0"/>
+                                  </p:stCondLst>
+                                  <p:childTnLst>
+                                    <p:set>
+                                      <p:cBhvr>
+                                        <p:cTn id="22" dur="1" fill="hold">
+                                          <p:stCondLst>
+                                            <p:cond delay="0"/>
+                                          </p:stCondLst>
+                                        </p:cTn>
+                                        <p:tgtEl>
+                                          <p:spTgt spid="3">
+                                            <p:txEl>
+                                              <p:pRg st="5" end="5"/>
+                                            </p:txEl>
+                                          </p:spTgt>
+                                        </p:tgtEl>
+                                        <p:attrNameLst>
+                                          <p:attrName>style.visibility</p:attrName>
+                                        </p:attrNameLst>
+                                      </p:cBhvr>
+                                      <p:to>
+                                        <p:strVal val="visible"/>
+                                      </p:to>
+                                    </p:set>
+                                  </p:childTnLst>
+                                </p:cTn>
+                              </p:par>
+                              <p:par>
+                                <p:cTn id="23" presetID="1" presetClass="entr" presetSubtype="0" fill="hold" grpId="0" nodeType="withEffect">
+                                  <p:stCondLst>
+                                    <p:cond delay="0"/>
+                                  </p:stCondLst>
+                                  <p:childTnLst>
+                                    <p:set>
+                                      <p:cBhvr>
+                                        <p:cTn id="24" dur="1" fill="hold">
+                                          <p:stCondLst>
+                                            <p:cond delay="0"/>
+                                          </p:stCondLst>
+                                        </p:cTn>
+                                        <p:tgtEl>
+                                          <p:spTgt spid="3">
+                                            <p:txEl>
+                                              <p:pRg st="6" end="6"/>
+                                            </p:txEl>
+                                          </p:spTgt>
+                                        </p:tgtEl>
+                                        <p:attrNameLst>
+                                          <p:attrName>style.visibility</p:attrName>
+                                        </p:attrNameLst>
+                                      </p:cBhvr>
+                                      <p:to>
+                                        <p:strVal val="visible"/>
+                                      </p:to>
+                                    </p:set>
+                                  </p:childTnLst>
+                                </p:cTn>
+                              </p:par>
+                            </p:childTnLst>
+                          </p:cTn>
+                        </p:par>
+                      </p:childTnLst>
+                    </p:cTn>
+                  </p:par>
+                  <p:par>
+                    <p:cTn id="25" fill="hold">
+                      <p:stCondLst>
+                        <p:cond delay="indefinite"/>
+                      </p:stCondLst>
+                      <p:childTnLst>
+                        <p:par>
+                          <p:cTn id="26" fill="hold">
+                            <p:stCondLst>
+                              <p:cond delay="0"/>
+                            </p:stCondLst>
+                            <p:childTnLst>
+                              <p:par>
+                                <p:cTn id="27" presetID="1" presetClass="entr" presetSubtype="0" fill="hold" grpId="0" nodeType="clickEffect">
+                                  <p:stCondLst>
+                                    <p:cond delay="0"/>
+                                  </p:stCondLst>
+                                  <p:childTnLst>
+                                    <p:set>
+                                      <p:cBhvr>
+                                        <p:cTn id="28" dur="1" fill="hold">
+                                          <p:stCondLst>
+                                            <p:cond delay="0"/>
+                                          </p:stCondLst>
+                                        </p:cTn>
+                                        <p:tgtEl>
+                                          <p:spTgt spid="3">
+                                            <p:txEl>
+                                              <p:pRg st="7" end="7"/>
+                                            </p:txEl>
+                                          </p:spTgt>
+                                        </p:tgtEl>
+                                        <p:attrNameLst>
+                                          <p:attrName>style.visibility</p:attrName>
+                                        </p:attrNameLst>
+                                      </p:cBhvr>
+                                      <p:to>
+                                        <p:strVal val="visible"/>
+                                      </p:to>
+                                    </p:set>
+                                  </p:childTnLst>
+                                </p:cTn>
+                              </p:par>
+                            </p:childTnLst>
+                          </p:cTn>
+                        </p:par>
+                      </p:childTnLst>
+                    </p:cTn>
+                  </p:par>
+                </p:childTnLst>
+              </p:cTn>
+              <p:prevCondLst>
+                <p:cond evt="onPrev" delay="0">
+                  <p:tgtEl>
+                    <p:sldTgt/>
+                  </p:tgtEl>
+                </p:cond>
+              </p:prevCondLst>
+              <p:nextCondLst>
+                <p:cond evt="onNext" delay="0">
+                  <p:tgtEl>
+                    <p:sldTgt/>
+                  </p:tgtEl>
+                </p:cond>
+              </p:nextCondLst>
+            </p:seq>
+          </p:childTnLst>
+        </p:cTn>
+      </p:par>
+    </p:tnLst>
+    <p:bldLst>
+      <p:bldP spid="3" grpId="0" build="p"/>
+    </p:bldLst>
+  </p:timing>
 </p:sld>
 </file>
 
@@ -3841,7 +5309,7 @@
           <a:p>
             <a:r>
               <a:rPr lang="en-US" b="1" dirty="0"/>
-              <a:t>Unit tests as a feedback loop</a:t>
+              <a:t>Unit testing as a feedback loop</a:t>
             </a:r>
           </a:p>
         </p:txBody>
@@ -3875,37 +5343,39 @@
           <a:p>
             <a:r>
               <a:rPr lang="en-US" dirty="0"/>
-              <a:t>- Unit testing is a feedback loop that occurs within seconds. </a:t>
+              <a:t>Unit testing is a feedback loop that occurs within seconds. </a:t>
             </a:r>
           </a:p>
           <a:p>
             <a:r>
               <a:rPr lang="en-US" dirty="0"/>
-              <a:t>- Quick execution of a unit test provides us with information.</a:t>
+              <a:t>Quick execution of a unit test provides us with information.</a:t>
             </a:r>
           </a:p>
           <a:p>
             <a:r>
               <a:rPr lang="en-US" dirty="0"/>
-              <a:t>- Constant testing will catch regression errors.</a:t>
+              <a:t>Constant testing can catch regression errors.</a:t>
             </a:r>
           </a:p>
           <a:p>
             <a:r>
               <a:rPr lang="en-US" dirty="0"/>
-              <a:t>- Test-driven development gives us feedback on...</a:t>
-            </a:r>
-          </a:p>
-          <a:p>
+              <a:t>Test-driven development gives us feedback on...</a:t>
+            </a:r>
+          </a:p>
+          <a:p>
+            <a:pPr lvl="1"/>
             <a:r>
               <a:rPr lang="en-US" dirty="0"/>
-              <a:t>- Quality of the implementation (does it work)</a:t>
-            </a:r>
-          </a:p>
-          <a:p>
+              <a:t>Quality of the implementation (does it work)</a:t>
+            </a:r>
+          </a:p>
+          <a:p>
+            <a:pPr lvl="1"/>
             <a:r>
               <a:rPr lang="en-US" dirty="0"/>
-              <a:t>- Quality of the code design (is it well structured)</a:t>
+              <a:t>Quality of the code design (is it well structured)</a:t>
             </a:r>
           </a:p>
           <a:p>
@@ -3923,6 +5393,358 @@
   <p:clrMapOvr>
     <a:masterClrMapping/>
   </p:clrMapOvr>
+  <mc:AlternateContent xmlns:mc="http://schemas.openxmlformats.org/markup-compatibility/2006">
+    <mc:Choice xmlns:p14="http://schemas.microsoft.com/office/powerpoint/2010/main" Requires="p14">
+      <p:transition spd="med" p14:dur="700">
+        <p:fade/>
+      </p:transition>
+    </mc:Choice>
+    <mc:Fallback>
+      <p:transition spd="med">
+        <p:fade/>
+      </p:transition>
+    </mc:Fallback>
+  </mc:AlternateContent>
+  <p:timing>
+    <p:tnLst>
+      <p:par>
+        <p:cTn id="1" dur="indefinite" restart="never" nodeType="tmRoot">
+          <p:childTnLst>
+            <p:seq concurrent="1" nextAc="seek">
+              <p:cTn id="2" dur="indefinite" nodeType="mainSeq">
+                <p:childTnLst>
+                  <p:par>
+                    <p:cTn id="3" fill="hold">
+                      <p:stCondLst>
+                        <p:cond delay="indefinite"/>
+                      </p:stCondLst>
+                      <p:childTnLst>
+                        <p:par>
+                          <p:cTn id="4" fill="hold">
+                            <p:stCondLst>
+                              <p:cond delay="0"/>
+                            </p:stCondLst>
+                            <p:childTnLst>
+                              <p:par>
+                                <p:cTn id="5" presetID="1" presetClass="entr" presetSubtype="0" fill="hold" grpId="0" nodeType="clickEffect">
+                                  <p:stCondLst>
+                                    <p:cond delay="0"/>
+                                  </p:stCondLst>
+                                  <p:childTnLst>
+                                    <p:set>
+                                      <p:cBhvr>
+                                        <p:cTn id="6" dur="1" fill="hold">
+                                          <p:stCondLst>
+                                            <p:cond delay="0"/>
+                                          </p:stCondLst>
+                                        </p:cTn>
+                                        <p:tgtEl>
+                                          <p:spTgt spid="3">
+                                            <p:txEl>
+                                              <p:pRg st="0" end="0"/>
+                                            </p:txEl>
+                                          </p:spTgt>
+                                        </p:tgtEl>
+                                        <p:attrNameLst>
+                                          <p:attrName>style.visibility</p:attrName>
+                                        </p:attrNameLst>
+                                      </p:cBhvr>
+                                      <p:to>
+                                        <p:strVal val="visible"/>
+                                      </p:to>
+                                    </p:set>
+                                  </p:childTnLst>
+                                </p:cTn>
+                              </p:par>
+                            </p:childTnLst>
+                          </p:cTn>
+                        </p:par>
+                      </p:childTnLst>
+                    </p:cTn>
+                  </p:par>
+                  <p:par>
+                    <p:cTn id="7" fill="hold">
+                      <p:stCondLst>
+                        <p:cond delay="indefinite"/>
+                      </p:stCondLst>
+                      <p:childTnLst>
+                        <p:par>
+                          <p:cTn id="8" fill="hold">
+                            <p:stCondLst>
+                              <p:cond delay="0"/>
+                            </p:stCondLst>
+                            <p:childTnLst>
+                              <p:par>
+                                <p:cTn id="9" presetID="1" presetClass="entr" presetSubtype="0" fill="hold" grpId="0" nodeType="clickEffect">
+                                  <p:stCondLst>
+                                    <p:cond delay="0"/>
+                                  </p:stCondLst>
+                                  <p:childTnLst>
+                                    <p:set>
+                                      <p:cBhvr>
+                                        <p:cTn id="10" dur="1" fill="hold">
+                                          <p:stCondLst>
+                                            <p:cond delay="0"/>
+                                          </p:stCondLst>
+                                        </p:cTn>
+                                        <p:tgtEl>
+                                          <p:spTgt spid="3">
+                                            <p:txEl>
+                                              <p:pRg st="1" end="1"/>
+                                            </p:txEl>
+                                          </p:spTgt>
+                                        </p:tgtEl>
+                                        <p:attrNameLst>
+                                          <p:attrName>style.visibility</p:attrName>
+                                        </p:attrNameLst>
+                                      </p:cBhvr>
+                                      <p:to>
+                                        <p:strVal val="visible"/>
+                                      </p:to>
+                                    </p:set>
+                                  </p:childTnLst>
+                                </p:cTn>
+                              </p:par>
+                            </p:childTnLst>
+                          </p:cTn>
+                        </p:par>
+                      </p:childTnLst>
+                    </p:cTn>
+                  </p:par>
+                  <p:par>
+                    <p:cTn id="11" fill="hold">
+                      <p:stCondLst>
+                        <p:cond delay="indefinite"/>
+                      </p:stCondLst>
+                      <p:childTnLst>
+                        <p:par>
+                          <p:cTn id="12" fill="hold">
+                            <p:stCondLst>
+                              <p:cond delay="0"/>
+                            </p:stCondLst>
+                            <p:childTnLst>
+                              <p:par>
+                                <p:cTn id="13" presetID="1" presetClass="entr" presetSubtype="0" fill="hold" grpId="0" nodeType="clickEffect">
+                                  <p:stCondLst>
+                                    <p:cond delay="0"/>
+                                  </p:stCondLst>
+                                  <p:childTnLst>
+                                    <p:set>
+                                      <p:cBhvr>
+                                        <p:cTn id="14" dur="1" fill="hold">
+                                          <p:stCondLst>
+                                            <p:cond delay="0"/>
+                                          </p:stCondLst>
+                                        </p:cTn>
+                                        <p:tgtEl>
+                                          <p:spTgt spid="3">
+                                            <p:txEl>
+                                              <p:pRg st="2" end="2"/>
+                                            </p:txEl>
+                                          </p:spTgt>
+                                        </p:tgtEl>
+                                        <p:attrNameLst>
+                                          <p:attrName>style.visibility</p:attrName>
+                                        </p:attrNameLst>
+                                      </p:cBhvr>
+                                      <p:to>
+                                        <p:strVal val="visible"/>
+                                      </p:to>
+                                    </p:set>
+                                  </p:childTnLst>
+                                </p:cTn>
+                              </p:par>
+                            </p:childTnLst>
+                          </p:cTn>
+                        </p:par>
+                      </p:childTnLst>
+                    </p:cTn>
+                  </p:par>
+                  <p:par>
+                    <p:cTn id="15" fill="hold">
+                      <p:stCondLst>
+                        <p:cond delay="indefinite"/>
+                      </p:stCondLst>
+                      <p:childTnLst>
+                        <p:par>
+                          <p:cTn id="16" fill="hold">
+                            <p:stCondLst>
+                              <p:cond delay="0"/>
+                            </p:stCondLst>
+                            <p:childTnLst>
+                              <p:par>
+                                <p:cTn id="17" presetID="1" presetClass="entr" presetSubtype="0" fill="hold" grpId="0" nodeType="clickEffect">
+                                  <p:stCondLst>
+                                    <p:cond delay="0"/>
+                                  </p:stCondLst>
+                                  <p:childTnLst>
+                                    <p:set>
+                                      <p:cBhvr>
+                                        <p:cTn id="18" dur="1" fill="hold">
+                                          <p:stCondLst>
+                                            <p:cond delay="0"/>
+                                          </p:stCondLst>
+                                        </p:cTn>
+                                        <p:tgtEl>
+                                          <p:spTgt spid="3">
+                                            <p:txEl>
+                                              <p:pRg st="3" end="3"/>
+                                            </p:txEl>
+                                          </p:spTgt>
+                                        </p:tgtEl>
+                                        <p:attrNameLst>
+                                          <p:attrName>style.visibility</p:attrName>
+                                        </p:attrNameLst>
+                                      </p:cBhvr>
+                                      <p:to>
+                                        <p:strVal val="visible"/>
+                                      </p:to>
+                                    </p:set>
+                                  </p:childTnLst>
+                                </p:cTn>
+                              </p:par>
+                            </p:childTnLst>
+                          </p:cTn>
+                        </p:par>
+                      </p:childTnLst>
+                    </p:cTn>
+                  </p:par>
+                  <p:par>
+                    <p:cTn id="19" fill="hold">
+                      <p:stCondLst>
+                        <p:cond delay="indefinite"/>
+                      </p:stCondLst>
+                      <p:childTnLst>
+                        <p:par>
+                          <p:cTn id="20" fill="hold">
+                            <p:stCondLst>
+                              <p:cond delay="0"/>
+                            </p:stCondLst>
+                            <p:childTnLst>
+                              <p:par>
+                                <p:cTn id="21" presetID="1" presetClass="entr" presetSubtype="0" fill="hold" grpId="0" nodeType="clickEffect">
+                                  <p:stCondLst>
+                                    <p:cond delay="0"/>
+                                  </p:stCondLst>
+                                  <p:childTnLst>
+                                    <p:set>
+                                      <p:cBhvr>
+                                        <p:cTn id="22" dur="1" fill="hold">
+                                          <p:stCondLst>
+                                            <p:cond delay="0"/>
+                                          </p:stCondLst>
+                                        </p:cTn>
+                                        <p:tgtEl>
+                                          <p:spTgt spid="3">
+                                            <p:txEl>
+                                              <p:pRg st="4" end="4"/>
+                                            </p:txEl>
+                                          </p:spTgt>
+                                        </p:tgtEl>
+                                        <p:attrNameLst>
+                                          <p:attrName>style.visibility</p:attrName>
+                                        </p:attrNameLst>
+                                      </p:cBhvr>
+                                      <p:to>
+                                        <p:strVal val="visible"/>
+                                      </p:to>
+                                    </p:set>
+                                  </p:childTnLst>
+                                </p:cTn>
+                              </p:par>
+                              <p:par>
+                                <p:cTn id="23" presetID="1" presetClass="entr" presetSubtype="0" fill="hold" grpId="0" nodeType="withEffect">
+                                  <p:stCondLst>
+                                    <p:cond delay="0"/>
+                                  </p:stCondLst>
+                                  <p:childTnLst>
+                                    <p:set>
+                                      <p:cBhvr>
+                                        <p:cTn id="24" dur="1" fill="hold">
+                                          <p:stCondLst>
+                                            <p:cond delay="0"/>
+                                          </p:stCondLst>
+                                        </p:cTn>
+                                        <p:tgtEl>
+                                          <p:spTgt spid="3">
+                                            <p:txEl>
+                                              <p:pRg st="5" end="5"/>
+                                            </p:txEl>
+                                          </p:spTgt>
+                                        </p:tgtEl>
+                                        <p:attrNameLst>
+                                          <p:attrName>style.visibility</p:attrName>
+                                        </p:attrNameLst>
+                                      </p:cBhvr>
+                                      <p:to>
+                                        <p:strVal val="visible"/>
+                                      </p:to>
+                                    </p:set>
+                                  </p:childTnLst>
+                                </p:cTn>
+                              </p:par>
+                              <p:par>
+                                <p:cTn id="25" presetID="1" presetClass="entr" presetSubtype="0" fill="hold" grpId="0" nodeType="withEffect">
+                                  <p:stCondLst>
+                                    <p:cond delay="0"/>
+                                  </p:stCondLst>
+                                  <p:childTnLst>
+                                    <p:set>
+                                      <p:cBhvr>
+                                        <p:cTn id="26" dur="1" fill="hold">
+                                          <p:stCondLst>
+                                            <p:cond delay="0"/>
+                                          </p:stCondLst>
+                                        </p:cTn>
+                                        <p:tgtEl>
+                                          <p:spTgt spid="3">
+                                            <p:txEl>
+                                              <p:pRg st="6" end="6"/>
+                                            </p:txEl>
+                                          </p:spTgt>
+                                        </p:tgtEl>
+                                        <p:attrNameLst>
+                                          <p:attrName>style.visibility</p:attrName>
+                                        </p:attrNameLst>
+                                      </p:cBhvr>
+                                      <p:to>
+                                        <p:strVal val="visible"/>
+                                      </p:to>
+                                    </p:set>
+                                  </p:childTnLst>
+                                </p:cTn>
+                              </p:par>
+                            </p:childTnLst>
+                          </p:cTn>
+                        </p:par>
+                      </p:childTnLst>
+                    </p:cTn>
+                  </p:par>
+                </p:childTnLst>
+              </p:cTn>
+              <p:prevCondLst>
+                <p:cond evt="onPrev" delay="0">
+                  <p:tgtEl>
+                    <p:sldTgt/>
+                  </p:tgtEl>
+                </p:cond>
+              </p:prevCondLst>
+              <p:nextCondLst>
+                <p:cond evt="onNext" delay="0">
+                  <p:tgtEl>
+                    <p:sldTgt/>
+                  </p:tgtEl>
+                </p:cond>
+              </p:nextCondLst>
+            </p:seq>
+          </p:childTnLst>
+        </p:cTn>
+      </p:par>
+    </p:tnLst>
+    <p:bldLst>
+      <p:bldP spid="3" grpId="0" build="p"/>
+    </p:bldLst>
+  </p:timing>
 </p:sld>
 </file>
 
@@ -4039,6 +5861,260 @@
   <p:clrMapOvr>
     <a:masterClrMapping/>
   </p:clrMapOvr>
+  <mc:AlternateContent xmlns:mc="http://schemas.openxmlformats.org/markup-compatibility/2006">
+    <mc:Choice xmlns:p14="http://schemas.microsoft.com/office/powerpoint/2010/main" Requires="p14">
+      <p:transition spd="med" p14:dur="700">
+        <p:fade/>
+      </p:transition>
+    </mc:Choice>
+    <mc:Fallback>
+      <p:transition spd="med">
+        <p:fade/>
+      </p:transition>
+    </mc:Fallback>
+  </mc:AlternateContent>
+  <p:timing>
+    <p:tnLst>
+      <p:par>
+        <p:cTn id="1" dur="indefinite" restart="never" nodeType="tmRoot">
+          <p:childTnLst>
+            <p:seq concurrent="1" nextAc="seek">
+              <p:cTn id="2" dur="indefinite" nodeType="mainSeq">
+                <p:childTnLst>
+                  <p:par>
+                    <p:cTn id="3" fill="hold">
+                      <p:stCondLst>
+                        <p:cond delay="indefinite"/>
+                      </p:stCondLst>
+                      <p:childTnLst>
+                        <p:par>
+                          <p:cTn id="4" fill="hold">
+                            <p:stCondLst>
+                              <p:cond delay="0"/>
+                            </p:stCondLst>
+                            <p:childTnLst>
+                              <p:par>
+                                <p:cTn id="5" presetID="1" presetClass="entr" presetSubtype="0" fill="hold" grpId="0" nodeType="clickEffect">
+                                  <p:stCondLst>
+                                    <p:cond delay="0"/>
+                                  </p:stCondLst>
+                                  <p:childTnLst>
+                                    <p:set>
+                                      <p:cBhvr>
+                                        <p:cTn id="6" dur="1" fill="hold">
+                                          <p:stCondLst>
+                                            <p:cond delay="0"/>
+                                          </p:stCondLst>
+                                        </p:cTn>
+                                        <p:tgtEl>
+                                          <p:spTgt spid="3">
+                                            <p:txEl>
+                                              <p:pRg st="0" end="0"/>
+                                            </p:txEl>
+                                          </p:spTgt>
+                                        </p:tgtEl>
+                                        <p:attrNameLst>
+                                          <p:attrName>style.visibility</p:attrName>
+                                        </p:attrNameLst>
+                                      </p:cBhvr>
+                                      <p:to>
+                                        <p:strVal val="visible"/>
+                                      </p:to>
+                                    </p:set>
+                                  </p:childTnLst>
+                                </p:cTn>
+                              </p:par>
+                            </p:childTnLst>
+                          </p:cTn>
+                        </p:par>
+                      </p:childTnLst>
+                    </p:cTn>
+                  </p:par>
+                  <p:par>
+                    <p:cTn id="7" fill="hold">
+                      <p:stCondLst>
+                        <p:cond delay="indefinite"/>
+                      </p:stCondLst>
+                      <p:childTnLst>
+                        <p:par>
+                          <p:cTn id="8" fill="hold">
+                            <p:stCondLst>
+                              <p:cond delay="0"/>
+                            </p:stCondLst>
+                            <p:childTnLst>
+                              <p:par>
+                                <p:cTn id="9" presetID="1" presetClass="entr" presetSubtype="0" fill="hold" grpId="0" nodeType="clickEffect">
+                                  <p:stCondLst>
+                                    <p:cond delay="0"/>
+                                  </p:stCondLst>
+                                  <p:childTnLst>
+                                    <p:set>
+                                      <p:cBhvr>
+                                        <p:cTn id="10" dur="1" fill="hold">
+                                          <p:stCondLst>
+                                            <p:cond delay="0"/>
+                                          </p:stCondLst>
+                                        </p:cTn>
+                                        <p:tgtEl>
+                                          <p:spTgt spid="3">
+                                            <p:txEl>
+                                              <p:pRg st="1" end="1"/>
+                                            </p:txEl>
+                                          </p:spTgt>
+                                        </p:tgtEl>
+                                        <p:attrNameLst>
+                                          <p:attrName>style.visibility</p:attrName>
+                                        </p:attrNameLst>
+                                      </p:cBhvr>
+                                      <p:to>
+                                        <p:strVal val="visible"/>
+                                      </p:to>
+                                    </p:set>
+                                  </p:childTnLst>
+                                </p:cTn>
+                              </p:par>
+                              <p:par>
+                                <p:cTn id="11" presetID="1" presetClass="entr" presetSubtype="0" fill="hold" grpId="0" nodeType="withEffect">
+                                  <p:stCondLst>
+                                    <p:cond delay="0"/>
+                                  </p:stCondLst>
+                                  <p:childTnLst>
+                                    <p:set>
+                                      <p:cBhvr>
+                                        <p:cTn id="12" dur="1" fill="hold">
+                                          <p:stCondLst>
+                                            <p:cond delay="0"/>
+                                          </p:stCondLst>
+                                        </p:cTn>
+                                        <p:tgtEl>
+                                          <p:spTgt spid="3">
+                                            <p:txEl>
+                                              <p:pRg st="2" end="2"/>
+                                            </p:txEl>
+                                          </p:spTgt>
+                                        </p:tgtEl>
+                                        <p:attrNameLst>
+                                          <p:attrName>style.visibility</p:attrName>
+                                        </p:attrNameLst>
+                                      </p:cBhvr>
+                                      <p:to>
+                                        <p:strVal val="visible"/>
+                                      </p:to>
+                                    </p:set>
+                                  </p:childTnLst>
+                                </p:cTn>
+                              </p:par>
+                            </p:childTnLst>
+                          </p:cTn>
+                        </p:par>
+                      </p:childTnLst>
+                    </p:cTn>
+                  </p:par>
+                  <p:par>
+                    <p:cTn id="13" fill="hold">
+                      <p:stCondLst>
+                        <p:cond delay="indefinite"/>
+                      </p:stCondLst>
+                      <p:childTnLst>
+                        <p:par>
+                          <p:cTn id="14" fill="hold">
+                            <p:stCondLst>
+                              <p:cond delay="0"/>
+                            </p:stCondLst>
+                            <p:childTnLst>
+                              <p:par>
+                                <p:cTn id="15" presetID="1" presetClass="entr" presetSubtype="0" fill="hold" grpId="0" nodeType="clickEffect">
+                                  <p:stCondLst>
+                                    <p:cond delay="0"/>
+                                  </p:stCondLst>
+                                  <p:childTnLst>
+                                    <p:set>
+                                      <p:cBhvr>
+                                        <p:cTn id="16" dur="1" fill="hold">
+                                          <p:stCondLst>
+                                            <p:cond delay="0"/>
+                                          </p:stCondLst>
+                                        </p:cTn>
+                                        <p:tgtEl>
+                                          <p:spTgt spid="3">
+                                            <p:txEl>
+                                              <p:pRg st="3" end="3"/>
+                                            </p:txEl>
+                                          </p:spTgt>
+                                        </p:tgtEl>
+                                        <p:attrNameLst>
+                                          <p:attrName>style.visibility</p:attrName>
+                                        </p:attrNameLst>
+                                      </p:cBhvr>
+                                      <p:to>
+                                        <p:strVal val="visible"/>
+                                      </p:to>
+                                    </p:set>
+                                  </p:childTnLst>
+                                </p:cTn>
+                              </p:par>
+                              <p:par>
+                                <p:cTn id="17" presetID="1" presetClass="entr" presetSubtype="0" fill="hold" grpId="0" nodeType="withEffect">
+                                  <p:stCondLst>
+                                    <p:cond delay="0"/>
+                                  </p:stCondLst>
+                                  <p:childTnLst>
+                                    <p:set>
+                                      <p:cBhvr>
+                                        <p:cTn id="18" dur="1" fill="hold">
+                                          <p:stCondLst>
+                                            <p:cond delay="0"/>
+                                          </p:stCondLst>
+                                        </p:cTn>
+                                        <p:tgtEl>
+                                          <p:spTgt spid="3">
+                                            <p:txEl>
+                                              <p:pRg st="4" end="4"/>
+                                            </p:txEl>
+                                          </p:spTgt>
+                                        </p:tgtEl>
+                                        <p:attrNameLst>
+                                          <p:attrName>style.visibility</p:attrName>
+                                        </p:attrNameLst>
+                                      </p:cBhvr>
+                                      <p:to>
+                                        <p:strVal val="visible"/>
+                                      </p:to>
+                                    </p:set>
+                                  </p:childTnLst>
+                                </p:cTn>
+                              </p:par>
+                            </p:childTnLst>
+                          </p:cTn>
+                        </p:par>
+                      </p:childTnLst>
+                    </p:cTn>
+                  </p:par>
+                </p:childTnLst>
+              </p:cTn>
+              <p:prevCondLst>
+                <p:cond evt="onPrev" delay="0">
+                  <p:tgtEl>
+                    <p:sldTgt/>
+                  </p:tgtEl>
+                </p:cond>
+              </p:prevCondLst>
+              <p:nextCondLst>
+                <p:cond evt="onNext" delay="0">
+                  <p:tgtEl>
+                    <p:sldTgt/>
+                  </p:tgtEl>
+                </p:cond>
+              </p:nextCondLst>
+            </p:seq>
+          </p:childTnLst>
+        </p:cTn>
+      </p:par>
+    </p:tnLst>
+    <p:bldLst>
+      <p:bldP spid="3" grpId="0" build="p"/>
+    </p:bldLst>
+  </p:timing>
 </p:sld>
 </file>
 
@@ -4147,6 +6223,229 @@
   <p:clrMapOvr>
     <a:masterClrMapping/>
   </p:clrMapOvr>
+  <mc:AlternateContent xmlns:mc="http://schemas.openxmlformats.org/markup-compatibility/2006">
+    <mc:Choice xmlns:p14="http://schemas.microsoft.com/office/powerpoint/2010/main" Requires="p14">
+      <p:transition spd="med" p14:dur="700">
+        <p:fade/>
+      </p:transition>
+    </mc:Choice>
+    <mc:Fallback>
+      <p:transition spd="med">
+        <p:fade/>
+      </p:transition>
+    </mc:Fallback>
+  </mc:AlternateContent>
+  <p:timing>
+    <p:tnLst>
+      <p:par>
+        <p:cTn id="1" dur="indefinite" restart="never" nodeType="tmRoot">
+          <p:childTnLst>
+            <p:seq concurrent="1" nextAc="seek">
+              <p:cTn id="2" dur="indefinite" nodeType="mainSeq">
+                <p:childTnLst>
+                  <p:par>
+                    <p:cTn id="3" fill="hold">
+                      <p:stCondLst>
+                        <p:cond delay="indefinite"/>
+                      </p:stCondLst>
+                      <p:childTnLst>
+                        <p:par>
+                          <p:cTn id="4" fill="hold">
+                            <p:stCondLst>
+                              <p:cond delay="0"/>
+                            </p:stCondLst>
+                            <p:childTnLst>
+                              <p:par>
+                                <p:cTn id="5" presetID="1" presetClass="entr" presetSubtype="0" fill="hold" grpId="0" nodeType="clickEffect">
+                                  <p:stCondLst>
+                                    <p:cond delay="0"/>
+                                  </p:stCondLst>
+                                  <p:childTnLst>
+                                    <p:set>
+                                      <p:cBhvr>
+                                        <p:cTn id="6" dur="1" fill="hold">
+                                          <p:stCondLst>
+                                            <p:cond delay="0"/>
+                                          </p:stCondLst>
+                                        </p:cTn>
+                                        <p:tgtEl>
+                                          <p:spTgt spid="3">
+                                            <p:txEl>
+                                              <p:pRg st="0" end="0"/>
+                                            </p:txEl>
+                                          </p:spTgt>
+                                        </p:tgtEl>
+                                        <p:attrNameLst>
+                                          <p:attrName>style.visibility</p:attrName>
+                                        </p:attrNameLst>
+                                      </p:cBhvr>
+                                      <p:to>
+                                        <p:strVal val="visible"/>
+                                      </p:to>
+                                    </p:set>
+                                  </p:childTnLst>
+                                </p:cTn>
+                              </p:par>
+                            </p:childTnLst>
+                          </p:cTn>
+                        </p:par>
+                      </p:childTnLst>
+                    </p:cTn>
+                  </p:par>
+                  <p:par>
+                    <p:cTn id="7" fill="hold">
+                      <p:stCondLst>
+                        <p:cond delay="indefinite"/>
+                      </p:stCondLst>
+                      <p:childTnLst>
+                        <p:par>
+                          <p:cTn id="8" fill="hold">
+                            <p:stCondLst>
+                              <p:cond delay="0"/>
+                            </p:stCondLst>
+                            <p:childTnLst>
+                              <p:par>
+                                <p:cTn id="9" presetID="1" presetClass="entr" presetSubtype="0" fill="hold" grpId="0" nodeType="clickEffect">
+                                  <p:stCondLst>
+                                    <p:cond delay="0"/>
+                                  </p:stCondLst>
+                                  <p:childTnLst>
+                                    <p:set>
+                                      <p:cBhvr>
+                                        <p:cTn id="10" dur="1" fill="hold">
+                                          <p:stCondLst>
+                                            <p:cond delay="0"/>
+                                          </p:stCondLst>
+                                        </p:cTn>
+                                        <p:tgtEl>
+                                          <p:spTgt spid="3">
+                                            <p:txEl>
+                                              <p:pRg st="1" end="1"/>
+                                            </p:txEl>
+                                          </p:spTgt>
+                                        </p:tgtEl>
+                                        <p:attrNameLst>
+                                          <p:attrName>style.visibility</p:attrName>
+                                        </p:attrNameLst>
+                                      </p:cBhvr>
+                                      <p:to>
+                                        <p:strVal val="visible"/>
+                                      </p:to>
+                                    </p:set>
+                                  </p:childTnLst>
+                                </p:cTn>
+                              </p:par>
+                              <p:par>
+                                <p:cTn id="11" presetID="1" presetClass="entr" presetSubtype="0" fill="hold" grpId="0" nodeType="withEffect">
+                                  <p:stCondLst>
+                                    <p:cond delay="0"/>
+                                  </p:stCondLst>
+                                  <p:childTnLst>
+                                    <p:set>
+                                      <p:cBhvr>
+                                        <p:cTn id="12" dur="1" fill="hold">
+                                          <p:stCondLst>
+                                            <p:cond delay="0"/>
+                                          </p:stCondLst>
+                                        </p:cTn>
+                                        <p:tgtEl>
+                                          <p:spTgt spid="3">
+                                            <p:txEl>
+                                              <p:pRg st="2" end="2"/>
+                                            </p:txEl>
+                                          </p:spTgt>
+                                        </p:tgtEl>
+                                        <p:attrNameLst>
+                                          <p:attrName>style.visibility</p:attrName>
+                                        </p:attrNameLst>
+                                      </p:cBhvr>
+                                      <p:to>
+                                        <p:strVal val="visible"/>
+                                      </p:to>
+                                    </p:set>
+                                  </p:childTnLst>
+                                </p:cTn>
+                              </p:par>
+                            </p:childTnLst>
+                          </p:cTn>
+                        </p:par>
+                      </p:childTnLst>
+                    </p:cTn>
+                  </p:par>
+                  <p:par>
+                    <p:cTn id="13" fill="hold">
+                      <p:stCondLst>
+                        <p:cond delay="indefinite"/>
+                      </p:stCondLst>
+                      <p:childTnLst>
+                        <p:par>
+                          <p:cTn id="14" fill="hold">
+                            <p:stCondLst>
+                              <p:cond delay="0"/>
+                            </p:stCondLst>
+                            <p:childTnLst>
+                              <p:par>
+                                <p:cTn id="15" presetID="1" presetClass="entr" presetSubtype="0" fill="hold" grpId="0" nodeType="clickEffect">
+                                  <p:stCondLst>
+                                    <p:cond delay="0"/>
+                                  </p:stCondLst>
+                                  <p:childTnLst>
+                                    <p:set>
+                                      <p:cBhvr>
+                                        <p:cTn id="16" dur="1" fill="hold">
+                                          <p:stCondLst>
+                                            <p:cond delay="0"/>
+                                          </p:stCondLst>
+                                        </p:cTn>
+                                        <p:tgtEl>
+                                          <p:spTgt spid="3">
+                                            <p:txEl>
+                                              <p:pRg st="3" end="3"/>
+                                            </p:txEl>
+                                          </p:spTgt>
+                                        </p:tgtEl>
+                                        <p:attrNameLst>
+                                          <p:attrName>style.visibility</p:attrName>
+                                        </p:attrNameLst>
+                                      </p:cBhvr>
+                                      <p:to>
+                                        <p:strVal val="visible"/>
+                                      </p:to>
+                                    </p:set>
+                                  </p:childTnLst>
+                                </p:cTn>
+                              </p:par>
+                            </p:childTnLst>
+                          </p:cTn>
+                        </p:par>
+                      </p:childTnLst>
+                    </p:cTn>
+                  </p:par>
+                </p:childTnLst>
+              </p:cTn>
+              <p:prevCondLst>
+                <p:cond evt="onPrev" delay="0">
+                  <p:tgtEl>
+                    <p:sldTgt/>
+                  </p:tgtEl>
+                </p:cond>
+              </p:prevCondLst>
+              <p:nextCondLst>
+                <p:cond evt="onNext" delay="0">
+                  <p:tgtEl>
+                    <p:sldTgt/>
+                  </p:tgtEl>
+                </p:cond>
+              </p:nextCondLst>
+            </p:seq>
+          </p:childTnLst>
+        </p:cTn>
+      </p:par>
+    </p:tnLst>
+    <p:bldLst>
+      <p:bldP spid="3" grpId="0" build="p"/>
+    </p:bldLst>
+  </p:timing>
 </p:sld>
 </file>
 
@@ -4226,7 +6525,14 @@
           <a:p>
             <a:r>
               <a:rPr lang="en-US" dirty="0"/>
-              <a:t>Loose coupling – the ability to update parts of a system in isolation – is an effective method for increasing developer agility and system stability. </a:t>
+              <a:t>Loose coupling</a:t>
+            </a:r>
+          </a:p>
+          <a:p>
+            <a:pPr lvl="1"/>
+            <a:r>
+              <a:rPr lang="en-US" dirty="0"/>
+              <a:t>Ability to update parts of a system in isolation is an effective method for increasing developer agility and system stability. </a:t>
             </a:r>
           </a:p>
         </p:txBody>
@@ -4241,6 +6547,180 @@
   <p:clrMapOvr>
     <a:masterClrMapping/>
   </p:clrMapOvr>
+  <mc:AlternateContent xmlns:mc="http://schemas.openxmlformats.org/markup-compatibility/2006">
+    <mc:Choice xmlns:p14="http://schemas.microsoft.com/office/powerpoint/2010/main" Requires="p14">
+      <p:transition spd="med" p14:dur="700">
+        <p:fade/>
+      </p:transition>
+    </mc:Choice>
+    <mc:Fallback>
+      <p:transition spd="med">
+        <p:fade/>
+      </p:transition>
+    </mc:Fallback>
+  </mc:AlternateContent>
+  <p:timing>
+    <p:tnLst>
+      <p:par>
+        <p:cTn id="1" dur="indefinite" restart="never" nodeType="tmRoot">
+          <p:childTnLst>
+            <p:seq concurrent="1" nextAc="seek">
+              <p:cTn id="2" dur="indefinite" nodeType="mainSeq">
+                <p:childTnLst>
+                  <p:par>
+                    <p:cTn id="3" fill="hold">
+                      <p:stCondLst>
+                        <p:cond delay="indefinite"/>
+                      </p:stCondLst>
+                      <p:childTnLst>
+                        <p:par>
+                          <p:cTn id="4" fill="hold">
+                            <p:stCondLst>
+                              <p:cond delay="0"/>
+                            </p:stCondLst>
+                            <p:childTnLst>
+                              <p:par>
+                                <p:cTn id="5" presetID="1" presetClass="entr" presetSubtype="0" fill="hold" grpId="0" nodeType="clickEffect">
+                                  <p:stCondLst>
+                                    <p:cond delay="0"/>
+                                  </p:stCondLst>
+                                  <p:childTnLst>
+                                    <p:set>
+                                      <p:cBhvr>
+                                        <p:cTn id="6" dur="1" fill="hold">
+                                          <p:stCondLst>
+                                            <p:cond delay="0"/>
+                                          </p:stCondLst>
+                                        </p:cTn>
+                                        <p:tgtEl>
+                                          <p:spTgt spid="3">
+                                            <p:txEl>
+                                              <p:pRg st="0" end="0"/>
+                                            </p:txEl>
+                                          </p:spTgt>
+                                        </p:tgtEl>
+                                        <p:attrNameLst>
+                                          <p:attrName>style.visibility</p:attrName>
+                                        </p:attrNameLst>
+                                      </p:cBhvr>
+                                      <p:to>
+                                        <p:strVal val="visible"/>
+                                      </p:to>
+                                    </p:set>
+                                  </p:childTnLst>
+                                </p:cTn>
+                              </p:par>
+                            </p:childTnLst>
+                          </p:cTn>
+                        </p:par>
+                      </p:childTnLst>
+                    </p:cTn>
+                  </p:par>
+                  <p:par>
+                    <p:cTn id="7" fill="hold">
+                      <p:stCondLst>
+                        <p:cond delay="indefinite"/>
+                      </p:stCondLst>
+                      <p:childTnLst>
+                        <p:par>
+                          <p:cTn id="8" fill="hold">
+                            <p:stCondLst>
+                              <p:cond delay="0"/>
+                            </p:stCondLst>
+                            <p:childTnLst>
+                              <p:par>
+                                <p:cTn id="9" presetID="1" presetClass="entr" presetSubtype="0" fill="hold" grpId="0" nodeType="clickEffect">
+                                  <p:stCondLst>
+                                    <p:cond delay="0"/>
+                                  </p:stCondLst>
+                                  <p:childTnLst>
+                                    <p:set>
+                                      <p:cBhvr>
+                                        <p:cTn id="10" dur="1" fill="hold">
+                                          <p:stCondLst>
+                                            <p:cond delay="0"/>
+                                          </p:stCondLst>
+                                        </p:cTn>
+                                        <p:tgtEl>
+                                          <p:spTgt spid="3">
+                                            <p:txEl>
+                                              <p:pRg st="1" end="1"/>
+                                            </p:txEl>
+                                          </p:spTgt>
+                                        </p:tgtEl>
+                                        <p:attrNameLst>
+                                          <p:attrName>style.visibility</p:attrName>
+                                        </p:attrNameLst>
+                                      </p:cBhvr>
+                                      <p:to>
+                                        <p:strVal val="visible"/>
+                                      </p:to>
+                                    </p:set>
+                                  </p:childTnLst>
+                                </p:cTn>
+                              </p:par>
+                              <p:par>
+                                <p:cTn id="11" presetID="1" presetClass="entr" presetSubtype="0" fill="hold" grpId="0" nodeType="withEffect">
+                                  <p:stCondLst>
+                                    <p:cond delay="0"/>
+                                  </p:stCondLst>
+                                  <p:childTnLst>
+                                    <p:set>
+                                      <p:cBhvr>
+                                        <p:cTn id="12" dur="1" fill="hold">
+                                          <p:stCondLst>
+                                            <p:cond delay="0"/>
+                                          </p:stCondLst>
+                                        </p:cTn>
+                                        <p:tgtEl>
+                                          <p:spTgt spid="3">
+                                            <p:txEl>
+                                              <p:pRg st="2" end="2"/>
+                                            </p:txEl>
+                                          </p:spTgt>
+                                        </p:tgtEl>
+                                        <p:attrNameLst>
+                                          <p:attrName>style.visibility</p:attrName>
+                                        </p:attrNameLst>
+                                      </p:cBhvr>
+                                      <p:to>
+                                        <p:strVal val="visible"/>
+                                      </p:to>
+                                    </p:set>
+                                  </p:childTnLst>
+                                </p:cTn>
+                              </p:par>
+                            </p:childTnLst>
+                          </p:cTn>
+                        </p:par>
+                      </p:childTnLst>
+                    </p:cTn>
+                  </p:par>
+                </p:childTnLst>
+              </p:cTn>
+              <p:prevCondLst>
+                <p:cond evt="onPrev" delay="0">
+                  <p:tgtEl>
+                    <p:sldTgt/>
+                  </p:tgtEl>
+                </p:cond>
+              </p:prevCondLst>
+              <p:nextCondLst>
+                <p:cond evt="onNext" delay="0">
+                  <p:tgtEl>
+                    <p:sldTgt/>
+                  </p:tgtEl>
+                </p:cond>
+              </p:nextCondLst>
+            </p:seq>
+          </p:childTnLst>
+        </p:cTn>
+      </p:par>
+    </p:tnLst>
+    <p:bldLst>
+      <p:bldP spid="3" grpId="0" build="p"/>
+    </p:bldLst>
+  </p:timing>
 </p:sld>
 </file>
 
@@ -4339,7 +6819,14 @@
           <a:p>
             <a:r>
               <a:rPr lang="en-US" dirty="0"/>
-              <a:t>Software is continuously evolving--work continuously to improve it. </a:t>
+              <a:t>Software is continuously evolving.</a:t>
+            </a:r>
+          </a:p>
+          <a:p>
+            <a:pPr lvl="1"/>
+            <a:r>
+              <a:rPr lang="en-US" dirty="0"/>
+              <a:t>Work to continuously improve it. </a:t>
             </a:r>
           </a:p>
           <a:p>
@@ -4373,124 +6860,393 @@
   <p:clrMapOvr>
     <a:masterClrMapping/>
   </p:clrMapOvr>
+  <mc:AlternateContent xmlns:mc="http://schemas.openxmlformats.org/markup-compatibility/2006">
+    <mc:Choice xmlns:p14="http://schemas.microsoft.com/office/powerpoint/2010/main" Requires="p14">
+      <p:transition spd="med" p14:dur="700">
+        <p:fade/>
+      </p:transition>
+    </mc:Choice>
+    <mc:Fallback>
+      <p:transition spd="med">
+        <p:fade/>
+      </p:transition>
+    </mc:Fallback>
+  </mc:AlternateContent>
+  <p:timing>
+    <p:tnLst>
+      <p:par>
+        <p:cTn id="1" dur="indefinite" restart="never" nodeType="tmRoot">
+          <p:childTnLst>
+            <p:seq concurrent="1" nextAc="seek">
+              <p:cTn id="2" dur="indefinite" nodeType="mainSeq">
+                <p:childTnLst>
+                  <p:par>
+                    <p:cTn id="3" fill="hold">
+                      <p:stCondLst>
+                        <p:cond delay="indefinite"/>
+                      </p:stCondLst>
+                      <p:childTnLst>
+                        <p:par>
+                          <p:cTn id="4" fill="hold">
+                            <p:stCondLst>
+                              <p:cond delay="0"/>
+                            </p:stCondLst>
+                            <p:childTnLst>
+                              <p:par>
+                                <p:cTn id="5" presetID="1" presetClass="entr" presetSubtype="0" fill="hold" grpId="0" nodeType="clickEffect">
+                                  <p:stCondLst>
+                                    <p:cond delay="0"/>
+                                  </p:stCondLst>
+                                  <p:childTnLst>
+                                    <p:set>
+                                      <p:cBhvr>
+                                        <p:cTn id="6" dur="1" fill="hold">
+                                          <p:stCondLst>
+                                            <p:cond delay="0"/>
+                                          </p:stCondLst>
+                                        </p:cTn>
+                                        <p:tgtEl>
+                                          <p:spTgt spid="3">
+                                            <p:txEl>
+                                              <p:pRg st="0" end="0"/>
+                                            </p:txEl>
+                                          </p:spTgt>
+                                        </p:tgtEl>
+                                        <p:attrNameLst>
+                                          <p:attrName>style.visibility</p:attrName>
+                                        </p:attrNameLst>
+                                      </p:cBhvr>
+                                      <p:to>
+                                        <p:strVal val="visible"/>
+                                      </p:to>
+                                    </p:set>
+                                  </p:childTnLst>
+                                </p:cTn>
+                              </p:par>
+                            </p:childTnLst>
+                          </p:cTn>
+                        </p:par>
+                      </p:childTnLst>
+                    </p:cTn>
+                  </p:par>
+                  <p:par>
+                    <p:cTn id="7" fill="hold">
+                      <p:stCondLst>
+                        <p:cond delay="indefinite"/>
+                      </p:stCondLst>
+                      <p:childTnLst>
+                        <p:par>
+                          <p:cTn id="8" fill="hold">
+                            <p:stCondLst>
+                              <p:cond delay="0"/>
+                            </p:stCondLst>
+                            <p:childTnLst>
+                              <p:par>
+                                <p:cTn id="9" presetID="1" presetClass="entr" presetSubtype="0" fill="hold" grpId="0" nodeType="clickEffect">
+                                  <p:stCondLst>
+                                    <p:cond delay="0"/>
+                                  </p:stCondLst>
+                                  <p:childTnLst>
+                                    <p:set>
+                                      <p:cBhvr>
+                                        <p:cTn id="10" dur="1" fill="hold">
+                                          <p:stCondLst>
+                                            <p:cond delay="0"/>
+                                          </p:stCondLst>
+                                        </p:cTn>
+                                        <p:tgtEl>
+                                          <p:spTgt spid="3">
+                                            <p:txEl>
+                                              <p:pRg st="1" end="1"/>
+                                            </p:txEl>
+                                          </p:spTgt>
+                                        </p:tgtEl>
+                                        <p:attrNameLst>
+                                          <p:attrName>style.visibility</p:attrName>
+                                        </p:attrNameLst>
+                                      </p:cBhvr>
+                                      <p:to>
+                                        <p:strVal val="visible"/>
+                                      </p:to>
+                                    </p:set>
+                                  </p:childTnLst>
+                                </p:cTn>
+                              </p:par>
+                              <p:par>
+                                <p:cTn id="11" presetID="1" presetClass="entr" presetSubtype="0" fill="hold" grpId="0" nodeType="withEffect">
+                                  <p:stCondLst>
+                                    <p:cond delay="0"/>
+                                  </p:stCondLst>
+                                  <p:childTnLst>
+                                    <p:set>
+                                      <p:cBhvr>
+                                        <p:cTn id="12" dur="1" fill="hold">
+                                          <p:stCondLst>
+                                            <p:cond delay="0"/>
+                                          </p:stCondLst>
+                                        </p:cTn>
+                                        <p:tgtEl>
+                                          <p:spTgt spid="3">
+                                            <p:txEl>
+                                              <p:pRg st="2" end="2"/>
+                                            </p:txEl>
+                                          </p:spTgt>
+                                        </p:tgtEl>
+                                        <p:attrNameLst>
+                                          <p:attrName>style.visibility</p:attrName>
+                                        </p:attrNameLst>
+                                      </p:cBhvr>
+                                      <p:to>
+                                        <p:strVal val="visible"/>
+                                      </p:to>
+                                    </p:set>
+                                  </p:childTnLst>
+                                </p:cTn>
+                              </p:par>
+                            </p:childTnLst>
+                          </p:cTn>
+                        </p:par>
+                      </p:childTnLst>
+                    </p:cTn>
+                  </p:par>
+                  <p:par>
+                    <p:cTn id="13" fill="hold">
+                      <p:stCondLst>
+                        <p:cond delay="indefinite"/>
+                      </p:stCondLst>
+                      <p:childTnLst>
+                        <p:par>
+                          <p:cTn id="14" fill="hold">
+                            <p:stCondLst>
+                              <p:cond delay="0"/>
+                            </p:stCondLst>
+                            <p:childTnLst>
+                              <p:par>
+                                <p:cTn id="15" presetID="1" presetClass="entr" presetSubtype="0" fill="hold" grpId="0" nodeType="clickEffect">
+                                  <p:stCondLst>
+                                    <p:cond delay="0"/>
+                                  </p:stCondLst>
+                                  <p:childTnLst>
+                                    <p:set>
+                                      <p:cBhvr>
+                                        <p:cTn id="16" dur="1" fill="hold">
+                                          <p:stCondLst>
+                                            <p:cond delay="0"/>
+                                          </p:stCondLst>
+                                        </p:cTn>
+                                        <p:tgtEl>
+                                          <p:spTgt spid="3">
+                                            <p:txEl>
+                                              <p:pRg st="3" end="3"/>
+                                            </p:txEl>
+                                          </p:spTgt>
+                                        </p:tgtEl>
+                                        <p:attrNameLst>
+                                          <p:attrName>style.visibility</p:attrName>
+                                        </p:attrNameLst>
+                                      </p:cBhvr>
+                                      <p:to>
+                                        <p:strVal val="visible"/>
+                                      </p:to>
+                                    </p:set>
+                                  </p:childTnLst>
+                                </p:cTn>
+                              </p:par>
+                              <p:par>
+                                <p:cTn id="17" presetID="1" presetClass="entr" presetSubtype="0" fill="hold" grpId="0" nodeType="withEffect">
+                                  <p:stCondLst>
+                                    <p:cond delay="0"/>
+                                  </p:stCondLst>
+                                  <p:childTnLst>
+                                    <p:set>
+                                      <p:cBhvr>
+                                        <p:cTn id="18" dur="1" fill="hold">
+                                          <p:stCondLst>
+                                            <p:cond delay="0"/>
+                                          </p:stCondLst>
+                                        </p:cTn>
+                                        <p:tgtEl>
+                                          <p:spTgt spid="3">
+                                            <p:txEl>
+                                              <p:pRg st="4" end="4"/>
+                                            </p:txEl>
+                                          </p:spTgt>
+                                        </p:tgtEl>
+                                        <p:attrNameLst>
+                                          <p:attrName>style.visibility</p:attrName>
+                                        </p:attrNameLst>
+                                      </p:cBhvr>
+                                      <p:to>
+                                        <p:strVal val="visible"/>
+                                      </p:to>
+                                    </p:set>
+                                  </p:childTnLst>
+                                </p:cTn>
+                              </p:par>
+                              <p:par>
+                                <p:cTn id="19" presetID="1" presetClass="entr" presetSubtype="0" fill="hold" grpId="0" nodeType="withEffect">
+                                  <p:stCondLst>
+                                    <p:cond delay="0"/>
+                                  </p:stCondLst>
+                                  <p:childTnLst>
+                                    <p:set>
+                                      <p:cBhvr>
+                                        <p:cTn id="20" dur="1" fill="hold">
+                                          <p:stCondLst>
+                                            <p:cond delay="0"/>
+                                          </p:stCondLst>
+                                        </p:cTn>
+                                        <p:tgtEl>
+                                          <p:spTgt spid="3">
+                                            <p:txEl>
+                                              <p:pRg st="5" end="5"/>
+                                            </p:txEl>
+                                          </p:spTgt>
+                                        </p:tgtEl>
+                                        <p:attrNameLst>
+                                          <p:attrName>style.visibility</p:attrName>
+                                        </p:attrNameLst>
+                                      </p:cBhvr>
+                                      <p:to>
+                                        <p:strVal val="visible"/>
+                                      </p:to>
+                                    </p:set>
+                                  </p:childTnLst>
+                                </p:cTn>
+                              </p:par>
+                            </p:childTnLst>
+                          </p:cTn>
+                        </p:par>
+                      </p:childTnLst>
+                    </p:cTn>
+                  </p:par>
+                  <p:par>
+                    <p:cTn id="21" fill="hold">
+                      <p:stCondLst>
+                        <p:cond delay="indefinite"/>
+                      </p:stCondLst>
+                      <p:childTnLst>
+                        <p:par>
+                          <p:cTn id="22" fill="hold">
+                            <p:stCondLst>
+                              <p:cond delay="0"/>
+                            </p:stCondLst>
+                            <p:childTnLst>
+                              <p:par>
+                                <p:cTn id="23" presetID="1" presetClass="entr" presetSubtype="0" fill="hold" grpId="0" nodeType="clickEffect">
+                                  <p:stCondLst>
+                                    <p:cond delay="0"/>
+                                  </p:stCondLst>
+                                  <p:childTnLst>
+                                    <p:set>
+                                      <p:cBhvr>
+                                        <p:cTn id="24" dur="1" fill="hold">
+                                          <p:stCondLst>
+                                            <p:cond delay="0"/>
+                                          </p:stCondLst>
+                                        </p:cTn>
+                                        <p:tgtEl>
+                                          <p:spTgt spid="3">
+                                            <p:txEl>
+                                              <p:pRg st="6" end="6"/>
+                                            </p:txEl>
+                                          </p:spTgt>
+                                        </p:tgtEl>
+                                        <p:attrNameLst>
+                                          <p:attrName>style.visibility</p:attrName>
+                                        </p:attrNameLst>
+                                      </p:cBhvr>
+                                      <p:to>
+                                        <p:strVal val="visible"/>
+                                      </p:to>
+                                    </p:set>
+                                  </p:childTnLst>
+                                </p:cTn>
+                              </p:par>
+                            </p:childTnLst>
+                          </p:cTn>
+                        </p:par>
+                      </p:childTnLst>
+                    </p:cTn>
+                  </p:par>
+                  <p:par>
+                    <p:cTn id="25" fill="hold">
+                      <p:stCondLst>
+                        <p:cond delay="indefinite"/>
+                      </p:stCondLst>
+                      <p:childTnLst>
+                        <p:par>
+                          <p:cTn id="26" fill="hold">
+                            <p:stCondLst>
+                              <p:cond delay="0"/>
+                            </p:stCondLst>
+                            <p:childTnLst>
+                              <p:par>
+                                <p:cTn id="27" presetID="1" presetClass="entr" presetSubtype="0" fill="hold" grpId="0" nodeType="clickEffect">
+                                  <p:stCondLst>
+                                    <p:cond delay="0"/>
+                                  </p:stCondLst>
+                                  <p:childTnLst>
+                                    <p:set>
+                                      <p:cBhvr>
+                                        <p:cTn id="28" dur="1" fill="hold">
+                                          <p:stCondLst>
+                                            <p:cond delay="0"/>
+                                          </p:stCondLst>
+                                        </p:cTn>
+                                        <p:tgtEl>
+                                          <p:spTgt spid="3">
+                                            <p:txEl>
+                                              <p:pRg st="7" end="7"/>
+                                            </p:txEl>
+                                          </p:spTgt>
+                                        </p:tgtEl>
+                                        <p:attrNameLst>
+                                          <p:attrName>style.visibility</p:attrName>
+                                        </p:attrNameLst>
+                                      </p:cBhvr>
+                                      <p:to>
+                                        <p:strVal val="visible"/>
+                                      </p:to>
+                                    </p:set>
+                                  </p:childTnLst>
+                                </p:cTn>
+                              </p:par>
+                            </p:childTnLst>
+                          </p:cTn>
+                        </p:par>
+                      </p:childTnLst>
+                    </p:cTn>
+                  </p:par>
+                </p:childTnLst>
+              </p:cTn>
+              <p:prevCondLst>
+                <p:cond evt="onPrev" delay="0">
+                  <p:tgtEl>
+                    <p:sldTgt/>
+                  </p:tgtEl>
+                </p:cond>
+              </p:prevCondLst>
+              <p:nextCondLst>
+                <p:cond evt="onNext" delay="0">
+                  <p:tgtEl>
+                    <p:sldTgt/>
+                  </p:tgtEl>
+                </p:cond>
+              </p:nextCondLst>
+            </p:seq>
+          </p:childTnLst>
+        </p:cTn>
+      </p:par>
+    </p:tnLst>
+    <p:bldLst>
+      <p:bldP spid="3" grpId="0" build="p"/>
+    </p:bldLst>
+  </p:timing>
 </p:sld>
 </file>
 
 <file path=ppt/slides/slide18.xml><?xml version="1.0" encoding="utf-8"?>
-<p:sld xmlns:a="http://schemas.openxmlformats.org/drawingml/2006/main" xmlns:r="http://schemas.openxmlformats.org/officeDocument/2006/relationships" xmlns:p="http://schemas.openxmlformats.org/presentationml/2006/main">
-  <p:cSld>
-    <p:spTree>
-      <p:nvGrpSpPr>
-        <p:cNvPr id="1" name=""/>
-        <p:cNvGrpSpPr/>
-        <p:nvPr/>
-      </p:nvGrpSpPr>
-      <p:grpSpPr>
-        <a:xfrm>
-          <a:off x="0" y="0"/>
-          <a:ext cx="0" cy="0"/>
-          <a:chOff x="0" y="0"/>
-          <a:chExt cx="0" cy="0"/>
-        </a:xfrm>
-      </p:grpSpPr>
-      <p:sp>
-        <p:nvSpPr>
-          <p:cNvPr id="2" name="Title 1">
-            <a:extLst>
-              <a:ext uri="{FF2B5EF4-FFF2-40B4-BE49-F238E27FC236}">
-                <a16:creationId xmlns:a16="http://schemas.microsoft.com/office/drawing/2014/main" id="{DFAB8C42-BCE0-7749-A6D1-0BBED806DCD3}"/>
-              </a:ext>
-            </a:extLst>
-          </p:cNvPr>
-          <p:cNvSpPr>
-            <a:spLocks noGrp="1"/>
-          </p:cNvSpPr>
-          <p:nvPr>
-            <p:ph type="title"/>
-          </p:nvPr>
-        </p:nvSpPr>
-        <p:spPr/>
-        <p:txBody>
-          <a:bodyPr/>
-          <a:lstStyle/>
-          <a:p>
-            <a:r>
-              <a:rPr lang="en-US" b="1" dirty="0"/>
-              <a:t>Specify behaviors with tests</a:t>
-            </a:r>
-          </a:p>
-        </p:txBody>
-      </p:sp>
-      <p:sp>
-        <p:nvSpPr>
-          <p:cNvPr id="3" name="Content Placeholder 2">
-            <a:extLst>
-              <a:ext uri="{FF2B5EF4-FFF2-40B4-BE49-F238E27FC236}">
-                <a16:creationId xmlns:a16="http://schemas.microsoft.com/office/drawing/2014/main" id="{028A6067-3857-E24E-ACFD-73EB7FDE7676}"/>
-              </a:ext>
-            </a:extLst>
-          </p:cNvPr>
-          <p:cNvSpPr>
-            <a:spLocks noGrp="1"/>
-          </p:cNvSpPr>
-          <p:nvPr>
-            <p:ph idx="1"/>
-          </p:nvPr>
-        </p:nvSpPr>
-        <p:spPr/>
-        <p:txBody>
-          <a:bodyPr>
-            <a:normAutofit/>
-          </a:bodyPr>
-          <a:lstStyle/>
-          <a:p>
-            <a:r>
-              <a:rPr lang="en-US" dirty="0"/>
-              <a:t>Watch out for over-specifying behavior in your tests.</a:t>
-            </a:r>
-          </a:p>
-          <a:p>
-            <a:pPr lvl="1"/>
-            <a:r>
-              <a:rPr lang="en-US" dirty="0"/>
-              <a:t>Over-specifying behavior leads to lots of low value tests.</a:t>
-            </a:r>
-          </a:p>
-          <a:p>
-            <a:r>
-              <a:rPr lang="en-US" dirty="0"/>
-              <a:t>Strive to write the fewest tests needed to assert the behavior that you are creating. </a:t>
-            </a:r>
-          </a:p>
-          <a:p>
-            <a:r>
-              <a:rPr lang="en-US" dirty="0"/>
-              <a:t>The goal is to make each test unique and that we test only the main scenarios. </a:t>
-            </a:r>
-          </a:p>
-          <a:p>
-            <a:pPr lvl="1"/>
-            <a:r>
-              <a:rPr lang="en-US" dirty="0"/>
-              <a:t>Additional tests will be created as part of our quality engineering effort.</a:t>
-            </a:r>
-          </a:p>
-        </p:txBody>
-      </p:sp>
-    </p:spTree>
-    <p:extLst>
-      <p:ext uri="{BB962C8B-B14F-4D97-AF65-F5344CB8AC3E}">
-        <p14:creationId xmlns:p14="http://schemas.microsoft.com/office/powerpoint/2010/main" val="529994784"/>
-      </p:ext>
-    </p:extLst>
-  </p:cSld>
-  <p:clrMapOvr>
-    <a:masterClrMapping/>
-  </p:clrMapOvr>
-</p:sld>
-</file>
-
-<file path=ppt/slides/slide19.xml><?xml version="1.0" encoding="utf-8"?>
 <p:sld xmlns:a="http://schemas.openxmlformats.org/drawingml/2006/main" xmlns:r="http://schemas.openxmlformats.org/officeDocument/2006/relationships" xmlns:p="http://schemas.openxmlformats.org/presentationml/2006/main">
   <p:cSld>
     <p:spTree>
@@ -4612,7 +7368,7 @@
           <a:p>
             <a:r>
               <a:rPr lang="en-US" dirty="0"/>
-              <a:t>Easy to test alternative pathways</a:t>
+              <a:t>Easy to test exceptional scenarios</a:t>
             </a:r>
           </a:p>
         </p:txBody>
@@ -4694,7 +7450,7 @@
           <a:p>
             <a:r>
               <a:rPr lang="en-US" dirty="0"/>
-              <a:t>Difficult to test alternative pathways</a:t>
+              <a:t>More difficult to simulate exceptional scenarios</a:t>
             </a:r>
           </a:p>
         </p:txBody>
@@ -4709,6 +7465,675 @@
   <p:clrMapOvr>
     <a:masterClrMapping/>
   </p:clrMapOvr>
+  <mc:AlternateContent xmlns:mc="http://schemas.openxmlformats.org/markup-compatibility/2006">
+    <mc:Choice xmlns:p14="http://schemas.microsoft.com/office/powerpoint/2010/main" Requires="p14">
+      <p:transition spd="med" p14:dur="700">
+        <p:fade/>
+      </p:transition>
+    </mc:Choice>
+    <mc:Fallback>
+      <p:transition spd="med">
+        <p:fade/>
+      </p:transition>
+    </mc:Fallback>
+  </mc:AlternateContent>
+  <p:timing>
+    <p:tnLst>
+      <p:par>
+        <p:cTn id="1" dur="indefinite" restart="never" nodeType="tmRoot">
+          <p:childTnLst>
+            <p:seq concurrent="1" nextAc="seek">
+              <p:cTn id="2" dur="indefinite" nodeType="mainSeq">
+                <p:childTnLst>
+                  <p:par>
+                    <p:cTn id="3" fill="hold">
+                      <p:stCondLst>
+                        <p:cond delay="indefinite"/>
+                      </p:stCondLst>
+                      <p:childTnLst>
+                        <p:par>
+                          <p:cTn id="4" fill="hold">
+                            <p:stCondLst>
+                              <p:cond delay="0"/>
+                            </p:stCondLst>
+                            <p:childTnLst>
+                              <p:par>
+                                <p:cTn id="5" presetID="1" presetClass="entr" presetSubtype="0" fill="hold" grpId="0" nodeType="clickEffect">
+                                  <p:stCondLst>
+                                    <p:cond delay="0"/>
+                                  </p:stCondLst>
+                                  <p:childTnLst>
+                                    <p:set>
+                                      <p:cBhvr>
+                                        <p:cTn id="6" dur="1" fill="hold">
+                                          <p:stCondLst>
+                                            <p:cond delay="0"/>
+                                          </p:stCondLst>
+                                        </p:cTn>
+                                        <p:tgtEl>
+                                          <p:spTgt spid="5">
+                                            <p:txEl>
+                                              <p:pRg st="0" end="0"/>
+                                            </p:txEl>
+                                          </p:spTgt>
+                                        </p:tgtEl>
+                                        <p:attrNameLst>
+                                          <p:attrName>style.visibility</p:attrName>
+                                        </p:attrNameLst>
+                                      </p:cBhvr>
+                                      <p:to>
+                                        <p:strVal val="visible"/>
+                                      </p:to>
+                                    </p:set>
+                                  </p:childTnLst>
+                                </p:cTn>
+                              </p:par>
+                            </p:childTnLst>
+                          </p:cTn>
+                        </p:par>
+                      </p:childTnLst>
+                    </p:cTn>
+                  </p:par>
+                  <p:par>
+                    <p:cTn id="7" fill="hold">
+                      <p:stCondLst>
+                        <p:cond delay="indefinite"/>
+                      </p:stCondLst>
+                      <p:childTnLst>
+                        <p:par>
+                          <p:cTn id="8" fill="hold">
+                            <p:stCondLst>
+                              <p:cond delay="0"/>
+                            </p:stCondLst>
+                            <p:childTnLst>
+                              <p:par>
+                                <p:cTn id="9" presetID="1" presetClass="entr" presetSubtype="0" fill="hold" grpId="0" nodeType="clickEffect">
+                                  <p:stCondLst>
+                                    <p:cond delay="0"/>
+                                  </p:stCondLst>
+                                  <p:childTnLst>
+                                    <p:set>
+                                      <p:cBhvr>
+                                        <p:cTn id="10" dur="1" fill="hold">
+                                          <p:stCondLst>
+                                            <p:cond delay="0"/>
+                                          </p:stCondLst>
+                                        </p:cTn>
+                                        <p:tgtEl>
+                                          <p:spTgt spid="5">
+                                            <p:txEl>
+                                              <p:pRg st="1" end="1"/>
+                                            </p:txEl>
+                                          </p:spTgt>
+                                        </p:tgtEl>
+                                        <p:attrNameLst>
+                                          <p:attrName>style.visibility</p:attrName>
+                                        </p:attrNameLst>
+                                      </p:cBhvr>
+                                      <p:to>
+                                        <p:strVal val="visible"/>
+                                      </p:to>
+                                    </p:set>
+                                  </p:childTnLst>
+                                </p:cTn>
+                              </p:par>
+                            </p:childTnLst>
+                          </p:cTn>
+                        </p:par>
+                      </p:childTnLst>
+                    </p:cTn>
+                  </p:par>
+                  <p:par>
+                    <p:cTn id="11" fill="hold">
+                      <p:stCondLst>
+                        <p:cond delay="indefinite"/>
+                      </p:stCondLst>
+                      <p:childTnLst>
+                        <p:par>
+                          <p:cTn id="12" fill="hold">
+                            <p:stCondLst>
+                              <p:cond delay="0"/>
+                            </p:stCondLst>
+                            <p:childTnLst>
+                              <p:par>
+                                <p:cTn id="13" presetID="1" presetClass="entr" presetSubtype="0" fill="hold" grpId="0" nodeType="clickEffect">
+                                  <p:stCondLst>
+                                    <p:cond delay="0"/>
+                                  </p:stCondLst>
+                                  <p:childTnLst>
+                                    <p:set>
+                                      <p:cBhvr>
+                                        <p:cTn id="14" dur="1" fill="hold">
+                                          <p:stCondLst>
+                                            <p:cond delay="0"/>
+                                          </p:stCondLst>
+                                        </p:cTn>
+                                        <p:tgtEl>
+                                          <p:spTgt spid="5">
+                                            <p:txEl>
+                                              <p:pRg st="2" end="2"/>
+                                            </p:txEl>
+                                          </p:spTgt>
+                                        </p:tgtEl>
+                                        <p:attrNameLst>
+                                          <p:attrName>style.visibility</p:attrName>
+                                        </p:attrNameLst>
+                                      </p:cBhvr>
+                                      <p:to>
+                                        <p:strVal val="visible"/>
+                                      </p:to>
+                                    </p:set>
+                                  </p:childTnLst>
+                                </p:cTn>
+                              </p:par>
+                            </p:childTnLst>
+                          </p:cTn>
+                        </p:par>
+                      </p:childTnLst>
+                    </p:cTn>
+                  </p:par>
+                  <p:par>
+                    <p:cTn id="15" fill="hold">
+                      <p:stCondLst>
+                        <p:cond delay="indefinite"/>
+                      </p:stCondLst>
+                      <p:childTnLst>
+                        <p:par>
+                          <p:cTn id="16" fill="hold">
+                            <p:stCondLst>
+                              <p:cond delay="0"/>
+                            </p:stCondLst>
+                            <p:childTnLst>
+                              <p:par>
+                                <p:cTn id="17" presetID="1" presetClass="entr" presetSubtype="0" fill="hold" grpId="0" nodeType="clickEffect">
+                                  <p:stCondLst>
+                                    <p:cond delay="0"/>
+                                  </p:stCondLst>
+                                  <p:childTnLst>
+                                    <p:set>
+                                      <p:cBhvr>
+                                        <p:cTn id="18" dur="1" fill="hold">
+                                          <p:stCondLst>
+                                            <p:cond delay="0"/>
+                                          </p:stCondLst>
+                                        </p:cTn>
+                                        <p:tgtEl>
+                                          <p:spTgt spid="5">
+                                            <p:txEl>
+                                              <p:pRg st="3" end="3"/>
+                                            </p:txEl>
+                                          </p:spTgt>
+                                        </p:tgtEl>
+                                        <p:attrNameLst>
+                                          <p:attrName>style.visibility</p:attrName>
+                                        </p:attrNameLst>
+                                      </p:cBhvr>
+                                      <p:to>
+                                        <p:strVal val="visible"/>
+                                      </p:to>
+                                    </p:set>
+                                  </p:childTnLst>
+                                </p:cTn>
+                              </p:par>
+                            </p:childTnLst>
+                          </p:cTn>
+                        </p:par>
+                      </p:childTnLst>
+                    </p:cTn>
+                  </p:par>
+                  <p:par>
+                    <p:cTn id="19" fill="hold">
+                      <p:stCondLst>
+                        <p:cond delay="indefinite"/>
+                      </p:stCondLst>
+                      <p:childTnLst>
+                        <p:par>
+                          <p:cTn id="20" fill="hold">
+                            <p:stCondLst>
+                              <p:cond delay="0"/>
+                            </p:stCondLst>
+                            <p:childTnLst>
+                              <p:par>
+                                <p:cTn id="21" presetID="1" presetClass="entr" presetSubtype="0" fill="hold" grpId="0" nodeType="clickEffect">
+                                  <p:stCondLst>
+                                    <p:cond delay="0"/>
+                                  </p:stCondLst>
+                                  <p:childTnLst>
+                                    <p:set>
+                                      <p:cBhvr>
+                                        <p:cTn id="22" dur="1" fill="hold">
+                                          <p:stCondLst>
+                                            <p:cond delay="0"/>
+                                          </p:stCondLst>
+                                        </p:cTn>
+                                        <p:tgtEl>
+                                          <p:spTgt spid="5">
+                                            <p:txEl>
+                                              <p:pRg st="4" end="4"/>
+                                            </p:txEl>
+                                          </p:spTgt>
+                                        </p:tgtEl>
+                                        <p:attrNameLst>
+                                          <p:attrName>style.visibility</p:attrName>
+                                        </p:attrNameLst>
+                                      </p:cBhvr>
+                                      <p:to>
+                                        <p:strVal val="visible"/>
+                                      </p:to>
+                                    </p:set>
+                                  </p:childTnLst>
+                                </p:cTn>
+                              </p:par>
+                            </p:childTnLst>
+                          </p:cTn>
+                        </p:par>
+                      </p:childTnLst>
+                    </p:cTn>
+                  </p:par>
+                  <p:par>
+                    <p:cTn id="23" fill="hold">
+                      <p:stCondLst>
+                        <p:cond delay="indefinite"/>
+                      </p:stCondLst>
+                      <p:childTnLst>
+                        <p:par>
+                          <p:cTn id="24" fill="hold">
+                            <p:stCondLst>
+                              <p:cond delay="0"/>
+                            </p:stCondLst>
+                            <p:childTnLst>
+                              <p:par>
+                                <p:cTn id="25" presetID="1" presetClass="entr" presetSubtype="0" fill="hold" grpId="0" nodeType="clickEffect">
+                                  <p:stCondLst>
+                                    <p:cond delay="0"/>
+                                  </p:stCondLst>
+                                  <p:childTnLst>
+                                    <p:set>
+                                      <p:cBhvr>
+                                        <p:cTn id="26" dur="1" fill="hold">
+                                          <p:stCondLst>
+                                            <p:cond delay="0"/>
+                                          </p:stCondLst>
+                                        </p:cTn>
+                                        <p:tgtEl>
+                                          <p:spTgt spid="7">
+                                            <p:txEl>
+                                              <p:pRg st="0" end="0"/>
+                                            </p:txEl>
+                                          </p:spTgt>
+                                        </p:tgtEl>
+                                        <p:attrNameLst>
+                                          <p:attrName>style.visibility</p:attrName>
+                                        </p:attrNameLst>
+                                      </p:cBhvr>
+                                      <p:to>
+                                        <p:strVal val="visible"/>
+                                      </p:to>
+                                    </p:set>
+                                  </p:childTnLst>
+                                </p:cTn>
+                              </p:par>
+                            </p:childTnLst>
+                          </p:cTn>
+                        </p:par>
+                      </p:childTnLst>
+                    </p:cTn>
+                  </p:par>
+                  <p:par>
+                    <p:cTn id="27" fill="hold">
+                      <p:stCondLst>
+                        <p:cond delay="indefinite"/>
+                      </p:stCondLst>
+                      <p:childTnLst>
+                        <p:par>
+                          <p:cTn id="28" fill="hold">
+                            <p:stCondLst>
+                              <p:cond delay="0"/>
+                            </p:stCondLst>
+                            <p:childTnLst>
+                              <p:par>
+                                <p:cTn id="29" presetID="1" presetClass="entr" presetSubtype="0" fill="hold" grpId="0" nodeType="clickEffect">
+                                  <p:stCondLst>
+                                    <p:cond delay="0"/>
+                                  </p:stCondLst>
+                                  <p:childTnLst>
+                                    <p:set>
+                                      <p:cBhvr>
+                                        <p:cTn id="30" dur="1" fill="hold">
+                                          <p:stCondLst>
+                                            <p:cond delay="0"/>
+                                          </p:stCondLst>
+                                        </p:cTn>
+                                        <p:tgtEl>
+                                          <p:spTgt spid="7">
+                                            <p:txEl>
+                                              <p:pRg st="1" end="1"/>
+                                            </p:txEl>
+                                          </p:spTgt>
+                                        </p:tgtEl>
+                                        <p:attrNameLst>
+                                          <p:attrName>style.visibility</p:attrName>
+                                        </p:attrNameLst>
+                                      </p:cBhvr>
+                                      <p:to>
+                                        <p:strVal val="visible"/>
+                                      </p:to>
+                                    </p:set>
+                                  </p:childTnLst>
+                                </p:cTn>
+                              </p:par>
+                            </p:childTnLst>
+                          </p:cTn>
+                        </p:par>
+                      </p:childTnLst>
+                    </p:cTn>
+                  </p:par>
+                  <p:par>
+                    <p:cTn id="31" fill="hold">
+                      <p:stCondLst>
+                        <p:cond delay="indefinite"/>
+                      </p:stCondLst>
+                      <p:childTnLst>
+                        <p:par>
+                          <p:cTn id="32" fill="hold">
+                            <p:stCondLst>
+                              <p:cond delay="0"/>
+                            </p:stCondLst>
+                            <p:childTnLst>
+                              <p:par>
+                                <p:cTn id="33" presetID="1" presetClass="entr" presetSubtype="0" fill="hold" grpId="0" nodeType="clickEffect">
+                                  <p:stCondLst>
+                                    <p:cond delay="0"/>
+                                  </p:stCondLst>
+                                  <p:childTnLst>
+                                    <p:set>
+                                      <p:cBhvr>
+                                        <p:cTn id="34" dur="1" fill="hold">
+                                          <p:stCondLst>
+                                            <p:cond delay="0"/>
+                                          </p:stCondLst>
+                                        </p:cTn>
+                                        <p:tgtEl>
+                                          <p:spTgt spid="7">
+                                            <p:txEl>
+                                              <p:pRg st="2" end="2"/>
+                                            </p:txEl>
+                                          </p:spTgt>
+                                        </p:tgtEl>
+                                        <p:attrNameLst>
+                                          <p:attrName>style.visibility</p:attrName>
+                                        </p:attrNameLst>
+                                      </p:cBhvr>
+                                      <p:to>
+                                        <p:strVal val="visible"/>
+                                      </p:to>
+                                    </p:set>
+                                  </p:childTnLst>
+                                </p:cTn>
+                              </p:par>
+                            </p:childTnLst>
+                          </p:cTn>
+                        </p:par>
+                      </p:childTnLst>
+                    </p:cTn>
+                  </p:par>
+                  <p:par>
+                    <p:cTn id="35" fill="hold">
+                      <p:stCondLst>
+                        <p:cond delay="indefinite"/>
+                      </p:stCondLst>
+                      <p:childTnLst>
+                        <p:par>
+                          <p:cTn id="36" fill="hold">
+                            <p:stCondLst>
+                              <p:cond delay="0"/>
+                            </p:stCondLst>
+                            <p:childTnLst>
+                              <p:par>
+                                <p:cTn id="37" presetID="1" presetClass="entr" presetSubtype="0" fill="hold" grpId="0" nodeType="clickEffect">
+                                  <p:stCondLst>
+                                    <p:cond delay="0"/>
+                                  </p:stCondLst>
+                                  <p:childTnLst>
+                                    <p:set>
+                                      <p:cBhvr>
+                                        <p:cTn id="38" dur="1" fill="hold">
+                                          <p:stCondLst>
+                                            <p:cond delay="0"/>
+                                          </p:stCondLst>
+                                        </p:cTn>
+                                        <p:tgtEl>
+                                          <p:spTgt spid="7">
+                                            <p:txEl>
+                                              <p:pRg st="3" end="3"/>
+                                            </p:txEl>
+                                          </p:spTgt>
+                                        </p:tgtEl>
+                                        <p:attrNameLst>
+                                          <p:attrName>style.visibility</p:attrName>
+                                        </p:attrNameLst>
+                                      </p:cBhvr>
+                                      <p:to>
+                                        <p:strVal val="visible"/>
+                                      </p:to>
+                                    </p:set>
+                                  </p:childTnLst>
+                                </p:cTn>
+                              </p:par>
+                            </p:childTnLst>
+                          </p:cTn>
+                        </p:par>
+                      </p:childTnLst>
+                    </p:cTn>
+                  </p:par>
+                  <p:par>
+                    <p:cTn id="39" fill="hold">
+                      <p:stCondLst>
+                        <p:cond delay="indefinite"/>
+                      </p:stCondLst>
+                      <p:childTnLst>
+                        <p:par>
+                          <p:cTn id="40" fill="hold">
+                            <p:stCondLst>
+                              <p:cond delay="0"/>
+                            </p:stCondLst>
+                            <p:childTnLst>
+                              <p:par>
+                                <p:cTn id="41" presetID="1" presetClass="entr" presetSubtype="0" fill="hold" grpId="0" nodeType="clickEffect">
+                                  <p:stCondLst>
+                                    <p:cond delay="0"/>
+                                  </p:stCondLst>
+                                  <p:childTnLst>
+                                    <p:set>
+                                      <p:cBhvr>
+                                        <p:cTn id="42" dur="1" fill="hold">
+                                          <p:stCondLst>
+                                            <p:cond delay="0"/>
+                                          </p:stCondLst>
+                                        </p:cTn>
+                                        <p:tgtEl>
+                                          <p:spTgt spid="7">
+                                            <p:txEl>
+                                              <p:pRg st="4" end="4"/>
+                                            </p:txEl>
+                                          </p:spTgt>
+                                        </p:tgtEl>
+                                        <p:attrNameLst>
+                                          <p:attrName>style.visibility</p:attrName>
+                                        </p:attrNameLst>
+                                      </p:cBhvr>
+                                      <p:to>
+                                        <p:strVal val="visible"/>
+                                      </p:to>
+                                    </p:set>
+                                  </p:childTnLst>
+                                </p:cTn>
+                              </p:par>
+                            </p:childTnLst>
+                          </p:cTn>
+                        </p:par>
+                      </p:childTnLst>
+                    </p:cTn>
+                  </p:par>
+                </p:childTnLst>
+              </p:cTn>
+              <p:prevCondLst>
+                <p:cond evt="onPrev" delay="0">
+                  <p:tgtEl>
+                    <p:sldTgt/>
+                  </p:tgtEl>
+                </p:cond>
+              </p:prevCondLst>
+              <p:nextCondLst>
+                <p:cond evt="onNext" delay="0">
+                  <p:tgtEl>
+                    <p:sldTgt/>
+                  </p:tgtEl>
+                </p:cond>
+              </p:nextCondLst>
+            </p:seq>
+          </p:childTnLst>
+        </p:cTn>
+      </p:par>
+    </p:tnLst>
+    <p:bldLst>
+      <p:bldP spid="5" grpId="0" build="p"/>
+      <p:bldP spid="7" grpId="0" build="p"/>
+    </p:bldLst>
+  </p:timing>
+</p:sld>
+</file>
+
+<file path=ppt/slides/slide19.xml><?xml version="1.0" encoding="utf-8"?>
+<p:sld xmlns:a="http://schemas.openxmlformats.org/drawingml/2006/main" xmlns:r="http://schemas.openxmlformats.org/officeDocument/2006/relationships" xmlns:p="http://schemas.openxmlformats.org/presentationml/2006/main">
+  <p:cSld>
+    <p:spTree>
+      <p:nvGrpSpPr>
+        <p:cNvPr id="1" name=""/>
+        <p:cNvGrpSpPr/>
+        <p:nvPr/>
+      </p:nvGrpSpPr>
+      <p:grpSpPr>
+        <a:xfrm>
+          <a:off x="0" y="0"/>
+          <a:ext cx="0" cy="0"/>
+          <a:chOff x="0" y="0"/>
+          <a:chExt cx="0" cy="0"/>
+        </a:xfrm>
+      </p:grpSpPr>
+      <p:sp>
+        <p:nvSpPr>
+          <p:cNvPr id="2" name="Title 1">
+            <a:extLst>
+              <a:ext uri="{FF2B5EF4-FFF2-40B4-BE49-F238E27FC236}">
+                <a16:creationId xmlns:a16="http://schemas.microsoft.com/office/drawing/2014/main" id="{977B8AF1-3C5A-5B40-A022-7A684DB3C5B7}"/>
+              </a:ext>
+            </a:extLst>
+          </p:cNvPr>
+          <p:cNvSpPr>
+            <a:spLocks noGrp="1"/>
+          </p:cNvSpPr>
+          <p:nvPr>
+            <p:ph type="title"/>
+          </p:nvPr>
+        </p:nvSpPr>
+        <p:spPr/>
+        <p:txBody>
+          <a:bodyPr/>
+          <a:lstStyle/>
+          <a:p>
+            <a:r>
+              <a:rPr lang="en-US" b="1" dirty="0"/>
+              <a:t>Further reading</a:t>
+            </a:r>
+            <a:endParaRPr lang="en-US" dirty="0"/>
+          </a:p>
+        </p:txBody>
+      </p:sp>
+      <p:sp>
+        <p:nvSpPr>
+          <p:cNvPr id="3" name="Content Placeholder 2">
+            <a:extLst>
+              <a:ext uri="{FF2B5EF4-FFF2-40B4-BE49-F238E27FC236}">
+                <a16:creationId xmlns:a16="http://schemas.microsoft.com/office/drawing/2014/main" id="{62151239-2C8C-5C47-B029-8E279A296E76}"/>
+              </a:ext>
+            </a:extLst>
+          </p:cNvPr>
+          <p:cNvSpPr>
+            <a:spLocks noGrp="1"/>
+          </p:cNvSpPr>
+          <p:nvPr>
+            <p:ph idx="1"/>
+          </p:nvPr>
+        </p:nvSpPr>
+        <p:spPr/>
+        <p:txBody>
+          <a:bodyPr/>
+          <a:lstStyle/>
+          <a:p>
+            <a:r>
+              <a:rPr lang="en-US" u="sng" dirty="0"/>
+              <a:t>Test-Driven Development: By Example</a:t>
+            </a:r>
+            <a:r>
+              <a:rPr lang="en-US" dirty="0"/>
+              <a:t> by Kent Beck</a:t>
+            </a:r>
+          </a:p>
+          <a:p>
+            <a:r>
+              <a:rPr lang="en-US" u="sng" dirty="0"/>
+              <a:t>Working Effectively with Legacy Code</a:t>
+            </a:r>
+            <a:r>
+              <a:rPr lang="en-US" dirty="0"/>
+              <a:t> by Michael C. Feathers</a:t>
+            </a:r>
+          </a:p>
+          <a:p>
+            <a:r>
+              <a:rPr lang="en-US" u="sng" dirty="0"/>
+              <a:t>Growing Object-Oriented Software, Guided by Tests</a:t>
+            </a:r>
+            <a:r>
+              <a:rPr lang="en-US" dirty="0"/>
+              <a:t> by Steve Freeman and Nat Pryce</a:t>
+            </a:r>
+          </a:p>
+          <a:p>
+            <a:r>
+              <a:rPr lang="en-US" u="sng" dirty="0"/>
+              <a:t>Beyond Legacy Code</a:t>
+            </a:r>
+            <a:r>
+              <a:rPr lang="en-US" dirty="0"/>
+              <a:t> by David Scott Bernstein</a:t>
+            </a:r>
+          </a:p>
+        </p:txBody>
+      </p:sp>
+    </p:spTree>
+    <p:extLst>
+      <p:ext uri="{BB962C8B-B14F-4D97-AF65-F5344CB8AC3E}">
+        <p14:creationId xmlns:p14="http://schemas.microsoft.com/office/powerpoint/2010/main" val="2698004406"/>
+      </p:ext>
+    </p:extLst>
+  </p:cSld>
+  <p:clrMapOvr>
+    <a:masterClrMapping/>
+  </p:clrMapOvr>
+  <mc:AlternateContent xmlns:mc="http://schemas.openxmlformats.org/markup-compatibility/2006">
+    <mc:Choice xmlns:p14="http://schemas.microsoft.com/office/powerpoint/2010/main" Requires="p14">
+      <p:transition spd="med" p14:dur="700">
+        <p:fade/>
+      </p:transition>
+    </mc:Choice>
+    <mc:Fallback>
+      <p:transition spd="med">
+        <p:fade/>
+      </p:transition>
+    </mc:Fallback>
+  </mc:AlternateContent>
 </p:sld>
 </file>
 
@@ -4805,136 +8230,18 @@
   <p:clrMapOvr>
     <a:masterClrMapping/>
   </p:clrMapOvr>
-</p:sld>
-</file>
-
-<file path=ppt/slides/slide20.xml><?xml version="1.0" encoding="utf-8"?>
-<p:sld xmlns:a="http://schemas.openxmlformats.org/drawingml/2006/main" xmlns:r="http://schemas.openxmlformats.org/officeDocument/2006/relationships" xmlns:p="http://schemas.openxmlformats.org/presentationml/2006/main">
-  <p:cSld>
-    <p:spTree>
-      <p:nvGrpSpPr>
-        <p:cNvPr id="1" name=""/>
-        <p:cNvGrpSpPr/>
-        <p:nvPr/>
-      </p:nvGrpSpPr>
-      <p:grpSpPr>
-        <a:xfrm>
-          <a:off x="0" y="0"/>
-          <a:ext cx="0" cy="0"/>
-          <a:chOff x="0" y="0"/>
-          <a:chExt cx="0" cy="0"/>
-        </a:xfrm>
-      </p:grpSpPr>
-      <p:sp>
-        <p:nvSpPr>
-          <p:cNvPr id="2" name="Title 1">
-            <a:extLst>
-              <a:ext uri="{FF2B5EF4-FFF2-40B4-BE49-F238E27FC236}">
-                <a16:creationId xmlns:a16="http://schemas.microsoft.com/office/drawing/2014/main" id="{977B8AF1-3C5A-5B40-A022-7A684DB3C5B7}"/>
-              </a:ext>
-            </a:extLst>
-          </p:cNvPr>
-          <p:cNvSpPr>
-            <a:spLocks noGrp="1"/>
-          </p:cNvSpPr>
-          <p:nvPr>
-            <p:ph type="title"/>
-          </p:nvPr>
-        </p:nvSpPr>
-        <p:spPr/>
-        <p:txBody>
-          <a:bodyPr/>
-          <a:lstStyle/>
-          <a:p>
-            <a:r>
-              <a:rPr lang="en-US" b="1" dirty="0"/>
-              <a:t>Further reading</a:t>
-            </a:r>
-            <a:endParaRPr lang="en-US" dirty="0"/>
-          </a:p>
-        </p:txBody>
-      </p:sp>
-      <p:sp>
-        <p:nvSpPr>
-          <p:cNvPr id="3" name="Content Placeholder 2">
-            <a:extLst>
-              <a:ext uri="{FF2B5EF4-FFF2-40B4-BE49-F238E27FC236}">
-                <a16:creationId xmlns:a16="http://schemas.microsoft.com/office/drawing/2014/main" id="{62151239-2C8C-5C47-B029-8E279A296E76}"/>
-              </a:ext>
-            </a:extLst>
-          </p:cNvPr>
-          <p:cNvSpPr>
-            <a:spLocks noGrp="1"/>
-          </p:cNvSpPr>
-          <p:nvPr>
-            <p:ph idx="1"/>
-          </p:nvPr>
-        </p:nvSpPr>
-        <p:spPr/>
-        <p:txBody>
-          <a:bodyPr/>
-          <a:lstStyle/>
-          <a:p>
-            <a:r>
-              <a:rPr lang="en-US" u="sng" dirty="0"/>
-              <a:t>Test-Driven Development: By Example</a:t>
-            </a:r>
-            <a:r>
-              <a:rPr lang="en-US" dirty="0"/>
-              <a:t> by Kent Beck</a:t>
-            </a:r>
-          </a:p>
-          <a:p>
-            <a:r>
-              <a:rPr lang="en-US" u="sng" dirty="0"/>
-              <a:t>Working Effectively with Legacy Code</a:t>
-            </a:r>
-            <a:r>
-              <a:rPr lang="en-US" dirty="0"/>
-              <a:t> by Michael C. Feathers</a:t>
-            </a:r>
-          </a:p>
-          <a:p>
-            <a:r>
-              <a:rPr lang="en-US" u="sng" dirty="0"/>
-              <a:t>Growing Object-Oriented Software, Guided by Tests</a:t>
-            </a:r>
-            <a:r>
-              <a:rPr lang="en-US" dirty="0"/>
-              <a:t> by Steve Freeman and Nat Pryce</a:t>
-            </a:r>
-          </a:p>
-          <a:p>
-            <a:r>
-              <a:rPr lang="en-US" u="sng" dirty="0"/>
-              <a:t>Beyond Legacy Code</a:t>
-            </a:r>
-            <a:r>
-              <a:rPr lang="en-US" dirty="0"/>
-              <a:t> by David Scott Bernstein</a:t>
-            </a:r>
-          </a:p>
-          <a:p>
-            <a:r>
-              <a:rPr lang="en-US" dirty="0">
-                <a:hlinkClick r:id="rId2"/>
-              </a:rPr>
-              <a:t>Python programming language creator retires, saying: 'It's been an amazing ride'</a:t>
-            </a:r>
-            <a:endParaRPr lang="en-US" dirty="0"/>
-          </a:p>
-        </p:txBody>
-      </p:sp>
-    </p:spTree>
-    <p:extLst>
-      <p:ext uri="{BB962C8B-B14F-4D97-AF65-F5344CB8AC3E}">
-        <p14:creationId xmlns:p14="http://schemas.microsoft.com/office/powerpoint/2010/main" val="2698004406"/>
-      </p:ext>
-    </p:extLst>
-  </p:cSld>
-  <p:clrMapOvr>
-    <a:masterClrMapping/>
-  </p:clrMapOvr>
+  <mc:AlternateContent xmlns:mc="http://schemas.openxmlformats.org/markup-compatibility/2006">
+    <mc:Choice xmlns:p14="http://schemas.microsoft.com/office/powerpoint/2010/main" Requires="p14">
+      <p:transition spd="med" p14:dur="700">
+        <p:fade/>
+      </p:transition>
+    </mc:Choice>
+    <mc:Fallback>
+      <p:transition spd="med">
+        <p:fade/>
+      </p:transition>
+    </mc:Fallback>
+  </mc:AlternateContent>
 </p:sld>
 </file>
 
@@ -5008,7 +8315,15 @@
           <a:p>
             <a:r>
               <a:rPr lang="en-US" dirty="0"/>
-              <a:t>Unit testing is a design activity.</a:t>
+              <a:t>Unit testing is a </a:t>
+            </a:r>
+            <a:r>
+              <a:rPr lang="en-US" i="1" dirty="0"/>
+              <a:t>design activity</a:t>
+            </a:r>
+            <a:r>
+              <a:rPr lang="en-US" dirty="0"/>
+              <a:t> of software development.</a:t>
             </a:r>
           </a:p>
           <a:p>
@@ -5021,14 +8336,7 @@
           <a:p>
             <a:r>
               <a:rPr lang="en-US" dirty="0"/>
-              <a:t>Forces you to think carefully about what behavior is needed for a unit to satisfy the acceptance criteria.</a:t>
-            </a:r>
-          </a:p>
-          <a:p>
-            <a:pPr lvl="1"/>
-            <a:r>
-              <a:rPr lang="en-US" dirty="0"/>
-              <a:t>Unit being method or function</a:t>
+              <a:t>Forces you to think carefully about what behavior is needed for a method or function to satisfy the acceptance criteria.</a:t>
             </a:r>
           </a:p>
           <a:p>
@@ -5044,11 +8352,19 @@
             </a:r>
           </a:p>
           <a:p>
-            <a:pPr lvl="1"/>
             <a:r>
               <a:rPr lang="en-US" dirty="0"/>
-              <a:t>Communicates our intent.</a:t>
-            </a:r>
+              <a:t>Protect against regressions.</a:t>
+            </a:r>
+          </a:p>
+          <a:p>
+            <a:r>
+              <a:rPr lang="en-US" dirty="0"/>
+              <a:t>Clean code that works – Ron Jefferies</a:t>
+            </a:r>
+          </a:p>
+          <a:p>
+            <a:endParaRPr lang="en-US" dirty="0"/>
           </a:p>
         </p:txBody>
       </p:sp>
@@ -5062,120 +8378,380 @@
   <p:clrMapOvr>
     <a:masterClrMapping/>
   </p:clrMapOvr>
+  <mc:AlternateContent xmlns:mc="http://schemas.openxmlformats.org/markup-compatibility/2006">
+    <mc:Choice xmlns:p14="http://schemas.microsoft.com/office/powerpoint/2010/main" Requires="p14">
+      <p:transition spd="med" p14:dur="700">
+        <p:fade/>
+      </p:transition>
+    </mc:Choice>
+    <mc:Fallback>
+      <p:transition spd="med">
+        <p:fade/>
+      </p:transition>
+    </mc:Fallback>
+  </mc:AlternateContent>
+  <p:timing>
+    <p:tnLst>
+      <p:par>
+        <p:cTn id="1" dur="indefinite" restart="never" nodeType="tmRoot">
+          <p:childTnLst>
+            <p:seq concurrent="1" nextAc="seek">
+              <p:cTn id="2" dur="indefinite" nodeType="mainSeq">
+                <p:childTnLst>
+                  <p:par>
+                    <p:cTn id="3" fill="hold">
+                      <p:stCondLst>
+                        <p:cond delay="indefinite"/>
+                      </p:stCondLst>
+                      <p:childTnLst>
+                        <p:par>
+                          <p:cTn id="4" fill="hold">
+                            <p:stCondLst>
+                              <p:cond delay="0"/>
+                            </p:stCondLst>
+                            <p:childTnLst>
+                              <p:par>
+                                <p:cTn id="5" presetID="1" presetClass="entr" presetSubtype="0" fill="hold" grpId="0" nodeType="clickEffect">
+                                  <p:stCondLst>
+                                    <p:cond delay="0"/>
+                                  </p:stCondLst>
+                                  <p:childTnLst>
+                                    <p:set>
+                                      <p:cBhvr>
+                                        <p:cTn id="6" dur="1" fill="hold">
+                                          <p:stCondLst>
+                                            <p:cond delay="0"/>
+                                          </p:stCondLst>
+                                        </p:cTn>
+                                        <p:tgtEl>
+                                          <p:spTgt spid="3">
+                                            <p:txEl>
+                                              <p:pRg st="0" end="0"/>
+                                            </p:txEl>
+                                          </p:spTgt>
+                                        </p:tgtEl>
+                                        <p:attrNameLst>
+                                          <p:attrName>style.visibility</p:attrName>
+                                        </p:attrNameLst>
+                                      </p:cBhvr>
+                                      <p:to>
+                                        <p:strVal val="visible"/>
+                                      </p:to>
+                                    </p:set>
+                                  </p:childTnLst>
+                                </p:cTn>
+                              </p:par>
+                              <p:par>
+                                <p:cTn id="7" presetID="1" presetClass="entr" presetSubtype="0" fill="hold" grpId="0" nodeType="withEffect">
+                                  <p:stCondLst>
+                                    <p:cond delay="0"/>
+                                  </p:stCondLst>
+                                  <p:childTnLst>
+                                    <p:set>
+                                      <p:cBhvr>
+                                        <p:cTn id="8" dur="1" fill="hold">
+                                          <p:stCondLst>
+                                            <p:cond delay="0"/>
+                                          </p:stCondLst>
+                                        </p:cTn>
+                                        <p:tgtEl>
+                                          <p:spTgt spid="3">
+                                            <p:txEl>
+                                              <p:pRg st="1" end="1"/>
+                                            </p:txEl>
+                                          </p:spTgt>
+                                        </p:tgtEl>
+                                        <p:attrNameLst>
+                                          <p:attrName>style.visibility</p:attrName>
+                                        </p:attrNameLst>
+                                      </p:cBhvr>
+                                      <p:to>
+                                        <p:strVal val="visible"/>
+                                      </p:to>
+                                    </p:set>
+                                  </p:childTnLst>
+                                </p:cTn>
+                              </p:par>
+                            </p:childTnLst>
+                          </p:cTn>
+                        </p:par>
+                      </p:childTnLst>
+                    </p:cTn>
+                  </p:par>
+                  <p:par>
+                    <p:cTn id="9" fill="hold">
+                      <p:stCondLst>
+                        <p:cond delay="indefinite"/>
+                      </p:stCondLst>
+                      <p:childTnLst>
+                        <p:par>
+                          <p:cTn id="10" fill="hold">
+                            <p:stCondLst>
+                              <p:cond delay="0"/>
+                            </p:stCondLst>
+                            <p:childTnLst>
+                              <p:par>
+                                <p:cTn id="11" presetID="1" presetClass="entr" presetSubtype="0" fill="hold" grpId="0" nodeType="clickEffect">
+                                  <p:stCondLst>
+                                    <p:cond delay="0"/>
+                                  </p:stCondLst>
+                                  <p:childTnLst>
+                                    <p:set>
+                                      <p:cBhvr>
+                                        <p:cTn id="12" dur="1" fill="hold">
+                                          <p:stCondLst>
+                                            <p:cond delay="0"/>
+                                          </p:stCondLst>
+                                        </p:cTn>
+                                        <p:tgtEl>
+                                          <p:spTgt spid="3">
+                                            <p:txEl>
+                                              <p:pRg st="2" end="2"/>
+                                            </p:txEl>
+                                          </p:spTgt>
+                                        </p:tgtEl>
+                                        <p:attrNameLst>
+                                          <p:attrName>style.visibility</p:attrName>
+                                        </p:attrNameLst>
+                                      </p:cBhvr>
+                                      <p:to>
+                                        <p:strVal val="visible"/>
+                                      </p:to>
+                                    </p:set>
+                                  </p:childTnLst>
+                                </p:cTn>
+                              </p:par>
+                            </p:childTnLst>
+                          </p:cTn>
+                        </p:par>
+                      </p:childTnLst>
+                    </p:cTn>
+                  </p:par>
+                  <p:par>
+                    <p:cTn id="13" fill="hold">
+                      <p:stCondLst>
+                        <p:cond delay="indefinite"/>
+                      </p:stCondLst>
+                      <p:childTnLst>
+                        <p:par>
+                          <p:cTn id="14" fill="hold">
+                            <p:stCondLst>
+                              <p:cond delay="0"/>
+                            </p:stCondLst>
+                            <p:childTnLst>
+                              <p:par>
+                                <p:cTn id="15" presetID="1" presetClass="entr" presetSubtype="0" fill="hold" grpId="0" nodeType="clickEffect">
+                                  <p:stCondLst>
+                                    <p:cond delay="0"/>
+                                  </p:stCondLst>
+                                  <p:childTnLst>
+                                    <p:set>
+                                      <p:cBhvr>
+                                        <p:cTn id="16" dur="1" fill="hold">
+                                          <p:stCondLst>
+                                            <p:cond delay="0"/>
+                                          </p:stCondLst>
+                                        </p:cTn>
+                                        <p:tgtEl>
+                                          <p:spTgt spid="3">
+                                            <p:txEl>
+                                              <p:pRg st="3" end="3"/>
+                                            </p:txEl>
+                                          </p:spTgt>
+                                        </p:tgtEl>
+                                        <p:attrNameLst>
+                                          <p:attrName>style.visibility</p:attrName>
+                                        </p:attrNameLst>
+                                      </p:cBhvr>
+                                      <p:to>
+                                        <p:strVal val="visible"/>
+                                      </p:to>
+                                    </p:set>
+                                  </p:childTnLst>
+                                </p:cTn>
+                              </p:par>
+                            </p:childTnLst>
+                          </p:cTn>
+                        </p:par>
+                      </p:childTnLst>
+                    </p:cTn>
+                  </p:par>
+                  <p:par>
+                    <p:cTn id="17" fill="hold">
+                      <p:stCondLst>
+                        <p:cond delay="indefinite"/>
+                      </p:stCondLst>
+                      <p:childTnLst>
+                        <p:par>
+                          <p:cTn id="18" fill="hold">
+                            <p:stCondLst>
+                              <p:cond delay="0"/>
+                            </p:stCondLst>
+                            <p:childTnLst>
+                              <p:par>
+                                <p:cTn id="19" presetID="1" presetClass="entr" presetSubtype="0" fill="hold" grpId="0" nodeType="clickEffect">
+                                  <p:stCondLst>
+                                    <p:cond delay="0"/>
+                                  </p:stCondLst>
+                                  <p:childTnLst>
+                                    <p:set>
+                                      <p:cBhvr>
+                                        <p:cTn id="20" dur="1" fill="hold">
+                                          <p:stCondLst>
+                                            <p:cond delay="0"/>
+                                          </p:stCondLst>
+                                        </p:cTn>
+                                        <p:tgtEl>
+                                          <p:spTgt spid="3">
+                                            <p:txEl>
+                                              <p:pRg st="4" end="4"/>
+                                            </p:txEl>
+                                          </p:spTgt>
+                                        </p:tgtEl>
+                                        <p:attrNameLst>
+                                          <p:attrName>style.visibility</p:attrName>
+                                        </p:attrNameLst>
+                                      </p:cBhvr>
+                                      <p:to>
+                                        <p:strVal val="visible"/>
+                                      </p:to>
+                                    </p:set>
+                                  </p:childTnLst>
+                                </p:cTn>
+                              </p:par>
+                            </p:childTnLst>
+                          </p:cTn>
+                        </p:par>
+                      </p:childTnLst>
+                    </p:cTn>
+                  </p:par>
+                  <p:par>
+                    <p:cTn id="21" fill="hold">
+                      <p:stCondLst>
+                        <p:cond delay="indefinite"/>
+                      </p:stCondLst>
+                      <p:childTnLst>
+                        <p:par>
+                          <p:cTn id="22" fill="hold">
+                            <p:stCondLst>
+                              <p:cond delay="0"/>
+                            </p:stCondLst>
+                            <p:childTnLst>
+                              <p:par>
+                                <p:cTn id="23" presetID="1" presetClass="entr" presetSubtype="0" fill="hold" grpId="0" nodeType="clickEffect">
+                                  <p:stCondLst>
+                                    <p:cond delay="0"/>
+                                  </p:stCondLst>
+                                  <p:childTnLst>
+                                    <p:set>
+                                      <p:cBhvr>
+                                        <p:cTn id="24" dur="1" fill="hold">
+                                          <p:stCondLst>
+                                            <p:cond delay="0"/>
+                                          </p:stCondLst>
+                                        </p:cTn>
+                                        <p:tgtEl>
+                                          <p:spTgt spid="3">
+                                            <p:txEl>
+                                              <p:pRg st="5" end="5"/>
+                                            </p:txEl>
+                                          </p:spTgt>
+                                        </p:tgtEl>
+                                        <p:attrNameLst>
+                                          <p:attrName>style.visibility</p:attrName>
+                                        </p:attrNameLst>
+                                      </p:cBhvr>
+                                      <p:to>
+                                        <p:strVal val="visible"/>
+                                      </p:to>
+                                    </p:set>
+                                  </p:childTnLst>
+                                </p:cTn>
+                              </p:par>
+                            </p:childTnLst>
+                          </p:cTn>
+                        </p:par>
+                      </p:childTnLst>
+                    </p:cTn>
+                  </p:par>
+                  <p:par>
+                    <p:cTn id="25" fill="hold">
+                      <p:stCondLst>
+                        <p:cond delay="indefinite"/>
+                      </p:stCondLst>
+                      <p:childTnLst>
+                        <p:par>
+                          <p:cTn id="26" fill="hold">
+                            <p:stCondLst>
+                              <p:cond delay="0"/>
+                            </p:stCondLst>
+                            <p:childTnLst>
+                              <p:par>
+                                <p:cTn id="27" presetID="1" presetClass="entr" presetSubtype="0" fill="hold" grpId="0" nodeType="clickEffect">
+                                  <p:stCondLst>
+                                    <p:cond delay="0"/>
+                                  </p:stCondLst>
+                                  <p:childTnLst>
+                                    <p:set>
+                                      <p:cBhvr>
+                                        <p:cTn id="28" dur="1" fill="hold">
+                                          <p:stCondLst>
+                                            <p:cond delay="0"/>
+                                          </p:stCondLst>
+                                        </p:cTn>
+                                        <p:tgtEl>
+                                          <p:spTgt spid="3">
+                                            <p:txEl>
+                                              <p:pRg st="6" end="6"/>
+                                            </p:txEl>
+                                          </p:spTgt>
+                                        </p:tgtEl>
+                                        <p:attrNameLst>
+                                          <p:attrName>style.visibility</p:attrName>
+                                        </p:attrNameLst>
+                                      </p:cBhvr>
+                                      <p:to>
+                                        <p:strVal val="visible"/>
+                                      </p:to>
+                                    </p:set>
+                                  </p:childTnLst>
+                                </p:cTn>
+                              </p:par>
+                            </p:childTnLst>
+                          </p:cTn>
+                        </p:par>
+                      </p:childTnLst>
+                    </p:cTn>
+                  </p:par>
+                </p:childTnLst>
+              </p:cTn>
+              <p:prevCondLst>
+                <p:cond evt="onPrev" delay="0">
+                  <p:tgtEl>
+                    <p:sldTgt/>
+                  </p:tgtEl>
+                </p:cond>
+              </p:prevCondLst>
+              <p:nextCondLst>
+                <p:cond evt="onNext" delay="0">
+                  <p:tgtEl>
+                    <p:sldTgt/>
+                  </p:tgtEl>
+                </p:cond>
+              </p:nextCondLst>
+            </p:seq>
+          </p:childTnLst>
+        </p:cTn>
+      </p:par>
+    </p:tnLst>
+    <p:bldLst>
+      <p:bldP spid="3" grpId="0" build="p"/>
+    </p:bldLst>
+  </p:timing>
 </p:sld>
 </file>
 
 <file path=ppt/slides/slide4.xml><?xml version="1.0" encoding="utf-8"?>
-<p:sld xmlns:a="http://schemas.openxmlformats.org/drawingml/2006/main" xmlns:r="http://schemas.openxmlformats.org/officeDocument/2006/relationships" xmlns:p="http://schemas.openxmlformats.org/presentationml/2006/main">
-  <p:cSld>
-    <p:spTree>
-      <p:nvGrpSpPr>
-        <p:cNvPr id="1" name=""/>
-        <p:cNvGrpSpPr/>
-        <p:nvPr/>
-      </p:nvGrpSpPr>
-      <p:grpSpPr>
-        <a:xfrm>
-          <a:off x="0" y="0"/>
-          <a:ext cx="0" cy="0"/>
-          <a:chOff x="0" y="0"/>
-          <a:chExt cx="0" cy="0"/>
-        </a:xfrm>
-      </p:grpSpPr>
-      <p:sp>
-        <p:nvSpPr>
-          <p:cNvPr id="2" name="Title 1">
-            <a:extLst>
-              <a:ext uri="{FF2B5EF4-FFF2-40B4-BE49-F238E27FC236}">
-                <a16:creationId xmlns:a16="http://schemas.microsoft.com/office/drawing/2014/main" id="{0DF7F7CD-F13E-1641-9302-0C62C3CAEF31}"/>
-              </a:ext>
-            </a:extLst>
-          </p:cNvPr>
-          <p:cNvSpPr>
-            <a:spLocks noGrp="1"/>
-          </p:cNvSpPr>
-          <p:nvPr>
-            <p:ph type="title"/>
-          </p:nvPr>
-        </p:nvSpPr>
-        <p:spPr/>
-        <p:txBody>
-          <a:bodyPr/>
-          <a:lstStyle/>
-          <a:p>
-            <a:r>
-              <a:rPr lang="en-US" b="1" dirty="0"/>
-              <a:t>Why test-driven development?</a:t>
-            </a:r>
-          </a:p>
-        </p:txBody>
-      </p:sp>
-      <p:sp>
-        <p:nvSpPr>
-          <p:cNvPr id="3" name="Content Placeholder 2">
-            <a:extLst>
-              <a:ext uri="{FF2B5EF4-FFF2-40B4-BE49-F238E27FC236}">
-                <a16:creationId xmlns:a16="http://schemas.microsoft.com/office/drawing/2014/main" id="{E1A710DC-FC48-5D4D-A82F-FE5F1A489677}"/>
-              </a:ext>
-            </a:extLst>
-          </p:cNvPr>
-          <p:cNvSpPr>
-            <a:spLocks noGrp="1"/>
-          </p:cNvSpPr>
-          <p:nvPr>
-            <p:ph idx="1"/>
-          </p:nvPr>
-        </p:nvSpPr>
-        <p:spPr/>
-        <p:txBody>
-          <a:bodyPr/>
-          <a:lstStyle/>
-          <a:p>
-            <a:r>
-              <a:rPr lang="en-US" dirty="0"/>
-              <a:t>Writing tests forces you to think through all use cases.</a:t>
-            </a:r>
-          </a:p>
-          <a:p>
-            <a:r>
-              <a:rPr lang="en-US" dirty="0"/>
-              <a:t>Clarify what you are building.</a:t>
-            </a:r>
-          </a:p>
-          <a:p>
-            <a:r>
-              <a:rPr lang="en-US" dirty="0"/>
-              <a:t>Protect against regressions.</a:t>
-            </a:r>
-          </a:p>
-          <a:p>
-            <a:r>
-              <a:rPr lang="en-US" dirty="0"/>
-              <a:t>Clean code that works – Ron Jefferies</a:t>
-            </a:r>
-          </a:p>
-          <a:p>
-            <a:endParaRPr lang="en-US" dirty="0"/>
-          </a:p>
-          <a:p>
-            <a:endParaRPr lang="en-US" dirty="0"/>
-          </a:p>
-        </p:txBody>
-      </p:sp>
-    </p:spTree>
-    <p:extLst>
-      <p:ext uri="{BB962C8B-B14F-4D97-AF65-F5344CB8AC3E}">
-        <p14:creationId xmlns:p14="http://schemas.microsoft.com/office/powerpoint/2010/main" val="3653872365"/>
-      </p:ext>
-    </p:extLst>
-  </p:cSld>
-  <p:clrMapOvr>
-    <a:masterClrMapping/>
-  </p:clrMapOvr>
-</p:sld>
-</file>
-
-<file path=ppt/slides/slide5.xml><?xml version="1.0" encoding="utf-8"?>
 <p:sld xmlns:a="http://schemas.openxmlformats.org/drawingml/2006/main" xmlns:r="http://schemas.openxmlformats.org/officeDocument/2006/relationships" xmlns:p="http://schemas.openxmlformats.org/presentationml/2006/main">
   <p:cSld>
     <p:spTree>
@@ -5291,7 +8867,7 @@
             <a:pPr lvl="1"/>
             <a:r>
               <a:rPr lang="en-US" dirty="0"/>
-              <a:t>Search out helpful, concrete feedback</a:t>
+              <a:t>Search out concrete, helpful feedback</a:t>
             </a:r>
           </a:p>
         </p:txBody>
@@ -5306,10 +8882,339 @@
   <p:clrMapOvr>
     <a:masterClrMapping/>
   </p:clrMapOvr>
+  <mc:AlternateContent xmlns:mc="http://schemas.openxmlformats.org/markup-compatibility/2006">
+    <mc:Choice xmlns:p14="http://schemas.microsoft.com/office/powerpoint/2010/main" Requires="p14">
+      <p:transition spd="med" p14:dur="700">
+        <p:fade/>
+      </p:transition>
+    </mc:Choice>
+    <mc:Fallback>
+      <p:transition spd="med">
+        <p:fade/>
+      </p:transition>
+    </mc:Fallback>
+  </mc:AlternateContent>
+  <p:timing>
+    <p:tnLst>
+      <p:par>
+        <p:cTn id="1" dur="indefinite" restart="never" nodeType="tmRoot">
+          <p:childTnLst>
+            <p:seq concurrent="1" nextAc="seek">
+              <p:cTn id="2" dur="indefinite" nodeType="mainSeq">
+                <p:childTnLst>
+                  <p:par>
+                    <p:cTn id="3" fill="hold">
+                      <p:stCondLst>
+                        <p:cond delay="indefinite"/>
+                      </p:stCondLst>
+                      <p:childTnLst>
+                        <p:par>
+                          <p:cTn id="4" fill="hold">
+                            <p:stCondLst>
+                              <p:cond delay="0"/>
+                            </p:stCondLst>
+                            <p:childTnLst>
+                              <p:par>
+                                <p:cTn id="5" presetID="1" presetClass="entr" presetSubtype="0" fill="hold" grpId="0" nodeType="clickEffect">
+                                  <p:stCondLst>
+                                    <p:cond delay="0"/>
+                                  </p:stCondLst>
+                                  <p:childTnLst>
+                                    <p:set>
+                                      <p:cBhvr>
+                                        <p:cTn id="6" dur="1" fill="hold">
+                                          <p:stCondLst>
+                                            <p:cond delay="0"/>
+                                          </p:stCondLst>
+                                        </p:cTn>
+                                        <p:tgtEl>
+                                          <p:spTgt spid="3">
+                                            <p:txEl>
+                                              <p:pRg st="0" end="0"/>
+                                            </p:txEl>
+                                          </p:spTgt>
+                                        </p:tgtEl>
+                                        <p:attrNameLst>
+                                          <p:attrName>style.visibility</p:attrName>
+                                        </p:attrNameLst>
+                                      </p:cBhvr>
+                                      <p:to>
+                                        <p:strVal val="visible"/>
+                                      </p:to>
+                                    </p:set>
+                                  </p:childTnLst>
+                                </p:cTn>
+                              </p:par>
+                              <p:par>
+                                <p:cTn id="7" presetID="1" presetClass="entr" presetSubtype="0" fill="hold" grpId="0" nodeType="withEffect">
+                                  <p:stCondLst>
+                                    <p:cond delay="0"/>
+                                  </p:stCondLst>
+                                  <p:childTnLst>
+                                    <p:set>
+                                      <p:cBhvr>
+                                        <p:cTn id="8" dur="1" fill="hold">
+                                          <p:stCondLst>
+                                            <p:cond delay="0"/>
+                                          </p:stCondLst>
+                                        </p:cTn>
+                                        <p:tgtEl>
+                                          <p:spTgt spid="3">
+                                            <p:txEl>
+                                              <p:pRg st="1" end="1"/>
+                                            </p:txEl>
+                                          </p:spTgt>
+                                        </p:tgtEl>
+                                        <p:attrNameLst>
+                                          <p:attrName>style.visibility</p:attrName>
+                                        </p:attrNameLst>
+                                      </p:cBhvr>
+                                      <p:to>
+                                        <p:strVal val="visible"/>
+                                      </p:to>
+                                    </p:set>
+                                  </p:childTnLst>
+                                </p:cTn>
+                              </p:par>
+                              <p:par>
+                                <p:cTn id="9" presetID="1" presetClass="entr" presetSubtype="0" fill="hold" grpId="0" nodeType="withEffect">
+                                  <p:stCondLst>
+                                    <p:cond delay="0"/>
+                                  </p:stCondLst>
+                                  <p:childTnLst>
+                                    <p:set>
+                                      <p:cBhvr>
+                                        <p:cTn id="10" dur="1" fill="hold">
+                                          <p:stCondLst>
+                                            <p:cond delay="0"/>
+                                          </p:stCondLst>
+                                        </p:cTn>
+                                        <p:tgtEl>
+                                          <p:spTgt spid="3">
+                                            <p:txEl>
+                                              <p:pRg st="2" end="2"/>
+                                            </p:txEl>
+                                          </p:spTgt>
+                                        </p:tgtEl>
+                                        <p:attrNameLst>
+                                          <p:attrName>style.visibility</p:attrName>
+                                        </p:attrNameLst>
+                                      </p:cBhvr>
+                                      <p:to>
+                                        <p:strVal val="visible"/>
+                                      </p:to>
+                                    </p:set>
+                                  </p:childTnLst>
+                                </p:cTn>
+                              </p:par>
+                              <p:par>
+                                <p:cTn id="11" presetID="1" presetClass="entr" presetSubtype="0" fill="hold" grpId="0" nodeType="withEffect">
+                                  <p:stCondLst>
+                                    <p:cond delay="0"/>
+                                  </p:stCondLst>
+                                  <p:childTnLst>
+                                    <p:set>
+                                      <p:cBhvr>
+                                        <p:cTn id="12" dur="1" fill="hold">
+                                          <p:stCondLst>
+                                            <p:cond delay="0"/>
+                                          </p:stCondLst>
+                                        </p:cTn>
+                                        <p:tgtEl>
+                                          <p:spTgt spid="3">
+                                            <p:txEl>
+                                              <p:pRg st="3" end="3"/>
+                                            </p:txEl>
+                                          </p:spTgt>
+                                        </p:tgtEl>
+                                        <p:attrNameLst>
+                                          <p:attrName>style.visibility</p:attrName>
+                                        </p:attrNameLst>
+                                      </p:cBhvr>
+                                      <p:to>
+                                        <p:strVal val="visible"/>
+                                      </p:to>
+                                    </p:set>
+                                  </p:childTnLst>
+                                </p:cTn>
+                              </p:par>
+                            </p:childTnLst>
+                          </p:cTn>
+                        </p:par>
+                      </p:childTnLst>
+                    </p:cTn>
+                  </p:par>
+                  <p:par>
+                    <p:cTn id="13" fill="hold">
+                      <p:stCondLst>
+                        <p:cond delay="indefinite"/>
+                      </p:stCondLst>
+                      <p:childTnLst>
+                        <p:par>
+                          <p:cTn id="14" fill="hold">
+                            <p:stCondLst>
+                              <p:cond delay="0"/>
+                            </p:stCondLst>
+                            <p:childTnLst>
+                              <p:par>
+                                <p:cTn id="15" presetID="1" presetClass="entr" presetSubtype="0" fill="hold" grpId="0" nodeType="clickEffect">
+                                  <p:stCondLst>
+                                    <p:cond delay="0"/>
+                                  </p:stCondLst>
+                                  <p:childTnLst>
+                                    <p:set>
+                                      <p:cBhvr>
+                                        <p:cTn id="16" dur="1" fill="hold">
+                                          <p:stCondLst>
+                                            <p:cond delay="0"/>
+                                          </p:stCondLst>
+                                        </p:cTn>
+                                        <p:tgtEl>
+                                          <p:spTgt spid="3">
+                                            <p:txEl>
+                                              <p:pRg st="4" end="4"/>
+                                            </p:txEl>
+                                          </p:spTgt>
+                                        </p:tgtEl>
+                                        <p:attrNameLst>
+                                          <p:attrName>style.visibility</p:attrName>
+                                        </p:attrNameLst>
+                                      </p:cBhvr>
+                                      <p:to>
+                                        <p:strVal val="visible"/>
+                                      </p:to>
+                                    </p:set>
+                                  </p:childTnLst>
+                                </p:cTn>
+                              </p:par>
+                              <p:par>
+                                <p:cTn id="17" presetID="1" presetClass="entr" presetSubtype="0" fill="hold" grpId="0" nodeType="withEffect">
+                                  <p:stCondLst>
+                                    <p:cond delay="0"/>
+                                  </p:stCondLst>
+                                  <p:childTnLst>
+                                    <p:set>
+                                      <p:cBhvr>
+                                        <p:cTn id="18" dur="1" fill="hold">
+                                          <p:stCondLst>
+                                            <p:cond delay="0"/>
+                                          </p:stCondLst>
+                                        </p:cTn>
+                                        <p:tgtEl>
+                                          <p:spTgt spid="3">
+                                            <p:txEl>
+                                              <p:pRg st="5" end="5"/>
+                                            </p:txEl>
+                                          </p:spTgt>
+                                        </p:tgtEl>
+                                        <p:attrNameLst>
+                                          <p:attrName>style.visibility</p:attrName>
+                                        </p:attrNameLst>
+                                      </p:cBhvr>
+                                      <p:to>
+                                        <p:strVal val="visible"/>
+                                      </p:to>
+                                    </p:set>
+                                  </p:childTnLst>
+                                </p:cTn>
+                              </p:par>
+                              <p:par>
+                                <p:cTn id="19" presetID="1" presetClass="entr" presetSubtype="0" fill="hold" grpId="0" nodeType="withEffect">
+                                  <p:stCondLst>
+                                    <p:cond delay="0"/>
+                                  </p:stCondLst>
+                                  <p:childTnLst>
+                                    <p:set>
+                                      <p:cBhvr>
+                                        <p:cTn id="20" dur="1" fill="hold">
+                                          <p:stCondLst>
+                                            <p:cond delay="0"/>
+                                          </p:stCondLst>
+                                        </p:cTn>
+                                        <p:tgtEl>
+                                          <p:spTgt spid="3">
+                                            <p:txEl>
+                                              <p:pRg st="6" end="6"/>
+                                            </p:txEl>
+                                          </p:spTgt>
+                                        </p:tgtEl>
+                                        <p:attrNameLst>
+                                          <p:attrName>style.visibility</p:attrName>
+                                        </p:attrNameLst>
+                                      </p:cBhvr>
+                                      <p:to>
+                                        <p:strVal val="visible"/>
+                                      </p:to>
+                                    </p:set>
+                                  </p:childTnLst>
+                                </p:cTn>
+                              </p:par>
+                              <p:par>
+                                <p:cTn id="21" presetID="1" presetClass="entr" presetSubtype="0" fill="hold" grpId="0" nodeType="withEffect">
+                                  <p:stCondLst>
+                                    <p:cond delay="0"/>
+                                  </p:stCondLst>
+                                  <p:childTnLst>
+                                    <p:set>
+                                      <p:cBhvr>
+                                        <p:cTn id="22" dur="1" fill="hold">
+                                          <p:stCondLst>
+                                            <p:cond delay="0"/>
+                                          </p:stCondLst>
+                                        </p:cTn>
+                                        <p:tgtEl>
+                                          <p:spTgt spid="3">
+                                            <p:txEl>
+                                              <p:pRg st="7" end="7"/>
+                                            </p:txEl>
+                                          </p:spTgt>
+                                        </p:tgtEl>
+                                        <p:attrNameLst>
+                                          <p:attrName>style.visibility</p:attrName>
+                                        </p:attrNameLst>
+                                      </p:cBhvr>
+                                      <p:to>
+                                        <p:strVal val="visible"/>
+                                      </p:to>
+                                    </p:set>
+                                  </p:childTnLst>
+                                </p:cTn>
+                              </p:par>
+                            </p:childTnLst>
+                          </p:cTn>
+                        </p:par>
+                      </p:childTnLst>
+                    </p:cTn>
+                  </p:par>
+                </p:childTnLst>
+              </p:cTn>
+              <p:prevCondLst>
+                <p:cond evt="onPrev" delay="0">
+                  <p:tgtEl>
+                    <p:sldTgt/>
+                  </p:tgtEl>
+                </p:cond>
+              </p:prevCondLst>
+              <p:nextCondLst>
+                <p:cond evt="onNext" delay="0">
+                  <p:tgtEl>
+                    <p:sldTgt/>
+                  </p:tgtEl>
+                </p:cond>
+              </p:nextCondLst>
+            </p:seq>
+          </p:childTnLst>
+        </p:cTn>
+      </p:par>
+    </p:tnLst>
+    <p:bldLst>
+      <p:bldP spid="3" grpId="0" build="p"/>
+    </p:bldLst>
+  </p:timing>
 </p:sld>
 </file>
 
-<file path=ppt/slides/slide6.xml><?xml version="1.0" encoding="utf-8"?>
+<file path=ppt/slides/slide5.xml><?xml version="1.0" encoding="utf-8"?>
 <p:sld xmlns:a="http://schemas.openxmlformats.org/drawingml/2006/main" xmlns:r="http://schemas.openxmlformats.org/officeDocument/2006/relationships" xmlns:p="http://schemas.openxmlformats.org/presentationml/2006/main">
   <p:cSld>
     <p:spTree>
@@ -5397,7 +9302,7 @@
           <a:p>
             <a:r>
               <a:rPr lang="en-US" dirty="0"/>
-              <a:t>Write better code with fewer bugs.</a:t>
+              <a:t>Write better designed code with fewer bugs.</a:t>
             </a:r>
           </a:p>
           <a:p>
@@ -5436,6 +9341,830 @@
   <p:clrMapOvr>
     <a:masterClrMapping/>
   </p:clrMapOvr>
+  <mc:AlternateContent xmlns:mc="http://schemas.openxmlformats.org/markup-compatibility/2006">
+    <mc:Choice xmlns:p14="http://schemas.microsoft.com/office/powerpoint/2010/main" Requires="p14">
+      <p:transition spd="med" p14:dur="700">
+        <p:fade/>
+      </p:transition>
+    </mc:Choice>
+    <mc:Fallback>
+      <p:transition spd="med">
+        <p:fade/>
+      </p:transition>
+    </mc:Fallback>
+  </mc:AlternateContent>
+  <p:timing>
+    <p:tnLst>
+      <p:par>
+        <p:cTn id="1" dur="indefinite" restart="never" nodeType="tmRoot">
+          <p:childTnLst>
+            <p:seq concurrent="1" nextAc="seek">
+              <p:cTn id="2" dur="indefinite" nodeType="mainSeq">
+                <p:childTnLst>
+                  <p:par>
+                    <p:cTn id="3" fill="hold">
+                      <p:stCondLst>
+                        <p:cond delay="indefinite"/>
+                      </p:stCondLst>
+                      <p:childTnLst>
+                        <p:par>
+                          <p:cTn id="4" fill="hold">
+                            <p:stCondLst>
+                              <p:cond delay="0"/>
+                            </p:stCondLst>
+                            <p:childTnLst>
+                              <p:par>
+                                <p:cTn id="5" presetID="1" presetClass="entr" presetSubtype="0" fill="hold" grpId="0" nodeType="clickEffect">
+                                  <p:stCondLst>
+                                    <p:cond delay="0"/>
+                                  </p:stCondLst>
+                                  <p:childTnLst>
+                                    <p:set>
+                                      <p:cBhvr>
+                                        <p:cTn id="6" dur="1" fill="hold">
+                                          <p:stCondLst>
+                                            <p:cond delay="0"/>
+                                          </p:stCondLst>
+                                        </p:cTn>
+                                        <p:tgtEl>
+                                          <p:spTgt spid="3">
+                                            <p:txEl>
+                                              <p:pRg st="0" end="0"/>
+                                            </p:txEl>
+                                          </p:spTgt>
+                                        </p:tgtEl>
+                                        <p:attrNameLst>
+                                          <p:attrName>style.visibility</p:attrName>
+                                        </p:attrNameLst>
+                                      </p:cBhvr>
+                                      <p:to>
+                                        <p:strVal val="visible"/>
+                                      </p:to>
+                                    </p:set>
+                                  </p:childTnLst>
+                                </p:cTn>
+                              </p:par>
+                            </p:childTnLst>
+                          </p:cTn>
+                        </p:par>
+                      </p:childTnLst>
+                    </p:cTn>
+                  </p:par>
+                  <p:par>
+                    <p:cTn id="7" fill="hold">
+                      <p:stCondLst>
+                        <p:cond delay="indefinite"/>
+                      </p:stCondLst>
+                      <p:childTnLst>
+                        <p:par>
+                          <p:cTn id="8" fill="hold">
+                            <p:stCondLst>
+                              <p:cond delay="0"/>
+                            </p:stCondLst>
+                            <p:childTnLst>
+                              <p:par>
+                                <p:cTn id="9" presetID="1" presetClass="entr" presetSubtype="0" fill="hold" grpId="0" nodeType="clickEffect">
+                                  <p:stCondLst>
+                                    <p:cond delay="0"/>
+                                  </p:stCondLst>
+                                  <p:childTnLst>
+                                    <p:set>
+                                      <p:cBhvr>
+                                        <p:cTn id="10" dur="1" fill="hold">
+                                          <p:stCondLst>
+                                            <p:cond delay="0"/>
+                                          </p:stCondLst>
+                                        </p:cTn>
+                                        <p:tgtEl>
+                                          <p:spTgt spid="3">
+                                            <p:txEl>
+                                              <p:pRg st="1" end="1"/>
+                                            </p:txEl>
+                                          </p:spTgt>
+                                        </p:tgtEl>
+                                        <p:attrNameLst>
+                                          <p:attrName>style.visibility</p:attrName>
+                                        </p:attrNameLst>
+                                      </p:cBhvr>
+                                      <p:to>
+                                        <p:strVal val="visible"/>
+                                      </p:to>
+                                    </p:set>
+                                  </p:childTnLst>
+                                </p:cTn>
+                              </p:par>
+                            </p:childTnLst>
+                          </p:cTn>
+                        </p:par>
+                      </p:childTnLst>
+                    </p:cTn>
+                  </p:par>
+                  <p:par>
+                    <p:cTn id="11" fill="hold">
+                      <p:stCondLst>
+                        <p:cond delay="indefinite"/>
+                      </p:stCondLst>
+                      <p:childTnLst>
+                        <p:par>
+                          <p:cTn id="12" fill="hold">
+                            <p:stCondLst>
+                              <p:cond delay="0"/>
+                            </p:stCondLst>
+                            <p:childTnLst>
+                              <p:par>
+                                <p:cTn id="13" presetID="1" presetClass="entr" presetSubtype="0" fill="hold" grpId="0" nodeType="clickEffect">
+                                  <p:stCondLst>
+                                    <p:cond delay="0"/>
+                                  </p:stCondLst>
+                                  <p:childTnLst>
+                                    <p:set>
+                                      <p:cBhvr>
+                                        <p:cTn id="14" dur="1" fill="hold">
+                                          <p:stCondLst>
+                                            <p:cond delay="0"/>
+                                          </p:stCondLst>
+                                        </p:cTn>
+                                        <p:tgtEl>
+                                          <p:spTgt spid="3">
+                                            <p:txEl>
+                                              <p:pRg st="2" end="2"/>
+                                            </p:txEl>
+                                          </p:spTgt>
+                                        </p:tgtEl>
+                                        <p:attrNameLst>
+                                          <p:attrName>style.visibility</p:attrName>
+                                        </p:attrNameLst>
+                                      </p:cBhvr>
+                                      <p:to>
+                                        <p:strVal val="visible"/>
+                                      </p:to>
+                                    </p:set>
+                                  </p:childTnLst>
+                                </p:cTn>
+                              </p:par>
+                            </p:childTnLst>
+                          </p:cTn>
+                        </p:par>
+                      </p:childTnLst>
+                    </p:cTn>
+                  </p:par>
+                  <p:par>
+                    <p:cTn id="15" fill="hold">
+                      <p:stCondLst>
+                        <p:cond delay="indefinite"/>
+                      </p:stCondLst>
+                      <p:childTnLst>
+                        <p:par>
+                          <p:cTn id="16" fill="hold">
+                            <p:stCondLst>
+                              <p:cond delay="0"/>
+                            </p:stCondLst>
+                            <p:childTnLst>
+                              <p:par>
+                                <p:cTn id="17" presetID="1" presetClass="entr" presetSubtype="0" fill="hold" grpId="0" nodeType="clickEffect">
+                                  <p:stCondLst>
+                                    <p:cond delay="0"/>
+                                  </p:stCondLst>
+                                  <p:childTnLst>
+                                    <p:set>
+                                      <p:cBhvr>
+                                        <p:cTn id="18" dur="1" fill="hold">
+                                          <p:stCondLst>
+                                            <p:cond delay="0"/>
+                                          </p:stCondLst>
+                                        </p:cTn>
+                                        <p:tgtEl>
+                                          <p:spTgt spid="3">
+                                            <p:txEl>
+                                              <p:pRg st="3" end="3"/>
+                                            </p:txEl>
+                                          </p:spTgt>
+                                        </p:tgtEl>
+                                        <p:attrNameLst>
+                                          <p:attrName>style.visibility</p:attrName>
+                                        </p:attrNameLst>
+                                      </p:cBhvr>
+                                      <p:to>
+                                        <p:strVal val="visible"/>
+                                      </p:to>
+                                    </p:set>
+                                  </p:childTnLst>
+                                </p:cTn>
+                              </p:par>
+                            </p:childTnLst>
+                          </p:cTn>
+                        </p:par>
+                      </p:childTnLst>
+                    </p:cTn>
+                  </p:par>
+                  <p:par>
+                    <p:cTn id="19" fill="hold">
+                      <p:stCondLst>
+                        <p:cond delay="indefinite"/>
+                      </p:stCondLst>
+                      <p:childTnLst>
+                        <p:par>
+                          <p:cTn id="20" fill="hold">
+                            <p:stCondLst>
+                              <p:cond delay="0"/>
+                            </p:stCondLst>
+                            <p:childTnLst>
+                              <p:par>
+                                <p:cTn id="21" presetID="1" presetClass="entr" presetSubtype="0" fill="hold" grpId="0" nodeType="clickEffect">
+                                  <p:stCondLst>
+                                    <p:cond delay="0"/>
+                                  </p:stCondLst>
+                                  <p:childTnLst>
+                                    <p:set>
+                                      <p:cBhvr>
+                                        <p:cTn id="22" dur="1" fill="hold">
+                                          <p:stCondLst>
+                                            <p:cond delay="0"/>
+                                          </p:stCondLst>
+                                        </p:cTn>
+                                        <p:tgtEl>
+                                          <p:spTgt spid="3">
+                                            <p:txEl>
+                                              <p:pRg st="4" end="4"/>
+                                            </p:txEl>
+                                          </p:spTgt>
+                                        </p:tgtEl>
+                                        <p:attrNameLst>
+                                          <p:attrName>style.visibility</p:attrName>
+                                        </p:attrNameLst>
+                                      </p:cBhvr>
+                                      <p:to>
+                                        <p:strVal val="visible"/>
+                                      </p:to>
+                                    </p:set>
+                                  </p:childTnLst>
+                                </p:cTn>
+                              </p:par>
+                            </p:childTnLst>
+                          </p:cTn>
+                        </p:par>
+                      </p:childTnLst>
+                    </p:cTn>
+                  </p:par>
+                  <p:par>
+                    <p:cTn id="23" fill="hold">
+                      <p:stCondLst>
+                        <p:cond delay="indefinite"/>
+                      </p:stCondLst>
+                      <p:childTnLst>
+                        <p:par>
+                          <p:cTn id="24" fill="hold">
+                            <p:stCondLst>
+                              <p:cond delay="0"/>
+                            </p:stCondLst>
+                            <p:childTnLst>
+                              <p:par>
+                                <p:cTn id="25" presetID="1" presetClass="entr" presetSubtype="0" fill="hold" grpId="0" nodeType="clickEffect">
+                                  <p:stCondLst>
+                                    <p:cond delay="0"/>
+                                  </p:stCondLst>
+                                  <p:childTnLst>
+                                    <p:set>
+                                      <p:cBhvr>
+                                        <p:cTn id="26" dur="1" fill="hold">
+                                          <p:stCondLst>
+                                            <p:cond delay="0"/>
+                                          </p:stCondLst>
+                                        </p:cTn>
+                                        <p:tgtEl>
+                                          <p:spTgt spid="3">
+                                            <p:txEl>
+                                              <p:pRg st="5" end="5"/>
+                                            </p:txEl>
+                                          </p:spTgt>
+                                        </p:tgtEl>
+                                        <p:attrNameLst>
+                                          <p:attrName>style.visibility</p:attrName>
+                                        </p:attrNameLst>
+                                      </p:cBhvr>
+                                      <p:to>
+                                        <p:strVal val="visible"/>
+                                      </p:to>
+                                    </p:set>
+                                  </p:childTnLst>
+                                </p:cTn>
+                              </p:par>
+                            </p:childTnLst>
+                          </p:cTn>
+                        </p:par>
+                      </p:childTnLst>
+                    </p:cTn>
+                  </p:par>
+                  <p:par>
+                    <p:cTn id="27" fill="hold">
+                      <p:stCondLst>
+                        <p:cond delay="indefinite"/>
+                      </p:stCondLst>
+                      <p:childTnLst>
+                        <p:par>
+                          <p:cTn id="28" fill="hold">
+                            <p:stCondLst>
+                              <p:cond delay="0"/>
+                            </p:stCondLst>
+                            <p:childTnLst>
+                              <p:par>
+                                <p:cTn id="29" presetID="1" presetClass="entr" presetSubtype="0" fill="hold" grpId="0" nodeType="clickEffect">
+                                  <p:stCondLst>
+                                    <p:cond delay="0"/>
+                                  </p:stCondLst>
+                                  <p:childTnLst>
+                                    <p:set>
+                                      <p:cBhvr>
+                                        <p:cTn id="30" dur="1" fill="hold">
+                                          <p:stCondLst>
+                                            <p:cond delay="0"/>
+                                          </p:stCondLst>
+                                        </p:cTn>
+                                        <p:tgtEl>
+                                          <p:spTgt spid="3">
+                                            <p:txEl>
+                                              <p:pRg st="6" end="6"/>
+                                            </p:txEl>
+                                          </p:spTgt>
+                                        </p:tgtEl>
+                                        <p:attrNameLst>
+                                          <p:attrName>style.visibility</p:attrName>
+                                        </p:attrNameLst>
+                                      </p:cBhvr>
+                                      <p:to>
+                                        <p:strVal val="visible"/>
+                                      </p:to>
+                                    </p:set>
+                                  </p:childTnLst>
+                                </p:cTn>
+                              </p:par>
+                            </p:childTnLst>
+                          </p:cTn>
+                        </p:par>
+                      </p:childTnLst>
+                    </p:cTn>
+                  </p:par>
+                  <p:par>
+                    <p:cTn id="31" fill="hold">
+                      <p:stCondLst>
+                        <p:cond delay="indefinite"/>
+                      </p:stCondLst>
+                      <p:childTnLst>
+                        <p:par>
+                          <p:cTn id="32" fill="hold">
+                            <p:stCondLst>
+                              <p:cond delay="0"/>
+                            </p:stCondLst>
+                            <p:childTnLst>
+                              <p:par>
+                                <p:cTn id="33" presetID="1" presetClass="entr" presetSubtype="0" fill="hold" grpId="0" nodeType="clickEffect">
+                                  <p:stCondLst>
+                                    <p:cond delay="0"/>
+                                  </p:stCondLst>
+                                  <p:childTnLst>
+                                    <p:set>
+                                      <p:cBhvr>
+                                        <p:cTn id="34" dur="1" fill="hold">
+                                          <p:stCondLst>
+                                            <p:cond delay="0"/>
+                                          </p:stCondLst>
+                                        </p:cTn>
+                                        <p:tgtEl>
+                                          <p:spTgt spid="3">
+                                            <p:txEl>
+                                              <p:pRg st="7" end="7"/>
+                                            </p:txEl>
+                                          </p:spTgt>
+                                        </p:tgtEl>
+                                        <p:attrNameLst>
+                                          <p:attrName>style.visibility</p:attrName>
+                                        </p:attrNameLst>
+                                      </p:cBhvr>
+                                      <p:to>
+                                        <p:strVal val="visible"/>
+                                      </p:to>
+                                    </p:set>
+                                  </p:childTnLst>
+                                </p:cTn>
+                              </p:par>
+                            </p:childTnLst>
+                          </p:cTn>
+                        </p:par>
+                      </p:childTnLst>
+                    </p:cTn>
+                  </p:par>
+                </p:childTnLst>
+              </p:cTn>
+              <p:prevCondLst>
+                <p:cond evt="onPrev" delay="0">
+                  <p:tgtEl>
+                    <p:sldTgt/>
+                  </p:tgtEl>
+                </p:cond>
+              </p:prevCondLst>
+              <p:nextCondLst>
+                <p:cond evt="onNext" delay="0">
+                  <p:tgtEl>
+                    <p:sldTgt/>
+                  </p:tgtEl>
+                </p:cond>
+              </p:nextCondLst>
+            </p:seq>
+          </p:childTnLst>
+        </p:cTn>
+      </p:par>
+    </p:tnLst>
+    <p:bldLst>
+      <p:bldP spid="3" grpId="0" build="p"/>
+    </p:bldLst>
+  </p:timing>
+</p:sld>
+</file>
+
+<file path=ppt/slides/slide6.xml><?xml version="1.0" encoding="utf-8"?>
+<p:sld xmlns:a="http://schemas.openxmlformats.org/drawingml/2006/main" xmlns:r="http://schemas.openxmlformats.org/officeDocument/2006/relationships" xmlns:p="http://schemas.openxmlformats.org/presentationml/2006/main">
+  <p:cSld>
+    <p:spTree>
+      <p:nvGrpSpPr>
+        <p:cNvPr id="1" name=""/>
+        <p:cNvGrpSpPr/>
+        <p:nvPr/>
+      </p:nvGrpSpPr>
+      <p:grpSpPr>
+        <a:xfrm>
+          <a:off x="0" y="0"/>
+          <a:ext cx="0" cy="0"/>
+          <a:chOff x="0" y="0"/>
+          <a:chExt cx="0" cy="0"/>
+        </a:xfrm>
+      </p:grpSpPr>
+      <p:sp>
+        <p:nvSpPr>
+          <p:cNvPr id="2" name="Title 1">
+            <a:extLst>
+              <a:ext uri="{FF2B5EF4-FFF2-40B4-BE49-F238E27FC236}">
+                <a16:creationId xmlns:a16="http://schemas.microsoft.com/office/drawing/2014/main" id="{BABD1CAC-6277-124D-AB33-8288E45C6348}"/>
+              </a:ext>
+            </a:extLst>
+          </p:cNvPr>
+          <p:cNvSpPr>
+            <a:spLocks noGrp="1"/>
+          </p:cNvSpPr>
+          <p:nvPr>
+            <p:ph type="title"/>
+          </p:nvPr>
+        </p:nvSpPr>
+        <p:spPr/>
+        <p:txBody>
+          <a:bodyPr/>
+          <a:lstStyle/>
+          <a:p>
+            <a:r>
+              <a:rPr lang="en-US" b="1" dirty="0"/>
+              <a:t>Total Cost of Ownership (TCO)</a:t>
+            </a:r>
+          </a:p>
+        </p:txBody>
+      </p:sp>
+      <p:sp>
+        <p:nvSpPr>
+          <p:cNvPr id="3" name="Content Placeholder 2">
+            <a:extLst>
+              <a:ext uri="{FF2B5EF4-FFF2-40B4-BE49-F238E27FC236}">
+                <a16:creationId xmlns:a16="http://schemas.microsoft.com/office/drawing/2014/main" id="{532B2E44-37C7-8E48-AA25-73DDC1961F4C}"/>
+              </a:ext>
+            </a:extLst>
+          </p:cNvPr>
+          <p:cNvSpPr>
+            <a:spLocks noGrp="1"/>
+          </p:cNvSpPr>
+          <p:nvPr>
+            <p:ph idx="1"/>
+          </p:nvPr>
+        </p:nvSpPr>
+        <p:spPr/>
+        <p:txBody>
+          <a:bodyPr/>
+          <a:lstStyle/>
+          <a:p>
+            <a:r>
+              <a:rPr lang="en-US" dirty="0"/>
+              <a:t>The Total Cost of Ownership (TCO) of enterprise software is the sum of all direct and indirect costs incurred by that software.</a:t>
+            </a:r>
+          </a:p>
+          <a:p>
+            <a:pPr lvl="1"/>
+            <a:r>
+              <a:rPr lang="en-US" dirty="0"/>
+              <a:t>Software development is the biggest contributor.</a:t>
+            </a:r>
+          </a:p>
+          <a:p>
+            <a:r>
+              <a:rPr lang="en-US" dirty="0"/>
+              <a:t>TDD can significantly reduce the Total Cost of Ownership (TCO) of software development projects.</a:t>
+            </a:r>
+          </a:p>
+          <a:p>
+            <a:pPr lvl="1"/>
+            <a:r>
+              <a:rPr lang="en-US" dirty="0"/>
+              <a:t>Consider long-term maintenance and evolution.</a:t>
+            </a:r>
+          </a:p>
+          <a:p>
+            <a:pPr lvl="1"/>
+            <a:r>
+              <a:rPr lang="en-US" dirty="0"/>
+              <a:t>Technical debt can negatively impact TCO. </a:t>
+            </a:r>
+          </a:p>
+          <a:p>
+            <a:pPr lvl="1"/>
+            <a:r>
+              <a:rPr lang="en-US" dirty="0"/>
+              <a:t>Understanding and forecasting the TCO and is a critical part of the Return on Investment (ROI) calculation.</a:t>
+            </a:r>
+          </a:p>
+        </p:txBody>
+      </p:sp>
+    </p:spTree>
+    <p:extLst>
+      <p:ext uri="{BB962C8B-B14F-4D97-AF65-F5344CB8AC3E}">
+        <p14:creationId xmlns:p14="http://schemas.microsoft.com/office/powerpoint/2010/main" val="4039393474"/>
+      </p:ext>
+    </p:extLst>
+  </p:cSld>
+  <p:clrMapOvr>
+    <a:masterClrMapping/>
+  </p:clrMapOvr>
+  <mc:AlternateContent xmlns:mc="http://schemas.openxmlformats.org/markup-compatibility/2006">
+    <mc:Choice xmlns:p14="http://schemas.microsoft.com/office/powerpoint/2010/main" Requires="p14">
+      <p:transition spd="med" p14:dur="700">
+        <p:fade/>
+      </p:transition>
+    </mc:Choice>
+    <mc:Fallback>
+      <p:transition spd="med">
+        <p:fade/>
+      </p:transition>
+    </mc:Fallback>
+  </mc:AlternateContent>
+  <p:timing>
+    <p:tnLst>
+      <p:par>
+        <p:cTn id="1" dur="indefinite" restart="never" nodeType="tmRoot">
+          <p:childTnLst>
+            <p:seq concurrent="1" nextAc="seek">
+              <p:cTn id="2" dur="indefinite" nodeType="mainSeq">
+                <p:childTnLst>
+                  <p:par>
+                    <p:cTn id="3" fill="hold">
+                      <p:stCondLst>
+                        <p:cond delay="indefinite"/>
+                      </p:stCondLst>
+                      <p:childTnLst>
+                        <p:par>
+                          <p:cTn id="4" fill="hold">
+                            <p:stCondLst>
+                              <p:cond delay="0"/>
+                            </p:stCondLst>
+                            <p:childTnLst>
+                              <p:par>
+                                <p:cTn id="5" presetID="1" presetClass="entr" presetSubtype="0" fill="hold" grpId="0" nodeType="clickEffect">
+                                  <p:stCondLst>
+                                    <p:cond delay="0"/>
+                                  </p:stCondLst>
+                                  <p:childTnLst>
+                                    <p:set>
+                                      <p:cBhvr>
+                                        <p:cTn id="6" dur="1" fill="hold">
+                                          <p:stCondLst>
+                                            <p:cond delay="0"/>
+                                          </p:stCondLst>
+                                        </p:cTn>
+                                        <p:tgtEl>
+                                          <p:spTgt spid="3">
+                                            <p:txEl>
+                                              <p:pRg st="0" end="0"/>
+                                            </p:txEl>
+                                          </p:spTgt>
+                                        </p:tgtEl>
+                                        <p:attrNameLst>
+                                          <p:attrName>style.visibility</p:attrName>
+                                        </p:attrNameLst>
+                                      </p:cBhvr>
+                                      <p:to>
+                                        <p:strVal val="visible"/>
+                                      </p:to>
+                                    </p:set>
+                                  </p:childTnLst>
+                                </p:cTn>
+                              </p:par>
+                              <p:par>
+                                <p:cTn id="7" presetID="1" presetClass="entr" presetSubtype="0" fill="hold" grpId="0" nodeType="withEffect">
+                                  <p:stCondLst>
+                                    <p:cond delay="0"/>
+                                  </p:stCondLst>
+                                  <p:childTnLst>
+                                    <p:set>
+                                      <p:cBhvr>
+                                        <p:cTn id="8" dur="1" fill="hold">
+                                          <p:stCondLst>
+                                            <p:cond delay="0"/>
+                                          </p:stCondLst>
+                                        </p:cTn>
+                                        <p:tgtEl>
+                                          <p:spTgt spid="3">
+                                            <p:txEl>
+                                              <p:pRg st="1" end="1"/>
+                                            </p:txEl>
+                                          </p:spTgt>
+                                        </p:tgtEl>
+                                        <p:attrNameLst>
+                                          <p:attrName>style.visibility</p:attrName>
+                                        </p:attrNameLst>
+                                      </p:cBhvr>
+                                      <p:to>
+                                        <p:strVal val="visible"/>
+                                      </p:to>
+                                    </p:set>
+                                  </p:childTnLst>
+                                </p:cTn>
+                              </p:par>
+                            </p:childTnLst>
+                          </p:cTn>
+                        </p:par>
+                      </p:childTnLst>
+                    </p:cTn>
+                  </p:par>
+                  <p:par>
+                    <p:cTn id="9" fill="hold">
+                      <p:stCondLst>
+                        <p:cond delay="indefinite"/>
+                      </p:stCondLst>
+                      <p:childTnLst>
+                        <p:par>
+                          <p:cTn id="10" fill="hold">
+                            <p:stCondLst>
+                              <p:cond delay="0"/>
+                            </p:stCondLst>
+                            <p:childTnLst>
+                              <p:par>
+                                <p:cTn id="11" presetID="1" presetClass="entr" presetSubtype="0" fill="hold" grpId="0" nodeType="clickEffect">
+                                  <p:stCondLst>
+                                    <p:cond delay="0"/>
+                                  </p:stCondLst>
+                                  <p:childTnLst>
+                                    <p:set>
+                                      <p:cBhvr>
+                                        <p:cTn id="12" dur="1" fill="hold">
+                                          <p:stCondLst>
+                                            <p:cond delay="0"/>
+                                          </p:stCondLst>
+                                        </p:cTn>
+                                        <p:tgtEl>
+                                          <p:spTgt spid="3">
+                                            <p:txEl>
+                                              <p:pRg st="2" end="2"/>
+                                            </p:txEl>
+                                          </p:spTgt>
+                                        </p:tgtEl>
+                                        <p:attrNameLst>
+                                          <p:attrName>style.visibility</p:attrName>
+                                        </p:attrNameLst>
+                                      </p:cBhvr>
+                                      <p:to>
+                                        <p:strVal val="visible"/>
+                                      </p:to>
+                                    </p:set>
+                                  </p:childTnLst>
+                                </p:cTn>
+                              </p:par>
+                              <p:par>
+                                <p:cTn id="13" presetID="1" presetClass="entr" presetSubtype="0" fill="hold" grpId="0" nodeType="withEffect">
+                                  <p:stCondLst>
+                                    <p:cond delay="0"/>
+                                  </p:stCondLst>
+                                  <p:childTnLst>
+                                    <p:set>
+                                      <p:cBhvr>
+                                        <p:cTn id="14" dur="1" fill="hold">
+                                          <p:stCondLst>
+                                            <p:cond delay="0"/>
+                                          </p:stCondLst>
+                                        </p:cTn>
+                                        <p:tgtEl>
+                                          <p:spTgt spid="3">
+                                            <p:txEl>
+                                              <p:pRg st="3" end="3"/>
+                                            </p:txEl>
+                                          </p:spTgt>
+                                        </p:tgtEl>
+                                        <p:attrNameLst>
+                                          <p:attrName>style.visibility</p:attrName>
+                                        </p:attrNameLst>
+                                      </p:cBhvr>
+                                      <p:to>
+                                        <p:strVal val="visible"/>
+                                      </p:to>
+                                    </p:set>
+                                  </p:childTnLst>
+                                </p:cTn>
+                              </p:par>
+                              <p:par>
+                                <p:cTn id="15" presetID="1" presetClass="entr" presetSubtype="0" fill="hold" grpId="0" nodeType="withEffect">
+                                  <p:stCondLst>
+                                    <p:cond delay="0"/>
+                                  </p:stCondLst>
+                                  <p:childTnLst>
+                                    <p:set>
+                                      <p:cBhvr>
+                                        <p:cTn id="16" dur="1" fill="hold">
+                                          <p:stCondLst>
+                                            <p:cond delay="0"/>
+                                          </p:stCondLst>
+                                        </p:cTn>
+                                        <p:tgtEl>
+                                          <p:spTgt spid="3">
+                                            <p:txEl>
+                                              <p:pRg st="4" end="4"/>
+                                            </p:txEl>
+                                          </p:spTgt>
+                                        </p:tgtEl>
+                                        <p:attrNameLst>
+                                          <p:attrName>style.visibility</p:attrName>
+                                        </p:attrNameLst>
+                                      </p:cBhvr>
+                                      <p:to>
+                                        <p:strVal val="visible"/>
+                                      </p:to>
+                                    </p:set>
+                                  </p:childTnLst>
+                                </p:cTn>
+                              </p:par>
+                              <p:par>
+                                <p:cTn id="17" presetID="1" presetClass="entr" presetSubtype="0" fill="hold" grpId="0" nodeType="withEffect">
+                                  <p:stCondLst>
+                                    <p:cond delay="0"/>
+                                  </p:stCondLst>
+                                  <p:childTnLst>
+                                    <p:set>
+                                      <p:cBhvr>
+                                        <p:cTn id="18" dur="1" fill="hold">
+                                          <p:stCondLst>
+                                            <p:cond delay="0"/>
+                                          </p:stCondLst>
+                                        </p:cTn>
+                                        <p:tgtEl>
+                                          <p:spTgt spid="3">
+                                            <p:txEl>
+                                              <p:pRg st="5" end="5"/>
+                                            </p:txEl>
+                                          </p:spTgt>
+                                        </p:tgtEl>
+                                        <p:attrNameLst>
+                                          <p:attrName>style.visibility</p:attrName>
+                                        </p:attrNameLst>
+                                      </p:cBhvr>
+                                      <p:to>
+                                        <p:strVal val="visible"/>
+                                      </p:to>
+                                    </p:set>
+                                  </p:childTnLst>
+                                </p:cTn>
+                              </p:par>
+                            </p:childTnLst>
+                          </p:cTn>
+                        </p:par>
+                      </p:childTnLst>
+                    </p:cTn>
+                  </p:par>
+                </p:childTnLst>
+              </p:cTn>
+              <p:prevCondLst>
+                <p:cond evt="onPrev" delay="0">
+                  <p:tgtEl>
+                    <p:sldTgt/>
+                  </p:tgtEl>
+                </p:cond>
+              </p:prevCondLst>
+              <p:nextCondLst>
+                <p:cond evt="onNext" delay="0">
+                  <p:tgtEl>
+                    <p:sldTgt/>
+                  </p:tgtEl>
+                </p:cond>
+              </p:nextCondLst>
+            </p:seq>
+          </p:childTnLst>
+        </p:cTn>
+      </p:par>
+    </p:tnLst>
+    <p:bldLst>
+      <p:bldP spid="3" grpId="0" build="p"/>
+    </p:bldLst>
+  </p:timing>
 </p:sld>
 </file>
 
@@ -5563,6 +10292,304 @@
   <p:clrMapOvr>
     <a:masterClrMapping/>
   </p:clrMapOvr>
+  <mc:AlternateContent xmlns:mc="http://schemas.openxmlformats.org/markup-compatibility/2006">
+    <mc:Choice xmlns:p14="http://schemas.microsoft.com/office/powerpoint/2010/main" Requires="p14">
+      <p:transition spd="med" p14:dur="700">
+        <p:fade/>
+      </p:transition>
+    </mc:Choice>
+    <mc:Fallback>
+      <p:transition spd="med">
+        <p:fade/>
+      </p:transition>
+    </mc:Fallback>
+  </mc:AlternateContent>
+  <p:timing>
+    <p:tnLst>
+      <p:par>
+        <p:cTn id="1" dur="indefinite" restart="never" nodeType="tmRoot">
+          <p:childTnLst>
+            <p:seq concurrent="1" nextAc="seek">
+              <p:cTn id="2" dur="indefinite" nodeType="mainSeq">
+                <p:childTnLst>
+                  <p:par>
+                    <p:cTn id="3" fill="hold">
+                      <p:stCondLst>
+                        <p:cond delay="indefinite"/>
+                      </p:stCondLst>
+                      <p:childTnLst>
+                        <p:par>
+                          <p:cTn id="4" fill="hold">
+                            <p:stCondLst>
+                              <p:cond delay="0"/>
+                            </p:stCondLst>
+                            <p:childTnLst>
+                              <p:par>
+                                <p:cTn id="5" presetID="1" presetClass="entr" presetSubtype="0" fill="hold" grpId="0" nodeType="clickEffect">
+                                  <p:stCondLst>
+                                    <p:cond delay="0"/>
+                                  </p:stCondLst>
+                                  <p:childTnLst>
+                                    <p:set>
+                                      <p:cBhvr>
+                                        <p:cTn id="6" dur="1" fill="hold">
+                                          <p:stCondLst>
+                                            <p:cond delay="0"/>
+                                          </p:stCondLst>
+                                        </p:cTn>
+                                        <p:tgtEl>
+                                          <p:spTgt spid="3">
+                                            <p:txEl>
+                                              <p:pRg st="0" end="0"/>
+                                            </p:txEl>
+                                          </p:spTgt>
+                                        </p:tgtEl>
+                                        <p:attrNameLst>
+                                          <p:attrName>style.visibility</p:attrName>
+                                        </p:attrNameLst>
+                                      </p:cBhvr>
+                                      <p:to>
+                                        <p:strVal val="visible"/>
+                                      </p:to>
+                                    </p:set>
+                                  </p:childTnLst>
+                                </p:cTn>
+                              </p:par>
+                              <p:par>
+                                <p:cTn id="7" presetID="1" presetClass="entr" presetSubtype="0" fill="hold" grpId="0" nodeType="withEffect">
+                                  <p:stCondLst>
+                                    <p:cond delay="0"/>
+                                  </p:stCondLst>
+                                  <p:childTnLst>
+                                    <p:set>
+                                      <p:cBhvr>
+                                        <p:cTn id="8" dur="1" fill="hold">
+                                          <p:stCondLst>
+                                            <p:cond delay="0"/>
+                                          </p:stCondLst>
+                                        </p:cTn>
+                                        <p:tgtEl>
+                                          <p:spTgt spid="3">
+                                            <p:txEl>
+                                              <p:pRg st="1" end="1"/>
+                                            </p:txEl>
+                                          </p:spTgt>
+                                        </p:tgtEl>
+                                        <p:attrNameLst>
+                                          <p:attrName>style.visibility</p:attrName>
+                                        </p:attrNameLst>
+                                      </p:cBhvr>
+                                      <p:to>
+                                        <p:strVal val="visible"/>
+                                      </p:to>
+                                    </p:set>
+                                  </p:childTnLst>
+                                </p:cTn>
+                              </p:par>
+                              <p:par>
+                                <p:cTn id="9" presetID="1" presetClass="entr" presetSubtype="0" fill="hold" grpId="0" nodeType="withEffect">
+                                  <p:stCondLst>
+                                    <p:cond delay="0"/>
+                                  </p:stCondLst>
+                                  <p:childTnLst>
+                                    <p:set>
+                                      <p:cBhvr>
+                                        <p:cTn id="10" dur="1" fill="hold">
+                                          <p:stCondLst>
+                                            <p:cond delay="0"/>
+                                          </p:stCondLst>
+                                        </p:cTn>
+                                        <p:tgtEl>
+                                          <p:spTgt spid="3">
+                                            <p:txEl>
+                                              <p:pRg st="2" end="2"/>
+                                            </p:txEl>
+                                          </p:spTgt>
+                                        </p:tgtEl>
+                                        <p:attrNameLst>
+                                          <p:attrName>style.visibility</p:attrName>
+                                        </p:attrNameLst>
+                                      </p:cBhvr>
+                                      <p:to>
+                                        <p:strVal val="visible"/>
+                                      </p:to>
+                                    </p:set>
+                                  </p:childTnLst>
+                                </p:cTn>
+                              </p:par>
+                              <p:par>
+                                <p:cTn id="11" presetID="1" presetClass="entr" presetSubtype="0" fill="hold" grpId="0" nodeType="withEffect">
+                                  <p:stCondLst>
+                                    <p:cond delay="0"/>
+                                  </p:stCondLst>
+                                  <p:childTnLst>
+                                    <p:set>
+                                      <p:cBhvr>
+                                        <p:cTn id="12" dur="1" fill="hold">
+                                          <p:stCondLst>
+                                            <p:cond delay="0"/>
+                                          </p:stCondLst>
+                                        </p:cTn>
+                                        <p:tgtEl>
+                                          <p:spTgt spid="3">
+                                            <p:txEl>
+                                              <p:pRg st="3" end="3"/>
+                                            </p:txEl>
+                                          </p:spTgt>
+                                        </p:tgtEl>
+                                        <p:attrNameLst>
+                                          <p:attrName>style.visibility</p:attrName>
+                                        </p:attrNameLst>
+                                      </p:cBhvr>
+                                      <p:to>
+                                        <p:strVal val="visible"/>
+                                      </p:to>
+                                    </p:set>
+                                  </p:childTnLst>
+                                </p:cTn>
+                              </p:par>
+                              <p:par>
+                                <p:cTn id="13" presetID="1" presetClass="entr" presetSubtype="0" fill="hold" grpId="0" nodeType="withEffect">
+                                  <p:stCondLst>
+                                    <p:cond delay="0"/>
+                                  </p:stCondLst>
+                                  <p:childTnLst>
+                                    <p:set>
+                                      <p:cBhvr>
+                                        <p:cTn id="14" dur="1" fill="hold">
+                                          <p:stCondLst>
+                                            <p:cond delay="0"/>
+                                          </p:stCondLst>
+                                        </p:cTn>
+                                        <p:tgtEl>
+                                          <p:spTgt spid="3">
+                                            <p:txEl>
+                                              <p:pRg st="4" end="4"/>
+                                            </p:txEl>
+                                          </p:spTgt>
+                                        </p:tgtEl>
+                                        <p:attrNameLst>
+                                          <p:attrName>style.visibility</p:attrName>
+                                        </p:attrNameLst>
+                                      </p:cBhvr>
+                                      <p:to>
+                                        <p:strVal val="visible"/>
+                                      </p:to>
+                                    </p:set>
+                                  </p:childTnLst>
+                                </p:cTn>
+                              </p:par>
+                              <p:par>
+                                <p:cTn id="15" presetID="1" presetClass="entr" presetSubtype="0" fill="hold" grpId="0" nodeType="withEffect">
+                                  <p:stCondLst>
+                                    <p:cond delay="0"/>
+                                  </p:stCondLst>
+                                  <p:childTnLst>
+                                    <p:set>
+                                      <p:cBhvr>
+                                        <p:cTn id="16" dur="1" fill="hold">
+                                          <p:stCondLst>
+                                            <p:cond delay="0"/>
+                                          </p:stCondLst>
+                                        </p:cTn>
+                                        <p:tgtEl>
+                                          <p:spTgt spid="3">
+                                            <p:txEl>
+                                              <p:pRg st="5" end="5"/>
+                                            </p:txEl>
+                                          </p:spTgt>
+                                        </p:tgtEl>
+                                        <p:attrNameLst>
+                                          <p:attrName>style.visibility</p:attrName>
+                                        </p:attrNameLst>
+                                      </p:cBhvr>
+                                      <p:to>
+                                        <p:strVal val="visible"/>
+                                      </p:to>
+                                    </p:set>
+                                  </p:childTnLst>
+                                </p:cTn>
+                              </p:par>
+                            </p:childTnLst>
+                          </p:cTn>
+                        </p:par>
+                      </p:childTnLst>
+                    </p:cTn>
+                  </p:par>
+                  <p:par>
+                    <p:cTn id="17" fill="hold">
+                      <p:stCondLst>
+                        <p:cond delay="indefinite"/>
+                      </p:stCondLst>
+                      <p:childTnLst>
+                        <p:par>
+                          <p:cTn id="18" fill="hold">
+                            <p:stCondLst>
+                              <p:cond delay="0"/>
+                            </p:stCondLst>
+                            <p:childTnLst>
+                              <p:par>
+                                <p:cTn id="19" presetID="1" presetClass="entr" presetSubtype="0" fill="hold" grpId="0" nodeType="clickEffect">
+                                  <p:stCondLst>
+                                    <p:cond delay="0"/>
+                                  </p:stCondLst>
+                                  <p:childTnLst>
+                                    <p:set>
+                                      <p:cBhvr>
+                                        <p:cTn id="20" dur="1" fill="hold">
+                                          <p:stCondLst>
+                                            <p:cond delay="0"/>
+                                          </p:stCondLst>
+                                        </p:cTn>
+                                        <p:tgtEl>
+                                          <p:spTgt spid="3">
+                                            <p:txEl>
+                                              <p:pRg st="6" end="6"/>
+                                            </p:txEl>
+                                          </p:spTgt>
+                                        </p:tgtEl>
+                                        <p:attrNameLst>
+                                          <p:attrName>style.visibility</p:attrName>
+                                        </p:attrNameLst>
+                                      </p:cBhvr>
+                                      <p:to>
+                                        <p:strVal val="visible"/>
+                                      </p:to>
+                                    </p:set>
+                                  </p:childTnLst>
+                                </p:cTn>
+                              </p:par>
+                            </p:childTnLst>
+                          </p:cTn>
+                        </p:par>
+                      </p:childTnLst>
+                    </p:cTn>
+                  </p:par>
+                </p:childTnLst>
+              </p:cTn>
+              <p:prevCondLst>
+                <p:cond evt="onPrev" delay="0">
+                  <p:tgtEl>
+                    <p:sldTgt/>
+                  </p:tgtEl>
+                </p:cond>
+              </p:prevCondLst>
+              <p:nextCondLst>
+                <p:cond evt="onNext" delay="0">
+                  <p:tgtEl>
+                    <p:sldTgt/>
+                  </p:tgtEl>
+                </p:cond>
+              </p:nextCondLst>
+            </p:seq>
+          </p:childTnLst>
+        </p:cTn>
+      </p:par>
+    </p:tnLst>
+    <p:bldLst>
+      <p:bldP spid="3" grpId="0" build="p"/>
+    </p:bldLst>
+  </p:timing>
 </p:sld>
 </file>
 
@@ -5694,6 +10721,376 @@
   <p:clrMapOvr>
     <a:masterClrMapping/>
   </p:clrMapOvr>
+  <mc:AlternateContent xmlns:mc="http://schemas.openxmlformats.org/markup-compatibility/2006">
+    <mc:Choice xmlns:p14="http://schemas.microsoft.com/office/powerpoint/2010/main" Requires="p14">
+      <p:transition spd="med" p14:dur="700">
+        <p:fade/>
+      </p:transition>
+    </mc:Choice>
+    <mc:Fallback>
+      <p:transition spd="med">
+        <p:fade/>
+      </p:transition>
+    </mc:Fallback>
+  </mc:AlternateContent>
+  <p:timing>
+    <p:tnLst>
+      <p:par>
+        <p:cTn id="1" dur="indefinite" restart="never" nodeType="tmRoot">
+          <p:childTnLst>
+            <p:seq concurrent="1" nextAc="seek">
+              <p:cTn id="2" dur="indefinite" nodeType="mainSeq">
+                <p:childTnLst>
+                  <p:par>
+                    <p:cTn id="3" fill="hold">
+                      <p:stCondLst>
+                        <p:cond delay="indefinite"/>
+                      </p:stCondLst>
+                      <p:childTnLst>
+                        <p:par>
+                          <p:cTn id="4" fill="hold">
+                            <p:stCondLst>
+                              <p:cond delay="0"/>
+                            </p:stCondLst>
+                            <p:childTnLst>
+                              <p:par>
+                                <p:cTn id="5" presetID="1" presetClass="entr" presetSubtype="0" fill="hold" grpId="0" nodeType="clickEffect">
+                                  <p:stCondLst>
+                                    <p:cond delay="0"/>
+                                  </p:stCondLst>
+                                  <p:childTnLst>
+                                    <p:set>
+                                      <p:cBhvr>
+                                        <p:cTn id="6" dur="1" fill="hold">
+                                          <p:stCondLst>
+                                            <p:cond delay="0"/>
+                                          </p:stCondLst>
+                                        </p:cTn>
+                                        <p:tgtEl>
+                                          <p:spTgt spid="3">
+                                            <p:txEl>
+                                              <p:pRg st="0" end="0"/>
+                                            </p:txEl>
+                                          </p:spTgt>
+                                        </p:tgtEl>
+                                        <p:attrNameLst>
+                                          <p:attrName>style.visibility</p:attrName>
+                                        </p:attrNameLst>
+                                      </p:cBhvr>
+                                      <p:to>
+                                        <p:strVal val="visible"/>
+                                      </p:to>
+                                    </p:set>
+                                  </p:childTnLst>
+                                </p:cTn>
+                              </p:par>
+                            </p:childTnLst>
+                          </p:cTn>
+                        </p:par>
+                      </p:childTnLst>
+                    </p:cTn>
+                  </p:par>
+                  <p:par>
+                    <p:cTn id="7" fill="hold">
+                      <p:stCondLst>
+                        <p:cond delay="indefinite"/>
+                      </p:stCondLst>
+                      <p:childTnLst>
+                        <p:par>
+                          <p:cTn id="8" fill="hold">
+                            <p:stCondLst>
+                              <p:cond delay="0"/>
+                            </p:stCondLst>
+                            <p:childTnLst>
+                              <p:par>
+                                <p:cTn id="9" presetID="1" presetClass="entr" presetSubtype="0" fill="hold" grpId="0" nodeType="clickEffect">
+                                  <p:stCondLst>
+                                    <p:cond delay="0"/>
+                                  </p:stCondLst>
+                                  <p:childTnLst>
+                                    <p:set>
+                                      <p:cBhvr>
+                                        <p:cTn id="10" dur="1" fill="hold">
+                                          <p:stCondLst>
+                                            <p:cond delay="0"/>
+                                          </p:stCondLst>
+                                        </p:cTn>
+                                        <p:tgtEl>
+                                          <p:spTgt spid="3">
+                                            <p:txEl>
+                                              <p:pRg st="1" end="1"/>
+                                            </p:txEl>
+                                          </p:spTgt>
+                                        </p:tgtEl>
+                                        <p:attrNameLst>
+                                          <p:attrName>style.visibility</p:attrName>
+                                        </p:attrNameLst>
+                                      </p:cBhvr>
+                                      <p:to>
+                                        <p:strVal val="visible"/>
+                                      </p:to>
+                                    </p:set>
+                                  </p:childTnLst>
+                                </p:cTn>
+                              </p:par>
+                              <p:par>
+                                <p:cTn id="11" presetID="1" presetClass="entr" presetSubtype="0" fill="hold" grpId="0" nodeType="withEffect">
+                                  <p:stCondLst>
+                                    <p:cond delay="0"/>
+                                  </p:stCondLst>
+                                  <p:childTnLst>
+                                    <p:set>
+                                      <p:cBhvr>
+                                        <p:cTn id="12" dur="1" fill="hold">
+                                          <p:stCondLst>
+                                            <p:cond delay="0"/>
+                                          </p:stCondLst>
+                                        </p:cTn>
+                                        <p:tgtEl>
+                                          <p:spTgt spid="3">
+                                            <p:txEl>
+                                              <p:pRg st="2" end="2"/>
+                                            </p:txEl>
+                                          </p:spTgt>
+                                        </p:tgtEl>
+                                        <p:attrNameLst>
+                                          <p:attrName>style.visibility</p:attrName>
+                                        </p:attrNameLst>
+                                      </p:cBhvr>
+                                      <p:to>
+                                        <p:strVal val="visible"/>
+                                      </p:to>
+                                    </p:set>
+                                  </p:childTnLst>
+                                </p:cTn>
+                              </p:par>
+                            </p:childTnLst>
+                          </p:cTn>
+                        </p:par>
+                      </p:childTnLst>
+                    </p:cTn>
+                  </p:par>
+                  <p:par>
+                    <p:cTn id="13" fill="hold">
+                      <p:stCondLst>
+                        <p:cond delay="indefinite"/>
+                      </p:stCondLst>
+                      <p:childTnLst>
+                        <p:par>
+                          <p:cTn id="14" fill="hold">
+                            <p:stCondLst>
+                              <p:cond delay="0"/>
+                            </p:stCondLst>
+                            <p:childTnLst>
+                              <p:par>
+                                <p:cTn id="15" presetID="1" presetClass="entr" presetSubtype="0" fill="hold" grpId="0" nodeType="clickEffect">
+                                  <p:stCondLst>
+                                    <p:cond delay="0"/>
+                                  </p:stCondLst>
+                                  <p:childTnLst>
+                                    <p:set>
+                                      <p:cBhvr>
+                                        <p:cTn id="16" dur="1" fill="hold">
+                                          <p:stCondLst>
+                                            <p:cond delay="0"/>
+                                          </p:stCondLst>
+                                        </p:cTn>
+                                        <p:tgtEl>
+                                          <p:spTgt spid="3">
+                                            <p:txEl>
+                                              <p:pRg st="3" end="3"/>
+                                            </p:txEl>
+                                          </p:spTgt>
+                                        </p:tgtEl>
+                                        <p:attrNameLst>
+                                          <p:attrName>style.visibility</p:attrName>
+                                        </p:attrNameLst>
+                                      </p:cBhvr>
+                                      <p:to>
+                                        <p:strVal val="visible"/>
+                                      </p:to>
+                                    </p:set>
+                                  </p:childTnLst>
+                                </p:cTn>
+                              </p:par>
+                            </p:childTnLst>
+                          </p:cTn>
+                        </p:par>
+                      </p:childTnLst>
+                    </p:cTn>
+                  </p:par>
+                  <p:par>
+                    <p:cTn id="17" fill="hold">
+                      <p:stCondLst>
+                        <p:cond delay="indefinite"/>
+                      </p:stCondLst>
+                      <p:childTnLst>
+                        <p:par>
+                          <p:cTn id="18" fill="hold">
+                            <p:stCondLst>
+                              <p:cond delay="0"/>
+                            </p:stCondLst>
+                            <p:childTnLst>
+                              <p:par>
+                                <p:cTn id="19" presetID="1" presetClass="entr" presetSubtype="0" fill="hold" grpId="0" nodeType="clickEffect">
+                                  <p:stCondLst>
+                                    <p:cond delay="0"/>
+                                  </p:stCondLst>
+                                  <p:childTnLst>
+                                    <p:set>
+                                      <p:cBhvr>
+                                        <p:cTn id="20" dur="1" fill="hold">
+                                          <p:stCondLst>
+                                            <p:cond delay="0"/>
+                                          </p:stCondLst>
+                                        </p:cTn>
+                                        <p:tgtEl>
+                                          <p:spTgt spid="3">
+                                            <p:txEl>
+                                              <p:pRg st="4" end="4"/>
+                                            </p:txEl>
+                                          </p:spTgt>
+                                        </p:tgtEl>
+                                        <p:attrNameLst>
+                                          <p:attrName>style.visibility</p:attrName>
+                                        </p:attrNameLst>
+                                      </p:cBhvr>
+                                      <p:to>
+                                        <p:strVal val="visible"/>
+                                      </p:to>
+                                    </p:set>
+                                  </p:childTnLst>
+                                </p:cTn>
+                              </p:par>
+                            </p:childTnLst>
+                          </p:cTn>
+                        </p:par>
+                      </p:childTnLst>
+                    </p:cTn>
+                  </p:par>
+                  <p:par>
+                    <p:cTn id="21" fill="hold">
+                      <p:stCondLst>
+                        <p:cond delay="indefinite"/>
+                      </p:stCondLst>
+                      <p:childTnLst>
+                        <p:par>
+                          <p:cTn id="22" fill="hold">
+                            <p:stCondLst>
+                              <p:cond delay="0"/>
+                            </p:stCondLst>
+                            <p:childTnLst>
+                              <p:par>
+                                <p:cTn id="23" presetID="1" presetClass="entr" presetSubtype="0" fill="hold" grpId="0" nodeType="clickEffect">
+                                  <p:stCondLst>
+                                    <p:cond delay="0"/>
+                                  </p:stCondLst>
+                                  <p:childTnLst>
+                                    <p:set>
+                                      <p:cBhvr>
+                                        <p:cTn id="24" dur="1" fill="hold">
+                                          <p:stCondLst>
+                                            <p:cond delay="0"/>
+                                          </p:stCondLst>
+                                        </p:cTn>
+                                        <p:tgtEl>
+                                          <p:spTgt spid="3">
+                                            <p:txEl>
+                                              <p:pRg st="5" end="5"/>
+                                            </p:txEl>
+                                          </p:spTgt>
+                                        </p:tgtEl>
+                                        <p:attrNameLst>
+                                          <p:attrName>style.visibility</p:attrName>
+                                        </p:attrNameLst>
+                                      </p:cBhvr>
+                                      <p:to>
+                                        <p:strVal val="visible"/>
+                                      </p:to>
+                                    </p:set>
+                                  </p:childTnLst>
+                                </p:cTn>
+                              </p:par>
+                            </p:childTnLst>
+                          </p:cTn>
+                        </p:par>
+                      </p:childTnLst>
+                    </p:cTn>
+                  </p:par>
+                  <p:par>
+                    <p:cTn id="25" fill="hold">
+                      <p:stCondLst>
+                        <p:cond delay="indefinite"/>
+                      </p:stCondLst>
+                      <p:childTnLst>
+                        <p:par>
+                          <p:cTn id="26" fill="hold">
+                            <p:stCondLst>
+                              <p:cond delay="0"/>
+                            </p:stCondLst>
+                            <p:childTnLst>
+                              <p:par>
+                                <p:cTn id="27" presetID="1" presetClass="entr" presetSubtype="0" fill="hold" grpId="0" nodeType="clickEffect">
+                                  <p:stCondLst>
+                                    <p:cond delay="0"/>
+                                  </p:stCondLst>
+                                  <p:childTnLst>
+                                    <p:set>
+                                      <p:cBhvr>
+                                        <p:cTn id="28" dur="1" fill="hold">
+                                          <p:stCondLst>
+                                            <p:cond delay="0"/>
+                                          </p:stCondLst>
+                                        </p:cTn>
+                                        <p:tgtEl>
+                                          <p:spTgt spid="3">
+                                            <p:txEl>
+                                              <p:pRg st="6" end="6"/>
+                                            </p:txEl>
+                                          </p:spTgt>
+                                        </p:tgtEl>
+                                        <p:attrNameLst>
+                                          <p:attrName>style.visibility</p:attrName>
+                                        </p:attrNameLst>
+                                      </p:cBhvr>
+                                      <p:to>
+                                        <p:strVal val="visible"/>
+                                      </p:to>
+                                    </p:set>
+                                  </p:childTnLst>
+                                </p:cTn>
+                              </p:par>
+                            </p:childTnLst>
+                          </p:cTn>
+                        </p:par>
+                      </p:childTnLst>
+                    </p:cTn>
+                  </p:par>
+                </p:childTnLst>
+              </p:cTn>
+              <p:prevCondLst>
+                <p:cond evt="onPrev" delay="0">
+                  <p:tgtEl>
+                    <p:sldTgt/>
+                  </p:tgtEl>
+                </p:cond>
+              </p:prevCondLst>
+              <p:nextCondLst>
+                <p:cond evt="onNext" delay="0">
+                  <p:tgtEl>
+                    <p:sldTgt/>
+                  </p:tgtEl>
+                </p:cond>
+              </p:nextCondLst>
+            </p:seq>
+          </p:childTnLst>
+        </p:cTn>
+      </p:par>
+    </p:tnLst>
+    <p:bldLst>
+      <p:bldP spid="3" grpId="0" build="p"/>
+    </p:bldLst>
+  </p:timing>
 </p:sld>
 </file>
 
@@ -5800,6 +11197,247 @@
   <p:clrMapOvr>
     <a:masterClrMapping/>
   </p:clrMapOvr>
+  <mc:AlternateContent xmlns:mc="http://schemas.openxmlformats.org/markup-compatibility/2006">
+    <mc:Choice xmlns:p14="http://schemas.microsoft.com/office/powerpoint/2010/main" Requires="p14">
+      <p:transition spd="med" p14:dur="700">
+        <p:fade/>
+      </p:transition>
+    </mc:Choice>
+    <mc:Fallback>
+      <p:transition spd="med">
+        <p:fade/>
+      </p:transition>
+    </mc:Fallback>
+  </mc:AlternateContent>
+  <p:timing>
+    <p:tnLst>
+      <p:par>
+        <p:cTn id="1" dur="indefinite" restart="never" nodeType="tmRoot">
+          <p:childTnLst>
+            <p:seq concurrent="1" nextAc="seek">
+              <p:cTn id="2" dur="indefinite" nodeType="mainSeq">
+                <p:childTnLst>
+                  <p:par>
+                    <p:cTn id="3" fill="hold">
+                      <p:stCondLst>
+                        <p:cond delay="indefinite"/>
+                      </p:stCondLst>
+                      <p:childTnLst>
+                        <p:par>
+                          <p:cTn id="4" fill="hold">
+                            <p:stCondLst>
+                              <p:cond delay="0"/>
+                            </p:stCondLst>
+                            <p:childTnLst>
+                              <p:par>
+                                <p:cTn id="5" presetID="1" presetClass="entr" presetSubtype="0" fill="hold" grpId="0" nodeType="clickEffect">
+                                  <p:stCondLst>
+                                    <p:cond delay="0"/>
+                                  </p:stCondLst>
+                                  <p:childTnLst>
+                                    <p:set>
+                                      <p:cBhvr>
+                                        <p:cTn id="6" dur="1" fill="hold">
+                                          <p:stCondLst>
+                                            <p:cond delay="0"/>
+                                          </p:stCondLst>
+                                        </p:cTn>
+                                        <p:tgtEl>
+                                          <p:spTgt spid="3">
+                                            <p:txEl>
+                                              <p:pRg st="0" end="0"/>
+                                            </p:txEl>
+                                          </p:spTgt>
+                                        </p:tgtEl>
+                                        <p:attrNameLst>
+                                          <p:attrName>style.visibility</p:attrName>
+                                        </p:attrNameLst>
+                                      </p:cBhvr>
+                                      <p:to>
+                                        <p:strVal val="visible"/>
+                                      </p:to>
+                                    </p:set>
+                                  </p:childTnLst>
+                                </p:cTn>
+                              </p:par>
+                            </p:childTnLst>
+                          </p:cTn>
+                        </p:par>
+                      </p:childTnLst>
+                    </p:cTn>
+                  </p:par>
+                  <p:par>
+                    <p:cTn id="7" fill="hold">
+                      <p:stCondLst>
+                        <p:cond delay="indefinite"/>
+                      </p:stCondLst>
+                      <p:childTnLst>
+                        <p:par>
+                          <p:cTn id="8" fill="hold">
+                            <p:stCondLst>
+                              <p:cond delay="0"/>
+                            </p:stCondLst>
+                            <p:childTnLst>
+                              <p:par>
+                                <p:cTn id="9" presetID="1" presetClass="entr" presetSubtype="0" fill="hold" grpId="0" nodeType="clickEffect">
+                                  <p:stCondLst>
+                                    <p:cond delay="0"/>
+                                  </p:stCondLst>
+                                  <p:childTnLst>
+                                    <p:set>
+                                      <p:cBhvr>
+                                        <p:cTn id="10" dur="1" fill="hold">
+                                          <p:stCondLst>
+                                            <p:cond delay="0"/>
+                                          </p:stCondLst>
+                                        </p:cTn>
+                                        <p:tgtEl>
+                                          <p:spTgt spid="3">
+                                            <p:txEl>
+                                              <p:pRg st="1" end="1"/>
+                                            </p:txEl>
+                                          </p:spTgt>
+                                        </p:tgtEl>
+                                        <p:attrNameLst>
+                                          <p:attrName>style.visibility</p:attrName>
+                                        </p:attrNameLst>
+                                      </p:cBhvr>
+                                      <p:to>
+                                        <p:strVal val="visible"/>
+                                      </p:to>
+                                    </p:set>
+                                  </p:childTnLst>
+                                </p:cTn>
+                              </p:par>
+                            </p:childTnLst>
+                          </p:cTn>
+                        </p:par>
+                      </p:childTnLst>
+                    </p:cTn>
+                  </p:par>
+                  <p:par>
+                    <p:cTn id="11" fill="hold">
+                      <p:stCondLst>
+                        <p:cond delay="indefinite"/>
+                      </p:stCondLst>
+                      <p:childTnLst>
+                        <p:par>
+                          <p:cTn id="12" fill="hold">
+                            <p:stCondLst>
+                              <p:cond delay="0"/>
+                            </p:stCondLst>
+                            <p:childTnLst>
+                              <p:par>
+                                <p:cTn id="13" presetID="1" presetClass="entr" presetSubtype="0" fill="hold" grpId="0" nodeType="clickEffect">
+                                  <p:stCondLst>
+                                    <p:cond delay="0"/>
+                                  </p:stCondLst>
+                                  <p:childTnLst>
+                                    <p:set>
+                                      <p:cBhvr>
+                                        <p:cTn id="14" dur="1" fill="hold">
+                                          <p:stCondLst>
+                                            <p:cond delay="0"/>
+                                          </p:stCondLst>
+                                        </p:cTn>
+                                        <p:tgtEl>
+                                          <p:spTgt spid="3">
+                                            <p:txEl>
+                                              <p:pRg st="2" end="2"/>
+                                            </p:txEl>
+                                          </p:spTgt>
+                                        </p:tgtEl>
+                                        <p:attrNameLst>
+                                          <p:attrName>style.visibility</p:attrName>
+                                        </p:attrNameLst>
+                                      </p:cBhvr>
+                                      <p:to>
+                                        <p:strVal val="visible"/>
+                                      </p:to>
+                                    </p:set>
+                                  </p:childTnLst>
+                                </p:cTn>
+                              </p:par>
+                            </p:childTnLst>
+                          </p:cTn>
+                        </p:par>
+                      </p:childTnLst>
+                    </p:cTn>
+                  </p:par>
+                  <p:par>
+                    <p:cTn id="15" fill="hold">
+                      <p:stCondLst>
+                        <p:cond delay="indefinite"/>
+                      </p:stCondLst>
+                      <p:childTnLst>
+                        <p:par>
+                          <p:cTn id="16" fill="hold">
+                            <p:stCondLst>
+                              <p:cond delay="0"/>
+                            </p:stCondLst>
+                            <p:childTnLst>
+                              <p:par>
+                                <p:cTn id="17" presetID="1" presetClass="entr" presetSubtype="0" fill="hold" grpId="0" nodeType="clickEffect">
+                                  <p:stCondLst>
+                                    <p:cond delay="0"/>
+                                  </p:stCondLst>
+                                  <p:childTnLst>
+                                    <p:set>
+                                      <p:cBhvr>
+                                        <p:cTn id="18" dur="1" fill="hold">
+                                          <p:stCondLst>
+                                            <p:cond delay="0"/>
+                                          </p:stCondLst>
+                                        </p:cTn>
+                                        <p:tgtEl>
+                                          <p:spTgt spid="3">
+                                            <p:txEl>
+                                              <p:pRg st="3" end="3"/>
+                                            </p:txEl>
+                                          </p:spTgt>
+                                        </p:tgtEl>
+                                        <p:attrNameLst>
+                                          <p:attrName>style.visibility</p:attrName>
+                                        </p:attrNameLst>
+                                      </p:cBhvr>
+                                      <p:to>
+                                        <p:strVal val="visible"/>
+                                      </p:to>
+                                    </p:set>
+                                  </p:childTnLst>
+                                </p:cTn>
+                              </p:par>
+                            </p:childTnLst>
+                          </p:cTn>
+                        </p:par>
+                      </p:childTnLst>
+                    </p:cTn>
+                  </p:par>
+                </p:childTnLst>
+              </p:cTn>
+              <p:prevCondLst>
+                <p:cond evt="onPrev" delay="0">
+                  <p:tgtEl>
+                    <p:sldTgt/>
+                  </p:tgtEl>
+                </p:cond>
+              </p:prevCondLst>
+              <p:nextCondLst>
+                <p:cond evt="onNext" delay="0">
+                  <p:tgtEl>
+                    <p:sldTgt/>
+                  </p:tgtEl>
+                </p:cond>
+              </p:nextCondLst>
+            </p:seq>
+          </p:childTnLst>
+        </p:cTn>
+      </p:par>
+    </p:tnLst>
+    <p:bldLst>
+      <p:bldP spid="3" grpId="0" build="p"/>
+    </p:bldLst>
+  </p:timing>
 </p:sld>
 </file>
 
@@ -6096,4 +11734,299 @@
     </a:ext>
   </a:extLst>
 </a:theme>
+</file>
+
+<file path=ppt/theme/theme2.xml><?xml version="1.0" encoding="utf-8"?>
+<a:theme xmlns:a="http://schemas.openxmlformats.org/drawingml/2006/main" name="Office Theme">
+  <a:themeElements>
+    <a:clrScheme name="Office">
+      <a:dk1>
+        <a:sysClr val="windowText" lastClr="000000"/>
+      </a:dk1>
+      <a:lt1>
+        <a:sysClr val="window" lastClr="FFFFFF"/>
+      </a:lt1>
+      <a:dk2>
+        <a:srgbClr val="44546A"/>
+      </a:dk2>
+      <a:lt2>
+        <a:srgbClr val="E7E6E6"/>
+      </a:lt2>
+      <a:accent1>
+        <a:srgbClr val="4472C4"/>
+      </a:accent1>
+      <a:accent2>
+        <a:srgbClr val="ED7D31"/>
+      </a:accent2>
+      <a:accent3>
+        <a:srgbClr val="A5A5A5"/>
+      </a:accent3>
+      <a:accent4>
+        <a:srgbClr val="FFC000"/>
+      </a:accent4>
+      <a:accent5>
+        <a:srgbClr val="5B9BD5"/>
+      </a:accent5>
+      <a:accent6>
+        <a:srgbClr val="70AD47"/>
+      </a:accent6>
+      <a:hlink>
+        <a:srgbClr val="0563C1"/>
+      </a:hlink>
+      <a:folHlink>
+        <a:srgbClr val="954F72"/>
+      </a:folHlink>
+    </a:clrScheme>
+    <a:fontScheme name="Office">
+      <a:majorFont>
+        <a:latin typeface="Calibri Light" panose="020F0302020204030204"/>
+        <a:ea typeface=""/>
+        <a:cs typeface=""/>
+        <a:font script="Jpan" typeface="游ゴシック Light"/>
+        <a:font script="Hang" typeface="맑은 고딕"/>
+        <a:font script="Hans" typeface="等线 Light"/>
+        <a:font script="Hant" typeface="新細明體"/>
+        <a:font script="Arab" typeface="Times New Roman"/>
+        <a:font script="Hebr" typeface="Times New Roman"/>
+        <a:font script="Thai" typeface="Angsana New"/>
+        <a:font script="Ethi" typeface="Nyala"/>
+        <a:font script="Beng" typeface="Vrinda"/>
+        <a:font script="Gujr" typeface="Shruti"/>
+        <a:font script="Khmr" typeface="MoolBoran"/>
+        <a:font script="Knda" typeface="Tunga"/>
+        <a:font script="Guru" typeface="Raavi"/>
+        <a:font script="Cans" typeface="Euphemia"/>
+        <a:font script="Cher" typeface="Plantagenet Cherokee"/>
+        <a:font script="Yiii" typeface="Microsoft Yi Baiti"/>
+        <a:font script="Tibt" typeface="Microsoft Himalaya"/>
+        <a:font script="Thaa" typeface="MV Boli"/>
+        <a:font script="Deva" typeface="Mangal"/>
+        <a:font script="Telu" typeface="Gautami"/>
+        <a:font script="Taml" typeface="Latha"/>
+        <a:font script="Syrc" typeface="Estrangelo Edessa"/>
+        <a:font script="Orya" typeface="Kalinga"/>
+        <a:font script="Mlym" typeface="Kartika"/>
+        <a:font script="Laoo" typeface="DokChampa"/>
+        <a:font script="Sinh" typeface="Iskoola Pota"/>
+        <a:font script="Mong" typeface="Mongolian Baiti"/>
+        <a:font script="Viet" typeface="Times New Roman"/>
+        <a:font script="Uigh" typeface="Microsoft Uighur"/>
+        <a:font script="Geor" typeface="Sylfaen"/>
+        <a:font script="Armn" typeface="Arial"/>
+        <a:font script="Bugi" typeface="Leelawadee UI"/>
+        <a:font script="Bopo" typeface="Microsoft JhengHei"/>
+        <a:font script="Java" typeface="Javanese Text"/>
+        <a:font script="Lisu" typeface="Segoe UI"/>
+        <a:font script="Mymr" typeface="Myanmar Text"/>
+        <a:font script="Nkoo" typeface="Ebrima"/>
+        <a:font script="Olck" typeface="Nirmala UI"/>
+        <a:font script="Osma" typeface="Ebrima"/>
+        <a:font script="Phag" typeface="Phagspa"/>
+        <a:font script="Syrn" typeface="Estrangelo Edessa"/>
+        <a:font script="Syrj" typeface="Estrangelo Edessa"/>
+        <a:font script="Syre" typeface="Estrangelo Edessa"/>
+        <a:font script="Sora" typeface="Nirmala UI"/>
+        <a:font script="Tale" typeface="Microsoft Tai Le"/>
+        <a:font script="Talu" typeface="Microsoft New Tai Lue"/>
+        <a:font script="Tfng" typeface="Ebrima"/>
+      </a:majorFont>
+      <a:minorFont>
+        <a:latin typeface="Calibri" panose="020F0502020204030204"/>
+        <a:ea typeface=""/>
+        <a:cs typeface=""/>
+        <a:font script="Jpan" typeface="游ゴシック"/>
+        <a:font script="Hang" typeface="맑은 고딕"/>
+        <a:font script="Hans" typeface="等线"/>
+        <a:font script="Hant" typeface="新細明體"/>
+        <a:font script="Arab" typeface="Arial"/>
+        <a:font script="Hebr" typeface="Arial"/>
+        <a:font script="Thai" typeface="Cordia New"/>
+        <a:font script="Ethi" typeface="Nyala"/>
+        <a:font script="Beng" typeface="Vrinda"/>
+        <a:font script="Gujr" typeface="Shruti"/>
+        <a:font script="Khmr" typeface="DaunPenh"/>
+        <a:font script="Knda" typeface="Tunga"/>
+        <a:font script="Guru" typeface="Raavi"/>
+        <a:font script="Cans" typeface="Euphemia"/>
+        <a:font script="Cher" typeface="Plantagenet Cherokee"/>
+        <a:font script="Yiii" typeface="Microsoft Yi Baiti"/>
+        <a:font script="Tibt" typeface="Microsoft Himalaya"/>
+        <a:font script="Thaa" typeface="MV Boli"/>
+        <a:font script="Deva" typeface="Mangal"/>
+        <a:font script="Telu" typeface="Gautami"/>
+        <a:font script="Taml" typeface="Latha"/>
+        <a:font script="Syrc" typeface="Estrangelo Edessa"/>
+        <a:font script="Orya" typeface="Kalinga"/>
+        <a:font script="Mlym" typeface="Kartika"/>
+        <a:font script="Laoo" typeface="DokChampa"/>
+        <a:font script="Sinh" typeface="Iskoola Pota"/>
+        <a:font script="Mong" typeface="Mongolian Baiti"/>
+        <a:font script="Viet" typeface="Arial"/>
+        <a:font script="Uigh" typeface="Microsoft Uighur"/>
+        <a:font script="Geor" typeface="Sylfaen"/>
+        <a:font script="Armn" typeface="Arial"/>
+        <a:font script="Bugi" typeface="Leelawadee UI"/>
+        <a:font script="Bopo" typeface="Microsoft JhengHei"/>
+        <a:font script="Java" typeface="Javanese Text"/>
+        <a:font script="Lisu" typeface="Segoe UI"/>
+        <a:font script="Mymr" typeface="Myanmar Text"/>
+        <a:font script="Nkoo" typeface="Ebrima"/>
+        <a:font script="Olck" typeface="Nirmala UI"/>
+        <a:font script="Osma" typeface="Ebrima"/>
+        <a:font script="Phag" typeface="Phagspa"/>
+        <a:font script="Syrn" typeface="Estrangelo Edessa"/>
+        <a:font script="Syrj" typeface="Estrangelo Edessa"/>
+        <a:font script="Syre" typeface="Estrangelo Edessa"/>
+        <a:font script="Sora" typeface="Nirmala UI"/>
+        <a:font script="Tale" typeface="Microsoft Tai Le"/>
+        <a:font script="Talu" typeface="Microsoft New Tai Lue"/>
+        <a:font script="Tfng" typeface="Ebrima"/>
+      </a:minorFont>
+    </a:fontScheme>
+    <a:fmtScheme name="Office">
+      <a:fillStyleLst>
+        <a:solidFill>
+          <a:schemeClr val="phClr"/>
+        </a:solidFill>
+        <a:gradFill rotWithShape="1">
+          <a:gsLst>
+            <a:gs pos="0">
+              <a:schemeClr val="phClr">
+                <a:lumMod val="110000"/>
+                <a:satMod val="105000"/>
+                <a:tint val="67000"/>
+              </a:schemeClr>
+            </a:gs>
+            <a:gs pos="50000">
+              <a:schemeClr val="phClr">
+                <a:lumMod val="105000"/>
+                <a:satMod val="103000"/>
+                <a:tint val="73000"/>
+              </a:schemeClr>
+            </a:gs>
+            <a:gs pos="100000">
+              <a:schemeClr val="phClr">
+                <a:lumMod val="105000"/>
+                <a:satMod val="109000"/>
+                <a:tint val="81000"/>
+              </a:schemeClr>
+            </a:gs>
+          </a:gsLst>
+          <a:lin ang="5400000" scaled="0"/>
+        </a:gradFill>
+        <a:gradFill rotWithShape="1">
+          <a:gsLst>
+            <a:gs pos="0">
+              <a:schemeClr val="phClr">
+                <a:satMod val="103000"/>
+                <a:lumMod val="102000"/>
+                <a:tint val="94000"/>
+              </a:schemeClr>
+            </a:gs>
+            <a:gs pos="50000">
+              <a:schemeClr val="phClr">
+                <a:satMod val="110000"/>
+                <a:lumMod val="100000"/>
+                <a:shade val="100000"/>
+              </a:schemeClr>
+            </a:gs>
+            <a:gs pos="100000">
+              <a:schemeClr val="phClr">
+                <a:lumMod val="99000"/>
+                <a:satMod val="120000"/>
+                <a:shade val="78000"/>
+              </a:schemeClr>
+            </a:gs>
+          </a:gsLst>
+          <a:lin ang="5400000" scaled="0"/>
+        </a:gradFill>
+      </a:fillStyleLst>
+      <a:lnStyleLst>
+        <a:ln w="6350" cap="flat" cmpd="sng" algn="ctr">
+          <a:solidFill>
+            <a:schemeClr val="phClr"/>
+          </a:solidFill>
+          <a:prstDash val="solid"/>
+          <a:miter lim="800000"/>
+        </a:ln>
+        <a:ln w="12700" cap="flat" cmpd="sng" algn="ctr">
+          <a:solidFill>
+            <a:schemeClr val="phClr"/>
+          </a:solidFill>
+          <a:prstDash val="solid"/>
+          <a:miter lim="800000"/>
+        </a:ln>
+        <a:ln w="19050" cap="flat" cmpd="sng" algn="ctr">
+          <a:solidFill>
+            <a:schemeClr val="phClr"/>
+          </a:solidFill>
+          <a:prstDash val="solid"/>
+          <a:miter lim="800000"/>
+        </a:ln>
+      </a:lnStyleLst>
+      <a:effectStyleLst>
+        <a:effectStyle>
+          <a:effectLst/>
+        </a:effectStyle>
+        <a:effectStyle>
+          <a:effectLst/>
+        </a:effectStyle>
+        <a:effectStyle>
+          <a:effectLst>
+            <a:outerShdw blurRad="57150" dist="19050" dir="5400000" algn="ctr" rotWithShape="0">
+              <a:srgbClr val="000000">
+                <a:alpha val="63000"/>
+              </a:srgbClr>
+            </a:outerShdw>
+          </a:effectLst>
+        </a:effectStyle>
+      </a:effectStyleLst>
+      <a:bgFillStyleLst>
+        <a:solidFill>
+          <a:schemeClr val="phClr"/>
+        </a:solidFill>
+        <a:solidFill>
+          <a:schemeClr val="phClr">
+            <a:tint val="95000"/>
+            <a:satMod val="170000"/>
+          </a:schemeClr>
+        </a:solidFill>
+        <a:gradFill rotWithShape="1">
+          <a:gsLst>
+            <a:gs pos="0">
+              <a:schemeClr val="phClr">
+                <a:tint val="93000"/>
+                <a:satMod val="150000"/>
+                <a:shade val="98000"/>
+                <a:lumMod val="102000"/>
+              </a:schemeClr>
+            </a:gs>
+            <a:gs pos="50000">
+              <a:schemeClr val="phClr">
+                <a:tint val="98000"/>
+                <a:satMod val="130000"/>
+                <a:shade val="90000"/>
+                <a:lumMod val="103000"/>
+              </a:schemeClr>
+            </a:gs>
+            <a:gs pos="100000">
+              <a:schemeClr val="phClr">
+                <a:shade val="63000"/>
+                <a:satMod val="120000"/>
+              </a:schemeClr>
+            </a:gs>
+          </a:gsLst>
+          <a:lin ang="5400000" scaled="0"/>
+        </a:gradFill>
+      </a:bgFillStyleLst>
+    </a:fmtScheme>
+  </a:themeElements>
+  <a:objectDefaults/>
+  <a:extraClrSchemeLst/>
+  <a:extLst>
+    <a:ext uri="{05A4C25C-085E-4340-85A3-A5531E510DB2}">
+      <thm15:themeFamily xmlns:thm15="http://schemas.microsoft.com/office/thememl/2012/main" name="Office Theme" id="{62F939B6-93AF-4DB8-9C6B-D6C7DFDC589F}" vid="{4A3C46E8-61CC-4603-A589-7422A47A8E4A}"/>
+    </a:ext>
+  </a:extLst>
+</a:theme>
 </file>
--- a/presentations/Introduction to Test-Driven Development.pptx
+++ b/presentations/Introduction to Test-Driven Development.pptx
@@ -13,14 +13,14 @@
     <p:sldId id="260" r:id="rId4"/>
     <p:sldId id="267" r:id="rId5"/>
     <p:sldId id="275" r:id="rId6"/>
-    <p:sldId id="286" r:id="rId7"/>
-    <p:sldId id="284" r:id="rId8"/>
-    <p:sldId id="273" r:id="rId9"/>
-    <p:sldId id="276" r:id="rId10"/>
-    <p:sldId id="274" r:id="rId11"/>
-    <p:sldId id="271" r:id="rId12"/>
-    <p:sldId id="272" r:id="rId13"/>
-    <p:sldId id="258" r:id="rId14"/>
+    <p:sldId id="258" r:id="rId7"/>
+    <p:sldId id="286" r:id="rId8"/>
+    <p:sldId id="284" r:id="rId9"/>
+    <p:sldId id="273" r:id="rId10"/>
+    <p:sldId id="276" r:id="rId11"/>
+    <p:sldId id="274" r:id="rId12"/>
+    <p:sldId id="271" r:id="rId13"/>
+    <p:sldId id="272" r:id="rId14"/>
     <p:sldId id="259" r:id="rId15"/>
     <p:sldId id="278" r:id="rId16"/>
     <p:sldId id="279" r:id="rId17"/>
@@ -215,7 +215,7 @@
           <a:p>
             <a:fld id="{F26B28AA-01EF-FC4E-9902-F717EB4A0D20}" type="datetimeFigureOut">
               <a:rPr lang="en-US" smtClean="0"/>
-              <a:t>7/27/21</a:t>
+              <a:t>10/27/21</a:t>
             </a:fld>
             <a:endParaRPr lang="en-US"/>
           </a:p>
@@ -713,7 +713,7 @@
           <a:p>
             <a:fld id="{BCD77189-38F1-1B47-A134-7F70D5119BAA}" type="datetimeFigureOut">
               <a:rPr lang="en-US" smtClean="0"/>
-              <a:t>7/26/21</a:t>
+              <a:t>10/27/21</a:t>
             </a:fld>
             <a:endParaRPr lang="en-US"/>
           </a:p>
@@ -911,7 +911,7 @@
           <a:p>
             <a:fld id="{BCD77189-38F1-1B47-A134-7F70D5119BAA}" type="datetimeFigureOut">
               <a:rPr lang="en-US" smtClean="0"/>
-              <a:t>7/26/21</a:t>
+              <a:t>10/27/21</a:t>
             </a:fld>
             <a:endParaRPr lang="en-US"/>
           </a:p>
@@ -1119,7 +1119,7 @@
           <a:p>
             <a:fld id="{BCD77189-38F1-1B47-A134-7F70D5119BAA}" type="datetimeFigureOut">
               <a:rPr lang="en-US" smtClean="0"/>
-              <a:t>7/26/21</a:t>
+              <a:t>10/27/21</a:t>
             </a:fld>
             <a:endParaRPr lang="en-US"/>
           </a:p>
@@ -1317,7 +1317,7 @@
           <a:p>
             <a:fld id="{BCD77189-38F1-1B47-A134-7F70D5119BAA}" type="datetimeFigureOut">
               <a:rPr lang="en-US" smtClean="0"/>
-              <a:t>7/26/21</a:t>
+              <a:t>10/27/21</a:t>
             </a:fld>
             <a:endParaRPr lang="en-US"/>
           </a:p>
@@ -1592,7 +1592,7 @@
           <a:p>
             <a:fld id="{BCD77189-38F1-1B47-A134-7F70D5119BAA}" type="datetimeFigureOut">
               <a:rPr lang="en-US" smtClean="0"/>
-              <a:t>7/26/21</a:t>
+              <a:t>10/27/21</a:t>
             </a:fld>
             <a:endParaRPr lang="en-US"/>
           </a:p>
@@ -1857,7 +1857,7 @@
           <a:p>
             <a:fld id="{BCD77189-38F1-1B47-A134-7F70D5119BAA}" type="datetimeFigureOut">
               <a:rPr lang="en-US" smtClean="0"/>
-              <a:t>7/26/21</a:t>
+              <a:t>10/27/21</a:t>
             </a:fld>
             <a:endParaRPr lang="en-US"/>
           </a:p>
@@ -2269,7 +2269,7 @@
           <a:p>
             <a:fld id="{BCD77189-38F1-1B47-A134-7F70D5119BAA}" type="datetimeFigureOut">
               <a:rPr lang="en-US" smtClean="0"/>
-              <a:t>7/26/21</a:t>
+              <a:t>10/27/21</a:t>
             </a:fld>
             <a:endParaRPr lang="en-US"/>
           </a:p>
@@ -2410,7 +2410,7 @@
           <a:p>
             <a:fld id="{BCD77189-38F1-1B47-A134-7F70D5119BAA}" type="datetimeFigureOut">
               <a:rPr lang="en-US" smtClean="0"/>
-              <a:t>7/26/21</a:t>
+              <a:t>10/27/21</a:t>
             </a:fld>
             <a:endParaRPr lang="en-US"/>
           </a:p>
@@ -2523,7 +2523,7 @@
           <a:p>
             <a:fld id="{BCD77189-38F1-1B47-A134-7F70D5119BAA}" type="datetimeFigureOut">
               <a:rPr lang="en-US" smtClean="0"/>
-              <a:t>7/26/21</a:t>
+              <a:t>10/27/21</a:t>
             </a:fld>
             <a:endParaRPr lang="en-US"/>
           </a:p>
@@ -2834,7 +2834,7 @@
           <a:p>
             <a:fld id="{BCD77189-38F1-1B47-A134-7F70D5119BAA}" type="datetimeFigureOut">
               <a:rPr lang="en-US" smtClean="0"/>
-              <a:t>7/26/21</a:t>
+              <a:t>10/27/21</a:t>
             </a:fld>
             <a:endParaRPr lang="en-US"/>
           </a:p>
@@ -3122,7 +3122,7 @@
           <a:p>
             <a:fld id="{BCD77189-38F1-1B47-A134-7F70D5119BAA}" type="datetimeFigureOut">
               <a:rPr lang="en-US" smtClean="0"/>
-              <a:t>7/26/21</a:t>
+              <a:t>10/27/21</a:t>
             </a:fld>
             <a:endParaRPr lang="en-US"/>
           </a:p>
@@ -3363,7 +3363,7 @@
           <a:p>
             <a:fld id="{BCD77189-38F1-1B47-A134-7F70D5119BAA}" type="datetimeFigureOut">
               <a:rPr lang="en-US" smtClean="0"/>
-              <a:t>7/26/21</a:t>
+              <a:t>10/27/21</a:t>
             </a:fld>
             <a:endParaRPr lang="en-US"/>
           </a:p>
@@ -3863,13 +3863,13 @@
   <p:clrMapOvr>
     <a:masterClrMapping/>
   </p:clrMapOvr>
-  <mc:AlternateContent xmlns:mc="http://schemas.openxmlformats.org/markup-compatibility/2006">
-    <mc:Choice xmlns:p14="http://schemas.microsoft.com/office/powerpoint/2010/main" Requires="p14">
+  <mc:AlternateContent xmlns:mc="http://schemas.openxmlformats.org/markup-compatibility/2006" xmlns:p14="http://schemas.microsoft.com/office/powerpoint/2010/main">
+    <mc:Choice Requires="p14">
       <p:transition spd="med" p14:dur="700">
         <p:fade/>
       </p:transition>
     </mc:Choice>
-    <mc:Fallback>
+    <mc:Fallback xmlns="">
       <p:transition spd="med">
         <p:fade/>
       </p:transition>
@@ -3879,6 +3879,353 @@
 </file>
 
 <file path=ppt/slides/slide10.xml><?xml version="1.0" encoding="utf-8"?>
+<p:sld xmlns:a="http://schemas.openxmlformats.org/drawingml/2006/main" xmlns:r="http://schemas.openxmlformats.org/officeDocument/2006/relationships" xmlns:p="http://schemas.openxmlformats.org/presentationml/2006/main">
+  <p:cSld>
+    <p:spTree>
+      <p:nvGrpSpPr>
+        <p:cNvPr id="1" name=""/>
+        <p:cNvGrpSpPr/>
+        <p:nvPr/>
+      </p:nvGrpSpPr>
+      <p:grpSpPr>
+        <a:xfrm>
+          <a:off x="0" y="0"/>
+          <a:ext cx="0" cy="0"/>
+          <a:chOff x="0" y="0"/>
+          <a:chExt cx="0" cy="0"/>
+        </a:xfrm>
+      </p:grpSpPr>
+      <p:sp>
+        <p:nvSpPr>
+          <p:cNvPr id="2" name="Title 1">
+            <a:extLst>
+              <a:ext uri="{FF2B5EF4-FFF2-40B4-BE49-F238E27FC236}">
+                <a16:creationId xmlns:a16="http://schemas.microsoft.com/office/drawing/2014/main" id="{B557B37C-020B-E749-B234-CB1BC31B0CD1}"/>
+              </a:ext>
+            </a:extLst>
+          </p:cNvPr>
+          <p:cNvSpPr>
+            <a:spLocks noGrp="1"/>
+          </p:cNvSpPr>
+          <p:nvPr>
+            <p:ph type="title"/>
+          </p:nvPr>
+        </p:nvSpPr>
+        <p:spPr/>
+        <p:txBody>
+          <a:bodyPr/>
+          <a:lstStyle/>
+          <a:p>
+            <a:r>
+              <a:rPr lang="en-US" b="1" dirty="0"/>
+              <a:t>Accidental vs. essential complexity</a:t>
+            </a:r>
+          </a:p>
+        </p:txBody>
+      </p:sp>
+      <p:sp>
+        <p:nvSpPr>
+          <p:cNvPr id="3" name="Content Placeholder 2">
+            <a:extLst>
+              <a:ext uri="{FF2B5EF4-FFF2-40B4-BE49-F238E27FC236}">
+                <a16:creationId xmlns:a16="http://schemas.microsoft.com/office/drawing/2014/main" id="{CB381E5E-0FAF-D144-B905-6A8F86A608AE}"/>
+              </a:ext>
+            </a:extLst>
+          </p:cNvPr>
+          <p:cNvSpPr>
+            <a:spLocks noGrp="1"/>
+          </p:cNvSpPr>
+          <p:nvPr>
+            <p:ph idx="1"/>
+          </p:nvPr>
+        </p:nvSpPr>
+        <p:spPr/>
+        <p:txBody>
+          <a:bodyPr>
+            <a:normAutofit/>
+          </a:bodyPr>
+          <a:lstStyle/>
+          <a:p>
+            <a:r>
+              <a:rPr lang="en-US" dirty="0"/>
+              <a:t>Software should behave predictably and accomplish its goals without too many surprises (that is, outages in production). </a:t>
+            </a:r>
+          </a:p>
+          <a:p>
+            <a:r>
+              <a:rPr lang="en-US" dirty="0"/>
+              <a:t>The number of surprises directly correlates with the amount of unnecessary complexity found in a project.</a:t>
+            </a:r>
+          </a:p>
+          <a:p>
+            <a:r>
+              <a:rPr lang="en-US" i="1" dirty="0"/>
+              <a:t>Accidental complexity relates to problems which engineers create and can fix, [whereas] essential complexity is caused by the problem to be solved, and nothing can remove it – Fred Brooks in his seminal “No Silver Bullet” essay</a:t>
+            </a:r>
+          </a:p>
+          <a:p>
+            <a:r>
+              <a:rPr lang="en-US" dirty="0"/>
+              <a:t>Push back when accidental complexity is introduced. </a:t>
+            </a:r>
+          </a:p>
+        </p:txBody>
+      </p:sp>
+    </p:spTree>
+    <p:extLst>
+      <p:ext uri="{BB962C8B-B14F-4D97-AF65-F5344CB8AC3E}">
+        <p14:creationId xmlns:p14="http://schemas.microsoft.com/office/powerpoint/2010/main" val="210959948"/>
+      </p:ext>
+    </p:extLst>
+  </p:cSld>
+  <p:clrMapOvr>
+    <a:masterClrMapping/>
+  </p:clrMapOvr>
+  <mc:AlternateContent xmlns:mc="http://schemas.openxmlformats.org/markup-compatibility/2006" xmlns:p14="http://schemas.microsoft.com/office/powerpoint/2010/main">
+    <mc:Choice Requires="p14">
+      <p:transition spd="med" p14:dur="700">
+        <p:fade/>
+      </p:transition>
+    </mc:Choice>
+    <mc:Fallback xmlns="">
+      <p:transition spd="med">
+        <p:fade/>
+      </p:transition>
+    </mc:Fallback>
+  </mc:AlternateContent>
+  <p:timing>
+    <p:tnLst>
+      <p:par>
+        <p:cTn id="1" dur="indefinite" restart="never" nodeType="tmRoot">
+          <p:childTnLst>
+            <p:seq concurrent="1" nextAc="seek">
+              <p:cTn id="2" dur="indefinite" nodeType="mainSeq">
+                <p:childTnLst>
+                  <p:par>
+                    <p:cTn id="3" fill="hold">
+                      <p:stCondLst>
+                        <p:cond delay="indefinite"/>
+                      </p:stCondLst>
+                      <p:childTnLst>
+                        <p:par>
+                          <p:cTn id="4" fill="hold">
+                            <p:stCondLst>
+                              <p:cond delay="0"/>
+                            </p:stCondLst>
+                            <p:childTnLst>
+                              <p:par>
+                                <p:cTn id="5" presetID="1" presetClass="entr" presetSubtype="0" fill="hold" grpId="0" nodeType="clickEffect">
+                                  <p:stCondLst>
+                                    <p:cond delay="0"/>
+                                  </p:stCondLst>
+                                  <p:childTnLst>
+                                    <p:set>
+                                      <p:cBhvr>
+                                        <p:cTn id="6" dur="1" fill="hold">
+                                          <p:stCondLst>
+                                            <p:cond delay="0"/>
+                                          </p:stCondLst>
+                                        </p:cTn>
+                                        <p:tgtEl>
+                                          <p:spTgt spid="3">
+                                            <p:txEl>
+                                              <p:pRg st="0" end="0"/>
+                                            </p:txEl>
+                                          </p:spTgt>
+                                        </p:tgtEl>
+                                        <p:attrNameLst>
+                                          <p:attrName>style.visibility</p:attrName>
+                                        </p:attrNameLst>
+                                      </p:cBhvr>
+                                      <p:to>
+                                        <p:strVal val="visible"/>
+                                      </p:to>
+                                    </p:set>
+                                  </p:childTnLst>
+                                </p:cTn>
+                              </p:par>
+                            </p:childTnLst>
+                          </p:cTn>
+                        </p:par>
+                      </p:childTnLst>
+                    </p:cTn>
+                  </p:par>
+                  <p:par>
+                    <p:cTn id="7" fill="hold">
+                      <p:stCondLst>
+                        <p:cond delay="indefinite"/>
+                      </p:stCondLst>
+                      <p:childTnLst>
+                        <p:par>
+                          <p:cTn id="8" fill="hold">
+                            <p:stCondLst>
+                              <p:cond delay="0"/>
+                            </p:stCondLst>
+                            <p:childTnLst>
+                              <p:par>
+                                <p:cTn id="9" presetID="1" presetClass="entr" presetSubtype="0" fill="hold" grpId="0" nodeType="clickEffect">
+                                  <p:stCondLst>
+                                    <p:cond delay="0"/>
+                                  </p:stCondLst>
+                                  <p:childTnLst>
+                                    <p:set>
+                                      <p:cBhvr>
+                                        <p:cTn id="10" dur="1" fill="hold">
+                                          <p:stCondLst>
+                                            <p:cond delay="0"/>
+                                          </p:stCondLst>
+                                        </p:cTn>
+                                        <p:tgtEl>
+                                          <p:spTgt spid="3">
+                                            <p:txEl>
+                                              <p:pRg st="1" end="1"/>
+                                            </p:txEl>
+                                          </p:spTgt>
+                                        </p:tgtEl>
+                                        <p:attrNameLst>
+                                          <p:attrName>style.visibility</p:attrName>
+                                        </p:attrNameLst>
+                                      </p:cBhvr>
+                                      <p:to>
+                                        <p:strVal val="visible"/>
+                                      </p:to>
+                                    </p:set>
+                                  </p:childTnLst>
+                                </p:cTn>
+                              </p:par>
+                            </p:childTnLst>
+                          </p:cTn>
+                        </p:par>
+                      </p:childTnLst>
+                    </p:cTn>
+                  </p:par>
+                  <p:par>
+                    <p:cTn id="11" fill="hold">
+                      <p:stCondLst>
+                        <p:cond delay="indefinite"/>
+                      </p:stCondLst>
+                      <p:childTnLst>
+                        <p:par>
+                          <p:cTn id="12" fill="hold">
+                            <p:stCondLst>
+                              <p:cond delay="0"/>
+                            </p:stCondLst>
+                            <p:childTnLst>
+                              <p:par>
+                                <p:cTn id="13" presetID="1" presetClass="entr" presetSubtype="0" fill="hold" grpId="0" nodeType="clickEffect">
+                                  <p:stCondLst>
+                                    <p:cond delay="0"/>
+                                  </p:stCondLst>
+                                  <p:childTnLst>
+                                    <p:set>
+                                      <p:cBhvr>
+                                        <p:cTn id="14" dur="1" fill="hold">
+                                          <p:stCondLst>
+                                            <p:cond delay="0"/>
+                                          </p:stCondLst>
+                                        </p:cTn>
+                                        <p:tgtEl>
+                                          <p:spTgt spid="3">
+                                            <p:txEl>
+                                              <p:pRg st="2" end="2"/>
+                                            </p:txEl>
+                                          </p:spTgt>
+                                        </p:tgtEl>
+                                        <p:attrNameLst>
+                                          <p:attrName>style.visibility</p:attrName>
+                                        </p:attrNameLst>
+                                      </p:cBhvr>
+                                      <p:to>
+                                        <p:strVal val="visible"/>
+                                      </p:to>
+                                    </p:set>
+                                  </p:childTnLst>
+                                </p:cTn>
+                              </p:par>
+                            </p:childTnLst>
+                          </p:cTn>
+                        </p:par>
+                      </p:childTnLst>
+                    </p:cTn>
+                  </p:par>
+                  <p:par>
+                    <p:cTn id="15" fill="hold">
+                      <p:stCondLst>
+                        <p:cond delay="indefinite"/>
+                      </p:stCondLst>
+                      <p:childTnLst>
+                        <p:par>
+                          <p:cTn id="16" fill="hold">
+                            <p:stCondLst>
+                              <p:cond delay="0"/>
+                            </p:stCondLst>
+                            <p:childTnLst>
+                              <p:par>
+                                <p:cTn id="17" presetID="1" presetClass="entr" presetSubtype="0" fill="hold" grpId="0" nodeType="clickEffect">
+                                  <p:stCondLst>
+                                    <p:cond delay="0"/>
+                                  </p:stCondLst>
+                                  <p:childTnLst>
+                                    <p:set>
+                                      <p:cBhvr>
+                                        <p:cTn id="18" dur="1" fill="hold">
+                                          <p:stCondLst>
+                                            <p:cond delay="0"/>
+                                          </p:stCondLst>
+                                        </p:cTn>
+                                        <p:tgtEl>
+                                          <p:spTgt spid="3">
+                                            <p:txEl>
+                                              <p:pRg st="3" end="3"/>
+                                            </p:txEl>
+                                          </p:spTgt>
+                                        </p:tgtEl>
+                                        <p:attrNameLst>
+                                          <p:attrName>style.visibility</p:attrName>
+                                        </p:attrNameLst>
+                                      </p:cBhvr>
+                                      <p:to>
+                                        <p:strVal val="visible"/>
+                                      </p:to>
+                                    </p:set>
+                                  </p:childTnLst>
+                                </p:cTn>
+                              </p:par>
+                            </p:childTnLst>
+                          </p:cTn>
+                        </p:par>
+                      </p:childTnLst>
+                    </p:cTn>
+                  </p:par>
+                </p:childTnLst>
+              </p:cTn>
+              <p:prevCondLst>
+                <p:cond evt="onPrev" delay="0">
+                  <p:tgtEl>
+                    <p:sldTgt/>
+                  </p:tgtEl>
+                </p:cond>
+              </p:prevCondLst>
+              <p:nextCondLst>
+                <p:cond evt="onNext" delay="0">
+                  <p:tgtEl>
+                    <p:sldTgt/>
+                  </p:tgtEl>
+                </p:cond>
+              </p:nextCondLst>
+            </p:seq>
+          </p:childTnLst>
+        </p:cTn>
+      </p:par>
+    </p:tnLst>
+    <p:bldLst>
+      <p:bldP spid="3" grpId="0" build="p"/>
+    </p:bldLst>
+  </p:timing>
+</p:sld>
+</file>
+
+<file path=ppt/slides/slide11.xml><?xml version="1.0" encoding="utf-8"?>
 <p:sld xmlns:a="http://schemas.openxmlformats.org/drawingml/2006/main" xmlns:r="http://schemas.openxmlformats.org/officeDocument/2006/relationships" xmlns:p="http://schemas.openxmlformats.org/presentationml/2006/main">
   <p:cSld>
     <p:spTree>
@@ -3997,13 +4344,13 @@
   <p:clrMapOvr>
     <a:masterClrMapping/>
   </p:clrMapOvr>
-  <mc:AlternateContent xmlns:mc="http://schemas.openxmlformats.org/markup-compatibility/2006">
-    <mc:Choice xmlns:p14="http://schemas.microsoft.com/office/powerpoint/2010/main" Requires="p14">
+  <mc:AlternateContent xmlns:mc="http://schemas.openxmlformats.org/markup-compatibility/2006" xmlns:p14="http://schemas.microsoft.com/office/powerpoint/2010/main">
+    <mc:Choice Requires="p14">
       <p:transition spd="med" p14:dur="700">
         <p:fade/>
       </p:transition>
     </mc:Choice>
-    <mc:Fallback>
+    <mc:Fallback xmlns="">
       <p:transition spd="med">
         <p:fade/>
       </p:transition>
@@ -4321,7 +4668,7 @@
 </p:sld>
 </file>
 
-<file path=ppt/slides/slide11.xml><?xml version="1.0" encoding="utf-8"?>
+<file path=ppt/slides/slide12.xml><?xml version="1.0" encoding="utf-8"?>
 <p:sld xmlns:a="http://schemas.openxmlformats.org/drawingml/2006/main" xmlns:r="http://schemas.openxmlformats.org/officeDocument/2006/relationships" xmlns:p="http://schemas.openxmlformats.org/presentationml/2006/main">
   <p:cSld>
     <p:spTree>
@@ -4445,13 +4792,13 @@
   <p:clrMapOvr>
     <a:masterClrMapping/>
   </p:clrMapOvr>
-  <mc:AlternateContent xmlns:mc="http://schemas.openxmlformats.org/markup-compatibility/2006">
-    <mc:Choice xmlns:p14="http://schemas.microsoft.com/office/powerpoint/2010/main" Requires="p14">
+  <mc:AlternateContent xmlns:mc="http://schemas.openxmlformats.org/markup-compatibility/2006" xmlns:p14="http://schemas.microsoft.com/office/powerpoint/2010/main">
+    <mc:Choice Requires="p14">
       <p:transition spd="med" p14:dur="700">
         <p:fade/>
       </p:transition>
     </mc:Choice>
-    <mc:Fallback>
+    <mc:Fallback xmlns="">
       <p:transition spd="med">
         <p:fade/>
       </p:transition>
@@ -4746,7 +5093,7 @@
 </p:sld>
 </file>
 
-<file path=ppt/slides/slide12.xml><?xml version="1.0" encoding="utf-8"?>
+<file path=ppt/slides/slide13.xml><?xml version="1.0" encoding="utf-8"?>
 <p:sld xmlns:a="http://schemas.openxmlformats.org/drawingml/2006/main" xmlns:r="http://schemas.openxmlformats.org/officeDocument/2006/relationships" xmlns:p="http://schemas.openxmlformats.org/presentationml/2006/main">
   <p:cSld>
     <p:spTree>
@@ -4883,13 +5230,13 @@
   <p:clrMapOvr>
     <a:masterClrMapping/>
   </p:clrMapOvr>
-  <mc:AlternateContent xmlns:mc="http://schemas.openxmlformats.org/markup-compatibility/2006">
-    <mc:Choice xmlns:p14="http://schemas.microsoft.com/office/powerpoint/2010/main" Requires="p14">
+  <mc:AlternateContent xmlns:mc="http://schemas.openxmlformats.org/markup-compatibility/2006" xmlns:p14="http://schemas.microsoft.com/office/powerpoint/2010/main">
+    <mc:Choice Requires="p14">
       <p:transition spd="med" p14:dur="700">
         <p:fade/>
       </p:transition>
     </mc:Choice>
-    <mc:Fallback>
+    <mc:Fallback xmlns="">
       <p:transition spd="med">
         <p:fade/>
       </p:transition>
@@ -5269,485 +5616,6 @@
 </p:sld>
 </file>
 
-<file path=ppt/slides/slide13.xml><?xml version="1.0" encoding="utf-8"?>
-<p:sld xmlns:a="http://schemas.openxmlformats.org/drawingml/2006/main" xmlns:r="http://schemas.openxmlformats.org/officeDocument/2006/relationships" xmlns:p="http://schemas.openxmlformats.org/presentationml/2006/main">
-  <p:cSld>
-    <p:spTree>
-      <p:nvGrpSpPr>
-        <p:cNvPr id="1" name=""/>
-        <p:cNvGrpSpPr/>
-        <p:nvPr/>
-      </p:nvGrpSpPr>
-      <p:grpSpPr>
-        <a:xfrm>
-          <a:off x="0" y="0"/>
-          <a:ext cx="0" cy="0"/>
-          <a:chOff x="0" y="0"/>
-          <a:chExt cx="0" cy="0"/>
-        </a:xfrm>
-      </p:grpSpPr>
-      <p:sp>
-        <p:nvSpPr>
-          <p:cNvPr id="2" name="Title 1">
-            <a:extLst>
-              <a:ext uri="{FF2B5EF4-FFF2-40B4-BE49-F238E27FC236}">
-                <a16:creationId xmlns:a16="http://schemas.microsoft.com/office/drawing/2014/main" id="{977B8AF1-3C5A-5B40-A022-7A684DB3C5B7}"/>
-              </a:ext>
-            </a:extLst>
-          </p:cNvPr>
-          <p:cNvSpPr>
-            <a:spLocks noGrp="1"/>
-          </p:cNvSpPr>
-          <p:nvPr>
-            <p:ph type="title"/>
-          </p:nvPr>
-        </p:nvSpPr>
-        <p:spPr/>
-        <p:txBody>
-          <a:bodyPr/>
-          <a:lstStyle/>
-          <a:p>
-            <a:r>
-              <a:rPr lang="en-US" b="1" dirty="0"/>
-              <a:t>Unit testing as a feedback loop</a:t>
-            </a:r>
-          </a:p>
-        </p:txBody>
-      </p:sp>
-      <p:sp>
-        <p:nvSpPr>
-          <p:cNvPr id="3" name="Content Placeholder 2">
-            <a:extLst>
-              <a:ext uri="{FF2B5EF4-FFF2-40B4-BE49-F238E27FC236}">
-                <a16:creationId xmlns:a16="http://schemas.microsoft.com/office/drawing/2014/main" id="{62151239-2C8C-5C47-B029-8E279A296E76}"/>
-              </a:ext>
-            </a:extLst>
-          </p:cNvPr>
-          <p:cNvSpPr>
-            <a:spLocks noGrp="1"/>
-          </p:cNvSpPr>
-          <p:nvPr>
-            <p:ph idx="1"/>
-          </p:nvPr>
-        </p:nvSpPr>
-        <p:spPr/>
-        <p:txBody>
-          <a:bodyPr/>
-          <a:lstStyle/>
-          <a:p>
-            <a:r>
-              <a:rPr lang="en-US" dirty="0"/>
-              <a:t>We apply feedback loops to every level of our development. </a:t>
-            </a:r>
-          </a:p>
-          <a:p>
-            <a:r>
-              <a:rPr lang="en-US" dirty="0"/>
-              <a:t>Unit testing is a feedback loop that occurs within seconds. </a:t>
-            </a:r>
-          </a:p>
-          <a:p>
-            <a:r>
-              <a:rPr lang="en-US" dirty="0"/>
-              <a:t>Quick execution of a unit test provides us with information.</a:t>
-            </a:r>
-          </a:p>
-          <a:p>
-            <a:r>
-              <a:rPr lang="en-US" dirty="0"/>
-              <a:t>Constant testing can catch regression errors.</a:t>
-            </a:r>
-          </a:p>
-          <a:p>
-            <a:r>
-              <a:rPr lang="en-US" dirty="0"/>
-              <a:t>Test-driven development gives us feedback on...</a:t>
-            </a:r>
-          </a:p>
-          <a:p>
-            <a:pPr lvl="1"/>
-            <a:r>
-              <a:rPr lang="en-US" dirty="0"/>
-              <a:t>Quality of the implementation (does it work)</a:t>
-            </a:r>
-          </a:p>
-          <a:p>
-            <a:pPr lvl="1"/>
-            <a:r>
-              <a:rPr lang="en-US" dirty="0"/>
-              <a:t>Quality of the code design (is it well structured)</a:t>
-            </a:r>
-          </a:p>
-          <a:p>
-            <a:endParaRPr lang="en-US" dirty="0"/>
-          </a:p>
-        </p:txBody>
-      </p:sp>
-    </p:spTree>
-    <p:extLst>
-      <p:ext uri="{BB962C8B-B14F-4D97-AF65-F5344CB8AC3E}">
-        <p14:creationId xmlns:p14="http://schemas.microsoft.com/office/powerpoint/2010/main" val="387847106"/>
-      </p:ext>
-    </p:extLst>
-  </p:cSld>
-  <p:clrMapOvr>
-    <a:masterClrMapping/>
-  </p:clrMapOvr>
-  <mc:AlternateContent xmlns:mc="http://schemas.openxmlformats.org/markup-compatibility/2006">
-    <mc:Choice xmlns:p14="http://schemas.microsoft.com/office/powerpoint/2010/main" Requires="p14">
-      <p:transition spd="med" p14:dur="700">
-        <p:fade/>
-      </p:transition>
-    </mc:Choice>
-    <mc:Fallback>
-      <p:transition spd="med">
-        <p:fade/>
-      </p:transition>
-    </mc:Fallback>
-  </mc:AlternateContent>
-  <p:timing>
-    <p:tnLst>
-      <p:par>
-        <p:cTn id="1" dur="indefinite" restart="never" nodeType="tmRoot">
-          <p:childTnLst>
-            <p:seq concurrent="1" nextAc="seek">
-              <p:cTn id="2" dur="indefinite" nodeType="mainSeq">
-                <p:childTnLst>
-                  <p:par>
-                    <p:cTn id="3" fill="hold">
-                      <p:stCondLst>
-                        <p:cond delay="indefinite"/>
-                      </p:stCondLst>
-                      <p:childTnLst>
-                        <p:par>
-                          <p:cTn id="4" fill="hold">
-                            <p:stCondLst>
-                              <p:cond delay="0"/>
-                            </p:stCondLst>
-                            <p:childTnLst>
-                              <p:par>
-                                <p:cTn id="5" presetID="1" presetClass="entr" presetSubtype="0" fill="hold" grpId="0" nodeType="clickEffect">
-                                  <p:stCondLst>
-                                    <p:cond delay="0"/>
-                                  </p:stCondLst>
-                                  <p:childTnLst>
-                                    <p:set>
-                                      <p:cBhvr>
-                                        <p:cTn id="6" dur="1" fill="hold">
-                                          <p:stCondLst>
-                                            <p:cond delay="0"/>
-                                          </p:stCondLst>
-                                        </p:cTn>
-                                        <p:tgtEl>
-                                          <p:spTgt spid="3">
-                                            <p:txEl>
-                                              <p:pRg st="0" end="0"/>
-                                            </p:txEl>
-                                          </p:spTgt>
-                                        </p:tgtEl>
-                                        <p:attrNameLst>
-                                          <p:attrName>style.visibility</p:attrName>
-                                        </p:attrNameLst>
-                                      </p:cBhvr>
-                                      <p:to>
-                                        <p:strVal val="visible"/>
-                                      </p:to>
-                                    </p:set>
-                                  </p:childTnLst>
-                                </p:cTn>
-                              </p:par>
-                            </p:childTnLst>
-                          </p:cTn>
-                        </p:par>
-                      </p:childTnLst>
-                    </p:cTn>
-                  </p:par>
-                  <p:par>
-                    <p:cTn id="7" fill="hold">
-                      <p:stCondLst>
-                        <p:cond delay="indefinite"/>
-                      </p:stCondLst>
-                      <p:childTnLst>
-                        <p:par>
-                          <p:cTn id="8" fill="hold">
-                            <p:stCondLst>
-                              <p:cond delay="0"/>
-                            </p:stCondLst>
-                            <p:childTnLst>
-                              <p:par>
-                                <p:cTn id="9" presetID="1" presetClass="entr" presetSubtype="0" fill="hold" grpId="0" nodeType="clickEffect">
-                                  <p:stCondLst>
-                                    <p:cond delay="0"/>
-                                  </p:stCondLst>
-                                  <p:childTnLst>
-                                    <p:set>
-                                      <p:cBhvr>
-                                        <p:cTn id="10" dur="1" fill="hold">
-                                          <p:stCondLst>
-                                            <p:cond delay="0"/>
-                                          </p:stCondLst>
-                                        </p:cTn>
-                                        <p:tgtEl>
-                                          <p:spTgt spid="3">
-                                            <p:txEl>
-                                              <p:pRg st="1" end="1"/>
-                                            </p:txEl>
-                                          </p:spTgt>
-                                        </p:tgtEl>
-                                        <p:attrNameLst>
-                                          <p:attrName>style.visibility</p:attrName>
-                                        </p:attrNameLst>
-                                      </p:cBhvr>
-                                      <p:to>
-                                        <p:strVal val="visible"/>
-                                      </p:to>
-                                    </p:set>
-                                  </p:childTnLst>
-                                </p:cTn>
-                              </p:par>
-                            </p:childTnLst>
-                          </p:cTn>
-                        </p:par>
-                      </p:childTnLst>
-                    </p:cTn>
-                  </p:par>
-                  <p:par>
-                    <p:cTn id="11" fill="hold">
-                      <p:stCondLst>
-                        <p:cond delay="indefinite"/>
-                      </p:stCondLst>
-                      <p:childTnLst>
-                        <p:par>
-                          <p:cTn id="12" fill="hold">
-                            <p:stCondLst>
-                              <p:cond delay="0"/>
-                            </p:stCondLst>
-                            <p:childTnLst>
-                              <p:par>
-                                <p:cTn id="13" presetID="1" presetClass="entr" presetSubtype="0" fill="hold" grpId="0" nodeType="clickEffect">
-                                  <p:stCondLst>
-                                    <p:cond delay="0"/>
-                                  </p:stCondLst>
-                                  <p:childTnLst>
-                                    <p:set>
-                                      <p:cBhvr>
-                                        <p:cTn id="14" dur="1" fill="hold">
-                                          <p:stCondLst>
-                                            <p:cond delay="0"/>
-                                          </p:stCondLst>
-                                        </p:cTn>
-                                        <p:tgtEl>
-                                          <p:spTgt spid="3">
-                                            <p:txEl>
-                                              <p:pRg st="2" end="2"/>
-                                            </p:txEl>
-                                          </p:spTgt>
-                                        </p:tgtEl>
-                                        <p:attrNameLst>
-                                          <p:attrName>style.visibility</p:attrName>
-                                        </p:attrNameLst>
-                                      </p:cBhvr>
-                                      <p:to>
-                                        <p:strVal val="visible"/>
-                                      </p:to>
-                                    </p:set>
-                                  </p:childTnLst>
-                                </p:cTn>
-                              </p:par>
-                            </p:childTnLst>
-                          </p:cTn>
-                        </p:par>
-                      </p:childTnLst>
-                    </p:cTn>
-                  </p:par>
-                  <p:par>
-                    <p:cTn id="15" fill="hold">
-                      <p:stCondLst>
-                        <p:cond delay="indefinite"/>
-                      </p:stCondLst>
-                      <p:childTnLst>
-                        <p:par>
-                          <p:cTn id="16" fill="hold">
-                            <p:stCondLst>
-                              <p:cond delay="0"/>
-                            </p:stCondLst>
-                            <p:childTnLst>
-                              <p:par>
-                                <p:cTn id="17" presetID="1" presetClass="entr" presetSubtype="0" fill="hold" grpId="0" nodeType="clickEffect">
-                                  <p:stCondLst>
-                                    <p:cond delay="0"/>
-                                  </p:stCondLst>
-                                  <p:childTnLst>
-                                    <p:set>
-                                      <p:cBhvr>
-                                        <p:cTn id="18" dur="1" fill="hold">
-                                          <p:stCondLst>
-                                            <p:cond delay="0"/>
-                                          </p:stCondLst>
-                                        </p:cTn>
-                                        <p:tgtEl>
-                                          <p:spTgt spid="3">
-                                            <p:txEl>
-                                              <p:pRg st="3" end="3"/>
-                                            </p:txEl>
-                                          </p:spTgt>
-                                        </p:tgtEl>
-                                        <p:attrNameLst>
-                                          <p:attrName>style.visibility</p:attrName>
-                                        </p:attrNameLst>
-                                      </p:cBhvr>
-                                      <p:to>
-                                        <p:strVal val="visible"/>
-                                      </p:to>
-                                    </p:set>
-                                  </p:childTnLst>
-                                </p:cTn>
-                              </p:par>
-                            </p:childTnLst>
-                          </p:cTn>
-                        </p:par>
-                      </p:childTnLst>
-                    </p:cTn>
-                  </p:par>
-                  <p:par>
-                    <p:cTn id="19" fill="hold">
-                      <p:stCondLst>
-                        <p:cond delay="indefinite"/>
-                      </p:stCondLst>
-                      <p:childTnLst>
-                        <p:par>
-                          <p:cTn id="20" fill="hold">
-                            <p:stCondLst>
-                              <p:cond delay="0"/>
-                            </p:stCondLst>
-                            <p:childTnLst>
-                              <p:par>
-                                <p:cTn id="21" presetID="1" presetClass="entr" presetSubtype="0" fill="hold" grpId="0" nodeType="clickEffect">
-                                  <p:stCondLst>
-                                    <p:cond delay="0"/>
-                                  </p:stCondLst>
-                                  <p:childTnLst>
-                                    <p:set>
-                                      <p:cBhvr>
-                                        <p:cTn id="22" dur="1" fill="hold">
-                                          <p:stCondLst>
-                                            <p:cond delay="0"/>
-                                          </p:stCondLst>
-                                        </p:cTn>
-                                        <p:tgtEl>
-                                          <p:spTgt spid="3">
-                                            <p:txEl>
-                                              <p:pRg st="4" end="4"/>
-                                            </p:txEl>
-                                          </p:spTgt>
-                                        </p:tgtEl>
-                                        <p:attrNameLst>
-                                          <p:attrName>style.visibility</p:attrName>
-                                        </p:attrNameLst>
-                                      </p:cBhvr>
-                                      <p:to>
-                                        <p:strVal val="visible"/>
-                                      </p:to>
-                                    </p:set>
-                                  </p:childTnLst>
-                                </p:cTn>
-                              </p:par>
-                              <p:par>
-                                <p:cTn id="23" presetID="1" presetClass="entr" presetSubtype="0" fill="hold" grpId="0" nodeType="withEffect">
-                                  <p:stCondLst>
-                                    <p:cond delay="0"/>
-                                  </p:stCondLst>
-                                  <p:childTnLst>
-                                    <p:set>
-                                      <p:cBhvr>
-                                        <p:cTn id="24" dur="1" fill="hold">
-                                          <p:stCondLst>
-                                            <p:cond delay="0"/>
-                                          </p:stCondLst>
-                                        </p:cTn>
-                                        <p:tgtEl>
-                                          <p:spTgt spid="3">
-                                            <p:txEl>
-                                              <p:pRg st="5" end="5"/>
-                                            </p:txEl>
-                                          </p:spTgt>
-                                        </p:tgtEl>
-                                        <p:attrNameLst>
-                                          <p:attrName>style.visibility</p:attrName>
-                                        </p:attrNameLst>
-                                      </p:cBhvr>
-                                      <p:to>
-                                        <p:strVal val="visible"/>
-                                      </p:to>
-                                    </p:set>
-                                  </p:childTnLst>
-                                </p:cTn>
-                              </p:par>
-                              <p:par>
-                                <p:cTn id="25" presetID="1" presetClass="entr" presetSubtype="0" fill="hold" grpId="0" nodeType="withEffect">
-                                  <p:stCondLst>
-                                    <p:cond delay="0"/>
-                                  </p:stCondLst>
-                                  <p:childTnLst>
-                                    <p:set>
-                                      <p:cBhvr>
-                                        <p:cTn id="26" dur="1" fill="hold">
-                                          <p:stCondLst>
-                                            <p:cond delay="0"/>
-                                          </p:stCondLst>
-                                        </p:cTn>
-                                        <p:tgtEl>
-                                          <p:spTgt spid="3">
-                                            <p:txEl>
-                                              <p:pRg st="6" end="6"/>
-                                            </p:txEl>
-                                          </p:spTgt>
-                                        </p:tgtEl>
-                                        <p:attrNameLst>
-                                          <p:attrName>style.visibility</p:attrName>
-                                        </p:attrNameLst>
-                                      </p:cBhvr>
-                                      <p:to>
-                                        <p:strVal val="visible"/>
-                                      </p:to>
-                                    </p:set>
-                                  </p:childTnLst>
-                                </p:cTn>
-                              </p:par>
-                            </p:childTnLst>
-                          </p:cTn>
-                        </p:par>
-                      </p:childTnLst>
-                    </p:cTn>
-                  </p:par>
-                </p:childTnLst>
-              </p:cTn>
-              <p:prevCondLst>
-                <p:cond evt="onPrev" delay="0">
-                  <p:tgtEl>
-                    <p:sldTgt/>
-                  </p:tgtEl>
-                </p:cond>
-              </p:prevCondLst>
-              <p:nextCondLst>
-                <p:cond evt="onNext" delay="0">
-                  <p:tgtEl>
-                    <p:sldTgt/>
-                  </p:tgtEl>
-                </p:cond>
-              </p:nextCondLst>
-            </p:seq>
-          </p:childTnLst>
-        </p:cTn>
-      </p:par>
-    </p:tnLst>
-    <p:bldLst>
-      <p:bldP spid="3" grpId="0" build="p"/>
-    </p:bldLst>
-  </p:timing>
-</p:sld>
-</file>
-
 <file path=ppt/slides/slide14.xml><?xml version="1.0" encoding="utf-8"?>
 <p:sld xmlns:a="http://schemas.openxmlformats.org/drawingml/2006/main" xmlns:r="http://schemas.openxmlformats.org/officeDocument/2006/relationships" xmlns:p="http://schemas.openxmlformats.org/presentationml/2006/main">
   <p:cSld>
@@ -5861,13 +5729,13 @@
   <p:clrMapOvr>
     <a:masterClrMapping/>
   </p:clrMapOvr>
-  <mc:AlternateContent xmlns:mc="http://schemas.openxmlformats.org/markup-compatibility/2006">
-    <mc:Choice xmlns:p14="http://schemas.microsoft.com/office/powerpoint/2010/main" Requires="p14">
+  <mc:AlternateContent xmlns:mc="http://schemas.openxmlformats.org/markup-compatibility/2006" xmlns:p14="http://schemas.microsoft.com/office/powerpoint/2010/main">
+    <mc:Choice Requires="p14">
       <p:transition spd="med" p14:dur="700">
         <p:fade/>
       </p:transition>
     </mc:Choice>
-    <mc:Fallback>
+    <mc:Fallback xmlns="">
       <p:transition spd="med">
         <p:fade/>
       </p:transition>
@@ -6223,13 +6091,13 @@
   <p:clrMapOvr>
     <a:masterClrMapping/>
   </p:clrMapOvr>
-  <mc:AlternateContent xmlns:mc="http://schemas.openxmlformats.org/markup-compatibility/2006">
-    <mc:Choice xmlns:p14="http://schemas.microsoft.com/office/powerpoint/2010/main" Requires="p14">
+  <mc:AlternateContent xmlns:mc="http://schemas.openxmlformats.org/markup-compatibility/2006" xmlns:p14="http://schemas.microsoft.com/office/powerpoint/2010/main">
+    <mc:Choice Requires="p14">
       <p:transition spd="med" p14:dur="700">
         <p:fade/>
       </p:transition>
     </mc:Choice>
-    <mc:Fallback>
+    <mc:Fallback xmlns="">
       <p:transition spd="med">
         <p:fade/>
       </p:transition>
@@ -6547,13 +6415,13 @@
   <p:clrMapOvr>
     <a:masterClrMapping/>
   </p:clrMapOvr>
-  <mc:AlternateContent xmlns:mc="http://schemas.openxmlformats.org/markup-compatibility/2006">
-    <mc:Choice xmlns:p14="http://schemas.microsoft.com/office/powerpoint/2010/main" Requires="p14">
+  <mc:AlternateContent xmlns:mc="http://schemas.openxmlformats.org/markup-compatibility/2006" xmlns:p14="http://schemas.microsoft.com/office/powerpoint/2010/main">
+    <mc:Choice Requires="p14">
       <p:transition spd="med" p14:dur="700">
         <p:fade/>
       </p:transition>
     </mc:Choice>
-    <mc:Fallback>
+    <mc:Fallback xmlns="">
       <p:transition spd="med">
         <p:fade/>
       </p:transition>
@@ -6860,13 +6728,13 @@
   <p:clrMapOvr>
     <a:masterClrMapping/>
   </p:clrMapOvr>
-  <mc:AlternateContent xmlns:mc="http://schemas.openxmlformats.org/markup-compatibility/2006">
-    <mc:Choice xmlns:p14="http://schemas.microsoft.com/office/powerpoint/2010/main" Requires="p14">
+  <mc:AlternateContent xmlns:mc="http://schemas.openxmlformats.org/markup-compatibility/2006" xmlns:p14="http://schemas.microsoft.com/office/powerpoint/2010/main">
+    <mc:Choice Requires="p14">
       <p:transition spd="med" p14:dur="700">
         <p:fade/>
       </p:transition>
     </mc:Choice>
-    <mc:Fallback>
+    <mc:Fallback xmlns="">
       <p:transition spd="med">
         <p:fade/>
       </p:transition>
@@ -7356,19 +7224,27 @@
           <a:p>
             <a:r>
               <a:rPr lang="en-US" dirty="0"/>
-              <a:t>Tests are isolated and use test doubles for dependencies</a:t>
+              <a:t>Tests are isolated and use test doubles for dependency isolation</a:t>
             </a:r>
           </a:p>
           <a:p>
             <a:r>
               <a:rPr lang="en-US" dirty="0"/>
-              <a:t>Tests execute quickly</a:t>
-            </a:r>
-          </a:p>
-          <a:p>
+              <a:t>Tests execute quickly (</a:t>
+            </a:r>
+            <a:r>
+              <a:rPr lang="en-US" dirty="0" err="1"/>
+              <a:t>ms</a:t>
+            </a:r>
             <a:r>
               <a:rPr lang="en-US" dirty="0"/>
-              <a:t>Easy to test exceptional scenarios</a:t>
+              <a:t>)</a:t>
+            </a:r>
+          </a:p>
+          <a:p>
+            <a:r>
+              <a:rPr lang="en-US" dirty="0"/>
+              <a:t>Easy to test exceptional pathways through the code</a:t>
             </a:r>
           </a:p>
         </p:txBody>
@@ -7444,8 +7320,13 @@
           <a:p>
             <a:r>
               <a:rPr lang="en-US" dirty="0"/>
-              <a:t>Tests require setup and can be slower to execute</a:t>
-            </a:r>
+              <a:t>Tests require setup and can be slower to execute </a:t>
+            </a:r>
+            <a:r>
+              <a:rPr lang="en-US"/>
+              <a:t>(seconds)</a:t>
+            </a:r>
+            <a:endParaRPr lang="en-US" dirty="0"/>
           </a:p>
           <a:p>
             <a:r>
@@ -7465,13 +7346,13 @@
   <p:clrMapOvr>
     <a:masterClrMapping/>
   </p:clrMapOvr>
-  <mc:AlternateContent xmlns:mc="http://schemas.openxmlformats.org/markup-compatibility/2006">
-    <mc:Choice xmlns:p14="http://schemas.microsoft.com/office/powerpoint/2010/main" Requires="p14">
+  <mc:AlternateContent xmlns:mc="http://schemas.openxmlformats.org/markup-compatibility/2006" xmlns:p14="http://schemas.microsoft.com/office/powerpoint/2010/main">
+    <mc:Choice Requires="p14">
       <p:transition spd="med" p14:dur="700">
         <p:fade/>
       </p:transition>
     </mc:Choice>
-    <mc:Fallback>
+    <mc:Fallback xmlns="">
       <p:transition spd="med">
         <p:fade/>
       </p:transition>
@@ -8122,13 +8003,13 @@
   <p:clrMapOvr>
     <a:masterClrMapping/>
   </p:clrMapOvr>
-  <mc:AlternateContent xmlns:mc="http://schemas.openxmlformats.org/markup-compatibility/2006">
-    <mc:Choice xmlns:p14="http://schemas.microsoft.com/office/powerpoint/2010/main" Requires="p14">
+  <mc:AlternateContent xmlns:mc="http://schemas.openxmlformats.org/markup-compatibility/2006" xmlns:p14="http://schemas.microsoft.com/office/powerpoint/2010/main">
+    <mc:Choice Requires="p14">
       <p:transition spd="med" p14:dur="700">
         <p:fade/>
       </p:transition>
     </mc:Choice>
-    <mc:Fallback>
+    <mc:Fallback xmlns="">
       <p:transition spd="med">
         <p:fade/>
       </p:transition>
@@ -8230,13 +8111,13 @@
   <p:clrMapOvr>
     <a:masterClrMapping/>
   </p:clrMapOvr>
-  <mc:AlternateContent xmlns:mc="http://schemas.openxmlformats.org/markup-compatibility/2006">
-    <mc:Choice xmlns:p14="http://schemas.microsoft.com/office/powerpoint/2010/main" Requires="p14">
+  <mc:AlternateContent xmlns:mc="http://schemas.openxmlformats.org/markup-compatibility/2006" xmlns:p14="http://schemas.microsoft.com/office/powerpoint/2010/main">
+    <mc:Choice Requires="p14">
       <p:transition spd="med" p14:dur="700">
         <p:fade/>
       </p:transition>
     </mc:Choice>
-    <mc:Fallback>
+    <mc:Fallback xmlns="">
       <p:transition spd="med">
         <p:fade/>
       </p:transition>
@@ -8378,13 +8259,13 @@
   <p:clrMapOvr>
     <a:masterClrMapping/>
   </p:clrMapOvr>
-  <mc:AlternateContent xmlns:mc="http://schemas.openxmlformats.org/markup-compatibility/2006">
-    <mc:Choice xmlns:p14="http://schemas.microsoft.com/office/powerpoint/2010/main" Requires="p14">
+  <mc:AlternateContent xmlns:mc="http://schemas.openxmlformats.org/markup-compatibility/2006" xmlns:p14="http://schemas.microsoft.com/office/powerpoint/2010/main">
+    <mc:Choice Requires="p14">
       <p:transition spd="med" p14:dur="700">
         <p:fade/>
       </p:transition>
     </mc:Choice>
-    <mc:Fallback>
+    <mc:Fallback xmlns="">
       <p:transition spd="med">
         <p:fade/>
       </p:transition>
@@ -8882,13 +8763,13 @@
   <p:clrMapOvr>
     <a:masterClrMapping/>
   </p:clrMapOvr>
-  <mc:AlternateContent xmlns:mc="http://schemas.openxmlformats.org/markup-compatibility/2006">
-    <mc:Choice xmlns:p14="http://schemas.microsoft.com/office/powerpoint/2010/main" Requires="p14">
+  <mc:AlternateContent xmlns:mc="http://schemas.openxmlformats.org/markup-compatibility/2006" xmlns:p14="http://schemas.microsoft.com/office/powerpoint/2010/main">
+    <mc:Choice Requires="p14">
       <p:transition spd="med" p14:dur="700">
         <p:fade/>
       </p:transition>
     </mc:Choice>
-    <mc:Fallback>
+    <mc:Fallback xmlns="">
       <p:transition spd="med">
         <p:fade/>
       </p:transition>
@@ -9341,13 +9222,13 @@
   <p:clrMapOvr>
     <a:masterClrMapping/>
   </p:clrMapOvr>
-  <mc:AlternateContent xmlns:mc="http://schemas.openxmlformats.org/markup-compatibility/2006">
-    <mc:Choice xmlns:p14="http://schemas.microsoft.com/office/powerpoint/2010/main" Requires="p14">
+  <mc:AlternateContent xmlns:mc="http://schemas.openxmlformats.org/markup-compatibility/2006" xmlns:p14="http://schemas.microsoft.com/office/powerpoint/2010/main">
+    <mc:Choice Requires="p14">
       <p:transition spd="med" p14:dur="700">
         <p:fade/>
       </p:transition>
     </mc:Choice>
-    <mc:Fallback>
+    <mc:Fallback xmlns="">
       <p:transition spd="med">
         <p:fade/>
       </p:transition>
@@ -9803,6 +9684,468 @@
           <p:cNvPr id="2" name="Title 1">
             <a:extLst>
               <a:ext uri="{FF2B5EF4-FFF2-40B4-BE49-F238E27FC236}">
+                <a16:creationId xmlns:a16="http://schemas.microsoft.com/office/drawing/2014/main" id="{977B8AF1-3C5A-5B40-A022-7A684DB3C5B7}"/>
+              </a:ext>
+            </a:extLst>
+          </p:cNvPr>
+          <p:cNvSpPr>
+            <a:spLocks noGrp="1"/>
+          </p:cNvSpPr>
+          <p:nvPr>
+            <p:ph type="title"/>
+          </p:nvPr>
+        </p:nvSpPr>
+        <p:spPr/>
+        <p:txBody>
+          <a:bodyPr/>
+          <a:lstStyle/>
+          <a:p>
+            <a:r>
+              <a:rPr lang="en-US" b="1" dirty="0"/>
+              <a:t>Unit testing as a feedback loop</a:t>
+            </a:r>
+          </a:p>
+        </p:txBody>
+      </p:sp>
+      <p:sp>
+        <p:nvSpPr>
+          <p:cNvPr id="3" name="Content Placeholder 2">
+            <a:extLst>
+              <a:ext uri="{FF2B5EF4-FFF2-40B4-BE49-F238E27FC236}">
+                <a16:creationId xmlns:a16="http://schemas.microsoft.com/office/drawing/2014/main" id="{62151239-2C8C-5C47-B029-8E279A296E76}"/>
+              </a:ext>
+            </a:extLst>
+          </p:cNvPr>
+          <p:cNvSpPr>
+            <a:spLocks noGrp="1"/>
+          </p:cNvSpPr>
+          <p:nvPr>
+            <p:ph idx="1"/>
+          </p:nvPr>
+        </p:nvSpPr>
+        <p:spPr/>
+        <p:txBody>
+          <a:bodyPr/>
+          <a:lstStyle/>
+          <a:p>
+            <a:r>
+              <a:rPr lang="en-US" dirty="0"/>
+              <a:t>We apply feedback loops to every level of our development. </a:t>
+            </a:r>
+          </a:p>
+          <a:p>
+            <a:r>
+              <a:rPr lang="en-US" dirty="0"/>
+              <a:t>Unit testing is an excellent feedback loop that occurs within seconds. </a:t>
+            </a:r>
+          </a:p>
+          <a:p>
+            <a:pPr lvl="1"/>
+            <a:r>
+              <a:rPr lang="en-US" dirty="0"/>
+              <a:t>Quick execution of a unit test suite provides us with update-to-date information about our codebase.</a:t>
+            </a:r>
+          </a:p>
+          <a:p>
+            <a:r>
+              <a:rPr lang="en-US" dirty="0"/>
+              <a:t>Constant testing automation (CI build) with a test suite with good test code coverage can catch regression errors during development.</a:t>
+            </a:r>
+          </a:p>
+          <a:p>
+            <a:r>
+              <a:rPr lang="en-US" dirty="0"/>
+              <a:t>Test-driven development gives us feedback on...</a:t>
+            </a:r>
+          </a:p>
+          <a:p>
+            <a:pPr lvl="1"/>
+            <a:r>
+              <a:rPr lang="en-US" dirty="0"/>
+              <a:t>Quality of the implementation (does it work)</a:t>
+            </a:r>
+          </a:p>
+          <a:p>
+            <a:pPr lvl="1"/>
+            <a:r>
+              <a:rPr lang="en-US" dirty="0"/>
+              <a:t>Quality of the code design (is it well structured)</a:t>
+            </a:r>
+          </a:p>
+          <a:p>
+            <a:endParaRPr lang="en-US" dirty="0"/>
+          </a:p>
+        </p:txBody>
+      </p:sp>
+    </p:spTree>
+    <p:extLst>
+      <p:ext uri="{BB962C8B-B14F-4D97-AF65-F5344CB8AC3E}">
+        <p14:creationId xmlns:p14="http://schemas.microsoft.com/office/powerpoint/2010/main" val="387847106"/>
+      </p:ext>
+    </p:extLst>
+  </p:cSld>
+  <p:clrMapOvr>
+    <a:masterClrMapping/>
+  </p:clrMapOvr>
+  <mc:AlternateContent xmlns:mc="http://schemas.openxmlformats.org/markup-compatibility/2006" xmlns:p14="http://schemas.microsoft.com/office/powerpoint/2010/main">
+    <mc:Choice Requires="p14">
+      <p:transition spd="med" p14:dur="700">
+        <p:fade/>
+      </p:transition>
+    </mc:Choice>
+    <mc:Fallback xmlns="">
+      <p:transition spd="med">
+        <p:fade/>
+      </p:transition>
+    </mc:Fallback>
+  </mc:AlternateContent>
+  <p:timing>
+    <p:tnLst>
+      <p:par>
+        <p:cTn id="1" dur="indefinite" restart="never" nodeType="tmRoot">
+          <p:childTnLst>
+            <p:seq concurrent="1" nextAc="seek">
+              <p:cTn id="2" dur="indefinite" nodeType="mainSeq">
+                <p:childTnLst>
+                  <p:par>
+                    <p:cTn id="3" fill="hold">
+                      <p:stCondLst>
+                        <p:cond delay="indefinite"/>
+                      </p:stCondLst>
+                      <p:childTnLst>
+                        <p:par>
+                          <p:cTn id="4" fill="hold">
+                            <p:stCondLst>
+                              <p:cond delay="0"/>
+                            </p:stCondLst>
+                            <p:childTnLst>
+                              <p:par>
+                                <p:cTn id="5" presetID="1" presetClass="entr" presetSubtype="0" fill="hold" grpId="0" nodeType="clickEffect">
+                                  <p:stCondLst>
+                                    <p:cond delay="0"/>
+                                  </p:stCondLst>
+                                  <p:childTnLst>
+                                    <p:set>
+                                      <p:cBhvr>
+                                        <p:cTn id="6" dur="1" fill="hold">
+                                          <p:stCondLst>
+                                            <p:cond delay="0"/>
+                                          </p:stCondLst>
+                                        </p:cTn>
+                                        <p:tgtEl>
+                                          <p:spTgt spid="3">
+                                            <p:txEl>
+                                              <p:pRg st="0" end="0"/>
+                                            </p:txEl>
+                                          </p:spTgt>
+                                        </p:tgtEl>
+                                        <p:attrNameLst>
+                                          <p:attrName>style.visibility</p:attrName>
+                                        </p:attrNameLst>
+                                      </p:cBhvr>
+                                      <p:to>
+                                        <p:strVal val="visible"/>
+                                      </p:to>
+                                    </p:set>
+                                  </p:childTnLst>
+                                </p:cTn>
+                              </p:par>
+                            </p:childTnLst>
+                          </p:cTn>
+                        </p:par>
+                      </p:childTnLst>
+                    </p:cTn>
+                  </p:par>
+                  <p:par>
+                    <p:cTn id="7" fill="hold">
+                      <p:stCondLst>
+                        <p:cond delay="indefinite"/>
+                      </p:stCondLst>
+                      <p:childTnLst>
+                        <p:par>
+                          <p:cTn id="8" fill="hold">
+                            <p:stCondLst>
+                              <p:cond delay="0"/>
+                            </p:stCondLst>
+                            <p:childTnLst>
+                              <p:par>
+                                <p:cTn id="9" presetID="1" presetClass="entr" presetSubtype="0" fill="hold" grpId="0" nodeType="clickEffect">
+                                  <p:stCondLst>
+                                    <p:cond delay="0"/>
+                                  </p:stCondLst>
+                                  <p:childTnLst>
+                                    <p:set>
+                                      <p:cBhvr>
+                                        <p:cTn id="10" dur="1" fill="hold">
+                                          <p:stCondLst>
+                                            <p:cond delay="0"/>
+                                          </p:stCondLst>
+                                        </p:cTn>
+                                        <p:tgtEl>
+                                          <p:spTgt spid="3">
+                                            <p:txEl>
+                                              <p:pRg st="1" end="1"/>
+                                            </p:txEl>
+                                          </p:spTgt>
+                                        </p:tgtEl>
+                                        <p:attrNameLst>
+                                          <p:attrName>style.visibility</p:attrName>
+                                        </p:attrNameLst>
+                                      </p:cBhvr>
+                                      <p:to>
+                                        <p:strVal val="visible"/>
+                                      </p:to>
+                                    </p:set>
+                                  </p:childTnLst>
+                                </p:cTn>
+                              </p:par>
+                              <p:par>
+                                <p:cTn id="11" presetID="1" presetClass="entr" presetSubtype="0" fill="hold" grpId="0" nodeType="withEffect">
+                                  <p:stCondLst>
+                                    <p:cond delay="0"/>
+                                  </p:stCondLst>
+                                  <p:childTnLst>
+                                    <p:set>
+                                      <p:cBhvr>
+                                        <p:cTn id="12" dur="1" fill="hold">
+                                          <p:stCondLst>
+                                            <p:cond delay="0"/>
+                                          </p:stCondLst>
+                                        </p:cTn>
+                                        <p:tgtEl>
+                                          <p:spTgt spid="3">
+                                            <p:txEl>
+                                              <p:pRg st="2" end="2"/>
+                                            </p:txEl>
+                                          </p:spTgt>
+                                        </p:tgtEl>
+                                        <p:attrNameLst>
+                                          <p:attrName>style.visibility</p:attrName>
+                                        </p:attrNameLst>
+                                      </p:cBhvr>
+                                      <p:to>
+                                        <p:strVal val="visible"/>
+                                      </p:to>
+                                    </p:set>
+                                  </p:childTnLst>
+                                </p:cTn>
+                              </p:par>
+                            </p:childTnLst>
+                          </p:cTn>
+                        </p:par>
+                      </p:childTnLst>
+                    </p:cTn>
+                  </p:par>
+                  <p:par>
+                    <p:cTn id="13" fill="hold">
+                      <p:stCondLst>
+                        <p:cond delay="indefinite"/>
+                      </p:stCondLst>
+                      <p:childTnLst>
+                        <p:par>
+                          <p:cTn id="14" fill="hold">
+                            <p:stCondLst>
+                              <p:cond delay="0"/>
+                            </p:stCondLst>
+                            <p:childTnLst>
+                              <p:par>
+                                <p:cTn id="15" presetID="1" presetClass="entr" presetSubtype="0" fill="hold" grpId="0" nodeType="clickEffect">
+                                  <p:stCondLst>
+                                    <p:cond delay="0"/>
+                                  </p:stCondLst>
+                                  <p:childTnLst>
+                                    <p:set>
+                                      <p:cBhvr>
+                                        <p:cTn id="16" dur="1" fill="hold">
+                                          <p:stCondLst>
+                                            <p:cond delay="0"/>
+                                          </p:stCondLst>
+                                        </p:cTn>
+                                        <p:tgtEl>
+                                          <p:spTgt spid="3">
+                                            <p:txEl>
+                                              <p:pRg st="3" end="3"/>
+                                            </p:txEl>
+                                          </p:spTgt>
+                                        </p:tgtEl>
+                                        <p:attrNameLst>
+                                          <p:attrName>style.visibility</p:attrName>
+                                        </p:attrNameLst>
+                                      </p:cBhvr>
+                                      <p:to>
+                                        <p:strVal val="visible"/>
+                                      </p:to>
+                                    </p:set>
+                                  </p:childTnLst>
+                                </p:cTn>
+                              </p:par>
+                            </p:childTnLst>
+                          </p:cTn>
+                        </p:par>
+                      </p:childTnLst>
+                    </p:cTn>
+                  </p:par>
+                  <p:par>
+                    <p:cTn id="17" fill="hold">
+                      <p:stCondLst>
+                        <p:cond delay="indefinite"/>
+                      </p:stCondLst>
+                      <p:childTnLst>
+                        <p:par>
+                          <p:cTn id="18" fill="hold">
+                            <p:stCondLst>
+                              <p:cond delay="0"/>
+                            </p:stCondLst>
+                            <p:childTnLst>
+                              <p:par>
+                                <p:cTn id="19" presetID="1" presetClass="entr" presetSubtype="0" fill="hold" grpId="0" nodeType="clickEffect">
+                                  <p:stCondLst>
+                                    <p:cond delay="0"/>
+                                  </p:stCondLst>
+                                  <p:childTnLst>
+                                    <p:set>
+                                      <p:cBhvr>
+                                        <p:cTn id="20" dur="1" fill="hold">
+                                          <p:stCondLst>
+                                            <p:cond delay="0"/>
+                                          </p:stCondLst>
+                                        </p:cTn>
+                                        <p:tgtEl>
+                                          <p:spTgt spid="3">
+                                            <p:txEl>
+                                              <p:pRg st="4" end="4"/>
+                                            </p:txEl>
+                                          </p:spTgt>
+                                        </p:tgtEl>
+                                        <p:attrNameLst>
+                                          <p:attrName>style.visibility</p:attrName>
+                                        </p:attrNameLst>
+                                      </p:cBhvr>
+                                      <p:to>
+                                        <p:strVal val="visible"/>
+                                      </p:to>
+                                    </p:set>
+                                  </p:childTnLst>
+                                </p:cTn>
+                              </p:par>
+                              <p:par>
+                                <p:cTn id="21" presetID="1" presetClass="entr" presetSubtype="0" fill="hold" grpId="0" nodeType="withEffect">
+                                  <p:stCondLst>
+                                    <p:cond delay="0"/>
+                                  </p:stCondLst>
+                                  <p:childTnLst>
+                                    <p:set>
+                                      <p:cBhvr>
+                                        <p:cTn id="22" dur="1" fill="hold">
+                                          <p:stCondLst>
+                                            <p:cond delay="0"/>
+                                          </p:stCondLst>
+                                        </p:cTn>
+                                        <p:tgtEl>
+                                          <p:spTgt spid="3">
+                                            <p:txEl>
+                                              <p:pRg st="5" end="5"/>
+                                            </p:txEl>
+                                          </p:spTgt>
+                                        </p:tgtEl>
+                                        <p:attrNameLst>
+                                          <p:attrName>style.visibility</p:attrName>
+                                        </p:attrNameLst>
+                                      </p:cBhvr>
+                                      <p:to>
+                                        <p:strVal val="visible"/>
+                                      </p:to>
+                                    </p:set>
+                                  </p:childTnLst>
+                                </p:cTn>
+                              </p:par>
+                              <p:par>
+                                <p:cTn id="23" presetID="1" presetClass="entr" presetSubtype="0" fill="hold" grpId="0" nodeType="withEffect">
+                                  <p:stCondLst>
+                                    <p:cond delay="0"/>
+                                  </p:stCondLst>
+                                  <p:childTnLst>
+                                    <p:set>
+                                      <p:cBhvr>
+                                        <p:cTn id="24" dur="1" fill="hold">
+                                          <p:stCondLst>
+                                            <p:cond delay="0"/>
+                                          </p:stCondLst>
+                                        </p:cTn>
+                                        <p:tgtEl>
+                                          <p:spTgt spid="3">
+                                            <p:txEl>
+                                              <p:pRg st="6" end="6"/>
+                                            </p:txEl>
+                                          </p:spTgt>
+                                        </p:tgtEl>
+                                        <p:attrNameLst>
+                                          <p:attrName>style.visibility</p:attrName>
+                                        </p:attrNameLst>
+                                      </p:cBhvr>
+                                      <p:to>
+                                        <p:strVal val="visible"/>
+                                      </p:to>
+                                    </p:set>
+                                  </p:childTnLst>
+                                </p:cTn>
+                              </p:par>
+                            </p:childTnLst>
+                          </p:cTn>
+                        </p:par>
+                      </p:childTnLst>
+                    </p:cTn>
+                  </p:par>
+                </p:childTnLst>
+              </p:cTn>
+              <p:prevCondLst>
+                <p:cond evt="onPrev" delay="0">
+                  <p:tgtEl>
+                    <p:sldTgt/>
+                  </p:tgtEl>
+                </p:cond>
+              </p:prevCondLst>
+              <p:nextCondLst>
+                <p:cond evt="onNext" delay="0">
+                  <p:tgtEl>
+                    <p:sldTgt/>
+                  </p:tgtEl>
+                </p:cond>
+              </p:nextCondLst>
+            </p:seq>
+          </p:childTnLst>
+        </p:cTn>
+      </p:par>
+    </p:tnLst>
+    <p:bldLst>
+      <p:bldP spid="3" grpId="0" build="p"/>
+    </p:bldLst>
+  </p:timing>
+</p:sld>
+</file>
+
+<file path=ppt/slides/slide7.xml><?xml version="1.0" encoding="utf-8"?>
+<p:sld xmlns:a="http://schemas.openxmlformats.org/drawingml/2006/main" xmlns:r="http://schemas.openxmlformats.org/officeDocument/2006/relationships" xmlns:p="http://schemas.openxmlformats.org/presentationml/2006/main">
+  <p:cSld>
+    <p:spTree>
+      <p:nvGrpSpPr>
+        <p:cNvPr id="1" name=""/>
+        <p:cNvGrpSpPr/>
+        <p:nvPr/>
+      </p:nvGrpSpPr>
+      <p:grpSpPr>
+        <a:xfrm>
+          <a:off x="0" y="0"/>
+          <a:ext cx="0" cy="0"/>
+          <a:chOff x="0" y="0"/>
+          <a:chExt cx="0" cy="0"/>
+        </a:xfrm>
+      </p:grpSpPr>
+      <p:sp>
+        <p:nvSpPr>
+          <p:cNvPr id="2" name="Title 1">
+            <a:extLst>
+              <a:ext uri="{FF2B5EF4-FFF2-40B4-BE49-F238E27FC236}">
                 <a16:creationId xmlns:a16="http://schemas.microsoft.com/office/drawing/2014/main" id="{BABD1CAC-6277-124D-AB33-8288E45C6348}"/>
               </a:ext>
             </a:extLst>
@@ -9898,13 +10241,13 @@
   <p:clrMapOvr>
     <a:masterClrMapping/>
   </p:clrMapOvr>
-  <mc:AlternateContent xmlns:mc="http://schemas.openxmlformats.org/markup-compatibility/2006">
-    <mc:Choice xmlns:p14="http://schemas.microsoft.com/office/powerpoint/2010/main" Requires="p14">
+  <mc:AlternateContent xmlns:mc="http://schemas.openxmlformats.org/markup-compatibility/2006" xmlns:p14="http://schemas.microsoft.com/office/powerpoint/2010/main">
+    <mc:Choice Requires="p14">
       <p:transition spd="med" p14:dur="700">
         <p:fade/>
       </p:transition>
     </mc:Choice>
-    <mc:Fallback>
+    <mc:Fallback xmlns="">
       <p:transition spd="med">
         <p:fade/>
       </p:transition>
@@ -10168,7 +10511,7 @@
 </p:sld>
 </file>
 
-<file path=ppt/slides/slide7.xml><?xml version="1.0" encoding="utf-8"?>
+<file path=ppt/slides/slide8.xml><?xml version="1.0" encoding="utf-8"?>
 <p:sld xmlns:a="http://schemas.openxmlformats.org/drawingml/2006/main" xmlns:r="http://schemas.openxmlformats.org/officeDocument/2006/relationships" xmlns:p="http://schemas.openxmlformats.org/presentationml/2006/main">
   <p:cSld>
     <p:spTree>
@@ -10292,13 +10635,13 @@
   <p:clrMapOvr>
     <a:masterClrMapping/>
   </p:clrMapOvr>
-  <mc:AlternateContent xmlns:mc="http://schemas.openxmlformats.org/markup-compatibility/2006">
-    <mc:Choice xmlns:p14="http://schemas.microsoft.com/office/powerpoint/2010/main" Requires="p14">
+  <mc:AlternateContent xmlns:mc="http://schemas.openxmlformats.org/markup-compatibility/2006" xmlns:p14="http://schemas.microsoft.com/office/powerpoint/2010/main">
+    <mc:Choice Requires="p14">
       <p:transition spd="med" p14:dur="700">
         <p:fade/>
       </p:transition>
     </mc:Choice>
-    <mc:Fallback>
+    <mc:Fallback xmlns="">
       <p:transition spd="med">
         <p:fade/>
       </p:transition>
@@ -10593,7 +10936,7 @@
 </p:sld>
 </file>
 
-<file path=ppt/slides/slide8.xml><?xml version="1.0" encoding="utf-8"?>
+<file path=ppt/slides/slide9.xml><?xml version="1.0" encoding="utf-8"?>
 <p:sld xmlns:a="http://schemas.openxmlformats.org/drawingml/2006/main" xmlns:r="http://schemas.openxmlformats.org/officeDocument/2006/relationships" xmlns:p="http://schemas.openxmlformats.org/presentationml/2006/main">
   <p:cSld>
     <p:spTree>
@@ -10721,13 +11064,13 @@
   <p:clrMapOvr>
     <a:masterClrMapping/>
   </p:clrMapOvr>
-  <mc:AlternateContent xmlns:mc="http://schemas.openxmlformats.org/markup-compatibility/2006">
-    <mc:Choice xmlns:p14="http://schemas.microsoft.com/office/powerpoint/2010/main" Requires="p14">
+  <mc:AlternateContent xmlns:mc="http://schemas.openxmlformats.org/markup-compatibility/2006" xmlns:p14="http://schemas.microsoft.com/office/powerpoint/2010/main">
+    <mc:Choice Requires="p14">
       <p:transition spd="med" p14:dur="700">
         <p:fade/>
       </p:transition>
     </mc:Choice>
-    <mc:Fallback>
+    <mc:Fallback xmlns="">
       <p:transition spd="med">
         <p:fade/>
       </p:transition>
@@ -11046,353 +11389,6 @@
                                           <p:spTgt spid="3">
                                             <p:txEl>
                                               <p:pRg st="6" end="6"/>
-                                            </p:txEl>
-                                          </p:spTgt>
-                                        </p:tgtEl>
-                                        <p:attrNameLst>
-                                          <p:attrName>style.visibility</p:attrName>
-                                        </p:attrNameLst>
-                                      </p:cBhvr>
-                                      <p:to>
-                                        <p:strVal val="visible"/>
-                                      </p:to>
-                                    </p:set>
-                                  </p:childTnLst>
-                                </p:cTn>
-                              </p:par>
-                            </p:childTnLst>
-                          </p:cTn>
-                        </p:par>
-                      </p:childTnLst>
-                    </p:cTn>
-                  </p:par>
-                </p:childTnLst>
-              </p:cTn>
-              <p:prevCondLst>
-                <p:cond evt="onPrev" delay="0">
-                  <p:tgtEl>
-                    <p:sldTgt/>
-                  </p:tgtEl>
-                </p:cond>
-              </p:prevCondLst>
-              <p:nextCondLst>
-                <p:cond evt="onNext" delay="0">
-                  <p:tgtEl>
-                    <p:sldTgt/>
-                  </p:tgtEl>
-                </p:cond>
-              </p:nextCondLst>
-            </p:seq>
-          </p:childTnLst>
-        </p:cTn>
-      </p:par>
-    </p:tnLst>
-    <p:bldLst>
-      <p:bldP spid="3" grpId="0" build="p"/>
-    </p:bldLst>
-  </p:timing>
-</p:sld>
-</file>
-
-<file path=ppt/slides/slide9.xml><?xml version="1.0" encoding="utf-8"?>
-<p:sld xmlns:a="http://schemas.openxmlformats.org/drawingml/2006/main" xmlns:r="http://schemas.openxmlformats.org/officeDocument/2006/relationships" xmlns:p="http://schemas.openxmlformats.org/presentationml/2006/main">
-  <p:cSld>
-    <p:spTree>
-      <p:nvGrpSpPr>
-        <p:cNvPr id="1" name=""/>
-        <p:cNvGrpSpPr/>
-        <p:nvPr/>
-      </p:nvGrpSpPr>
-      <p:grpSpPr>
-        <a:xfrm>
-          <a:off x="0" y="0"/>
-          <a:ext cx="0" cy="0"/>
-          <a:chOff x="0" y="0"/>
-          <a:chExt cx="0" cy="0"/>
-        </a:xfrm>
-      </p:grpSpPr>
-      <p:sp>
-        <p:nvSpPr>
-          <p:cNvPr id="2" name="Title 1">
-            <a:extLst>
-              <a:ext uri="{FF2B5EF4-FFF2-40B4-BE49-F238E27FC236}">
-                <a16:creationId xmlns:a16="http://schemas.microsoft.com/office/drawing/2014/main" id="{B557B37C-020B-E749-B234-CB1BC31B0CD1}"/>
-              </a:ext>
-            </a:extLst>
-          </p:cNvPr>
-          <p:cNvSpPr>
-            <a:spLocks noGrp="1"/>
-          </p:cNvSpPr>
-          <p:nvPr>
-            <p:ph type="title"/>
-          </p:nvPr>
-        </p:nvSpPr>
-        <p:spPr/>
-        <p:txBody>
-          <a:bodyPr/>
-          <a:lstStyle/>
-          <a:p>
-            <a:r>
-              <a:rPr lang="en-US" b="1" dirty="0"/>
-              <a:t>Accidental vs. essential complexity</a:t>
-            </a:r>
-          </a:p>
-        </p:txBody>
-      </p:sp>
-      <p:sp>
-        <p:nvSpPr>
-          <p:cNvPr id="3" name="Content Placeholder 2">
-            <a:extLst>
-              <a:ext uri="{FF2B5EF4-FFF2-40B4-BE49-F238E27FC236}">
-                <a16:creationId xmlns:a16="http://schemas.microsoft.com/office/drawing/2014/main" id="{CB381E5E-0FAF-D144-B905-6A8F86A608AE}"/>
-              </a:ext>
-            </a:extLst>
-          </p:cNvPr>
-          <p:cNvSpPr>
-            <a:spLocks noGrp="1"/>
-          </p:cNvSpPr>
-          <p:nvPr>
-            <p:ph idx="1"/>
-          </p:nvPr>
-        </p:nvSpPr>
-        <p:spPr/>
-        <p:txBody>
-          <a:bodyPr>
-            <a:normAutofit/>
-          </a:bodyPr>
-          <a:lstStyle/>
-          <a:p>
-            <a:r>
-              <a:rPr lang="en-US" dirty="0"/>
-              <a:t>Software should behave predictably and accomplish its goals without too many surprises (that is, outages in production). </a:t>
-            </a:r>
-          </a:p>
-          <a:p>
-            <a:r>
-              <a:rPr lang="en-US" dirty="0"/>
-              <a:t>The number of surprises directly correlates with the amount of unnecessary complexity found in a project.</a:t>
-            </a:r>
-          </a:p>
-          <a:p>
-            <a:r>
-              <a:rPr lang="en-US" i="1" dirty="0"/>
-              <a:t>Accidental complexity relates to problems which engineers create and can fix, [whereas] essential complexity is caused by the problem to be solved, and nothing can remove it – Fred Brooks in his seminal “No Silver Bullet” essay</a:t>
-            </a:r>
-          </a:p>
-          <a:p>
-            <a:r>
-              <a:rPr lang="en-US" dirty="0"/>
-              <a:t>Push back when accidental complexity is introduced. </a:t>
-            </a:r>
-          </a:p>
-        </p:txBody>
-      </p:sp>
-    </p:spTree>
-    <p:extLst>
-      <p:ext uri="{BB962C8B-B14F-4D97-AF65-F5344CB8AC3E}">
-        <p14:creationId xmlns:p14="http://schemas.microsoft.com/office/powerpoint/2010/main" val="210959948"/>
-      </p:ext>
-    </p:extLst>
-  </p:cSld>
-  <p:clrMapOvr>
-    <a:masterClrMapping/>
-  </p:clrMapOvr>
-  <mc:AlternateContent xmlns:mc="http://schemas.openxmlformats.org/markup-compatibility/2006">
-    <mc:Choice xmlns:p14="http://schemas.microsoft.com/office/powerpoint/2010/main" Requires="p14">
-      <p:transition spd="med" p14:dur="700">
-        <p:fade/>
-      </p:transition>
-    </mc:Choice>
-    <mc:Fallback>
-      <p:transition spd="med">
-        <p:fade/>
-      </p:transition>
-    </mc:Fallback>
-  </mc:AlternateContent>
-  <p:timing>
-    <p:tnLst>
-      <p:par>
-        <p:cTn id="1" dur="indefinite" restart="never" nodeType="tmRoot">
-          <p:childTnLst>
-            <p:seq concurrent="1" nextAc="seek">
-              <p:cTn id="2" dur="indefinite" nodeType="mainSeq">
-                <p:childTnLst>
-                  <p:par>
-                    <p:cTn id="3" fill="hold">
-                      <p:stCondLst>
-                        <p:cond delay="indefinite"/>
-                      </p:stCondLst>
-                      <p:childTnLst>
-                        <p:par>
-                          <p:cTn id="4" fill="hold">
-                            <p:stCondLst>
-                              <p:cond delay="0"/>
-                            </p:stCondLst>
-                            <p:childTnLst>
-                              <p:par>
-                                <p:cTn id="5" presetID="1" presetClass="entr" presetSubtype="0" fill="hold" grpId="0" nodeType="clickEffect">
-                                  <p:stCondLst>
-                                    <p:cond delay="0"/>
-                                  </p:stCondLst>
-                                  <p:childTnLst>
-                                    <p:set>
-                                      <p:cBhvr>
-                                        <p:cTn id="6" dur="1" fill="hold">
-                                          <p:stCondLst>
-                                            <p:cond delay="0"/>
-                                          </p:stCondLst>
-                                        </p:cTn>
-                                        <p:tgtEl>
-                                          <p:spTgt spid="3">
-                                            <p:txEl>
-                                              <p:pRg st="0" end="0"/>
-                                            </p:txEl>
-                                          </p:spTgt>
-                                        </p:tgtEl>
-                                        <p:attrNameLst>
-                                          <p:attrName>style.visibility</p:attrName>
-                                        </p:attrNameLst>
-                                      </p:cBhvr>
-                                      <p:to>
-                                        <p:strVal val="visible"/>
-                                      </p:to>
-                                    </p:set>
-                                  </p:childTnLst>
-                                </p:cTn>
-                              </p:par>
-                            </p:childTnLst>
-                          </p:cTn>
-                        </p:par>
-                      </p:childTnLst>
-                    </p:cTn>
-                  </p:par>
-                  <p:par>
-                    <p:cTn id="7" fill="hold">
-                      <p:stCondLst>
-                        <p:cond delay="indefinite"/>
-                      </p:stCondLst>
-                      <p:childTnLst>
-                        <p:par>
-                          <p:cTn id="8" fill="hold">
-                            <p:stCondLst>
-                              <p:cond delay="0"/>
-                            </p:stCondLst>
-                            <p:childTnLst>
-                              <p:par>
-                                <p:cTn id="9" presetID="1" presetClass="entr" presetSubtype="0" fill="hold" grpId="0" nodeType="clickEffect">
-                                  <p:stCondLst>
-                                    <p:cond delay="0"/>
-                                  </p:stCondLst>
-                                  <p:childTnLst>
-                                    <p:set>
-                                      <p:cBhvr>
-                                        <p:cTn id="10" dur="1" fill="hold">
-                                          <p:stCondLst>
-                                            <p:cond delay="0"/>
-                                          </p:stCondLst>
-                                        </p:cTn>
-                                        <p:tgtEl>
-                                          <p:spTgt spid="3">
-                                            <p:txEl>
-                                              <p:pRg st="1" end="1"/>
-                                            </p:txEl>
-                                          </p:spTgt>
-                                        </p:tgtEl>
-                                        <p:attrNameLst>
-                                          <p:attrName>style.visibility</p:attrName>
-                                        </p:attrNameLst>
-                                      </p:cBhvr>
-                                      <p:to>
-                                        <p:strVal val="visible"/>
-                                      </p:to>
-                                    </p:set>
-                                  </p:childTnLst>
-                                </p:cTn>
-                              </p:par>
-                            </p:childTnLst>
-                          </p:cTn>
-                        </p:par>
-                      </p:childTnLst>
-                    </p:cTn>
-                  </p:par>
-                  <p:par>
-                    <p:cTn id="11" fill="hold">
-                      <p:stCondLst>
-                        <p:cond delay="indefinite"/>
-                      </p:stCondLst>
-                      <p:childTnLst>
-                        <p:par>
-                          <p:cTn id="12" fill="hold">
-                            <p:stCondLst>
-                              <p:cond delay="0"/>
-                            </p:stCondLst>
-                            <p:childTnLst>
-                              <p:par>
-                                <p:cTn id="13" presetID="1" presetClass="entr" presetSubtype="0" fill="hold" grpId="0" nodeType="clickEffect">
-                                  <p:stCondLst>
-                                    <p:cond delay="0"/>
-                                  </p:stCondLst>
-                                  <p:childTnLst>
-                                    <p:set>
-                                      <p:cBhvr>
-                                        <p:cTn id="14" dur="1" fill="hold">
-                                          <p:stCondLst>
-                                            <p:cond delay="0"/>
-                                          </p:stCondLst>
-                                        </p:cTn>
-                                        <p:tgtEl>
-                                          <p:spTgt spid="3">
-                                            <p:txEl>
-                                              <p:pRg st="2" end="2"/>
-                                            </p:txEl>
-                                          </p:spTgt>
-                                        </p:tgtEl>
-                                        <p:attrNameLst>
-                                          <p:attrName>style.visibility</p:attrName>
-                                        </p:attrNameLst>
-                                      </p:cBhvr>
-                                      <p:to>
-                                        <p:strVal val="visible"/>
-                                      </p:to>
-                                    </p:set>
-                                  </p:childTnLst>
-                                </p:cTn>
-                              </p:par>
-                            </p:childTnLst>
-                          </p:cTn>
-                        </p:par>
-                      </p:childTnLst>
-                    </p:cTn>
-                  </p:par>
-                  <p:par>
-                    <p:cTn id="15" fill="hold">
-                      <p:stCondLst>
-                        <p:cond delay="indefinite"/>
-                      </p:stCondLst>
-                      <p:childTnLst>
-                        <p:par>
-                          <p:cTn id="16" fill="hold">
-                            <p:stCondLst>
-                              <p:cond delay="0"/>
-                            </p:stCondLst>
-                            <p:childTnLst>
-                              <p:par>
-                                <p:cTn id="17" presetID="1" presetClass="entr" presetSubtype="0" fill="hold" grpId="0" nodeType="clickEffect">
-                                  <p:stCondLst>
-                                    <p:cond delay="0"/>
-                                  </p:stCondLst>
-                                  <p:childTnLst>
-                                    <p:set>
-                                      <p:cBhvr>
-                                        <p:cTn id="18" dur="1" fill="hold">
-                                          <p:stCondLst>
-                                            <p:cond delay="0"/>
-                                          </p:stCondLst>
-                                        </p:cTn>
-                                        <p:tgtEl>
-                                          <p:spTgt spid="3">
-                                            <p:txEl>
-                                              <p:pRg st="3" end="3"/>
                                             </p:txEl>
                                           </p:spTgt>
                                         </p:tgtEl>

--- a/presentations/Introduction to Test-Driven Development.pptx
+++ b/presentations/Introduction to Test-Driven Development.pptx
@@ -5,28 +5,34 @@
     <p:sldMasterId id="2147483648" r:id="rId1"/>
   </p:sldMasterIdLst>
   <p:notesMasterIdLst>
-    <p:notesMasterId r:id="rId21"/>
+    <p:notesMasterId r:id="rId27"/>
   </p:notesMasterIdLst>
   <p:sldIdLst>
     <p:sldId id="256" r:id="rId2"/>
     <p:sldId id="282" r:id="rId3"/>
     <p:sldId id="260" r:id="rId4"/>
-    <p:sldId id="267" r:id="rId5"/>
-    <p:sldId id="275" r:id="rId6"/>
-    <p:sldId id="258" r:id="rId7"/>
-    <p:sldId id="286" r:id="rId8"/>
-    <p:sldId id="284" r:id="rId9"/>
-    <p:sldId id="273" r:id="rId10"/>
-    <p:sldId id="276" r:id="rId11"/>
-    <p:sldId id="274" r:id="rId12"/>
-    <p:sldId id="271" r:id="rId13"/>
-    <p:sldId id="272" r:id="rId14"/>
-    <p:sldId id="259" r:id="rId15"/>
-    <p:sldId id="278" r:id="rId16"/>
-    <p:sldId id="279" r:id="rId17"/>
-    <p:sldId id="280" r:id="rId18"/>
-    <p:sldId id="285" r:id="rId19"/>
-    <p:sldId id="268" r:id="rId20"/>
+    <p:sldId id="275" r:id="rId5"/>
+    <p:sldId id="258" r:id="rId6"/>
+    <p:sldId id="267" r:id="rId7"/>
+    <p:sldId id="289" r:id="rId8"/>
+    <p:sldId id="292" r:id="rId9"/>
+    <p:sldId id="293" r:id="rId10"/>
+    <p:sldId id="290" r:id="rId11"/>
+    <p:sldId id="291" r:id="rId12"/>
+    <p:sldId id="287" r:id="rId13"/>
+    <p:sldId id="284" r:id="rId14"/>
+    <p:sldId id="273" r:id="rId15"/>
+    <p:sldId id="276" r:id="rId16"/>
+    <p:sldId id="274" r:id="rId17"/>
+    <p:sldId id="271" r:id="rId18"/>
+    <p:sldId id="272" r:id="rId19"/>
+    <p:sldId id="259" r:id="rId20"/>
+    <p:sldId id="278" r:id="rId21"/>
+    <p:sldId id="279" r:id="rId22"/>
+    <p:sldId id="280" r:id="rId23"/>
+    <p:sldId id="286" r:id="rId24"/>
+    <p:sldId id="285" r:id="rId25"/>
+    <p:sldId id="268" r:id="rId26"/>
   </p:sldIdLst>
   <p:sldSz cx="12192000" cy="6858000"/>
   <p:notesSz cx="6858000" cy="9144000"/>
@@ -215,7 +221,7 @@
           <a:p>
             <a:fld id="{F26B28AA-01EF-FC4E-9902-F717EB4A0D20}" type="datetimeFigureOut">
               <a:rPr lang="en-US" smtClean="0"/>
-              <a:t>10/27/21</a:t>
+              <a:t>11/30/21</a:t>
             </a:fld>
             <a:endParaRPr lang="en-US"/>
           </a:p>
@@ -547,7 +553,7 @@
           <a:p>
             <a:fld id="{B77EE3D5-8E41-E549-B83C-41040DF7A7E3}" type="slidenum">
               <a:rPr lang="en-US" smtClean="0"/>
-              <a:t>18</a:t>
+              <a:t>24</a:t>
             </a:fld>
             <a:endParaRPr lang="en-US"/>
           </a:p>
@@ -713,7 +719,7 @@
           <a:p>
             <a:fld id="{BCD77189-38F1-1B47-A134-7F70D5119BAA}" type="datetimeFigureOut">
               <a:rPr lang="en-US" smtClean="0"/>
-              <a:t>10/27/21</a:t>
+              <a:t>11/30/21</a:t>
             </a:fld>
             <a:endParaRPr lang="en-US"/>
           </a:p>
@@ -911,7 +917,7 @@
           <a:p>
             <a:fld id="{BCD77189-38F1-1B47-A134-7F70D5119BAA}" type="datetimeFigureOut">
               <a:rPr lang="en-US" smtClean="0"/>
-              <a:t>10/27/21</a:t>
+              <a:t>11/30/21</a:t>
             </a:fld>
             <a:endParaRPr lang="en-US"/>
           </a:p>
@@ -1119,7 +1125,7 @@
           <a:p>
             <a:fld id="{BCD77189-38F1-1B47-A134-7F70D5119BAA}" type="datetimeFigureOut">
               <a:rPr lang="en-US" smtClean="0"/>
-              <a:t>10/27/21</a:t>
+              <a:t>11/30/21</a:t>
             </a:fld>
             <a:endParaRPr lang="en-US"/>
           </a:p>
@@ -1317,7 +1323,7 @@
           <a:p>
             <a:fld id="{BCD77189-38F1-1B47-A134-7F70D5119BAA}" type="datetimeFigureOut">
               <a:rPr lang="en-US" smtClean="0"/>
-              <a:t>10/27/21</a:t>
+              <a:t>11/30/21</a:t>
             </a:fld>
             <a:endParaRPr lang="en-US"/>
           </a:p>
@@ -1592,7 +1598,7 @@
           <a:p>
             <a:fld id="{BCD77189-38F1-1B47-A134-7F70D5119BAA}" type="datetimeFigureOut">
               <a:rPr lang="en-US" smtClean="0"/>
-              <a:t>10/27/21</a:t>
+              <a:t>11/30/21</a:t>
             </a:fld>
             <a:endParaRPr lang="en-US"/>
           </a:p>
@@ -1857,7 +1863,7 @@
           <a:p>
             <a:fld id="{BCD77189-38F1-1B47-A134-7F70D5119BAA}" type="datetimeFigureOut">
               <a:rPr lang="en-US" smtClean="0"/>
-              <a:t>10/27/21</a:t>
+              <a:t>11/30/21</a:t>
             </a:fld>
             <a:endParaRPr lang="en-US"/>
           </a:p>
@@ -2269,7 +2275,7 @@
           <a:p>
             <a:fld id="{BCD77189-38F1-1B47-A134-7F70D5119BAA}" type="datetimeFigureOut">
               <a:rPr lang="en-US" smtClean="0"/>
-              <a:t>10/27/21</a:t>
+              <a:t>11/30/21</a:t>
             </a:fld>
             <a:endParaRPr lang="en-US"/>
           </a:p>
@@ -2410,7 +2416,7 @@
           <a:p>
             <a:fld id="{BCD77189-38F1-1B47-A134-7F70D5119BAA}" type="datetimeFigureOut">
               <a:rPr lang="en-US" smtClean="0"/>
-              <a:t>10/27/21</a:t>
+              <a:t>11/30/21</a:t>
             </a:fld>
             <a:endParaRPr lang="en-US"/>
           </a:p>
@@ -2523,7 +2529,7 @@
           <a:p>
             <a:fld id="{BCD77189-38F1-1B47-A134-7F70D5119BAA}" type="datetimeFigureOut">
               <a:rPr lang="en-US" smtClean="0"/>
-              <a:t>10/27/21</a:t>
+              <a:t>11/30/21</a:t>
             </a:fld>
             <a:endParaRPr lang="en-US"/>
           </a:p>
@@ -2834,7 +2840,7 @@
           <a:p>
             <a:fld id="{BCD77189-38F1-1B47-A134-7F70D5119BAA}" type="datetimeFigureOut">
               <a:rPr lang="en-US" smtClean="0"/>
-              <a:t>10/27/21</a:t>
+              <a:t>11/30/21</a:t>
             </a:fld>
             <a:endParaRPr lang="en-US"/>
           </a:p>
@@ -3122,7 +3128,7 @@
           <a:p>
             <a:fld id="{BCD77189-38F1-1B47-A134-7F70D5119BAA}" type="datetimeFigureOut">
               <a:rPr lang="en-US" smtClean="0"/>
-              <a:t>10/27/21</a:t>
+              <a:t>11/30/21</a:t>
             </a:fld>
             <a:endParaRPr lang="en-US"/>
           </a:p>
@@ -3363,7 +3369,7 @@
           <a:p>
             <a:fld id="{BCD77189-38F1-1B47-A134-7F70D5119BAA}" type="datetimeFigureOut">
               <a:rPr lang="en-US" smtClean="0"/>
-              <a:t>10/27/21</a:t>
+              <a:t>11/30/21</a:t>
             </a:fld>
             <a:endParaRPr lang="en-US"/>
           </a:p>
@@ -3881,6 +3887,1736 @@
 <file path=ppt/slides/slide10.xml><?xml version="1.0" encoding="utf-8"?>
 <p:sld xmlns:a="http://schemas.openxmlformats.org/drawingml/2006/main" xmlns:r="http://schemas.openxmlformats.org/officeDocument/2006/relationships" xmlns:p="http://schemas.openxmlformats.org/presentationml/2006/main">
   <p:cSld>
+    <p:bg>
+      <p:bgPr>
+        <a:solidFill>
+          <a:schemeClr val="bg1"/>
+        </a:solidFill>
+        <a:effectLst/>
+      </p:bgPr>
+    </p:bg>
+    <p:spTree>
+      <p:nvGrpSpPr>
+        <p:cNvPr id="1" name=""/>
+        <p:cNvGrpSpPr/>
+        <p:nvPr/>
+      </p:nvGrpSpPr>
+      <p:grpSpPr>
+        <a:xfrm>
+          <a:off x="0" y="0"/>
+          <a:ext cx="0" cy="0"/>
+          <a:chOff x="0" y="0"/>
+          <a:chExt cx="0" cy="0"/>
+        </a:xfrm>
+      </p:grpSpPr>
+      <p:sp>
+        <p:nvSpPr>
+          <p:cNvPr id="71" name="Rectangle 70">
+            <a:extLst>
+              <a:ext uri="{FF2B5EF4-FFF2-40B4-BE49-F238E27FC236}">
+                <a16:creationId xmlns:a16="http://schemas.microsoft.com/office/drawing/2014/main" id="{7CA0DAA6-33B8-4A25-810D-2F4D816FB40E}"/>
+              </a:ext>
+              <a:ext uri="{C183D7F6-B498-43B3-948B-1728B52AA6E4}">
+                <adec:decorative xmlns:adec="http://schemas.microsoft.com/office/drawing/2017/decorative" val="1"/>
+              </a:ext>
+            </a:extLst>
+          </p:cNvPr>
+          <p:cNvSpPr>
+            <a:spLocks noGrp="1" noRot="1" noChangeAspect="1" noMove="1" noResize="1" noEditPoints="1" noAdjustHandles="1" noChangeArrowheads="1" noChangeShapeType="1" noTextEdit="1"/>
+          </p:cNvSpPr>
+          <p:nvPr>
+            <p:extLst>
+              <p:ext uri="{386F3935-93C4-4BCD-93E2-E3B085C9AB24}">
+                <p16:designElem xmlns:p16="http://schemas.microsoft.com/office/powerpoint/2015/main" val="1"/>
+              </p:ext>
+            </p:extLst>
+          </p:nvPr>
+        </p:nvSpPr>
+        <p:spPr bwMode="white">
+          <a:xfrm>
+            <a:off x="0" y="0"/>
+            <a:ext cx="4654297" cy="6858000"/>
+          </a:xfrm>
+          <a:prstGeom prst="rect">
+            <a:avLst/>
+          </a:prstGeom>
+          <a:solidFill>
+            <a:schemeClr val="tx1">
+              <a:lumMod val="85000"/>
+              <a:lumOff val="15000"/>
+            </a:schemeClr>
+          </a:solidFill>
+          <a:ln>
+            <a:noFill/>
+          </a:ln>
+        </p:spPr>
+        <p:style>
+          <a:lnRef idx="2">
+            <a:schemeClr val="accent1">
+              <a:shade val="50000"/>
+            </a:schemeClr>
+          </a:lnRef>
+          <a:fillRef idx="1">
+            <a:schemeClr val="accent1"/>
+          </a:fillRef>
+          <a:effectRef idx="0">
+            <a:schemeClr val="accent1"/>
+          </a:effectRef>
+          <a:fontRef idx="minor">
+            <a:schemeClr val="lt1"/>
+          </a:fontRef>
+        </p:style>
+        <p:txBody>
+          <a:bodyPr rtlCol="0" anchor="ctr"/>
+          <a:lstStyle/>
+          <a:p>
+            <a:pPr algn="ctr"/>
+            <a:endParaRPr lang="en-US"/>
+          </a:p>
+        </p:txBody>
+      </p:sp>
+      <p:sp>
+        <p:nvSpPr>
+          <p:cNvPr id="2" name="Title 1">
+            <a:extLst>
+              <a:ext uri="{FF2B5EF4-FFF2-40B4-BE49-F238E27FC236}">
+                <a16:creationId xmlns:a16="http://schemas.microsoft.com/office/drawing/2014/main" id="{A9E75CCE-2363-A348-B945-4991B1218295}"/>
+              </a:ext>
+            </a:extLst>
+          </p:cNvPr>
+          <p:cNvSpPr>
+            <a:spLocks noGrp="1"/>
+          </p:cNvSpPr>
+          <p:nvPr>
+            <p:ph type="title"/>
+          </p:nvPr>
+        </p:nvSpPr>
+        <p:spPr>
+          <a:xfrm>
+            <a:off x="651307" y="2323069"/>
+            <a:ext cx="3377183" cy="1998987"/>
+          </a:xfrm>
+          <a:noFill/>
+        </p:spPr>
+        <p:txBody>
+          <a:bodyPr vert="horz" lIns="91440" tIns="45720" rIns="91440" bIns="45720" rtlCol="0" anchor="b">
+            <a:normAutofit/>
+          </a:bodyPr>
+          <a:lstStyle/>
+          <a:p>
+            <a:r>
+              <a:rPr lang="en-US" kern="1200" dirty="0">
+                <a:solidFill>
+                  <a:schemeClr val="bg1"/>
+                </a:solidFill>
+                <a:latin typeface="+mj-lt"/>
+                <a:ea typeface="+mj-ea"/>
+                <a:cs typeface="+mj-cs"/>
+              </a:rPr>
+              <a:t>Test-Driven</a:t>
+            </a:r>
+            <a:br>
+              <a:rPr lang="en-US" kern="1200" dirty="0">
+                <a:solidFill>
+                  <a:schemeClr val="bg1"/>
+                </a:solidFill>
+                <a:latin typeface="+mj-lt"/>
+                <a:ea typeface="+mj-ea"/>
+                <a:cs typeface="+mj-cs"/>
+              </a:rPr>
+            </a:br>
+            <a:r>
+              <a:rPr lang="en-US" kern="1200" dirty="0">
+                <a:solidFill>
+                  <a:schemeClr val="bg1"/>
+                </a:solidFill>
+                <a:latin typeface="+mj-lt"/>
+                <a:ea typeface="+mj-ea"/>
+                <a:cs typeface="+mj-cs"/>
+              </a:rPr>
+              <a:t>Development Cadence</a:t>
+            </a:r>
+          </a:p>
+        </p:txBody>
+      </p:sp>
+      <p:pic>
+        <p:nvPicPr>
+          <p:cNvPr id="2050" name="Picture 2">
+            <a:extLst>
+              <a:ext uri="{FF2B5EF4-FFF2-40B4-BE49-F238E27FC236}">
+                <a16:creationId xmlns:a16="http://schemas.microsoft.com/office/drawing/2014/main" id="{070B3ABC-ACE3-B541-8208-D06AC329ECC5}"/>
+              </a:ext>
+            </a:extLst>
+          </p:cNvPr>
+          <p:cNvPicPr>
+            <a:picLocks noGrp="1" noChangeAspect="1" noChangeArrowheads="1"/>
+          </p:cNvPicPr>
+          <p:nvPr>
+            <p:ph idx="1"/>
+          </p:nvPr>
+        </p:nvPicPr>
+        <p:blipFill>
+          <a:blip r:embed="rId2">
+            <a:extLst>
+              <a:ext uri="{28A0092B-C50C-407E-A947-70E740481C1C}">
+                <a14:useLocalDpi xmlns:a14="http://schemas.microsoft.com/office/drawing/2010/main" val="0"/>
+              </a:ext>
+            </a:extLst>
+          </a:blip>
+          <a:stretch>
+            <a:fillRect/>
+          </a:stretch>
+        </p:blipFill>
+        <p:spPr bwMode="auto">
+          <a:xfrm>
+            <a:off x="5354753" y="640080"/>
+            <a:ext cx="6037866" cy="5577839"/>
+          </a:xfrm>
+          <a:prstGeom prst="rect">
+            <a:avLst/>
+          </a:prstGeom>
+          <a:noFill/>
+          <a:extLst>
+            <a:ext uri="{909E8E84-426E-40DD-AFC4-6F175D3DCCD1}">
+              <a14:hiddenFill xmlns:a14="http://schemas.microsoft.com/office/drawing/2010/main">
+                <a:solidFill>
+                  <a:srgbClr val="FFFFFF"/>
+                </a:solidFill>
+              </a14:hiddenFill>
+            </a:ext>
+          </a:extLst>
+        </p:spPr>
+      </p:pic>
+    </p:spTree>
+    <p:extLst>
+      <p:ext uri="{BB962C8B-B14F-4D97-AF65-F5344CB8AC3E}">
+        <p14:creationId xmlns:p14="http://schemas.microsoft.com/office/powerpoint/2010/main" val="110509419"/>
+      </p:ext>
+    </p:extLst>
+  </p:cSld>
+  <p:clrMapOvr>
+    <a:masterClrMapping/>
+  </p:clrMapOvr>
+</p:sld>
+</file>
+
+<file path=ppt/slides/slide11.xml><?xml version="1.0" encoding="utf-8"?>
+<p:sld xmlns:a="http://schemas.openxmlformats.org/drawingml/2006/main" xmlns:r="http://schemas.openxmlformats.org/officeDocument/2006/relationships" xmlns:p="http://schemas.openxmlformats.org/presentationml/2006/main">
+  <p:cSld>
+    <p:spTree>
+      <p:nvGrpSpPr>
+        <p:cNvPr id="1" name=""/>
+        <p:cNvGrpSpPr/>
+        <p:nvPr/>
+      </p:nvGrpSpPr>
+      <p:grpSpPr>
+        <a:xfrm>
+          <a:off x="0" y="0"/>
+          <a:ext cx="0" cy="0"/>
+          <a:chOff x="0" y="0"/>
+          <a:chExt cx="0" cy="0"/>
+        </a:xfrm>
+      </p:grpSpPr>
+      <p:sp>
+        <p:nvSpPr>
+          <p:cNvPr id="2" name="Title 1">
+            <a:extLst>
+              <a:ext uri="{FF2B5EF4-FFF2-40B4-BE49-F238E27FC236}">
+                <a16:creationId xmlns:a16="http://schemas.microsoft.com/office/drawing/2014/main" id="{296CCD1F-11A2-1C4E-B0F4-F62FEF83DD68}"/>
+              </a:ext>
+            </a:extLst>
+          </p:cNvPr>
+          <p:cNvSpPr>
+            <a:spLocks noGrp="1"/>
+          </p:cNvSpPr>
+          <p:nvPr>
+            <p:ph type="title"/>
+          </p:nvPr>
+        </p:nvSpPr>
+        <p:spPr/>
+        <p:txBody>
+          <a:bodyPr/>
+          <a:lstStyle/>
+          <a:p>
+            <a:r>
+              <a:rPr lang="en-US" b="1" dirty="0"/>
+              <a:t>Test-Driven Development Cadence</a:t>
+            </a:r>
+          </a:p>
+        </p:txBody>
+      </p:sp>
+      <p:sp>
+        <p:nvSpPr>
+          <p:cNvPr id="3" name="Content Placeholder 2">
+            <a:extLst>
+              <a:ext uri="{FF2B5EF4-FFF2-40B4-BE49-F238E27FC236}">
+                <a16:creationId xmlns:a16="http://schemas.microsoft.com/office/drawing/2014/main" id="{5CC565F4-68FD-7345-B6A5-E2ECD1257543}"/>
+              </a:ext>
+            </a:extLst>
+          </p:cNvPr>
+          <p:cNvSpPr>
+            <a:spLocks noGrp="1"/>
+          </p:cNvSpPr>
+          <p:nvPr>
+            <p:ph idx="1"/>
+          </p:nvPr>
+        </p:nvSpPr>
+        <p:spPr/>
+        <p:txBody>
+          <a:bodyPr/>
+          <a:lstStyle/>
+          <a:p>
+            <a:r>
+              <a:rPr lang="en-US" dirty="0"/>
+              <a:t>Write a failing, high value test.</a:t>
+            </a:r>
+          </a:p>
+          <a:p>
+            <a:pPr lvl="1"/>
+            <a:r>
+              <a:rPr lang="en-US" dirty="0"/>
+              <a:t>Demonstrate that it communicates its failure well.</a:t>
+            </a:r>
+          </a:p>
+          <a:p>
+            <a:r>
+              <a:rPr lang="en-US" dirty="0"/>
+              <a:t>Make the high value test pass by providing implementation code. </a:t>
+            </a:r>
+          </a:p>
+          <a:p>
+            <a:pPr lvl="1"/>
+            <a:r>
+              <a:rPr lang="en-US" dirty="0"/>
+              <a:t>The implementation code may be messy at this point.</a:t>
+            </a:r>
+          </a:p>
+          <a:p>
+            <a:r>
+              <a:rPr lang="en-US" dirty="0"/>
+              <a:t>Run the entire test suite to ensure all tests pass. </a:t>
+            </a:r>
+          </a:p>
+          <a:p>
+            <a:pPr lvl="1"/>
+            <a:r>
+              <a:rPr lang="en-US" dirty="0"/>
+              <a:t>Refactor your code, running the test suite after each change.</a:t>
+            </a:r>
+          </a:p>
+          <a:p>
+            <a:r>
+              <a:rPr lang="en-US" dirty="0"/>
+              <a:t>Determine your next most valuable test, repeating the cycle.</a:t>
+            </a:r>
+          </a:p>
+        </p:txBody>
+      </p:sp>
+    </p:spTree>
+    <p:extLst>
+      <p:ext uri="{BB962C8B-B14F-4D97-AF65-F5344CB8AC3E}">
+        <p14:creationId xmlns:p14="http://schemas.microsoft.com/office/powerpoint/2010/main" val="1019706583"/>
+      </p:ext>
+    </p:extLst>
+  </p:cSld>
+  <p:clrMapOvr>
+    <a:masterClrMapping/>
+  </p:clrMapOvr>
+</p:sld>
+</file>
+
+<file path=ppt/slides/slide12.xml><?xml version="1.0" encoding="utf-8"?>
+<p:sld xmlns:a="http://schemas.openxmlformats.org/drawingml/2006/main" xmlns:r="http://schemas.openxmlformats.org/officeDocument/2006/relationships" xmlns:p="http://schemas.openxmlformats.org/presentationml/2006/main">
+  <p:cSld>
+    <p:spTree>
+      <p:nvGrpSpPr>
+        <p:cNvPr id="1" name=""/>
+        <p:cNvGrpSpPr/>
+        <p:nvPr/>
+      </p:nvGrpSpPr>
+      <p:grpSpPr>
+        <a:xfrm>
+          <a:off x="0" y="0"/>
+          <a:ext cx="0" cy="0"/>
+          <a:chOff x="0" y="0"/>
+          <a:chExt cx="0" cy="0"/>
+        </a:xfrm>
+      </p:grpSpPr>
+      <p:sp>
+        <p:nvSpPr>
+          <p:cNvPr id="2" name="Title 1">
+            <a:extLst>
+              <a:ext uri="{FF2B5EF4-FFF2-40B4-BE49-F238E27FC236}">
+                <a16:creationId xmlns:a16="http://schemas.microsoft.com/office/drawing/2014/main" id="{977B8AF1-3C5A-5B40-A022-7A684DB3C5B7}"/>
+              </a:ext>
+            </a:extLst>
+          </p:cNvPr>
+          <p:cNvSpPr>
+            <a:spLocks noGrp="1"/>
+          </p:cNvSpPr>
+          <p:nvPr>
+            <p:ph type="title"/>
+          </p:nvPr>
+        </p:nvSpPr>
+        <p:spPr/>
+        <p:txBody>
+          <a:bodyPr/>
+          <a:lstStyle/>
+          <a:p>
+            <a:r>
+              <a:rPr lang="en-US" b="1" dirty="0"/>
+              <a:t>Managing fear during programming</a:t>
+            </a:r>
+          </a:p>
+        </p:txBody>
+      </p:sp>
+      <p:sp>
+        <p:nvSpPr>
+          <p:cNvPr id="3" name="Content Placeholder 2">
+            <a:extLst>
+              <a:ext uri="{FF2B5EF4-FFF2-40B4-BE49-F238E27FC236}">
+                <a16:creationId xmlns:a16="http://schemas.microsoft.com/office/drawing/2014/main" id="{62151239-2C8C-5C47-B029-8E279A296E76}"/>
+              </a:ext>
+            </a:extLst>
+          </p:cNvPr>
+          <p:cNvSpPr>
+            <a:spLocks noGrp="1"/>
+          </p:cNvSpPr>
+          <p:nvPr>
+            <p:ph idx="1"/>
+          </p:nvPr>
+        </p:nvSpPr>
+        <p:spPr/>
+        <p:txBody>
+          <a:bodyPr/>
+          <a:lstStyle/>
+          <a:p>
+            <a:r>
+              <a:rPr lang="en-US" dirty="0"/>
+              <a:t>Fear makes you…</a:t>
+            </a:r>
+          </a:p>
+          <a:p>
+            <a:pPr lvl="1"/>
+            <a:r>
+              <a:rPr lang="en-US" dirty="0"/>
+              <a:t>Tentative</a:t>
+            </a:r>
+          </a:p>
+          <a:p>
+            <a:pPr lvl="1"/>
+            <a:r>
+              <a:rPr lang="en-US" dirty="0"/>
+              <a:t>Communicate less</a:t>
+            </a:r>
+          </a:p>
+          <a:p>
+            <a:pPr lvl="1"/>
+            <a:r>
+              <a:rPr lang="en-US" dirty="0"/>
+              <a:t>Avoid feedback</a:t>
+            </a:r>
+          </a:p>
+          <a:p>
+            <a:r>
+              <a:rPr lang="en-US" dirty="0"/>
+              <a:t>Test-driven development provides us with courage to</a:t>
+            </a:r>
+          </a:p>
+          <a:p>
+            <a:pPr lvl="1"/>
+            <a:r>
+              <a:rPr lang="en-US" dirty="0"/>
+              <a:t>Begin learning as quickly as possible</a:t>
+            </a:r>
+          </a:p>
+          <a:p>
+            <a:pPr lvl="1"/>
+            <a:r>
+              <a:rPr lang="en-US" dirty="0"/>
+              <a:t>Communicate clearly</a:t>
+            </a:r>
+          </a:p>
+          <a:p>
+            <a:pPr lvl="1"/>
+            <a:r>
+              <a:rPr lang="en-US" dirty="0"/>
+              <a:t>Search out concrete, helpful feedback</a:t>
+            </a:r>
+          </a:p>
+        </p:txBody>
+      </p:sp>
+    </p:spTree>
+    <p:extLst>
+      <p:ext uri="{BB962C8B-B14F-4D97-AF65-F5344CB8AC3E}">
+        <p14:creationId xmlns:p14="http://schemas.microsoft.com/office/powerpoint/2010/main" val="1950738135"/>
+      </p:ext>
+    </p:extLst>
+  </p:cSld>
+  <p:clrMapOvr>
+    <a:masterClrMapping/>
+  </p:clrMapOvr>
+  <mc:AlternateContent xmlns:mc="http://schemas.openxmlformats.org/markup-compatibility/2006" xmlns:p14="http://schemas.microsoft.com/office/powerpoint/2010/main">
+    <mc:Choice Requires="p14">
+      <p:transition spd="med" p14:dur="700">
+        <p:fade/>
+      </p:transition>
+    </mc:Choice>
+    <mc:Fallback xmlns="">
+      <p:transition spd="med">
+        <p:fade/>
+      </p:transition>
+    </mc:Fallback>
+  </mc:AlternateContent>
+  <p:timing>
+    <p:tnLst>
+      <p:par>
+        <p:cTn id="1" dur="indefinite" restart="never" nodeType="tmRoot">
+          <p:childTnLst>
+            <p:seq concurrent="1" nextAc="seek">
+              <p:cTn id="2" dur="indefinite" nodeType="mainSeq">
+                <p:childTnLst>
+                  <p:par>
+                    <p:cTn id="3" fill="hold">
+                      <p:stCondLst>
+                        <p:cond delay="indefinite"/>
+                      </p:stCondLst>
+                      <p:childTnLst>
+                        <p:par>
+                          <p:cTn id="4" fill="hold">
+                            <p:stCondLst>
+                              <p:cond delay="0"/>
+                            </p:stCondLst>
+                            <p:childTnLst>
+                              <p:par>
+                                <p:cTn id="5" presetID="1" presetClass="entr" presetSubtype="0" fill="hold" grpId="0" nodeType="clickEffect">
+                                  <p:stCondLst>
+                                    <p:cond delay="0"/>
+                                  </p:stCondLst>
+                                  <p:childTnLst>
+                                    <p:set>
+                                      <p:cBhvr>
+                                        <p:cTn id="6" dur="1" fill="hold">
+                                          <p:stCondLst>
+                                            <p:cond delay="0"/>
+                                          </p:stCondLst>
+                                        </p:cTn>
+                                        <p:tgtEl>
+                                          <p:spTgt spid="3">
+                                            <p:txEl>
+                                              <p:pRg st="0" end="0"/>
+                                            </p:txEl>
+                                          </p:spTgt>
+                                        </p:tgtEl>
+                                        <p:attrNameLst>
+                                          <p:attrName>style.visibility</p:attrName>
+                                        </p:attrNameLst>
+                                      </p:cBhvr>
+                                      <p:to>
+                                        <p:strVal val="visible"/>
+                                      </p:to>
+                                    </p:set>
+                                  </p:childTnLst>
+                                </p:cTn>
+                              </p:par>
+                              <p:par>
+                                <p:cTn id="7" presetID="1" presetClass="entr" presetSubtype="0" fill="hold" grpId="0" nodeType="withEffect">
+                                  <p:stCondLst>
+                                    <p:cond delay="0"/>
+                                  </p:stCondLst>
+                                  <p:childTnLst>
+                                    <p:set>
+                                      <p:cBhvr>
+                                        <p:cTn id="8" dur="1" fill="hold">
+                                          <p:stCondLst>
+                                            <p:cond delay="0"/>
+                                          </p:stCondLst>
+                                        </p:cTn>
+                                        <p:tgtEl>
+                                          <p:spTgt spid="3">
+                                            <p:txEl>
+                                              <p:pRg st="1" end="1"/>
+                                            </p:txEl>
+                                          </p:spTgt>
+                                        </p:tgtEl>
+                                        <p:attrNameLst>
+                                          <p:attrName>style.visibility</p:attrName>
+                                        </p:attrNameLst>
+                                      </p:cBhvr>
+                                      <p:to>
+                                        <p:strVal val="visible"/>
+                                      </p:to>
+                                    </p:set>
+                                  </p:childTnLst>
+                                </p:cTn>
+                              </p:par>
+                              <p:par>
+                                <p:cTn id="9" presetID="1" presetClass="entr" presetSubtype="0" fill="hold" grpId="0" nodeType="withEffect">
+                                  <p:stCondLst>
+                                    <p:cond delay="0"/>
+                                  </p:stCondLst>
+                                  <p:childTnLst>
+                                    <p:set>
+                                      <p:cBhvr>
+                                        <p:cTn id="10" dur="1" fill="hold">
+                                          <p:stCondLst>
+                                            <p:cond delay="0"/>
+                                          </p:stCondLst>
+                                        </p:cTn>
+                                        <p:tgtEl>
+                                          <p:spTgt spid="3">
+                                            <p:txEl>
+                                              <p:pRg st="2" end="2"/>
+                                            </p:txEl>
+                                          </p:spTgt>
+                                        </p:tgtEl>
+                                        <p:attrNameLst>
+                                          <p:attrName>style.visibility</p:attrName>
+                                        </p:attrNameLst>
+                                      </p:cBhvr>
+                                      <p:to>
+                                        <p:strVal val="visible"/>
+                                      </p:to>
+                                    </p:set>
+                                  </p:childTnLst>
+                                </p:cTn>
+                              </p:par>
+                              <p:par>
+                                <p:cTn id="11" presetID="1" presetClass="entr" presetSubtype="0" fill="hold" grpId="0" nodeType="withEffect">
+                                  <p:stCondLst>
+                                    <p:cond delay="0"/>
+                                  </p:stCondLst>
+                                  <p:childTnLst>
+                                    <p:set>
+                                      <p:cBhvr>
+                                        <p:cTn id="12" dur="1" fill="hold">
+                                          <p:stCondLst>
+                                            <p:cond delay="0"/>
+                                          </p:stCondLst>
+                                        </p:cTn>
+                                        <p:tgtEl>
+                                          <p:spTgt spid="3">
+                                            <p:txEl>
+                                              <p:pRg st="3" end="3"/>
+                                            </p:txEl>
+                                          </p:spTgt>
+                                        </p:tgtEl>
+                                        <p:attrNameLst>
+                                          <p:attrName>style.visibility</p:attrName>
+                                        </p:attrNameLst>
+                                      </p:cBhvr>
+                                      <p:to>
+                                        <p:strVal val="visible"/>
+                                      </p:to>
+                                    </p:set>
+                                  </p:childTnLst>
+                                </p:cTn>
+                              </p:par>
+                            </p:childTnLst>
+                          </p:cTn>
+                        </p:par>
+                      </p:childTnLst>
+                    </p:cTn>
+                  </p:par>
+                  <p:par>
+                    <p:cTn id="13" fill="hold">
+                      <p:stCondLst>
+                        <p:cond delay="indefinite"/>
+                      </p:stCondLst>
+                      <p:childTnLst>
+                        <p:par>
+                          <p:cTn id="14" fill="hold">
+                            <p:stCondLst>
+                              <p:cond delay="0"/>
+                            </p:stCondLst>
+                            <p:childTnLst>
+                              <p:par>
+                                <p:cTn id="15" presetID="1" presetClass="entr" presetSubtype="0" fill="hold" grpId="0" nodeType="clickEffect">
+                                  <p:stCondLst>
+                                    <p:cond delay="0"/>
+                                  </p:stCondLst>
+                                  <p:childTnLst>
+                                    <p:set>
+                                      <p:cBhvr>
+                                        <p:cTn id="16" dur="1" fill="hold">
+                                          <p:stCondLst>
+                                            <p:cond delay="0"/>
+                                          </p:stCondLst>
+                                        </p:cTn>
+                                        <p:tgtEl>
+                                          <p:spTgt spid="3">
+                                            <p:txEl>
+                                              <p:pRg st="4" end="4"/>
+                                            </p:txEl>
+                                          </p:spTgt>
+                                        </p:tgtEl>
+                                        <p:attrNameLst>
+                                          <p:attrName>style.visibility</p:attrName>
+                                        </p:attrNameLst>
+                                      </p:cBhvr>
+                                      <p:to>
+                                        <p:strVal val="visible"/>
+                                      </p:to>
+                                    </p:set>
+                                  </p:childTnLst>
+                                </p:cTn>
+                              </p:par>
+                              <p:par>
+                                <p:cTn id="17" presetID="1" presetClass="entr" presetSubtype="0" fill="hold" grpId="0" nodeType="withEffect">
+                                  <p:stCondLst>
+                                    <p:cond delay="0"/>
+                                  </p:stCondLst>
+                                  <p:childTnLst>
+                                    <p:set>
+                                      <p:cBhvr>
+                                        <p:cTn id="18" dur="1" fill="hold">
+                                          <p:stCondLst>
+                                            <p:cond delay="0"/>
+                                          </p:stCondLst>
+                                        </p:cTn>
+                                        <p:tgtEl>
+                                          <p:spTgt spid="3">
+                                            <p:txEl>
+                                              <p:pRg st="5" end="5"/>
+                                            </p:txEl>
+                                          </p:spTgt>
+                                        </p:tgtEl>
+                                        <p:attrNameLst>
+                                          <p:attrName>style.visibility</p:attrName>
+                                        </p:attrNameLst>
+                                      </p:cBhvr>
+                                      <p:to>
+                                        <p:strVal val="visible"/>
+                                      </p:to>
+                                    </p:set>
+                                  </p:childTnLst>
+                                </p:cTn>
+                              </p:par>
+                              <p:par>
+                                <p:cTn id="19" presetID="1" presetClass="entr" presetSubtype="0" fill="hold" grpId="0" nodeType="withEffect">
+                                  <p:stCondLst>
+                                    <p:cond delay="0"/>
+                                  </p:stCondLst>
+                                  <p:childTnLst>
+                                    <p:set>
+                                      <p:cBhvr>
+                                        <p:cTn id="20" dur="1" fill="hold">
+                                          <p:stCondLst>
+                                            <p:cond delay="0"/>
+                                          </p:stCondLst>
+                                        </p:cTn>
+                                        <p:tgtEl>
+                                          <p:spTgt spid="3">
+                                            <p:txEl>
+                                              <p:pRg st="6" end="6"/>
+                                            </p:txEl>
+                                          </p:spTgt>
+                                        </p:tgtEl>
+                                        <p:attrNameLst>
+                                          <p:attrName>style.visibility</p:attrName>
+                                        </p:attrNameLst>
+                                      </p:cBhvr>
+                                      <p:to>
+                                        <p:strVal val="visible"/>
+                                      </p:to>
+                                    </p:set>
+                                  </p:childTnLst>
+                                </p:cTn>
+                              </p:par>
+                              <p:par>
+                                <p:cTn id="21" presetID="1" presetClass="entr" presetSubtype="0" fill="hold" grpId="0" nodeType="withEffect">
+                                  <p:stCondLst>
+                                    <p:cond delay="0"/>
+                                  </p:stCondLst>
+                                  <p:childTnLst>
+                                    <p:set>
+                                      <p:cBhvr>
+                                        <p:cTn id="22" dur="1" fill="hold">
+                                          <p:stCondLst>
+                                            <p:cond delay="0"/>
+                                          </p:stCondLst>
+                                        </p:cTn>
+                                        <p:tgtEl>
+                                          <p:spTgt spid="3">
+                                            <p:txEl>
+                                              <p:pRg st="7" end="7"/>
+                                            </p:txEl>
+                                          </p:spTgt>
+                                        </p:tgtEl>
+                                        <p:attrNameLst>
+                                          <p:attrName>style.visibility</p:attrName>
+                                        </p:attrNameLst>
+                                      </p:cBhvr>
+                                      <p:to>
+                                        <p:strVal val="visible"/>
+                                      </p:to>
+                                    </p:set>
+                                  </p:childTnLst>
+                                </p:cTn>
+                              </p:par>
+                            </p:childTnLst>
+                          </p:cTn>
+                        </p:par>
+                      </p:childTnLst>
+                    </p:cTn>
+                  </p:par>
+                </p:childTnLst>
+              </p:cTn>
+              <p:prevCondLst>
+                <p:cond evt="onPrev" delay="0">
+                  <p:tgtEl>
+                    <p:sldTgt/>
+                  </p:tgtEl>
+                </p:cond>
+              </p:prevCondLst>
+              <p:nextCondLst>
+                <p:cond evt="onNext" delay="0">
+                  <p:tgtEl>
+                    <p:sldTgt/>
+                  </p:tgtEl>
+                </p:cond>
+              </p:nextCondLst>
+            </p:seq>
+          </p:childTnLst>
+        </p:cTn>
+      </p:par>
+    </p:tnLst>
+    <p:bldLst>
+      <p:bldP spid="3" grpId="0" build="p"/>
+    </p:bldLst>
+  </p:timing>
+</p:sld>
+</file>
+
+<file path=ppt/slides/slide13.xml><?xml version="1.0" encoding="utf-8"?>
+<p:sld xmlns:a="http://schemas.openxmlformats.org/drawingml/2006/main" xmlns:r="http://schemas.openxmlformats.org/officeDocument/2006/relationships" xmlns:p="http://schemas.openxmlformats.org/presentationml/2006/main">
+  <p:cSld>
+    <p:spTree>
+      <p:nvGrpSpPr>
+        <p:cNvPr id="1" name=""/>
+        <p:cNvGrpSpPr/>
+        <p:nvPr/>
+      </p:nvGrpSpPr>
+      <p:grpSpPr>
+        <a:xfrm>
+          <a:off x="0" y="0"/>
+          <a:ext cx="0" cy="0"/>
+          <a:chOff x="0" y="0"/>
+          <a:chExt cx="0" cy="0"/>
+        </a:xfrm>
+      </p:grpSpPr>
+      <p:sp>
+        <p:nvSpPr>
+          <p:cNvPr id="2" name="Title 1">
+            <a:extLst>
+              <a:ext uri="{FF2B5EF4-FFF2-40B4-BE49-F238E27FC236}">
+                <a16:creationId xmlns:a16="http://schemas.microsoft.com/office/drawing/2014/main" id="{151C1DBB-24A4-CC42-B6F9-77BFFCE2EAF7}"/>
+              </a:ext>
+            </a:extLst>
+          </p:cNvPr>
+          <p:cNvSpPr>
+            <a:spLocks noGrp="1"/>
+          </p:cNvSpPr>
+          <p:nvPr>
+            <p:ph type="title"/>
+          </p:nvPr>
+        </p:nvSpPr>
+        <p:spPr/>
+        <p:txBody>
+          <a:bodyPr/>
+          <a:lstStyle/>
+          <a:p>
+            <a:r>
+              <a:rPr lang="en-US" b="1" dirty="0"/>
+              <a:t>What makes a good unit test</a:t>
+            </a:r>
+          </a:p>
+        </p:txBody>
+      </p:sp>
+      <p:sp>
+        <p:nvSpPr>
+          <p:cNvPr id="3" name="Content Placeholder 2">
+            <a:extLst>
+              <a:ext uri="{FF2B5EF4-FFF2-40B4-BE49-F238E27FC236}">
+                <a16:creationId xmlns:a16="http://schemas.microsoft.com/office/drawing/2014/main" id="{113C95AF-BD19-484B-B3AA-AB4A57ACFFE1}"/>
+              </a:ext>
+            </a:extLst>
+          </p:cNvPr>
+          <p:cNvSpPr>
+            <a:spLocks noGrp="1"/>
+          </p:cNvSpPr>
+          <p:nvPr>
+            <p:ph idx="1"/>
+          </p:nvPr>
+        </p:nvSpPr>
+        <p:spPr/>
+        <p:txBody>
+          <a:bodyPr/>
+          <a:lstStyle/>
+          <a:p>
+            <a:r>
+              <a:rPr lang="en-US" dirty="0"/>
+              <a:t>Tests should be…</a:t>
+            </a:r>
+          </a:p>
+          <a:p>
+            <a:pPr lvl="1"/>
+            <a:r>
+              <a:rPr lang="en-US" dirty="0"/>
+              <a:t>Unique</a:t>
+            </a:r>
+          </a:p>
+          <a:p>
+            <a:pPr lvl="1"/>
+            <a:r>
+              <a:rPr lang="en-US" dirty="0"/>
+              <a:t>Written at the right level of abstraction</a:t>
+            </a:r>
+          </a:p>
+          <a:p>
+            <a:pPr lvl="1"/>
+            <a:r>
+              <a:rPr lang="en-US" dirty="0"/>
+              <a:t>Expressive</a:t>
+            </a:r>
+          </a:p>
+          <a:p>
+            <a:pPr lvl="1"/>
+            <a:r>
+              <a:rPr lang="en-US" dirty="0"/>
+              <a:t>Based on acceptance criteria</a:t>
+            </a:r>
+          </a:p>
+          <a:p>
+            <a:pPr lvl="1"/>
+            <a:r>
+              <a:rPr lang="en-US" dirty="0"/>
+              <a:t>Implementation independent</a:t>
+            </a:r>
+          </a:p>
+          <a:p>
+            <a:r>
+              <a:rPr lang="en-US" dirty="0"/>
+              <a:t>Knowing how to write a good test is paramount to being successful with TDD. </a:t>
+            </a:r>
+          </a:p>
+        </p:txBody>
+      </p:sp>
+    </p:spTree>
+    <p:extLst>
+      <p:ext uri="{BB962C8B-B14F-4D97-AF65-F5344CB8AC3E}">
+        <p14:creationId xmlns:p14="http://schemas.microsoft.com/office/powerpoint/2010/main" val="3808820023"/>
+      </p:ext>
+    </p:extLst>
+  </p:cSld>
+  <p:clrMapOvr>
+    <a:masterClrMapping/>
+  </p:clrMapOvr>
+  <mc:AlternateContent xmlns:mc="http://schemas.openxmlformats.org/markup-compatibility/2006" xmlns:p14="http://schemas.microsoft.com/office/powerpoint/2010/main">
+    <mc:Choice Requires="p14">
+      <p:transition spd="med" p14:dur="700">
+        <p:fade/>
+      </p:transition>
+    </mc:Choice>
+    <mc:Fallback xmlns="">
+      <p:transition spd="med">
+        <p:fade/>
+      </p:transition>
+    </mc:Fallback>
+  </mc:AlternateContent>
+  <p:timing>
+    <p:tnLst>
+      <p:par>
+        <p:cTn id="1" dur="indefinite" restart="never" nodeType="tmRoot">
+          <p:childTnLst>
+            <p:seq concurrent="1" nextAc="seek">
+              <p:cTn id="2" dur="indefinite" nodeType="mainSeq">
+                <p:childTnLst>
+                  <p:par>
+                    <p:cTn id="3" fill="hold">
+                      <p:stCondLst>
+                        <p:cond delay="indefinite"/>
+                      </p:stCondLst>
+                      <p:childTnLst>
+                        <p:par>
+                          <p:cTn id="4" fill="hold">
+                            <p:stCondLst>
+                              <p:cond delay="0"/>
+                            </p:stCondLst>
+                            <p:childTnLst>
+                              <p:par>
+                                <p:cTn id="5" presetID="1" presetClass="entr" presetSubtype="0" fill="hold" grpId="0" nodeType="clickEffect">
+                                  <p:stCondLst>
+                                    <p:cond delay="0"/>
+                                  </p:stCondLst>
+                                  <p:childTnLst>
+                                    <p:set>
+                                      <p:cBhvr>
+                                        <p:cTn id="6" dur="1" fill="hold">
+                                          <p:stCondLst>
+                                            <p:cond delay="0"/>
+                                          </p:stCondLst>
+                                        </p:cTn>
+                                        <p:tgtEl>
+                                          <p:spTgt spid="3">
+                                            <p:txEl>
+                                              <p:pRg st="0" end="0"/>
+                                            </p:txEl>
+                                          </p:spTgt>
+                                        </p:tgtEl>
+                                        <p:attrNameLst>
+                                          <p:attrName>style.visibility</p:attrName>
+                                        </p:attrNameLst>
+                                      </p:cBhvr>
+                                      <p:to>
+                                        <p:strVal val="visible"/>
+                                      </p:to>
+                                    </p:set>
+                                  </p:childTnLst>
+                                </p:cTn>
+                              </p:par>
+                              <p:par>
+                                <p:cTn id="7" presetID="1" presetClass="entr" presetSubtype="0" fill="hold" grpId="0" nodeType="withEffect">
+                                  <p:stCondLst>
+                                    <p:cond delay="0"/>
+                                  </p:stCondLst>
+                                  <p:childTnLst>
+                                    <p:set>
+                                      <p:cBhvr>
+                                        <p:cTn id="8" dur="1" fill="hold">
+                                          <p:stCondLst>
+                                            <p:cond delay="0"/>
+                                          </p:stCondLst>
+                                        </p:cTn>
+                                        <p:tgtEl>
+                                          <p:spTgt spid="3">
+                                            <p:txEl>
+                                              <p:pRg st="1" end="1"/>
+                                            </p:txEl>
+                                          </p:spTgt>
+                                        </p:tgtEl>
+                                        <p:attrNameLst>
+                                          <p:attrName>style.visibility</p:attrName>
+                                        </p:attrNameLst>
+                                      </p:cBhvr>
+                                      <p:to>
+                                        <p:strVal val="visible"/>
+                                      </p:to>
+                                    </p:set>
+                                  </p:childTnLst>
+                                </p:cTn>
+                              </p:par>
+                              <p:par>
+                                <p:cTn id="9" presetID="1" presetClass="entr" presetSubtype="0" fill="hold" grpId="0" nodeType="withEffect">
+                                  <p:stCondLst>
+                                    <p:cond delay="0"/>
+                                  </p:stCondLst>
+                                  <p:childTnLst>
+                                    <p:set>
+                                      <p:cBhvr>
+                                        <p:cTn id="10" dur="1" fill="hold">
+                                          <p:stCondLst>
+                                            <p:cond delay="0"/>
+                                          </p:stCondLst>
+                                        </p:cTn>
+                                        <p:tgtEl>
+                                          <p:spTgt spid="3">
+                                            <p:txEl>
+                                              <p:pRg st="2" end="2"/>
+                                            </p:txEl>
+                                          </p:spTgt>
+                                        </p:tgtEl>
+                                        <p:attrNameLst>
+                                          <p:attrName>style.visibility</p:attrName>
+                                        </p:attrNameLst>
+                                      </p:cBhvr>
+                                      <p:to>
+                                        <p:strVal val="visible"/>
+                                      </p:to>
+                                    </p:set>
+                                  </p:childTnLst>
+                                </p:cTn>
+                              </p:par>
+                              <p:par>
+                                <p:cTn id="11" presetID="1" presetClass="entr" presetSubtype="0" fill="hold" grpId="0" nodeType="withEffect">
+                                  <p:stCondLst>
+                                    <p:cond delay="0"/>
+                                  </p:stCondLst>
+                                  <p:childTnLst>
+                                    <p:set>
+                                      <p:cBhvr>
+                                        <p:cTn id="12" dur="1" fill="hold">
+                                          <p:stCondLst>
+                                            <p:cond delay="0"/>
+                                          </p:stCondLst>
+                                        </p:cTn>
+                                        <p:tgtEl>
+                                          <p:spTgt spid="3">
+                                            <p:txEl>
+                                              <p:pRg st="3" end="3"/>
+                                            </p:txEl>
+                                          </p:spTgt>
+                                        </p:tgtEl>
+                                        <p:attrNameLst>
+                                          <p:attrName>style.visibility</p:attrName>
+                                        </p:attrNameLst>
+                                      </p:cBhvr>
+                                      <p:to>
+                                        <p:strVal val="visible"/>
+                                      </p:to>
+                                    </p:set>
+                                  </p:childTnLst>
+                                </p:cTn>
+                              </p:par>
+                              <p:par>
+                                <p:cTn id="13" presetID="1" presetClass="entr" presetSubtype="0" fill="hold" grpId="0" nodeType="withEffect">
+                                  <p:stCondLst>
+                                    <p:cond delay="0"/>
+                                  </p:stCondLst>
+                                  <p:childTnLst>
+                                    <p:set>
+                                      <p:cBhvr>
+                                        <p:cTn id="14" dur="1" fill="hold">
+                                          <p:stCondLst>
+                                            <p:cond delay="0"/>
+                                          </p:stCondLst>
+                                        </p:cTn>
+                                        <p:tgtEl>
+                                          <p:spTgt spid="3">
+                                            <p:txEl>
+                                              <p:pRg st="4" end="4"/>
+                                            </p:txEl>
+                                          </p:spTgt>
+                                        </p:tgtEl>
+                                        <p:attrNameLst>
+                                          <p:attrName>style.visibility</p:attrName>
+                                        </p:attrNameLst>
+                                      </p:cBhvr>
+                                      <p:to>
+                                        <p:strVal val="visible"/>
+                                      </p:to>
+                                    </p:set>
+                                  </p:childTnLst>
+                                </p:cTn>
+                              </p:par>
+                              <p:par>
+                                <p:cTn id="15" presetID="1" presetClass="entr" presetSubtype="0" fill="hold" grpId="0" nodeType="withEffect">
+                                  <p:stCondLst>
+                                    <p:cond delay="0"/>
+                                  </p:stCondLst>
+                                  <p:childTnLst>
+                                    <p:set>
+                                      <p:cBhvr>
+                                        <p:cTn id="16" dur="1" fill="hold">
+                                          <p:stCondLst>
+                                            <p:cond delay="0"/>
+                                          </p:stCondLst>
+                                        </p:cTn>
+                                        <p:tgtEl>
+                                          <p:spTgt spid="3">
+                                            <p:txEl>
+                                              <p:pRg st="5" end="5"/>
+                                            </p:txEl>
+                                          </p:spTgt>
+                                        </p:tgtEl>
+                                        <p:attrNameLst>
+                                          <p:attrName>style.visibility</p:attrName>
+                                        </p:attrNameLst>
+                                      </p:cBhvr>
+                                      <p:to>
+                                        <p:strVal val="visible"/>
+                                      </p:to>
+                                    </p:set>
+                                  </p:childTnLst>
+                                </p:cTn>
+                              </p:par>
+                            </p:childTnLst>
+                          </p:cTn>
+                        </p:par>
+                      </p:childTnLst>
+                    </p:cTn>
+                  </p:par>
+                  <p:par>
+                    <p:cTn id="17" fill="hold">
+                      <p:stCondLst>
+                        <p:cond delay="indefinite"/>
+                      </p:stCondLst>
+                      <p:childTnLst>
+                        <p:par>
+                          <p:cTn id="18" fill="hold">
+                            <p:stCondLst>
+                              <p:cond delay="0"/>
+                            </p:stCondLst>
+                            <p:childTnLst>
+                              <p:par>
+                                <p:cTn id="19" presetID="1" presetClass="entr" presetSubtype="0" fill="hold" grpId="0" nodeType="clickEffect">
+                                  <p:stCondLst>
+                                    <p:cond delay="0"/>
+                                  </p:stCondLst>
+                                  <p:childTnLst>
+                                    <p:set>
+                                      <p:cBhvr>
+                                        <p:cTn id="20" dur="1" fill="hold">
+                                          <p:stCondLst>
+                                            <p:cond delay="0"/>
+                                          </p:stCondLst>
+                                        </p:cTn>
+                                        <p:tgtEl>
+                                          <p:spTgt spid="3">
+                                            <p:txEl>
+                                              <p:pRg st="6" end="6"/>
+                                            </p:txEl>
+                                          </p:spTgt>
+                                        </p:tgtEl>
+                                        <p:attrNameLst>
+                                          <p:attrName>style.visibility</p:attrName>
+                                        </p:attrNameLst>
+                                      </p:cBhvr>
+                                      <p:to>
+                                        <p:strVal val="visible"/>
+                                      </p:to>
+                                    </p:set>
+                                  </p:childTnLst>
+                                </p:cTn>
+                              </p:par>
+                            </p:childTnLst>
+                          </p:cTn>
+                        </p:par>
+                      </p:childTnLst>
+                    </p:cTn>
+                  </p:par>
+                </p:childTnLst>
+              </p:cTn>
+              <p:prevCondLst>
+                <p:cond evt="onPrev" delay="0">
+                  <p:tgtEl>
+                    <p:sldTgt/>
+                  </p:tgtEl>
+                </p:cond>
+              </p:prevCondLst>
+              <p:nextCondLst>
+                <p:cond evt="onNext" delay="0">
+                  <p:tgtEl>
+                    <p:sldTgt/>
+                  </p:tgtEl>
+                </p:cond>
+              </p:nextCondLst>
+            </p:seq>
+          </p:childTnLst>
+        </p:cTn>
+      </p:par>
+    </p:tnLst>
+    <p:bldLst>
+      <p:bldP spid="3" grpId="0" build="p"/>
+    </p:bldLst>
+  </p:timing>
+</p:sld>
+</file>
+
+<file path=ppt/slides/slide14.xml><?xml version="1.0" encoding="utf-8"?>
+<p:sld xmlns:a="http://schemas.openxmlformats.org/drawingml/2006/main" xmlns:r="http://schemas.openxmlformats.org/officeDocument/2006/relationships" xmlns:p="http://schemas.openxmlformats.org/presentationml/2006/main">
+  <p:cSld>
+    <p:spTree>
+      <p:nvGrpSpPr>
+        <p:cNvPr id="1" name=""/>
+        <p:cNvGrpSpPr/>
+        <p:nvPr/>
+      </p:nvGrpSpPr>
+      <p:grpSpPr>
+        <a:xfrm>
+          <a:off x="0" y="0"/>
+          <a:ext cx="0" cy="0"/>
+          <a:chOff x="0" y="0"/>
+          <a:chExt cx="0" cy="0"/>
+        </a:xfrm>
+      </p:grpSpPr>
+      <p:sp>
+        <p:nvSpPr>
+          <p:cNvPr id="2" name="Title 1">
+            <a:extLst>
+              <a:ext uri="{FF2B5EF4-FFF2-40B4-BE49-F238E27FC236}">
+                <a16:creationId xmlns:a16="http://schemas.microsoft.com/office/drawing/2014/main" id="{338E4367-1A80-F749-9BE9-4F7E1DF506B7}"/>
+              </a:ext>
+            </a:extLst>
+          </p:cNvPr>
+          <p:cNvSpPr>
+            <a:spLocks noGrp="1"/>
+          </p:cNvSpPr>
+          <p:nvPr>
+            <p:ph type="title"/>
+          </p:nvPr>
+        </p:nvSpPr>
+        <p:spPr/>
+        <p:txBody>
+          <a:bodyPr/>
+          <a:lstStyle/>
+          <a:p>
+            <a:r>
+              <a:rPr lang="en-US" b="1" dirty="0"/>
+              <a:t>Don’t be clever!</a:t>
+            </a:r>
+          </a:p>
+        </p:txBody>
+      </p:sp>
+      <p:sp>
+        <p:nvSpPr>
+          <p:cNvPr id="3" name="Content Placeholder 2">
+            <a:extLst>
+              <a:ext uri="{FF2B5EF4-FFF2-40B4-BE49-F238E27FC236}">
+                <a16:creationId xmlns:a16="http://schemas.microsoft.com/office/drawing/2014/main" id="{900ACE45-F8A1-4742-BD1A-81A4DE26EE46}"/>
+              </a:ext>
+            </a:extLst>
+          </p:cNvPr>
+          <p:cNvSpPr>
+            <a:spLocks noGrp="1"/>
+          </p:cNvSpPr>
+          <p:nvPr>
+            <p:ph idx="1"/>
+          </p:nvPr>
+        </p:nvSpPr>
+        <p:spPr/>
+        <p:txBody>
+          <a:bodyPr/>
+          <a:lstStyle/>
+          <a:p>
+            <a:r>
+              <a:rPr lang="en-US" dirty="0"/>
+              <a:t>Prefer clarity over cleverness.</a:t>
+            </a:r>
+          </a:p>
+          <a:p>
+            <a:r>
+              <a:rPr lang="en-US" dirty="0"/>
+              <a:t>Developers spend much more time reading code than writing code. </a:t>
+            </a:r>
+          </a:p>
+          <a:p>
+            <a:pPr lvl="1"/>
+            <a:r>
+              <a:rPr lang="en-US" dirty="0"/>
+              <a:t>Optimize your source code for reading.</a:t>
+            </a:r>
+          </a:p>
+          <a:p>
+            <a:r>
+              <a:rPr lang="en-US" dirty="0"/>
+              <a:t>Make your code as easy to understand as you possibly can. </a:t>
+            </a:r>
+          </a:p>
+          <a:p>
+            <a:r>
+              <a:rPr lang="en-US" dirty="0"/>
+              <a:t>If you encounter code that is not easy to understand, take a little time to refactor it.</a:t>
+            </a:r>
+          </a:p>
+          <a:p>
+            <a:r>
+              <a:rPr lang="en-US" dirty="0"/>
+              <a:t>“Maintainable code is more important than clever code.” – Guido van Rossum, inventor of the Python language</a:t>
+            </a:r>
+          </a:p>
+          <a:p>
+            <a:r>
+              <a:rPr lang="en-US" dirty="0"/>
+              <a:t>“Simplicity is a prerequisite for reliability.”- </a:t>
+            </a:r>
+            <a:r>
+              <a:rPr lang="en-US" dirty="0" err="1"/>
+              <a:t>Edsger</a:t>
+            </a:r>
+            <a:r>
+              <a:rPr lang="en-US" dirty="0"/>
+              <a:t> W. Dijkstra</a:t>
+            </a:r>
+          </a:p>
+        </p:txBody>
+      </p:sp>
+    </p:spTree>
+    <p:extLst>
+      <p:ext uri="{BB962C8B-B14F-4D97-AF65-F5344CB8AC3E}">
+        <p14:creationId xmlns:p14="http://schemas.microsoft.com/office/powerpoint/2010/main" val="1259715462"/>
+      </p:ext>
+    </p:extLst>
+  </p:cSld>
+  <p:clrMapOvr>
+    <a:masterClrMapping/>
+  </p:clrMapOvr>
+  <mc:AlternateContent xmlns:mc="http://schemas.openxmlformats.org/markup-compatibility/2006" xmlns:p14="http://schemas.microsoft.com/office/powerpoint/2010/main">
+    <mc:Choice Requires="p14">
+      <p:transition spd="med" p14:dur="700">
+        <p:fade/>
+      </p:transition>
+    </mc:Choice>
+    <mc:Fallback xmlns="">
+      <p:transition spd="med">
+        <p:fade/>
+      </p:transition>
+    </mc:Fallback>
+  </mc:AlternateContent>
+  <p:timing>
+    <p:tnLst>
+      <p:par>
+        <p:cTn id="1" dur="indefinite" restart="never" nodeType="tmRoot">
+          <p:childTnLst>
+            <p:seq concurrent="1" nextAc="seek">
+              <p:cTn id="2" dur="indefinite" nodeType="mainSeq">
+                <p:childTnLst>
+                  <p:par>
+                    <p:cTn id="3" fill="hold">
+                      <p:stCondLst>
+                        <p:cond delay="indefinite"/>
+                      </p:stCondLst>
+                      <p:childTnLst>
+                        <p:par>
+                          <p:cTn id="4" fill="hold">
+                            <p:stCondLst>
+                              <p:cond delay="0"/>
+                            </p:stCondLst>
+                            <p:childTnLst>
+                              <p:par>
+                                <p:cTn id="5" presetID="1" presetClass="entr" presetSubtype="0" fill="hold" grpId="0" nodeType="clickEffect">
+                                  <p:stCondLst>
+                                    <p:cond delay="0"/>
+                                  </p:stCondLst>
+                                  <p:childTnLst>
+                                    <p:set>
+                                      <p:cBhvr>
+                                        <p:cTn id="6" dur="1" fill="hold">
+                                          <p:stCondLst>
+                                            <p:cond delay="0"/>
+                                          </p:stCondLst>
+                                        </p:cTn>
+                                        <p:tgtEl>
+                                          <p:spTgt spid="3">
+                                            <p:txEl>
+                                              <p:pRg st="0" end="0"/>
+                                            </p:txEl>
+                                          </p:spTgt>
+                                        </p:tgtEl>
+                                        <p:attrNameLst>
+                                          <p:attrName>style.visibility</p:attrName>
+                                        </p:attrNameLst>
+                                      </p:cBhvr>
+                                      <p:to>
+                                        <p:strVal val="visible"/>
+                                      </p:to>
+                                    </p:set>
+                                  </p:childTnLst>
+                                </p:cTn>
+                              </p:par>
+                            </p:childTnLst>
+                          </p:cTn>
+                        </p:par>
+                      </p:childTnLst>
+                    </p:cTn>
+                  </p:par>
+                  <p:par>
+                    <p:cTn id="7" fill="hold">
+                      <p:stCondLst>
+                        <p:cond delay="indefinite"/>
+                      </p:stCondLst>
+                      <p:childTnLst>
+                        <p:par>
+                          <p:cTn id="8" fill="hold">
+                            <p:stCondLst>
+                              <p:cond delay="0"/>
+                            </p:stCondLst>
+                            <p:childTnLst>
+                              <p:par>
+                                <p:cTn id="9" presetID="1" presetClass="entr" presetSubtype="0" fill="hold" grpId="0" nodeType="clickEffect">
+                                  <p:stCondLst>
+                                    <p:cond delay="0"/>
+                                  </p:stCondLst>
+                                  <p:childTnLst>
+                                    <p:set>
+                                      <p:cBhvr>
+                                        <p:cTn id="10" dur="1" fill="hold">
+                                          <p:stCondLst>
+                                            <p:cond delay="0"/>
+                                          </p:stCondLst>
+                                        </p:cTn>
+                                        <p:tgtEl>
+                                          <p:spTgt spid="3">
+                                            <p:txEl>
+                                              <p:pRg st="1" end="1"/>
+                                            </p:txEl>
+                                          </p:spTgt>
+                                        </p:tgtEl>
+                                        <p:attrNameLst>
+                                          <p:attrName>style.visibility</p:attrName>
+                                        </p:attrNameLst>
+                                      </p:cBhvr>
+                                      <p:to>
+                                        <p:strVal val="visible"/>
+                                      </p:to>
+                                    </p:set>
+                                  </p:childTnLst>
+                                </p:cTn>
+                              </p:par>
+                              <p:par>
+                                <p:cTn id="11" presetID="1" presetClass="entr" presetSubtype="0" fill="hold" grpId="0" nodeType="withEffect">
+                                  <p:stCondLst>
+                                    <p:cond delay="0"/>
+                                  </p:stCondLst>
+                                  <p:childTnLst>
+                                    <p:set>
+                                      <p:cBhvr>
+                                        <p:cTn id="12" dur="1" fill="hold">
+                                          <p:stCondLst>
+                                            <p:cond delay="0"/>
+                                          </p:stCondLst>
+                                        </p:cTn>
+                                        <p:tgtEl>
+                                          <p:spTgt spid="3">
+                                            <p:txEl>
+                                              <p:pRg st="2" end="2"/>
+                                            </p:txEl>
+                                          </p:spTgt>
+                                        </p:tgtEl>
+                                        <p:attrNameLst>
+                                          <p:attrName>style.visibility</p:attrName>
+                                        </p:attrNameLst>
+                                      </p:cBhvr>
+                                      <p:to>
+                                        <p:strVal val="visible"/>
+                                      </p:to>
+                                    </p:set>
+                                  </p:childTnLst>
+                                </p:cTn>
+                              </p:par>
+                            </p:childTnLst>
+                          </p:cTn>
+                        </p:par>
+                      </p:childTnLst>
+                    </p:cTn>
+                  </p:par>
+                  <p:par>
+                    <p:cTn id="13" fill="hold">
+                      <p:stCondLst>
+                        <p:cond delay="indefinite"/>
+                      </p:stCondLst>
+                      <p:childTnLst>
+                        <p:par>
+                          <p:cTn id="14" fill="hold">
+                            <p:stCondLst>
+                              <p:cond delay="0"/>
+                            </p:stCondLst>
+                            <p:childTnLst>
+                              <p:par>
+                                <p:cTn id="15" presetID="1" presetClass="entr" presetSubtype="0" fill="hold" grpId="0" nodeType="clickEffect">
+                                  <p:stCondLst>
+                                    <p:cond delay="0"/>
+                                  </p:stCondLst>
+                                  <p:childTnLst>
+                                    <p:set>
+                                      <p:cBhvr>
+                                        <p:cTn id="16" dur="1" fill="hold">
+                                          <p:stCondLst>
+                                            <p:cond delay="0"/>
+                                          </p:stCondLst>
+                                        </p:cTn>
+                                        <p:tgtEl>
+                                          <p:spTgt spid="3">
+                                            <p:txEl>
+                                              <p:pRg st="3" end="3"/>
+                                            </p:txEl>
+                                          </p:spTgt>
+                                        </p:tgtEl>
+                                        <p:attrNameLst>
+                                          <p:attrName>style.visibility</p:attrName>
+                                        </p:attrNameLst>
+                                      </p:cBhvr>
+                                      <p:to>
+                                        <p:strVal val="visible"/>
+                                      </p:to>
+                                    </p:set>
+                                  </p:childTnLst>
+                                </p:cTn>
+                              </p:par>
+                            </p:childTnLst>
+                          </p:cTn>
+                        </p:par>
+                      </p:childTnLst>
+                    </p:cTn>
+                  </p:par>
+                  <p:par>
+                    <p:cTn id="17" fill="hold">
+                      <p:stCondLst>
+                        <p:cond delay="indefinite"/>
+                      </p:stCondLst>
+                      <p:childTnLst>
+                        <p:par>
+                          <p:cTn id="18" fill="hold">
+                            <p:stCondLst>
+                              <p:cond delay="0"/>
+                            </p:stCondLst>
+                            <p:childTnLst>
+                              <p:par>
+                                <p:cTn id="19" presetID="1" presetClass="entr" presetSubtype="0" fill="hold" grpId="0" nodeType="clickEffect">
+                                  <p:stCondLst>
+                                    <p:cond delay="0"/>
+                                  </p:stCondLst>
+                                  <p:childTnLst>
+                                    <p:set>
+                                      <p:cBhvr>
+                                        <p:cTn id="20" dur="1" fill="hold">
+                                          <p:stCondLst>
+                                            <p:cond delay="0"/>
+                                          </p:stCondLst>
+                                        </p:cTn>
+                                        <p:tgtEl>
+                                          <p:spTgt spid="3">
+                                            <p:txEl>
+                                              <p:pRg st="4" end="4"/>
+                                            </p:txEl>
+                                          </p:spTgt>
+                                        </p:tgtEl>
+                                        <p:attrNameLst>
+                                          <p:attrName>style.visibility</p:attrName>
+                                        </p:attrNameLst>
+                                      </p:cBhvr>
+                                      <p:to>
+                                        <p:strVal val="visible"/>
+                                      </p:to>
+                                    </p:set>
+                                  </p:childTnLst>
+                                </p:cTn>
+                              </p:par>
+                            </p:childTnLst>
+                          </p:cTn>
+                        </p:par>
+                      </p:childTnLst>
+                    </p:cTn>
+                  </p:par>
+                  <p:par>
+                    <p:cTn id="21" fill="hold">
+                      <p:stCondLst>
+                        <p:cond delay="indefinite"/>
+                      </p:stCondLst>
+                      <p:childTnLst>
+                        <p:par>
+                          <p:cTn id="22" fill="hold">
+                            <p:stCondLst>
+                              <p:cond delay="0"/>
+                            </p:stCondLst>
+                            <p:childTnLst>
+                              <p:par>
+                                <p:cTn id="23" presetID="1" presetClass="entr" presetSubtype="0" fill="hold" grpId="0" nodeType="clickEffect">
+                                  <p:stCondLst>
+                                    <p:cond delay="0"/>
+                                  </p:stCondLst>
+                                  <p:childTnLst>
+                                    <p:set>
+                                      <p:cBhvr>
+                                        <p:cTn id="24" dur="1" fill="hold">
+                                          <p:stCondLst>
+                                            <p:cond delay="0"/>
+                                          </p:stCondLst>
+                                        </p:cTn>
+                                        <p:tgtEl>
+                                          <p:spTgt spid="3">
+                                            <p:txEl>
+                                              <p:pRg st="5" end="5"/>
+                                            </p:txEl>
+                                          </p:spTgt>
+                                        </p:tgtEl>
+                                        <p:attrNameLst>
+                                          <p:attrName>style.visibility</p:attrName>
+                                        </p:attrNameLst>
+                                      </p:cBhvr>
+                                      <p:to>
+                                        <p:strVal val="visible"/>
+                                      </p:to>
+                                    </p:set>
+                                  </p:childTnLst>
+                                </p:cTn>
+                              </p:par>
+                            </p:childTnLst>
+                          </p:cTn>
+                        </p:par>
+                      </p:childTnLst>
+                    </p:cTn>
+                  </p:par>
+                  <p:par>
+                    <p:cTn id="25" fill="hold">
+                      <p:stCondLst>
+                        <p:cond delay="indefinite"/>
+                      </p:stCondLst>
+                      <p:childTnLst>
+                        <p:par>
+                          <p:cTn id="26" fill="hold">
+                            <p:stCondLst>
+                              <p:cond delay="0"/>
+                            </p:stCondLst>
+                            <p:childTnLst>
+                              <p:par>
+                                <p:cTn id="27" presetID="1" presetClass="entr" presetSubtype="0" fill="hold" grpId="0" nodeType="clickEffect">
+                                  <p:stCondLst>
+                                    <p:cond delay="0"/>
+                                  </p:stCondLst>
+                                  <p:childTnLst>
+                                    <p:set>
+                                      <p:cBhvr>
+                                        <p:cTn id="28" dur="1" fill="hold">
+                                          <p:stCondLst>
+                                            <p:cond delay="0"/>
+                                          </p:stCondLst>
+                                        </p:cTn>
+                                        <p:tgtEl>
+                                          <p:spTgt spid="3">
+                                            <p:txEl>
+                                              <p:pRg st="6" end="6"/>
+                                            </p:txEl>
+                                          </p:spTgt>
+                                        </p:tgtEl>
+                                        <p:attrNameLst>
+                                          <p:attrName>style.visibility</p:attrName>
+                                        </p:attrNameLst>
+                                      </p:cBhvr>
+                                      <p:to>
+                                        <p:strVal val="visible"/>
+                                      </p:to>
+                                    </p:set>
+                                  </p:childTnLst>
+                                </p:cTn>
+                              </p:par>
+                            </p:childTnLst>
+                          </p:cTn>
+                        </p:par>
+                      </p:childTnLst>
+                    </p:cTn>
+                  </p:par>
+                </p:childTnLst>
+              </p:cTn>
+              <p:prevCondLst>
+                <p:cond evt="onPrev" delay="0">
+                  <p:tgtEl>
+                    <p:sldTgt/>
+                  </p:tgtEl>
+                </p:cond>
+              </p:prevCondLst>
+              <p:nextCondLst>
+                <p:cond evt="onNext" delay="0">
+                  <p:tgtEl>
+                    <p:sldTgt/>
+                  </p:tgtEl>
+                </p:cond>
+              </p:nextCondLst>
+            </p:seq>
+          </p:childTnLst>
+        </p:cTn>
+      </p:par>
+    </p:tnLst>
+    <p:bldLst>
+      <p:bldP spid="3" grpId="0" build="p"/>
+    </p:bldLst>
+  </p:timing>
+</p:sld>
+</file>
+
+<file path=ppt/slides/slide15.xml><?xml version="1.0" encoding="utf-8"?>
+<p:sld xmlns:a="http://schemas.openxmlformats.org/drawingml/2006/main" xmlns:r="http://schemas.openxmlformats.org/officeDocument/2006/relationships" xmlns:p="http://schemas.openxmlformats.org/presentationml/2006/main">
+  <p:cSld>
     <p:spTree>
       <p:nvGrpSpPr>
         <p:cNvPr id="1" name=""/>
@@ -4225,7 +5961,7 @@
 </p:sld>
 </file>
 
-<file path=ppt/slides/slide11.xml><?xml version="1.0" encoding="utf-8"?>
+<file path=ppt/slides/slide16.xml><?xml version="1.0" encoding="utf-8"?>
 <p:sld xmlns:a="http://schemas.openxmlformats.org/drawingml/2006/main" xmlns:r="http://schemas.openxmlformats.org/officeDocument/2006/relationships" xmlns:p="http://schemas.openxmlformats.org/presentationml/2006/main">
   <p:cSld>
     <p:spTree>
@@ -4668,7 +6404,7 @@
 </p:sld>
 </file>
 
-<file path=ppt/slides/slide12.xml><?xml version="1.0" encoding="utf-8"?>
+<file path=ppt/slides/slide17.xml><?xml version="1.0" encoding="utf-8"?>
 <p:sld xmlns:a="http://schemas.openxmlformats.org/drawingml/2006/main" xmlns:r="http://schemas.openxmlformats.org/officeDocument/2006/relationships" xmlns:p="http://schemas.openxmlformats.org/presentationml/2006/main">
   <p:cSld>
     <p:spTree>
@@ -5093,7 +6829,7 @@
 </p:sld>
 </file>
 
-<file path=ppt/slides/slide13.xml><?xml version="1.0" encoding="utf-8"?>
+<file path=ppt/slides/slide18.xml><?xml version="1.0" encoding="utf-8"?>
 <p:sld xmlns:a="http://schemas.openxmlformats.org/drawingml/2006/main" xmlns:r="http://schemas.openxmlformats.org/officeDocument/2006/relationships" xmlns:p="http://schemas.openxmlformats.org/presentationml/2006/main">
   <p:cSld>
     <p:spTree>
@@ -5616,7 +7352,7 @@
 </p:sld>
 </file>
 
-<file path=ppt/slides/slide14.xml><?xml version="1.0" encoding="utf-8"?>
+<file path=ppt/slides/slide19.xml><?xml version="1.0" encoding="utf-8"?>
 <p:sld xmlns:a="http://schemas.openxmlformats.org/drawingml/2006/main" xmlns:r="http://schemas.openxmlformats.org/officeDocument/2006/relationships" xmlns:p="http://schemas.openxmlformats.org/presentationml/2006/main">
   <p:cSld>
     <p:spTree>
@@ -5986,7 +7722,115 @@
 </p:sld>
 </file>
 
-<file path=ppt/slides/slide15.xml><?xml version="1.0" encoding="utf-8"?>
+<file path=ppt/slides/slide2.xml><?xml version="1.0" encoding="utf-8"?>
+<p:sld xmlns:a="http://schemas.openxmlformats.org/drawingml/2006/main" xmlns:r="http://schemas.openxmlformats.org/officeDocument/2006/relationships" xmlns:p="http://schemas.openxmlformats.org/presentationml/2006/main">
+  <p:cSld>
+    <p:spTree>
+      <p:nvGrpSpPr>
+        <p:cNvPr id="1" name=""/>
+        <p:cNvGrpSpPr/>
+        <p:nvPr/>
+      </p:nvGrpSpPr>
+      <p:grpSpPr>
+        <a:xfrm>
+          <a:off x="0" y="0"/>
+          <a:ext cx="0" cy="0"/>
+          <a:chOff x="0" y="0"/>
+          <a:chExt cx="0" cy="0"/>
+        </a:xfrm>
+      </p:grpSpPr>
+      <p:sp>
+        <p:nvSpPr>
+          <p:cNvPr id="2" name="Title 1">
+            <a:extLst>
+              <a:ext uri="{FF2B5EF4-FFF2-40B4-BE49-F238E27FC236}">
+                <a16:creationId xmlns:a16="http://schemas.microsoft.com/office/drawing/2014/main" id="{088D20AF-C8D6-8F4A-8259-3387A92CD5AF}"/>
+              </a:ext>
+            </a:extLst>
+          </p:cNvPr>
+          <p:cNvSpPr>
+            <a:spLocks noGrp="1"/>
+          </p:cNvSpPr>
+          <p:nvPr>
+            <p:ph type="title"/>
+          </p:nvPr>
+        </p:nvSpPr>
+        <p:spPr/>
+        <p:txBody>
+          <a:bodyPr>
+            <a:normAutofit/>
+          </a:bodyPr>
+          <a:lstStyle/>
+          <a:p>
+            <a:r>
+              <a:rPr lang="en-US" dirty="0"/>
+              <a:t>Programming is the art of telling </a:t>
+            </a:r>
+            <a:r>
+              <a:rPr lang="en-US" i="1" dirty="0"/>
+              <a:t>another human </a:t>
+            </a:r>
+            <a:r>
+              <a:rPr lang="en-US" dirty="0"/>
+              <a:t>what one wants the computer to do.</a:t>
+            </a:r>
+          </a:p>
+        </p:txBody>
+      </p:sp>
+      <p:sp>
+        <p:nvSpPr>
+          <p:cNvPr id="3" name="Text Placeholder 2">
+            <a:extLst>
+              <a:ext uri="{FF2B5EF4-FFF2-40B4-BE49-F238E27FC236}">
+                <a16:creationId xmlns:a16="http://schemas.microsoft.com/office/drawing/2014/main" id="{498F9B64-D584-0342-A129-54D3DEE160C1}"/>
+              </a:ext>
+            </a:extLst>
+          </p:cNvPr>
+          <p:cNvSpPr>
+            <a:spLocks noGrp="1"/>
+          </p:cNvSpPr>
+          <p:nvPr>
+            <p:ph type="body" idx="1"/>
+          </p:nvPr>
+        </p:nvSpPr>
+        <p:spPr/>
+        <p:txBody>
+          <a:bodyPr/>
+          <a:lstStyle/>
+          <a:p>
+            <a:r>
+              <a:rPr lang="en-US" dirty="0"/>
+              <a:t>Donald Knuth, Stanford University Professor Emeritus </a:t>
+            </a:r>
+          </a:p>
+        </p:txBody>
+      </p:sp>
+    </p:spTree>
+    <p:extLst>
+      <p:ext uri="{BB962C8B-B14F-4D97-AF65-F5344CB8AC3E}">
+        <p14:creationId xmlns:p14="http://schemas.microsoft.com/office/powerpoint/2010/main" val="1512781397"/>
+      </p:ext>
+    </p:extLst>
+  </p:cSld>
+  <p:clrMapOvr>
+    <a:masterClrMapping/>
+  </p:clrMapOvr>
+  <mc:AlternateContent xmlns:mc="http://schemas.openxmlformats.org/markup-compatibility/2006" xmlns:p14="http://schemas.microsoft.com/office/powerpoint/2010/main">
+    <mc:Choice Requires="p14">
+      <p:transition spd="med" p14:dur="700">
+        <p:fade/>
+      </p:transition>
+    </mc:Choice>
+    <mc:Fallback xmlns="">
+      <p:transition spd="med">
+        <p:fade/>
+      </p:transition>
+    </mc:Fallback>
+  </mc:AlternateContent>
+</p:sld>
+</file>
+
+<file path=ppt/slides/slide20.xml><?xml version="1.0" encoding="utf-8"?>
 <p:sld xmlns:a="http://schemas.openxmlformats.org/drawingml/2006/main" xmlns:r="http://schemas.openxmlformats.org/officeDocument/2006/relationships" xmlns:p="http://schemas.openxmlformats.org/presentationml/2006/main">
   <p:cSld>
     <p:spTree>
@@ -6317,7 +8161,7 @@
 </p:sld>
 </file>
 
-<file path=ppt/slides/slide16.xml><?xml version="1.0" encoding="utf-8"?>
+<file path=ppt/slides/slide21.xml><?xml version="1.0" encoding="utf-8"?>
 <p:sld xmlns:a="http://schemas.openxmlformats.org/drawingml/2006/main" xmlns:r="http://schemas.openxmlformats.org/officeDocument/2006/relationships" xmlns:p="http://schemas.openxmlformats.org/presentationml/2006/main">
   <p:cSld>
     <p:spTree>
@@ -6592,7 +8436,7 @@
 </p:sld>
 </file>
 
-<file path=ppt/slides/slide17.xml><?xml version="1.0" encoding="utf-8"?>
+<file path=ppt/slides/slide22.xml><?xml version="1.0" encoding="utf-8"?>
 <p:sld xmlns:a="http://schemas.openxmlformats.org/drawingml/2006/main" xmlns:r="http://schemas.openxmlformats.org/officeDocument/2006/relationships" xmlns:p="http://schemas.openxmlformats.org/presentationml/2006/main">
   <p:cSld>
     <p:spTree>
@@ -7114,7 +8958,394 @@
 </p:sld>
 </file>
 
-<file path=ppt/slides/slide18.xml><?xml version="1.0" encoding="utf-8"?>
+<file path=ppt/slides/slide23.xml><?xml version="1.0" encoding="utf-8"?>
+<p:sld xmlns:a="http://schemas.openxmlformats.org/drawingml/2006/main" xmlns:r="http://schemas.openxmlformats.org/officeDocument/2006/relationships" xmlns:p="http://schemas.openxmlformats.org/presentationml/2006/main">
+  <p:cSld>
+    <p:spTree>
+      <p:nvGrpSpPr>
+        <p:cNvPr id="1" name=""/>
+        <p:cNvGrpSpPr/>
+        <p:nvPr/>
+      </p:nvGrpSpPr>
+      <p:grpSpPr>
+        <a:xfrm>
+          <a:off x="0" y="0"/>
+          <a:ext cx="0" cy="0"/>
+          <a:chOff x="0" y="0"/>
+          <a:chExt cx="0" cy="0"/>
+        </a:xfrm>
+      </p:grpSpPr>
+      <p:sp>
+        <p:nvSpPr>
+          <p:cNvPr id="2" name="Title 1">
+            <a:extLst>
+              <a:ext uri="{FF2B5EF4-FFF2-40B4-BE49-F238E27FC236}">
+                <a16:creationId xmlns:a16="http://schemas.microsoft.com/office/drawing/2014/main" id="{BABD1CAC-6277-124D-AB33-8288E45C6348}"/>
+              </a:ext>
+            </a:extLst>
+          </p:cNvPr>
+          <p:cNvSpPr>
+            <a:spLocks noGrp="1"/>
+          </p:cNvSpPr>
+          <p:nvPr>
+            <p:ph type="title"/>
+          </p:nvPr>
+        </p:nvSpPr>
+        <p:spPr/>
+        <p:txBody>
+          <a:bodyPr/>
+          <a:lstStyle/>
+          <a:p>
+            <a:r>
+              <a:rPr lang="en-US" b="1" dirty="0"/>
+              <a:t>Total Cost of Ownership (TCO)</a:t>
+            </a:r>
+          </a:p>
+        </p:txBody>
+      </p:sp>
+      <p:sp>
+        <p:nvSpPr>
+          <p:cNvPr id="3" name="Content Placeholder 2">
+            <a:extLst>
+              <a:ext uri="{FF2B5EF4-FFF2-40B4-BE49-F238E27FC236}">
+                <a16:creationId xmlns:a16="http://schemas.microsoft.com/office/drawing/2014/main" id="{532B2E44-37C7-8E48-AA25-73DDC1961F4C}"/>
+              </a:ext>
+            </a:extLst>
+          </p:cNvPr>
+          <p:cNvSpPr>
+            <a:spLocks noGrp="1"/>
+          </p:cNvSpPr>
+          <p:nvPr>
+            <p:ph idx="1"/>
+          </p:nvPr>
+        </p:nvSpPr>
+        <p:spPr/>
+        <p:txBody>
+          <a:bodyPr/>
+          <a:lstStyle/>
+          <a:p>
+            <a:r>
+              <a:rPr lang="en-US" dirty="0"/>
+              <a:t>The Total Cost of Ownership (TCO) of enterprise software is the sum of all direct and indirect costs incurred by that software.</a:t>
+            </a:r>
+          </a:p>
+          <a:p>
+            <a:pPr lvl="1"/>
+            <a:r>
+              <a:rPr lang="en-US" dirty="0"/>
+              <a:t>Software development is the biggest contributor.</a:t>
+            </a:r>
+          </a:p>
+          <a:p>
+            <a:r>
+              <a:rPr lang="en-US" dirty="0"/>
+              <a:t>TDD can significantly reduce the Total Cost of Ownership (TCO) of software development projects.</a:t>
+            </a:r>
+          </a:p>
+          <a:p>
+            <a:pPr lvl="1"/>
+            <a:r>
+              <a:rPr lang="en-US" dirty="0"/>
+              <a:t>Consider long-term maintenance and evolution.</a:t>
+            </a:r>
+          </a:p>
+          <a:p>
+            <a:pPr lvl="1"/>
+            <a:r>
+              <a:rPr lang="en-US" dirty="0"/>
+              <a:t>Technical debt can negatively impact TCO. </a:t>
+            </a:r>
+          </a:p>
+          <a:p>
+            <a:pPr lvl="1"/>
+            <a:r>
+              <a:rPr lang="en-US" dirty="0"/>
+              <a:t>Understanding and forecasting the TCO and is a critical part of the Return on Investment (ROI) calculation.</a:t>
+            </a:r>
+          </a:p>
+        </p:txBody>
+      </p:sp>
+    </p:spTree>
+    <p:extLst>
+      <p:ext uri="{BB962C8B-B14F-4D97-AF65-F5344CB8AC3E}">
+        <p14:creationId xmlns:p14="http://schemas.microsoft.com/office/powerpoint/2010/main" val="4039393474"/>
+      </p:ext>
+    </p:extLst>
+  </p:cSld>
+  <p:clrMapOvr>
+    <a:masterClrMapping/>
+  </p:clrMapOvr>
+  <mc:AlternateContent xmlns:mc="http://schemas.openxmlformats.org/markup-compatibility/2006" xmlns:p14="http://schemas.microsoft.com/office/powerpoint/2010/main">
+    <mc:Choice Requires="p14">
+      <p:transition spd="med" p14:dur="700">
+        <p:fade/>
+      </p:transition>
+    </mc:Choice>
+    <mc:Fallback xmlns="">
+      <p:transition spd="med">
+        <p:fade/>
+      </p:transition>
+    </mc:Fallback>
+  </mc:AlternateContent>
+  <p:timing>
+    <p:tnLst>
+      <p:par>
+        <p:cTn id="1" dur="indefinite" restart="never" nodeType="tmRoot">
+          <p:childTnLst>
+            <p:seq concurrent="1" nextAc="seek">
+              <p:cTn id="2" dur="indefinite" nodeType="mainSeq">
+                <p:childTnLst>
+                  <p:par>
+                    <p:cTn id="3" fill="hold">
+                      <p:stCondLst>
+                        <p:cond delay="indefinite"/>
+                      </p:stCondLst>
+                      <p:childTnLst>
+                        <p:par>
+                          <p:cTn id="4" fill="hold">
+                            <p:stCondLst>
+                              <p:cond delay="0"/>
+                            </p:stCondLst>
+                            <p:childTnLst>
+                              <p:par>
+                                <p:cTn id="5" presetID="1" presetClass="entr" presetSubtype="0" fill="hold" grpId="0" nodeType="clickEffect">
+                                  <p:stCondLst>
+                                    <p:cond delay="0"/>
+                                  </p:stCondLst>
+                                  <p:childTnLst>
+                                    <p:set>
+                                      <p:cBhvr>
+                                        <p:cTn id="6" dur="1" fill="hold">
+                                          <p:stCondLst>
+                                            <p:cond delay="0"/>
+                                          </p:stCondLst>
+                                        </p:cTn>
+                                        <p:tgtEl>
+                                          <p:spTgt spid="3">
+                                            <p:txEl>
+                                              <p:pRg st="0" end="0"/>
+                                            </p:txEl>
+                                          </p:spTgt>
+                                        </p:tgtEl>
+                                        <p:attrNameLst>
+                                          <p:attrName>style.visibility</p:attrName>
+                                        </p:attrNameLst>
+                                      </p:cBhvr>
+                                      <p:to>
+                                        <p:strVal val="visible"/>
+                                      </p:to>
+                                    </p:set>
+                                  </p:childTnLst>
+                                </p:cTn>
+                              </p:par>
+                              <p:par>
+                                <p:cTn id="7" presetID="1" presetClass="entr" presetSubtype="0" fill="hold" grpId="0" nodeType="withEffect">
+                                  <p:stCondLst>
+                                    <p:cond delay="0"/>
+                                  </p:stCondLst>
+                                  <p:childTnLst>
+                                    <p:set>
+                                      <p:cBhvr>
+                                        <p:cTn id="8" dur="1" fill="hold">
+                                          <p:stCondLst>
+                                            <p:cond delay="0"/>
+                                          </p:stCondLst>
+                                        </p:cTn>
+                                        <p:tgtEl>
+                                          <p:spTgt spid="3">
+                                            <p:txEl>
+                                              <p:pRg st="1" end="1"/>
+                                            </p:txEl>
+                                          </p:spTgt>
+                                        </p:tgtEl>
+                                        <p:attrNameLst>
+                                          <p:attrName>style.visibility</p:attrName>
+                                        </p:attrNameLst>
+                                      </p:cBhvr>
+                                      <p:to>
+                                        <p:strVal val="visible"/>
+                                      </p:to>
+                                    </p:set>
+                                  </p:childTnLst>
+                                </p:cTn>
+                              </p:par>
+                            </p:childTnLst>
+                          </p:cTn>
+                        </p:par>
+                      </p:childTnLst>
+                    </p:cTn>
+                  </p:par>
+                  <p:par>
+                    <p:cTn id="9" fill="hold">
+                      <p:stCondLst>
+                        <p:cond delay="indefinite"/>
+                      </p:stCondLst>
+                      <p:childTnLst>
+                        <p:par>
+                          <p:cTn id="10" fill="hold">
+                            <p:stCondLst>
+                              <p:cond delay="0"/>
+                            </p:stCondLst>
+                            <p:childTnLst>
+                              <p:par>
+                                <p:cTn id="11" presetID="1" presetClass="entr" presetSubtype="0" fill="hold" grpId="0" nodeType="clickEffect">
+                                  <p:stCondLst>
+                                    <p:cond delay="0"/>
+                                  </p:stCondLst>
+                                  <p:childTnLst>
+                                    <p:set>
+                                      <p:cBhvr>
+                                        <p:cTn id="12" dur="1" fill="hold">
+                                          <p:stCondLst>
+                                            <p:cond delay="0"/>
+                                          </p:stCondLst>
+                                        </p:cTn>
+                                        <p:tgtEl>
+                                          <p:spTgt spid="3">
+                                            <p:txEl>
+                                              <p:pRg st="2" end="2"/>
+                                            </p:txEl>
+                                          </p:spTgt>
+                                        </p:tgtEl>
+                                        <p:attrNameLst>
+                                          <p:attrName>style.visibility</p:attrName>
+                                        </p:attrNameLst>
+                                      </p:cBhvr>
+                                      <p:to>
+                                        <p:strVal val="visible"/>
+                                      </p:to>
+                                    </p:set>
+                                  </p:childTnLst>
+                                </p:cTn>
+                              </p:par>
+                              <p:par>
+                                <p:cTn id="13" presetID="1" presetClass="entr" presetSubtype="0" fill="hold" grpId="0" nodeType="withEffect">
+                                  <p:stCondLst>
+                                    <p:cond delay="0"/>
+                                  </p:stCondLst>
+                                  <p:childTnLst>
+                                    <p:set>
+                                      <p:cBhvr>
+                                        <p:cTn id="14" dur="1" fill="hold">
+                                          <p:stCondLst>
+                                            <p:cond delay="0"/>
+                                          </p:stCondLst>
+                                        </p:cTn>
+                                        <p:tgtEl>
+                                          <p:spTgt spid="3">
+                                            <p:txEl>
+                                              <p:pRg st="3" end="3"/>
+                                            </p:txEl>
+                                          </p:spTgt>
+                                        </p:tgtEl>
+                                        <p:attrNameLst>
+                                          <p:attrName>style.visibility</p:attrName>
+                                        </p:attrNameLst>
+                                      </p:cBhvr>
+                                      <p:to>
+                                        <p:strVal val="visible"/>
+                                      </p:to>
+                                    </p:set>
+                                  </p:childTnLst>
+                                </p:cTn>
+                              </p:par>
+                              <p:par>
+                                <p:cTn id="15" presetID="1" presetClass="entr" presetSubtype="0" fill="hold" grpId="0" nodeType="withEffect">
+                                  <p:stCondLst>
+                                    <p:cond delay="0"/>
+                                  </p:stCondLst>
+                                  <p:childTnLst>
+                                    <p:set>
+                                      <p:cBhvr>
+                                        <p:cTn id="16" dur="1" fill="hold">
+                                          <p:stCondLst>
+                                            <p:cond delay="0"/>
+                                          </p:stCondLst>
+                                        </p:cTn>
+                                        <p:tgtEl>
+                                          <p:spTgt spid="3">
+                                            <p:txEl>
+                                              <p:pRg st="4" end="4"/>
+                                            </p:txEl>
+                                          </p:spTgt>
+                                        </p:tgtEl>
+                                        <p:attrNameLst>
+                                          <p:attrName>style.visibility</p:attrName>
+                                        </p:attrNameLst>
+                                      </p:cBhvr>
+                                      <p:to>
+                                        <p:strVal val="visible"/>
+                                      </p:to>
+                                    </p:set>
+                                  </p:childTnLst>
+                                </p:cTn>
+                              </p:par>
+                              <p:par>
+                                <p:cTn id="17" presetID="1" presetClass="entr" presetSubtype="0" fill="hold" grpId="0" nodeType="withEffect">
+                                  <p:stCondLst>
+                                    <p:cond delay="0"/>
+                                  </p:stCondLst>
+                                  <p:childTnLst>
+                                    <p:set>
+                                      <p:cBhvr>
+                                        <p:cTn id="18" dur="1" fill="hold">
+                                          <p:stCondLst>
+                                            <p:cond delay="0"/>
+                                          </p:stCondLst>
+                                        </p:cTn>
+                                        <p:tgtEl>
+                                          <p:spTgt spid="3">
+                                            <p:txEl>
+                                              <p:pRg st="5" end="5"/>
+                                            </p:txEl>
+                                          </p:spTgt>
+                                        </p:tgtEl>
+                                        <p:attrNameLst>
+                                          <p:attrName>style.visibility</p:attrName>
+                                        </p:attrNameLst>
+                                      </p:cBhvr>
+                                      <p:to>
+                                        <p:strVal val="visible"/>
+                                      </p:to>
+                                    </p:set>
+                                  </p:childTnLst>
+                                </p:cTn>
+                              </p:par>
+                            </p:childTnLst>
+                          </p:cTn>
+                        </p:par>
+                      </p:childTnLst>
+                    </p:cTn>
+                  </p:par>
+                </p:childTnLst>
+              </p:cTn>
+              <p:prevCondLst>
+                <p:cond evt="onPrev" delay="0">
+                  <p:tgtEl>
+                    <p:sldTgt/>
+                  </p:tgtEl>
+                </p:cond>
+              </p:prevCondLst>
+              <p:nextCondLst>
+                <p:cond evt="onNext" delay="0">
+                  <p:tgtEl>
+                    <p:sldTgt/>
+                  </p:tgtEl>
+                </p:cond>
+              </p:nextCondLst>
+            </p:seq>
+          </p:childTnLst>
+        </p:cTn>
+      </p:par>
+    </p:tnLst>
+    <p:bldLst>
+      <p:bldP spid="3" grpId="0" build="p"/>
+    </p:bldLst>
+  </p:timing>
+</p:sld>
+</file>
+
+<file path=ppt/slides/slide24.xml><?xml version="1.0" encoding="utf-8"?>
 <p:sld xmlns:a="http://schemas.openxmlformats.org/drawingml/2006/main" xmlns:r="http://schemas.openxmlformats.org/officeDocument/2006/relationships" xmlns:p="http://schemas.openxmlformats.org/presentationml/2006/main">
   <p:cSld>
     <p:spTree>
@@ -7885,7 +10116,7 @@
 </p:sld>
 </file>
 
-<file path=ppt/slides/slide19.xml><?xml version="1.0" encoding="utf-8"?>
+<file path=ppt/slides/slide25.xml><?xml version="1.0" encoding="utf-8"?>
 <p:sld xmlns:a="http://schemas.openxmlformats.org/drawingml/2006/main" xmlns:r="http://schemas.openxmlformats.org/officeDocument/2006/relationships" xmlns:p="http://schemas.openxmlformats.org/presentationml/2006/main">
   <p:cSld>
     <p:spTree>
@@ -7997,114 +10228,6 @@
     <p:extLst>
       <p:ext uri="{BB962C8B-B14F-4D97-AF65-F5344CB8AC3E}">
         <p14:creationId xmlns:p14="http://schemas.microsoft.com/office/powerpoint/2010/main" val="2698004406"/>
-      </p:ext>
-    </p:extLst>
-  </p:cSld>
-  <p:clrMapOvr>
-    <a:masterClrMapping/>
-  </p:clrMapOvr>
-  <mc:AlternateContent xmlns:mc="http://schemas.openxmlformats.org/markup-compatibility/2006" xmlns:p14="http://schemas.microsoft.com/office/powerpoint/2010/main">
-    <mc:Choice Requires="p14">
-      <p:transition spd="med" p14:dur="700">
-        <p:fade/>
-      </p:transition>
-    </mc:Choice>
-    <mc:Fallback xmlns="">
-      <p:transition spd="med">
-        <p:fade/>
-      </p:transition>
-    </mc:Fallback>
-  </mc:AlternateContent>
-</p:sld>
-</file>
-
-<file path=ppt/slides/slide2.xml><?xml version="1.0" encoding="utf-8"?>
-<p:sld xmlns:a="http://schemas.openxmlformats.org/drawingml/2006/main" xmlns:r="http://schemas.openxmlformats.org/officeDocument/2006/relationships" xmlns:p="http://schemas.openxmlformats.org/presentationml/2006/main">
-  <p:cSld>
-    <p:spTree>
-      <p:nvGrpSpPr>
-        <p:cNvPr id="1" name=""/>
-        <p:cNvGrpSpPr/>
-        <p:nvPr/>
-      </p:nvGrpSpPr>
-      <p:grpSpPr>
-        <a:xfrm>
-          <a:off x="0" y="0"/>
-          <a:ext cx="0" cy="0"/>
-          <a:chOff x="0" y="0"/>
-          <a:chExt cx="0" cy="0"/>
-        </a:xfrm>
-      </p:grpSpPr>
-      <p:sp>
-        <p:nvSpPr>
-          <p:cNvPr id="2" name="Title 1">
-            <a:extLst>
-              <a:ext uri="{FF2B5EF4-FFF2-40B4-BE49-F238E27FC236}">
-                <a16:creationId xmlns:a16="http://schemas.microsoft.com/office/drawing/2014/main" id="{088D20AF-C8D6-8F4A-8259-3387A92CD5AF}"/>
-              </a:ext>
-            </a:extLst>
-          </p:cNvPr>
-          <p:cNvSpPr>
-            <a:spLocks noGrp="1"/>
-          </p:cNvSpPr>
-          <p:nvPr>
-            <p:ph type="title"/>
-          </p:nvPr>
-        </p:nvSpPr>
-        <p:spPr/>
-        <p:txBody>
-          <a:bodyPr>
-            <a:normAutofit/>
-          </a:bodyPr>
-          <a:lstStyle/>
-          <a:p>
-            <a:r>
-              <a:rPr lang="en-US" dirty="0"/>
-              <a:t>Programming is the art of telling </a:t>
-            </a:r>
-            <a:r>
-              <a:rPr lang="en-US" i="1" dirty="0"/>
-              <a:t>another human </a:t>
-            </a:r>
-            <a:r>
-              <a:rPr lang="en-US" dirty="0"/>
-              <a:t>what one wants the computer to do.</a:t>
-            </a:r>
-          </a:p>
-        </p:txBody>
-      </p:sp>
-      <p:sp>
-        <p:nvSpPr>
-          <p:cNvPr id="3" name="Text Placeholder 2">
-            <a:extLst>
-              <a:ext uri="{FF2B5EF4-FFF2-40B4-BE49-F238E27FC236}">
-                <a16:creationId xmlns:a16="http://schemas.microsoft.com/office/drawing/2014/main" id="{498F9B64-D584-0342-A129-54D3DEE160C1}"/>
-              </a:ext>
-            </a:extLst>
-          </p:cNvPr>
-          <p:cNvSpPr>
-            <a:spLocks noGrp="1"/>
-          </p:cNvSpPr>
-          <p:nvPr>
-            <p:ph type="body" idx="1"/>
-          </p:nvPr>
-        </p:nvSpPr>
-        <p:spPr/>
-        <p:txBody>
-          <a:bodyPr/>
-          <a:lstStyle/>
-          <a:p>
-            <a:r>
-              <a:rPr lang="en-US" dirty="0"/>
-              <a:t>Donald Knuth, Stanford University Professor Emeritus </a:t>
-            </a:r>
-          </a:p>
-        </p:txBody>
-      </p:sp>
-    </p:spTree>
-    <p:extLst>
-      <p:ext uri="{BB962C8B-B14F-4D97-AF65-F5344CB8AC3E}">
-        <p14:creationId xmlns:p14="http://schemas.microsoft.com/office/powerpoint/2010/main" val="1512781397"/>
       </p:ext>
     </p:extLst>
   </p:cSld>
@@ -8211,13 +10334,45 @@
             <a:pPr lvl="1"/>
             <a:r>
               <a:rPr lang="en-US" dirty="0"/>
-              <a:t>Clarifies our ideas on code intent.</a:t>
-            </a:r>
-          </a:p>
-          <a:p>
-            <a:r>
-              <a:rPr lang="en-US" dirty="0"/>
-              <a:t>Forces you to think carefully about what behavior is needed for a method or function to satisfy the acceptance criteria.</a:t>
+              <a:t>Clarifies the </a:t>
+            </a:r>
+            <a:r>
+              <a:rPr lang="en-US" i="1" dirty="0"/>
+              <a:t>intent</a:t>
+            </a:r>
+            <a:r>
+              <a:rPr lang="en-US" dirty="0"/>
+              <a:t> of our code.</a:t>
+            </a:r>
+          </a:p>
+          <a:p>
+            <a:pPr lvl="1"/>
+            <a:r>
+              <a:rPr lang="en-US" dirty="0"/>
+              <a:t>Forces you to concentrate on the </a:t>
+            </a:r>
+            <a:r>
+              <a:rPr lang="en-US" i="1" dirty="0"/>
+              <a:t>responsibility</a:t>
+            </a:r>
+            <a:r>
+              <a:rPr lang="en-US" dirty="0"/>
+              <a:t> assigned to a method or function.</a:t>
+            </a:r>
+          </a:p>
+          <a:p>
+            <a:pPr lvl="1"/>
+            <a:r>
+              <a:rPr lang="en-US" dirty="0"/>
+              <a:t>Forces you to solidify </a:t>
+            </a:r>
+            <a:r>
+              <a:rPr lang="en-US" i="1" dirty="0"/>
+              <a:t>contracts</a:t>
+            </a:r>
+            <a:r>
+              <a:rPr lang="en-US" dirty="0"/>
+              <a:t> between dependencies.</a:t>
             </a:r>
           </a:p>
           <a:p>
@@ -8230,12 +10385,6 @@
             <a:r>
               <a:rPr lang="en-US" dirty="0"/>
               <a:t>Unit tests act as executable documentation.</a:t>
-            </a:r>
-          </a:p>
-          <a:p>
-            <a:r>
-              <a:rPr lang="en-US" dirty="0"/>
-              <a:t>Protect against regressions.</a:t>
             </a:r>
           </a:p>
           <a:p>
@@ -8253,510 +10402,6 @@
     <p:extLst>
       <p:ext uri="{BB962C8B-B14F-4D97-AF65-F5344CB8AC3E}">
         <p14:creationId xmlns:p14="http://schemas.microsoft.com/office/powerpoint/2010/main" val="4057073478"/>
-      </p:ext>
-    </p:extLst>
-  </p:cSld>
-  <p:clrMapOvr>
-    <a:masterClrMapping/>
-  </p:clrMapOvr>
-  <mc:AlternateContent xmlns:mc="http://schemas.openxmlformats.org/markup-compatibility/2006" xmlns:p14="http://schemas.microsoft.com/office/powerpoint/2010/main">
-    <mc:Choice Requires="p14">
-      <p:transition spd="med" p14:dur="700">
-        <p:fade/>
-      </p:transition>
-    </mc:Choice>
-    <mc:Fallback xmlns="">
-      <p:transition spd="med">
-        <p:fade/>
-      </p:transition>
-    </mc:Fallback>
-  </mc:AlternateContent>
-  <p:timing>
-    <p:tnLst>
-      <p:par>
-        <p:cTn id="1" dur="indefinite" restart="never" nodeType="tmRoot">
-          <p:childTnLst>
-            <p:seq concurrent="1" nextAc="seek">
-              <p:cTn id="2" dur="indefinite" nodeType="mainSeq">
-                <p:childTnLst>
-                  <p:par>
-                    <p:cTn id="3" fill="hold">
-                      <p:stCondLst>
-                        <p:cond delay="indefinite"/>
-                      </p:stCondLst>
-                      <p:childTnLst>
-                        <p:par>
-                          <p:cTn id="4" fill="hold">
-                            <p:stCondLst>
-                              <p:cond delay="0"/>
-                            </p:stCondLst>
-                            <p:childTnLst>
-                              <p:par>
-                                <p:cTn id="5" presetID="1" presetClass="entr" presetSubtype="0" fill="hold" grpId="0" nodeType="clickEffect">
-                                  <p:stCondLst>
-                                    <p:cond delay="0"/>
-                                  </p:stCondLst>
-                                  <p:childTnLst>
-                                    <p:set>
-                                      <p:cBhvr>
-                                        <p:cTn id="6" dur="1" fill="hold">
-                                          <p:stCondLst>
-                                            <p:cond delay="0"/>
-                                          </p:stCondLst>
-                                        </p:cTn>
-                                        <p:tgtEl>
-                                          <p:spTgt spid="3">
-                                            <p:txEl>
-                                              <p:pRg st="0" end="0"/>
-                                            </p:txEl>
-                                          </p:spTgt>
-                                        </p:tgtEl>
-                                        <p:attrNameLst>
-                                          <p:attrName>style.visibility</p:attrName>
-                                        </p:attrNameLst>
-                                      </p:cBhvr>
-                                      <p:to>
-                                        <p:strVal val="visible"/>
-                                      </p:to>
-                                    </p:set>
-                                  </p:childTnLst>
-                                </p:cTn>
-                              </p:par>
-                              <p:par>
-                                <p:cTn id="7" presetID="1" presetClass="entr" presetSubtype="0" fill="hold" grpId="0" nodeType="withEffect">
-                                  <p:stCondLst>
-                                    <p:cond delay="0"/>
-                                  </p:stCondLst>
-                                  <p:childTnLst>
-                                    <p:set>
-                                      <p:cBhvr>
-                                        <p:cTn id="8" dur="1" fill="hold">
-                                          <p:stCondLst>
-                                            <p:cond delay="0"/>
-                                          </p:stCondLst>
-                                        </p:cTn>
-                                        <p:tgtEl>
-                                          <p:spTgt spid="3">
-                                            <p:txEl>
-                                              <p:pRg st="1" end="1"/>
-                                            </p:txEl>
-                                          </p:spTgt>
-                                        </p:tgtEl>
-                                        <p:attrNameLst>
-                                          <p:attrName>style.visibility</p:attrName>
-                                        </p:attrNameLst>
-                                      </p:cBhvr>
-                                      <p:to>
-                                        <p:strVal val="visible"/>
-                                      </p:to>
-                                    </p:set>
-                                  </p:childTnLst>
-                                </p:cTn>
-                              </p:par>
-                            </p:childTnLst>
-                          </p:cTn>
-                        </p:par>
-                      </p:childTnLst>
-                    </p:cTn>
-                  </p:par>
-                  <p:par>
-                    <p:cTn id="9" fill="hold">
-                      <p:stCondLst>
-                        <p:cond delay="indefinite"/>
-                      </p:stCondLst>
-                      <p:childTnLst>
-                        <p:par>
-                          <p:cTn id="10" fill="hold">
-                            <p:stCondLst>
-                              <p:cond delay="0"/>
-                            </p:stCondLst>
-                            <p:childTnLst>
-                              <p:par>
-                                <p:cTn id="11" presetID="1" presetClass="entr" presetSubtype="0" fill="hold" grpId="0" nodeType="clickEffect">
-                                  <p:stCondLst>
-                                    <p:cond delay="0"/>
-                                  </p:stCondLst>
-                                  <p:childTnLst>
-                                    <p:set>
-                                      <p:cBhvr>
-                                        <p:cTn id="12" dur="1" fill="hold">
-                                          <p:stCondLst>
-                                            <p:cond delay="0"/>
-                                          </p:stCondLst>
-                                        </p:cTn>
-                                        <p:tgtEl>
-                                          <p:spTgt spid="3">
-                                            <p:txEl>
-                                              <p:pRg st="2" end="2"/>
-                                            </p:txEl>
-                                          </p:spTgt>
-                                        </p:tgtEl>
-                                        <p:attrNameLst>
-                                          <p:attrName>style.visibility</p:attrName>
-                                        </p:attrNameLst>
-                                      </p:cBhvr>
-                                      <p:to>
-                                        <p:strVal val="visible"/>
-                                      </p:to>
-                                    </p:set>
-                                  </p:childTnLst>
-                                </p:cTn>
-                              </p:par>
-                            </p:childTnLst>
-                          </p:cTn>
-                        </p:par>
-                      </p:childTnLst>
-                    </p:cTn>
-                  </p:par>
-                  <p:par>
-                    <p:cTn id="13" fill="hold">
-                      <p:stCondLst>
-                        <p:cond delay="indefinite"/>
-                      </p:stCondLst>
-                      <p:childTnLst>
-                        <p:par>
-                          <p:cTn id="14" fill="hold">
-                            <p:stCondLst>
-                              <p:cond delay="0"/>
-                            </p:stCondLst>
-                            <p:childTnLst>
-                              <p:par>
-                                <p:cTn id="15" presetID="1" presetClass="entr" presetSubtype="0" fill="hold" grpId="0" nodeType="clickEffect">
-                                  <p:stCondLst>
-                                    <p:cond delay="0"/>
-                                  </p:stCondLst>
-                                  <p:childTnLst>
-                                    <p:set>
-                                      <p:cBhvr>
-                                        <p:cTn id="16" dur="1" fill="hold">
-                                          <p:stCondLst>
-                                            <p:cond delay="0"/>
-                                          </p:stCondLst>
-                                        </p:cTn>
-                                        <p:tgtEl>
-                                          <p:spTgt spid="3">
-                                            <p:txEl>
-                                              <p:pRg st="3" end="3"/>
-                                            </p:txEl>
-                                          </p:spTgt>
-                                        </p:tgtEl>
-                                        <p:attrNameLst>
-                                          <p:attrName>style.visibility</p:attrName>
-                                        </p:attrNameLst>
-                                      </p:cBhvr>
-                                      <p:to>
-                                        <p:strVal val="visible"/>
-                                      </p:to>
-                                    </p:set>
-                                  </p:childTnLst>
-                                </p:cTn>
-                              </p:par>
-                            </p:childTnLst>
-                          </p:cTn>
-                        </p:par>
-                      </p:childTnLst>
-                    </p:cTn>
-                  </p:par>
-                  <p:par>
-                    <p:cTn id="17" fill="hold">
-                      <p:stCondLst>
-                        <p:cond delay="indefinite"/>
-                      </p:stCondLst>
-                      <p:childTnLst>
-                        <p:par>
-                          <p:cTn id="18" fill="hold">
-                            <p:stCondLst>
-                              <p:cond delay="0"/>
-                            </p:stCondLst>
-                            <p:childTnLst>
-                              <p:par>
-                                <p:cTn id="19" presetID="1" presetClass="entr" presetSubtype="0" fill="hold" grpId="0" nodeType="clickEffect">
-                                  <p:stCondLst>
-                                    <p:cond delay="0"/>
-                                  </p:stCondLst>
-                                  <p:childTnLst>
-                                    <p:set>
-                                      <p:cBhvr>
-                                        <p:cTn id="20" dur="1" fill="hold">
-                                          <p:stCondLst>
-                                            <p:cond delay="0"/>
-                                          </p:stCondLst>
-                                        </p:cTn>
-                                        <p:tgtEl>
-                                          <p:spTgt spid="3">
-                                            <p:txEl>
-                                              <p:pRg st="4" end="4"/>
-                                            </p:txEl>
-                                          </p:spTgt>
-                                        </p:tgtEl>
-                                        <p:attrNameLst>
-                                          <p:attrName>style.visibility</p:attrName>
-                                        </p:attrNameLst>
-                                      </p:cBhvr>
-                                      <p:to>
-                                        <p:strVal val="visible"/>
-                                      </p:to>
-                                    </p:set>
-                                  </p:childTnLst>
-                                </p:cTn>
-                              </p:par>
-                            </p:childTnLst>
-                          </p:cTn>
-                        </p:par>
-                      </p:childTnLst>
-                    </p:cTn>
-                  </p:par>
-                  <p:par>
-                    <p:cTn id="21" fill="hold">
-                      <p:stCondLst>
-                        <p:cond delay="indefinite"/>
-                      </p:stCondLst>
-                      <p:childTnLst>
-                        <p:par>
-                          <p:cTn id="22" fill="hold">
-                            <p:stCondLst>
-                              <p:cond delay="0"/>
-                            </p:stCondLst>
-                            <p:childTnLst>
-                              <p:par>
-                                <p:cTn id="23" presetID="1" presetClass="entr" presetSubtype="0" fill="hold" grpId="0" nodeType="clickEffect">
-                                  <p:stCondLst>
-                                    <p:cond delay="0"/>
-                                  </p:stCondLst>
-                                  <p:childTnLst>
-                                    <p:set>
-                                      <p:cBhvr>
-                                        <p:cTn id="24" dur="1" fill="hold">
-                                          <p:stCondLst>
-                                            <p:cond delay="0"/>
-                                          </p:stCondLst>
-                                        </p:cTn>
-                                        <p:tgtEl>
-                                          <p:spTgt spid="3">
-                                            <p:txEl>
-                                              <p:pRg st="5" end="5"/>
-                                            </p:txEl>
-                                          </p:spTgt>
-                                        </p:tgtEl>
-                                        <p:attrNameLst>
-                                          <p:attrName>style.visibility</p:attrName>
-                                        </p:attrNameLst>
-                                      </p:cBhvr>
-                                      <p:to>
-                                        <p:strVal val="visible"/>
-                                      </p:to>
-                                    </p:set>
-                                  </p:childTnLst>
-                                </p:cTn>
-                              </p:par>
-                            </p:childTnLst>
-                          </p:cTn>
-                        </p:par>
-                      </p:childTnLst>
-                    </p:cTn>
-                  </p:par>
-                  <p:par>
-                    <p:cTn id="25" fill="hold">
-                      <p:stCondLst>
-                        <p:cond delay="indefinite"/>
-                      </p:stCondLst>
-                      <p:childTnLst>
-                        <p:par>
-                          <p:cTn id="26" fill="hold">
-                            <p:stCondLst>
-                              <p:cond delay="0"/>
-                            </p:stCondLst>
-                            <p:childTnLst>
-                              <p:par>
-                                <p:cTn id="27" presetID="1" presetClass="entr" presetSubtype="0" fill="hold" grpId="0" nodeType="clickEffect">
-                                  <p:stCondLst>
-                                    <p:cond delay="0"/>
-                                  </p:stCondLst>
-                                  <p:childTnLst>
-                                    <p:set>
-                                      <p:cBhvr>
-                                        <p:cTn id="28" dur="1" fill="hold">
-                                          <p:stCondLst>
-                                            <p:cond delay="0"/>
-                                          </p:stCondLst>
-                                        </p:cTn>
-                                        <p:tgtEl>
-                                          <p:spTgt spid="3">
-                                            <p:txEl>
-                                              <p:pRg st="6" end="6"/>
-                                            </p:txEl>
-                                          </p:spTgt>
-                                        </p:tgtEl>
-                                        <p:attrNameLst>
-                                          <p:attrName>style.visibility</p:attrName>
-                                        </p:attrNameLst>
-                                      </p:cBhvr>
-                                      <p:to>
-                                        <p:strVal val="visible"/>
-                                      </p:to>
-                                    </p:set>
-                                  </p:childTnLst>
-                                </p:cTn>
-                              </p:par>
-                            </p:childTnLst>
-                          </p:cTn>
-                        </p:par>
-                      </p:childTnLst>
-                    </p:cTn>
-                  </p:par>
-                </p:childTnLst>
-              </p:cTn>
-              <p:prevCondLst>
-                <p:cond evt="onPrev" delay="0">
-                  <p:tgtEl>
-                    <p:sldTgt/>
-                  </p:tgtEl>
-                </p:cond>
-              </p:prevCondLst>
-              <p:nextCondLst>
-                <p:cond evt="onNext" delay="0">
-                  <p:tgtEl>
-                    <p:sldTgt/>
-                  </p:tgtEl>
-                </p:cond>
-              </p:nextCondLst>
-            </p:seq>
-          </p:childTnLst>
-        </p:cTn>
-      </p:par>
-    </p:tnLst>
-    <p:bldLst>
-      <p:bldP spid="3" grpId="0" build="p"/>
-    </p:bldLst>
-  </p:timing>
-</p:sld>
-</file>
-
-<file path=ppt/slides/slide4.xml><?xml version="1.0" encoding="utf-8"?>
-<p:sld xmlns:a="http://schemas.openxmlformats.org/drawingml/2006/main" xmlns:r="http://schemas.openxmlformats.org/officeDocument/2006/relationships" xmlns:p="http://schemas.openxmlformats.org/presentationml/2006/main">
-  <p:cSld>
-    <p:spTree>
-      <p:nvGrpSpPr>
-        <p:cNvPr id="1" name=""/>
-        <p:cNvGrpSpPr/>
-        <p:nvPr/>
-      </p:nvGrpSpPr>
-      <p:grpSpPr>
-        <a:xfrm>
-          <a:off x="0" y="0"/>
-          <a:ext cx="0" cy="0"/>
-          <a:chOff x="0" y="0"/>
-          <a:chExt cx="0" cy="0"/>
-        </a:xfrm>
-      </p:grpSpPr>
-      <p:sp>
-        <p:nvSpPr>
-          <p:cNvPr id="2" name="Title 1">
-            <a:extLst>
-              <a:ext uri="{FF2B5EF4-FFF2-40B4-BE49-F238E27FC236}">
-                <a16:creationId xmlns:a16="http://schemas.microsoft.com/office/drawing/2014/main" id="{977B8AF1-3C5A-5B40-A022-7A684DB3C5B7}"/>
-              </a:ext>
-            </a:extLst>
-          </p:cNvPr>
-          <p:cNvSpPr>
-            <a:spLocks noGrp="1"/>
-          </p:cNvSpPr>
-          <p:nvPr>
-            <p:ph type="title"/>
-          </p:nvPr>
-        </p:nvSpPr>
-        <p:spPr/>
-        <p:txBody>
-          <a:bodyPr/>
-          <a:lstStyle/>
-          <a:p>
-            <a:r>
-              <a:rPr lang="en-US" b="1" dirty="0"/>
-              <a:t>Managing fear during programming</a:t>
-            </a:r>
-          </a:p>
-        </p:txBody>
-      </p:sp>
-      <p:sp>
-        <p:nvSpPr>
-          <p:cNvPr id="3" name="Content Placeholder 2">
-            <a:extLst>
-              <a:ext uri="{FF2B5EF4-FFF2-40B4-BE49-F238E27FC236}">
-                <a16:creationId xmlns:a16="http://schemas.microsoft.com/office/drawing/2014/main" id="{62151239-2C8C-5C47-B029-8E279A296E76}"/>
-              </a:ext>
-            </a:extLst>
-          </p:cNvPr>
-          <p:cNvSpPr>
-            <a:spLocks noGrp="1"/>
-          </p:cNvSpPr>
-          <p:nvPr>
-            <p:ph idx="1"/>
-          </p:nvPr>
-        </p:nvSpPr>
-        <p:spPr/>
-        <p:txBody>
-          <a:bodyPr/>
-          <a:lstStyle/>
-          <a:p>
-            <a:r>
-              <a:rPr lang="en-US" dirty="0"/>
-              <a:t>Fear makes you…</a:t>
-            </a:r>
-          </a:p>
-          <a:p>
-            <a:pPr lvl="1"/>
-            <a:r>
-              <a:rPr lang="en-US" dirty="0"/>
-              <a:t>Tentative</a:t>
-            </a:r>
-          </a:p>
-          <a:p>
-            <a:pPr lvl="1"/>
-            <a:r>
-              <a:rPr lang="en-US" dirty="0"/>
-              <a:t>Communicate less</a:t>
-            </a:r>
-          </a:p>
-          <a:p>
-            <a:pPr lvl="1"/>
-            <a:r>
-              <a:rPr lang="en-US" dirty="0"/>
-              <a:t>Avoid feedback</a:t>
-            </a:r>
-          </a:p>
-          <a:p>
-            <a:r>
-              <a:rPr lang="en-US" dirty="0"/>
-              <a:t>Test-driven development provides us with courage to</a:t>
-            </a:r>
-          </a:p>
-          <a:p>
-            <a:pPr lvl="1"/>
-            <a:r>
-              <a:rPr lang="en-US" dirty="0"/>
-              <a:t>Begin learning as quickly as possible</a:t>
-            </a:r>
-          </a:p>
-          <a:p>
-            <a:pPr lvl="1"/>
-            <a:r>
-              <a:rPr lang="en-US" dirty="0"/>
-              <a:t>Communicate clearly</a:t>
-            </a:r>
-          </a:p>
-          <a:p>
-            <a:pPr lvl="1"/>
-            <a:r>
-              <a:rPr lang="en-US" dirty="0"/>
-              <a:t>Search out concrete, helpful feedback</a:t>
-            </a:r>
-          </a:p>
-        </p:txBody>
-      </p:sp>
-    </p:spTree>
-    <p:extLst>
-      <p:ext uri="{BB962C8B-B14F-4D97-AF65-F5344CB8AC3E}">
-        <p14:creationId xmlns:p14="http://schemas.microsoft.com/office/powerpoint/2010/main" val="347741536"/>
       </p:ext>
     </p:extLst>
   </p:cSld>
@@ -8968,15 +10613,33 @@
                                   </p:childTnLst>
                                 </p:cTn>
                               </p:par>
+                            </p:childTnLst>
+                          </p:cTn>
+                        </p:par>
+                      </p:childTnLst>
+                    </p:cTn>
+                  </p:par>
+                  <p:par>
+                    <p:cTn id="17" fill="hold">
+                      <p:stCondLst>
+                        <p:cond delay="indefinite"/>
+                      </p:stCondLst>
+                      <p:childTnLst>
+                        <p:par>
+                          <p:cTn id="18" fill="hold">
+                            <p:stCondLst>
+                              <p:cond delay="0"/>
+                            </p:stCondLst>
+                            <p:childTnLst>
                               <p:par>
-                                <p:cTn id="17" presetID="1" presetClass="entr" presetSubtype="0" fill="hold" grpId="0" nodeType="withEffect">
+                                <p:cTn id="19" presetID="1" presetClass="entr" presetSubtype="0" fill="hold" grpId="0" nodeType="clickEffect">
                                   <p:stCondLst>
                                     <p:cond delay="0"/>
                                   </p:stCondLst>
                                   <p:childTnLst>
                                     <p:set>
                                       <p:cBhvr>
-                                        <p:cTn id="18" dur="1" fill="hold">
+                                        <p:cTn id="20" dur="1" fill="hold">
                                           <p:stCondLst>
                                             <p:cond delay="0"/>
                                           </p:stCondLst>
@@ -8999,15 +10662,33 @@
                                   </p:childTnLst>
                                 </p:cTn>
                               </p:par>
+                            </p:childTnLst>
+                          </p:cTn>
+                        </p:par>
+                      </p:childTnLst>
+                    </p:cTn>
+                  </p:par>
+                  <p:par>
+                    <p:cTn id="21" fill="hold">
+                      <p:stCondLst>
+                        <p:cond delay="indefinite"/>
+                      </p:stCondLst>
+                      <p:childTnLst>
+                        <p:par>
+                          <p:cTn id="22" fill="hold">
+                            <p:stCondLst>
+                              <p:cond delay="0"/>
+                            </p:stCondLst>
+                            <p:childTnLst>
                               <p:par>
-                                <p:cTn id="19" presetID="1" presetClass="entr" presetSubtype="0" fill="hold" grpId="0" nodeType="withEffect">
+                                <p:cTn id="23" presetID="1" presetClass="entr" presetSubtype="0" fill="hold" grpId="0" nodeType="clickEffect">
                                   <p:stCondLst>
                                     <p:cond delay="0"/>
                                   </p:stCondLst>
                                   <p:childTnLst>
                                     <p:set>
                                       <p:cBhvr>
-                                        <p:cTn id="20" dur="1" fill="hold">
+                                        <p:cTn id="24" dur="1" fill="hold">
                                           <p:stCondLst>
                                             <p:cond delay="0"/>
                                           </p:stCondLst>
@@ -9016,37 +10697,6 @@
                                           <p:spTgt spid="3">
                                             <p:txEl>
                                               <p:pRg st="6" end="6"/>
-                                            </p:txEl>
-                                          </p:spTgt>
-                                        </p:tgtEl>
-                                        <p:attrNameLst>
-                                          <p:attrName>style.visibility</p:attrName>
-                                        </p:attrNameLst>
-                                      </p:cBhvr>
-                                      <p:to>
-                                        <p:strVal val="visible"/>
-                                      </p:to>
-                                    </p:set>
-                                  </p:childTnLst>
-                                </p:cTn>
-                              </p:par>
-                              <p:par>
-                                <p:cTn id="21" presetID="1" presetClass="entr" presetSubtype="0" fill="hold" grpId="0" nodeType="withEffect">
-                                  <p:stCondLst>
-                                    <p:cond delay="0"/>
-                                  </p:stCondLst>
-                                  <p:childTnLst>
-                                    <p:set>
-                                      <p:cBhvr>
-                                        <p:cTn id="22" dur="1" fill="hold">
-                                          <p:stCondLst>
-                                            <p:cond delay="0"/>
-                                          </p:stCondLst>
-                                        </p:cTn>
-                                        <p:tgtEl>
-                                          <p:spTgt spid="3">
-                                            <p:txEl>
-                                              <p:pRg st="7" end="7"/>
                                             </p:txEl>
                                           </p:spTgt>
                                         </p:tgtEl>
@@ -9095,7 +10745,7 @@
 </p:sld>
 </file>
 
-<file path=ppt/slides/slide5.xml><?xml version="1.0" encoding="utf-8"?>
+<file path=ppt/slides/slide4.xml><?xml version="1.0" encoding="utf-8"?>
 <p:sld xmlns:a="http://schemas.openxmlformats.org/drawingml/2006/main" xmlns:r="http://schemas.openxmlformats.org/officeDocument/2006/relationships" xmlns:p="http://schemas.openxmlformats.org/presentationml/2006/main">
   <p:cSld>
     <p:spTree>
@@ -9662,7 +11312,7 @@
 </p:sld>
 </file>
 
-<file path=ppt/slides/slide6.xml><?xml version="1.0" encoding="utf-8"?>
+<file path=ppt/slides/slide5.xml><?xml version="1.0" encoding="utf-8"?>
 <p:sld xmlns:a="http://schemas.openxmlformats.org/drawingml/2006/main" xmlns:r="http://schemas.openxmlformats.org/officeDocument/2006/relationships" xmlns:p="http://schemas.openxmlformats.org/presentationml/2006/main">
   <p:cSld>
     <p:spTree>
@@ -10124,6 +11774,221 @@
 </p:sld>
 </file>
 
+<file path=ppt/slides/slide6.xml><?xml version="1.0" encoding="utf-8"?>
+<p:sld xmlns:a="http://schemas.openxmlformats.org/drawingml/2006/main" xmlns:r="http://schemas.openxmlformats.org/officeDocument/2006/relationships" xmlns:p="http://schemas.openxmlformats.org/presentationml/2006/main">
+  <p:cSld>
+    <p:bg>
+      <p:bgPr>
+        <a:solidFill>
+          <a:schemeClr val="bg1"/>
+        </a:solidFill>
+        <a:effectLst/>
+      </p:bgPr>
+    </p:bg>
+    <p:spTree>
+      <p:nvGrpSpPr>
+        <p:cNvPr id="1" name=""/>
+        <p:cNvGrpSpPr/>
+        <p:nvPr/>
+      </p:nvGrpSpPr>
+      <p:grpSpPr>
+        <a:xfrm>
+          <a:off x="0" y="0"/>
+          <a:ext cx="0" cy="0"/>
+          <a:chOff x="0" y="0"/>
+          <a:chExt cx="0" cy="0"/>
+        </a:xfrm>
+      </p:grpSpPr>
+      <p:sp>
+        <p:nvSpPr>
+          <p:cNvPr id="76" name="Rectangle 75">
+            <a:extLst>
+              <a:ext uri="{FF2B5EF4-FFF2-40B4-BE49-F238E27FC236}">
+                <a16:creationId xmlns:a16="http://schemas.microsoft.com/office/drawing/2014/main" id="{7CA0DAA6-33B8-4A25-810D-2F4D816FB40E}"/>
+              </a:ext>
+              <a:ext uri="{C183D7F6-B498-43B3-948B-1728B52AA6E4}">
+                <adec:decorative xmlns:adec="http://schemas.microsoft.com/office/drawing/2017/decorative" val="1"/>
+              </a:ext>
+            </a:extLst>
+          </p:cNvPr>
+          <p:cNvSpPr>
+            <a:spLocks noGrp="1" noRot="1" noChangeAspect="1" noMove="1" noResize="1" noEditPoints="1" noAdjustHandles="1" noChangeArrowheads="1" noChangeShapeType="1" noTextEdit="1"/>
+          </p:cNvSpPr>
+          <p:nvPr>
+            <p:extLst>
+              <p:ext uri="{386F3935-93C4-4BCD-93E2-E3B085C9AB24}">
+                <p16:designElem xmlns:p16="http://schemas.microsoft.com/office/powerpoint/2015/main" val="1"/>
+              </p:ext>
+            </p:extLst>
+          </p:nvPr>
+        </p:nvSpPr>
+        <p:spPr bwMode="white">
+          <a:xfrm>
+            <a:off x="0" y="0"/>
+            <a:ext cx="4654297" cy="6858000"/>
+          </a:xfrm>
+          <a:prstGeom prst="rect">
+            <a:avLst/>
+          </a:prstGeom>
+          <a:solidFill>
+            <a:schemeClr val="tx1">
+              <a:lumMod val="85000"/>
+              <a:lumOff val="15000"/>
+            </a:schemeClr>
+          </a:solidFill>
+          <a:ln>
+            <a:noFill/>
+          </a:ln>
+        </p:spPr>
+        <p:style>
+          <a:lnRef idx="2">
+            <a:schemeClr val="accent1">
+              <a:shade val="50000"/>
+            </a:schemeClr>
+          </a:lnRef>
+          <a:fillRef idx="1">
+            <a:schemeClr val="accent1"/>
+          </a:fillRef>
+          <a:effectRef idx="0">
+            <a:schemeClr val="accent1"/>
+          </a:effectRef>
+          <a:fontRef idx="minor">
+            <a:schemeClr val="lt1"/>
+          </a:fontRef>
+        </p:style>
+        <p:txBody>
+          <a:bodyPr rtlCol="0" anchor="ctr"/>
+          <a:lstStyle/>
+          <a:p>
+            <a:pPr algn="ctr"/>
+            <a:endParaRPr lang="en-US"/>
+          </a:p>
+        </p:txBody>
+      </p:sp>
+      <p:sp>
+        <p:nvSpPr>
+          <p:cNvPr id="2" name="Title 1">
+            <a:extLst>
+              <a:ext uri="{FF2B5EF4-FFF2-40B4-BE49-F238E27FC236}">
+                <a16:creationId xmlns:a16="http://schemas.microsoft.com/office/drawing/2014/main" id="{977B8AF1-3C5A-5B40-A022-7A684DB3C5B7}"/>
+              </a:ext>
+            </a:extLst>
+          </p:cNvPr>
+          <p:cNvSpPr>
+            <a:spLocks noGrp="1"/>
+          </p:cNvSpPr>
+          <p:nvPr>
+            <p:ph type="title"/>
+          </p:nvPr>
+        </p:nvSpPr>
+        <p:spPr>
+          <a:xfrm>
+            <a:off x="651307" y="640081"/>
+            <a:ext cx="3377183" cy="3681976"/>
+          </a:xfrm>
+          <a:noFill/>
+        </p:spPr>
+        <p:txBody>
+          <a:bodyPr vert="horz" lIns="91440" tIns="45720" rIns="91440" bIns="45720" rtlCol="0" anchor="b">
+            <a:normAutofit/>
+          </a:bodyPr>
+          <a:lstStyle/>
+          <a:p>
+            <a:r>
+              <a:rPr lang="en-US" b="1" dirty="0">
+                <a:solidFill>
+                  <a:schemeClr val="bg1"/>
+                </a:solidFill>
+              </a:rPr>
+              <a:t>T</a:t>
+            </a:r>
+            <a:r>
+              <a:rPr lang="en-US" b="1" kern="1200" dirty="0">
+                <a:solidFill>
+                  <a:schemeClr val="bg1"/>
+                </a:solidFill>
+                <a:latin typeface="+mj-lt"/>
+                <a:ea typeface="+mj-ea"/>
+                <a:cs typeface="+mj-cs"/>
+              </a:rPr>
+              <a:t>esting Pyramid</a:t>
+            </a:r>
+          </a:p>
+        </p:txBody>
+      </p:sp>
+      <p:pic>
+        <p:nvPicPr>
+          <p:cNvPr id="9" name="Picture 4" descr="The original test pyramid">
+            <a:extLst>
+              <a:ext uri="{FF2B5EF4-FFF2-40B4-BE49-F238E27FC236}">
+                <a16:creationId xmlns:a16="http://schemas.microsoft.com/office/drawing/2014/main" id="{8B9A2F53-9AE3-F84A-9835-88705CCBCDDD}"/>
+              </a:ext>
+            </a:extLst>
+          </p:cNvPr>
+          <p:cNvPicPr>
+            <a:picLocks noGrp="1" noChangeAspect="1" noChangeArrowheads="1"/>
+          </p:cNvPicPr>
+          <p:nvPr>
+            <p:ph idx="1"/>
+          </p:nvPr>
+        </p:nvPicPr>
+        <p:blipFill>
+          <a:blip r:embed="rId2">
+            <a:extLst>
+              <a:ext uri="{28A0092B-C50C-407E-A947-70E740481C1C}">
+                <a14:useLocalDpi xmlns:a14="http://schemas.microsoft.com/office/drawing/2010/main" val="0"/>
+              </a:ext>
+            </a:extLst>
+          </a:blip>
+          <a:stretch>
+            <a:fillRect/>
+          </a:stretch>
+        </p:blipFill>
+        <p:spPr bwMode="auto">
+          <a:xfrm>
+            <a:off x="5195454" y="1474387"/>
+            <a:ext cx="6356465" cy="3909224"/>
+          </a:xfrm>
+          <a:prstGeom prst="rect">
+            <a:avLst/>
+          </a:prstGeom>
+          <a:noFill/>
+          <a:extLst>
+            <a:ext uri="{909E8E84-426E-40DD-AFC4-6F175D3DCCD1}">
+              <a14:hiddenFill xmlns:a14="http://schemas.microsoft.com/office/drawing/2010/main">
+                <a:solidFill>
+                  <a:srgbClr val="FFFFFF"/>
+                </a:solidFill>
+              </a14:hiddenFill>
+            </a:ext>
+          </a:extLst>
+        </p:spPr>
+      </p:pic>
+    </p:spTree>
+    <p:extLst>
+      <p:ext uri="{BB962C8B-B14F-4D97-AF65-F5344CB8AC3E}">
+        <p14:creationId xmlns:p14="http://schemas.microsoft.com/office/powerpoint/2010/main" val="347741536"/>
+      </p:ext>
+    </p:extLst>
+  </p:cSld>
+  <p:clrMapOvr>
+    <a:masterClrMapping/>
+  </p:clrMapOvr>
+  <mc:AlternateContent xmlns:mc="http://schemas.openxmlformats.org/markup-compatibility/2006" xmlns:p14="http://schemas.microsoft.com/office/powerpoint/2010/main">
+    <mc:Choice Requires="p14">
+      <p:transition spd="med" p14:dur="700">
+        <p:fade/>
+      </p:transition>
+    </mc:Choice>
+    <mc:Fallback xmlns="">
+      <p:transition spd="med">
+        <p:fade/>
+      </p:transition>
+    </mc:Fallback>
+  </mc:AlternateContent>
+</p:sld>
+</file>
+
 <file path=ppt/slides/slide7.xml><?xml version="1.0" encoding="utf-8"?>
 <p:sld xmlns:a="http://schemas.openxmlformats.org/drawingml/2006/main" xmlns:r="http://schemas.openxmlformats.org/officeDocument/2006/relationships" xmlns:p="http://schemas.openxmlformats.org/presentationml/2006/main">
   <p:cSld>
@@ -10146,7 +12011,7 @@
           <p:cNvPr id="2" name="Title 1">
             <a:extLst>
               <a:ext uri="{FF2B5EF4-FFF2-40B4-BE49-F238E27FC236}">
-                <a16:creationId xmlns:a16="http://schemas.microsoft.com/office/drawing/2014/main" id="{BABD1CAC-6277-124D-AB33-8288E45C6348}"/>
+                <a16:creationId xmlns:a16="http://schemas.microsoft.com/office/drawing/2014/main" id="{167FB807-0881-FD4A-9B6E-D1C034DD1CD1}"/>
               </a:ext>
             </a:extLst>
           </p:cNvPr>
@@ -10164,7 +12029,7 @@
           <a:p>
             <a:r>
               <a:rPr lang="en-US" b="1" dirty="0"/>
-              <a:t>Total Cost of Ownership (TCO)</a:t>
+              <a:t>Unit vs. Integration Tests</a:t>
             </a:r>
           </a:p>
         </p:txBody>
@@ -10174,7 +12039,7 @@
           <p:cNvPr id="3" name="Content Placeholder 2">
             <a:extLst>
               <a:ext uri="{FF2B5EF4-FFF2-40B4-BE49-F238E27FC236}">
-                <a16:creationId xmlns:a16="http://schemas.microsoft.com/office/drawing/2014/main" id="{532B2E44-37C7-8E48-AA25-73DDC1961F4C}"/>
+                <a16:creationId xmlns:a16="http://schemas.microsoft.com/office/drawing/2014/main" id="{2F885BEF-EBDE-404D-90EE-74526E3FF980}"/>
               </a:ext>
             </a:extLst>
           </p:cNvPr>
@@ -10182,7 +12047,7 @@
             <a:spLocks noGrp="1"/>
           </p:cNvSpPr>
           <p:nvPr>
-            <p:ph idx="1"/>
+            <p:ph sz="half" idx="1"/>
           </p:nvPr>
         </p:nvSpPr>
         <p:spPr/>
@@ -10192,322 +12057,109 @@
           <a:p>
             <a:r>
               <a:rPr lang="en-US" dirty="0"/>
-              <a:t>The Total Cost of Ownership (TCO) of enterprise software is the sum of all direct and indirect costs incurred by that software.</a:t>
-            </a:r>
-          </a:p>
-          <a:p>
-            <a:pPr lvl="1"/>
-            <a:r>
-              <a:rPr lang="en-US" dirty="0"/>
-              <a:t>Software development is the biggest contributor.</a:t>
-            </a:r>
-          </a:p>
-          <a:p>
-            <a:r>
-              <a:rPr lang="en-US" dirty="0"/>
-              <a:t>TDD can significantly reduce the Total Cost of Ownership (TCO) of software development projects.</a:t>
-            </a:r>
-          </a:p>
-          <a:p>
-            <a:pPr lvl="1"/>
-            <a:r>
-              <a:rPr lang="en-US" dirty="0"/>
-              <a:t>Consider long-term maintenance and evolution.</a:t>
-            </a:r>
-          </a:p>
-          <a:p>
-            <a:pPr lvl="1"/>
-            <a:r>
-              <a:rPr lang="en-US" dirty="0"/>
-              <a:t>Technical debt can negatively impact TCO. </a:t>
-            </a:r>
-          </a:p>
-          <a:p>
-            <a:pPr lvl="1"/>
-            <a:r>
-              <a:rPr lang="en-US" dirty="0"/>
-              <a:t>Understanding and forecasting the TCO and is a critical part of the Return on Investment (ROI) calculation.</a:t>
-            </a:r>
+              <a:t>Isolated methods or functions.</a:t>
+            </a:r>
+          </a:p>
+          <a:p>
+            <a:r>
+              <a:rPr lang="en-US" dirty="0"/>
+              <a:t>Focus on allocating responsibility.</a:t>
+            </a:r>
+          </a:p>
+          <a:p>
+            <a:r>
+              <a:rPr lang="en-US" dirty="0"/>
+              <a:t>Execute quickly.</a:t>
+            </a:r>
+          </a:p>
+          <a:p>
+            <a:r>
+              <a:rPr lang="en-US" dirty="0"/>
+              <a:t>Test doubles usage.</a:t>
+            </a:r>
+          </a:p>
+          <a:p>
+            <a:r>
+              <a:rPr lang="en-US" dirty="0"/>
+              <a:t>Written along with code, hopefully test-first.</a:t>
+            </a:r>
+          </a:p>
+          <a:p>
+            <a:r>
+              <a:rPr lang="en-US" dirty="0"/>
+              <a:t>Created and maintained by developers.</a:t>
+            </a:r>
+          </a:p>
+          <a:p>
+            <a:endParaRPr lang="en-US" dirty="0"/>
+          </a:p>
+        </p:txBody>
+      </p:sp>
+      <p:sp>
+        <p:nvSpPr>
+          <p:cNvPr id="4" name="Content Placeholder 3">
+            <a:extLst>
+              <a:ext uri="{FF2B5EF4-FFF2-40B4-BE49-F238E27FC236}">
+                <a16:creationId xmlns:a16="http://schemas.microsoft.com/office/drawing/2014/main" id="{3D373A1D-D53B-4741-8567-F644D4ABF2F4}"/>
+              </a:ext>
+            </a:extLst>
+          </p:cNvPr>
+          <p:cNvSpPr>
+            <a:spLocks noGrp="1"/>
+          </p:cNvSpPr>
+          <p:nvPr>
+            <p:ph sz="half" idx="2"/>
+          </p:nvPr>
+        </p:nvSpPr>
+        <p:spPr/>
+        <p:txBody>
+          <a:bodyPr/>
+          <a:lstStyle/>
+          <a:p>
+            <a:r>
+              <a:rPr lang="en-US" dirty="0"/>
+              <a:t>Integrate components together.</a:t>
+            </a:r>
+          </a:p>
+          <a:p>
+            <a:r>
+              <a:rPr lang="en-US" dirty="0"/>
+              <a:t>Connect to databases, caches, messaging systems, external APIs, and other dependencies.</a:t>
+            </a:r>
+          </a:p>
+          <a:p>
+            <a:r>
+              <a:rPr lang="en-US" dirty="0"/>
+              <a:t>Execution can be slower.</a:t>
+            </a:r>
+          </a:p>
+          <a:p>
+            <a:r>
+              <a:rPr lang="en-US" dirty="0"/>
+              <a:t>External dependencies can be difficult to control.</a:t>
+            </a:r>
+          </a:p>
+          <a:p>
+            <a:r>
+              <a:rPr lang="en-US" dirty="0"/>
+              <a:t>Focus on verifying desired functionality.</a:t>
+            </a:r>
+          </a:p>
+          <a:p>
+            <a:endParaRPr lang="en-US" dirty="0"/>
           </a:p>
         </p:txBody>
       </p:sp>
     </p:spTree>
     <p:extLst>
       <p:ext uri="{BB962C8B-B14F-4D97-AF65-F5344CB8AC3E}">
-        <p14:creationId xmlns:p14="http://schemas.microsoft.com/office/powerpoint/2010/main" val="4039393474"/>
+        <p14:creationId xmlns:p14="http://schemas.microsoft.com/office/powerpoint/2010/main" val="61147624"/>
       </p:ext>
     </p:extLst>
   </p:cSld>
   <p:clrMapOvr>
     <a:masterClrMapping/>
   </p:clrMapOvr>
-  <mc:AlternateContent xmlns:mc="http://schemas.openxmlformats.org/markup-compatibility/2006" xmlns:p14="http://schemas.microsoft.com/office/powerpoint/2010/main">
-    <mc:Choice Requires="p14">
-      <p:transition spd="med" p14:dur="700">
-        <p:fade/>
-      </p:transition>
-    </mc:Choice>
-    <mc:Fallback xmlns="">
-      <p:transition spd="med">
-        <p:fade/>
-      </p:transition>
-    </mc:Fallback>
-  </mc:AlternateContent>
-  <p:timing>
-    <p:tnLst>
-      <p:par>
-        <p:cTn id="1" dur="indefinite" restart="never" nodeType="tmRoot">
-          <p:childTnLst>
-            <p:seq concurrent="1" nextAc="seek">
-              <p:cTn id="2" dur="indefinite" nodeType="mainSeq">
-                <p:childTnLst>
-                  <p:par>
-                    <p:cTn id="3" fill="hold">
-                      <p:stCondLst>
-                        <p:cond delay="indefinite"/>
-                      </p:stCondLst>
-                      <p:childTnLst>
-                        <p:par>
-                          <p:cTn id="4" fill="hold">
-                            <p:stCondLst>
-                              <p:cond delay="0"/>
-                            </p:stCondLst>
-                            <p:childTnLst>
-                              <p:par>
-                                <p:cTn id="5" presetID="1" presetClass="entr" presetSubtype="0" fill="hold" grpId="0" nodeType="clickEffect">
-                                  <p:stCondLst>
-                                    <p:cond delay="0"/>
-                                  </p:stCondLst>
-                                  <p:childTnLst>
-                                    <p:set>
-                                      <p:cBhvr>
-                                        <p:cTn id="6" dur="1" fill="hold">
-                                          <p:stCondLst>
-                                            <p:cond delay="0"/>
-                                          </p:stCondLst>
-                                        </p:cTn>
-                                        <p:tgtEl>
-                                          <p:spTgt spid="3">
-                                            <p:txEl>
-                                              <p:pRg st="0" end="0"/>
-                                            </p:txEl>
-                                          </p:spTgt>
-                                        </p:tgtEl>
-                                        <p:attrNameLst>
-                                          <p:attrName>style.visibility</p:attrName>
-                                        </p:attrNameLst>
-                                      </p:cBhvr>
-                                      <p:to>
-                                        <p:strVal val="visible"/>
-                                      </p:to>
-                                    </p:set>
-                                  </p:childTnLst>
-                                </p:cTn>
-                              </p:par>
-                              <p:par>
-                                <p:cTn id="7" presetID="1" presetClass="entr" presetSubtype="0" fill="hold" grpId="0" nodeType="withEffect">
-                                  <p:stCondLst>
-                                    <p:cond delay="0"/>
-                                  </p:stCondLst>
-                                  <p:childTnLst>
-                                    <p:set>
-                                      <p:cBhvr>
-                                        <p:cTn id="8" dur="1" fill="hold">
-                                          <p:stCondLst>
-                                            <p:cond delay="0"/>
-                                          </p:stCondLst>
-                                        </p:cTn>
-                                        <p:tgtEl>
-                                          <p:spTgt spid="3">
-                                            <p:txEl>
-                                              <p:pRg st="1" end="1"/>
-                                            </p:txEl>
-                                          </p:spTgt>
-                                        </p:tgtEl>
-                                        <p:attrNameLst>
-                                          <p:attrName>style.visibility</p:attrName>
-                                        </p:attrNameLst>
-                                      </p:cBhvr>
-                                      <p:to>
-                                        <p:strVal val="visible"/>
-                                      </p:to>
-                                    </p:set>
-                                  </p:childTnLst>
-                                </p:cTn>
-                              </p:par>
-                            </p:childTnLst>
-                          </p:cTn>
-                        </p:par>
-                      </p:childTnLst>
-                    </p:cTn>
-                  </p:par>
-                  <p:par>
-                    <p:cTn id="9" fill="hold">
-                      <p:stCondLst>
-                        <p:cond delay="indefinite"/>
-                      </p:stCondLst>
-                      <p:childTnLst>
-                        <p:par>
-                          <p:cTn id="10" fill="hold">
-                            <p:stCondLst>
-                              <p:cond delay="0"/>
-                            </p:stCondLst>
-                            <p:childTnLst>
-                              <p:par>
-                                <p:cTn id="11" presetID="1" presetClass="entr" presetSubtype="0" fill="hold" grpId="0" nodeType="clickEffect">
-                                  <p:stCondLst>
-                                    <p:cond delay="0"/>
-                                  </p:stCondLst>
-                                  <p:childTnLst>
-                                    <p:set>
-                                      <p:cBhvr>
-                                        <p:cTn id="12" dur="1" fill="hold">
-                                          <p:stCondLst>
-                                            <p:cond delay="0"/>
-                                          </p:stCondLst>
-                                        </p:cTn>
-                                        <p:tgtEl>
-                                          <p:spTgt spid="3">
-                                            <p:txEl>
-                                              <p:pRg st="2" end="2"/>
-                                            </p:txEl>
-                                          </p:spTgt>
-                                        </p:tgtEl>
-                                        <p:attrNameLst>
-                                          <p:attrName>style.visibility</p:attrName>
-                                        </p:attrNameLst>
-                                      </p:cBhvr>
-                                      <p:to>
-                                        <p:strVal val="visible"/>
-                                      </p:to>
-                                    </p:set>
-                                  </p:childTnLst>
-                                </p:cTn>
-                              </p:par>
-                              <p:par>
-                                <p:cTn id="13" presetID="1" presetClass="entr" presetSubtype="0" fill="hold" grpId="0" nodeType="withEffect">
-                                  <p:stCondLst>
-                                    <p:cond delay="0"/>
-                                  </p:stCondLst>
-                                  <p:childTnLst>
-                                    <p:set>
-                                      <p:cBhvr>
-                                        <p:cTn id="14" dur="1" fill="hold">
-                                          <p:stCondLst>
-                                            <p:cond delay="0"/>
-                                          </p:stCondLst>
-                                        </p:cTn>
-                                        <p:tgtEl>
-                                          <p:spTgt spid="3">
-                                            <p:txEl>
-                                              <p:pRg st="3" end="3"/>
-                                            </p:txEl>
-                                          </p:spTgt>
-                                        </p:tgtEl>
-                                        <p:attrNameLst>
-                                          <p:attrName>style.visibility</p:attrName>
-                                        </p:attrNameLst>
-                                      </p:cBhvr>
-                                      <p:to>
-                                        <p:strVal val="visible"/>
-                                      </p:to>
-                                    </p:set>
-                                  </p:childTnLst>
-                                </p:cTn>
-                              </p:par>
-                              <p:par>
-                                <p:cTn id="15" presetID="1" presetClass="entr" presetSubtype="0" fill="hold" grpId="0" nodeType="withEffect">
-                                  <p:stCondLst>
-                                    <p:cond delay="0"/>
-                                  </p:stCondLst>
-                                  <p:childTnLst>
-                                    <p:set>
-                                      <p:cBhvr>
-                                        <p:cTn id="16" dur="1" fill="hold">
-                                          <p:stCondLst>
-                                            <p:cond delay="0"/>
-                                          </p:stCondLst>
-                                        </p:cTn>
-                                        <p:tgtEl>
-                                          <p:spTgt spid="3">
-                                            <p:txEl>
-                                              <p:pRg st="4" end="4"/>
-                                            </p:txEl>
-                                          </p:spTgt>
-                                        </p:tgtEl>
-                                        <p:attrNameLst>
-                                          <p:attrName>style.visibility</p:attrName>
-                                        </p:attrNameLst>
-                                      </p:cBhvr>
-                                      <p:to>
-                                        <p:strVal val="visible"/>
-                                      </p:to>
-                                    </p:set>
-                                  </p:childTnLst>
-                                </p:cTn>
-                              </p:par>
-                              <p:par>
-                                <p:cTn id="17" presetID="1" presetClass="entr" presetSubtype="0" fill="hold" grpId="0" nodeType="withEffect">
-                                  <p:stCondLst>
-                                    <p:cond delay="0"/>
-                                  </p:stCondLst>
-                                  <p:childTnLst>
-                                    <p:set>
-                                      <p:cBhvr>
-                                        <p:cTn id="18" dur="1" fill="hold">
-                                          <p:stCondLst>
-                                            <p:cond delay="0"/>
-                                          </p:stCondLst>
-                                        </p:cTn>
-                                        <p:tgtEl>
-                                          <p:spTgt spid="3">
-                                            <p:txEl>
-                                              <p:pRg st="5" end="5"/>
-                                            </p:txEl>
-                                          </p:spTgt>
-                                        </p:tgtEl>
-                                        <p:attrNameLst>
-                                          <p:attrName>style.visibility</p:attrName>
-                                        </p:attrNameLst>
-                                      </p:cBhvr>
-                                      <p:to>
-                                        <p:strVal val="visible"/>
-                                      </p:to>
-                                    </p:set>
-                                  </p:childTnLst>
-                                </p:cTn>
-                              </p:par>
-                            </p:childTnLst>
-                          </p:cTn>
-                        </p:par>
-                      </p:childTnLst>
-                    </p:cTn>
-                  </p:par>
-                </p:childTnLst>
-              </p:cTn>
-              <p:prevCondLst>
-                <p:cond evt="onPrev" delay="0">
-                  <p:tgtEl>
-                    <p:sldTgt/>
-                  </p:tgtEl>
-                </p:cond>
-              </p:prevCondLst>
-              <p:nextCondLst>
-                <p:cond evt="onNext" delay="0">
-                  <p:tgtEl>
-                    <p:sldTgt/>
-                  </p:tgtEl>
-                </p:cond>
-              </p:nextCondLst>
-            </p:seq>
-          </p:childTnLst>
-        </p:cTn>
-      </p:par>
-    </p:tnLst>
-    <p:bldLst>
-      <p:bldP spid="3" grpId="0" build="p"/>
-    </p:bldLst>
-  </p:timing>
 </p:sld>
 </file>
 
@@ -10530,10 +12182,10 @@
       </p:grpSpPr>
       <p:sp>
         <p:nvSpPr>
-          <p:cNvPr id="2" name="Title 1">
+          <p:cNvPr id="5" name="Title 4">
             <a:extLst>
               <a:ext uri="{FF2B5EF4-FFF2-40B4-BE49-F238E27FC236}">
-                <a16:creationId xmlns:a16="http://schemas.microsoft.com/office/drawing/2014/main" id="{151C1DBB-24A4-CC42-B6F9-77BFFCE2EAF7}"/>
+                <a16:creationId xmlns:a16="http://schemas.microsoft.com/office/drawing/2014/main" id="{91C2DFAA-F0DA-2743-931C-1BFF5CF81AD9}"/>
               </a:ext>
             </a:extLst>
           </p:cNvPr>
@@ -10551,17 +12203,17 @@
           <a:p>
             <a:r>
               <a:rPr lang="en-US" b="1" dirty="0"/>
-              <a:t>What makes a good unit test</a:t>
+              <a:t>Unit testing focus</a:t>
             </a:r>
           </a:p>
         </p:txBody>
       </p:sp>
       <p:sp>
         <p:nvSpPr>
-          <p:cNvPr id="3" name="Content Placeholder 2">
+          <p:cNvPr id="6" name="Content Placeholder 5">
             <a:extLst>
               <a:ext uri="{FF2B5EF4-FFF2-40B4-BE49-F238E27FC236}">
-                <a16:creationId xmlns:a16="http://schemas.microsoft.com/office/drawing/2014/main" id="{113C95AF-BD19-484B-B3AA-AB4A57ACFFE1}"/>
+                <a16:creationId xmlns:a16="http://schemas.microsoft.com/office/drawing/2014/main" id="{394406EC-25CE-DF44-8CEB-C30CD59FC429}"/>
               </a:ext>
             </a:extLst>
           </p:cNvPr>
@@ -10579,360 +12231,70 @@
           <a:p>
             <a:r>
               <a:rPr lang="en-US" dirty="0"/>
-              <a:t>Tests should be…</a:t>
+              <a:t>Write unit tests as you write your code for each component.</a:t>
+            </a:r>
+          </a:p>
+          <a:p>
+            <a:r>
+              <a:rPr lang="en-US" dirty="0"/>
+              <a:t>Focus on collaborator interfaces, the contract between your code and the dependency.</a:t>
+            </a:r>
+          </a:p>
+          <a:p>
+            <a:r>
+              <a:rPr lang="en-US" dirty="0"/>
+              <a:t>Use unit tests to refactor your code, making it more communicative, more flexible for reuse and more open to adding new functionality.</a:t>
+            </a:r>
+          </a:p>
+          <a:p>
+            <a:r>
+              <a:rPr lang="en-US" dirty="0"/>
+              <a:t>Not much planning needed to start unit testing.</a:t>
             </a:r>
           </a:p>
           <a:p>
             <a:pPr lvl="1"/>
             <a:r>
               <a:rPr lang="en-US" dirty="0"/>
-              <a:t>Unique</a:t>
-            </a:r>
+              <a:t>Unit tests are isolated </a:t>
+            </a:r>
+            <a:r>
+              <a:rPr lang="en-US"/>
+              <a:t>from external dependencies</a:t>
+            </a:r>
+            <a:r>
+              <a:rPr lang="en-US" dirty="0"/>
+              <a:t>, so we don’t have to worry </a:t>
+            </a:r>
+            <a:r>
+              <a:rPr lang="en-US"/>
+              <a:t>about them.</a:t>
+            </a:r>
+            <a:endParaRPr lang="en-US" dirty="0"/>
           </a:p>
           <a:p>
             <a:pPr lvl="1"/>
             <a:r>
               <a:rPr lang="en-US" dirty="0"/>
-              <a:t>Written at the right level of abstraction</a:t>
+              <a:t>Just Do It!</a:t>
             </a:r>
           </a:p>
           <a:p>
             <a:pPr lvl="1"/>
-            <a:r>
-              <a:rPr lang="en-US" dirty="0"/>
-              <a:t>Expressive</a:t>
-            </a:r>
-          </a:p>
-          <a:p>
-            <a:pPr lvl="1"/>
-            <a:r>
-              <a:rPr lang="en-US" dirty="0"/>
-              <a:t>Based on acceptance criteria</a:t>
-            </a:r>
-          </a:p>
-          <a:p>
-            <a:pPr lvl="1"/>
-            <a:r>
-              <a:rPr lang="en-US" dirty="0"/>
-              <a:t>Implementation independent</a:t>
-            </a:r>
-          </a:p>
-          <a:p>
-            <a:r>
-              <a:rPr lang="en-US" dirty="0"/>
-              <a:t>Knowing how to write a good test is paramount to being successful with TDD. </a:t>
-            </a:r>
+            <a:endParaRPr lang="en-US" dirty="0"/>
           </a:p>
         </p:txBody>
       </p:sp>
     </p:spTree>
     <p:extLst>
       <p:ext uri="{BB962C8B-B14F-4D97-AF65-F5344CB8AC3E}">
-        <p14:creationId xmlns:p14="http://schemas.microsoft.com/office/powerpoint/2010/main" val="3808820023"/>
+        <p14:creationId xmlns:p14="http://schemas.microsoft.com/office/powerpoint/2010/main" val="3950663072"/>
       </p:ext>
     </p:extLst>
   </p:cSld>
   <p:clrMapOvr>
     <a:masterClrMapping/>
   </p:clrMapOvr>
-  <mc:AlternateContent xmlns:mc="http://schemas.openxmlformats.org/markup-compatibility/2006" xmlns:p14="http://schemas.microsoft.com/office/powerpoint/2010/main">
-    <mc:Choice Requires="p14">
-      <p:transition spd="med" p14:dur="700">
-        <p:fade/>
-      </p:transition>
-    </mc:Choice>
-    <mc:Fallback xmlns="">
-      <p:transition spd="med">
-        <p:fade/>
-      </p:transition>
-    </mc:Fallback>
-  </mc:AlternateContent>
-  <p:timing>
-    <p:tnLst>
-      <p:par>
-        <p:cTn id="1" dur="indefinite" restart="never" nodeType="tmRoot">
-          <p:childTnLst>
-            <p:seq concurrent="1" nextAc="seek">
-              <p:cTn id="2" dur="indefinite" nodeType="mainSeq">
-                <p:childTnLst>
-                  <p:par>
-                    <p:cTn id="3" fill="hold">
-                      <p:stCondLst>
-                        <p:cond delay="indefinite"/>
-                      </p:stCondLst>
-                      <p:childTnLst>
-                        <p:par>
-                          <p:cTn id="4" fill="hold">
-                            <p:stCondLst>
-                              <p:cond delay="0"/>
-                            </p:stCondLst>
-                            <p:childTnLst>
-                              <p:par>
-                                <p:cTn id="5" presetID="1" presetClass="entr" presetSubtype="0" fill="hold" grpId="0" nodeType="clickEffect">
-                                  <p:stCondLst>
-                                    <p:cond delay="0"/>
-                                  </p:stCondLst>
-                                  <p:childTnLst>
-                                    <p:set>
-                                      <p:cBhvr>
-                                        <p:cTn id="6" dur="1" fill="hold">
-                                          <p:stCondLst>
-                                            <p:cond delay="0"/>
-                                          </p:stCondLst>
-                                        </p:cTn>
-                                        <p:tgtEl>
-                                          <p:spTgt spid="3">
-                                            <p:txEl>
-                                              <p:pRg st="0" end="0"/>
-                                            </p:txEl>
-                                          </p:spTgt>
-                                        </p:tgtEl>
-                                        <p:attrNameLst>
-                                          <p:attrName>style.visibility</p:attrName>
-                                        </p:attrNameLst>
-                                      </p:cBhvr>
-                                      <p:to>
-                                        <p:strVal val="visible"/>
-                                      </p:to>
-                                    </p:set>
-                                  </p:childTnLst>
-                                </p:cTn>
-                              </p:par>
-                              <p:par>
-                                <p:cTn id="7" presetID="1" presetClass="entr" presetSubtype="0" fill="hold" grpId="0" nodeType="withEffect">
-                                  <p:stCondLst>
-                                    <p:cond delay="0"/>
-                                  </p:stCondLst>
-                                  <p:childTnLst>
-                                    <p:set>
-                                      <p:cBhvr>
-                                        <p:cTn id="8" dur="1" fill="hold">
-                                          <p:stCondLst>
-                                            <p:cond delay="0"/>
-                                          </p:stCondLst>
-                                        </p:cTn>
-                                        <p:tgtEl>
-                                          <p:spTgt spid="3">
-                                            <p:txEl>
-                                              <p:pRg st="1" end="1"/>
-                                            </p:txEl>
-                                          </p:spTgt>
-                                        </p:tgtEl>
-                                        <p:attrNameLst>
-                                          <p:attrName>style.visibility</p:attrName>
-                                        </p:attrNameLst>
-                                      </p:cBhvr>
-                                      <p:to>
-                                        <p:strVal val="visible"/>
-                                      </p:to>
-                                    </p:set>
-                                  </p:childTnLst>
-                                </p:cTn>
-                              </p:par>
-                              <p:par>
-                                <p:cTn id="9" presetID="1" presetClass="entr" presetSubtype="0" fill="hold" grpId="0" nodeType="withEffect">
-                                  <p:stCondLst>
-                                    <p:cond delay="0"/>
-                                  </p:stCondLst>
-                                  <p:childTnLst>
-                                    <p:set>
-                                      <p:cBhvr>
-                                        <p:cTn id="10" dur="1" fill="hold">
-                                          <p:stCondLst>
-                                            <p:cond delay="0"/>
-                                          </p:stCondLst>
-                                        </p:cTn>
-                                        <p:tgtEl>
-                                          <p:spTgt spid="3">
-                                            <p:txEl>
-                                              <p:pRg st="2" end="2"/>
-                                            </p:txEl>
-                                          </p:spTgt>
-                                        </p:tgtEl>
-                                        <p:attrNameLst>
-                                          <p:attrName>style.visibility</p:attrName>
-                                        </p:attrNameLst>
-                                      </p:cBhvr>
-                                      <p:to>
-                                        <p:strVal val="visible"/>
-                                      </p:to>
-                                    </p:set>
-                                  </p:childTnLst>
-                                </p:cTn>
-                              </p:par>
-                              <p:par>
-                                <p:cTn id="11" presetID="1" presetClass="entr" presetSubtype="0" fill="hold" grpId="0" nodeType="withEffect">
-                                  <p:stCondLst>
-                                    <p:cond delay="0"/>
-                                  </p:stCondLst>
-                                  <p:childTnLst>
-                                    <p:set>
-                                      <p:cBhvr>
-                                        <p:cTn id="12" dur="1" fill="hold">
-                                          <p:stCondLst>
-                                            <p:cond delay="0"/>
-                                          </p:stCondLst>
-                                        </p:cTn>
-                                        <p:tgtEl>
-                                          <p:spTgt spid="3">
-                                            <p:txEl>
-                                              <p:pRg st="3" end="3"/>
-                                            </p:txEl>
-                                          </p:spTgt>
-                                        </p:tgtEl>
-                                        <p:attrNameLst>
-                                          <p:attrName>style.visibility</p:attrName>
-                                        </p:attrNameLst>
-                                      </p:cBhvr>
-                                      <p:to>
-                                        <p:strVal val="visible"/>
-                                      </p:to>
-                                    </p:set>
-                                  </p:childTnLst>
-                                </p:cTn>
-                              </p:par>
-                              <p:par>
-                                <p:cTn id="13" presetID="1" presetClass="entr" presetSubtype="0" fill="hold" grpId="0" nodeType="withEffect">
-                                  <p:stCondLst>
-                                    <p:cond delay="0"/>
-                                  </p:stCondLst>
-                                  <p:childTnLst>
-                                    <p:set>
-                                      <p:cBhvr>
-                                        <p:cTn id="14" dur="1" fill="hold">
-                                          <p:stCondLst>
-                                            <p:cond delay="0"/>
-                                          </p:stCondLst>
-                                        </p:cTn>
-                                        <p:tgtEl>
-                                          <p:spTgt spid="3">
-                                            <p:txEl>
-                                              <p:pRg st="4" end="4"/>
-                                            </p:txEl>
-                                          </p:spTgt>
-                                        </p:tgtEl>
-                                        <p:attrNameLst>
-                                          <p:attrName>style.visibility</p:attrName>
-                                        </p:attrNameLst>
-                                      </p:cBhvr>
-                                      <p:to>
-                                        <p:strVal val="visible"/>
-                                      </p:to>
-                                    </p:set>
-                                  </p:childTnLst>
-                                </p:cTn>
-                              </p:par>
-                              <p:par>
-                                <p:cTn id="15" presetID="1" presetClass="entr" presetSubtype="0" fill="hold" grpId="0" nodeType="withEffect">
-                                  <p:stCondLst>
-                                    <p:cond delay="0"/>
-                                  </p:stCondLst>
-                                  <p:childTnLst>
-                                    <p:set>
-                                      <p:cBhvr>
-                                        <p:cTn id="16" dur="1" fill="hold">
-                                          <p:stCondLst>
-                                            <p:cond delay="0"/>
-                                          </p:stCondLst>
-                                        </p:cTn>
-                                        <p:tgtEl>
-                                          <p:spTgt spid="3">
-                                            <p:txEl>
-                                              <p:pRg st="5" end="5"/>
-                                            </p:txEl>
-                                          </p:spTgt>
-                                        </p:tgtEl>
-                                        <p:attrNameLst>
-                                          <p:attrName>style.visibility</p:attrName>
-                                        </p:attrNameLst>
-                                      </p:cBhvr>
-                                      <p:to>
-                                        <p:strVal val="visible"/>
-                                      </p:to>
-                                    </p:set>
-                                  </p:childTnLst>
-                                </p:cTn>
-                              </p:par>
-                            </p:childTnLst>
-                          </p:cTn>
-                        </p:par>
-                      </p:childTnLst>
-                    </p:cTn>
-                  </p:par>
-                  <p:par>
-                    <p:cTn id="17" fill="hold">
-                      <p:stCondLst>
-                        <p:cond delay="indefinite"/>
-                      </p:stCondLst>
-                      <p:childTnLst>
-                        <p:par>
-                          <p:cTn id="18" fill="hold">
-                            <p:stCondLst>
-                              <p:cond delay="0"/>
-                            </p:stCondLst>
-                            <p:childTnLst>
-                              <p:par>
-                                <p:cTn id="19" presetID="1" presetClass="entr" presetSubtype="0" fill="hold" grpId="0" nodeType="clickEffect">
-                                  <p:stCondLst>
-                                    <p:cond delay="0"/>
-                                  </p:stCondLst>
-                                  <p:childTnLst>
-                                    <p:set>
-                                      <p:cBhvr>
-                                        <p:cTn id="20" dur="1" fill="hold">
-                                          <p:stCondLst>
-                                            <p:cond delay="0"/>
-                                          </p:stCondLst>
-                                        </p:cTn>
-                                        <p:tgtEl>
-                                          <p:spTgt spid="3">
-                                            <p:txEl>
-                                              <p:pRg st="6" end="6"/>
-                                            </p:txEl>
-                                          </p:spTgt>
-                                        </p:tgtEl>
-                                        <p:attrNameLst>
-                                          <p:attrName>style.visibility</p:attrName>
-                                        </p:attrNameLst>
-                                      </p:cBhvr>
-                                      <p:to>
-                                        <p:strVal val="visible"/>
-                                      </p:to>
-                                    </p:set>
-                                  </p:childTnLst>
-                                </p:cTn>
-                              </p:par>
-                            </p:childTnLst>
-                          </p:cTn>
-                        </p:par>
-                      </p:childTnLst>
-                    </p:cTn>
-                  </p:par>
-                </p:childTnLst>
-              </p:cTn>
-              <p:prevCondLst>
-                <p:cond evt="onPrev" delay="0">
-                  <p:tgtEl>
-                    <p:sldTgt/>
-                  </p:tgtEl>
-                </p:cond>
-              </p:prevCondLst>
-              <p:nextCondLst>
-                <p:cond evt="onNext" delay="0">
-                  <p:tgtEl>
-                    <p:sldTgt/>
-                  </p:tgtEl>
-                </p:cond>
-              </p:nextCondLst>
-            </p:seq>
-          </p:childTnLst>
-        </p:cTn>
-      </p:par>
-    </p:tnLst>
-    <p:bldLst>
-      <p:bldP spid="3" grpId="0" build="p"/>
-    </p:bldLst>
-  </p:timing>
 </p:sld>
 </file>
 
@@ -10958,7 +12320,7 @@
           <p:cNvPr id="2" name="Title 1">
             <a:extLst>
               <a:ext uri="{FF2B5EF4-FFF2-40B4-BE49-F238E27FC236}">
-                <a16:creationId xmlns:a16="http://schemas.microsoft.com/office/drawing/2014/main" id="{338E4367-1A80-F749-9BE9-4F7E1DF506B7}"/>
+                <a16:creationId xmlns:a16="http://schemas.microsoft.com/office/drawing/2014/main" id="{DC370169-002A-674B-9A16-6C9EB2CF507E}"/>
               </a:ext>
             </a:extLst>
           </p:cNvPr>
@@ -10976,7 +12338,7 @@
           <a:p>
             <a:r>
               <a:rPr lang="en-US" b="1" dirty="0"/>
-              <a:t>Don’t be clever!</a:t>
+              <a:t>Integration testing focus</a:t>
             </a:r>
           </a:p>
         </p:txBody>
@@ -10986,7 +12348,7 @@
           <p:cNvPr id="3" name="Content Placeholder 2">
             <a:extLst>
               <a:ext uri="{FF2B5EF4-FFF2-40B4-BE49-F238E27FC236}">
-                <a16:creationId xmlns:a16="http://schemas.microsoft.com/office/drawing/2014/main" id="{900ACE45-F8A1-4742-BD1A-81A4DE26EE46}"/>
+                <a16:creationId xmlns:a16="http://schemas.microsoft.com/office/drawing/2014/main" id="{9E2D6893-80A7-A746-912D-8F713080675A}"/>
               </a:ext>
             </a:extLst>
           </p:cNvPr>
@@ -11004,52 +12366,46 @@
           <a:p>
             <a:r>
               <a:rPr lang="en-US" dirty="0"/>
-              <a:t>Prefer clarity over cleverness.</a:t>
-            </a:r>
-          </a:p>
-          <a:p>
-            <a:r>
-              <a:rPr lang="en-US" dirty="0"/>
-              <a:t>Developers spend much more time reading code than writing code. </a:t>
+              <a:t>Integration testing happens after you have written your components. </a:t>
+            </a:r>
+          </a:p>
+          <a:p>
+            <a:r>
+              <a:rPr lang="en-US" dirty="0"/>
+              <a:t>Ensures that the newly created components can be wired together with real dependencies to provide functionality.</a:t>
+            </a:r>
+          </a:p>
+          <a:p>
+            <a:r>
+              <a:rPr lang="en-US" dirty="0"/>
+              <a:t>Any deviations detected from integration testing can be used to add test coverage at the unit tests level and to influence code design decisions.</a:t>
+            </a:r>
+          </a:p>
+          <a:p>
+            <a:r>
+              <a:rPr lang="en-US" dirty="0"/>
+              <a:t>Integration testing requires significant planning.</a:t>
             </a:r>
           </a:p>
           <a:p>
             <a:pPr lvl="1"/>
             <a:r>
               <a:rPr lang="en-US" dirty="0"/>
-              <a:t>Optimize your source code for reading.</a:t>
-            </a:r>
-          </a:p>
-          <a:p>
-            <a:r>
-              <a:rPr lang="en-US" dirty="0"/>
-              <a:t>Make your code as easy to understand as you possibly can. </a:t>
-            </a:r>
-          </a:p>
-          <a:p>
-            <a:r>
-              <a:rPr lang="en-US" dirty="0"/>
-              <a:t>If you encounter code that is not easy to understand, take a little time to refactor it.</a:t>
-            </a:r>
-          </a:p>
-          <a:p>
-            <a:r>
-              <a:rPr lang="en-US" dirty="0"/>
-              <a:t>“Maintainable code is more important than clever code.” – Guido van Rossum, inventor of the Python language</a:t>
-            </a:r>
-          </a:p>
-          <a:p>
-            <a:r>
-              <a:rPr lang="en-US" dirty="0"/>
-              <a:t>“Simplicity is a prerequisite for reliability.”- </a:t>
-            </a:r>
-            <a:r>
-              <a:rPr lang="en-US" dirty="0" err="1"/>
-              <a:t>Edsger</a:t>
-            </a:r>
-            <a:r>
-              <a:rPr lang="en-US" dirty="0"/>
-              <a:t> W. Dijkstra</a:t>
+              <a:t>How will dependencies be managed for the integration test suite?</a:t>
+            </a:r>
+          </a:p>
+          <a:p>
+            <a:pPr lvl="1"/>
+            <a:r>
+              <a:rPr lang="en-US" dirty="0"/>
+              <a:t>How will state be managed between tests?</a:t>
+            </a:r>
+          </a:p>
+          <a:p>
+            <a:pPr lvl="1"/>
+            <a:r>
+              <a:rPr lang="en-US" dirty="0"/>
+              <a:t>How do we test with external dependencies that we cannot control?</a:t>
             </a:r>
           </a:p>
         </p:txBody>
@@ -11057,383 +12413,13 @@
     </p:spTree>
     <p:extLst>
       <p:ext uri="{BB962C8B-B14F-4D97-AF65-F5344CB8AC3E}">
-        <p14:creationId xmlns:p14="http://schemas.microsoft.com/office/powerpoint/2010/main" val="1259715462"/>
+        <p14:creationId xmlns:p14="http://schemas.microsoft.com/office/powerpoint/2010/main" val="425614017"/>
       </p:ext>
     </p:extLst>
   </p:cSld>
   <p:clrMapOvr>
     <a:masterClrMapping/>
   </p:clrMapOvr>
-  <mc:AlternateContent xmlns:mc="http://schemas.openxmlformats.org/markup-compatibility/2006" xmlns:p14="http://schemas.microsoft.com/office/powerpoint/2010/main">
-    <mc:Choice Requires="p14">
-      <p:transition spd="med" p14:dur="700">
-        <p:fade/>
-      </p:transition>
-    </mc:Choice>
-    <mc:Fallback xmlns="">
-      <p:transition spd="med">
-        <p:fade/>
-      </p:transition>
-    </mc:Fallback>
-  </mc:AlternateContent>
-  <p:timing>
-    <p:tnLst>
-      <p:par>
-        <p:cTn id="1" dur="indefinite" restart="never" nodeType="tmRoot">
-          <p:childTnLst>
-            <p:seq concurrent="1" nextAc="seek">
-              <p:cTn id="2" dur="indefinite" nodeType="mainSeq">
-                <p:childTnLst>
-                  <p:par>
-                    <p:cTn id="3" fill="hold">
-                      <p:stCondLst>
-                        <p:cond delay="indefinite"/>
-                      </p:stCondLst>
-                      <p:childTnLst>
-                        <p:par>
-                          <p:cTn id="4" fill="hold">
-                            <p:stCondLst>
-                              <p:cond delay="0"/>
-                            </p:stCondLst>
-                            <p:childTnLst>
-                              <p:par>
-                                <p:cTn id="5" presetID="1" presetClass="entr" presetSubtype="0" fill="hold" grpId="0" nodeType="clickEffect">
-                                  <p:stCondLst>
-                                    <p:cond delay="0"/>
-                                  </p:stCondLst>
-                                  <p:childTnLst>
-                                    <p:set>
-                                      <p:cBhvr>
-                                        <p:cTn id="6" dur="1" fill="hold">
-                                          <p:stCondLst>
-                                            <p:cond delay="0"/>
-                                          </p:stCondLst>
-                                        </p:cTn>
-                                        <p:tgtEl>
-                                          <p:spTgt spid="3">
-                                            <p:txEl>
-                                              <p:pRg st="0" end="0"/>
-                                            </p:txEl>
-                                          </p:spTgt>
-                                        </p:tgtEl>
-                                        <p:attrNameLst>
-                                          <p:attrName>style.visibility</p:attrName>
-                                        </p:attrNameLst>
-                                      </p:cBhvr>
-                                      <p:to>
-                                        <p:strVal val="visible"/>
-                                      </p:to>
-                                    </p:set>
-                                  </p:childTnLst>
-                                </p:cTn>
-                              </p:par>
-                            </p:childTnLst>
-                          </p:cTn>
-                        </p:par>
-                      </p:childTnLst>
-                    </p:cTn>
-                  </p:par>
-                  <p:par>
-                    <p:cTn id="7" fill="hold">
-                      <p:stCondLst>
-                        <p:cond delay="indefinite"/>
-                      </p:stCondLst>
-                      <p:childTnLst>
-                        <p:par>
-                          <p:cTn id="8" fill="hold">
-                            <p:stCondLst>
-                              <p:cond delay="0"/>
-                            </p:stCondLst>
-                            <p:childTnLst>
-                              <p:par>
-                                <p:cTn id="9" presetID="1" presetClass="entr" presetSubtype="0" fill="hold" grpId="0" nodeType="clickEffect">
-                                  <p:stCondLst>
-                                    <p:cond delay="0"/>
-                                  </p:stCondLst>
-                                  <p:childTnLst>
-                                    <p:set>
-                                      <p:cBhvr>
-                                        <p:cTn id="10" dur="1" fill="hold">
-                                          <p:stCondLst>
-                                            <p:cond delay="0"/>
-                                          </p:stCondLst>
-                                        </p:cTn>
-                                        <p:tgtEl>
-                                          <p:spTgt spid="3">
-                                            <p:txEl>
-                                              <p:pRg st="1" end="1"/>
-                                            </p:txEl>
-                                          </p:spTgt>
-                                        </p:tgtEl>
-                                        <p:attrNameLst>
-                                          <p:attrName>style.visibility</p:attrName>
-                                        </p:attrNameLst>
-                                      </p:cBhvr>
-                                      <p:to>
-                                        <p:strVal val="visible"/>
-                                      </p:to>
-                                    </p:set>
-                                  </p:childTnLst>
-                                </p:cTn>
-                              </p:par>
-                              <p:par>
-                                <p:cTn id="11" presetID="1" presetClass="entr" presetSubtype="0" fill="hold" grpId="0" nodeType="withEffect">
-                                  <p:stCondLst>
-                                    <p:cond delay="0"/>
-                                  </p:stCondLst>
-                                  <p:childTnLst>
-                                    <p:set>
-                                      <p:cBhvr>
-                                        <p:cTn id="12" dur="1" fill="hold">
-                                          <p:stCondLst>
-                                            <p:cond delay="0"/>
-                                          </p:stCondLst>
-                                        </p:cTn>
-                                        <p:tgtEl>
-                                          <p:spTgt spid="3">
-                                            <p:txEl>
-                                              <p:pRg st="2" end="2"/>
-                                            </p:txEl>
-                                          </p:spTgt>
-                                        </p:tgtEl>
-                                        <p:attrNameLst>
-                                          <p:attrName>style.visibility</p:attrName>
-                                        </p:attrNameLst>
-                                      </p:cBhvr>
-                                      <p:to>
-                                        <p:strVal val="visible"/>
-                                      </p:to>
-                                    </p:set>
-                                  </p:childTnLst>
-                                </p:cTn>
-                              </p:par>
-                            </p:childTnLst>
-                          </p:cTn>
-                        </p:par>
-                      </p:childTnLst>
-                    </p:cTn>
-                  </p:par>
-                  <p:par>
-                    <p:cTn id="13" fill="hold">
-                      <p:stCondLst>
-                        <p:cond delay="indefinite"/>
-                      </p:stCondLst>
-                      <p:childTnLst>
-                        <p:par>
-                          <p:cTn id="14" fill="hold">
-                            <p:stCondLst>
-                              <p:cond delay="0"/>
-                            </p:stCondLst>
-                            <p:childTnLst>
-                              <p:par>
-                                <p:cTn id="15" presetID="1" presetClass="entr" presetSubtype="0" fill="hold" grpId="0" nodeType="clickEffect">
-                                  <p:stCondLst>
-                                    <p:cond delay="0"/>
-                                  </p:stCondLst>
-                                  <p:childTnLst>
-                                    <p:set>
-                                      <p:cBhvr>
-                                        <p:cTn id="16" dur="1" fill="hold">
-                                          <p:stCondLst>
-                                            <p:cond delay="0"/>
-                                          </p:stCondLst>
-                                        </p:cTn>
-                                        <p:tgtEl>
-                                          <p:spTgt spid="3">
-                                            <p:txEl>
-                                              <p:pRg st="3" end="3"/>
-                                            </p:txEl>
-                                          </p:spTgt>
-                                        </p:tgtEl>
-                                        <p:attrNameLst>
-                                          <p:attrName>style.visibility</p:attrName>
-                                        </p:attrNameLst>
-                                      </p:cBhvr>
-                                      <p:to>
-                                        <p:strVal val="visible"/>
-                                      </p:to>
-                                    </p:set>
-                                  </p:childTnLst>
-                                </p:cTn>
-                              </p:par>
-                            </p:childTnLst>
-                          </p:cTn>
-                        </p:par>
-                      </p:childTnLst>
-                    </p:cTn>
-                  </p:par>
-                  <p:par>
-                    <p:cTn id="17" fill="hold">
-                      <p:stCondLst>
-                        <p:cond delay="indefinite"/>
-                      </p:stCondLst>
-                      <p:childTnLst>
-                        <p:par>
-                          <p:cTn id="18" fill="hold">
-                            <p:stCondLst>
-                              <p:cond delay="0"/>
-                            </p:stCondLst>
-                            <p:childTnLst>
-                              <p:par>
-                                <p:cTn id="19" presetID="1" presetClass="entr" presetSubtype="0" fill="hold" grpId="0" nodeType="clickEffect">
-                                  <p:stCondLst>
-                                    <p:cond delay="0"/>
-                                  </p:stCondLst>
-                                  <p:childTnLst>
-                                    <p:set>
-                                      <p:cBhvr>
-                                        <p:cTn id="20" dur="1" fill="hold">
-                                          <p:stCondLst>
-                                            <p:cond delay="0"/>
-                                          </p:stCondLst>
-                                        </p:cTn>
-                                        <p:tgtEl>
-                                          <p:spTgt spid="3">
-                                            <p:txEl>
-                                              <p:pRg st="4" end="4"/>
-                                            </p:txEl>
-                                          </p:spTgt>
-                                        </p:tgtEl>
-                                        <p:attrNameLst>
-                                          <p:attrName>style.visibility</p:attrName>
-                                        </p:attrNameLst>
-                                      </p:cBhvr>
-                                      <p:to>
-                                        <p:strVal val="visible"/>
-                                      </p:to>
-                                    </p:set>
-                                  </p:childTnLst>
-                                </p:cTn>
-                              </p:par>
-                            </p:childTnLst>
-                          </p:cTn>
-                        </p:par>
-                      </p:childTnLst>
-                    </p:cTn>
-                  </p:par>
-                  <p:par>
-                    <p:cTn id="21" fill="hold">
-                      <p:stCondLst>
-                        <p:cond delay="indefinite"/>
-                      </p:stCondLst>
-                      <p:childTnLst>
-                        <p:par>
-                          <p:cTn id="22" fill="hold">
-                            <p:stCondLst>
-                              <p:cond delay="0"/>
-                            </p:stCondLst>
-                            <p:childTnLst>
-                              <p:par>
-                                <p:cTn id="23" presetID="1" presetClass="entr" presetSubtype="0" fill="hold" grpId="0" nodeType="clickEffect">
-                                  <p:stCondLst>
-                                    <p:cond delay="0"/>
-                                  </p:stCondLst>
-                                  <p:childTnLst>
-                                    <p:set>
-                                      <p:cBhvr>
-                                        <p:cTn id="24" dur="1" fill="hold">
-                                          <p:stCondLst>
-                                            <p:cond delay="0"/>
-                                          </p:stCondLst>
-                                        </p:cTn>
-                                        <p:tgtEl>
-                                          <p:spTgt spid="3">
-                                            <p:txEl>
-                                              <p:pRg st="5" end="5"/>
-                                            </p:txEl>
-                                          </p:spTgt>
-                                        </p:tgtEl>
-                                        <p:attrNameLst>
-                                          <p:attrName>style.visibility</p:attrName>
-                                        </p:attrNameLst>
-                                      </p:cBhvr>
-                                      <p:to>
-                                        <p:strVal val="visible"/>
-                                      </p:to>
-                                    </p:set>
-                                  </p:childTnLst>
-                                </p:cTn>
-                              </p:par>
-                            </p:childTnLst>
-                          </p:cTn>
-                        </p:par>
-                      </p:childTnLst>
-                    </p:cTn>
-                  </p:par>
-                  <p:par>
-                    <p:cTn id="25" fill="hold">
-                      <p:stCondLst>
-                        <p:cond delay="indefinite"/>
-                      </p:stCondLst>
-                      <p:childTnLst>
-                        <p:par>
-                          <p:cTn id="26" fill="hold">
-                            <p:stCondLst>
-                              <p:cond delay="0"/>
-                            </p:stCondLst>
-                            <p:childTnLst>
-                              <p:par>
-                                <p:cTn id="27" presetID="1" presetClass="entr" presetSubtype="0" fill="hold" grpId="0" nodeType="clickEffect">
-                                  <p:stCondLst>
-                                    <p:cond delay="0"/>
-                                  </p:stCondLst>
-                                  <p:childTnLst>
-                                    <p:set>
-                                      <p:cBhvr>
-                                        <p:cTn id="28" dur="1" fill="hold">
-                                          <p:stCondLst>
-                                            <p:cond delay="0"/>
-                                          </p:stCondLst>
-                                        </p:cTn>
-                                        <p:tgtEl>
-                                          <p:spTgt spid="3">
-                                            <p:txEl>
-                                              <p:pRg st="6" end="6"/>
-                                            </p:txEl>
-                                          </p:spTgt>
-                                        </p:tgtEl>
-                                        <p:attrNameLst>
-                                          <p:attrName>style.visibility</p:attrName>
-                                        </p:attrNameLst>
-                                      </p:cBhvr>
-                                      <p:to>
-                                        <p:strVal val="visible"/>
-                                      </p:to>
-                                    </p:set>
-                                  </p:childTnLst>
-                                </p:cTn>
-                              </p:par>
-                            </p:childTnLst>
-                          </p:cTn>
-                        </p:par>
-                      </p:childTnLst>
-                    </p:cTn>
-                  </p:par>
-                </p:childTnLst>
-              </p:cTn>
-              <p:prevCondLst>
-                <p:cond evt="onPrev" delay="0">
-                  <p:tgtEl>
-                    <p:sldTgt/>
-                  </p:tgtEl>
-                </p:cond>
-              </p:prevCondLst>
-              <p:nextCondLst>
-                <p:cond evt="onNext" delay="0">
-                  <p:tgtEl>
-                    <p:sldTgt/>
-                  </p:tgtEl>
-                </p:cond>
-              </p:nextCondLst>
-            </p:seq>
-          </p:childTnLst>
-        </p:cTn>
-      </p:par>
-    </p:tnLst>
-    <p:bldLst>
-      <p:bldP spid="3" grpId="0" build="p"/>
-    </p:bldLst>
-  </p:timing>
 </p:sld>
 </file>
 

--- a/presentations/Introduction to Test-Driven Development.pptx
+++ b/presentations/Introduction to Test-Driven Development.pptx
@@ -10,16 +10,16 @@
   <p:sldIdLst>
     <p:sldId id="256" r:id="rId2"/>
     <p:sldId id="282" r:id="rId3"/>
-    <p:sldId id="260" r:id="rId4"/>
-    <p:sldId id="275" r:id="rId5"/>
-    <p:sldId id="258" r:id="rId6"/>
-    <p:sldId id="267" r:id="rId7"/>
-    <p:sldId id="289" r:id="rId8"/>
-    <p:sldId id="292" r:id="rId9"/>
-    <p:sldId id="293" r:id="rId10"/>
-    <p:sldId id="290" r:id="rId11"/>
-    <p:sldId id="291" r:id="rId12"/>
-    <p:sldId id="287" r:id="rId13"/>
+    <p:sldId id="287" r:id="rId4"/>
+    <p:sldId id="260" r:id="rId5"/>
+    <p:sldId id="275" r:id="rId6"/>
+    <p:sldId id="258" r:id="rId7"/>
+    <p:sldId id="267" r:id="rId8"/>
+    <p:sldId id="289" r:id="rId9"/>
+    <p:sldId id="292" r:id="rId10"/>
+    <p:sldId id="293" r:id="rId11"/>
+    <p:sldId id="290" r:id="rId12"/>
+    <p:sldId id="291" r:id="rId13"/>
     <p:sldId id="284" r:id="rId14"/>
     <p:sldId id="273" r:id="rId15"/>
     <p:sldId id="276" r:id="rId16"/>
@@ -3887,6 +3887,131 @@
 <file path=ppt/slides/slide10.xml><?xml version="1.0" encoding="utf-8"?>
 <p:sld xmlns:a="http://schemas.openxmlformats.org/drawingml/2006/main" xmlns:r="http://schemas.openxmlformats.org/officeDocument/2006/relationships" xmlns:p="http://schemas.openxmlformats.org/presentationml/2006/main">
   <p:cSld>
+    <p:spTree>
+      <p:nvGrpSpPr>
+        <p:cNvPr id="1" name=""/>
+        <p:cNvGrpSpPr/>
+        <p:nvPr/>
+      </p:nvGrpSpPr>
+      <p:grpSpPr>
+        <a:xfrm>
+          <a:off x="0" y="0"/>
+          <a:ext cx="0" cy="0"/>
+          <a:chOff x="0" y="0"/>
+          <a:chExt cx="0" cy="0"/>
+        </a:xfrm>
+      </p:grpSpPr>
+      <p:sp>
+        <p:nvSpPr>
+          <p:cNvPr id="2" name="Title 1">
+            <a:extLst>
+              <a:ext uri="{FF2B5EF4-FFF2-40B4-BE49-F238E27FC236}">
+                <a16:creationId xmlns:a16="http://schemas.microsoft.com/office/drawing/2014/main" id="{DC370169-002A-674B-9A16-6C9EB2CF507E}"/>
+              </a:ext>
+            </a:extLst>
+          </p:cNvPr>
+          <p:cNvSpPr>
+            <a:spLocks noGrp="1"/>
+          </p:cNvSpPr>
+          <p:nvPr>
+            <p:ph type="title"/>
+          </p:nvPr>
+        </p:nvSpPr>
+        <p:spPr/>
+        <p:txBody>
+          <a:bodyPr/>
+          <a:lstStyle/>
+          <a:p>
+            <a:r>
+              <a:rPr lang="en-US" b="1" dirty="0"/>
+              <a:t>Integration testing focus</a:t>
+            </a:r>
+          </a:p>
+        </p:txBody>
+      </p:sp>
+      <p:sp>
+        <p:nvSpPr>
+          <p:cNvPr id="3" name="Content Placeholder 2">
+            <a:extLst>
+              <a:ext uri="{FF2B5EF4-FFF2-40B4-BE49-F238E27FC236}">
+                <a16:creationId xmlns:a16="http://schemas.microsoft.com/office/drawing/2014/main" id="{9E2D6893-80A7-A746-912D-8F713080675A}"/>
+              </a:ext>
+            </a:extLst>
+          </p:cNvPr>
+          <p:cNvSpPr>
+            <a:spLocks noGrp="1"/>
+          </p:cNvSpPr>
+          <p:nvPr>
+            <p:ph idx="1"/>
+          </p:nvPr>
+        </p:nvSpPr>
+        <p:spPr/>
+        <p:txBody>
+          <a:bodyPr/>
+          <a:lstStyle/>
+          <a:p>
+            <a:r>
+              <a:rPr lang="en-US" dirty="0"/>
+              <a:t>Integration testing happens after you have written your components. </a:t>
+            </a:r>
+          </a:p>
+          <a:p>
+            <a:r>
+              <a:rPr lang="en-US" dirty="0"/>
+              <a:t>Ensures that the newly created components can be wired together with real dependencies to provide functionality.</a:t>
+            </a:r>
+          </a:p>
+          <a:p>
+            <a:r>
+              <a:rPr lang="en-US" dirty="0"/>
+              <a:t>Any deviations detected from integration testing can be used to add test coverage at the unit tests level and to influence code design decisions.</a:t>
+            </a:r>
+          </a:p>
+          <a:p>
+            <a:r>
+              <a:rPr lang="en-US" dirty="0"/>
+              <a:t>Integration testing requires significant planning.</a:t>
+            </a:r>
+          </a:p>
+          <a:p>
+            <a:pPr lvl="1"/>
+            <a:r>
+              <a:rPr lang="en-US" dirty="0"/>
+              <a:t>How will dependencies be managed for the integration test suite?</a:t>
+            </a:r>
+          </a:p>
+          <a:p>
+            <a:pPr lvl="1"/>
+            <a:r>
+              <a:rPr lang="en-US" dirty="0"/>
+              <a:t>How will state be managed between tests?</a:t>
+            </a:r>
+          </a:p>
+          <a:p>
+            <a:pPr lvl="1"/>
+            <a:r>
+              <a:rPr lang="en-US" dirty="0"/>
+              <a:t>How do we test with external dependencies that we cannot control?</a:t>
+            </a:r>
+          </a:p>
+        </p:txBody>
+      </p:sp>
+    </p:spTree>
+    <p:extLst>
+      <p:ext uri="{BB962C8B-B14F-4D97-AF65-F5344CB8AC3E}">
+        <p14:creationId xmlns:p14="http://schemas.microsoft.com/office/powerpoint/2010/main" val="425614017"/>
+      </p:ext>
+    </p:extLst>
+  </p:cSld>
+  <p:clrMapOvr>
+    <a:masterClrMapping/>
+  </p:clrMapOvr>
+</p:sld>
+</file>
+
+<file path=ppt/slides/slide11.xml><?xml version="1.0" encoding="utf-8"?>
+<p:sld xmlns:a="http://schemas.openxmlformats.org/drawingml/2006/main" xmlns:r="http://schemas.openxmlformats.org/officeDocument/2006/relationships" xmlns:p="http://schemas.openxmlformats.org/presentationml/2006/main">
+  <p:cSld>
     <p:bg>
       <p:bgPr>
         <a:solidFill>
@@ -4100,7 +4225,7 @@
 </p:sld>
 </file>
 
-<file path=ppt/slides/slide11.xml><?xml version="1.0" encoding="utf-8"?>
+<file path=ppt/slides/slide12.xml><?xml version="1.0" encoding="utf-8"?>
 <p:sld xmlns:a="http://schemas.openxmlformats.org/drawingml/2006/main" xmlns:r="http://schemas.openxmlformats.org/officeDocument/2006/relationships" xmlns:p="http://schemas.openxmlformats.org/presentationml/2006/main">
   <p:cSld>
     <p:spTree>
@@ -4222,469 +4347,6 @@
   <p:clrMapOvr>
     <a:masterClrMapping/>
   </p:clrMapOvr>
-</p:sld>
-</file>
-
-<file path=ppt/slides/slide12.xml><?xml version="1.0" encoding="utf-8"?>
-<p:sld xmlns:a="http://schemas.openxmlformats.org/drawingml/2006/main" xmlns:r="http://schemas.openxmlformats.org/officeDocument/2006/relationships" xmlns:p="http://schemas.openxmlformats.org/presentationml/2006/main">
-  <p:cSld>
-    <p:spTree>
-      <p:nvGrpSpPr>
-        <p:cNvPr id="1" name=""/>
-        <p:cNvGrpSpPr/>
-        <p:nvPr/>
-      </p:nvGrpSpPr>
-      <p:grpSpPr>
-        <a:xfrm>
-          <a:off x="0" y="0"/>
-          <a:ext cx="0" cy="0"/>
-          <a:chOff x="0" y="0"/>
-          <a:chExt cx="0" cy="0"/>
-        </a:xfrm>
-      </p:grpSpPr>
-      <p:sp>
-        <p:nvSpPr>
-          <p:cNvPr id="2" name="Title 1">
-            <a:extLst>
-              <a:ext uri="{FF2B5EF4-FFF2-40B4-BE49-F238E27FC236}">
-                <a16:creationId xmlns:a16="http://schemas.microsoft.com/office/drawing/2014/main" id="{977B8AF1-3C5A-5B40-A022-7A684DB3C5B7}"/>
-              </a:ext>
-            </a:extLst>
-          </p:cNvPr>
-          <p:cNvSpPr>
-            <a:spLocks noGrp="1"/>
-          </p:cNvSpPr>
-          <p:nvPr>
-            <p:ph type="title"/>
-          </p:nvPr>
-        </p:nvSpPr>
-        <p:spPr/>
-        <p:txBody>
-          <a:bodyPr/>
-          <a:lstStyle/>
-          <a:p>
-            <a:r>
-              <a:rPr lang="en-US" b="1" dirty="0"/>
-              <a:t>Managing fear during programming</a:t>
-            </a:r>
-          </a:p>
-        </p:txBody>
-      </p:sp>
-      <p:sp>
-        <p:nvSpPr>
-          <p:cNvPr id="3" name="Content Placeholder 2">
-            <a:extLst>
-              <a:ext uri="{FF2B5EF4-FFF2-40B4-BE49-F238E27FC236}">
-                <a16:creationId xmlns:a16="http://schemas.microsoft.com/office/drawing/2014/main" id="{62151239-2C8C-5C47-B029-8E279A296E76}"/>
-              </a:ext>
-            </a:extLst>
-          </p:cNvPr>
-          <p:cNvSpPr>
-            <a:spLocks noGrp="1"/>
-          </p:cNvSpPr>
-          <p:nvPr>
-            <p:ph idx="1"/>
-          </p:nvPr>
-        </p:nvSpPr>
-        <p:spPr/>
-        <p:txBody>
-          <a:bodyPr/>
-          <a:lstStyle/>
-          <a:p>
-            <a:r>
-              <a:rPr lang="en-US" dirty="0"/>
-              <a:t>Fear makes you…</a:t>
-            </a:r>
-          </a:p>
-          <a:p>
-            <a:pPr lvl="1"/>
-            <a:r>
-              <a:rPr lang="en-US" dirty="0"/>
-              <a:t>Tentative</a:t>
-            </a:r>
-          </a:p>
-          <a:p>
-            <a:pPr lvl="1"/>
-            <a:r>
-              <a:rPr lang="en-US" dirty="0"/>
-              <a:t>Communicate less</a:t>
-            </a:r>
-          </a:p>
-          <a:p>
-            <a:pPr lvl="1"/>
-            <a:r>
-              <a:rPr lang="en-US" dirty="0"/>
-              <a:t>Avoid feedback</a:t>
-            </a:r>
-          </a:p>
-          <a:p>
-            <a:r>
-              <a:rPr lang="en-US" dirty="0"/>
-              <a:t>Test-driven development provides us with courage to</a:t>
-            </a:r>
-          </a:p>
-          <a:p>
-            <a:pPr lvl="1"/>
-            <a:r>
-              <a:rPr lang="en-US" dirty="0"/>
-              <a:t>Begin learning as quickly as possible</a:t>
-            </a:r>
-          </a:p>
-          <a:p>
-            <a:pPr lvl="1"/>
-            <a:r>
-              <a:rPr lang="en-US" dirty="0"/>
-              <a:t>Communicate clearly</a:t>
-            </a:r>
-          </a:p>
-          <a:p>
-            <a:pPr lvl="1"/>
-            <a:r>
-              <a:rPr lang="en-US" dirty="0"/>
-              <a:t>Search out concrete, helpful feedback</a:t>
-            </a:r>
-          </a:p>
-        </p:txBody>
-      </p:sp>
-    </p:spTree>
-    <p:extLst>
-      <p:ext uri="{BB962C8B-B14F-4D97-AF65-F5344CB8AC3E}">
-        <p14:creationId xmlns:p14="http://schemas.microsoft.com/office/powerpoint/2010/main" val="1950738135"/>
-      </p:ext>
-    </p:extLst>
-  </p:cSld>
-  <p:clrMapOvr>
-    <a:masterClrMapping/>
-  </p:clrMapOvr>
-  <mc:AlternateContent xmlns:mc="http://schemas.openxmlformats.org/markup-compatibility/2006" xmlns:p14="http://schemas.microsoft.com/office/powerpoint/2010/main">
-    <mc:Choice Requires="p14">
-      <p:transition spd="med" p14:dur="700">
-        <p:fade/>
-      </p:transition>
-    </mc:Choice>
-    <mc:Fallback xmlns="">
-      <p:transition spd="med">
-        <p:fade/>
-      </p:transition>
-    </mc:Fallback>
-  </mc:AlternateContent>
-  <p:timing>
-    <p:tnLst>
-      <p:par>
-        <p:cTn id="1" dur="indefinite" restart="never" nodeType="tmRoot">
-          <p:childTnLst>
-            <p:seq concurrent="1" nextAc="seek">
-              <p:cTn id="2" dur="indefinite" nodeType="mainSeq">
-                <p:childTnLst>
-                  <p:par>
-                    <p:cTn id="3" fill="hold">
-                      <p:stCondLst>
-                        <p:cond delay="indefinite"/>
-                      </p:stCondLst>
-                      <p:childTnLst>
-                        <p:par>
-                          <p:cTn id="4" fill="hold">
-                            <p:stCondLst>
-                              <p:cond delay="0"/>
-                            </p:stCondLst>
-                            <p:childTnLst>
-                              <p:par>
-                                <p:cTn id="5" presetID="1" presetClass="entr" presetSubtype="0" fill="hold" grpId="0" nodeType="clickEffect">
-                                  <p:stCondLst>
-                                    <p:cond delay="0"/>
-                                  </p:stCondLst>
-                                  <p:childTnLst>
-                                    <p:set>
-                                      <p:cBhvr>
-                                        <p:cTn id="6" dur="1" fill="hold">
-                                          <p:stCondLst>
-                                            <p:cond delay="0"/>
-                                          </p:stCondLst>
-                                        </p:cTn>
-                                        <p:tgtEl>
-                                          <p:spTgt spid="3">
-                                            <p:txEl>
-                                              <p:pRg st="0" end="0"/>
-                                            </p:txEl>
-                                          </p:spTgt>
-                                        </p:tgtEl>
-                                        <p:attrNameLst>
-                                          <p:attrName>style.visibility</p:attrName>
-                                        </p:attrNameLst>
-                                      </p:cBhvr>
-                                      <p:to>
-                                        <p:strVal val="visible"/>
-                                      </p:to>
-                                    </p:set>
-                                  </p:childTnLst>
-                                </p:cTn>
-                              </p:par>
-                              <p:par>
-                                <p:cTn id="7" presetID="1" presetClass="entr" presetSubtype="0" fill="hold" grpId="0" nodeType="withEffect">
-                                  <p:stCondLst>
-                                    <p:cond delay="0"/>
-                                  </p:stCondLst>
-                                  <p:childTnLst>
-                                    <p:set>
-                                      <p:cBhvr>
-                                        <p:cTn id="8" dur="1" fill="hold">
-                                          <p:stCondLst>
-                                            <p:cond delay="0"/>
-                                          </p:stCondLst>
-                                        </p:cTn>
-                                        <p:tgtEl>
-                                          <p:spTgt spid="3">
-                                            <p:txEl>
-                                              <p:pRg st="1" end="1"/>
-                                            </p:txEl>
-                                          </p:spTgt>
-                                        </p:tgtEl>
-                                        <p:attrNameLst>
-                                          <p:attrName>style.visibility</p:attrName>
-                                        </p:attrNameLst>
-                                      </p:cBhvr>
-                                      <p:to>
-                                        <p:strVal val="visible"/>
-                                      </p:to>
-                                    </p:set>
-                                  </p:childTnLst>
-                                </p:cTn>
-                              </p:par>
-                              <p:par>
-                                <p:cTn id="9" presetID="1" presetClass="entr" presetSubtype="0" fill="hold" grpId="0" nodeType="withEffect">
-                                  <p:stCondLst>
-                                    <p:cond delay="0"/>
-                                  </p:stCondLst>
-                                  <p:childTnLst>
-                                    <p:set>
-                                      <p:cBhvr>
-                                        <p:cTn id="10" dur="1" fill="hold">
-                                          <p:stCondLst>
-                                            <p:cond delay="0"/>
-                                          </p:stCondLst>
-                                        </p:cTn>
-                                        <p:tgtEl>
-                                          <p:spTgt spid="3">
-                                            <p:txEl>
-                                              <p:pRg st="2" end="2"/>
-                                            </p:txEl>
-                                          </p:spTgt>
-                                        </p:tgtEl>
-                                        <p:attrNameLst>
-                                          <p:attrName>style.visibility</p:attrName>
-                                        </p:attrNameLst>
-                                      </p:cBhvr>
-                                      <p:to>
-                                        <p:strVal val="visible"/>
-                                      </p:to>
-                                    </p:set>
-                                  </p:childTnLst>
-                                </p:cTn>
-                              </p:par>
-                              <p:par>
-                                <p:cTn id="11" presetID="1" presetClass="entr" presetSubtype="0" fill="hold" grpId="0" nodeType="withEffect">
-                                  <p:stCondLst>
-                                    <p:cond delay="0"/>
-                                  </p:stCondLst>
-                                  <p:childTnLst>
-                                    <p:set>
-                                      <p:cBhvr>
-                                        <p:cTn id="12" dur="1" fill="hold">
-                                          <p:stCondLst>
-                                            <p:cond delay="0"/>
-                                          </p:stCondLst>
-                                        </p:cTn>
-                                        <p:tgtEl>
-                                          <p:spTgt spid="3">
-                                            <p:txEl>
-                                              <p:pRg st="3" end="3"/>
-                                            </p:txEl>
-                                          </p:spTgt>
-                                        </p:tgtEl>
-                                        <p:attrNameLst>
-                                          <p:attrName>style.visibility</p:attrName>
-                                        </p:attrNameLst>
-                                      </p:cBhvr>
-                                      <p:to>
-                                        <p:strVal val="visible"/>
-                                      </p:to>
-                                    </p:set>
-                                  </p:childTnLst>
-                                </p:cTn>
-                              </p:par>
-                            </p:childTnLst>
-                          </p:cTn>
-                        </p:par>
-                      </p:childTnLst>
-                    </p:cTn>
-                  </p:par>
-                  <p:par>
-                    <p:cTn id="13" fill="hold">
-                      <p:stCondLst>
-                        <p:cond delay="indefinite"/>
-                      </p:stCondLst>
-                      <p:childTnLst>
-                        <p:par>
-                          <p:cTn id="14" fill="hold">
-                            <p:stCondLst>
-                              <p:cond delay="0"/>
-                            </p:stCondLst>
-                            <p:childTnLst>
-                              <p:par>
-                                <p:cTn id="15" presetID="1" presetClass="entr" presetSubtype="0" fill="hold" grpId="0" nodeType="clickEffect">
-                                  <p:stCondLst>
-                                    <p:cond delay="0"/>
-                                  </p:stCondLst>
-                                  <p:childTnLst>
-                                    <p:set>
-                                      <p:cBhvr>
-                                        <p:cTn id="16" dur="1" fill="hold">
-                                          <p:stCondLst>
-                                            <p:cond delay="0"/>
-                                          </p:stCondLst>
-                                        </p:cTn>
-                                        <p:tgtEl>
-                                          <p:spTgt spid="3">
-                                            <p:txEl>
-                                              <p:pRg st="4" end="4"/>
-                                            </p:txEl>
-                                          </p:spTgt>
-                                        </p:tgtEl>
-                                        <p:attrNameLst>
-                                          <p:attrName>style.visibility</p:attrName>
-                                        </p:attrNameLst>
-                                      </p:cBhvr>
-                                      <p:to>
-                                        <p:strVal val="visible"/>
-                                      </p:to>
-                                    </p:set>
-                                  </p:childTnLst>
-                                </p:cTn>
-                              </p:par>
-                              <p:par>
-                                <p:cTn id="17" presetID="1" presetClass="entr" presetSubtype="0" fill="hold" grpId="0" nodeType="withEffect">
-                                  <p:stCondLst>
-                                    <p:cond delay="0"/>
-                                  </p:stCondLst>
-                                  <p:childTnLst>
-                                    <p:set>
-                                      <p:cBhvr>
-                                        <p:cTn id="18" dur="1" fill="hold">
-                                          <p:stCondLst>
-                                            <p:cond delay="0"/>
-                                          </p:stCondLst>
-                                        </p:cTn>
-                                        <p:tgtEl>
-                                          <p:spTgt spid="3">
-                                            <p:txEl>
-                                              <p:pRg st="5" end="5"/>
-                                            </p:txEl>
-                                          </p:spTgt>
-                                        </p:tgtEl>
-                                        <p:attrNameLst>
-                                          <p:attrName>style.visibility</p:attrName>
-                                        </p:attrNameLst>
-                                      </p:cBhvr>
-                                      <p:to>
-                                        <p:strVal val="visible"/>
-                                      </p:to>
-                                    </p:set>
-                                  </p:childTnLst>
-                                </p:cTn>
-                              </p:par>
-                              <p:par>
-                                <p:cTn id="19" presetID="1" presetClass="entr" presetSubtype="0" fill="hold" grpId="0" nodeType="withEffect">
-                                  <p:stCondLst>
-                                    <p:cond delay="0"/>
-                                  </p:stCondLst>
-                                  <p:childTnLst>
-                                    <p:set>
-                                      <p:cBhvr>
-                                        <p:cTn id="20" dur="1" fill="hold">
-                                          <p:stCondLst>
-                                            <p:cond delay="0"/>
-                                          </p:stCondLst>
-                                        </p:cTn>
-                                        <p:tgtEl>
-                                          <p:spTgt spid="3">
-                                            <p:txEl>
-                                              <p:pRg st="6" end="6"/>
-                                            </p:txEl>
-                                          </p:spTgt>
-                                        </p:tgtEl>
-                                        <p:attrNameLst>
-                                          <p:attrName>style.visibility</p:attrName>
-                                        </p:attrNameLst>
-                                      </p:cBhvr>
-                                      <p:to>
-                                        <p:strVal val="visible"/>
-                                      </p:to>
-                                    </p:set>
-                                  </p:childTnLst>
-                                </p:cTn>
-                              </p:par>
-                              <p:par>
-                                <p:cTn id="21" presetID="1" presetClass="entr" presetSubtype="0" fill="hold" grpId="0" nodeType="withEffect">
-                                  <p:stCondLst>
-                                    <p:cond delay="0"/>
-                                  </p:stCondLst>
-                                  <p:childTnLst>
-                                    <p:set>
-                                      <p:cBhvr>
-                                        <p:cTn id="22" dur="1" fill="hold">
-                                          <p:stCondLst>
-                                            <p:cond delay="0"/>
-                                          </p:stCondLst>
-                                        </p:cTn>
-                                        <p:tgtEl>
-                                          <p:spTgt spid="3">
-                                            <p:txEl>
-                                              <p:pRg st="7" end="7"/>
-                                            </p:txEl>
-                                          </p:spTgt>
-                                        </p:tgtEl>
-                                        <p:attrNameLst>
-                                          <p:attrName>style.visibility</p:attrName>
-                                        </p:attrNameLst>
-                                      </p:cBhvr>
-                                      <p:to>
-                                        <p:strVal val="visible"/>
-                                      </p:to>
-                                    </p:set>
-                                  </p:childTnLst>
-                                </p:cTn>
-                              </p:par>
-                            </p:childTnLst>
-                          </p:cTn>
-                        </p:par>
-                      </p:childTnLst>
-                    </p:cTn>
-                  </p:par>
-                </p:childTnLst>
-              </p:cTn>
-              <p:prevCondLst>
-                <p:cond evt="onPrev" delay="0">
-                  <p:tgtEl>
-                    <p:sldTgt/>
-                  </p:tgtEl>
-                </p:cond>
-              </p:prevCondLst>
-              <p:nextCondLst>
-                <p:cond evt="onNext" delay="0">
-                  <p:tgtEl>
-                    <p:sldTgt/>
-                  </p:tgtEl>
-                </p:cond>
-              </p:nextCondLst>
-            </p:seq>
-          </p:childTnLst>
-        </p:cTn>
-      </p:par>
-    </p:tnLst>
-    <p:bldLst>
-      <p:bldP spid="3" grpId="0" build="p"/>
-    </p:bldLst>
-  </p:timing>
 </p:sld>
 </file>
 
@@ -10289,6 +9951,469 @@
           <a:p>
             <a:r>
               <a:rPr lang="en-US" b="1" dirty="0"/>
+              <a:t>Fear</a:t>
+            </a:r>
+          </a:p>
+        </p:txBody>
+      </p:sp>
+      <p:sp>
+        <p:nvSpPr>
+          <p:cNvPr id="3" name="Content Placeholder 2">
+            <a:extLst>
+              <a:ext uri="{FF2B5EF4-FFF2-40B4-BE49-F238E27FC236}">
+                <a16:creationId xmlns:a16="http://schemas.microsoft.com/office/drawing/2014/main" id="{62151239-2C8C-5C47-B029-8E279A296E76}"/>
+              </a:ext>
+            </a:extLst>
+          </p:cNvPr>
+          <p:cNvSpPr>
+            <a:spLocks noGrp="1"/>
+          </p:cNvSpPr>
+          <p:nvPr>
+            <p:ph idx="1"/>
+          </p:nvPr>
+        </p:nvSpPr>
+        <p:spPr/>
+        <p:txBody>
+          <a:bodyPr/>
+          <a:lstStyle/>
+          <a:p>
+            <a:r>
+              <a:rPr lang="en-US" dirty="0"/>
+              <a:t>Fear makes you…</a:t>
+            </a:r>
+          </a:p>
+          <a:p>
+            <a:pPr lvl="1"/>
+            <a:r>
+              <a:rPr lang="en-US" dirty="0"/>
+              <a:t>Tentative</a:t>
+            </a:r>
+          </a:p>
+          <a:p>
+            <a:pPr lvl="1"/>
+            <a:r>
+              <a:rPr lang="en-US" dirty="0"/>
+              <a:t>Communicate less</a:t>
+            </a:r>
+          </a:p>
+          <a:p>
+            <a:pPr lvl="1"/>
+            <a:r>
+              <a:rPr lang="en-US" dirty="0"/>
+              <a:t>Avoid feedback</a:t>
+            </a:r>
+          </a:p>
+          <a:p>
+            <a:r>
+              <a:rPr lang="en-US" dirty="0"/>
+              <a:t>Test-driven development provides us with courage to</a:t>
+            </a:r>
+          </a:p>
+          <a:p>
+            <a:pPr lvl="1"/>
+            <a:r>
+              <a:rPr lang="en-US" dirty="0"/>
+              <a:t>Begin learning as quickly as possible--tight feedback loop</a:t>
+            </a:r>
+          </a:p>
+          <a:p>
+            <a:pPr lvl="1"/>
+            <a:r>
+              <a:rPr lang="en-US" dirty="0"/>
+              <a:t>Communicate clearly</a:t>
+            </a:r>
+          </a:p>
+          <a:p>
+            <a:pPr lvl="1"/>
+            <a:r>
+              <a:rPr lang="en-US" dirty="0"/>
+              <a:t>Search out concrete, helpful feedback</a:t>
+            </a:r>
+          </a:p>
+        </p:txBody>
+      </p:sp>
+    </p:spTree>
+    <p:extLst>
+      <p:ext uri="{BB962C8B-B14F-4D97-AF65-F5344CB8AC3E}">
+        <p14:creationId xmlns:p14="http://schemas.microsoft.com/office/powerpoint/2010/main" val="1950738135"/>
+      </p:ext>
+    </p:extLst>
+  </p:cSld>
+  <p:clrMapOvr>
+    <a:masterClrMapping/>
+  </p:clrMapOvr>
+  <mc:AlternateContent xmlns:mc="http://schemas.openxmlformats.org/markup-compatibility/2006" xmlns:p14="http://schemas.microsoft.com/office/powerpoint/2010/main">
+    <mc:Choice Requires="p14">
+      <p:transition spd="med" p14:dur="700">
+        <p:fade/>
+      </p:transition>
+    </mc:Choice>
+    <mc:Fallback xmlns="">
+      <p:transition spd="med">
+        <p:fade/>
+      </p:transition>
+    </mc:Fallback>
+  </mc:AlternateContent>
+  <p:timing>
+    <p:tnLst>
+      <p:par>
+        <p:cTn id="1" dur="indefinite" restart="never" nodeType="tmRoot">
+          <p:childTnLst>
+            <p:seq concurrent="1" nextAc="seek">
+              <p:cTn id="2" dur="indefinite" nodeType="mainSeq">
+                <p:childTnLst>
+                  <p:par>
+                    <p:cTn id="3" fill="hold">
+                      <p:stCondLst>
+                        <p:cond delay="indefinite"/>
+                      </p:stCondLst>
+                      <p:childTnLst>
+                        <p:par>
+                          <p:cTn id="4" fill="hold">
+                            <p:stCondLst>
+                              <p:cond delay="0"/>
+                            </p:stCondLst>
+                            <p:childTnLst>
+                              <p:par>
+                                <p:cTn id="5" presetID="1" presetClass="entr" presetSubtype="0" fill="hold" grpId="0" nodeType="clickEffect">
+                                  <p:stCondLst>
+                                    <p:cond delay="0"/>
+                                  </p:stCondLst>
+                                  <p:childTnLst>
+                                    <p:set>
+                                      <p:cBhvr>
+                                        <p:cTn id="6" dur="1" fill="hold">
+                                          <p:stCondLst>
+                                            <p:cond delay="0"/>
+                                          </p:stCondLst>
+                                        </p:cTn>
+                                        <p:tgtEl>
+                                          <p:spTgt spid="3">
+                                            <p:txEl>
+                                              <p:pRg st="0" end="0"/>
+                                            </p:txEl>
+                                          </p:spTgt>
+                                        </p:tgtEl>
+                                        <p:attrNameLst>
+                                          <p:attrName>style.visibility</p:attrName>
+                                        </p:attrNameLst>
+                                      </p:cBhvr>
+                                      <p:to>
+                                        <p:strVal val="visible"/>
+                                      </p:to>
+                                    </p:set>
+                                  </p:childTnLst>
+                                </p:cTn>
+                              </p:par>
+                              <p:par>
+                                <p:cTn id="7" presetID="1" presetClass="entr" presetSubtype="0" fill="hold" grpId="0" nodeType="withEffect">
+                                  <p:stCondLst>
+                                    <p:cond delay="0"/>
+                                  </p:stCondLst>
+                                  <p:childTnLst>
+                                    <p:set>
+                                      <p:cBhvr>
+                                        <p:cTn id="8" dur="1" fill="hold">
+                                          <p:stCondLst>
+                                            <p:cond delay="0"/>
+                                          </p:stCondLst>
+                                        </p:cTn>
+                                        <p:tgtEl>
+                                          <p:spTgt spid="3">
+                                            <p:txEl>
+                                              <p:pRg st="1" end="1"/>
+                                            </p:txEl>
+                                          </p:spTgt>
+                                        </p:tgtEl>
+                                        <p:attrNameLst>
+                                          <p:attrName>style.visibility</p:attrName>
+                                        </p:attrNameLst>
+                                      </p:cBhvr>
+                                      <p:to>
+                                        <p:strVal val="visible"/>
+                                      </p:to>
+                                    </p:set>
+                                  </p:childTnLst>
+                                </p:cTn>
+                              </p:par>
+                              <p:par>
+                                <p:cTn id="9" presetID="1" presetClass="entr" presetSubtype="0" fill="hold" grpId="0" nodeType="withEffect">
+                                  <p:stCondLst>
+                                    <p:cond delay="0"/>
+                                  </p:stCondLst>
+                                  <p:childTnLst>
+                                    <p:set>
+                                      <p:cBhvr>
+                                        <p:cTn id="10" dur="1" fill="hold">
+                                          <p:stCondLst>
+                                            <p:cond delay="0"/>
+                                          </p:stCondLst>
+                                        </p:cTn>
+                                        <p:tgtEl>
+                                          <p:spTgt spid="3">
+                                            <p:txEl>
+                                              <p:pRg st="2" end="2"/>
+                                            </p:txEl>
+                                          </p:spTgt>
+                                        </p:tgtEl>
+                                        <p:attrNameLst>
+                                          <p:attrName>style.visibility</p:attrName>
+                                        </p:attrNameLst>
+                                      </p:cBhvr>
+                                      <p:to>
+                                        <p:strVal val="visible"/>
+                                      </p:to>
+                                    </p:set>
+                                  </p:childTnLst>
+                                </p:cTn>
+                              </p:par>
+                              <p:par>
+                                <p:cTn id="11" presetID="1" presetClass="entr" presetSubtype="0" fill="hold" grpId="0" nodeType="withEffect">
+                                  <p:stCondLst>
+                                    <p:cond delay="0"/>
+                                  </p:stCondLst>
+                                  <p:childTnLst>
+                                    <p:set>
+                                      <p:cBhvr>
+                                        <p:cTn id="12" dur="1" fill="hold">
+                                          <p:stCondLst>
+                                            <p:cond delay="0"/>
+                                          </p:stCondLst>
+                                        </p:cTn>
+                                        <p:tgtEl>
+                                          <p:spTgt spid="3">
+                                            <p:txEl>
+                                              <p:pRg st="3" end="3"/>
+                                            </p:txEl>
+                                          </p:spTgt>
+                                        </p:tgtEl>
+                                        <p:attrNameLst>
+                                          <p:attrName>style.visibility</p:attrName>
+                                        </p:attrNameLst>
+                                      </p:cBhvr>
+                                      <p:to>
+                                        <p:strVal val="visible"/>
+                                      </p:to>
+                                    </p:set>
+                                  </p:childTnLst>
+                                </p:cTn>
+                              </p:par>
+                            </p:childTnLst>
+                          </p:cTn>
+                        </p:par>
+                      </p:childTnLst>
+                    </p:cTn>
+                  </p:par>
+                  <p:par>
+                    <p:cTn id="13" fill="hold">
+                      <p:stCondLst>
+                        <p:cond delay="indefinite"/>
+                      </p:stCondLst>
+                      <p:childTnLst>
+                        <p:par>
+                          <p:cTn id="14" fill="hold">
+                            <p:stCondLst>
+                              <p:cond delay="0"/>
+                            </p:stCondLst>
+                            <p:childTnLst>
+                              <p:par>
+                                <p:cTn id="15" presetID="1" presetClass="entr" presetSubtype="0" fill="hold" grpId="0" nodeType="clickEffect">
+                                  <p:stCondLst>
+                                    <p:cond delay="0"/>
+                                  </p:stCondLst>
+                                  <p:childTnLst>
+                                    <p:set>
+                                      <p:cBhvr>
+                                        <p:cTn id="16" dur="1" fill="hold">
+                                          <p:stCondLst>
+                                            <p:cond delay="0"/>
+                                          </p:stCondLst>
+                                        </p:cTn>
+                                        <p:tgtEl>
+                                          <p:spTgt spid="3">
+                                            <p:txEl>
+                                              <p:pRg st="4" end="4"/>
+                                            </p:txEl>
+                                          </p:spTgt>
+                                        </p:tgtEl>
+                                        <p:attrNameLst>
+                                          <p:attrName>style.visibility</p:attrName>
+                                        </p:attrNameLst>
+                                      </p:cBhvr>
+                                      <p:to>
+                                        <p:strVal val="visible"/>
+                                      </p:to>
+                                    </p:set>
+                                  </p:childTnLst>
+                                </p:cTn>
+                              </p:par>
+                              <p:par>
+                                <p:cTn id="17" presetID="1" presetClass="entr" presetSubtype="0" fill="hold" grpId="0" nodeType="withEffect">
+                                  <p:stCondLst>
+                                    <p:cond delay="0"/>
+                                  </p:stCondLst>
+                                  <p:childTnLst>
+                                    <p:set>
+                                      <p:cBhvr>
+                                        <p:cTn id="18" dur="1" fill="hold">
+                                          <p:stCondLst>
+                                            <p:cond delay="0"/>
+                                          </p:stCondLst>
+                                        </p:cTn>
+                                        <p:tgtEl>
+                                          <p:spTgt spid="3">
+                                            <p:txEl>
+                                              <p:pRg st="5" end="5"/>
+                                            </p:txEl>
+                                          </p:spTgt>
+                                        </p:tgtEl>
+                                        <p:attrNameLst>
+                                          <p:attrName>style.visibility</p:attrName>
+                                        </p:attrNameLst>
+                                      </p:cBhvr>
+                                      <p:to>
+                                        <p:strVal val="visible"/>
+                                      </p:to>
+                                    </p:set>
+                                  </p:childTnLst>
+                                </p:cTn>
+                              </p:par>
+                              <p:par>
+                                <p:cTn id="19" presetID="1" presetClass="entr" presetSubtype="0" fill="hold" grpId="0" nodeType="withEffect">
+                                  <p:stCondLst>
+                                    <p:cond delay="0"/>
+                                  </p:stCondLst>
+                                  <p:childTnLst>
+                                    <p:set>
+                                      <p:cBhvr>
+                                        <p:cTn id="20" dur="1" fill="hold">
+                                          <p:stCondLst>
+                                            <p:cond delay="0"/>
+                                          </p:stCondLst>
+                                        </p:cTn>
+                                        <p:tgtEl>
+                                          <p:spTgt spid="3">
+                                            <p:txEl>
+                                              <p:pRg st="6" end="6"/>
+                                            </p:txEl>
+                                          </p:spTgt>
+                                        </p:tgtEl>
+                                        <p:attrNameLst>
+                                          <p:attrName>style.visibility</p:attrName>
+                                        </p:attrNameLst>
+                                      </p:cBhvr>
+                                      <p:to>
+                                        <p:strVal val="visible"/>
+                                      </p:to>
+                                    </p:set>
+                                  </p:childTnLst>
+                                </p:cTn>
+                              </p:par>
+                              <p:par>
+                                <p:cTn id="21" presetID="1" presetClass="entr" presetSubtype="0" fill="hold" grpId="0" nodeType="withEffect">
+                                  <p:stCondLst>
+                                    <p:cond delay="0"/>
+                                  </p:stCondLst>
+                                  <p:childTnLst>
+                                    <p:set>
+                                      <p:cBhvr>
+                                        <p:cTn id="22" dur="1" fill="hold">
+                                          <p:stCondLst>
+                                            <p:cond delay="0"/>
+                                          </p:stCondLst>
+                                        </p:cTn>
+                                        <p:tgtEl>
+                                          <p:spTgt spid="3">
+                                            <p:txEl>
+                                              <p:pRg st="7" end="7"/>
+                                            </p:txEl>
+                                          </p:spTgt>
+                                        </p:tgtEl>
+                                        <p:attrNameLst>
+                                          <p:attrName>style.visibility</p:attrName>
+                                        </p:attrNameLst>
+                                      </p:cBhvr>
+                                      <p:to>
+                                        <p:strVal val="visible"/>
+                                      </p:to>
+                                    </p:set>
+                                  </p:childTnLst>
+                                </p:cTn>
+                              </p:par>
+                            </p:childTnLst>
+                          </p:cTn>
+                        </p:par>
+                      </p:childTnLst>
+                    </p:cTn>
+                  </p:par>
+                </p:childTnLst>
+              </p:cTn>
+              <p:prevCondLst>
+                <p:cond evt="onPrev" delay="0">
+                  <p:tgtEl>
+                    <p:sldTgt/>
+                  </p:tgtEl>
+                </p:cond>
+              </p:prevCondLst>
+              <p:nextCondLst>
+                <p:cond evt="onNext" delay="0">
+                  <p:tgtEl>
+                    <p:sldTgt/>
+                  </p:tgtEl>
+                </p:cond>
+              </p:nextCondLst>
+            </p:seq>
+          </p:childTnLst>
+        </p:cTn>
+      </p:par>
+    </p:tnLst>
+    <p:bldLst>
+      <p:bldP spid="3" grpId="0" build="p"/>
+    </p:bldLst>
+  </p:timing>
+</p:sld>
+</file>
+
+<file path=ppt/slides/slide4.xml><?xml version="1.0" encoding="utf-8"?>
+<p:sld xmlns:a="http://schemas.openxmlformats.org/drawingml/2006/main" xmlns:r="http://schemas.openxmlformats.org/officeDocument/2006/relationships" xmlns:p="http://schemas.openxmlformats.org/presentationml/2006/main">
+  <p:cSld>
+    <p:spTree>
+      <p:nvGrpSpPr>
+        <p:cNvPr id="1" name=""/>
+        <p:cNvGrpSpPr/>
+        <p:nvPr/>
+      </p:nvGrpSpPr>
+      <p:grpSpPr>
+        <a:xfrm>
+          <a:off x="0" y="0"/>
+          <a:ext cx="0" cy="0"/>
+          <a:chOff x="0" y="0"/>
+          <a:chExt cx="0" cy="0"/>
+        </a:xfrm>
+      </p:grpSpPr>
+      <p:sp>
+        <p:nvSpPr>
+          <p:cNvPr id="2" name="Title 1">
+            <a:extLst>
+              <a:ext uri="{FF2B5EF4-FFF2-40B4-BE49-F238E27FC236}">
+                <a16:creationId xmlns:a16="http://schemas.microsoft.com/office/drawing/2014/main" id="{977B8AF1-3C5A-5B40-A022-7A684DB3C5B7}"/>
+              </a:ext>
+            </a:extLst>
+          </p:cNvPr>
+          <p:cNvSpPr>
+            <a:spLocks noGrp="1"/>
+          </p:cNvSpPr>
+          <p:nvPr>
+            <p:ph type="title"/>
+          </p:nvPr>
+        </p:nvSpPr>
+        <p:spPr/>
+        <p:txBody>
+          <a:bodyPr/>
+          <a:lstStyle/>
+          <a:p>
+            <a:r>
+              <a:rPr lang="en-US" b="1" dirty="0"/>
               <a:t>Why Test-Driven Development?</a:t>
             </a:r>
           </a:p>
@@ -10745,7 +10870,7 @@
 </p:sld>
 </file>
 
-<file path=ppt/slides/slide4.xml><?xml version="1.0" encoding="utf-8"?>
+<file path=ppt/slides/slide5.xml><?xml version="1.0" encoding="utf-8"?>
 <p:sld xmlns:a="http://schemas.openxmlformats.org/drawingml/2006/main" xmlns:r="http://schemas.openxmlformats.org/officeDocument/2006/relationships" xmlns:p="http://schemas.openxmlformats.org/presentationml/2006/main">
   <p:cSld>
     <p:spTree>
@@ -11312,7 +11437,7 @@
 </p:sld>
 </file>
 
-<file path=ppt/slides/slide5.xml><?xml version="1.0" encoding="utf-8"?>
+<file path=ppt/slides/slide6.xml><?xml version="1.0" encoding="utf-8"?>
 <p:sld xmlns:a="http://schemas.openxmlformats.org/drawingml/2006/main" xmlns:r="http://schemas.openxmlformats.org/officeDocument/2006/relationships" xmlns:p="http://schemas.openxmlformats.org/presentationml/2006/main">
   <p:cSld>
     <p:spTree>
@@ -11774,7 +11899,7 @@
 </p:sld>
 </file>
 
-<file path=ppt/slides/slide6.xml><?xml version="1.0" encoding="utf-8"?>
+<file path=ppt/slides/slide7.xml><?xml version="1.0" encoding="utf-8"?>
 <p:sld xmlns:a="http://schemas.openxmlformats.org/drawingml/2006/main" xmlns:r="http://schemas.openxmlformats.org/officeDocument/2006/relationships" xmlns:p="http://schemas.openxmlformats.org/presentationml/2006/main">
   <p:cSld>
     <p:bg>
@@ -11989,7 +12114,7 @@
 </p:sld>
 </file>
 
-<file path=ppt/slides/slide7.xml><?xml version="1.0" encoding="utf-8"?>
+<file path=ppt/slides/slide8.xml><?xml version="1.0" encoding="utf-8"?>
 <p:sld xmlns:a="http://schemas.openxmlformats.org/drawingml/2006/main" xmlns:r="http://schemas.openxmlformats.org/officeDocument/2006/relationships" xmlns:p="http://schemas.openxmlformats.org/presentationml/2006/main">
   <p:cSld>
     <p:spTree>
@@ -12163,7 +12288,7 @@
 </p:sld>
 </file>
 
-<file path=ppt/slides/slide8.xml><?xml version="1.0" encoding="utf-8"?>
+<file path=ppt/slides/slide9.xml><?xml version="1.0" encoding="utf-8"?>
 <p:sld xmlns:a="http://schemas.openxmlformats.org/drawingml/2006/main" xmlns:r="http://schemas.openxmlformats.org/officeDocument/2006/relationships" xmlns:p="http://schemas.openxmlformats.org/presentationml/2006/main">
   <p:cSld>
     <p:spTree>
@@ -12226,7 +12351,9 @@
         </p:nvSpPr>
         <p:spPr/>
         <p:txBody>
-          <a:bodyPr/>
+          <a:bodyPr>
+            <a:normAutofit/>
+          </a:bodyPr>
           <a:lstStyle/>
           <a:p>
             <a:r>
@@ -12237,7 +12364,26 @@
           <a:p>
             <a:r>
               <a:rPr lang="en-US" dirty="0"/>
-              <a:t>Focus on collaborator interfaces, the contract between your code and the dependency.</a:t>
+              <a:t>Contracts specified </a:t>
+            </a:r>
+            <a:r>
+              <a:rPr lang="en-US"/>
+              <a:t>as interfaces.</a:t>
+            </a:r>
+            <a:endParaRPr lang="en-US" dirty="0"/>
+          </a:p>
+          <a:p>
+            <a:pPr lvl="1"/>
+            <a:r>
+              <a:rPr lang="en-US" dirty="0"/>
+              <a:t>Collaboration tests </a:t>
+            </a:r>
+          </a:p>
+          <a:p>
+            <a:pPr lvl="1"/>
+            <a:r>
+              <a:rPr lang="en-US" dirty="0"/>
+              <a:t>Contract tests</a:t>
             </a:r>
           </a:p>
           <a:p>
@@ -12256,21 +12402,8 @@
             <a:pPr lvl="1"/>
             <a:r>
               <a:rPr lang="en-US" dirty="0"/>
-              <a:t>Unit tests are isolated </a:t>
-            </a:r>
-            <a:r>
-              <a:rPr lang="en-US"/>
-              <a:t>from external dependencies</a:t>
-            </a:r>
-            <a:r>
-              <a:rPr lang="en-US" dirty="0"/>
-              <a:t>, so we don’t have to worry </a:t>
-            </a:r>
-            <a:r>
-              <a:rPr lang="en-US"/>
-              <a:t>about them.</a:t>
-            </a:r>
-            <a:endParaRPr lang="en-US" dirty="0"/>
+              <a:t>Unit tests are isolated from external dependencies, so we don’t have to worry about them.</a:t>
+            </a:r>
           </a:p>
           <a:p>
             <a:pPr lvl="1"/>
@@ -12289,131 +12422,6 @@
     <p:extLst>
       <p:ext uri="{BB962C8B-B14F-4D97-AF65-F5344CB8AC3E}">
         <p14:creationId xmlns:p14="http://schemas.microsoft.com/office/powerpoint/2010/main" val="3950663072"/>
-      </p:ext>
-    </p:extLst>
-  </p:cSld>
-  <p:clrMapOvr>
-    <a:masterClrMapping/>
-  </p:clrMapOvr>
-</p:sld>
-</file>
-
-<file path=ppt/slides/slide9.xml><?xml version="1.0" encoding="utf-8"?>
-<p:sld xmlns:a="http://schemas.openxmlformats.org/drawingml/2006/main" xmlns:r="http://schemas.openxmlformats.org/officeDocument/2006/relationships" xmlns:p="http://schemas.openxmlformats.org/presentationml/2006/main">
-  <p:cSld>
-    <p:spTree>
-      <p:nvGrpSpPr>
-        <p:cNvPr id="1" name=""/>
-        <p:cNvGrpSpPr/>
-        <p:nvPr/>
-      </p:nvGrpSpPr>
-      <p:grpSpPr>
-        <a:xfrm>
-          <a:off x="0" y="0"/>
-          <a:ext cx="0" cy="0"/>
-          <a:chOff x="0" y="0"/>
-          <a:chExt cx="0" cy="0"/>
-        </a:xfrm>
-      </p:grpSpPr>
-      <p:sp>
-        <p:nvSpPr>
-          <p:cNvPr id="2" name="Title 1">
-            <a:extLst>
-              <a:ext uri="{FF2B5EF4-FFF2-40B4-BE49-F238E27FC236}">
-                <a16:creationId xmlns:a16="http://schemas.microsoft.com/office/drawing/2014/main" id="{DC370169-002A-674B-9A16-6C9EB2CF507E}"/>
-              </a:ext>
-            </a:extLst>
-          </p:cNvPr>
-          <p:cNvSpPr>
-            <a:spLocks noGrp="1"/>
-          </p:cNvSpPr>
-          <p:nvPr>
-            <p:ph type="title"/>
-          </p:nvPr>
-        </p:nvSpPr>
-        <p:spPr/>
-        <p:txBody>
-          <a:bodyPr/>
-          <a:lstStyle/>
-          <a:p>
-            <a:r>
-              <a:rPr lang="en-US" b="1" dirty="0"/>
-              <a:t>Integration testing focus</a:t>
-            </a:r>
-          </a:p>
-        </p:txBody>
-      </p:sp>
-      <p:sp>
-        <p:nvSpPr>
-          <p:cNvPr id="3" name="Content Placeholder 2">
-            <a:extLst>
-              <a:ext uri="{FF2B5EF4-FFF2-40B4-BE49-F238E27FC236}">
-                <a16:creationId xmlns:a16="http://schemas.microsoft.com/office/drawing/2014/main" id="{9E2D6893-80A7-A746-912D-8F713080675A}"/>
-              </a:ext>
-            </a:extLst>
-          </p:cNvPr>
-          <p:cNvSpPr>
-            <a:spLocks noGrp="1"/>
-          </p:cNvSpPr>
-          <p:nvPr>
-            <p:ph idx="1"/>
-          </p:nvPr>
-        </p:nvSpPr>
-        <p:spPr/>
-        <p:txBody>
-          <a:bodyPr/>
-          <a:lstStyle/>
-          <a:p>
-            <a:r>
-              <a:rPr lang="en-US" dirty="0"/>
-              <a:t>Integration testing happens after you have written your components. </a:t>
-            </a:r>
-          </a:p>
-          <a:p>
-            <a:r>
-              <a:rPr lang="en-US" dirty="0"/>
-              <a:t>Ensures that the newly created components can be wired together with real dependencies to provide functionality.</a:t>
-            </a:r>
-          </a:p>
-          <a:p>
-            <a:r>
-              <a:rPr lang="en-US" dirty="0"/>
-              <a:t>Any deviations detected from integration testing can be used to add test coverage at the unit tests level and to influence code design decisions.</a:t>
-            </a:r>
-          </a:p>
-          <a:p>
-            <a:r>
-              <a:rPr lang="en-US" dirty="0"/>
-              <a:t>Integration testing requires significant planning.</a:t>
-            </a:r>
-          </a:p>
-          <a:p>
-            <a:pPr lvl="1"/>
-            <a:r>
-              <a:rPr lang="en-US" dirty="0"/>
-              <a:t>How will dependencies be managed for the integration test suite?</a:t>
-            </a:r>
-          </a:p>
-          <a:p>
-            <a:pPr lvl="1"/>
-            <a:r>
-              <a:rPr lang="en-US" dirty="0"/>
-              <a:t>How will state be managed between tests?</a:t>
-            </a:r>
-          </a:p>
-          <a:p>
-            <a:pPr lvl="1"/>
-            <a:r>
-              <a:rPr lang="en-US" dirty="0"/>
-              <a:t>How do we test with external dependencies that we cannot control?</a:t>
-            </a:r>
-          </a:p>
-        </p:txBody>
-      </p:sp>
-    </p:spTree>
-    <p:extLst>
-      <p:ext uri="{BB962C8B-B14F-4D97-AF65-F5344CB8AC3E}">
-        <p14:creationId xmlns:p14="http://schemas.microsoft.com/office/powerpoint/2010/main" val="425614017"/>
       </p:ext>
     </p:extLst>
   </p:cSld>

--- a/presentations/Introduction to Test-Driven Development.pptx
+++ b/presentations/Introduction to Test-Driven Development.pptx
@@ -5,34 +5,29 @@
     <p:sldMasterId id="2147483648" r:id="rId1"/>
   </p:sldMasterIdLst>
   <p:notesMasterIdLst>
-    <p:notesMasterId r:id="rId27"/>
+    <p:notesMasterId r:id="rId22"/>
   </p:notesMasterIdLst>
   <p:sldIdLst>
     <p:sldId id="256" r:id="rId2"/>
     <p:sldId id="282" r:id="rId3"/>
-    <p:sldId id="287" r:id="rId4"/>
-    <p:sldId id="260" r:id="rId5"/>
-    <p:sldId id="275" r:id="rId6"/>
-    <p:sldId id="258" r:id="rId7"/>
-    <p:sldId id="267" r:id="rId8"/>
-    <p:sldId id="289" r:id="rId9"/>
-    <p:sldId id="292" r:id="rId10"/>
-    <p:sldId id="293" r:id="rId11"/>
-    <p:sldId id="290" r:id="rId12"/>
-    <p:sldId id="291" r:id="rId13"/>
-    <p:sldId id="284" r:id="rId14"/>
-    <p:sldId id="273" r:id="rId15"/>
-    <p:sldId id="276" r:id="rId16"/>
-    <p:sldId id="274" r:id="rId17"/>
-    <p:sldId id="271" r:id="rId18"/>
-    <p:sldId id="272" r:id="rId19"/>
-    <p:sldId id="259" r:id="rId20"/>
-    <p:sldId id="278" r:id="rId21"/>
-    <p:sldId id="279" r:id="rId22"/>
-    <p:sldId id="280" r:id="rId23"/>
-    <p:sldId id="286" r:id="rId24"/>
-    <p:sldId id="285" r:id="rId25"/>
-    <p:sldId id="268" r:id="rId26"/>
+    <p:sldId id="260" r:id="rId4"/>
+    <p:sldId id="275" r:id="rId5"/>
+    <p:sldId id="258" r:id="rId6"/>
+    <p:sldId id="267" r:id="rId7"/>
+    <p:sldId id="289" r:id="rId8"/>
+    <p:sldId id="292" r:id="rId9"/>
+    <p:sldId id="293" r:id="rId10"/>
+    <p:sldId id="290" r:id="rId11"/>
+    <p:sldId id="291" r:id="rId12"/>
+    <p:sldId id="284" r:id="rId13"/>
+    <p:sldId id="273" r:id="rId14"/>
+    <p:sldId id="276" r:id="rId15"/>
+    <p:sldId id="274" r:id="rId16"/>
+    <p:sldId id="271" r:id="rId17"/>
+    <p:sldId id="278" r:id="rId18"/>
+    <p:sldId id="280" r:id="rId19"/>
+    <p:sldId id="285" r:id="rId20"/>
+    <p:sldId id="268" r:id="rId21"/>
   </p:sldIdLst>
   <p:sldSz cx="12192000" cy="6858000"/>
   <p:notesSz cx="6858000" cy="9144000"/>
@@ -553,7 +548,7 @@
           <a:p>
             <a:fld id="{B77EE3D5-8E41-E549-B83C-41040DF7A7E3}" type="slidenum">
               <a:rPr lang="en-US" smtClean="0"/>
-              <a:t>24</a:t>
+              <a:t>19</a:t>
             </a:fld>
             <a:endParaRPr lang="en-US"/>
           </a:p>
@@ -3887,131 +3882,6 @@
 <file path=ppt/slides/slide10.xml><?xml version="1.0" encoding="utf-8"?>
 <p:sld xmlns:a="http://schemas.openxmlformats.org/drawingml/2006/main" xmlns:r="http://schemas.openxmlformats.org/officeDocument/2006/relationships" xmlns:p="http://schemas.openxmlformats.org/presentationml/2006/main">
   <p:cSld>
-    <p:spTree>
-      <p:nvGrpSpPr>
-        <p:cNvPr id="1" name=""/>
-        <p:cNvGrpSpPr/>
-        <p:nvPr/>
-      </p:nvGrpSpPr>
-      <p:grpSpPr>
-        <a:xfrm>
-          <a:off x="0" y="0"/>
-          <a:ext cx="0" cy="0"/>
-          <a:chOff x="0" y="0"/>
-          <a:chExt cx="0" cy="0"/>
-        </a:xfrm>
-      </p:grpSpPr>
-      <p:sp>
-        <p:nvSpPr>
-          <p:cNvPr id="2" name="Title 1">
-            <a:extLst>
-              <a:ext uri="{FF2B5EF4-FFF2-40B4-BE49-F238E27FC236}">
-                <a16:creationId xmlns:a16="http://schemas.microsoft.com/office/drawing/2014/main" id="{DC370169-002A-674B-9A16-6C9EB2CF507E}"/>
-              </a:ext>
-            </a:extLst>
-          </p:cNvPr>
-          <p:cNvSpPr>
-            <a:spLocks noGrp="1"/>
-          </p:cNvSpPr>
-          <p:nvPr>
-            <p:ph type="title"/>
-          </p:nvPr>
-        </p:nvSpPr>
-        <p:spPr/>
-        <p:txBody>
-          <a:bodyPr/>
-          <a:lstStyle/>
-          <a:p>
-            <a:r>
-              <a:rPr lang="en-US" b="1" dirty="0"/>
-              <a:t>Integration testing focus</a:t>
-            </a:r>
-          </a:p>
-        </p:txBody>
-      </p:sp>
-      <p:sp>
-        <p:nvSpPr>
-          <p:cNvPr id="3" name="Content Placeholder 2">
-            <a:extLst>
-              <a:ext uri="{FF2B5EF4-FFF2-40B4-BE49-F238E27FC236}">
-                <a16:creationId xmlns:a16="http://schemas.microsoft.com/office/drawing/2014/main" id="{9E2D6893-80A7-A746-912D-8F713080675A}"/>
-              </a:ext>
-            </a:extLst>
-          </p:cNvPr>
-          <p:cNvSpPr>
-            <a:spLocks noGrp="1"/>
-          </p:cNvSpPr>
-          <p:nvPr>
-            <p:ph idx="1"/>
-          </p:nvPr>
-        </p:nvSpPr>
-        <p:spPr/>
-        <p:txBody>
-          <a:bodyPr/>
-          <a:lstStyle/>
-          <a:p>
-            <a:r>
-              <a:rPr lang="en-US" dirty="0"/>
-              <a:t>Integration testing happens after you have written your components. </a:t>
-            </a:r>
-          </a:p>
-          <a:p>
-            <a:r>
-              <a:rPr lang="en-US" dirty="0"/>
-              <a:t>Ensures that the newly created components can be wired together with real dependencies to provide functionality.</a:t>
-            </a:r>
-          </a:p>
-          <a:p>
-            <a:r>
-              <a:rPr lang="en-US" dirty="0"/>
-              <a:t>Any deviations detected from integration testing can be used to add test coverage at the unit tests level and to influence code design decisions.</a:t>
-            </a:r>
-          </a:p>
-          <a:p>
-            <a:r>
-              <a:rPr lang="en-US" dirty="0"/>
-              <a:t>Integration testing requires significant planning.</a:t>
-            </a:r>
-          </a:p>
-          <a:p>
-            <a:pPr lvl="1"/>
-            <a:r>
-              <a:rPr lang="en-US" dirty="0"/>
-              <a:t>How will dependencies be managed for the integration test suite?</a:t>
-            </a:r>
-          </a:p>
-          <a:p>
-            <a:pPr lvl="1"/>
-            <a:r>
-              <a:rPr lang="en-US" dirty="0"/>
-              <a:t>How will state be managed between tests?</a:t>
-            </a:r>
-          </a:p>
-          <a:p>
-            <a:pPr lvl="1"/>
-            <a:r>
-              <a:rPr lang="en-US" dirty="0"/>
-              <a:t>How do we test with external dependencies that we cannot control?</a:t>
-            </a:r>
-          </a:p>
-        </p:txBody>
-      </p:sp>
-    </p:spTree>
-    <p:extLst>
-      <p:ext uri="{BB962C8B-B14F-4D97-AF65-F5344CB8AC3E}">
-        <p14:creationId xmlns:p14="http://schemas.microsoft.com/office/powerpoint/2010/main" val="425614017"/>
-      </p:ext>
-    </p:extLst>
-  </p:cSld>
-  <p:clrMapOvr>
-    <a:masterClrMapping/>
-  </p:clrMapOvr>
-</p:sld>
-</file>
-
-<file path=ppt/slides/slide11.xml><?xml version="1.0" encoding="utf-8"?>
-<p:sld xmlns:a="http://schemas.openxmlformats.org/drawingml/2006/main" xmlns:r="http://schemas.openxmlformats.org/officeDocument/2006/relationships" xmlns:p="http://schemas.openxmlformats.org/presentationml/2006/main">
-  <p:cSld>
     <p:bg>
       <p:bgPr>
         <a:solidFill>
@@ -4225,7 +4095,7 @@
 </p:sld>
 </file>
 
-<file path=ppt/slides/slide12.xml><?xml version="1.0" encoding="utf-8"?>
+<file path=ppt/slides/slide11.xml><?xml version="1.0" encoding="utf-8"?>
 <p:sld xmlns:a="http://schemas.openxmlformats.org/drawingml/2006/main" xmlns:r="http://schemas.openxmlformats.org/officeDocument/2006/relationships" xmlns:p="http://schemas.openxmlformats.org/presentationml/2006/main">
   <p:cSld>
     <p:spTree>
@@ -4350,7 +4220,7 @@
 </p:sld>
 </file>
 
-<file path=ppt/slides/slide13.xml><?xml version="1.0" encoding="utf-8"?>
+<file path=ppt/slides/slide12.xml><?xml version="1.0" encoding="utf-8"?>
 <p:sld xmlns:a="http://schemas.openxmlformats.org/drawingml/2006/main" xmlns:r="http://schemas.openxmlformats.org/officeDocument/2006/relationships" xmlns:p="http://schemas.openxmlformats.org/presentationml/2006/main">
   <p:cSld>
     <p:spTree>
@@ -4775,7 +4645,7 @@
 </p:sld>
 </file>
 
-<file path=ppt/slides/slide14.xml><?xml version="1.0" encoding="utf-8"?>
+<file path=ppt/slides/slide13.xml><?xml version="1.0" encoding="utf-8"?>
 <p:sld xmlns:a="http://schemas.openxmlformats.org/drawingml/2006/main" xmlns:r="http://schemas.openxmlformats.org/officeDocument/2006/relationships" xmlns:p="http://schemas.openxmlformats.org/presentationml/2006/main">
   <p:cSld>
     <p:spTree>
@@ -5276,7 +5146,7 @@
 </p:sld>
 </file>
 
-<file path=ppt/slides/slide15.xml><?xml version="1.0" encoding="utf-8"?>
+<file path=ppt/slides/slide14.xml><?xml version="1.0" encoding="utf-8"?>
 <p:sld xmlns:a="http://schemas.openxmlformats.org/drawingml/2006/main" xmlns:r="http://schemas.openxmlformats.org/officeDocument/2006/relationships" xmlns:p="http://schemas.openxmlformats.org/presentationml/2006/main">
   <p:cSld>
     <p:spTree>
@@ -5623,7 +5493,7 @@
 </p:sld>
 </file>
 
-<file path=ppt/slides/slide16.xml><?xml version="1.0" encoding="utf-8"?>
+<file path=ppt/slides/slide15.xml><?xml version="1.0" encoding="utf-8"?>
 <p:sld xmlns:a="http://schemas.openxmlformats.org/drawingml/2006/main" xmlns:r="http://schemas.openxmlformats.org/officeDocument/2006/relationships" xmlns:p="http://schemas.openxmlformats.org/presentationml/2006/main">
   <p:cSld>
     <p:spTree>
@@ -6066,7 +5936,7 @@
 </p:sld>
 </file>
 
-<file path=ppt/slides/slide17.xml><?xml version="1.0" encoding="utf-8"?>
+<file path=ppt/slides/slide16.xml><?xml version="1.0" encoding="utf-8"?>
 <p:sld xmlns:a="http://schemas.openxmlformats.org/drawingml/2006/main" xmlns:r="http://schemas.openxmlformats.org/officeDocument/2006/relationships" xmlns:p="http://schemas.openxmlformats.org/presentationml/2006/main">
   <p:cSld>
     <p:spTree>
@@ -6491,1008 +6361,7 @@
 </p:sld>
 </file>
 
-<file path=ppt/slides/slide18.xml><?xml version="1.0" encoding="utf-8"?>
-<p:sld xmlns:a="http://schemas.openxmlformats.org/drawingml/2006/main" xmlns:r="http://schemas.openxmlformats.org/officeDocument/2006/relationships" xmlns:p="http://schemas.openxmlformats.org/presentationml/2006/main">
-  <p:cSld>
-    <p:spTree>
-      <p:nvGrpSpPr>
-        <p:cNvPr id="1" name=""/>
-        <p:cNvGrpSpPr/>
-        <p:nvPr/>
-      </p:nvGrpSpPr>
-      <p:grpSpPr>
-        <a:xfrm>
-          <a:off x="0" y="0"/>
-          <a:ext cx="0" cy="0"/>
-          <a:chOff x="0" y="0"/>
-          <a:chExt cx="0" cy="0"/>
-        </a:xfrm>
-      </p:grpSpPr>
-      <p:sp>
-        <p:nvSpPr>
-          <p:cNvPr id="2" name="Title 1">
-            <a:extLst>
-              <a:ext uri="{FF2B5EF4-FFF2-40B4-BE49-F238E27FC236}">
-                <a16:creationId xmlns:a16="http://schemas.microsoft.com/office/drawing/2014/main" id="{AD685F9F-4AE2-7E48-974F-8806684BD5CC}"/>
-              </a:ext>
-            </a:extLst>
-          </p:cNvPr>
-          <p:cNvSpPr>
-            <a:spLocks noGrp="1"/>
-          </p:cNvSpPr>
-          <p:nvPr>
-            <p:ph type="title"/>
-          </p:nvPr>
-        </p:nvSpPr>
-        <p:spPr/>
-        <p:txBody>
-          <a:bodyPr/>
-          <a:lstStyle/>
-          <a:p>
-            <a:r>
-              <a:rPr lang="en-US" b="1" dirty="0"/>
-              <a:t>Premature optimization</a:t>
-            </a:r>
-          </a:p>
-        </p:txBody>
-      </p:sp>
-      <p:sp>
-        <p:nvSpPr>
-          <p:cNvPr id="3" name="Content Placeholder 2">
-            <a:extLst>
-              <a:ext uri="{FF2B5EF4-FFF2-40B4-BE49-F238E27FC236}">
-                <a16:creationId xmlns:a16="http://schemas.microsoft.com/office/drawing/2014/main" id="{076E829A-FF86-0449-8764-7413A5A29074}"/>
-              </a:ext>
-            </a:extLst>
-          </p:cNvPr>
-          <p:cNvSpPr>
-            <a:spLocks noGrp="1"/>
-          </p:cNvSpPr>
-          <p:nvPr>
-            <p:ph idx="1"/>
-          </p:nvPr>
-        </p:nvSpPr>
-        <p:spPr/>
-        <p:txBody>
-          <a:bodyPr>
-            <a:normAutofit/>
-          </a:bodyPr>
-          <a:lstStyle/>
-          <a:p>
-            <a:r>
-              <a:rPr lang="en-US" dirty="0"/>
-              <a:t>It is tempting to optimize your code prematurely. </a:t>
-            </a:r>
-          </a:p>
-          <a:p>
-            <a:pPr lvl="1"/>
-            <a:r>
-              <a:rPr lang="en-US" dirty="0"/>
-              <a:t>Your code will be less clear to others.</a:t>
-            </a:r>
-          </a:p>
-          <a:p>
-            <a:pPr lvl="1"/>
-            <a:r>
-              <a:rPr lang="en-US" dirty="0"/>
-              <a:t>You will spend time on a problem that likely doesn’t exist.</a:t>
-            </a:r>
-          </a:p>
-          <a:p>
-            <a:r>
-              <a:rPr lang="en-US" dirty="0"/>
-              <a:t>Premature optimization adds complexity and in many cases is unjustified.</a:t>
-            </a:r>
-          </a:p>
-          <a:p>
-            <a:r>
-              <a:rPr lang="en-US" dirty="0"/>
-              <a:t>Make complexity earn its way into the source code.</a:t>
-            </a:r>
-          </a:p>
-          <a:p>
-            <a:r>
-              <a:rPr lang="en-US" dirty="0"/>
-              <a:t>You cannot quantify how your code will perform until you run it. </a:t>
-            </a:r>
-          </a:p>
-          <a:p>
-            <a:pPr lvl="1"/>
-            <a:r>
-              <a:rPr lang="en-US" dirty="0"/>
-              <a:t>Do not spend time optimizing it until there is an actual problem.</a:t>
-            </a:r>
-          </a:p>
-          <a:p>
-            <a:r>
-              <a:rPr lang="en-US" i="1" dirty="0"/>
-              <a:t>Keep it stupid simple</a:t>
-            </a:r>
-            <a:r>
-              <a:rPr lang="en-US" dirty="0"/>
-              <a:t> (the new KISS)		</a:t>
-            </a:r>
-          </a:p>
-          <a:p>
-            <a:endParaRPr lang="en-US" dirty="0"/>
-          </a:p>
-        </p:txBody>
-      </p:sp>
-    </p:spTree>
-    <p:extLst>
-      <p:ext uri="{BB962C8B-B14F-4D97-AF65-F5344CB8AC3E}">
-        <p14:creationId xmlns:p14="http://schemas.microsoft.com/office/powerpoint/2010/main" val="485614147"/>
-      </p:ext>
-    </p:extLst>
-  </p:cSld>
-  <p:clrMapOvr>
-    <a:masterClrMapping/>
-  </p:clrMapOvr>
-  <mc:AlternateContent xmlns:mc="http://schemas.openxmlformats.org/markup-compatibility/2006" xmlns:p14="http://schemas.microsoft.com/office/powerpoint/2010/main">
-    <mc:Choice Requires="p14">
-      <p:transition spd="med" p14:dur="700">
-        <p:fade/>
-      </p:transition>
-    </mc:Choice>
-    <mc:Fallback xmlns="">
-      <p:transition spd="med">
-        <p:fade/>
-      </p:transition>
-    </mc:Fallback>
-  </mc:AlternateContent>
-  <p:timing>
-    <p:tnLst>
-      <p:par>
-        <p:cTn id="1" dur="indefinite" restart="never" nodeType="tmRoot">
-          <p:childTnLst>
-            <p:seq concurrent="1" nextAc="seek">
-              <p:cTn id="2" dur="indefinite" nodeType="mainSeq">
-                <p:childTnLst>
-                  <p:par>
-                    <p:cTn id="3" fill="hold">
-                      <p:stCondLst>
-                        <p:cond delay="indefinite"/>
-                      </p:stCondLst>
-                      <p:childTnLst>
-                        <p:par>
-                          <p:cTn id="4" fill="hold">
-                            <p:stCondLst>
-                              <p:cond delay="0"/>
-                            </p:stCondLst>
-                            <p:childTnLst>
-                              <p:par>
-                                <p:cTn id="5" presetID="1" presetClass="entr" presetSubtype="0" fill="hold" grpId="0" nodeType="clickEffect">
-                                  <p:stCondLst>
-                                    <p:cond delay="0"/>
-                                  </p:stCondLst>
-                                  <p:childTnLst>
-                                    <p:set>
-                                      <p:cBhvr>
-                                        <p:cTn id="6" dur="1" fill="hold">
-                                          <p:stCondLst>
-                                            <p:cond delay="0"/>
-                                          </p:stCondLst>
-                                        </p:cTn>
-                                        <p:tgtEl>
-                                          <p:spTgt spid="3">
-                                            <p:txEl>
-                                              <p:pRg st="0" end="0"/>
-                                            </p:txEl>
-                                          </p:spTgt>
-                                        </p:tgtEl>
-                                        <p:attrNameLst>
-                                          <p:attrName>style.visibility</p:attrName>
-                                        </p:attrNameLst>
-                                      </p:cBhvr>
-                                      <p:to>
-                                        <p:strVal val="visible"/>
-                                      </p:to>
-                                    </p:set>
-                                  </p:childTnLst>
-                                </p:cTn>
-                              </p:par>
-                              <p:par>
-                                <p:cTn id="7" presetID="1" presetClass="entr" presetSubtype="0" fill="hold" grpId="0" nodeType="withEffect">
-                                  <p:stCondLst>
-                                    <p:cond delay="0"/>
-                                  </p:stCondLst>
-                                  <p:childTnLst>
-                                    <p:set>
-                                      <p:cBhvr>
-                                        <p:cTn id="8" dur="1" fill="hold">
-                                          <p:stCondLst>
-                                            <p:cond delay="0"/>
-                                          </p:stCondLst>
-                                        </p:cTn>
-                                        <p:tgtEl>
-                                          <p:spTgt spid="3">
-                                            <p:txEl>
-                                              <p:pRg st="1" end="1"/>
-                                            </p:txEl>
-                                          </p:spTgt>
-                                        </p:tgtEl>
-                                        <p:attrNameLst>
-                                          <p:attrName>style.visibility</p:attrName>
-                                        </p:attrNameLst>
-                                      </p:cBhvr>
-                                      <p:to>
-                                        <p:strVal val="visible"/>
-                                      </p:to>
-                                    </p:set>
-                                  </p:childTnLst>
-                                </p:cTn>
-                              </p:par>
-                              <p:par>
-                                <p:cTn id="9" presetID="1" presetClass="entr" presetSubtype="0" fill="hold" grpId="0" nodeType="withEffect">
-                                  <p:stCondLst>
-                                    <p:cond delay="0"/>
-                                  </p:stCondLst>
-                                  <p:childTnLst>
-                                    <p:set>
-                                      <p:cBhvr>
-                                        <p:cTn id="10" dur="1" fill="hold">
-                                          <p:stCondLst>
-                                            <p:cond delay="0"/>
-                                          </p:stCondLst>
-                                        </p:cTn>
-                                        <p:tgtEl>
-                                          <p:spTgt spid="3">
-                                            <p:txEl>
-                                              <p:pRg st="2" end="2"/>
-                                            </p:txEl>
-                                          </p:spTgt>
-                                        </p:tgtEl>
-                                        <p:attrNameLst>
-                                          <p:attrName>style.visibility</p:attrName>
-                                        </p:attrNameLst>
-                                      </p:cBhvr>
-                                      <p:to>
-                                        <p:strVal val="visible"/>
-                                      </p:to>
-                                    </p:set>
-                                  </p:childTnLst>
-                                </p:cTn>
-                              </p:par>
-                            </p:childTnLst>
-                          </p:cTn>
-                        </p:par>
-                      </p:childTnLst>
-                    </p:cTn>
-                  </p:par>
-                  <p:par>
-                    <p:cTn id="11" fill="hold">
-                      <p:stCondLst>
-                        <p:cond delay="indefinite"/>
-                      </p:stCondLst>
-                      <p:childTnLst>
-                        <p:par>
-                          <p:cTn id="12" fill="hold">
-                            <p:stCondLst>
-                              <p:cond delay="0"/>
-                            </p:stCondLst>
-                            <p:childTnLst>
-                              <p:par>
-                                <p:cTn id="13" presetID="1" presetClass="entr" presetSubtype="0" fill="hold" grpId="0" nodeType="clickEffect">
-                                  <p:stCondLst>
-                                    <p:cond delay="0"/>
-                                  </p:stCondLst>
-                                  <p:childTnLst>
-                                    <p:set>
-                                      <p:cBhvr>
-                                        <p:cTn id="14" dur="1" fill="hold">
-                                          <p:stCondLst>
-                                            <p:cond delay="0"/>
-                                          </p:stCondLst>
-                                        </p:cTn>
-                                        <p:tgtEl>
-                                          <p:spTgt spid="3">
-                                            <p:txEl>
-                                              <p:pRg st="3" end="3"/>
-                                            </p:txEl>
-                                          </p:spTgt>
-                                        </p:tgtEl>
-                                        <p:attrNameLst>
-                                          <p:attrName>style.visibility</p:attrName>
-                                        </p:attrNameLst>
-                                      </p:cBhvr>
-                                      <p:to>
-                                        <p:strVal val="visible"/>
-                                      </p:to>
-                                    </p:set>
-                                  </p:childTnLst>
-                                </p:cTn>
-                              </p:par>
-                            </p:childTnLst>
-                          </p:cTn>
-                        </p:par>
-                      </p:childTnLst>
-                    </p:cTn>
-                  </p:par>
-                  <p:par>
-                    <p:cTn id="15" fill="hold">
-                      <p:stCondLst>
-                        <p:cond delay="indefinite"/>
-                      </p:stCondLst>
-                      <p:childTnLst>
-                        <p:par>
-                          <p:cTn id="16" fill="hold">
-                            <p:stCondLst>
-                              <p:cond delay="0"/>
-                            </p:stCondLst>
-                            <p:childTnLst>
-                              <p:par>
-                                <p:cTn id="17" presetID="1" presetClass="entr" presetSubtype="0" fill="hold" grpId="0" nodeType="clickEffect">
-                                  <p:stCondLst>
-                                    <p:cond delay="0"/>
-                                  </p:stCondLst>
-                                  <p:childTnLst>
-                                    <p:set>
-                                      <p:cBhvr>
-                                        <p:cTn id="18" dur="1" fill="hold">
-                                          <p:stCondLst>
-                                            <p:cond delay="0"/>
-                                          </p:stCondLst>
-                                        </p:cTn>
-                                        <p:tgtEl>
-                                          <p:spTgt spid="3">
-                                            <p:txEl>
-                                              <p:pRg st="4" end="4"/>
-                                            </p:txEl>
-                                          </p:spTgt>
-                                        </p:tgtEl>
-                                        <p:attrNameLst>
-                                          <p:attrName>style.visibility</p:attrName>
-                                        </p:attrNameLst>
-                                      </p:cBhvr>
-                                      <p:to>
-                                        <p:strVal val="visible"/>
-                                      </p:to>
-                                    </p:set>
-                                  </p:childTnLst>
-                                </p:cTn>
-                              </p:par>
-                            </p:childTnLst>
-                          </p:cTn>
-                        </p:par>
-                      </p:childTnLst>
-                    </p:cTn>
-                  </p:par>
-                  <p:par>
-                    <p:cTn id="19" fill="hold">
-                      <p:stCondLst>
-                        <p:cond delay="indefinite"/>
-                      </p:stCondLst>
-                      <p:childTnLst>
-                        <p:par>
-                          <p:cTn id="20" fill="hold">
-                            <p:stCondLst>
-                              <p:cond delay="0"/>
-                            </p:stCondLst>
-                            <p:childTnLst>
-                              <p:par>
-                                <p:cTn id="21" presetID="1" presetClass="entr" presetSubtype="0" fill="hold" grpId="0" nodeType="clickEffect">
-                                  <p:stCondLst>
-                                    <p:cond delay="0"/>
-                                  </p:stCondLst>
-                                  <p:childTnLst>
-                                    <p:set>
-                                      <p:cBhvr>
-                                        <p:cTn id="22" dur="1" fill="hold">
-                                          <p:stCondLst>
-                                            <p:cond delay="0"/>
-                                          </p:stCondLst>
-                                        </p:cTn>
-                                        <p:tgtEl>
-                                          <p:spTgt spid="3">
-                                            <p:txEl>
-                                              <p:pRg st="5" end="5"/>
-                                            </p:txEl>
-                                          </p:spTgt>
-                                        </p:tgtEl>
-                                        <p:attrNameLst>
-                                          <p:attrName>style.visibility</p:attrName>
-                                        </p:attrNameLst>
-                                      </p:cBhvr>
-                                      <p:to>
-                                        <p:strVal val="visible"/>
-                                      </p:to>
-                                    </p:set>
-                                  </p:childTnLst>
-                                </p:cTn>
-                              </p:par>
-                              <p:par>
-                                <p:cTn id="23" presetID="1" presetClass="entr" presetSubtype="0" fill="hold" grpId="0" nodeType="withEffect">
-                                  <p:stCondLst>
-                                    <p:cond delay="0"/>
-                                  </p:stCondLst>
-                                  <p:childTnLst>
-                                    <p:set>
-                                      <p:cBhvr>
-                                        <p:cTn id="24" dur="1" fill="hold">
-                                          <p:stCondLst>
-                                            <p:cond delay="0"/>
-                                          </p:stCondLst>
-                                        </p:cTn>
-                                        <p:tgtEl>
-                                          <p:spTgt spid="3">
-                                            <p:txEl>
-                                              <p:pRg st="6" end="6"/>
-                                            </p:txEl>
-                                          </p:spTgt>
-                                        </p:tgtEl>
-                                        <p:attrNameLst>
-                                          <p:attrName>style.visibility</p:attrName>
-                                        </p:attrNameLst>
-                                      </p:cBhvr>
-                                      <p:to>
-                                        <p:strVal val="visible"/>
-                                      </p:to>
-                                    </p:set>
-                                  </p:childTnLst>
-                                </p:cTn>
-                              </p:par>
-                            </p:childTnLst>
-                          </p:cTn>
-                        </p:par>
-                      </p:childTnLst>
-                    </p:cTn>
-                  </p:par>
-                  <p:par>
-                    <p:cTn id="25" fill="hold">
-                      <p:stCondLst>
-                        <p:cond delay="indefinite"/>
-                      </p:stCondLst>
-                      <p:childTnLst>
-                        <p:par>
-                          <p:cTn id="26" fill="hold">
-                            <p:stCondLst>
-                              <p:cond delay="0"/>
-                            </p:stCondLst>
-                            <p:childTnLst>
-                              <p:par>
-                                <p:cTn id="27" presetID="1" presetClass="entr" presetSubtype="0" fill="hold" grpId="0" nodeType="clickEffect">
-                                  <p:stCondLst>
-                                    <p:cond delay="0"/>
-                                  </p:stCondLst>
-                                  <p:childTnLst>
-                                    <p:set>
-                                      <p:cBhvr>
-                                        <p:cTn id="28" dur="1" fill="hold">
-                                          <p:stCondLst>
-                                            <p:cond delay="0"/>
-                                          </p:stCondLst>
-                                        </p:cTn>
-                                        <p:tgtEl>
-                                          <p:spTgt spid="3">
-                                            <p:txEl>
-                                              <p:pRg st="7" end="7"/>
-                                            </p:txEl>
-                                          </p:spTgt>
-                                        </p:tgtEl>
-                                        <p:attrNameLst>
-                                          <p:attrName>style.visibility</p:attrName>
-                                        </p:attrNameLst>
-                                      </p:cBhvr>
-                                      <p:to>
-                                        <p:strVal val="visible"/>
-                                      </p:to>
-                                    </p:set>
-                                  </p:childTnLst>
-                                </p:cTn>
-                              </p:par>
-                            </p:childTnLst>
-                          </p:cTn>
-                        </p:par>
-                      </p:childTnLst>
-                    </p:cTn>
-                  </p:par>
-                </p:childTnLst>
-              </p:cTn>
-              <p:prevCondLst>
-                <p:cond evt="onPrev" delay="0">
-                  <p:tgtEl>
-                    <p:sldTgt/>
-                  </p:tgtEl>
-                </p:cond>
-              </p:prevCondLst>
-              <p:nextCondLst>
-                <p:cond evt="onNext" delay="0">
-                  <p:tgtEl>
-                    <p:sldTgt/>
-                  </p:tgtEl>
-                </p:cond>
-              </p:nextCondLst>
-            </p:seq>
-          </p:childTnLst>
-        </p:cTn>
-      </p:par>
-    </p:tnLst>
-    <p:bldLst>
-      <p:bldP spid="3" grpId="0" build="p"/>
-    </p:bldLst>
-  </p:timing>
-</p:sld>
-</file>
-
-<file path=ppt/slides/slide19.xml><?xml version="1.0" encoding="utf-8"?>
-<p:sld xmlns:a="http://schemas.openxmlformats.org/drawingml/2006/main" xmlns:r="http://schemas.openxmlformats.org/officeDocument/2006/relationships" xmlns:p="http://schemas.openxmlformats.org/presentationml/2006/main">
-  <p:cSld>
-    <p:spTree>
-      <p:nvGrpSpPr>
-        <p:cNvPr id="1" name=""/>
-        <p:cNvGrpSpPr/>
-        <p:nvPr/>
-      </p:nvGrpSpPr>
-      <p:grpSpPr>
-        <a:xfrm>
-          <a:off x="0" y="0"/>
-          <a:ext cx="0" cy="0"/>
-          <a:chOff x="0" y="0"/>
-          <a:chExt cx="0" cy="0"/>
-        </a:xfrm>
-      </p:grpSpPr>
-      <p:sp>
-        <p:nvSpPr>
-          <p:cNvPr id="2" name="Title 1">
-            <a:extLst>
-              <a:ext uri="{FF2B5EF4-FFF2-40B4-BE49-F238E27FC236}">
-                <a16:creationId xmlns:a16="http://schemas.microsoft.com/office/drawing/2014/main" id="{977B8AF1-3C5A-5B40-A022-7A684DB3C5B7}"/>
-              </a:ext>
-            </a:extLst>
-          </p:cNvPr>
-          <p:cNvSpPr>
-            <a:spLocks noGrp="1"/>
-          </p:cNvSpPr>
-          <p:nvPr>
-            <p:ph type="title"/>
-          </p:nvPr>
-        </p:nvSpPr>
-        <p:spPr/>
-        <p:txBody>
-          <a:bodyPr/>
-          <a:lstStyle/>
-          <a:p>
-            <a:r>
-              <a:rPr lang="en-US" b="1" dirty="0"/>
-              <a:t>Test-driven development mantra</a:t>
-            </a:r>
-            <a:endParaRPr lang="en-US" dirty="0"/>
-          </a:p>
-        </p:txBody>
-      </p:sp>
-      <p:sp>
-        <p:nvSpPr>
-          <p:cNvPr id="3" name="Content Placeholder 2">
-            <a:extLst>
-              <a:ext uri="{FF2B5EF4-FFF2-40B4-BE49-F238E27FC236}">
-                <a16:creationId xmlns:a16="http://schemas.microsoft.com/office/drawing/2014/main" id="{62151239-2C8C-5C47-B029-8E279A296E76}"/>
-              </a:ext>
-            </a:extLst>
-          </p:cNvPr>
-          <p:cNvSpPr>
-            <a:spLocks noGrp="1"/>
-          </p:cNvSpPr>
-          <p:nvPr>
-            <p:ph idx="1"/>
-          </p:nvPr>
-        </p:nvSpPr>
-        <p:spPr/>
-        <p:txBody>
-          <a:bodyPr/>
-          <a:lstStyle/>
-          <a:p>
-            <a:r>
-              <a:rPr lang="en-US" dirty="0"/>
-              <a:t>Red: Write a test that doesn't work or perhaps doesn't even compile.</a:t>
-            </a:r>
-          </a:p>
-          <a:p>
-            <a:r>
-              <a:rPr lang="en-US" dirty="0"/>
-              <a:t>Green: Make the test pass!</a:t>
-            </a:r>
-          </a:p>
-          <a:p>
-            <a:pPr lvl="1"/>
-            <a:r>
-              <a:rPr lang="en-US" dirty="0"/>
-              <a:t>Don't worry about code duplication or other code smells at this point.</a:t>
-            </a:r>
-          </a:p>
-          <a:p>
-            <a:r>
-              <a:rPr lang="en-US" dirty="0"/>
-              <a:t>Refactor: Eliminate code smells and make source code more communicative. </a:t>
-            </a:r>
-          </a:p>
-          <a:p>
-            <a:pPr lvl="1"/>
-            <a:r>
-              <a:rPr lang="en-US" dirty="0"/>
-              <a:t>All tests in the test suite must continue to pass successfully.</a:t>
-            </a:r>
-          </a:p>
-          <a:p>
-            <a:endParaRPr lang="en-US" dirty="0"/>
-          </a:p>
-        </p:txBody>
-      </p:sp>
-    </p:spTree>
-    <p:extLst>
-      <p:ext uri="{BB962C8B-B14F-4D97-AF65-F5344CB8AC3E}">
-        <p14:creationId xmlns:p14="http://schemas.microsoft.com/office/powerpoint/2010/main" val="375913966"/>
-      </p:ext>
-    </p:extLst>
-  </p:cSld>
-  <p:clrMapOvr>
-    <a:masterClrMapping/>
-  </p:clrMapOvr>
-  <mc:AlternateContent xmlns:mc="http://schemas.openxmlformats.org/markup-compatibility/2006" xmlns:p14="http://schemas.microsoft.com/office/powerpoint/2010/main">
-    <mc:Choice Requires="p14">
-      <p:transition spd="med" p14:dur="700">
-        <p:fade/>
-      </p:transition>
-    </mc:Choice>
-    <mc:Fallback xmlns="">
-      <p:transition spd="med">
-        <p:fade/>
-      </p:transition>
-    </mc:Fallback>
-  </mc:AlternateContent>
-  <p:timing>
-    <p:tnLst>
-      <p:par>
-        <p:cTn id="1" dur="indefinite" restart="never" nodeType="tmRoot">
-          <p:childTnLst>
-            <p:seq concurrent="1" nextAc="seek">
-              <p:cTn id="2" dur="indefinite" nodeType="mainSeq">
-                <p:childTnLst>
-                  <p:par>
-                    <p:cTn id="3" fill="hold">
-                      <p:stCondLst>
-                        <p:cond delay="indefinite"/>
-                      </p:stCondLst>
-                      <p:childTnLst>
-                        <p:par>
-                          <p:cTn id="4" fill="hold">
-                            <p:stCondLst>
-                              <p:cond delay="0"/>
-                            </p:stCondLst>
-                            <p:childTnLst>
-                              <p:par>
-                                <p:cTn id="5" presetID="1" presetClass="entr" presetSubtype="0" fill="hold" grpId="0" nodeType="clickEffect">
-                                  <p:stCondLst>
-                                    <p:cond delay="0"/>
-                                  </p:stCondLst>
-                                  <p:childTnLst>
-                                    <p:set>
-                                      <p:cBhvr>
-                                        <p:cTn id="6" dur="1" fill="hold">
-                                          <p:stCondLst>
-                                            <p:cond delay="0"/>
-                                          </p:stCondLst>
-                                        </p:cTn>
-                                        <p:tgtEl>
-                                          <p:spTgt spid="3">
-                                            <p:txEl>
-                                              <p:pRg st="0" end="0"/>
-                                            </p:txEl>
-                                          </p:spTgt>
-                                        </p:tgtEl>
-                                        <p:attrNameLst>
-                                          <p:attrName>style.visibility</p:attrName>
-                                        </p:attrNameLst>
-                                      </p:cBhvr>
-                                      <p:to>
-                                        <p:strVal val="visible"/>
-                                      </p:to>
-                                    </p:set>
-                                  </p:childTnLst>
-                                </p:cTn>
-                              </p:par>
-                            </p:childTnLst>
-                          </p:cTn>
-                        </p:par>
-                      </p:childTnLst>
-                    </p:cTn>
-                  </p:par>
-                  <p:par>
-                    <p:cTn id="7" fill="hold">
-                      <p:stCondLst>
-                        <p:cond delay="indefinite"/>
-                      </p:stCondLst>
-                      <p:childTnLst>
-                        <p:par>
-                          <p:cTn id="8" fill="hold">
-                            <p:stCondLst>
-                              <p:cond delay="0"/>
-                            </p:stCondLst>
-                            <p:childTnLst>
-                              <p:par>
-                                <p:cTn id="9" presetID="1" presetClass="entr" presetSubtype="0" fill="hold" grpId="0" nodeType="clickEffect">
-                                  <p:stCondLst>
-                                    <p:cond delay="0"/>
-                                  </p:stCondLst>
-                                  <p:childTnLst>
-                                    <p:set>
-                                      <p:cBhvr>
-                                        <p:cTn id="10" dur="1" fill="hold">
-                                          <p:stCondLst>
-                                            <p:cond delay="0"/>
-                                          </p:stCondLst>
-                                        </p:cTn>
-                                        <p:tgtEl>
-                                          <p:spTgt spid="3">
-                                            <p:txEl>
-                                              <p:pRg st="1" end="1"/>
-                                            </p:txEl>
-                                          </p:spTgt>
-                                        </p:tgtEl>
-                                        <p:attrNameLst>
-                                          <p:attrName>style.visibility</p:attrName>
-                                        </p:attrNameLst>
-                                      </p:cBhvr>
-                                      <p:to>
-                                        <p:strVal val="visible"/>
-                                      </p:to>
-                                    </p:set>
-                                  </p:childTnLst>
-                                </p:cTn>
-                              </p:par>
-                              <p:par>
-                                <p:cTn id="11" presetID="1" presetClass="entr" presetSubtype="0" fill="hold" grpId="0" nodeType="withEffect">
-                                  <p:stCondLst>
-                                    <p:cond delay="0"/>
-                                  </p:stCondLst>
-                                  <p:childTnLst>
-                                    <p:set>
-                                      <p:cBhvr>
-                                        <p:cTn id="12" dur="1" fill="hold">
-                                          <p:stCondLst>
-                                            <p:cond delay="0"/>
-                                          </p:stCondLst>
-                                        </p:cTn>
-                                        <p:tgtEl>
-                                          <p:spTgt spid="3">
-                                            <p:txEl>
-                                              <p:pRg st="2" end="2"/>
-                                            </p:txEl>
-                                          </p:spTgt>
-                                        </p:tgtEl>
-                                        <p:attrNameLst>
-                                          <p:attrName>style.visibility</p:attrName>
-                                        </p:attrNameLst>
-                                      </p:cBhvr>
-                                      <p:to>
-                                        <p:strVal val="visible"/>
-                                      </p:to>
-                                    </p:set>
-                                  </p:childTnLst>
-                                </p:cTn>
-                              </p:par>
-                            </p:childTnLst>
-                          </p:cTn>
-                        </p:par>
-                      </p:childTnLst>
-                    </p:cTn>
-                  </p:par>
-                  <p:par>
-                    <p:cTn id="13" fill="hold">
-                      <p:stCondLst>
-                        <p:cond delay="indefinite"/>
-                      </p:stCondLst>
-                      <p:childTnLst>
-                        <p:par>
-                          <p:cTn id="14" fill="hold">
-                            <p:stCondLst>
-                              <p:cond delay="0"/>
-                            </p:stCondLst>
-                            <p:childTnLst>
-                              <p:par>
-                                <p:cTn id="15" presetID="1" presetClass="entr" presetSubtype="0" fill="hold" grpId="0" nodeType="clickEffect">
-                                  <p:stCondLst>
-                                    <p:cond delay="0"/>
-                                  </p:stCondLst>
-                                  <p:childTnLst>
-                                    <p:set>
-                                      <p:cBhvr>
-                                        <p:cTn id="16" dur="1" fill="hold">
-                                          <p:stCondLst>
-                                            <p:cond delay="0"/>
-                                          </p:stCondLst>
-                                        </p:cTn>
-                                        <p:tgtEl>
-                                          <p:spTgt spid="3">
-                                            <p:txEl>
-                                              <p:pRg st="3" end="3"/>
-                                            </p:txEl>
-                                          </p:spTgt>
-                                        </p:tgtEl>
-                                        <p:attrNameLst>
-                                          <p:attrName>style.visibility</p:attrName>
-                                        </p:attrNameLst>
-                                      </p:cBhvr>
-                                      <p:to>
-                                        <p:strVal val="visible"/>
-                                      </p:to>
-                                    </p:set>
-                                  </p:childTnLst>
-                                </p:cTn>
-                              </p:par>
-                              <p:par>
-                                <p:cTn id="17" presetID="1" presetClass="entr" presetSubtype="0" fill="hold" grpId="0" nodeType="withEffect">
-                                  <p:stCondLst>
-                                    <p:cond delay="0"/>
-                                  </p:stCondLst>
-                                  <p:childTnLst>
-                                    <p:set>
-                                      <p:cBhvr>
-                                        <p:cTn id="18" dur="1" fill="hold">
-                                          <p:stCondLst>
-                                            <p:cond delay="0"/>
-                                          </p:stCondLst>
-                                        </p:cTn>
-                                        <p:tgtEl>
-                                          <p:spTgt spid="3">
-                                            <p:txEl>
-                                              <p:pRg st="4" end="4"/>
-                                            </p:txEl>
-                                          </p:spTgt>
-                                        </p:tgtEl>
-                                        <p:attrNameLst>
-                                          <p:attrName>style.visibility</p:attrName>
-                                        </p:attrNameLst>
-                                      </p:cBhvr>
-                                      <p:to>
-                                        <p:strVal val="visible"/>
-                                      </p:to>
-                                    </p:set>
-                                  </p:childTnLst>
-                                </p:cTn>
-                              </p:par>
-                            </p:childTnLst>
-                          </p:cTn>
-                        </p:par>
-                      </p:childTnLst>
-                    </p:cTn>
-                  </p:par>
-                </p:childTnLst>
-              </p:cTn>
-              <p:prevCondLst>
-                <p:cond evt="onPrev" delay="0">
-                  <p:tgtEl>
-                    <p:sldTgt/>
-                  </p:tgtEl>
-                </p:cond>
-              </p:prevCondLst>
-              <p:nextCondLst>
-                <p:cond evt="onNext" delay="0">
-                  <p:tgtEl>
-                    <p:sldTgt/>
-                  </p:tgtEl>
-                </p:cond>
-              </p:nextCondLst>
-            </p:seq>
-          </p:childTnLst>
-        </p:cTn>
-      </p:par>
-    </p:tnLst>
-    <p:bldLst>
-      <p:bldP spid="3" grpId="0" build="p"/>
-    </p:bldLst>
-  </p:timing>
-</p:sld>
-</file>
-
-<file path=ppt/slides/slide2.xml><?xml version="1.0" encoding="utf-8"?>
-<p:sld xmlns:a="http://schemas.openxmlformats.org/drawingml/2006/main" xmlns:r="http://schemas.openxmlformats.org/officeDocument/2006/relationships" xmlns:p="http://schemas.openxmlformats.org/presentationml/2006/main">
-  <p:cSld>
-    <p:spTree>
-      <p:nvGrpSpPr>
-        <p:cNvPr id="1" name=""/>
-        <p:cNvGrpSpPr/>
-        <p:nvPr/>
-      </p:nvGrpSpPr>
-      <p:grpSpPr>
-        <a:xfrm>
-          <a:off x="0" y="0"/>
-          <a:ext cx="0" cy="0"/>
-          <a:chOff x="0" y="0"/>
-          <a:chExt cx="0" cy="0"/>
-        </a:xfrm>
-      </p:grpSpPr>
-      <p:sp>
-        <p:nvSpPr>
-          <p:cNvPr id="2" name="Title 1">
-            <a:extLst>
-              <a:ext uri="{FF2B5EF4-FFF2-40B4-BE49-F238E27FC236}">
-                <a16:creationId xmlns:a16="http://schemas.microsoft.com/office/drawing/2014/main" id="{088D20AF-C8D6-8F4A-8259-3387A92CD5AF}"/>
-              </a:ext>
-            </a:extLst>
-          </p:cNvPr>
-          <p:cNvSpPr>
-            <a:spLocks noGrp="1"/>
-          </p:cNvSpPr>
-          <p:nvPr>
-            <p:ph type="title"/>
-          </p:nvPr>
-        </p:nvSpPr>
-        <p:spPr/>
-        <p:txBody>
-          <a:bodyPr>
-            <a:normAutofit/>
-          </a:bodyPr>
-          <a:lstStyle/>
-          <a:p>
-            <a:r>
-              <a:rPr lang="en-US" dirty="0"/>
-              <a:t>Programming is the art of telling </a:t>
-            </a:r>
-            <a:r>
-              <a:rPr lang="en-US" i="1" dirty="0"/>
-              <a:t>another human </a:t>
-            </a:r>
-            <a:r>
-              <a:rPr lang="en-US" dirty="0"/>
-              <a:t>what one wants the computer to do.</a:t>
-            </a:r>
-          </a:p>
-        </p:txBody>
-      </p:sp>
-      <p:sp>
-        <p:nvSpPr>
-          <p:cNvPr id="3" name="Text Placeholder 2">
-            <a:extLst>
-              <a:ext uri="{FF2B5EF4-FFF2-40B4-BE49-F238E27FC236}">
-                <a16:creationId xmlns:a16="http://schemas.microsoft.com/office/drawing/2014/main" id="{498F9B64-D584-0342-A129-54D3DEE160C1}"/>
-              </a:ext>
-            </a:extLst>
-          </p:cNvPr>
-          <p:cNvSpPr>
-            <a:spLocks noGrp="1"/>
-          </p:cNvSpPr>
-          <p:nvPr>
-            <p:ph type="body" idx="1"/>
-          </p:nvPr>
-        </p:nvSpPr>
-        <p:spPr/>
-        <p:txBody>
-          <a:bodyPr/>
-          <a:lstStyle/>
-          <a:p>
-            <a:r>
-              <a:rPr lang="en-US" dirty="0"/>
-              <a:t>Donald Knuth, Stanford University Professor Emeritus </a:t>
-            </a:r>
-          </a:p>
-        </p:txBody>
-      </p:sp>
-    </p:spTree>
-    <p:extLst>
-      <p:ext uri="{BB962C8B-B14F-4D97-AF65-F5344CB8AC3E}">
-        <p14:creationId xmlns:p14="http://schemas.microsoft.com/office/powerpoint/2010/main" val="1512781397"/>
-      </p:ext>
-    </p:extLst>
-  </p:cSld>
-  <p:clrMapOvr>
-    <a:masterClrMapping/>
-  </p:clrMapOvr>
-  <mc:AlternateContent xmlns:mc="http://schemas.openxmlformats.org/markup-compatibility/2006" xmlns:p14="http://schemas.microsoft.com/office/powerpoint/2010/main">
-    <mc:Choice Requires="p14">
-      <p:transition spd="med" p14:dur="700">
-        <p:fade/>
-      </p:transition>
-    </mc:Choice>
-    <mc:Fallback xmlns="">
-      <p:transition spd="med">
-        <p:fade/>
-      </p:transition>
-    </mc:Fallback>
-  </mc:AlternateContent>
-</p:sld>
-</file>
-
-<file path=ppt/slides/slide20.xml><?xml version="1.0" encoding="utf-8"?>
+<file path=ppt/slides/slide17.xml><?xml version="1.0" encoding="utf-8"?>
 <p:sld xmlns:a="http://schemas.openxmlformats.org/drawingml/2006/main" xmlns:r="http://schemas.openxmlformats.org/officeDocument/2006/relationships" xmlns:p="http://schemas.openxmlformats.org/presentationml/2006/main">
   <p:cSld>
     <p:spTree>
@@ -7823,282 +6692,7 @@
 </p:sld>
 </file>
 
-<file path=ppt/slides/slide21.xml><?xml version="1.0" encoding="utf-8"?>
-<p:sld xmlns:a="http://schemas.openxmlformats.org/drawingml/2006/main" xmlns:r="http://schemas.openxmlformats.org/officeDocument/2006/relationships" xmlns:p="http://schemas.openxmlformats.org/presentationml/2006/main">
-  <p:cSld>
-    <p:spTree>
-      <p:nvGrpSpPr>
-        <p:cNvPr id="1" name=""/>
-        <p:cNvGrpSpPr/>
-        <p:nvPr/>
-      </p:nvGrpSpPr>
-      <p:grpSpPr>
-        <a:xfrm>
-          <a:off x="0" y="0"/>
-          <a:ext cx="0" cy="0"/>
-          <a:chOff x="0" y="0"/>
-          <a:chExt cx="0" cy="0"/>
-        </a:xfrm>
-      </p:grpSpPr>
-      <p:sp>
-        <p:nvSpPr>
-          <p:cNvPr id="2" name="Title 1">
-            <a:extLst>
-              <a:ext uri="{FF2B5EF4-FFF2-40B4-BE49-F238E27FC236}">
-                <a16:creationId xmlns:a16="http://schemas.microsoft.com/office/drawing/2014/main" id="{4DF4B569-43D6-9B49-99FC-7E9C883B400D}"/>
-              </a:ext>
-            </a:extLst>
-          </p:cNvPr>
-          <p:cNvSpPr>
-            <a:spLocks noGrp="1"/>
-          </p:cNvSpPr>
-          <p:nvPr>
-            <p:ph type="title"/>
-          </p:nvPr>
-        </p:nvSpPr>
-        <p:spPr/>
-        <p:txBody>
-          <a:bodyPr/>
-          <a:lstStyle/>
-          <a:p>
-            <a:r>
-              <a:rPr lang="en-US" b="1" dirty="0"/>
-              <a:t>Modularity and decoupling</a:t>
-            </a:r>
-          </a:p>
-        </p:txBody>
-      </p:sp>
-      <p:sp>
-        <p:nvSpPr>
-          <p:cNvPr id="3" name="Content Placeholder 2">
-            <a:extLst>
-              <a:ext uri="{FF2B5EF4-FFF2-40B4-BE49-F238E27FC236}">
-                <a16:creationId xmlns:a16="http://schemas.microsoft.com/office/drawing/2014/main" id="{84345E35-78A2-834A-8238-8E82AC85C864}"/>
-              </a:ext>
-            </a:extLst>
-          </p:cNvPr>
-          <p:cNvSpPr>
-            <a:spLocks noGrp="1"/>
-          </p:cNvSpPr>
-          <p:nvPr>
-            <p:ph idx="1"/>
-          </p:nvPr>
-        </p:nvSpPr>
-        <p:spPr/>
-        <p:txBody>
-          <a:bodyPr>
-            <a:normAutofit/>
-          </a:bodyPr>
-          <a:lstStyle/>
-          <a:p>
-            <a:r>
-              <a:rPr lang="en-US" dirty="0"/>
-              <a:t>Breaking problems up into small, manageable components. </a:t>
-            </a:r>
-          </a:p>
-          <a:p>
-            <a:r>
-              <a:rPr lang="en-US" dirty="0"/>
-              <a:t>Loose coupling</a:t>
-            </a:r>
-          </a:p>
-          <a:p>
-            <a:pPr lvl="1"/>
-            <a:r>
-              <a:rPr lang="en-US" dirty="0"/>
-              <a:t>Ability to update parts of a system in isolation is an effective method for increasing developer agility and system stability. </a:t>
-            </a:r>
-          </a:p>
-        </p:txBody>
-      </p:sp>
-    </p:spTree>
-    <p:extLst>
-      <p:ext uri="{BB962C8B-B14F-4D97-AF65-F5344CB8AC3E}">
-        <p14:creationId xmlns:p14="http://schemas.microsoft.com/office/powerpoint/2010/main" val="1759203889"/>
-      </p:ext>
-    </p:extLst>
-  </p:cSld>
-  <p:clrMapOvr>
-    <a:masterClrMapping/>
-  </p:clrMapOvr>
-  <mc:AlternateContent xmlns:mc="http://schemas.openxmlformats.org/markup-compatibility/2006" xmlns:p14="http://schemas.microsoft.com/office/powerpoint/2010/main">
-    <mc:Choice Requires="p14">
-      <p:transition spd="med" p14:dur="700">
-        <p:fade/>
-      </p:transition>
-    </mc:Choice>
-    <mc:Fallback xmlns="">
-      <p:transition spd="med">
-        <p:fade/>
-      </p:transition>
-    </mc:Fallback>
-  </mc:AlternateContent>
-  <p:timing>
-    <p:tnLst>
-      <p:par>
-        <p:cTn id="1" dur="indefinite" restart="never" nodeType="tmRoot">
-          <p:childTnLst>
-            <p:seq concurrent="1" nextAc="seek">
-              <p:cTn id="2" dur="indefinite" nodeType="mainSeq">
-                <p:childTnLst>
-                  <p:par>
-                    <p:cTn id="3" fill="hold">
-                      <p:stCondLst>
-                        <p:cond delay="indefinite"/>
-                      </p:stCondLst>
-                      <p:childTnLst>
-                        <p:par>
-                          <p:cTn id="4" fill="hold">
-                            <p:stCondLst>
-                              <p:cond delay="0"/>
-                            </p:stCondLst>
-                            <p:childTnLst>
-                              <p:par>
-                                <p:cTn id="5" presetID="1" presetClass="entr" presetSubtype="0" fill="hold" grpId="0" nodeType="clickEffect">
-                                  <p:stCondLst>
-                                    <p:cond delay="0"/>
-                                  </p:stCondLst>
-                                  <p:childTnLst>
-                                    <p:set>
-                                      <p:cBhvr>
-                                        <p:cTn id="6" dur="1" fill="hold">
-                                          <p:stCondLst>
-                                            <p:cond delay="0"/>
-                                          </p:stCondLst>
-                                        </p:cTn>
-                                        <p:tgtEl>
-                                          <p:spTgt spid="3">
-                                            <p:txEl>
-                                              <p:pRg st="0" end="0"/>
-                                            </p:txEl>
-                                          </p:spTgt>
-                                        </p:tgtEl>
-                                        <p:attrNameLst>
-                                          <p:attrName>style.visibility</p:attrName>
-                                        </p:attrNameLst>
-                                      </p:cBhvr>
-                                      <p:to>
-                                        <p:strVal val="visible"/>
-                                      </p:to>
-                                    </p:set>
-                                  </p:childTnLst>
-                                </p:cTn>
-                              </p:par>
-                            </p:childTnLst>
-                          </p:cTn>
-                        </p:par>
-                      </p:childTnLst>
-                    </p:cTn>
-                  </p:par>
-                  <p:par>
-                    <p:cTn id="7" fill="hold">
-                      <p:stCondLst>
-                        <p:cond delay="indefinite"/>
-                      </p:stCondLst>
-                      <p:childTnLst>
-                        <p:par>
-                          <p:cTn id="8" fill="hold">
-                            <p:stCondLst>
-                              <p:cond delay="0"/>
-                            </p:stCondLst>
-                            <p:childTnLst>
-                              <p:par>
-                                <p:cTn id="9" presetID="1" presetClass="entr" presetSubtype="0" fill="hold" grpId="0" nodeType="clickEffect">
-                                  <p:stCondLst>
-                                    <p:cond delay="0"/>
-                                  </p:stCondLst>
-                                  <p:childTnLst>
-                                    <p:set>
-                                      <p:cBhvr>
-                                        <p:cTn id="10" dur="1" fill="hold">
-                                          <p:stCondLst>
-                                            <p:cond delay="0"/>
-                                          </p:stCondLst>
-                                        </p:cTn>
-                                        <p:tgtEl>
-                                          <p:spTgt spid="3">
-                                            <p:txEl>
-                                              <p:pRg st="1" end="1"/>
-                                            </p:txEl>
-                                          </p:spTgt>
-                                        </p:tgtEl>
-                                        <p:attrNameLst>
-                                          <p:attrName>style.visibility</p:attrName>
-                                        </p:attrNameLst>
-                                      </p:cBhvr>
-                                      <p:to>
-                                        <p:strVal val="visible"/>
-                                      </p:to>
-                                    </p:set>
-                                  </p:childTnLst>
-                                </p:cTn>
-                              </p:par>
-                              <p:par>
-                                <p:cTn id="11" presetID="1" presetClass="entr" presetSubtype="0" fill="hold" grpId="0" nodeType="withEffect">
-                                  <p:stCondLst>
-                                    <p:cond delay="0"/>
-                                  </p:stCondLst>
-                                  <p:childTnLst>
-                                    <p:set>
-                                      <p:cBhvr>
-                                        <p:cTn id="12" dur="1" fill="hold">
-                                          <p:stCondLst>
-                                            <p:cond delay="0"/>
-                                          </p:stCondLst>
-                                        </p:cTn>
-                                        <p:tgtEl>
-                                          <p:spTgt spid="3">
-                                            <p:txEl>
-                                              <p:pRg st="2" end="2"/>
-                                            </p:txEl>
-                                          </p:spTgt>
-                                        </p:tgtEl>
-                                        <p:attrNameLst>
-                                          <p:attrName>style.visibility</p:attrName>
-                                        </p:attrNameLst>
-                                      </p:cBhvr>
-                                      <p:to>
-                                        <p:strVal val="visible"/>
-                                      </p:to>
-                                    </p:set>
-                                  </p:childTnLst>
-                                </p:cTn>
-                              </p:par>
-                            </p:childTnLst>
-                          </p:cTn>
-                        </p:par>
-                      </p:childTnLst>
-                    </p:cTn>
-                  </p:par>
-                </p:childTnLst>
-              </p:cTn>
-              <p:prevCondLst>
-                <p:cond evt="onPrev" delay="0">
-                  <p:tgtEl>
-                    <p:sldTgt/>
-                  </p:tgtEl>
-                </p:cond>
-              </p:prevCondLst>
-              <p:nextCondLst>
-                <p:cond evt="onNext" delay="0">
-                  <p:tgtEl>
-                    <p:sldTgt/>
-                  </p:tgtEl>
-                </p:cond>
-              </p:nextCondLst>
-            </p:seq>
-          </p:childTnLst>
-        </p:cTn>
-      </p:par>
-    </p:tnLst>
-    <p:bldLst>
-      <p:bldP spid="3" grpId="0" build="p"/>
-    </p:bldLst>
-  </p:timing>
-</p:sld>
-</file>
-
-<file path=ppt/slides/slide22.xml><?xml version="1.0" encoding="utf-8"?>
+<file path=ppt/slides/slide18.xml><?xml version="1.0" encoding="utf-8"?>
 <p:sld xmlns:a="http://schemas.openxmlformats.org/drawingml/2006/main" xmlns:r="http://schemas.openxmlformats.org/officeDocument/2006/relationships" xmlns:p="http://schemas.openxmlformats.org/presentationml/2006/main">
   <p:cSld>
     <p:spTree>
@@ -8620,394 +7214,7 @@
 </p:sld>
 </file>
 
-<file path=ppt/slides/slide23.xml><?xml version="1.0" encoding="utf-8"?>
-<p:sld xmlns:a="http://schemas.openxmlformats.org/drawingml/2006/main" xmlns:r="http://schemas.openxmlformats.org/officeDocument/2006/relationships" xmlns:p="http://schemas.openxmlformats.org/presentationml/2006/main">
-  <p:cSld>
-    <p:spTree>
-      <p:nvGrpSpPr>
-        <p:cNvPr id="1" name=""/>
-        <p:cNvGrpSpPr/>
-        <p:nvPr/>
-      </p:nvGrpSpPr>
-      <p:grpSpPr>
-        <a:xfrm>
-          <a:off x="0" y="0"/>
-          <a:ext cx="0" cy="0"/>
-          <a:chOff x="0" y="0"/>
-          <a:chExt cx="0" cy="0"/>
-        </a:xfrm>
-      </p:grpSpPr>
-      <p:sp>
-        <p:nvSpPr>
-          <p:cNvPr id="2" name="Title 1">
-            <a:extLst>
-              <a:ext uri="{FF2B5EF4-FFF2-40B4-BE49-F238E27FC236}">
-                <a16:creationId xmlns:a16="http://schemas.microsoft.com/office/drawing/2014/main" id="{BABD1CAC-6277-124D-AB33-8288E45C6348}"/>
-              </a:ext>
-            </a:extLst>
-          </p:cNvPr>
-          <p:cNvSpPr>
-            <a:spLocks noGrp="1"/>
-          </p:cNvSpPr>
-          <p:nvPr>
-            <p:ph type="title"/>
-          </p:nvPr>
-        </p:nvSpPr>
-        <p:spPr/>
-        <p:txBody>
-          <a:bodyPr/>
-          <a:lstStyle/>
-          <a:p>
-            <a:r>
-              <a:rPr lang="en-US" b="1" dirty="0"/>
-              <a:t>Total Cost of Ownership (TCO)</a:t>
-            </a:r>
-          </a:p>
-        </p:txBody>
-      </p:sp>
-      <p:sp>
-        <p:nvSpPr>
-          <p:cNvPr id="3" name="Content Placeholder 2">
-            <a:extLst>
-              <a:ext uri="{FF2B5EF4-FFF2-40B4-BE49-F238E27FC236}">
-                <a16:creationId xmlns:a16="http://schemas.microsoft.com/office/drawing/2014/main" id="{532B2E44-37C7-8E48-AA25-73DDC1961F4C}"/>
-              </a:ext>
-            </a:extLst>
-          </p:cNvPr>
-          <p:cNvSpPr>
-            <a:spLocks noGrp="1"/>
-          </p:cNvSpPr>
-          <p:nvPr>
-            <p:ph idx="1"/>
-          </p:nvPr>
-        </p:nvSpPr>
-        <p:spPr/>
-        <p:txBody>
-          <a:bodyPr/>
-          <a:lstStyle/>
-          <a:p>
-            <a:r>
-              <a:rPr lang="en-US" dirty="0"/>
-              <a:t>The Total Cost of Ownership (TCO) of enterprise software is the sum of all direct and indirect costs incurred by that software.</a:t>
-            </a:r>
-          </a:p>
-          <a:p>
-            <a:pPr lvl="1"/>
-            <a:r>
-              <a:rPr lang="en-US" dirty="0"/>
-              <a:t>Software development is the biggest contributor.</a:t>
-            </a:r>
-          </a:p>
-          <a:p>
-            <a:r>
-              <a:rPr lang="en-US" dirty="0"/>
-              <a:t>TDD can significantly reduce the Total Cost of Ownership (TCO) of software development projects.</a:t>
-            </a:r>
-          </a:p>
-          <a:p>
-            <a:pPr lvl="1"/>
-            <a:r>
-              <a:rPr lang="en-US" dirty="0"/>
-              <a:t>Consider long-term maintenance and evolution.</a:t>
-            </a:r>
-          </a:p>
-          <a:p>
-            <a:pPr lvl="1"/>
-            <a:r>
-              <a:rPr lang="en-US" dirty="0"/>
-              <a:t>Technical debt can negatively impact TCO. </a:t>
-            </a:r>
-          </a:p>
-          <a:p>
-            <a:pPr lvl="1"/>
-            <a:r>
-              <a:rPr lang="en-US" dirty="0"/>
-              <a:t>Understanding and forecasting the TCO and is a critical part of the Return on Investment (ROI) calculation.</a:t>
-            </a:r>
-          </a:p>
-        </p:txBody>
-      </p:sp>
-    </p:spTree>
-    <p:extLst>
-      <p:ext uri="{BB962C8B-B14F-4D97-AF65-F5344CB8AC3E}">
-        <p14:creationId xmlns:p14="http://schemas.microsoft.com/office/powerpoint/2010/main" val="4039393474"/>
-      </p:ext>
-    </p:extLst>
-  </p:cSld>
-  <p:clrMapOvr>
-    <a:masterClrMapping/>
-  </p:clrMapOvr>
-  <mc:AlternateContent xmlns:mc="http://schemas.openxmlformats.org/markup-compatibility/2006" xmlns:p14="http://schemas.microsoft.com/office/powerpoint/2010/main">
-    <mc:Choice Requires="p14">
-      <p:transition spd="med" p14:dur="700">
-        <p:fade/>
-      </p:transition>
-    </mc:Choice>
-    <mc:Fallback xmlns="">
-      <p:transition spd="med">
-        <p:fade/>
-      </p:transition>
-    </mc:Fallback>
-  </mc:AlternateContent>
-  <p:timing>
-    <p:tnLst>
-      <p:par>
-        <p:cTn id="1" dur="indefinite" restart="never" nodeType="tmRoot">
-          <p:childTnLst>
-            <p:seq concurrent="1" nextAc="seek">
-              <p:cTn id="2" dur="indefinite" nodeType="mainSeq">
-                <p:childTnLst>
-                  <p:par>
-                    <p:cTn id="3" fill="hold">
-                      <p:stCondLst>
-                        <p:cond delay="indefinite"/>
-                      </p:stCondLst>
-                      <p:childTnLst>
-                        <p:par>
-                          <p:cTn id="4" fill="hold">
-                            <p:stCondLst>
-                              <p:cond delay="0"/>
-                            </p:stCondLst>
-                            <p:childTnLst>
-                              <p:par>
-                                <p:cTn id="5" presetID="1" presetClass="entr" presetSubtype="0" fill="hold" grpId="0" nodeType="clickEffect">
-                                  <p:stCondLst>
-                                    <p:cond delay="0"/>
-                                  </p:stCondLst>
-                                  <p:childTnLst>
-                                    <p:set>
-                                      <p:cBhvr>
-                                        <p:cTn id="6" dur="1" fill="hold">
-                                          <p:stCondLst>
-                                            <p:cond delay="0"/>
-                                          </p:stCondLst>
-                                        </p:cTn>
-                                        <p:tgtEl>
-                                          <p:spTgt spid="3">
-                                            <p:txEl>
-                                              <p:pRg st="0" end="0"/>
-                                            </p:txEl>
-                                          </p:spTgt>
-                                        </p:tgtEl>
-                                        <p:attrNameLst>
-                                          <p:attrName>style.visibility</p:attrName>
-                                        </p:attrNameLst>
-                                      </p:cBhvr>
-                                      <p:to>
-                                        <p:strVal val="visible"/>
-                                      </p:to>
-                                    </p:set>
-                                  </p:childTnLst>
-                                </p:cTn>
-                              </p:par>
-                              <p:par>
-                                <p:cTn id="7" presetID="1" presetClass="entr" presetSubtype="0" fill="hold" grpId="0" nodeType="withEffect">
-                                  <p:stCondLst>
-                                    <p:cond delay="0"/>
-                                  </p:stCondLst>
-                                  <p:childTnLst>
-                                    <p:set>
-                                      <p:cBhvr>
-                                        <p:cTn id="8" dur="1" fill="hold">
-                                          <p:stCondLst>
-                                            <p:cond delay="0"/>
-                                          </p:stCondLst>
-                                        </p:cTn>
-                                        <p:tgtEl>
-                                          <p:spTgt spid="3">
-                                            <p:txEl>
-                                              <p:pRg st="1" end="1"/>
-                                            </p:txEl>
-                                          </p:spTgt>
-                                        </p:tgtEl>
-                                        <p:attrNameLst>
-                                          <p:attrName>style.visibility</p:attrName>
-                                        </p:attrNameLst>
-                                      </p:cBhvr>
-                                      <p:to>
-                                        <p:strVal val="visible"/>
-                                      </p:to>
-                                    </p:set>
-                                  </p:childTnLst>
-                                </p:cTn>
-                              </p:par>
-                            </p:childTnLst>
-                          </p:cTn>
-                        </p:par>
-                      </p:childTnLst>
-                    </p:cTn>
-                  </p:par>
-                  <p:par>
-                    <p:cTn id="9" fill="hold">
-                      <p:stCondLst>
-                        <p:cond delay="indefinite"/>
-                      </p:stCondLst>
-                      <p:childTnLst>
-                        <p:par>
-                          <p:cTn id="10" fill="hold">
-                            <p:stCondLst>
-                              <p:cond delay="0"/>
-                            </p:stCondLst>
-                            <p:childTnLst>
-                              <p:par>
-                                <p:cTn id="11" presetID="1" presetClass="entr" presetSubtype="0" fill="hold" grpId="0" nodeType="clickEffect">
-                                  <p:stCondLst>
-                                    <p:cond delay="0"/>
-                                  </p:stCondLst>
-                                  <p:childTnLst>
-                                    <p:set>
-                                      <p:cBhvr>
-                                        <p:cTn id="12" dur="1" fill="hold">
-                                          <p:stCondLst>
-                                            <p:cond delay="0"/>
-                                          </p:stCondLst>
-                                        </p:cTn>
-                                        <p:tgtEl>
-                                          <p:spTgt spid="3">
-                                            <p:txEl>
-                                              <p:pRg st="2" end="2"/>
-                                            </p:txEl>
-                                          </p:spTgt>
-                                        </p:tgtEl>
-                                        <p:attrNameLst>
-                                          <p:attrName>style.visibility</p:attrName>
-                                        </p:attrNameLst>
-                                      </p:cBhvr>
-                                      <p:to>
-                                        <p:strVal val="visible"/>
-                                      </p:to>
-                                    </p:set>
-                                  </p:childTnLst>
-                                </p:cTn>
-                              </p:par>
-                              <p:par>
-                                <p:cTn id="13" presetID="1" presetClass="entr" presetSubtype="0" fill="hold" grpId="0" nodeType="withEffect">
-                                  <p:stCondLst>
-                                    <p:cond delay="0"/>
-                                  </p:stCondLst>
-                                  <p:childTnLst>
-                                    <p:set>
-                                      <p:cBhvr>
-                                        <p:cTn id="14" dur="1" fill="hold">
-                                          <p:stCondLst>
-                                            <p:cond delay="0"/>
-                                          </p:stCondLst>
-                                        </p:cTn>
-                                        <p:tgtEl>
-                                          <p:spTgt spid="3">
-                                            <p:txEl>
-                                              <p:pRg st="3" end="3"/>
-                                            </p:txEl>
-                                          </p:spTgt>
-                                        </p:tgtEl>
-                                        <p:attrNameLst>
-                                          <p:attrName>style.visibility</p:attrName>
-                                        </p:attrNameLst>
-                                      </p:cBhvr>
-                                      <p:to>
-                                        <p:strVal val="visible"/>
-                                      </p:to>
-                                    </p:set>
-                                  </p:childTnLst>
-                                </p:cTn>
-                              </p:par>
-                              <p:par>
-                                <p:cTn id="15" presetID="1" presetClass="entr" presetSubtype="0" fill="hold" grpId="0" nodeType="withEffect">
-                                  <p:stCondLst>
-                                    <p:cond delay="0"/>
-                                  </p:stCondLst>
-                                  <p:childTnLst>
-                                    <p:set>
-                                      <p:cBhvr>
-                                        <p:cTn id="16" dur="1" fill="hold">
-                                          <p:stCondLst>
-                                            <p:cond delay="0"/>
-                                          </p:stCondLst>
-                                        </p:cTn>
-                                        <p:tgtEl>
-                                          <p:spTgt spid="3">
-                                            <p:txEl>
-                                              <p:pRg st="4" end="4"/>
-                                            </p:txEl>
-                                          </p:spTgt>
-                                        </p:tgtEl>
-                                        <p:attrNameLst>
-                                          <p:attrName>style.visibility</p:attrName>
-                                        </p:attrNameLst>
-                                      </p:cBhvr>
-                                      <p:to>
-                                        <p:strVal val="visible"/>
-                                      </p:to>
-                                    </p:set>
-                                  </p:childTnLst>
-                                </p:cTn>
-                              </p:par>
-                              <p:par>
-                                <p:cTn id="17" presetID="1" presetClass="entr" presetSubtype="0" fill="hold" grpId="0" nodeType="withEffect">
-                                  <p:stCondLst>
-                                    <p:cond delay="0"/>
-                                  </p:stCondLst>
-                                  <p:childTnLst>
-                                    <p:set>
-                                      <p:cBhvr>
-                                        <p:cTn id="18" dur="1" fill="hold">
-                                          <p:stCondLst>
-                                            <p:cond delay="0"/>
-                                          </p:stCondLst>
-                                        </p:cTn>
-                                        <p:tgtEl>
-                                          <p:spTgt spid="3">
-                                            <p:txEl>
-                                              <p:pRg st="5" end="5"/>
-                                            </p:txEl>
-                                          </p:spTgt>
-                                        </p:tgtEl>
-                                        <p:attrNameLst>
-                                          <p:attrName>style.visibility</p:attrName>
-                                        </p:attrNameLst>
-                                      </p:cBhvr>
-                                      <p:to>
-                                        <p:strVal val="visible"/>
-                                      </p:to>
-                                    </p:set>
-                                  </p:childTnLst>
-                                </p:cTn>
-                              </p:par>
-                            </p:childTnLst>
-                          </p:cTn>
-                        </p:par>
-                      </p:childTnLst>
-                    </p:cTn>
-                  </p:par>
-                </p:childTnLst>
-              </p:cTn>
-              <p:prevCondLst>
-                <p:cond evt="onPrev" delay="0">
-                  <p:tgtEl>
-                    <p:sldTgt/>
-                  </p:tgtEl>
-                </p:cond>
-              </p:prevCondLst>
-              <p:nextCondLst>
-                <p:cond evt="onNext" delay="0">
-                  <p:tgtEl>
-                    <p:sldTgt/>
-                  </p:tgtEl>
-                </p:cond>
-              </p:nextCondLst>
-            </p:seq>
-          </p:childTnLst>
-        </p:cTn>
-      </p:par>
-    </p:tnLst>
-    <p:bldLst>
-      <p:bldP spid="3" grpId="0" build="p"/>
-    </p:bldLst>
-  </p:timing>
-</p:sld>
-</file>
-
-<file path=ppt/slides/slide24.xml><?xml version="1.0" encoding="utf-8"?>
+<file path=ppt/slides/slide19.xml><?xml version="1.0" encoding="utf-8"?>
 <p:sld xmlns:a="http://schemas.openxmlformats.org/drawingml/2006/main" xmlns:r="http://schemas.openxmlformats.org/officeDocument/2006/relationships" xmlns:p="http://schemas.openxmlformats.org/presentationml/2006/main">
   <p:cSld>
     <p:spTree>
@@ -9778,7 +7985,115 @@
 </p:sld>
 </file>
 
-<file path=ppt/slides/slide25.xml><?xml version="1.0" encoding="utf-8"?>
+<file path=ppt/slides/slide2.xml><?xml version="1.0" encoding="utf-8"?>
+<p:sld xmlns:a="http://schemas.openxmlformats.org/drawingml/2006/main" xmlns:r="http://schemas.openxmlformats.org/officeDocument/2006/relationships" xmlns:p="http://schemas.openxmlformats.org/presentationml/2006/main">
+  <p:cSld>
+    <p:spTree>
+      <p:nvGrpSpPr>
+        <p:cNvPr id="1" name=""/>
+        <p:cNvGrpSpPr/>
+        <p:nvPr/>
+      </p:nvGrpSpPr>
+      <p:grpSpPr>
+        <a:xfrm>
+          <a:off x="0" y="0"/>
+          <a:ext cx="0" cy="0"/>
+          <a:chOff x="0" y="0"/>
+          <a:chExt cx="0" cy="0"/>
+        </a:xfrm>
+      </p:grpSpPr>
+      <p:sp>
+        <p:nvSpPr>
+          <p:cNvPr id="2" name="Title 1">
+            <a:extLst>
+              <a:ext uri="{FF2B5EF4-FFF2-40B4-BE49-F238E27FC236}">
+                <a16:creationId xmlns:a16="http://schemas.microsoft.com/office/drawing/2014/main" id="{088D20AF-C8D6-8F4A-8259-3387A92CD5AF}"/>
+              </a:ext>
+            </a:extLst>
+          </p:cNvPr>
+          <p:cNvSpPr>
+            <a:spLocks noGrp="1"/>
+          </p:cNvSpPr>
+          <p:nvPr>
+            <p:ph type="title"/>
+          </p:nvPr>
+        </p:nvSpPr>
+        <p:spPr/>
+        <p:txBody>
+          <a:bodyPr>
+            <a:normAutofit/>
+          </a:bodyPr>
+          <a:lstStyle/>
+          <a:p>
+            <a:r>
+              <a:rPr lang="en-US" dirty="0"/>
+              <a:t>Programming is the art of telling </a:t>
+            </a:r>
+            <a:r>
+              <a:rPr lang="en-US" i="1" dirty="0"/>
+              <a:t>another human </a:t>
+            </a:r>
+            <a:r>
+              <a:rPr lang="en-US" dirty="0"/>
+              <a:t>what one wants the computer to do.</a:t>
+            </a:r>
+          </a:p>
+        </p:txBody>
+      </p:sp>
+      <p:sp>
+        <p:nvSpPr>
+          <p:cNvPr id="3" name="Text Placeholder 2">
+            <a:extLst>
+              <a:ext uri="{FF2B5EF4-FFF2-40B4-BE49-F238E27FC236}">
+                <a16:creationId xmlns:a16="http://schemas.microsoft.com/office/drawing/2014/main" id="{498F9B64-D584-0342-A129-54D3DEE160C1}"/>
+              </a:ext>
+            </a:extLst>
+          </p:cNvPr>
+          <p:cNvSpPr>
+            <a:spLocks noGrp="1"/>
+          </p:cNvSpPr>
+          <p:nvPr>
+            <p:ph type="body" idx="1"/>
+          </p:nvPr>
+        </p:nvSpPr>
+        <p:spPr/>
+        <p:txBody>
+          <a:bodyPr/>
+          <a:lstStyle/>
+          <a:p>
+            <a:r>
+              <a:rPr lang="en-US" dirty="0"/>
+              <a:t>Donald Knuth, Stanford University Professor Emeritus </a:t>
+            </a:r>
+          </a:p>
+        </p:txBody>
+      </p:sp>
+    </p:spTree>
+    <p:extLst>
+      <p:ext uri="{BB962C8B-B14F-4D97-AF65-F5344CB8AC3E}">
+        <p14:creationId xmlns:p14="http://schemas.microsoft.com/office/powerpoint/2010/main" val="1512781397"/>
+      </p:ext>
+    </p:extLst>
+  </p:cSld>
+  <p:clrMapOvr>
+    <a:masterClrMapping/>
+  </p:clrMapOvr>
+  <mc:AlternateContent xmlns:mc="http://schemas.openxmlformats.org/markup-compatibility/2006" xmlns:p14="http://schemas.microsoft.com/office/powerpoint/2010/main">
+    <mc:Choice Requires="p14">
+      <p:transition spd="med" p14:dur="700">
+        <p:fade/>
+      </p:transition>
+    </mc:Choice>
+    <mc:Fallback xmlns="">
+      <p:transition spd="med">
+        <p:fade/>
+      </p:transition>
+    </mc:Fallback>
+  </mc:AlternateContent>
+</p:sld>
+</file>
+
+<file path=ppt/slides/slide20.xml><?xml version="1.0" encoding="utf-8"?>
 <p:sld xmlns:a="http://schemas.openxmlformats.org/drawingml/2006/main" xmlns:r="http://schemas.openxmlformats.org/officeDocument/2006/relationships" xmlns:p="http://schemas.openxmlformats.org/presentationml/2006/main">
   <p:cSld>
     <p:spTree>
@@ -9951,469 +8266,6 @@
           <a:p>
             <a:r>
               <a:rPr lang="en-US" b="1" dirty="0"/>
-              <a:t>Fear</a:t>
-            </a:r>
-          </a:p>
-        </p:txBody>
-      </p:sp>
-      <p:sp>
-        <p:nvSpPr>
-          <p:cNvPr id="3" name="Content Placeholder 2">
-            <a:extLst>
-              <a:ext uri="{FF2B5EF4-FFF2-40B4-BE49-F238E27FC236}">
-                <a16:creationId xmlns:a16="http://schemas.microsoft.com/office/drawing/2014/main" id="{62151239-2C8C-5C47-B029-8E279A296E76}"/>
-              </a:ext>
-            </a:extLst>
-          </p:cNvPr>
-          <p:cNvSpPr>
-            <a:spLocks noGrp="1"/>
-          </p:cNvSpPr>
-          <p:nvPr>
-            <p:ph idx="1"/>
-          </p:nvPr>
-        </p:nvSpPr>
-        <p:spPr/>
-        <p:txBody>
-          <a:bodyPr/>
-          <a:lstStyle/>
-          <a:p>
-            <a:r>
-              <a:rPr lang="en-US" dirty="0"/>
-              <a:t>Fear makes you…</a:t>
-            </a:r>
-          </a:p>
-          <a:p>
-            <a:pPr lvl="1"/>
-            <a:r>
-              <a:rPr lang="en-US" dirty="0"/>
-              <a:t>Tentative</a:t>
-            </a:r>
-          </a:p>
-          <a:p>
-            <a:pPr lvl="1"/>
-            <a:r>
-              <a:rPr lang="en-US" dirty="0"/>
-              <a:t>Communicate less</a:t>
-            </a:r>
-          </a:p>
-          <a:p>
-            <a:pPr lvl="1"/>
-            <a:r>
-              <a:rPr lang="en-US" dirty="0"/>
-              <a:t>Avoid feedback</a:t>
-            </a:r>
-          </a:p>
-          <a:p>
-            <a:r>
-              <a:rPr lang="en-US" dirty="0"/>
-              <a:t>Test-driven development provides us with courage to</a:t>
-            </a:r>
-          </a:p>
-          <a:p>
-            <a:pPr lvl="1"/>
-            <a:r>
-              <a:rPr lang="en-US" dirty="0"/>
-              <a:t>Begin learning as quickly as possible--tight feedback loop</a:t>
-            </a:r>
-          </a:p>
-          <a:p>
-            <a:pPr lvl="1"/>
-            <a:r>
-              <a:rPr lang="en-US" dirty="0"/>
-              <a:t>Communicate clearly</a:t>
-            </a:r>
-          </a:p>
-          <a:p>
-            <a:pPr lvl="1"/>
-            <a:r>
-              <a:rPr lang="en-US" dirty="0"/>
-              <a:t>Search out concrete, helpful feedback</a:t>
-            </a:r>
-          </a:p>
-        </p:txBody>
-      </p:sp>
-    </p:spTree>
-    <p:extLst>
-      <p:ext uri="{BB962C8B-B14F-4D97-AF65-F5344CB8AC3E}">
-        <p14:creationId xmlns:p14="http://schemas.microsoft.com/office/powerpoint/2010/main" val="1950738135"/>
-      </p:ext>
-    </p:extLst>
-  </p:cSld>
-  <p:clrMapOvr>
-    <a:masterClrMapping/>
-  </p:clrMapOvr>
-  <mc:AlternateContent xmlns:mc="http://schemas.openxmlformats.org/markup-compatibility/2006" xmlns:p14="http://schemas.microsoft.com/office/powerpoint/2010/main">
-    <mc:Choice Requires="p14">
-      <p:transition spd="med" p14:dur="700">
-        <p:fade/>
-      </p:transition>
-    </mc:Choice>
-    <mc:Fallback xmlns="">
-      <p:transition spd="med">
-        <p:fade/>
-      </p:transition>
-    </mc:Fallback>
-  </mc:AlternateContent>
-  <p:timing>
-    <p:tnLst>
-      <p:par>
-        <p:cTn id="1" dur="indefinite" restart="never" nodeType="tmRoot">
-          <p:childTnLst>
-            <p:seq concurrent="1" nextAc="seek">
-              <p:cTn id="2" dur="indefinite" nodeType="mainSeq">
-                <p:childTnLst>
-                  <p:par>
-                    <p:cTn id="3" fill="hold">
-                      <p:stCondLst>
-                        <p:cond delay="indefinite"/>
-                      </p:stCondLst>
-                      <p:childTnLst>
-                        <p:par>
-                          <p:cTn id="4" fill="hold">
-                            <p:stCondLst>
-                              <p:cond delay="0"/>
-                            </p:stCondLst>
-                            <p:childTnLst>
-                              <p:par>
-                                <p:cTn id="5" presetID="1" presetClass="entr" presetSubtype="0" fill="hold" grpId="0" nodeType="clickEffect">
-                                  <p:stCondLst>
-                                    <p:cond delay="0"/>
-                                  </p:stCondLst>
-                                  <p:childTnLst>
-                                    <p:set>
-                                      <p:cBhvr>
-                                        <p:cTn id="6" dur="1" fill="hold">
-                                          <p:stCondLst>
-                                            <p:cond delay="0"/>
-                                          </p:stCondLst>
-                                        </p:cTn>
-                                        <p:tgtEl>
-                                          <p:spTgt spid="3">
-                                            <p:txEl>
-                                              <p:pRg st="0" end="0"/>
-                                            </p:txEl>
-                                          </p:spTgt>
-                                        </p:tgtEl>
-                                        <p:attrNameLst>
-                                          <p:attrName>style.visibility</p:attrName>
-                                        </p:attrNameLst>
-                                      </p:cBhvr>
-                                      <p:to>
-                                        <p:strVal val="visible"/>
-                                      </p:to>
-                                    </p:set>
-                                  </p:childTnLst>
-                                </p:cTn>
-                              </p:par>
-                              <p:par>
-                                <p:cTn id="7" presetID="1" presetClass="entr" presetSubtype="0" fill="hold" grpId="0" nodeType="withEffect">
-                                  <p:stCondLst>
-                                    <p:cond delay="0"/>
-                                  </p:stCondLst>
-                                  <p:childTnLst>
-                                    <p:set>
-                                      <p:cBhvr>
-                                        <p:cTn id="8" dur="1" fill="hold">
-                                          <p:stCondLst>
-                                            <p:cond delay="0"/>
-                                          </p:stCondLst>
-                                        </p:cTn>
-                                        <p:tgtEl>
-                                          <p:spTgt spid="3">
-                                            <p:txEl>
-                                              <p:pRg st="1" end="1"/>
-                                            </p:txEl>
-                                          </p:spTgt>
-                                        </p:tgtEl>
-                                        <p:attrNameLst>
-                                          <p:attrName>style.visibility</p:attrName>
-                                        </p:attrNameLst>
-                                      </p:cBhvr>
-                                      <p:to>
-                                        <p:strVal val="visible"/>
-                                      </p:to>
-                                    </p:set>
-                                  </p:childTnLst>
-                                </p:cTn>
-                              </p:par>
-                              <p:par>
-                                <p:cTn id="9" presetID="1" presetClass="entr" presetSubtype="0" fill="hold" grpId="0" nodeType="withEffect">
-                                  <p:stCondLst>
-                                    <p:cond delay="0"/>
-                                  </p:stCondLst>
-                                  <p:childTnLst>
-                                    <p:set>
-                                      <p:cBhvr>
-                                        <p:cTn id="10" dur="1" fill="hold">
-                                          <p:stCondLst>
-                                            <p:cond delay="0"/>
-                                          </p:stCondLst>
-                                        </p:cTn>
-                                        <p:tgtEl>
-                                          <p:spTgt spid="3">
-                                            <p:txEl>
-                                              <p:pRg st="2" end="2"/>
-                                            </p:txEl>
-                                          </p:spTgt>
-                                        </p:tgtEl>
-                                        <p:attrNameLst>
-                                          <p:attrName>style.visibility</p:attrName>
-                                        </p:attrNameLst>
-                                      </p:cBhvr>
-                                      <p:to>
-                                        <p:strVal val="visible"/>
-                                      </p:to>
-                                    </p:set>
-                                  </p:childTnLst>
-                                </p:cTn>
-                              </p:par>
-                              <p:par>
-                                <p:cTn id="11" presetID="1" presetClass="entr" presetSubtype="0" fill="hold" grpId="0" nodeType="withEffect">
-                                  <p:stCondLst>
-                                    <p:cond delay="0"/>
-                                  </p:stCondLst>
-                                  <p:childTnLst>
-                                    <p:set>
-                                      <p:cBhvr>
-                                        <p:cTn id="12" dur="1" fill="hold">
-                                          <p:stCondLst>
-                                            <p:cond delay="0"/>
-                                          </p:stCondLst>
-                                        </p:cTn>
-                                        <p:tgtEl>
-                                          <p:spTgt spid="3">
-                                            <p:txEl>
-                                              <p:pRg st="3" end="3"/>
-                                            </p:txEl>
-                                          </p:spTgt>
-                                        </p:tgtEl>
-                                        <p:attrNameLst>
-                                          <p:attrName>style.visibility</p:attrName>
-                                        </p:attrNameLst>
-                                      </p:cBhvr>
-                                      <p:to>
-                                        <p:strVal val="visible"/>
-                                      </p:to>
-                                    </p:set>
-                                  </p:childTnLst>
-                                </p:cTn>
-                              </p:par>
-                            </p:childTnLst>
-                          </p:cTn>
-                        </p:par>
-                      </p:childTnLst>
-                    </p:cTn>
-                  </p:par>
-                  <p:par>
-                    <p:cTn id="13" fill="hold">
-                      <p:stCondLst>
-                        <p:cond delay="indefinite"/>
-                      </p:stCondLst>
-                      <p:childTnLst>
-                        <p:par>
-                          <p:cTn id="14" fill="hold">
-                            <p:stCondLst>
-                              <p:cond delay="0"/>
-                            </p:stCondLst>
-                            <p:childTnLst>
-                              <p:par>
-                                <p:cTn id="15" presetID="1" presetClass="entr" presetSubtype="0" fill="hold" grpId="0" nodeType="clickEffect">
-                                  <p:stCondLst>
-                                    <p:cond delay="0"/>
-                                  </p:stCondLst>
-                                  <p:childTnLst>
-                                    <p:set>
-                                      <p:cBhvr>
-                                        <p:cTn id="16" dur="1" fill="hold">
-                                          <p:stCondLst>
-                                            <p:cond delay="0"/>
-                                          </p:stCondLst>
-                                        </p:cTn>
-                                        <p:tgtEl>
-                                          <p:spTgt spid="3">
-                                            <p:txEl>
-                                              <p:pRg st="4" end="4"/>
-                                            </p:txEl>
-                                          </p:spTgt>
-                                        </p:tgtEl>
-                                        <p:attrNameLst>
-                                          <p:attrName>style.visibility</p:attrName>
-                                        </p:attrNameLst>
-                                      </p:cBhvr>
-                                      <p:to>
-                                        <p:strVal val="visible"/>
-                                      </p:to>
-                                    </p:set>
-                                  </p:childTnLst>
-                                </p:cTn>
-                              </p:par>
-                              <p:par>
-                                <p:cTn id="17" presetID="1" presetClass="entr" presetSubtype="0" fill="hold" grpId="0" nodeType="withEffect">
-                                  <p:stCondLst>
-                                    <p:cond delay="0"/>
-                                  </p:stCondLst>
-                                  <p:childTnLst>
-                                    <p:set>
-                                      <p:cBhvr>
-                                        <p:cTn id="18" dur="1" fill="hold">
-                                          <p:stCondLst>
-                                            <p:cond delay="0"/>
-                                          </p:stCondLst>
-                                        </p:cTn>
-                                        <p:tgtEl>
-                                          <p:spTgt spid="3">
-                                            <p:txEl>
-                                              <p:pRg st="5" end="5"/>
-                                            </p:txEl>
-                                          </p:spTgt>
-                                        </p:tgtEl>
-                                        <p:attrNameLst>
-                                          <p:attrName>style.visibility</p:attrName>
-                                        </p:attrNameLst>
-                                      </p:cBhvr>
-                                      <p:to>
-                                        <p:strVal val="visible"/>
-                                      </p:to>
-                                    </p:set>
-                                  </p:childTnLst>
-                                </p:cTn>
-                              </p:par>
-                              <p:par>
-                                <p:cTn id="19" presetID="1" presetClass="entr" presetSubtype="0" fill="hold" grpId="0" nodeType="withEffect">
-                                  <p:stCondLst>
-                                    <p:cond delay="0"/>
-                                  </p:stCondLst>
-                                  <p:childTnLst>
-                                    <p:set>
-                                      <p:cBhvr>
-                                        <p:cTn id="20" dur="1" fill="hold">
-                                          <p:stCondLst>
-                                            <p:cond delay="0"/>
-                                          </p:stCondLst>
-                                        </p:cTn>
-                                        <p:tgtEl>
-                                          <p:spTgt spid="3">
-                                            <p:txEl>
-                                              <p:pRg st="6" end="6"/>
-                                            </p:txEl>
-                                          </p:spTgt>
-                                        </p:tgtEl>
-                                        <p:attrNameLst>
-                                          <p:attrName>style.visibility</p:attrName>
-                                        </p:attrNameLst>
-                                      </p:cBhvr>
-                                      <p:to>
-                                        <p:strVal val="visible"/>
-                                      </p:to>
-                                    </p:set>
-                                  </p:childTnLst>
-                                </p:cTn>
-                              </p:par>
-                              <p:par>
-                                <p:cTn id="21" presetID="1" presetClass="entr" presetSubtype="0" fill="hold" grpId="0" nodeType="withEffect">
-                                  <p:stCondLst>
-                                    <p:cond delay="0"/>
-                                  </p:stCondLst>
-                                  <p:childTnLst>
-                                    <p:set>
-                                      <p:cBhvr>
-                                        <p:cTn id="22" dur="1" fill="hold">
-                                          <p:stCondLst>
-                                            <p:cond delay="0"/>
-                                          </p:stCondLst>
-                                        </p:cTn>
-                                        <p:tgtEl>
-                                          <p:spTgt spid="3">
-                                            <p:txEl>
-                                              <p:pRg st="7" end="7"/>
-                                            </p:txEl>
-                                          </p:spTgt>
-                                        </p:tgtEl>
-                                        <p:attrNameLst>
-                                          <p:attrName>style.visibility</p:attrName>
-                                        </p:attrNameLst>
-                                      </p:cBhvr>
-                                      <p:to>
-                                        <p:strVal val="visible"/>
-                                      </p:to>
-                                    </p:set>
-                                  </p:childTnLst>
-                                </p:cTn>
-                              </p:par>
-                            </p:childTnLst>
-                          </p:cTn>
-                        </p:par>
-                      </p:childTnLst>
-                    </p:cTn>
-                  </p:par>
-                </p:childTnLst>
-              </p:cTn>
-              <p:prevCondLst>
-                <p:cond evt="onPrev" delay="0">
-                  <p:tgtEl>
-                    <p:sldTgt/>
-                  </p:tgtEl>
-                </p:cond>
-              </p:prevCondLst>
-              <p:nextCondLst>
-                <p:cond evt="onNext" delay="0">
-                  <p:tgtEl>
-                    <p:sldTgt/>
-                  </p:tgtEl>
-                </p:cond>
-              </p:nextCondLst>
-            </p:seq>
-          </p:childTnLst>
-        </p:cTn>
-      </p:par>
-    </p:tnLst>
-    <p:bldLst>
-      <p:bldP spid="3" grpId="0" build="p"/>
-    </p:bldLst>
-  </p:timing>
-</p:sld>
-</file>
-
-<file path=ppt/slides/slide4.xml><?xml version="1.0" encoding="utf-8"?>
-<p:sld xmlns:a="http://schemas.openxmlformats.org/drawingml/2006/main" xmlns:r="http://schemas.openxmlformats.org/officeDocument/2006/relationships" xmlns:p="http://schemas.openxmlformats.org/presentationml/2006/main">
-  <p:cSld>
-    <p:spTree>
-      <p:nvGrpSpPr>
-        <p:cNvPr id="1" name=""/>
-        <p:cNvGrpSpPr/>
-        <p:nvPr/>
-      </p:nvGrpSpPr>
-      <p:grpSpPr>
-        <a:xfrm>
-          <a:off x="0" y="0"/>
-          <a:ext cx="0" cy="0"/>
-          <a:chOff x="0" y="0"/>
-          <a:chExt cx="0" cy="0"/>
-        </a:xfrm>
-      </p:grpSpPr>
-      <p:sp>
-        <p:nvSpPr>
-          <p:cNvPr id="2" name="Title 1">
-            <a:extLst>
-              <a:ext uri="{FF2B5EF4-FFF2-40B4-BE49-F238E27FC236}">
-                <a16:creationId xmlns:a16="http://schemas.microsoft.com/office/drawing/2014/main" id="{977B8AF1-3C5A-5B40-A022-7A684DB3C5B7}"/>
-              </a:ext>
-            </a:extLst>
-          </p:cNvPr>
-          <p:cNvSpPr>
-            <a:spLocks noGrp="1"/>
-          </p:cNvSpPr>
-          <p:nvPr>
-            <p:ph type="title"/>
-          </p:nvPr>
-        </p:nvSpPr>
-        <p:spPr/>
-        <p:txBody>
-          <a:bodyPr/>
-          <a:lstStyle/>
-          <a:p>
-            <a:r>
-              <a:rPr lang="en-US" b="1" dirty="0"/>
               <a:t>Why Test-Driven Development?</a:t>
             </a:r>
           </a:p>
@@ -10504,6 +8356,12 @@
             <a:r>
               <a:rPr lang="en-US" dirty="0"/>
               <a:t>Unit tests communicate the soundness of design decisions.</a:t>
+            </a:r>
+          </a:p>
+          <a:p>
+            <a:r>
+              <a:rPr lang="en-US" dirty="0"/>
+              <a:t>Unit tests help us prove basic correctness of our solution.</a:t>
             </a:r>
           </a:p>
           <a:p>
@@ -10842,6 +8700,55 @@
                       </p:childTnLst>
                     </p:cTn>
                   </p:par>
+                  <p:par>
+                    <p:cTn id="25" fill="hold">
+                      <p:stCondLst>
+                        <p:cond delay="indefinite"/>
+                      </p:stCondLst>
+                      <p:childTnLst>
+                        <p:par>
+                          <p:cTn id="26" fill="hold">
+                            <p:stCondLst>
+                              <p:cond delay="0"/>
+                            </p:stCondLst>
+                            <p:childTnLst>
+                              <p:par>
+                                <p:cTn id="27" presetID="1" presetClass="entr" presetSubtype="0" fill="hold" grpId="0" nodeType="clickEffect">
+                                  <p:stCondLst>
+                                    <p:cond delay="0"/>
+                                  </p:stCondLst>
+                                  <p:childTnLst>
+                                    <p:set>
+                                      <p:cBhvr>
+                                        <p:cTn id="28" dur="1" fill="hold">
+                                          <p:stCondLst>
+                                            <p:cond delay="0"/>
+                                          </p:stCondLst>
+                                        </p:cTn>
+                                        <p:tgtEl>
+                                          <p:spTgt spid="3">
+                                            <p:txEl>
+                                              <p:pRg st="7" end="7"/>
+                                            </p:txEl>
+                                          </p:spTgt>
+                                        </p:tgtEl>
+                                        <p:attrNameLst>
+                                          <p:attrName>style.visibility</p:attrName>
+                                        </p:attrNameLst>
+                                      </p:cBhvr>
+                                      <p:to>
+                                        <p:strVal val="visible"/>
+                                      </p:to>
+                                    </p:set>
+                                  </p:childTnLst>
+                                </p:cTn>
+                              </p:par>
+                            </p:childTnLst>
+                          </p:cTn>
+                        </p:par>
+                      </p:childTnLst>
+                    </p:cTn>
+                  </p:par>
                 </p:childTnLst>
               </p:cTn>
               <p:prevCondLst>
@@ -10870,7 +8777,7 @@
 </p:sld>
 </file>
 
-<file path=ppt/slides/slide5.xml><?xml version="1.0" encoding="utf-8"?>
+<file path=ppt/slides/slide4.xml><?xml version="1.0" encoding="utf-8"?>
 <p:sld xmlns:a="http://schemas.openxmlformats.org/drawingml/2006/main" xmlns:r="http://schemas.openxmlformats.org/officeDocument/2006/relationships" xmlns:p="http://schemas.openxmlformats.org/presentationml/2006/main">
   <p:cSld>
     <p:spTree>
@@ -10946,7 +8853,7 @@
           <a:p>
             <a:r>
               <a:rPr lang="en-US" dirty="0"/>
-              <a:t>Forces you to deeply contemplate the problem domain.</a:t>
+              <a:t>Forces you to deeply contemplate the problem domain as new functionality is added to the system.</a:t>
             </a:r>
           </a:p>
           <a:p>
@@ -10958,13 +8865,7 @@
           <a:p>
             <a:r>
               <a:rPr lang="en-US" dirty="0"/>
-              <a:t>Write better designed code with fewer bugs.</a:t>
-            </a:r>
-          </a:p>
-          <a:p>
-            <a:r>
-              <a:rPr lang="en-US" dirty="0"/>
-              <a:t>Flexible code that is adaptive to change.</a:t>
+              <a:t>Write better designed code that is adaptive to change and has fewer bugs.</a:t>
             </a:r>
           </a:p>
           <a:p>
@@ -10977,12 +8878,6 @@
             <a:r>
               <a:rPr lang="en-US" dirty="0"/>
               <a:t>Document your code by giving usage examples.</a:t>
-            </a:r>
-          </a:p>
-          <a:p>
-            <a:r>
-              <a:rPr lang="en-US" dirty="0"/>
-              <a:t>Think twice before adding new features. </a:t>
             </a:r>
           </a:p>
         </p:txBody>
@@ -11311,104 +9206,6 @@
                       </p:childTnLst>
                     </p:cTn>
                   </p:par>
-                  <p:par>
-                    <p:cTn id="27" fill="hold">
-                      <p:stCondLst>
-                        <p:cond delay="indefinite"/>
-                      </p:stCondLst>
-                      <p:childTnLst>
-                        <p:par>
-                          <p:cTn id="28" fill="hold">
-                            <p:stCondLst>
-                              <p:cond delay="0"/>
-                            </p:stCondLst>
-                            <p:childTnLst>
-                              <p:par>
-                                <p:cTn id="29" presetID="1" presetClass="entr" presetSubtype="0" fill="hold" grpId="0" nodeType="clickEffect">
-                                  <p:stCondLst>
-                                    <p:cond delay="0"/>
-                                  </p:stCondLst>
-                                  <p:childTnLst>
-                                    <p:set>
-                                      <p:cBhvr>
-                                        <p:cTn id="30" dur="1" fill="hold">
-                                          <p:stCondLst>
-                                            <p:cond delay="0"/>
-                                          </p:stCondLst>
-                                        </p:cTn>
-                                        <p:tgtEl>
-                                          <p:spTgt spid="3">
-                                            <p:txEl>
-                                              <p:pRg st="6" end="6"/>
-                                            </p:txEl>
-                                          </p:spTgt>
-                                        </p:tgtEl>
-                                        <p:attrNameLst>
-                                          <p:attrName>style.visibility</p:attrName>
-                                        </p:attrNameLst>
-                                      </p:cBhvr>
-                                      <p:to>
-                                        <p:strVal val="visible"/>
-                                      </p:to>
-                                    </p:set>
-                                  </p:childTnLst>
-                                </p:cTn>
-                              </p:par>
-                            </p:childTnLst>
-                          </p:cTn>
-                        </p:par>
-                      </p:childTnLst>
-                    </p:cTn>
-                  </p:par>
-                  <p:par>
-                    <p:cTn id="31" fill="hold">
-                      <p:stCondLst>
-                        <p:cond delay="indefinite"/>
-                      </p:stCondLst>
-                      <p:childTnLst>
-                        <p:par>
-                          <p:cTn id="32" fill="hold">
-                            <p:stCondLst>
-                              <p:cond delay="0"/>
-                            </p:stCondLst>
-                            <p:childTnLst>
-                              <p:par>
-                                <p:cTn id="33" presetID="1" presetClass="entr" presetSubtype="0" fill="hold" grpId="0" nodeType="clickEffect">
-                                  <p:stCondLst>
-                                    <p:cond delay="0"/>
-                                  </p:stCondLst>
-                                  <p:childTnLst>
-                                    <p:set>
-                                      <p:cBhvr>
-                                        <p:cTn id="34" dur="1" fill="hold">
-                                          <p:stCondLst>
-                                            <p:cond delay="0"/>
-                                          </p:stCondLst>
-                                        </p:cTn>
-                                        <p:tgtEl>
-                                          <p:spTgt spid="3">
-                                            <p:txEl>
-                                              <p:pRg st="7" end="7"/>
-                                            </p:txEl>
-                                          </p:spTgt>
-                                        </p:tgtEl>
-                                        <p:attrNameLst>
-                                          <p:attrName>style.visibility</p:attrName>
-                                        </p:attrNameLst>
-                                      </p:cBhvr>
-                                      <p:to>
-                                        <p:strVal val="visible"/>
-                                      </p:to>
-                                    </p:set>
-                                  </p:childTnLst>
-                                </p:cTn>
-                              </p:par>
-                            </p:childTnLst>
-                          </p:cTn>
-                        </p:par>
-                      </p:childTnLst>
-                    </p:cTn>
-                  </p:par>
                 </p:childTnLst>
               </p:cTn>
               <p:prevCondLst>
@@ -11437,7 +9234,7 @@
 </p:sld>
 </file>
 
-<file path=ppt/slides/slide6.xml><?xml version="1.0" encoding="utf-8"?>
+<file path=ppt/slides/slide5.xml><?xml version="1.0" encoding="utf-8"?>
 <p:sld xmlns:a="http://schemas.openxmlformats.org/drawingml/2006/main" xmlns:r="http://schemas.openxmlformats.org/officeDocument/2006/relationships" xmlns:p="http://schemas.openxmlformats.org/presentationml/2006/main">
   <p:cSld>
     <p:spTree>
@@ -11899,7 +9696,7 @@
 </p:sld>
 </file>
 
-<file path=ppt/slides/slide7.xml><?xml version="1.0" encoding="utf-8"?>
+<file path=ppt/slides/slide6.xml><?xml version="1.0" encoding="utf-8"?>
 <p:sld xmlns:a="http://schemas.openxmlformats.org/drawingml/2006/main" xmlns:r="http://schemas.openxmlformats.org/officeDocument/2006/relationships" xmlns:p="http://schemas.openxmlformats.org/presentationml/2006/main">
   <p:cSld>
     <p:bg>
@@ -12114,6 +9911,180 @@
 </p:sld>
 </file>
 
+<file path=ppt/slides/slide7.xml><?xml version="1.0" encoding="utf-8"?>
+<p:sld xmlns:a="http://schemas.openxmlformats.org/drawingml/2006/main" xmlns:r="http://schemas.openxmlformats.org/officeDocument/2006/relationships" xmlns:p="http://schemas.openxmlformats.org/presentationml/2006/main">
+  <p:cSld>
+    <p:spTree>
+      <p:nvGrpSpPr>
+        <p:cNvPr id="1" name=""/>
+        <p:cNvGrpSpPr/>
+        <p:nvPr/>
+      </p:nvGrpSpPr>
+      <p:grpSpPr>
+        <a:xfrm>
+          <a:off x="0" y="0"/>
+          <a:ext cx="0" cy="0"/>
+          <a:chOff x="0" y="0"/>
+          <a:chExt cx="0" cy="0"/>
+        </a:xfrm>
+      </p:grpSpPr>
+      <p:sp>
+        <p:nvSpPr>
+          <p:cNvPr id="2" name="Title 1">
+            <a:extLst>
+              <a:ext uri="{FF2B5EF4-FFF2-40B4-BE49-F238E27FC236}">
+                <a16:creationId xmlns:a16="http://schemas.microsoft.com/office/drawing/2014/main" id="{167FB807-0881-FD4A-9B6E-D1C034DD1CD1}"/>
+              </a:ext>
+            </a:extLst>
+          </p:cNvPr>
+          <p:cNvSpPr>
+            <a:spLocks noGrp="1"/>
+          </p:cNvSpPr>
+          <p:nvPr>
+            <p:ph type="title"/>
+          </p:nvPr>
+        </p:nvSpPr>
+        <p:spPr/>
+        <p:txBody>
+          <a:bodyPr/>
+          <a:lstStyle/>
+          <a:p>
+            <a:r>
+              <a:rPr lang="en-US" b="1" dirty="0"/>
+              <a:t>Unit vs. Integration Tests</a:t>
+            </a:r>
+          </a:p>
+        </p:txBody>
+      </p:sp>
+      <p:sp>
+        <p:nvSpPr>
+          <p:cNvPr id="3" name="Content Placeholder 2">
+            <a:extLst>
+              <a:ext uri="{FF2B5EF4-FFF2-40B4-BE49-F238E27FC236}">
+                <a16:creationId xmlns:a16="http://schemas.microsoft.com/office/drawing/2014/main" id="{2F885BEF-EBDE-404D-90EE-74526E3FF980}"/>
+              </a:ext>
+            </a:extLst>
+          </p:cNvPr>
+          <p:cNvSpPr>
+            <a:spLocks noGrp="1"/>
+          </p:cNvSpPr>
+          <p:nvPr>
+            <p:ph sz="half" idx="1"/>
+          </p:nvPr>
+        </p:nvSpPr>
+        <p:spPr/>
+        <p:txBody>
+          <a:bodyPr/>
+          <a:lstStyle/>
+          <a:p>
+            <a:r>
+              <a:rPr lang="en-US" dirty="0"/>
+              <a:t>Isolated methods or functions.</a:t>
+            </a:r>
+          </a:p>
+          <a:p>
+            <a:r>
+              <a:rPr lang="en-US" dirty="0"/>
+              <a:t>Focus on allocating responsibility and proving basic correctness.</a:t>
+            </a:r>
+          </a:p>
+          <a:p>
+            <a:r>
+              <a:rPr lang="en-US" dirty="0"/>
+              <a:t>Execute quickly.</a:t>
+            </a:r>
+          </a:p>
+          <a:p>
+            <a:r>
+              <a:rPr lang="en-US" dirty="0"/>
+              <a:t>Test doubles usage.</a:t>
+            </a:r>
+          </a:p>
+          <a:p>
+            <a:r>
+              <a:rPr lang="en-US" dirty="0"/>
+              <a:t>Written along with code, hopefully test-first.</a:t>
+            </a:r>
+          </a:p>
+          <a:p>
+            <a:r>
+              <a:rPr lang="en-US" dirty="0"/>
+              <a:t>Created and maintained by developers.</a:t>
+            </a:r>
+          </a:p>
+          <a:p>
+            <a:endParaRPr lang="en-US" dirty="0"/>
+          </a:p>
+        </p:txBody>
+      </p:sp>
+      <p:sp>
+        <p:nvSpPr>
+          <p:cNvPr id="4" name="Content Placeholder 3">
+            <a:extLst>
+              <a:ext uri="{FF2B5EF4-FFF2-40B4-BE49-F238E27FC236}">
+                <a16:creationId xmlns:a16="http://schemas.microsoft.com/office/drawing/2014/main" id="{3D373A1D-D53B-4741-8567-F644D4ABF2F4}"/>
+              </a:ext>
+            </a:extLst>
+          </p:cNvPr>
+          <p:cNvSpPr>
+            <a:spLocks noGrp="1"/>
+          </p:cNvSpPr>
+          <p:nvPr>
+            <p:ph sz="half" idx="2"/>
+          </p:nvPr>
+        </p:nvSpPr>
+        <p:spPr/>
+        <p:txBody>
+          <a:bodyPr/>
+          <a:lstStyle/>
+          <a:p>
+            <a:r>
+              <a:rPr lang="en-US" dirty="0"/>
+              <a:t>Integrate components together.</a:t>
+            </a:r>
+          </a:p>
+          <a:p>
+            <a:r>
+              <a:rPr lang="en-US" dirty="0"/>
+              <a:t>Connect to databases, caches, messaging systems, external APIs, and other dependencies.</a:t>
+            </a:r>
+          </a:p>
+          <a:p>
+            <a:r>
+              <a:rPr lang="en-US" dirty="0"/>
+              <a:t>Execution can be slower.</a:t>
+            </a:r>
+          </a:p>
+          <a:p>
+            <a:r>
+              <a:rPr lang="en-US" dirty="0"/>
+              <a:t>External dependencies can be difficult to control.</a:t>
+            </a:r>
+          </a:p>
+          <a:p>
+            <a:r>
+              <a:rPr lang="en-US" dirty="0"/>
+              <a:t>Focus on verifying component integration.</a:t>
+            </a:r>
+          </a:p>
+          <a:p>
+            <a:endParaRPr lang="en-US" dirty="0"/>
+          </a:p>
+        </p:txBody>
+      </p:sp>
+    </p:spTree>
+    <p:extLst>
+      <p:ext uri="{BB962C8B-B14F-4D97-AF65-F5344CB8AC3E}">
+        <p14:creationId xmlns:p14="http://schemas.microsoft.com/office/powerpoint/2010/main" val="61147624"/>
+      </p:ext>
+    </p:extLst>
+  </p:cSld>
+  <p:clrMapOvr>
+    <a:masterClrMapping/>
+  </p:clrMapOvr>
+</p:sld>
+</file>
+
 <file path=ppt/slides/slide8.xml><?xml version="1.0" encoding="utf-8"?>
 <p:sld xmlns:a="http://schemas.openxmlformats.org/drawingml/2006/main" xmlns:r="http://schemas.openxmlformats.org/officeDocument/2006/relationships" xmlns:p="http://schemas.openxmlformats.org/presentationml/2006/main">
   <p:cSld>
@@ -12133,10 +10104,10 @@
       </p:grpSpPr>
       <p:sp>
         <p:nvSpPr>
-          <p:cNvPr id="2" name="Title 1">
+          <p:cNvPr id="5" name="Title 4">
             <a:extLst>
               <a:ext uri="{FF2B5EF4-FFF2-40B4-BE49-F238E27FC236}">
-                <a16:creationId xmlns:a16="http://schemas.microsoft.com/office/drawing/2014/main" id="{167FB807-0881-FD4A-9B6E-D1C034DD1CD1}"/>
+                <a16:creationId xmlns:a16="http://schemas.microsoft.com/office/drawing/2014/main" id="{91C2DFAA-F0DA-2743-931C-1BFF5CF81AD9}"/>
               </a:ext>
             </a:extLst>
           </p:cNvPr>
@@ -12154,17 +10125,17 @@
           <a:p>
             <a:r>
               <a:rPr lang="en-US" b="1" dirty="0"/>
-              <a:t>Unit vs. Integration Tests</a:t>
-            </a:r>
-          </a:p>
-        </p:txBody>
-      </p:sp>
-      <p:sp>
-        <p:nvSpPr>
-          <p:cNvPr id="3" name="Content Placeholder 2">
+              <a:t>Unit testing focus</a:t>
+            </a:r>
+          </a:p>
+        </p:txBody>
+      </p:sp>
+      <p:sp>
+        <p:nvSpPr>
+          <p:cNvPr id="6" name="Content Placeholder 5">
             <a:extLst>
               <a:ext uri="{FF2B5EF4-FFF2-40B4-BE49-F238E27FC236}">
-                <a16:creationId xmlns:a16="http://schemas.microsoft.com/office/drawing/2014/main" id="{2F885BEF-EBDE-404D-90EE-74526E3FF980}"/>
+                <a16:creationId xmlns:a16="http://schemas.microsoft.com/office/drawing/2014/main" id="{394406EC-25CE-DF44-8CEB-C30CD59FC429}"/>
               </a:ext>
             </a:extLst>
           </p:cNvPr>
@@ -12172,105 +10143,69 @@
             <a:spLocks noGrp="1"/>
           </p:cNvSpPr>
           <p:nvPr>
-            <p:ph sz="half" idx="1"/>
+            <p:ph idx="1"/>
           </p:nvPr>
         </p:nvSpPr>
         <p:spPr/>
         <p:txBody>
-          <a:bodyPr/>
+          <a:bodyPr>
+            <a:normAutofit/>
+          </a:bodyPr>
           <a:lstStyle/>
           <a:p>
             <a:r>
               <a:rPr lang="en-US" dirty="0"/>
-              <a:t>Isolated methods or functions.</a:t>
-            </a:r>
-          </a:p>
-          <a:p>
-            <a:r>
-              <a:rPr lang="en-US" dirty="0"/>
-              <a:t>Focus on allocating responsibility.</a:t>
-            </a:r>
-          </a:p>
-          <a:p>
-            <a:r>
-              <a:rPr lang="en-US" dirty="0"/>
-              <a:t>Execute quickly.</a:t>
-            </a:r>
-          </a:p>
-          <a:p>
-            <a:r>
-              <a:rPr lang="en-US" dirty="0"/>
-              <a:t>Test doubles usage.</a:t>
-            </a:r>
-          </a:p>
-          <a:p>
-            <a:r>
-              <a:rPr lang="en-US" dirty="0"/>
-              <a:t>Written along with code, hopefully test-first.</a:t>
-            </a:r>
-          </a:p>
-          <a:p>
-            <a:r>
-              <a:rPr lang="en-US" dirty="0"/>
-              <a:t>Created and maintained by developers.</a:t>
-            </a:r>
-          </a:p>
-          <a:p>
-            <a:endParaRPr lang="en-US" dirty="0"/>
-          </a:p>
-        </p:txBody>
-      </p:sp>
-      <p:sp>
-        <p:nvSpPr>
-          <p:cNvPr id="4" name="Content Placeholder 3">
-            <a:extLst>
-              <a:ext uri="{FF2B5EF4-FFF2-40B4-BE49-F238E27FC236}">
-                <a16:creationId xmlns:a16="http://schemas.microsoft.com/office/drawing/2014/main" id="{3D373A1D-D53B-4741-8567-F644D4ABF2F4}"/>
-              </a:ext>
-            </a:extLst>
-          </p:cNvPr>
-          <p:cNvSpPr>
-            <a:spLocks noGrp="1"/>
-          </p:cNvSpPr>
-          <p:nvPr>
-            <p:ph sz="half" idx="2"/>
-          </p:nvPr>
-        </p:nvSpPr>
-        <p:spPr/>
-        <p:txBody>
-          <a:bodyPr/>
-          <a:lstStyle/>
-          <a:p>
-            <a:r>
-              <a:rPr lang="en-US" dirty="0"/>
-              <a:t>Integrate components together.</a:t>
-            </a:r>
-          </a:p>
-          <a:p>
-            <a:r>
-              <a:rPr lang="en-US" dirty="0"/>
-              <a:t>Connect to databases, caches, messaging systems, external APIs, and other dependencies.</a:t>
-            </a:r>
-          </a:p>
-          <a:p>
-            <a:r>
-              <a:rPr lang="en-US" dirty="0"/>
-              <a:t>Execution can be slower.</a:t>
-            </a:r>
-          </a:p>
-          <a:p>
-            <a:r>
-              <a:rPr lang="en-US" dirty="0"/>
-              <a:t>External dependencies can be difficult to control.</a:t>
-            </a:r>
-          </a:p>
-          <a:p>
-            <a:r>
-              <a:rPr lang="en-US" dirty="0"/>
-              <a:t>Focus on verifying desired functionality.</a:t>
-            </a:r>
-          </a:p>
-          <a:p>
+              <a:t>Write unit tests as you write your code for each component of your system.</a:t>
+            </a:r>
+          </a:p>
+          <a:p>
+            <a:r>
+              <a:rPr lang="en-US" dirty="0"/>
+              <a:t>Contracts specified as interfaces.</a:t>
+            </a:r>
+          </a:p>
+          <a:p>
+            <a:pPr lvl="1"/>
+            <a:r>
+              <a:rPr lang="en-US" dirty="0"/>
+              <a:t>Collaboration tests </a:t>
+            </a:r>
+          </a:p>
+          <a:p>
+            <a:pPr lvl="1"/>
+            <a:r>
+              <a:rPr lang="en-US" dirty="0"/>
+              <a:t>Contract tests</a:t>
+            </a:r>
+          </a:p>
+          <a:p>
+            <a:r>
+              <a:rPr lang="en-US" dirty="0"/>
+              <a:t>Use unit tests to refactor your code.</a:t>
+            </a:r>
+          </a:p>
+          <a:p>
+            <a:r>
+              <a:rPr lang="en-US" dirty="0"/>
+              <a:t>Not much planning needed to start unit testing.</a:t>
+            </a:r>
+          </a:p>
+          <a:p>
+            <a:pPr lvl="1"/>
+            <a:r>
+              <a:rPr lang="en-US" dirty="0"/>
+              <a:t>Unit tests are isolated from external dependencies.</a:t>
+            </a:r>
+          </a:p>
+          <a:p>
+            <a:pPr lvl="1"/>
+            <a:r>
+              <a:rPr lang="en-US" dirty="0"/>
+              <a:t>Just Do It!</a:t>
+            </a:r>
+          </a:p>
+          <a:p>
+            <a:pPr lvl="1"/>
             <a:endParaRPr lang="en-US" dirty="0"/>
           </a:p>
         </p:txBody>
@@ -12278,7 +10213,7 @@
     </p:spTree>
     <p:extLst>
       <p:ext uri="{BB962C8B-B14F-4D97-AF65-F5344CB8AC3E}">
-        <p14:creationId xmlns:p14="http://schemas.microsoft.com/office/powerpoint/2010/main" val="61147624"/>
+        <p14:creationId xmlns:p14="http://schemas.microsoft.com/office/powerpoint/2010/main" val="3950663072"/>
       </p:ext>
     </p:extLst>
   </p:cSld>
@@ -12307,10 +10242,10 @@
       </p:grpSpPr>
       <p:sp>
         <p:nvSpPr>
-          <p:cNvPr id="5" name="Title 4">
+          <p:cNvPr id="2" name="Title 1">
             <a:extLst>
               <a:ext uri="{FF2B5EF4-FFF2-40B4-BE49-F238E27FC236}">
-                <a16:creationId xmlns:a16="http://schemas.microsoft.com/office/drawing/2014/main" id="{91C2DFAA-F0DA-2743-931C-1BFF5CF81AD9}"/>
+                <a16:creationId xmlns:a16="http://schemas.microsoft.com/office/drawing/2014/main" id="{DC370169-002A-674B-9A16-6C9EB2CF507E}"/>
               </a:ext>
             </a:extLst>
           </p:cNvPr>
@@ -12328,17 +10263,17 @@
           <a:p>
             <a:r>
               <a:rPr lang="en-US" b="1" dirty="0"/>
-              <a:t>Unit testing focus</a:t>
-            </a:r>
-          </a:p>
-        </p:txBody>
-      </p:sp>
-      <p:sp>
-        <p:nvSpPr>
-          <p:cNvPr id="6" name="Content Placeholder 5">
+              <a:t>Integration testing focus</a:t>
+            </a:r>
+          </a:p>
+        </p:txBody>
+      </p:sp>
+      <p:sp>
+        <p:nvSpPr>
+          <p:cNvPr id="3" name="Content Placeholder 2">
             <a:extLst>
               <a:ext uri="{FF2B5EF4-FFF2-40B4-BE49-F238E27FC236}">
-                <a16:creationId xmlns:a16="http://schemas.microsoft.com/office/drawing/2014/main" id="{394406EC-25CE-DF44-8CEB-C30CD59FC429}"/>
+                <a16:creationId xmlns:a16="http://schemas.microsoft.com/office/drawing/2014/main" id="{9E2D6893-80A7-A746-912D-8F713080675A}"/>
               </a:ext>
             </a:extLst>
           </p:cNvPr>
@@ -12351,77 +10286,59 @@
         </p:nvSpPr>
         <p:spPr/>
         <p:txBody>
-          <a:bodyPr>
-            <a:normAutofit/>
-          </a:bodyPr>
+          <a:bodyPr/>
           <a:lstStyle/>
           <a:p>
             <a:r>
               <a:rPr lang="en-US" dirty="0"/>
-              <a:t>Write unit tests as you write your code for each component.</a:t>
-            </a:r>
-          </a:p>
-          <a:p>
-            <a:r>
-              <a:rPr lang="en-US" dirty="0"/>
-              <a:t>Contracts specified </a:t>
-            </a:r>
-            <a:r>
-              <a:rPr lang="en-US"/>
-              <a:t>as interfaces.</a:t>
-            </a:r>
-            <a:endParaRPr lang="en-US" dirty="0"/>
+              <a:t>Integration testing happens after you have written your components. </a:t>
+            </a:r>
+          </a:p>
+          <a:p>
+            <a:r>
+              <a:rPr lang="en-US" dirty="0"/>
+              <a:t>Ensures that the newly created components can be wired together with real dependencies to provide functionality.</a:t>
+            </a:r>
+          </a:p>
+          <a:p>
+            <a:r>
+              <a:rPr lang="en-US" dirty="0"/>
+              <a:t>Any deviations detected from integration testing can be used to add test coverage at the unit test level and to influence code design decisions.</a:t>
+            </a:r>
+          </a:p>
+          <a:p>
+            <a:r>
+              <a:rPr lang="en-US" dirty="0"/>
+              <a:t>Integration testing requires significant planning.</a:t>
+            </a:r>
           </a:p>
           <a:p>
             <a:pPr lvl="1"/>
             <a:r>
               <a:rPr lang="en-US" dirty="0"/>
-              <a:t>Collaboration tests </a:t>
+              <a:t>How will dependencies be managed for the integration test suite?</a:t>
             </a:r>
           </a:p>
           <a:p>
             <a:pPr lvl="1"/>
             <a:r>
               <a:rPr lang="en-US" dirty="0"/>
-              <a:t>Contract tests</a:t>
-            </a:r>
-          </a:p>
-          <a:p>
-            <a:r>
-              <a:rPr lang="en-US" dirty="0"/>
-              <a:t>Use unit tests to refactor your code, making it more communicative, more flexible for reuse and more open to adding new functionality.</a:t>
-            </a:r>
-          </a:p>
-          <a:p>
-            <a:r>
-              <a:rPr lang="en-US" dirty="0"/>
-              <a:t>Not much planning needed to start unit testing.</a:t>
+              <a:t>How will state be managed between tests?</a:t>
             </a:r>
           </a:p>
           <a:p>
             <a:pPr lvl="1"/>
             <a:r>
               <a:rPr lang="en-US" dirty="0"/>
-              <a:t>Unit tests are isolated from external dependencies, so we don’t have to worry about them.</a:t>
-            </a:r>
-          </a:p>
-          <a:p>
-            <a:pPr lvl="1"/>
-            <a:r>
-              <a:rPr lang="en-US" dirty="0"/>
-              <a:t>Just Do It!</a:t>
-            </a:r>
-          </a:p>
-          <a:p>
-            <a:pPr lvl="1"/>
-            <a:endParaRPr lang="en-US" dirty="0"/>
+              <a:t>How do we test with external dependencies that we cannot control?</a:t>
+            </a:r>
           </a:p>
         </p:txBody>
       </p:sp>
     </p:spTree>
     <p:extLst>
       <p:ext uri="{BB962C8B-B14F-4D97-AF65-F5344CB8AC3E}">
-        <p14:creationId xmlns:p14="http://schemas.microsoft.com/office/powerpoint/2010/main" val="3950663072"/>
+        <p14:creationId xmlns:p14="http://schemas.microsoft.com/office/powerpoint/2010/main" val="425614017"/>
       </p:ext>
     </p:extLst>
   </p:cSld>

--- a/presentations/Introduction to Test-Driven Development.pptx
+++ b/presentations/Introduction to Test-Driven Development.pptx
@@ -216,7 +216,7 @@
           <a:p>
             <a:fld id="{F26B28AA-01EF-FC4E-9902-F717EB4A0D20}" type="datetimeFigureOut">
               <a:rPr lang="en-US" smtClean="0"/>
-              <a:t>11/30/21</a:t>
+              <a:t>1/25/22</a:t>
             </a:fld>
             <a:endParaRPr lang="en-US"/>
           </a:p>
@@ -714,7 +714,7 @@
           <a:p>
             <a:fld id="{BCD77189-38F1-1B47-A134-7F70D5119BAA}" type="datetimeFigureOut">
               <a:rPr lang="en-US" smtClean="0"/>
-              <a:t>11/30/21</a:t>
+              <a:t>1/25/22</a:t>
             </a:fld>
             <a:endParaRPr lang="en-US"/>
           </a:p>
@@ -912,7 +912,7 @@
           <a:p>
             <a:fld id="{BCD77189-38F1-1B47-A134-7F70D5119BAA}" type="datetimeFigureOut">
               <a:rPr lang="en-US" smtClean="0"/>
-              <a:t>11/30/21</a:t>
+              <a:t>1/25/22</a:t>
             </a:fld>
             <a:endParaRPr lang="en-US"/>
           </a:p>
@@ -1120,7 +1120,7 @@
           <a:p>
             <a:fld id="{BCD77189-38F1-1B47-A134-7F70D5119BAA}" type="datetimeFigureOut">
               <a:rPr lang="en-US" smtClean="0"/>
-              <a:t>11/30/21</a:t>
+              <a:t>1/25/22</a:t>
             </a:fld>
             <a:endParaRPr lang="en-US"/>
           </a:p>
@@ -1318,7 +1318,7 @@
           <a:p>
             <a:fld id="{BCD77189-38F1-1B47-A134-7F70D5119BAA}" type="datetimeFigureOut">
               <a:rPr lang="en-US" smtClean="0"/>
-              <a:t>11/30/21</a:t>
+              <a:t>1/25/22</a:t>
             </a:fld>
             <a:endParaRPr lang="en-US"/>
           </a:p>
@@ -1593,7 +1593,7 @@
           <a:p>
             <a:fld id="{BCD77189-38F1-1B47-A134-7F70D5119BAA}" type="datetimeFigureOut">
               <a:rPr lang="en-US" smtClean="0"/>
-              <a:t>11/30/21</a:t>
+              <a:t>1/25/22</a:t>
             </a:fld>
             <a:endParaRPr lang="en-US"/>
           </a:p>
@@ -1858,7 +1858,7 @@
           <a:p>
             <a:fld id="{BCD77189-38F1-1B47-A134-7F70D5119BAA}" type="datetimeFigureOut">
               <a:rPr lang="en-US" smtClean="0"/>
-              <a:t>11/30/21</a:t>
+              <a:t>1/25/22</a:t>
             </a:fld>
             <a:endParaRPr lang="en-US"/>
           </a:p>
@@ -2270,7 +2270,7 @@
           <a:p>
             <a:fld id="{BCD77189-38F1-1B47-A134-7F70D5119BAA}" type="datetimeFigureOut">
               <a:rPr lang="en-US" smtClean="0"/>
-              <a:t>11/30/21</a:t>
+              <a:t>1/25/22</a:t>
             </a:fld>
             <a:endParaRPr lang="en-US"/>
           </a:p>
@@ -2411,7 +2411,7 @@
           <a:p>
             <a:fld id="{BCD77189-38F1-1B47-A134-7F70D5119BAA}" type="datetimeFigureOut">
               <a:rPr lang="en-US" smtClean="0"/>
-              <a:t>11/30/21</a:t>
+              <a:t>1/25/22</a:t>
             </a:fld>
             <a:endParaRPr lang="en-US"/>
           </a:p>
@@ -2524,7 +2524,7 @@
           <a:p>
             <a:fld id="{BCD77189-38F1-1B47-A134-7F70D5119BAA}" type="datetimeFigureOut">
               <a:rPr lang="en-US" smtClean="0"/>
-              <a:t>11/30/21</a:t>
+              <a:t>1/25/22</a:t>
             </a:fld>
             <a:endParaRPr lang="en-US"/>
           </a:p>
@@ -2835,7 +2835,7 @@
           <a:p>
             <a:fld id="{BCD77189-38F1-1B47-A134-7F70D5119BAA}" type="datetimeFigureOut">
               <a:rPr lang="en-US" smtClean="0"/>
-              <a:t>11/30/21</a:t>
+              <a:t>1/25/22</a:t>
             </a:fld>
             <a:endParaRPr lang="en-US"/>
           </a:p>
@@ -3123,7 +3123,7 @@
           <a:p>
             <a:fld id="{BCD77189-38F1-1B47-A134-7F70D5119BAA}" type="datetimeFigureOut">
               <a:rPr lang="en-US" smtClean="0"/>
-              <a:t>11/30/21</a:t>
+              <a:t>1/25/22</a:t>
             </a:fld>
             <a:endParaRPr lang="en-US"/>
           </a:p>
@@ -3364,7 +3364,7 @@
           <a:p>
             <a:fld id="{BCD77189-38F1-1B47-A134-7F70D5119BAA}" type="datetimeFigureOut">
               <a:rPr lang="en-US" smtClean="0"/>
-              <a:t>11/30/21</a:t>
+              <a:t>1/25/22</a:t>
             </a:fld>
             <a:endParaRPr lang="en-US"/>
           </a:p>
@@ -8290,7 +8290,7 @@
         <p:spPr/>
         <p:txBody>
           <a:bodyPr>
-            <a:normAutofit/>
+            <a:normAutofit fontScale="92500"/>
           </a:bodyPr>
           <a:lstStyle/>
           <a:p>
@@ -8355,7 +8355,24 @@
           <a:p>
             <a:r>
               <a:rPr lang="en-US" dirty="0"/>
-              <a:t>Unit tests communicate the soundness of design decisions.</a:t>
+              <a:t>Unit testing exerts cognitive pressure on the developer to abide by a set of design principles (SOLID, GRASP, others).</a:t>
+            </a:r>
+          </a:p>
+          <a:p>
+            <a:pPr lvl="1"/>
+            <a:r>
+              <a:rPr lang="en-US" dirty="0"/>
+              <a:t>A unit of code that is testable typically coincides with these design principles.</a:t>
+            </a:r>
+          </a:p>
+          <a:p>
+            <a:r>
+              <a:rPr lang="en-US"/>
+              <a:t>Unit </a:t>
+            </a:r>
+            <a:r>
+              <a:rPr lang="en-US" dirty="0"/>
+              <a:t>tests communicate the soundness of design decisions.</a:t>
             </a:r>
           </a:p>
           <a:p>
@@ -8369,15 +8386,6 @@
               <a:rPr lang="en-US" dirty="0"/>
               <a:t>Unit tests act as executable documentation.</a:t>
             </a:r>
-          </a:p>
-          <a:p>
-            <a:r>
-              <a:rPr lang="en-US" dirty="0"/>
-              <a:t>Clean code that works – Ron Jefferies</a:t>
-            </a:r>
-          </a:p>
-          <a:p>
-            <a:endParaRPr lang="en-US" dirty="0"/>
           </a:p>
         </p:txBody>
       </p:sp>
@@ -8596,33 +8604,15 @@
                                   </p:childTnLst>
                                 </p:cTn>
                               </p:par>
-                            </p:childTnLst>
-                          </p:cTn>
-                        </p:par>
-                      </p:childTnLst>
-                    </p:cTn>
-                  </p:par>
-                  <p:par>
-                    <p:cTn id="17" fill="hold">
-                      <p:stCondLst>
-                        <p:cond delay="indefinite"/>
-                      </p:stCondLst>
-                      <p:childTnLst>
-                        <p:par>
-                          <p:cTn id="18" fill="hold">
-                            <p:stCondLst>
-                              <p:cond delay="0"/>
-                            </p:stCondLst>
-                            <p:childTnLst>
                               <p:par>
-                                <p:cTn id="19" presetID="1" presetClass="entr" presetSubtype="0" fill="hold" grpId="0" nodeType="clickEffect">
+                                <p:cTn id="17" presetID="1" presetClass="entr" presetSubtype="0" fill="hold" grpId="0" nodeType="withEffect">
                                   <p:stCondLst>
                                     <p:cond delay="0"/>
                                   </p:stCondLst>
                                   <p:childTnLst>
                                     <p:set>
                                       <p:cBhvr>
-                                        <p:cTn id="20" dur="1" fill="hold">
+                                        <p:cTn id="18" dur="1" fill="hold">
                                           <p:stCondLst>
                                             <p:cond delay="0"/>
                                           </p:stCondLst>
@@ -8652,26 +8642,26 @@
                     </p:cTn>
                   </p:par>
                   <p:par>
-                    <p:cTn id="21" fill="hold">
+                    <p:cTn id="19" fill="hold">
                       <p:stCondLst>
                         <p:cond delay="indefinite"/>
                       </p:stCondLst>
                       <p:childTnLst>
                         <p:par>
-                          <p:cTn id="22" fill="hold">
+                          <p:cTn id="20" fill="hold">
                             <p:stCondLst>
                               <p:cond delay="0"/>
                             </p:stCondLst>
                             <p:childTnLst>
                               <p:par>
-                                <p:cTn id="23" presetID="1" presetClass="entr" presetSubtype="0" fill="hold" grpId="0" nodeType="clickEffect">
+                                <p:cTn id="21" presetID="1" presetClass="entr" presetSubtype="0" fill="hold" grpId="0" nodeType="clickEffect">
                                   <p:stCondLst>
                                     <p:cond delay="0"/>
                                   </p:stCondLst>
                                   <p:childTnLst>
                                     <p:set>
                                       <p:cBhvr>
-                                        <p:cTn id="24" dur="1" fill="hold">
+                                        <p:cTn id="22" dur="1" fill="hold">
                                           <p:stCondLst>
                                             <p:cond delay="0"/>
                                           </p:stCondLst>
@@ -8701,26 +8691,26 @@
                     </p:cTn>
                   </p:par>
                   <p:par>
-                    <p:cTn id="25" fill="hold">
+                    <p:cTn id="23" fill="hold">
                       <p:stCondLst>
                         <p:cond delay="indefinite"/>
                       </p:stCondLst>
                       <p:childTnLst>
                         <p:par>
-                          <p:cTn id="26" fill="hold">
+                          <p:cTn id="24" fill="hold">
                             <p:stCondLst>
                               <p:cond delay="0"/>
                             </p:stCondLst>
                             <p:childTnLst>
                               <p:par>
-                                <p:cTn id="27" presetID="1" presetClass="entr" presetSubtype="0" fill="hold" grpId="0" nodeType="clickEffect">
+                                <p:cTn id="25" presetID="1" presetClass="entr" presetSubtype="0" fill="hold" grpId="0" nodeType="clickEffect">
                                   <p:stCondLst>
                                     <p:cond delay="0"/>
                                   </p:stCondLst>
                                   <p:childTnLst>
                                     <p:set>
                                       <p:cBhvr>
-                                        <p:cTn id="28" dur="1" fill="hold">
+                                        <p:cTn id="26" dur="1" fill="hold">
                                           <p:stCondLst>
                                             <p:cond delay="0"/>
                                           </p:stCondLst>
@@ -8729,6 +8719,55 @@
                                           <p:spTgt spid="3">
                                             <p:txEl>
                                               <p:pRg st="7" end="7"/>
+                                            </p:txEl>
+                                          </p:spTgt>
+                                        </p:tgtEl>
+                                        <p:attrNameLst>
+                                          <p:attrName>style.visibility</p:attrName>
+                                        </p:attrNameLst>
+                                      </p:cBhvr>
+                                      <p:to>
+                                        <p:strVal val="visible"/>
+                                      </p:to>
+                                    </p:set>
+                                  </p:childTnLst>
+                                </p:cTn>
+                              </p:par>
+                            </p:childTnLst>
+                          </p:cTn>
+                        </p:par>
+                      </p:childTnLst>
+                    </p:cTn>
+                  </p:par>
+                  <p:par>
+                    <p:cTn id="27" fill="hold">
+                      <p:stCondLst>
+                        <p:cond delay="indefinite"/>
+                      </p:stCondLst>
+                      <p:childTnLst>
+                        <p:par>
+                          <p:cTn id="28" fill="hold">
+                            <p:stCondLst>
+                              <p:cond delay="0"/>
+                            </p:stCondLst>
+                            <p:childTnLst>
+                              <p:par>
+                                <p:cTn id="29" presetID="1" presetClass="entr" presetSubtype="0" fill="hold" grpId="0" nodeType="clickEffect">
+                                  <p:stCondLst>
+                                    <p:cond delay="0"/>
+                                  </p:stCondLst>
+                                  <p:childTnLst>
+                                    <p:set>
+                                      <p:cBhvr>
+                                        <p:cTn id="30" dur="1" fill="hold">
+                                          <p:stCondLst>
+                                            <p:cond delay="0"/>
+                                          </p:stCondLst>
+                                        </p:cTn>
+                                        <p:tgtEl>
+                                          <p:spTgt spid="3">
+                                            <p:txEl>
+                                              <p:pRg st="8" end="8"/>
                                             </p:txEl>
                                           </p:spTgt>
                                         </p:tgtEl>

--- a/presentations/Introduction to Test-Driven Development.pptx
+++ b/presentations/Introduction to Test-Driven Development.pptx
@@ -5,7 +5,7 @@
     <p:sldMasterId id="2147483648" r:id="rId1"/>
   </p:sldMasterIdLst>
   <p:notesMasterIdLst>
-    <p:notesMasterId r:id="rId22"/>
+    <p:notesMasterId r:id="rId18"/>
   </p:notesMasterIdLst>
   <p:sldIdLst>
     <p:sldId id="256" r:id="rId2"/>
@@ -19,15 +19,11 @@
     <p:sldId id="293" r:id="rId10"/>
     <p:sldId id="290" r:id="rId11"/>
     <p:sldId id="291" r:id="rId12"/>
-    <p:sldId id="284" r:id="rId13"/>
-    <p:sldId id="273" r:id="rId14"/>
-    <p:sldId id="276" r:id="rId15"/>
-    <p:sldId id="274" r:id="rId16"/>
-    <p:sldId id="271" r:id="rId17"/>
-    <p:sldId id="278" r:id="rId18"/>
-    <p:sldId id="280" r:id="rId19"/>
-    <p:sldId id="285" r:id="rId20"/>
-    <p:sldId id="268" r:id="rId21"/>
+    <p:sldId id="273" r:id="rId13"/>
+    <p:sldId id="276" r:id="rId14"/>
+    <p:sldId id="280" r:id="rId15"/>
+    <p:sldId id="285" r:id="rId16"/>
+    <p:sldId id="268" r:id="rId17"/>
   </p:sldIdLst>
   <p:sldSz cx="12192000" cy="6858000"/>
   <p:notesSz cx="6858000" cy="9144000"/>
@@ -548,7 +544,7 @@
           <a:p>
             <a:fld id="{B77EE3D5-8E41-E549-B83C-41040DF7A7E3}" type="slidenum">
               <a:rPr lang="en-US" smtClean="0"/>
-              <a:t>19</a:t>
+              <a:t>15</a:t>
             </a:fld>
             <a:endParaRPr lang="en-US"/>
           </a:p>
@@ -4221,431 +4217,6 @@
 </file>
 
 <file path=ppt/slides/slide12.xml><?xml version="1.0" encoding="utf-8"?>
-<p:sld xmlns:a="http://schemas.openxmlformats.org/drawingml/2006/main" xmlns:r="http://schemas.openxmlformats.org/officeDocument/2006/relationships" xmlns:p="http://schemas.openxmlformats.org/presentationml/2006/main">
-  <p:cSld>
-    <p:spTree>
-      <p:nvGrpSpPr>
-        <p:cNvPr id="1" name=""/>
-        <p:cNvGrpSpPr/>
-        <p:nvPr/>
-      </p:nvGrpSpPr>
-      <p:grpSpPr>
-        <a:xfrm>
-          <a:off x="0" y="0"/>
-          <a:ext cx="0" cy="0"/>
-          <a:chOff x="0" y="0"/>
-          <a:chExt cx="0" cy="0"/>
-        </a:xfrm>
-      </p:grpSpPr>
-      <p:sp>
-        <p:nvSpPr>
-          <p:cNvPr id="2" name="Title 1">
-            <a:extLst>
-              <a:ext uri="{FF2B5EF4-FFF2-40B4-BE49-F238E27FC236}">
-                <a16:creationId xmlns:a16="http://schemas.microsoft.com/office/drawing/2014/main" id="{151C1DBB-24A4-CC42-B6F9-77BFFCE2EAF7}"/>
-              </a:ext>
-            </a:extLst>
-          </p:cNvPr>
-          <p:cNvSpPr>
-            <a:spLocks noGrp="1"/>
-          </p:cNvSpPr>
-          <p:nvPr>
-            <p:ph type="title"/>
-          </p:nvPr>
-        </p:nvSpPr>
-        <p:spPr/>
-        <p:txBody>
-          <a:bodyPr/>
-          <a:lstStyle/>
-          <a:p>
-            <a:r>
-              <a:rPr lang="en-US" b="1" dirty="0"/>
-              <a:t>What makes a good unit test</a:t>
-            </a:r>
-          </a:p>
-        </p:txBody>
-      </p:sp>
-      <p:sp>
-        <p:nvSpPr>
-          <p:cNvPr id="3" name="Content Placeholder 2">
-            <a:extLst>
-              <a:ext uri="{FF2B5EF4-FFF2-40B4-BE49-F238E27FC236}">
-                <a16:creationId xmlns:a16="http://schemas.microsoft.com/office/drawing/2014/main" id="{113C95AF-BD19-484B-B3AA-AB4A57ACFFE1}"/>
-              </a:ext>
-            </a:extLst>
-          </p:cNvPr>
-          <p:cNvSpPr>
-            <a:spLocks noGrp="1"/>
-          </p:cNvSpPr>
-          <p:nvPr>
-            <p:ph idx="1"/>
-          </p:nvPr>
-        </p:nvSpPr>
-        <p:spPr/>
-        <p:txBody>
-          <a:bodyPr/>
-          <a:lstStyle/>
-          <a:p>
-            <a:r>
-              <a:rPr lang="en-US" dirty="0"/>
-              <a:t>Tests should be…</a:t>
-            </a:r>
-          </a:p>
-          <a:p>
-            <a:pPr lvl="1"/>
-            <a:r>
-              <a:rPr lang="en-US" dirty="0"/>
-              <a:t>Unique</a:t>
-            </a:r>
-          </a:p>
-          <a:p>
-            <a:pPr lvl="1"/>
-            <a:r>
-              <a:rPr lang="en-US" dirty="0"/>
-              <a:t>Written at the right level of abstraction</a:t>
-            </a:r>
-          </a:p>
-          <a:p>
-            <a:pPr lvl="1"/>
-            <a:r>
-              <a:rPr lang="en-US" dirty="0"/>
-              <a:t>Expressive</a:t>
-            </a:r>
-          </a:p>
-          <a:p>
-            <a:pPr lvl="1"/>
-            <a:r>
-              <a:rPr lang="en-US" dirty="0"/>
-              <a:t>Based on acceptance criteria</a:t>
-            </a:r>
-          </a:p>
-          <a:p>
-            <a:pPr lvl="1"/>
-            <a:r>
-              <a:rPr lang="en-US" dirty="0"/>
-              <a:t>Implementation independent</a:t>
-            </a:r>
-          </a:p>
-          <a:p>
-            <a:r>
-              <a:rPr lang="en-US" dirty="0"/>
-              <a:t>Knowing how to write a good test is paramount to being successful with TDD. </a:t>
-            </a:r>
-          </a:p>
-        </p:txBody>
-      </p:sp>
-    </p:spTree>
-    <p:extLst>
-      <p:ext uri="{BB962C8B-B14F-4D97-AF65-F5344CB8AC3E}">
-        <p14:creationId xmlns:p14="http://schemas.microsoft.com/office/powerpoint/2010/main" val="3808820023"/>
-      </p:ext>
-    </p:extLst>
-  </p:cSld>
-  <p:clrMapOvr>
-    <a:masterClrMapping/>
-  </p:clrMapOvr>
-  <mc:AlternateContent xmlns:mc="http://schemas.openxmlformats.org/markup-compatibility/2006" xmlns:p14="http://schemas.microsoft.com/office/powerpoint/2010/main">
-    <mc:Choice Requires="p14">
-      <p:transition spd="med" p14:dur="700">
-        <p:fade/>
-      </p:transition>
-    </mc:Choice>
-    <mc:Fallback xmlns="">
-      <p:transition spd="med">
-        <p:fade/>
-      </p:transition>
-    </mc:Fallback>
-  </mc:AlternateContent>
-  <p:timing>
-    <p:tnLst>
-      <p:par>
-        <p:cTn id="1" dur="indefinite" restart="never" nodeType="tmRoot">
-          <p:childTnLst>
-            <p:seq concurrent="1" nextAc="seek">
-              <p:cTn id="2" dur="indefinite" nodeType="mainSeq">
-                <p:childTnLst>
-                  <p:par>
-                    <p:cTn id="3" fill="hold">
-                      <p:stCondLst>
-                        <p:cond delay="indefinite"/>
-                      </p:stCondLst>
-                      <p:childTnLst>
-                        <p:par>
-                          <p:cTn id="4" fill="hold">
-                            <p:stCondLst>
-                              <p:cond delay="0"/>
-                            </p:stCondLst>
-                            <p:childTnLst>
-                              <p:par>
-                                <p:cTn id="5" presetID="1" presetClass="entr" presetSubtype="0" fill="hold" grpId="0" nodeType="clickEffect">
-                                  <p:stCondLst>
-                                    <p:cond delay="0"/>
-                                  </p:stCondLst>
-                                  <p:childTnLst>
-                                    <p:set>
-                                      <p:cBhvr>
-                                        <p:cTn id="6" dur="1" fill="hold">
-                                          <p:stCondLst>
-                                            <p:cond delay="0"/>
-                                          </p:stCondLst>
-                                        </p:cTn>
-                                        <p:tgtEl>
-                                          <p:spTgt spid="3">
-                                            <p:txEl>
-                                              <p:pRg st="0" end="0"/>
-                                            </p:txEl>
-                                          </p:spTgt>
-                                        </p:tgtEl>
-                                        <p:attrNameLst>
-                                          <p:attrName>style.visibility</p:attrName>
-                                        </p:attrNameLst>
-                                      </p:cBhvr>
-                                      <p:to>
-                                        <p:strVal val="visible"/>
-                                      </p:to>
-                                    </p:set>
-                                  </p:childTnLst>
-                                </p:cTn>
-                              </p:par>
-                              <p:par>
-                                <p:cTn id="7" presetID="1" presetClass="entr" presetSubtype="0" fill="hold" grpId="0" nodeType="withEffect">
-                                  <p:stCondLst>
-                                    <p:cond delay="0"/>
-                                  </p:stCondLst>
-                                  <p:childTnLst>
-                                    <p:set>
-                                      <p:cBhvr>
-                                        <p:cTn id="8" dur="1" fill="hold">
-                                          <p:stCondLst>
-                                            <p:cond delay="0"/>
-                                          </p:stCondLst>
-                                        </p:cTn>
-                                        <p:tgtEl>
-                                          <p:spTgt spid="3">
-                                            <p:txEl>
-                                              <p:pRg st="1" end="1"/>
-                                            </p:txEl>
-                                          </p:spTgt>
-                                        </p:tgtEl>
-                                        <p:attrNameLst>
-                                          <p:attrName>style.visibility</p:attrName>
-                                        </p:attrNameLst>
-                                      </p:cBhvr>
-                                      <p:to>
-                                        <p:strVal val="visible"/>
-                                      </p:to>
-                                    </p:set>
-                                  </p:childTnLst>
-                                </p:cTn>
-                              </p:par>
-                              <p:par>
-                                <p:cTn id="9" presetID="1" presetClass="entr" presetSubtype="0" fill="hold" grpId="0" nodeType="withEffect">
-                                  <p:stCondLst>
-                                    <p:cond delay="0"/>
-                                  </p:stCondLst>
-                                  <p:childTnLst>
-                                    <p:set>
-                                      <p:cBhvr>
-                                        <p:cTn id="10" dur="1" fill="hold">
-                                          <p:stCondLst>
-                                            <p:cond delay="0"/>
-                                          </p:stCondLst>
-                                        </p:cTn>
-                                        <p:tgtEl>
-                                          <p:spTgt spid="3">
-                                            <p:txEl>
-                                              <p:pRg st="2" end="2"/>
-                                            </p:txEl>
-                                          </p:spTgt>
-                                        </p:tgtEl>
-                                        <p:attrNameLst>
-                                          <p:attrName>style.visibility</p:attrName>
-                                        </p:attrNameLst>
-                                      </p:cBhvr>
-                                      <p:to>
-                                        <p:strVal val="visible"/>
-                                      </p:to>
-                                    </p:set>
-                                  </p:childTnLst>
-                                </p:cTn>
-                              </p:par>
-                              <p:par>
-                                <p:cTn id="11" presetID="1" presetClass="entr" presetSubtype="0" fill="hold" grpId="0" nodeType="withEffect">
-                                  <p:stCondLst>
-                                    <p:cond delay="0"/>
-                                  </p:stCondLst>
-                                  <p:childTnLst>
-                                    <p:set>
-                                      <p:cBhvr>
-                                        <p:cTn id="12" dur="1" fill="hold">
-                                          <p:stCondLst>
-                                            <p:cond delay="0"/>
-                                          </p:stCondLst>
-                                        </p:cTn>
-                                        <p:tgtEl>
-                                          <p:spTgt spid="3">
-                                            <p:txEl>
-                                              <p:pRg st="3" end="3"/>
-                                            </p:txEl>
-                                          </p:spTgt>
-                                        </p:tgtEl>
-                                        <p:attrNameLst>
-                                          <p:attrName>style.visibility</p:attrName>
-                                        </p:attrNameLst>
-                                      </p:cBhvr>
-                                      <p:to>
-                                        <p:strVal val="visible"/>
-                                      </p:to>
-                                    </p:set>
-                                  </p:childTnLst>
-                                </p:cTn>
-                              </p:par>
-                              <p:par>
-                                <p:cTn id="13" presetID="1" presetClass="entr" presetSubtype="0" fill="hold" grpId="0" nodeType="withEffect">
-                                  <p:stCondLst>
-                                    <p:cond delay="0"/>
-                                  </p:stCondLst>
-                                  <p:childTnLst>
-                                    <p:set>
-                                      <p:cBhvr>
-                                        <p:cTn id="14" dur="1" fill="hold">
-                                          <p:stCondLst>
-                                            <p:cond delay="0"/>
-                                          </p:stCondLst>
-                                        </p:cTn>
-                                        <p:tgtEl>
-                                          <p:spTgt spid="3">
-                                            <p:txEl>
-                                              <p:pRg st="4" end="4"/>
-                                            </p:txEl>
-                                          </p:spTgt>
-                                        </p:tgtEl>
-                                        <p:attrNameLst>
-                                          <p:attrName>style.visibility</p:attrName>
-                                        </p:attrNameLst>
-                                      </p:cBhvr>
-                                      <p:to>
-                                        <p:strVal val="visible"/>
-                                      </p:to>
-                                    </p:set>
-                                  </p:childTnLst>
-                                </p:cTn>
-                              </p:par>
-                              <p:par>
-                                <p:cTn id="15" presetID="1" presetClass="entr" presetSubtype="0" fill="hold" grpId="0" nodeType="withEffect">
-                                  <p:stCondLst>
-                                    <p:cond delay="0"/>
-                                  </p:stCondLst>
-                                  <p:childTnLst>
-                                    <p:set>
-                                      <p:cBhvr>
-                                        <p:cTn id="16" dur="1" fill="hold">
-                                          <p:stCondLst>
-                                            <p:cond delay="0"/>
-                                          </p:stCondLst>
-                                        </p:cTn>
-                                        <p:tgtEl>
-                                          <p:spTgt spid="3">
-                                            <p:txEl>
-                                              <p:pRg st="5" end="5"/>
-                                            </p:txEl>
-                                          </p:spTgt>
-                                        </p:tgtEl>
-                                        <p:attrNameLst>
-                                          <p:attrName>style.visibility</p:attrName>
-                                        </p:attrNameLst>
-                                      </p:cBhvr>
-                                      <p:to>
-                                        <p:strVal val="visible"/>
-                                      </p:to>
-                                    </p:set>
-                                  </p:childTnLst>
-                                </p:cTn>
-                              </p:par>
-                            </p:childTnLst>
-                          </p:cTn>
-                        </p:par>
-                      </p:childTnLst>
-                    </p:cTn>
-                  </p:par>
-                  <p:par>
-                    <p:cTn id="17" fill="hold">
-                      <p:stCondLst>
-                        <p:cond delay="indefinite"/>
-                      </p:stCondLst>
-                      <p:childTnLst>
-                        <p:par>
-                          <p:cTn id="18" fill="hold">
-                            <p:stCondLst>
-                              <p:cond delay="0"/>
-                            </p:stCondLst>
-                            <p:childTnLst>
-                              <p:par>
-                                <p:cTn id="19" presetID="1" presetClass="entr" presetSubtype="0" fill="hold" grpId="0" nodeType="clickEffect">
-                                  <p:stCondLst>
-                                    <p:cond delay="0"/>
-                                  </p:stCondLst>
-                                  <p:childTnLst>
-                                    <p:set>
-                                      <p:cBhvr>
-                                        <p:cTn id="20" dur="1" fill="hold">
-                                          <p:stCondLst>
-                                            <p:cond delay="0"/>
-                                          </p:stCondLst>
-                                        </p:cTn>
-                                        <p:tgtEl>
-                                          <p:spTgt spid="3">
-                                            <p:txEl>
-                                              <p:pRg st="6" end="6"/>
-                                            </p:txEl>
-                                          </p:spTgt>
-                                        </p:tgtEl>
-                                        <p:attrNameLst>
-                                          <p:attrName>style.visibility</p:attrName>
-                                        </p:attrNameLst>
-                                      </p:cBhvr>
-                                      <p:to>
-                                        <p:strVal val="visible"/>
-                                      </p:to>
-                                    </p:set>
-                                  </p:childTnLst>
-                                </p:cTn>
-                              </p:par>
-                            </p:childTnLst>
-                          </p:cTn>
-                        </p:par>
-                      </p:childTnLst>
-                    </p:cTn>
-                  </p:par>
-                </p:childTnLst>
-              </p:cTn>
-              <p:prevCondLst>
-                <p:cond evt="onPrev" delay="0">
-                  <p:tgtEl>
-                    <p:sldTgt/>
-                  </p:tgtEl>
-                </p:cond>
-              </p:prevCondLst>
-              <p:nextCondLst>
-                <p:cond evt="onNext" delay="0">
-                  <p:tgtEl>
-                    <p:sldTgt/>
-                  </p:tgtEl>
-                </p:cond>
-              </p:nextCondLst>
-            </p:seq>
-          </p:childTnLst>
-        </p:cTn>
-      </p:par>
-    </p:tnLst>
-    <p:bldLst>
-      <p:bldP spid="3" grpId="0" build="p"/>
-    </p:bldLst>
-  </p:timing>
-</p:sld>
-</file>
-
-<file path=ppt/slides/slide13.xml><?xml version="1.0" encoding="utf-8"?>
 <p:sld xmlns:a="http://schemas.openxmlformats.org/drawingml/2006/main" xmlns:r="http://schemas.openxmlformats.org/officeDocument/2006/relationships" xmlns:p="http://schemas.openxmlformats.org/presentationml/2006/main">
   <p:cSld>
     <p:spTree>
@@ -5146,7 +4717,7 @@
 </p:sld>
 </file>
 
-<file path=ppt/slides/slide14.xml><?xml version="1.0" encoding="utf-8"?>
+<file path=ppt/slides/slide13.xml><?xml version="1.0" encoding="utf-8"?>
 <p:sld xmlns:a="http://schemas.openxmlformats.org/drawingml/2006/main" xmlns:r="http://schemas.openxmlformats.org/officeDocument/2006/relationships" xmlns:p="http://schemas.openxmlformats.org/presentationml/2006/main">
   <p:cSld>
     <p:spTree>
@@ -5493,1206 +5064,7 @@
 </p:sld>
 </file>
 
-<file path=ppt/slides/slide15.xml><?xml version="1.0" encoding="utf-8"?>
-<p:sld xmlns:a="http://schemas.openxmlformats.org/drawingml/2006/main" xmlns:r="http://schemas.openxmlformats.org/officeDocument/2006/relationships" xmlns:p="http://schemas.openxmlformats.org/presentationml/2006/main">
-  <p:cSld>
-    <p:spTree>
-      <p:nvGrpSpPr>
-        <p:cNvPr id="1" name=""/>
-        <p:cNvGrpSpPr/>
-        <p:nvPr/>
-      </p:nvGrpSpPr>
-      <p:grpSpPr>
-        <a:xfrm>
-          <a:off x="0" y="0"/>
-          <a:ext cx="0" cy="0"/>
-          <a:chOff x="0" y="0"/>
-          <a:chExt cx="0" cy="0"/>
-        </a:xfrm>
-      </p:grpSpPr>
-      <p:sp>
-        <p:nvSpPr>
-          <p:cNvPr id="2" name="Title 1">
-            <a:extLst>
-              <a:ext uri="{FF2B5EF4-FFF2-40B4-BE49-F238E27FC236}">
-                <a16:creationId xmlns:a16="http://schemas.microsoft.com/office/drawing/2014/main" id="{2218179F-6441-5945-BF98-562B2926F784}"/>
-              </a:ext>
-            </a:extLst>
-          </p:cNvPr>
-          <p:cNvSpPr>
-            <a:spLocks noGrp="1"/>
-          </p:cNvSpPr>
-          <p:nvPr>
-            <p:ph type="title"/>
-          </p:nvPr>
-        </p:nvSpPr>
-        <p:spPr/>
-        <p:txBody>
-          <a:bodyPr/>
-          <a:lstStyle/>
-          <a:p>
-            <a:r>
-              <a:rPr lang="en-US" b="1" dirty="0"/>
-              <a:t>Don’t Repeat Yourself (DRY)</a:t>
-            </a:r>
-          </a:p>
-        </p:txBody>
-      </p:sp>
-      <p:sp>
-        <p:nvSpPr>
-          <p:cNvPr id="3" name="Content Placeholder 2">
-            <a:extLst>
-              <a:ext uri="{FF2B5EF4-FFF2-40B4-BE49-F238E27FC236}">
-                <a16:creationId xmlns:a16="http://schemas.microsoft.com/office/drawing/2014/main" id="{AE48A8DD-DF6C-1246-97B7-04913A9B2E4F}"/>
-              </a:ext>
-            </a:extLst>
-          </p:cNvPr>
-          <p:cNvSpPr>
-            <a:spLocks noGrp="1"/>
-          </p:cNvSpPr>
-          <p:nvPr>
-            <p:ph idx="1"/>
-          </p:nvPr>
-        </p:nvSpPr>
-        <p:spPr/>
-        <p:txBody>
-          <a:bodyPr>
-            <a:normAutofit/>
-          </a:bodyPr>
-          <a:lstStyle/>
-          <a:p>
-            <a:r>
-              <a:rPr lang="en-US" dirty="0"/>
-              <a:t>Copy-pasta coding</a:t>
-            </a:r>
-          </a:p>
-          <a:p>
-            <a:pPr lvl="1"/>
-            <a:r>
-              <a:rPr lang="en-US" dirty="0"/>
-              <a:t>Doing the same or almost the same things in multiple places in the code.</a:t>
-            </a:r>
-          </a:p>
-          <a:p>
-            <a:r>
-              <a:rPr lang="en-US" dirty="0"/>
-              <a:t>DRY things up! Refactor to reusable behavior.</a:t>
-            </a:r>
-          </a:p>
-          <a:p>
-            <a:r>
-              <a:rPr lang="en-US" dirty="0"/>
-              <a:t>Less code is easier to maintain and debug.</a:t>
-            </a:r>
-          </a:p>
-          <a:p>
-            <a:r>
-              <a:rPr lang="en-US" dirty="0"/>
-              <a:t>Small functions are easy to test.</a:t>
-            </a:r>
-          </a:p>
-          <a:p>
-            <a:r>
-              <a:rPr lang="en-US" dirty="0"/>
-              <a:t>Some development tools detect duplicate code and warn you about it, and some even help you extract methods or functions from the duplications.</a:t>
-            </a:r>
-          </a:p>
-          <a:p>
-            <a:endParaRPr lang="en-US" dirty="0"/>
-          </a:p>
-        </p:txBody>
-      </p:sp>
-    </p:spTree>
-    <p:extLst>
-      <p:ext uri="{BB962C8B-B14F-4D97-AF65-F5344CB8AC3E}">
-        <p14:creationId xmlns:p14="http://schemas.microsoft.com/office/powerpoint/2010/main" val="3470758437"/>
-      </p:ext>
-    </p:extLst>
-  </p:cSld>
-  <p:clrMapOvr>
-    <a:masterClrMapping/>
-  </p:clrMapOvr>
-  <mc:AlternateContent xmlns:mc="http://schemas.openxmlformats.org/markup-compatibility/2006" xmlns:p14="http://schemas.microsoft.com/office/powerpoint/2010/main">
-    <mc:Choice Requires="p14">
-      <p:transition spd="med" p14:dur="700">
-        <p:fade/>
-      </p:transition>
-    </mc:Choice>
-    <mc:Fallback xmlns="">
-      <p:transition spd="med">
-        <p:fade/>
-      </p:transition>
-    </mc:Fallback>
-  </mc:AlternateContent>
-  <p:timing>
-    <p:tnLst>
-      <p:par>
-        <p:cTn id="1" dur="indefinite" restart="never" nodeType="tmRoot">
-          <p:childTnLst>
-            <p:seq concurrent="1" nextAc="seek">
-              <p:cTn id="2" dur="indefinite" nodeType="mainSeq">
-                <p:childTnLst>
-                  <p:par>
-                    <p:cTn id="3" fill="hold">
-                      <p:stCondLst>
-                        <p:cond delay="indefinite"/>
-                      </p:stCondLst>
-                      <p:childTnLst>
-                        <p:par>
-                          <p:cTn id="4" fill="hold">
-                            <p:stCondLst>
-                              <p:cond delay="0"/>
-                            </p:stCondLst>
-                            <p:childTnLst>
-                              <p:par>
-                                <p:cTn id="5" presetID="1" presetClass="entr" presetSubtype="0" fill="hold" grpId="0" nodeType="clickEffect">
-                                  <p:stCondLst>
-                                    <p:cond delay="0"/>
-                                  </p:stCondLst>
-                                  <p:childTnLst>
-                                    <p:set>
-                                      <p:cBhvr>
-                                        <p:cTn id="6" dur="1" fill="hold">
-                                          <p:stCondLst>
-                                            <p:cond delay="0"/>
-                                          </p:stCondLst>
-                                        </p:cTn>
-                                        <p:tgtEl>
-                                          <p:spTgt spid="3">
-                                            <p:txEl>
-                                              <p:pRg st="0" end="0"/>
-                                            </p:txEl>
-                                          </p:spTgt>
-                                        </p:tgtEl>
-                                        <p:attrNameLst>
-                                          <p:attrName>style.visibility</p:attrName>
-                                        </p:attrNameLst>
-                                      </p:cBhvr>
-                                      <p:to>
-                                        <p:strVal val="visible"/>
-                                      </p:to>
-                                    </p:set>
-                                  </p:childTnLst>
-                                </p:cTn>
-                              </p:par>
-                              <p:par>
-                                <p:cTn id="7" presetID="1" presetClass="entr" presetSubtype="0" fill="hold" grpId="0" nodeType="withEffect">
-                                  <p:stCondLst>
-                                    <p:cond delay="0"/>
-                                  </p:stCondLst>
-                                  <p:childTnLst>
-                                    <p:set>
-                                      <p:cBhvr>
-                                        <p:cTn id="8" dur="1" fill="hold">
-                                          <p:stCondLst>
-                                            <p:cond delay="0"/>
-                                          </p:stCondLst>
-                                        </p:cTn>
-                                        <p:tgtEl>
-                                          <p:spTgt spid="3">
-                                            <p:txEl>
-                                              <p:pRg st="1" end="1"/>
-                                            </p:txEl>
-                                          </p:spTgt>
-                                        </p:tgtEl>
-                                        <p:attrNameLst>
-                                          <p:attrName>style.visibility</p:attrName>
-                                        </p:attrNameLst>
-                                      </p:cBhvr>
-                                      <p:to>
-                                        <p:strVal val="visible"/>
-                                      </p:to>
-                                    </p:set>
-                                  </p:childTnLst>
-                                </p:cTn>
-                              </p:par>
-                            </p:childTnLst>
-                          </p:cTn>
-                        </p:par>
-                      </p:childTnLst>
-                    </p:cTn>
-                  </p:par>
-                  <p:par>
-                    <p:cTn id="9" fill="hold">
-                      <p:stCondLst>
-                        <p:cond delay="indefinite"/>
-                      </p:stCondLst>
-                      <p:childTnLst>
-                        <p:par>
-                          <p:cTn id="10" fill="hold">
-                            <p:stCondLst>
-                              <p:cond delay="0"/>
-                            </p:stCondLst>
-                            <p:childTnLst>
-                              <p:par>
-                                <p:cTn id="11" presetID="1" presetClass="entr" presetSubtype="0" fill="hold" grpId="0" nodeType="clickEffect">
-                                  <p:stCondLst>
-                                    <p:cond delay="0"/>
-                                  </p:stCondLst>
-                                  <p:childTnLst>
-                                    <p:set>
-                                      <p:cBhvr>
-                                        <p:cTn id="12" dur="1" fill="hold">
-                                          <p:stCondLst>
-                                            <p:cond delay="0"/>
-                                          </p:stCondLst>
-                                        </p:cTn>
-                                        <p:tgtEl>
-                                          <p:spTgt spid="3">
-                                            <p:txEl>
-                                              <p:pRg st="2" end="2"/>
-                                            </p:txEl>
-                                          </p:spTgt>
-                                        </p:tgtEl>
-                                        <p:attrNameLst>
-                                          <p:attrName>style.visibility</p:attrName>
-                                        </p:attrNameLst>
-                                      </p:cBhvr>
-                                      <p:to>
-                                        <p:strVal val="visible"/>
-                                      </p:to>
-                                    </p:set>
-                                  </p:childTnLst>
-                                </p:cTn>
-                              </p:par>
-                            </p:childTnLst>
-                          </p:cTn>
-                        </p:par>
-                      </p:childTnLst>
-                    </p:cTn>
-                  </p:par>
-                  <p:par>
-                    <p:cTn id="13" fill="hold">
-                      <p:stCondLst>
-                        <p:cond delay="indefinite"/>
-                      </p:stCondLst>
-                      <p:childTnLst>
-                        <p:par>
-                          <p:cTn id="14" fill="hold">
-                            <p:stCondLst>
-                              <p:cond delay="0"/>
-                            </p:stCondLst>
-                            <p:childTnLst>
-                              <p:par>
-                                <p:cTn id="15" presetID="1" presetClass="entr" presetSubtype="0" fill="hold" grpId="0" nodeType="clickEffect">
-                                  <p:stCondLst>
-                                    <p:cond delay="0"/>
-                                  </p:stCondLst>
-                                  <p:childTnLst>
-                                    <p:set>
-                                      <p:cBhvr>
-                                        <p:cTn id="16" dur="1" fill="hold">
-                                          <p:stCondLst>
-                                            <p:cond delay="0"/>
-                                          </p:stCondLst>
-                                        </p:cTn>
-                                        <p:tgtEl>
-                                          <p:spTgt spid="3">
-                                            <p:txEl>
-                                              <p:pRg st="3" end="3"/>
-                                            </p:txEl>
-                                          </p:spTgt>
-                                        </p:tgtEl>
-                                        <p:attrNameLst>
-                                          <p:attrName>style.visibility</p:attrName>
-                                        </p:attrNameLst>
-                                      </p:cBhvr>
-                                      <p:to>
-                                        <p:strVal val="visible"/>
-                                      </p:to>
-                                    </p:set>
-                                  </p:childTnLst>
-                                </p:cTn>
-                              </p:par>
-                            </p:childTnLst>
-                          </p:cTn>
-                        </p:par>
-                      </p:childTnLst>
-                    </p:cTn>
-                  </p:par>
-                  <p:par>
-                    <p:cTn id="17" fill="hold">
-                      <p:stCondLst>
-                        <p:cond delay="indefinite"/>
-                      </p:stCondLst>
-                      <p:childTnLst>
-                        <p:par>
-                          <p:cTn id="18" fill="hold">
-                            <p:stCondLst>
-                              <p:cond delay="0"/>
-                            </p:stCondLst>
-                            <p:childTnLst>
-                              <p:par>
-                                <p:cTn id="19" presetID="1" presetClass="entr" presetSubtype="0" fill="hold" grpId="0" nodeType="clickEffect">
-                                  <p:stCondLst>
-                                    <p:cond delay="0"/>
-                                  </p:stCondLst>
-                                  <p:childTnLst>
-                                    <p:set>
-                                      <p:cBhvr>
-                                        <p:cTn id="20" dur="1" fill="hold">
-                                          <p:stCondLst>
-                                            <p:cond delay="0"/>
-                                          </p:stCondLst>
-                                        </p:cTn>
-                                        <p:tgtEl>
-                                          <p:spTgt spid="3">
-                                            <p:txEl>
-                                              <p:pRg st="4" end="4"/>
-                                            </p:txEl>
-                                          </p:spTgt>
-                                        </p:tgtEl>
-                                        <p:attrNameLst>
-                                          <p:attrName>style.visibility</p:attrName>
-                                        </p:attrNameLst>
-                                      </p:cBhvr>
-                                      <p:to>
-                                        <p:strVal val="visible"/>
-                                      </p:to>
-                                    </p:set>
-                                  </p:childTnLst>
-                                </p:cTn>
-                              </p:par>
-                            </p:childTnLst>
-                          </p:cTn>
-                        </p:par>
-                      </p:childTnLst>
-                    </p:cTn>
-                  </p:par>
-                  <p:par>
-                    <p:cTn id="21" fill="hold">
-                      <p:stCondLst>
-                        <p:cond delay="indefinite"/>
-                      </p:stCondLst>
-                      <p:childTnLst>
-                        <p:par>
-                          <p:cTn id="22" fill="hold">
-                            <p:stCondLst>
-                              <p:cond delay="0"/>
-                            </p:stCondLst>
-                            <p:childTnLst>
-                              <p:par>
-                                <p:cTn id="23" presetID="1" presetClass="entr" presetSubtype="0" fill="hold" grpId="0" nodeType="clickEffect">
-                                  <p:stCondLst>
-                                    <p:cond delay="0"/>
-                                  </p:stCondLst>
-                                  <p:childTnLst>
-                                    <p:set>
-                                      <p:cBhvr>
-                                        <p:cTn id="24" dur="1" fill="hold">
-                                          <p:stCondLst>
-                                            <p:cond delay="0"/>
-                                          </p:stCondLst>
-                                        </p:cTn>
-                                        <p:tgtEl>
-                                          <p:spTgt spid="3">
-                                            <p:txEl>
-                                              <p:pRg st="5" end="5"/>
-                                            </p:txEl>
-                                          </p:spTgt>
-                                        </p:tgtEl>
-                                        <p:attrNameLst>
-                                          <p:attrName>style.visibility</p:attrName>
-                                        </p:attrNameLst>
-                                      </p:cBhvr>
-                                      <p:to>
-                                        <p:strVal val="visible"/>
-                                      </p:to>
-                                    </p:set>
-                                  </p:childTnLst>
-                                </p:cTn>
-                              </p:par>
-                            </p:childTnLst>
-                          </p:cTn>
-                        </p:par>
-                      </p:childTnLst>
-                    </p:cTn>
-                  </p:par>
-                </p:childTnLst>
-              </p:cTn>
-              <p:prevCondLst>
-                <p:cond evt="onPrev" delay="0">
-                  <p:tgtEl>
-                    <p:sldTgt/>
-                  </p:tgtEl>
-                </p:cond>
-              </p:prevCondLst>
-              <p:nextCondLst>
-                <p:cond evt="onNext" delay="0">
-                  <p:tgtEl>
-                    <p:sldTgt/>
-                  </p:tgtEl>
-                </p:cond>
-              </p:nextCondLst>
-            </p:seq>
-          </p:childTnLst>
-        </p:cTn>
-      </p:par>
-    </p:tnLst>
-    <p:bldLst>
-      <p:bldP spid="3" grpId="0" build="p"/>
-    </p:bldLst>
-  </p:timing>
-</p:sld>
-</file>
-
-<file path=ppt/slides/slide16.xml><?xml version="1.0" encoding="utf-8"?>
-<p:sld xmlns:a="http://schemas.openxmlformats.org/drawingml/2006/main" xmlns:r="http://schemas.openxmlformats.org/officeDocument/2006/relationships" xmlns:p="http://schemas.openxmlformats.org/presentationml/2006/main">
-  <p:cSld>
-    <p:spTree>
-      <p:nvGrpSpPr>
-        <p:cNvPr id="1" name=""/>
-        <p:cNvGrpSpPr/>
-        <p:nvPr/>
-      </p:nvGrpSpPr>
-      <p:grpSpPr>
-        <a:xfrm>
-          <a:off x="0" y="0"/>
-          <a:ext cx="0" cy="0"/>
-          <a:chOff x="0" y="0"/>
-          <a:chExt cx="0" cy="0"/>
-        </a:xfrm>
-      </p:grpSpPr>
-      <p:sp>
-        <p:nvSpPr>
-          <p:cNvPr id="2" name="Title 1">
-            <a:extLst>
-              <a:ext uri="{FF2B5EF4-FFF2-40B4-BE49-F238E27FC236}">
-                <a16:creationId xmlns:a16="http://schemas.microsoft.com/office/drawing/2014/main" id="{01CB43B7-0D7C-2749-8138-678A249EC015}"/>
-              </a:ext>
-            </a:extLst>
-          </p:cNvPr>
-          <p:cNvSpPr>
-            <a:spLocks noGrp="1"/>
-          </p:cNvSpPr>
-          <p:nvPr>
-            <p:ph type="title"/>
-          </p:nvPr>
-        </p:nvSpPr>
-        <p:spPr/>
-        <p:txBody>
-          <a:bodyPr/>
-          <a:lstStyle/>
-          <a:p>
-            <a:r>
-              <a:rPr lang="en-US" b="1" dirty="0"/>
-              <a:t>YAGNI</a:t>
-            </a:r>
-          </a:p>
-        </p:txBody>
-      </p:sp>
-      <p:sp>
-        <p:nvSpPr>
-          <p:cNvPr id="3" name="Content Placeholder 2">
-            <a:extLst>
-              <a:ext uri="{FF2B5EF4-FFF2-40B4-BE49-F238E27FC236}">
-                <a16:creationId xmlns:a16="http://schemas.microsoft.com/office/drawing/2014/main" id="{61F5417B-BAE5-324F-925C-103B45A75EB9}"/>
-              </a:ext>
-            </a:extLst>
-          </p:cNvPr>
-          <p:cNvSpPr>
-            <a:spLocks noGrp="1"/>
-          </p:cNvSpPr>
-          <p:nvPr>
-            <p:ph idx="1"/>
-          </p:nvPr>
-        </p:nvSpPr>
-        <p:spPr/>
-        <p:txBody>
-          <a:bodyPr/>
-          <a:lstStyle/>
-          <a:p>
-            <a:r>
-              <a:rPr lang="en-US" dirty="0"/>
-              <a:t>Tempting to write some extra code because you think you will need it later on. </a:t>
-            </a:r>
-          </a:p>
-          <a:p>
-            <a:pPr lvl="1"/>
-            <a:r>
-              <a:rPr lang="en-US" dirty="0"/>
-              <a:t>This can happen when design simplicity is not followed.</a:t>
-            </a:r>
-          </a:p>
-          <a:p>
-            <a:pPr lvl="1"/>
-            <a:r>
-              <a:rPr lang="en-US" dirty="0"/>
-              <a:t>Nobody dares to remove it because who knows what will break if they do.</a:t>
-            </a:r>
-          </a:p>
-          <a:p>
-            <a:pPr lvl="1"/>
-            <a:r>
-              <a:rPr lang="en-US" dirty="0"/>
-              <a:t>Unused code does not get updated. </a:t>
-            </a:r>
-          </a:p>
-          <a:p>
-            <a:pPr lvl="1"/>
-            <a:r>
-              <a:rPr lang="en-US" dirty="0"/>
-              <a:t>It can introduce bugs and security vulnerabilities that didn’t have to be there in the first place.</a:t>
-            </a:r>
-          </a:p>
-          <a:p>
-            <a:r>
-              <a:rPr lang="en-US" dirty="0"/>
-              <a:t>Don’t write code that you don’t need right now.</a:t>
-            </a:r>
-          </a:p>
-          <a:p>
-            <a:pPr lvl="1"/>
-            <a:r>
-              <a:rPr lang="en-US" dirty="0"/>
-              <a:t>Unit testing ensures that you are solving the problem at hand.</a:t>
-            </a:r>
-          </a:p>
-        </p:txBody>
-      </p:sp>
-    </p:spTree>
-    <p:extLst>
-      <p:ext uri="{BB962C8B-B14F-4D97-AF65-F5344CB8AC3E}">
-        <p14:creationId xmlns:p14="http://schemas.microsoft.com/office/powerpoint/2010/main" val="613632959"/>
-      </p:ext>
-    </p:extLst>
-  </p:cSld>
-  <p:clrMapOvr>
-    <a:masterClrMapping/>
-  </p:clrMapOvr>
-  <mc:AlternateContent xmlns:mc="http://schemas.openxmlformats.org/markup-compatibility/2006" xmlns:p14="http://schemas.microsoft.com/office/powerpoint/2010/main">
-    <mc:Choice Requires="p14">
-      <p:transition spd="med" p14:dur="700">
-        <p:fade/>
-      </p:transition>
-    </mc:Choice>
-    <mc:Fallback xmlns="">
-      <p:transition spd="med">
-        <p:fade/>
-      </p:transition>
-    </mc:Fallback>
-  </mc:AlternateContent>
-  <p:timing>
-    <p:tnLst>
-      <p:par>
-        <p:cTn id="1" dur="indefinite" restart="never" nodeType="tmRoot">
-          <p:childTnLst>
-            <p:seq concurrent="1" nextAc="seek">
-              <p:cTn id="2" dur="indefinite" nodeType="mainSeq">
-                <p:childTnLst>
-                  <p:par>
-                    <p:cTn id="3" fill="hold">
-                      <p:stCondLst>
-                        <p:cond delay="indefinite"/>
-                      </p:stCondLst>
-                      <p:childTnLst>
-                        <p:par>
-                          <p:cTn id="4" fill="hold">
-                            <p:stCondLst>
-                              <p:cond delay="0"/>
-                            </p:stCondLst>
-                            <p:childTnLst>
-                              <p:par>
-                                <p:cTn id="5" presetID="1" presetClass="entr" presetSubtype="0" fill="hold" grpId="0" nodeType="clickEffect">
-                                  <p:stCondLst>
-                                    <p:cond delay="0"/>
-                                  </p:stCondLst>
-                                  <p:childTnLst>
-                                    <p:set>
-                                      <p:cBhvr>
-                                        <p:cTn id="6" dur="1" fill="hold">
-                                          <p:stCondLst>
-                                            <p:cond delay="0"/>
-                                          </p:stCondLst>
-                                        </p:cTn>
-                                        <p:tgtEl>
-                                          <p:spTgt spid="3">
-                                            <p:txEl>
-                                              <p:pRg st="0" end="0"/>
-                                            </p:txEl>
-                                          </p:spTgt>
-                                        </p:tgtEl>
-                                        <p:attrNameLst>
-                                          <p:attrName>style.visibility</p:attrName>
-                                        </p:attrNameLst>
-                                      </p:cBhvr>
-                                      <p:to>
-                                        <p:strVal val="visible"/>
-                                      </p:to>
-                                    </p:set>
-                                  </p:childTnLst>
-                                </p:cTn>
-                              </p:par>
-                              <p:par>
-                                <p:cTn id="7" presetID="1" presetClass="entr" presetSubtype="0" fill="hold" grpId="0" nodeType="withEffect">
-                                  <p:stCondLst>
-                                    <p:cond delay="0"/>
-                                  </p:stCondLst>
-                                  <p:childTnLst>
-                                    <p:set>
-                                      <p:cBhvr>
-                                        <p:cTn id="8" dur="1" fill="hold">
-                                          <p:stCondLst>
-                                            <p:cond delay="0"/>
-                                          </p:stCondLst>
-                                        </p:cTn>
-                                        <p:tgtEl>
-                                          <p:spTgt spid="3">
-                                            <p:txEl>
-                                              <p:pRg st="1" end="1"/>
-                                            </p:txEl>
-                                          </p:spTgt>
-                                        </p:tgtEl>
-                                        <p:attrNameLst>
-                                          <p:attrName>style.visibility</p:attrName>
-                                        </p:attrNameLst>
-                                      </p:cBhvr>
-                                      <p:to>
-                                        <p:strVal val="visible"/>
-                                      </p:to>
-                                    </p:set>
-                                  </p:childTnLst>
-                                </p:cTn>
-                              </p:par>
-                              <p:par>
-                                <p:cTn id="9" presetID="1" presetClass="entr" presetSubtype="0" fill="hold" grpId="0" nodeType="withEffect">
-                                  <p:stCondLst>
-                                    <p:cond delay="0"/>
-                                  </p:stCondLst>
-                                  <p:childTnLst>
-                                    <p:set>
-                                      <p:cBhvr>
-                                        <p:cTn id="10" dur="1" fill="hold">
-                                          <p:stCondLst>
-                                            <p:cond delay="0"/>
-                                          </p:stCondLst>
-                                        </p:cTn>
-                                        <p:tgtEl>
-                                          <p:spTgt spid="3">
-                                            <p:txEl>
-                                              <p:pRg st="2" end="2"/>
-                                            </p:txEl>
-                                          </p:spTgt>
-                                        </p:tgtEl>
-                                        <p:attrNameLst>
-                                          <p:attrName>style.visibility</p:attrName>
-                                        </p:attrNameLst>
-                                      </p:cBhvr>
-                                      <p:to>
-                                        <p:strVal val="visible"/>
-                                      </p:to>
-                                    </p:set>
-                                  </p:childTnLst>
-                                </p:cTn>
-                              </p:par>
-                              <p:par>
-                                <p:cTn id="11" presetID="1" presetClass="entr" presetSubtype="0" fill="hold" grpId="0" nodeType="withEffect">
-                                  <p:stCondLst>
-                                    <p:cond delay="0"/>
-                                  </p:stCondLst>
-                                  <p:childTnLst>
-                                    <p:set>
-                                      <p:cBhvr>
-                                        <p:cTn id="12" dur="1" fill="hold">
-                                          <p:stCondLst>
-                                            <p:cond delay="0"/>
-                                          </p:stCondLst>
-                                        </p:cTn>
-                                        <p:tgtEl>
-                                          <p:spTgt spid="3">
-                                            <p:txEl>
-                                              <p:pRg st="3" end="3"/>
-                                            </p:txEl>
-                                          </p:spTgt>
-                                        </p:tgtEl>
-                                        <p:attrNameLst>
-                                          <p:attrName>style.visibility</p:attrName>
-                                        </p:attrNameLst>
-                                      </p:cBhvr>
-                                      <p:to>
-                                        <p:strVal val="visible"/>
-                                      </p:to>
-                                    </p:set>
-                                  </p:childTnLst>
-                                </p:cTn>
-                              </p:par>
-                              <p:par>
-                                <p:cTn id="13" presetID="1" presetClass="entr" presetSubtype="0" fill="hold" grpId="0" nodeType="withEffect">
-                                  <p:stCondLst>
-                                    <p:cond delay="0"/>
-                                  </p:stCondLst>
-                                  <p:childTnLst>
-                                    <p:set>
-                                      <p:cBhvr>
-                                        <p:cTn id="14" dur="1" fill="hold">
-                                          <p:stCondLst>
-                                            <p:cond delay="0"/>
-                                          </p:stCondLst>
-                                        </p:cTn>
-                                        <p:tgtEl>
-                                          <p:spTgt spid="3">
-                                            <p:txEl>
-                                              <p:pRg st="4" end="4"/>
-                                            </p:txEl>
-                                          </p:spTgt>
-                                        </p:tgtEl>
-                                        <p:attrNameLst>
-                                          <p:attrName>style.visibility</p:attrName>
-                                        </p:attrNameLst>
-                                      </p:cBhvr>
-                                      <p:to>
-                                        <p:strVal val="visible"/>
-                                      </p:to>
-                                    </p:set>
-                                  </p:childTnLst>
-                                </p:cTn>
-                              </p:par>
-                            </p:childTnLst>
-                          </p:cTn>
-                        </p:par>
-                      </p:childTnLst>
-                    </p:cTn>
-                  </p:par>
-                  <p:par>
-                    <p:cTn id="15" fill="hold">
-                      <p:stCondLst>
-                        <p:cond delay="indefinite"/>
-                      </p:stCondLst>
-                      <p:childTnLst>
-                        <p:par>
-                          <p:cTn id="16" fill="hold">
-                            <p:stCondLst>
-                              <p:cond delay="0"/>
-                            </p:stCondLst>
-                            <p:childTnLst>
-                              <p:par>
-                                <p:cTn id="17" presetID="1" presetClass="entr" presetSubtype="0" fill="hold" grpId="0" nodeType="clickEffect">
-                                  <p:stCondLst>
-                                    <p:cond delay="0"/>
-                                  </p:stCondLst>
-                                  <p:childTnLst>
-                                    <p:set>
-                                      <p:cBhvr>
-                                        <p:cTn id="18" dur="1" fill="hold">
-                                          <p:stCondLst>
-                                            <p:cond delay="0"/>
-                                          </p:stCondLst>
-                                        </p:cTn>
-                                        <p:tgtEl>
-                                          <p:spTgt spid="3">
-                                            <p:txEl>
-                                              <p:pRg st="5" end="5"/>
-                                            </p:txEl>
-                                          </p:spTgt>
-                                        </p:tgtEl>
-                                        <p:attrNameLst>
-                                          <p:attrName>style.visibility</p:attrName>
-                                        </p:attrNameLst>
-                                      </p:cBhvr>
-                                      <p:to>
-                                        <p:strVal val="visible"/>
-                                      </p:to>
-                                    </p:set>
-                                  </p:childTnLst>
-                                </p:cTn>
-                              </p:par>
-                              <p:par>
-                                <p:cTn id="19" presetID="1" presetClass="entr" presetSubtype="0" fill="hold" grpId="0" nodeType="withEffect">
-                                  <p:stCondLst>
-                                    <p:cond delay="0"/>
-                                  </p:stCondLst>
-                                  <p:childTnLst>
-                                    <p:set>
-                                      <p:cBhvr>
-                                        <p:cTn id="20" dur="1" fill="hold">
-                                          <p:stCondLst>
-                                            <p:cond delay="0"/>
-                                          </p:stCondLst>
-                                        </p:cTn>
-                                        <p:tgtEl>
-                                          <p:spTgt spid="3">
-                                            <p:txEl>
-                                              <p:pRg st="6" end="6"/>
-                                            </p:txEl>
-                                          </p:spTgt>
-                                        </p:tgtEl>
-                                        <p:attrNameLst>
-                                          <p:attrName>style.visibility</p:attrName>
-                                        </p:attrNameLst>
-                                      </p:cBhvr>
-                                      <p:to>
-                                        <p:strVal val="visible"/>
-                                      </p:to>
-                                    </p:set>
-                                  </p:childTnLst>
-                                </p:cTn>
-                              </p:par>
-                            </p:childTnLst>
-                          </p:cTn>
-                        </p:par>
-                      </p:childTnLst>
-                    </p:cTn>
-                  </p:par>
-                </p:childTnLst>
-              </p:cTn>
-              <p:prevCondLst>
-                <p:cond evt="onPrev" delay="0">
-                  <p:tgtEl>
-                    <p:sldTgt/>
-                  </p:tgtEl>
-                </p:cond>
-              </p:prevCondLst>
-              <p:nextCondLst>
-                <p:cond evt="onNext" delay="0">
-                  <p:tgtEl>
-                    <p:sldTgt/>
-                  </p:tgtEl>
-                </p:cond>
-              </p:nextCondLst>
-            </p:seq>
-          </p:childTnLst>
-        </p:cTn>
-      </p:par>
-    </p:tnLst>
-    <p:bldLst>
-      <p:bldP spid="3" grpId="0" build="p"/>
-    </p:bldLst>
-  </p:timing>
-</p:sld>
-</file>
-
-<file path=ppt/slides/slide17.xml><?xml version="1.0" encoding="utf-8"?>
-<p:sld xmlns:a="http://schemas.openxmlformats.org/drawingml/2006/main" xmlns:r="http://schemas.openxmlformats.org/officeDocument/2006/relationships" xmlns:p="http://schemas.openxmlformats.org/presentationml/2006/main">
-  <p:cSld>
-    <p:spTree>
-      <p:nvGrpSpPr>
-        <p:cNvPr id="1" name=""/>
-        <p:cNvGrpSpPr/>
-        <p:nvPr/>
-      </p:nvGrpSpPr>
-      <p:grpSpPr>
-        <a:xfrm>
-          <a:off x="0" y="0"/>
-          <a:ext cx="0" cy="0"/>
-          <a:chOff x="0" y="0"/>
-          <a:chExt cx="0" cy="0"/>
-        </a:xfrm>
-      </p:grpSpPr>
-      <p:sp>
-        <p:nvSpPr>
-          <p:cNvPr id="2" name="Title 1">
-            <a:extLst>
-              <a:ext uri="{FF2B5EF4-FFF2-40B4-BE49-F238E27FC236}">
-                <a16:creationId xmlns:a16="http://schemas.microsoft.com/office/drawing/2014/main" id="{5B02F4E4-65F2-9646-807D-615D3E02E381}"/>
-              </a:ext>
-            </a:extLst>
-          </p:cNvPr>
-          <p:cNvSpPr>
-            <a:spLocks noGrp="1"/>
-          </p:cNvSpPr>
-          <p:nvPr>
-            <p:ph type="title"/>
-          </p:nvPr>
-        </p:nvSpPr>
-        <p:spPr/>
-        <p:txBody>
-          <a:bodyPr/>
-          <a:lstStyle/>
-          <a:p>
-            <a:r>
-              <a:rPr lang="en-US" b="1" dirty="0"/>
-              <a:t>Minimal APIs</a:t>
-            </a:r>
-          </a:p>
-        </p:txBody>
-      </p:sp>
-      <p:sp>
-        <p:nvSpPr>
-          <p:cNvPr id="3" name="Content Placeholder 2">
-            <a:extLst>
-              <a:ext uri="{FF2B5EF4-FFF2-40B4-BE49-F238E27FC236}">
-                <a16:creationId xmlns:a16="http://schemas.microsoft.com/office/drawing/2014/main" id="{301B8801-4054-EA4D-B3F1-2E9391D62DD3}"/>
-              </a:ext>
-            </a:extLst>
-          </p:cNvPr>
-          <p:cNvSpPr>
-            <a:spLocks noGrp="1"/>
-          </p:cNvSpPr>
-          <p:nvPr>
-            <p:ph idx="1"/>
-          </p:nvPr>
-        </p:nvSpPr>
-        <p:spPr/>
-        <p:txBody>
-          <a:bodyPr/>
-          <a:lstStyle/>
-          <a:p>
-            <a:r>
-              <a:rPr lang="en-US" dirty="0"/>
-              <a:t>Writing clear, minimal APIs is key to managing simplicity in software systems. </a:t>
-            </a:r>
-          </a:p>
-          <a:p>
-            <a:r>
-              <a:rPr lang="en-US" dirty="0"/>
-              <a:t>Smaller APIs with fewer methods and arguments are easier to understand and test.</a:t>
-            </a:r>
-          </a:p>
-          <a:p>
-            <a:pPr lvl="1"/>
-            <a:r>
-              <a:rPr lang="en-US" dirty="0"/>
-              <a:t>Allow us to put more effort into comprehending the actual problem we set out to solve.</a:t>
-            </a:r>
-          </a:p>
-          <a:p>
-            <a:r>
-              <a:rPr lang="en-US" dirty="0"/>
-              <a:t>Less is more.</a:t>
-            </a:r>
-          </a:p>
-          <a:p>
-            <a:endParaRPr lang="en-US" dirty="0"/>
-          </a:p>
-        </p:txBody>
-      </p:sp>
-    </p:spTree>
-    <p:extLst>
-      <p:ext uri="{BB962C8B-B14F-4D97-AF65-F5344CB8AC3E}">
-        <p14:creationId xmlns:p14="http://schemas.microsoft.com/office/powerpoint/2010/main" val="4236232261"/>
-      </p:ext>
-    </p:extLst>
-  </p:cSld>
-  <p:clrMapOvr>
-    <a:masterClrMapping/>
-  </p:clrMapOvr>
-  <mc:AlternateContent xmlns:mc="http://schemas.openxmlformats.org/markup-compatibility/2006" xmlns:p14="http://schemas.microsoft.com/office/powerpoint/2010/main">
-    <mc:Choice Requires="p14">
-      <p:transition spd="med" p14:dur="700">
-        <p:fade/>
-      </p:transition>
-    </mc:Choice>
-    <mc:Fallback xmlns="">
-      <p:transition spd="med">
-        <p:fade/>
-      </p:transition>
-    </mc:Fallback>
-  </mc:AlternateContent>
-  <p:timing>
-    <p:tnLst>
-      <p:par>
-        <p:cTn id="1" dur="indefinite" restart="never" nodeType="tmRoot">
-          <p:childTnLst>
-            <p:seq concurrent="1" nextAc="seek">
-              <p:cTn id="2" dur="indefinite" nodeType="mainSeq">
-                <p:childTnLst>
-                  <p:par>
-                    <p:cTn id="3" fill="hold">
-                      <p:stCondLst>
-                        <p:cond delay="indefinite"/>
-                      </p:stCondLst>
-                      <p:childTnLst>
-                        <p:par>
-                          <p:cTn id="4" fill="hold">
-                            <p:stCondLst>
-                              <p:cond delay="0"/>
-                            </p:stCondLst>
-                            <p:childTnLst>
-                              <p:par>
-                                <p:cTn id="5" presetID="1" presetClass="entr" presetSubtype="0" fill="hold" grpId="0" nodeType="clickEffect">
-                                  <p:stCondLst>
-                                    <p:cond delay="0"/>
-                                  </p:stCondLst>
-                                  <p:childTnLst>
-                                    <p:set>
-                                      <p:cBhvr>
-                                        <p:cTn id="6" dur="1" fill="hold">
-                                          <p:stCondLst>
-                                            <p:cond delay="0"/>
-                                          </p:stCondLst>
-                                        </p:cTn>
-                                        <p:tgtEl>
-                                          <p:spTgt spid="3">
-                                            <p:txEl>
-                                              <p:pRg st="0" end="0"/>
-                                            </p:txEl>
-                                          </p:spTgt>
-                                        </p:tgtEl>
-                                        <p:attrNameLst>
-                                          <p:attrName>style.visibility</p:attrName>
-                                        </p:attrNameLst>
-                                      </p:cBhvr>
-                                      <p:to>
-                                        <p:strVal val="visible"/>
-                                      </p:to>
-                                    </p:set>
-                                  </p:childTnLst>
-                                </p:cTn>
-                              </p:par>
-                            </p:childTnLst>
-                          </p:cTn>
-                        </p:par>
-                      </p:childTnLst>
-                    </p:cTn>
-                  </p:par>
-                  <p:par>
-                    <p:cTn id="7" fill="hold">
-                      <p:stCondLst>
-                        <p:cond delay="indefinite"/>
-                      </p:stCondLst>
-                      <p:childTnLst>
-                        <p:par>
-                          <p:cTn id="8" fill="hold">
-                            <p:stCondLst>
-                              <p:cond delay="0"/>
-                            </p:stCondLst>
-                            <p:childTnLst>
-                              <p:par>
-                                <p:cTn id="9" presetID="1" presetClass="entr" presetSubtype="0" fill="hold" grpId="0" nodeType="clickEffect">
-                                  <p:stCondLst>
-                                    <p:cond delay="0"/>
-                                  </p:stCondLst>
-                                  <p:childTnLst>
-                                    <p:set>
-                                      <p:cBhvr>
-                                        <p:cTn id="10" dur="1" fill="hold">
-                                          <p:stCondLst>
-                                            <p:cond delay="0"/>
-                                          </p:stCondLst>
-                                        </p:cTn>
-                                        <p:tgtEl>
-                                          <p:spTgt spid="3">
-                                            <p:txEl>
-                                              <p:pRg st="1" end="1"/>
-                                            </p:txEl>
-                                          </p:spTgt>
-                                        </p:tgtEl>
-                                        <p:attrNameLst>
-                                          <p:attrName>style.visibility</p:attrName>
-                                        </p:attrNameLst>
-                                      </p:cBhvr>
-                                      <p:to>
-                                        <p:strVal val="visible"/>
-                                      </p:to>
-                                    </p:set>
-                                  </p:childTnLst>
-                                </p:cTn>
-                              </p:par>
-                              <p:par>
-                                <p:cTn id="11" presetID="1" presetClass="entr" presetSubtype="0" fill="hold" grpId="0" nodeType="withEffect">
-                                  <p:stCondLst>
-                                    <p:cond delay="0"/>
-                                  </p:stCondLst>
-                                  <p:childTnLst>
-                                    <p:set>
-                                      <p:cBhvr>
-                                        <p:cTn id="12" dur="1" fill="hold">
-                                          <p:stCondLst>
-                                            <p:cond delay="0"/>
-                                          </p:stCondLst>
-                                        </p:cTn>
-                                        <p:tgtEl>
-                                          <p:spTgt spid="3">
-                                            <p:txEl>
-                                              <p:pRg st="2" end="2"/>
-                                            </p:txEl>
-                                          </p:spTgt>
-                                        </p:tgtEl>
-                                        <p:attrNameLst>
-                                          <p:attrName>style.visibility</p:attrName>
-                                        </p:attrNameLst>
-                                      </p:cBhvr>
-                                      <p:to>
-                                        <p:strVal val="visible"/>
-                                      </p:to>
-                                    </p:set>
-                                  </p:childTnLst>
-                                </p:cTn>
-                              </p:par>
-                            </p:childTnLst>
-                          </p:cTn>
-                        </p:par>
-                      </p:childTnLst>
-                    </p:cTn>
-                  </p:par>
-                  <p:par>
-                    <p:cTn id="13" fill="hold">
-                      <p:stCondLst>
-                        <p:cond delay="indefinite"/>
-                      </p:stCondLst>
-                      <p:childTnLst>
-                        <p:par>
-                          <p:cTn id="14" fill="hold">
-                            <p:stCondLst>
-                              <p:cond delay="0"/>
-                            </p:stCondLst>
-                            <p:childTnLst>
-                              <p:par>
-                                <p:cTn id="15" presetID="1" presetClass="entr" presetSubtype="0" fill="hold" grpId="0" nodeType="clickEffect">
-                                  <p:stCondLst>
-                                    <p:cond delay="0"/>
-                                  </p:stCondLst>
-                                  <p:childTnLst>
-                                    <p:set>
-                                      <p:cBhvr>
-                                        <p:cTn id="16" dur="1" fill="hold">
-                                          <p:stCondLst>
-                                            <p:cond delay="0"/>
-                                          </p:stCondLst>
-                                        </p:cTn>
-                                        <p:tgtEl>
-                                          <p:spTgt spid="3">
-                                            <p:txEl>
-                                              <p:pRg st="3" end="3"/>
-                                            </p:txEl>
-                                          </p:spTgt>
-                                        </p:tgtEl>
-                                        <p:attrNameLst>
-                                          <p:attrName>style.visibility</p:attrName>
-                                        </p:attrNameLst>
-                                      </p:cBhvr>
-                                      <p:to>
-                                        <p:strVal val="visible"/>
-                                      </p:to>
-                                    </p:set>
-                                  </p:childTnLst>
-                                </p:cTn>
-                              </p:par>
-                            </p:childTnLst>
-                          </p:cTn>
-                        </p:par>
-                      </p:childTnLst>
-                    </p:cTn>
-                  </p:par>
-                </p:childTnLst>
-              </p:cTn>
-              <p:prevCondLst>
-                <p:cond evt="onPrev" delay="0">
-                  <p:tgtEl>
-                    <p:sldTgt/>
-                  </p:tgtEl>
-                </p:cond>
-              </p:prevCondLst>
-              <p:nextCondLst>
-                <p:cond evt="onNext" delay="0">
-                  <p:tgtEl>
-                    <p:sldTgt/>
-                  </p:tgtEl>
-                </p:cond>
-              </p:nextCondLst>
-            </p:seq>
-          </p:childTnLst>
-        </p:cTn>
-      </p:par>
-    </p:tnLst>
-    <p:bldLst>
-      <p:bldP spid="3" grpId="0" build="p"/>
-    </p:bldLst>
-  </p:timing>
-</p:sld>
-</file>
-
-<file path=ppt/slides/slide18.xml><?xml version="1.0" encoding="utf-8"?>
+<file path=ppt/slides/slide14.xml><?xml version="1.0" encoding="utf-8"?>
 <p:sld xmlns:a="http://schemas.openxmlformats.org/drawingml/2006/main" xmlns:r="http://schemas.openxmlformats.org/officeDocument/2006/relationships" xmlns:p="http://schemas.openxmlformats.org/presentationml/2006/main">
   <p:cSld>
     <p:spTree>
@@ -7214,7 +5586,7 @@
 </p:sld>
 </file>
 
-<file path=ppt/slides/slide19.xml><?xml version="1.0" encoding="utf-8"?>
+<file path=ppt/slides/slide15.xml><?xml version="1.0" encoding="utf-8"?>
 <p:sld xmlns:a="http://schemas.openxmlformats.org/drawingml/2006/main" xmlns:r="http://schemas.openxmlformats.org/officeDocument/2006/relationships" xmlns:p="http://schemas.openxmlformats.org/presentationml/2006/main">
   <p:cSld>
     <p:spTree>
@@ -7985,7 +6357,7 @@
 </p:sld>
 </file>
 
-<file path=ppt/slides/slide2.xml><?xml version="1.0" encoding="utf-8"?>
+<file path=ppt/slides/slide16.xml><?xml version="1.0" encoding="utf-8"?>
 <p:sld xmlns:a="http://schemas.openxmlformats.org/drawingml/2006/main" xmlns:r="http://schemas.openxmlformats.org/officeDocument/2006/relationships" xmlns:p="http://schemas.openxmlformats.org/presentationml/2006/main">
   <p:cSld>
     <p:spTree>
@@ -8007,7 +6379,7 @@
           <p:cNvPr id="2" name="Title 1">
             <a:extLst>
               <a:ext uri="{FF2B5EF4-FFF2-40B4-BE49-F238E27FC236}">
-                <a16:creationId xmlns:a16="http://schemas.microsoft.com/office/drawing/2014/main" id="{088D20AF-C8D6-8F4A-8259-3387A92CD5AF}"/>
+                <a16:creationId xmlns:a16="http://schemas.microsoft.com/office/drawing/2014/main" id="{977B8AF1-3C5A-5B40-A022-7A684DB3C5B7}"/>
               </a:ext>
             </a:extLst>
           </p:cNvPr>
@@ -8016,44 +6388,6 @@
           </p:cNvSpPr>
           <p:nvPr>
             <p:ph type="title"/>
-          </p:nvPr>
-        </p:nvSpPr>
-        <p:spPr/>
-        <p:txBody>
-          <a:bodyPr>
-            <a:normAutofit/>
-          </a:bodyPr>
-          <a:lstStyle/>
-          <a:p>
-            <a:r>
-              <a:rPr lang="en-US" dirty="0"/>
-              <a:t>Programming is the art of telling </a:t>
-            </a:r>
-            <a:r>
-              <a:rPr lang="en-US" i="1" dirty="0"/>
-              <a:t>another human </a:t>
-            </a:r>
-            <a:r>
-              <a:rPr lang="en-US" dirty="0"/>
-              <a:t>what one wants the computer to do.</a:t>
-            </a:r>
-          </a:p>
-        </p:txBody>
-      </p:sp>
-      <p:sp>
-        <p:nvSpPr>
-          <p:cNvPr id="3" name="Text Placeholder 2">
-            <a:extLst>
-              <a:ext uri="{FF2B5EF4-FFF2-40B4-BE49-F238E27FC236}">
-                <a16:creationId xmlns:a16="http://schemas.microsoft.com/office/drawing/2014/main" id="{498F9B64-D584-0342-A129-54D3DEE160C1}"/>
-              </a:ext>
-            </a:extLst>
-          </p:cNvPr>
-          <p:cNvSpPr>
-            <a:spLocks noGrp="1"/>
-          </p:cNvSpPr>
-          <p:nvPr>
-            <p:ph type="body" idx="1"/>
           </p:nvPr>
         </p:nvSpPr>
         <p:spPr/>
@@ -8062,8 +6396,71 @@
           <a:lstStyle/>
           <a:p>
             <a:r>
-              <a:rPr lang="en-US" dirty="0"/>
-              <a:t>Donald Knuth, Stanford University Professor Emeritus </a:t>
+              <a:rPr lang="en-US" b="1" dirty="0"/>
+              <a:t>Further reading</a:t>
+            </a:r>
+            <a:endParaRPr lang="en-US" dirty="0"/>
+          </a:p>
+        </p:txBody>
+      </p:sp>
+      <p:sp>
+        <p:nvSpPr>
+          <p:cNvPr id="3" name="Content Placeholder 2">
+            <a:extLst>
+              <a:ext uri="{FF2B5EF4-FFF2-40B4-BE49-F238E27FC236}">
+                <a16:creationId xmlns:a16="http://schemas.microsoft.com/office/drawing/2014/main" id="{62151239-2C8C-5C47-B029-8E279A296E76}"/>
+              </a:ext>
+            </a:extLst>
+          </p:cNvPr>
+          <p:cNvSpPr>
+            <a:spLocks noGrp="1"/>
+          </p:cNvSpPr>
+          <p:nvPr>
+            <p:ph idx="1"/>
+          </p:nvPr>
+        </p:nvSpPr>
+        <p:spPr/>
+        <p:txBody>
+          <a:bodyPr/>
+          <a:lstStyle/>
+          <a:p>
+            <a:r>
+              <a:rPr lang="en-US" u="sng" dirty="0"/>
+              <a:t>Test-Driven Development: By Example</a:t>
+            </a:r>
+            <a:r>
+              <a:rPr lang="en-US" dirty="0"/>
+              <a:t> by Kent Beck</a:t>
+            </a:r>
+          </a:p>
+          <a:p>
+            <a:r>
+              <a:rPr lang="en-US" u="sng" dirty="0"/>
+              <a:t>Working Effectively with Legacy Code</a:t>
+            </a:r>
+            <a:r>
+              <a:rPr lang="en-US" dirty="0"/>
+              <a:t> by Michael C. Feathers</a:t>
+            </a:r>
+          </a:p>
+          <a:p>
+            <a:r>
+              <a:rPr lang="en-US" u="sng" dirty="0"/>
+              <a:t>Growing Object-Oriented Software, Guided by Tests</a:t>
+            </a:r>
+            <a:r>
+              <a:rPr lang="en-US" dirty="0"/>
+              <a:t> by Steve Freeman and Nat Pryce</a:t>
+            </a:r>
+          </a:p>
+          <a:p>
+            <a:r>
+              <a:rPr lang="en-US" u="sng" dirty="0"/>
+              <a:t>Beyond Legacy Code</a:t>
+            </a:r>
+            <a:r>
+              <a:rPr lang="en-US" dirty="0"/>
+              <a:t> by David Scott Bernstein</a:t>
             </a:r>
           </a:p>
         </p:txBody>
@@ -8071,7 +6468,7 @@
     </p:spTree>
     <p:extLst>
       <p:ext uri="{BB962C8B-B14F-4D97-AF65-F5344CB8AC3E}">
-        <p14:creationId xmlns:p14="http://schemas.microsoft.com/office/powerpoint/2010/main" val="1512781397"/>
+        <p14:creationId xmlns:p14="http://schemas.microsoft.com/office/powerpoint/2010/main" val="2698004406"/>
       </p:ext>
     </p:extLst>
   </p:cSld>
@@ -8093,7 +6490,7 @@
 </p:sld>
 </file>
 
-<file path=ppt/slides/slide20.xml><?xml version="1.0" encoding="utf-8"?>
+<file path=ppt/slides/slide2.xml><?xml version="1.0" encoding="utf-8"?>
 <p:sld xmlns:a="http://schemas.openxmlformats.org/drawingml/2006/main" xmlns:r="http://schemas.openxmlformats.org/officeDocument/2006/relationships" xmlns:p="http://schemas.openxmlformats.org/presentationml/2006/main">
   <p:cSld>
     <p:spTree>
@@ -8115,7 +6512,7 @@
           <p:cNvPr id="2" name="Title 1">
             <a:extLst>
               <a:ext uri="{FF2B5EF4-FFF2-40B4-BE49-F238E27FC236}">
-                <a16:creationId xmlns:a16="http://schemas.microsoft.com/office/drawing/2014/main" id="{977B8AF1-3C5A-5B40-A022-7A684DB3C5B7}"/>
+                <a16:creationId xmlns:a16="http://schemas.microsoft.com/office/drawing/2014/main" id="{088D20AF-C8D6-8F4A-8259-3387A92CD5AF}"/>
               </a:ext>
             </a:extLst>
           </p:cNvPr>
@@ -8124,6 +6521,44 @@
           </p:cNvSpPr>
           <p:nvPr>
             <p:ph type="title"/>
+          </p:nvPr>
+        </p:nvSpPr>
+        <p:spPr/>
+        <p:txBody>
+          <a:bodyPr>
+            <a:normAutofit/>
+          </a:bodyPr>
+          <a:lstStyle/>
+          <a:p>
+            <a:r>
+              <a:rPr lang="en-US" dirty="0"/>
+              <a:t>Programming is the art of telling </a:t>
+            </a:r>
+            <a:r>
+              <a:rPr lang="en-US" i="1" dirty="0"/>
+              <a:t>another human </a:t>
+            </a:r>
+            <a:r>
+              <a:rPr lang="en-US" dirty="0"/>
+              <a:t>what one wants the computer to do.</a:t>
+            </a:r>
+          </a:p>
+        </p:txBody>
+      </p:sp>
+      <p:sp>
+        <p:nvSpPr>
+          <p:cNvPr id="3" name="Text Placeholder 2">
+            <a:extLst>
+              <a:ext uri="{FF2B5EF4-FFF2-40B4-BE49-F238E27FC236}">
+                <a16:creationId xmlns:a16="http://schemas.microsoft.com/office/drawing/2014/main" id="{498F9B64-D584-0342-A129-54D3DEE160C1}"/>
+              </a:ext>
+            </a:extLst>
+          </p:cNvPr>
+          <p:cNvSpPr>
+            <a:spLocks noGrp="1"/>
+          </p:cNvSpPr>
+          <p:nvPr>
+            <p:ph type="body" idx="1"/>
           </p:nvPr>
         </p:nvSpPr>
         <p:spPr/>
@@ -8132,71 +6567,8 @@
           <a:lstStyle/>
           <a:p>
             <a:r>
-              <a:rPr lang="en-US" b="1" dirty="0"/>
-              <a:t>Further reading</a:t>
-            </a:r>
-            <a:endParaRPr lang="en-US" dirty="0"/>
-          </a:p>
-        </p:txBody>
-      </p:sp>
-      <p:sp>
-        <p:nvSpPr>
-          <p:cNvPr id="3" name="Content Placeholder 2">
-            <a:extLst>
-              <a:ext uri="{FF2B5EF4-FFF2-40B4-BE49-F238E27FC236}">
-                <a16:creationId xmlns:a16="http://schemas.microsoft.com/office/drawing/2014/main" id="{62151239-2C8C-5C47-B029-8E279A296E76}"/>
-              </a:ext>
-            </a:extLst>
-          </p:cNvPr>
-          <p:cNvSpPr>
-            <a:spLocks noGrp="1"/>
-          </p:cNvSpPr>
-          <p:nvPr>
-            <p:ph idx="1"/>
-          </p:nvPr>
-        </p:nvSpPr>
-        <p:spPr/>
-        <p:txBody>
-          <a:bodyPr/>
-          <a:lstStyle/>
-          <a:p>
-            <a:r>
-              <a:rPr lang="en-US" u="sng" dirty="0"/>
-              <a:t>Test-Driven Development: By Example</a:t>
-            </a:r>
-            <a:r>
-              <a:rPr lang="en-US" dirty="0"/>
-              <a:t> by Kent Beck</a:t>
-            </a:r>
-          </a:p>
-          <a:p>
-            <a:r>
-              <a:rPr lang="en-US" u="sng" dirty="0"/>
-              <a:t>Working Effectively with Legacy Code</a:t>
-            </a:r>
-            <a:r>
-              <a:rPr lang="en-US" dirty="0"/>
-              <a:t> by Michael C. Feathers</a:t>
-            </a:r>
-          </a:p>
-          <a:p>
-            <a:r>
-              <a:rPr lang="en-US" u="sng" dirty="0"/>
-              <a:t>Growing Object-Oriented Software, Guided by Tests</a:t>
-            </a:r>
-            <a:r>
-              <a:rPr lang="en-US" dirty="0"/>
-              <a:t> by Steve Freeman and Nat Pryce</a:t>
-            </a:r>
-          </a:p>
-          <a:p>
-            <a:r>
-              <a:rPr lang="en-US" u="sng" dirty="0"/>
-              <a:t>Beyond Legacy Code</a:t>
-            </a:r>
-            <a:r>
-              <a:rPr lang="en-US" dirty="0"/>
-              <a:t> by David Scott Bernstein</a:t>
+              <a:rPr lang="en-US" dirty="0"/>
+              <a:t>Donald Knuth, Stanford University Professor Emeritus </a:t>
             </a:r>
           </a:p>
         </p:txBody>
@@ -8204,7 +6576,7 @@
     </p:spTree>
     <p:extLst>
       <p:ext uri="{BB962C8B-B14F-4D97-AF65-F5344CB8AC3E}">
-        <p14:creationId xmlns:p14="http://schemas.microsoft.com/office/powerpoint/2010/main" val="2698004406"/>
+        <p14:creationId xmlns:p14="http://schemas.microsoft.com/office/powerpoint/2010/main" val="1512781397"/>
       </p:ext>
     </p:extLst>
   </p:cSld>
